--- a/ScapeGoat Three.pptx
+++ b/ScapeGoat Three.pptx
@@ -19,23 +19,25 @@
     <p:sldId id="264" r:id="rId14"/>
     <p:sldId id="265" r:id="rId15"/>
     <p:sldId id="266" r:id="rId16"/>
+    <p:sldId id="267" r:id="rId17"/>
+    <p:sldId id="268" r:id="rId18"/>
   </p:sldIdLst>
   <p:sldSz cy="5143500" cx="9144000"/>
   <p:notesSz cx="6858000" cy="9144000"/>
   <p:embeddedFontLst>
     <p:embeddedFont>
       <p:font typeface="Montserrat Light"/>
-      <p:regular r:id="rId17"/>
-      <p:bold r:id="rId18"/>
-      <p:italic r:id="rId19"/>
-      <p:boldItalic r:id="rId20"/>
+      <p:regular r:id="rId19"/>
+      <p:bold r:id="rId20"/>
+      <p:italic r:id="rId21"/>
+      <p:boldItalic r:id="rId22"/>
     </p:embeddedFont>
     <p:embeddedFont>
       <p:font typeface="Montserrat ExtraLight"/>
-      <p:regular r:id="rId21"/>
-      <p:bold r:id="rId22"/>
-      <p:italic r:id="rId23"/>
-      <p:boldItalic r:id="rId24"/>
+      <p:regular r:id="rId23"/>
+      <p:bold r:id="rId24"/>
+      <p:italic r:id="rId25"/>
+      <p:boldItalic r:id="rId26"/>
     </p:embeddedFont>
   </p:embeddedFontLst>
   <p:defaultTextStyle>
@@ -816,7 +818,7 @@
   <p:cSld>
     <p:spTree>
       <p:nvGrpSpPr>
-        <p:cNvPr id="113" name="Shape 113"/>
+        <p:cNvPr id="108" name="Shape 108"/>
         <p:cNvGrpSpPr/>
         <p:nvPr/>
       </p:nvGrpSpPr>
@@ -830,7 +832,7 @@
       </p:grpSpPr>
       <p:sp>
         <p:nvSpPr>
-          <p:cNvPr id="114" name="Google Shape;114;g1fa41595bf3_0_49:notes"/>
+          <p:cNvPr id="109" name="Google Shape;109;g1fa41595bf3_0_21:notes"/>
           <p:cNvSpPr/>
           <p:nvPr>
             <p:ph idx="2" type="sldImg"/>
@@ -865,7 +867,7 @@
       </p:sp>
       <p:sp>
         <p:nvSpPr>
-          <p:cNvPr id="115" name="Google Shape;115;g1fa41595bf3_0_49:notes"/>
+          <p:cNvPr id="110" name="Google Shape;110;g1fa41595bf3_0_21:notes"/>
           <p:cNvSpPr txBox="1"/>
           <p:nvPr>
             <p:ph idx="1" type="body"/>
@@ -929,7 +931,7 @@
       </p:grpSpPr>
       <p:sp>
         <p:nvSpPr>
-          <p:cNvPr id="120" name="Google Shape;120;g1fa41595bf3_0_54:notes"/>
+          <p:cNvPr id="120" name="Google Shape;120;g1fa41595bf3_0_64:notes"/>
           <p:cNvSpPr/>
           <p:nvPr>
             <p:ph idx="2" type="sldImg"/>
@@ -964,7 +966,205 @@
       </p:sp>
       <p:sp>
         <p:nvSpPr>
-          <p:cNvPr id="121" name="Google Shape;121;g1fa41595bf3_0_54:notes"/>
+          <p:cNvPr id="121" name="Google Shape;121;g1fa41595bf3_0_64:notes"/>
+          <p:cNvSpPr txBox="1"/>
+          <p:nvPr>
+            <p:ph idx="1" type="body"/>
+          </p:nvPr>
+        </p:nvSpPr>
+        <p:spPr>
+          <a:xfrm>
+            <a:off x="685800" y="4343400"/>
+            <a:ext cx="5486400" cy="4114800"/>
+          </a:xfrm>
+          <a:prstGeom prst="rect">
+            <a:avLst/>
+          </a:prstGeom>
+        </p:spPr>
+        <p:txBody>
+          <a:bodyPr anchorCtr="0" anchor="t" bIns="91425" lIns="91425" spcFirstLastPara="1" rIns="91425" wrap="square" tIns="91425">
+            <a:noAutofit/>
+          </a:bodyPr>
+          <a:lstStyle/>
+          <a:p>
+            <a:pPr indent="0" lvl="0" marL="0" rtl="0" algn="l">
+              <a:spcBef>
+                <a:spcPts val="0"/>
+              </a:spcBef>
+              <a:spcAft>
+                <a:spcPts val="0"/>
+              </a:spcAft>
+              <a:buNone/>
+            </a:pPr>
+            <a:r>
+              <a:t/>
+            </a:r>
+            <a:endParaRPr/>
+          </a:p>
+        </p:txBody>
+      </p:sp>
+    </p:spTree>
+  </p:cSld>
+  <p:clrMapOvr>
+    <a:masterClrMapping/>
+  </p:clrMapOvr>
+</p:notes>
+</file>
+
+<file path=ppt/notesSlides/notesSlide12.xml><?xml version="1.0" encoding="utf-8"?>
+<p:notes xmlns:a="http://schemas.openxmlformats.org/drawingml/2006/main" xmlns:r="http://schemas.openxmlformats.org/officeDocument/2006/relationships" xmlns:mc="http://schemas.openxmlformats.org/markup-compatibility/2006" xmlns:mv="urn:schemas-microsoft-com:mac:vml" xmlns:p="http://schemas.openxmlformats.org/presentationml/2006/main" xmlns:c="http://schemas.openxmlformats.org/drawingml/2006/chart" xmlns:dgm="http://schemas.openxmlformats.org/drawingml/2006/diagram" xmlns:o="urn:schemas-microsoft-com:office:office" xmlns:v="urn:schemas-microsoft-com:vml" xmlns:pvml="urn:schemas-microsoft-com:office:powerpoint" xmlns:com="http://schemas.openxmlformats.org/drawingml/2006/compatibility" xmlns:p14="http://schemas.microsoft.com/office/powerpoint/2010/main" xmlns:p15="http://schemas.microsoft.com/office/powerpoint/2012/main" xmlns:ahyp="http://schemas.microsoft.com/office/drawing/2018/hyperlinkcolor" showMasterPhAnim="0" showMasterSp="0">
+  <p:cSld>
+    <p:spTree>
+      <p:nvGrpSpPr>
+        <p:cNvPr id="125" name="Shape 125"/>
+        <p:cNvGrpSpPr/>
+        <p:nvPr/>
+      </p:nvGrpSpPr>
+      <p:grpSpPr>
+        <a:xfrm>
+          <a:off x="0" y="0"/>
+          <a:ext cx="0" cy="0"/>
+          <a:chOff x="0" y="0"/>
+          <a:chExt cx="0" cy="0"/>
+        </a:xfrm>
+      </p:grpSpPr>
+      <p:sp>
+        <p:nvSpPr>
+          <p:cNvPr id="126" name="Google Shape;126;g1fa41595bf3_0_49:notes"/>
+          <p:cNvSpPr/>
+          <p:nvPr>
+            <p:ph idx="2" type="sldImg"/>
+          </p:nvPr>
+        </p:nvSpPr>
+        <p:spPr>
+          <a:xfrm>
+            <a:off x="381300" y="685800"/>
+            <a:ext cx="6096000" cy="3429000"/>
+          </a:xfrm>
+          <a:custGeom>
+            <a:rect b="b" l="l" r="r" t="t"/>
+            <a:pathLst>
+              <a:path extrusionOk="0" h="120000" w="120000">
+                <a:moveTo>
+                  <a:pt x="0" y="0"/>
+                </a:moveTo>
+                <a:lnTo>
+                  <a:pt x="120000" y="0"/>
+                </a:lnTo>
+                <a:lnTo>
+                  <a:pt x="120000" y="120000"/>
+                </a:lnTo>
+                <a:lnTo>
+                  <a:pt x="0" y="120000"/>
+                </a:lnTo>
+                <a:close/>
+              </a:path>
+            </a:pathLst>
+          </a:custGeom>
+        </p:spPr>
+      </p:sp>
+      <p:sp>
+        <p:nvSpPr>
+          <p:cNvPr id="127" name="Google Shape;127;g1fa41595bf3_0_49:notes"/>
+          <p:cNvSpPr txBox="1"/>
+          <p:nvPr>
+            <p:ph idx="1" type="body"/>
+          </p:nvPr>
+        </p:nvSpPr>
+        <p:spPr>
+          <a:xfrm>
+            <a:off x="685800" y="4343400"/>
+            <a:ext cx="5486400" cy="4114800"/>
+          </a:xfrm>
+          <a:prstGeom prst="rect">
+            <a:avLst/>
+          </a:prstGeom>
+        </p:spPr>
+        <p:txBody>
+          <a:bodyPr anchorCtr="0" anchor="t" bIns="91425" lIns="91425" spcFirstLastPara="1" rIns="91425" wrap="square" tIns="91425">
+            <a:noAutofit/>
+          </a:bodyPr>
+          <a:lstStyle/>
+          <a:p>
+            <a:pPr indent="0" lvl="0" marL="0" rtl="0" algn="l">
+              <a:spcBef>
+                <a:spcPts val="0"/>
+              </a:spcBef>
+              <a:spcAft>
+                <a:spcPts val="0"/>
+              </a:spcAft>
+              <a:buNone/>
+            </a:pPr>
+            <a:r>
+              <a:t/>
+            </a:r>
+            <a:endParaRPr/>
+          </a:p>
+        </p:txBody>
+      </p:sp>
+    </p:spTree>
+  </p:cSld>
+  <p:clrMapOvr>
+    <a:masterClrMapping/>
+  </p:clrMapOvr>
+</p:notes>
+</file>
+
+<file path=ppt/notesSlides/notesSlide13.xml><?xml version="1.0" encoding="utf-8"?>
+<p:notes xmlns:a="http://schemas.openxmlformats.org/drawingml/2006/main" xmlns:r="http://schemas.openxmlformats.org/officeDocument/2006/relationships" xmlns:mc="http://schemas.openxmlformats.org/markup-compatibility/2006" xmlns:mv="urn:schemas-microsoft-com:mac:vml" xmlns:p="http://schemas.openxmlformats.org/presentationml/2006/main" xmlns:c="http://schemas.openxmlformats.org/drawingml/2006/chart" xmlns:dgm="http://schemas.openxmlformats.org/drawingml/2006/diagram" xmlns:o="urn:schemas-microsoft-com:office:office" xmlns:v="urn:schemas-microsoft-com:vml" xmlns:pvml="urn:schemas-microsoft-com:office:powerpoint" xmlns:com="http://schemas.openxmlformats.org/drawingml/2006/compatibility" xmlns:p14="http://schemas.microsoft.com/office/powerpoint/2010/main" xmlns:p15="http://schemas.microsoft.com/office/powerpoint/2012/main" xmlns:ahyp="http://schemas.microsoft.com/office/drawing/2018/hyperlinkcolor" showMasterPhAnim="0" showMasterSp="0">
+  <p:cSld>
+    <p:spTree>
+      <p:nvGrpSpPr>
+        <p:cNvPr id="131" name="Shape 131"/>
+        <p:cNvGrpSpPr/>
+        <p:nvPr/>
+      </p:nvGrpSpPr>
+      <p:grpSpPr>
+        <a:xfrm>
+          <a:off x="0" y="0"/>
+          <a:ext cx="0" cy="0"/>
+          <a:chOff x="0" y="0"/>
+          <a:chExt cx="0" cy="0"/>
+        </a:xfrm>
+      </p:grpSpPr>
+      <p:sp>
+        <p:nvSpPr>
+          <p:cNvPr id="132" name="Google Shape;132;g1fa41595bf3_0_54:notes"/>
+          <p:cNvSpPr/>
+          <p:nvPr>
+            <p:ph idx="2" type="sldImg"/>
+          </p:nvPr>
+        </p:nvSpPr>
+        <p:spPr>
+          <a:xfrm>
+            <a:off x="381300" y="685800"/>
+            <a:ext cx="6096000" cy="3429000"/>
+          </a:xfrm>
+          <a:custGeom>
+            <a:rect b="b" l="l" r="r" t="t"/>
+            <a:pathLst>
+              <a:path extrusionOk="0" h="120000" w="120000">
+                <a:moveTo>
+                  <a:pt x="0" y="0"/>
+                </a:moveTo>
+                <a:lnTo>
+                  <a:pt x="120000" y="0"/>
+                </a:lnTo>
+                <a:lnTo>
+                  <a:pt x="120000" y="120000"/>
+                </a:lnTo>
+                <a:lnTo>
+                  <a:pt x="0" y="120000"/>
+                </a:lnTo>
+                <a:close/>
+              </a:path>
+            </a:pathLst>
+          </a:custGeom>
+        </p:spPr>
+      </p:sp>
+      <p:sp>
+        <p:nvSpPr>
+          <p:cNvPr id="133" name="Google Shape;133;g1fa41595bf3_0_54:notes"/>
           <p:cNvSpPr txBox="1"/>
           <p:nvPr>
             <p:ph idx="1" type="body"/>
@@ -1523,7 +1723,7 @@
       </p:grpSpPr>
       <p:sp>
         <p:nvSpPr>
-          <p:cNvPr id="91" name="Google Shape;91;g1fa41595bf3_0_15:notes"/>
+          <p:cNvPr id="91" name="Google Shape;91;g1fa41595bf3_0_69:notes"/>
           <p:cNvSpPr/>
           <p:nvPr>
             <p:ph idx="2" type="sldImg"/>
@@ -1558,7 +1758,7 @@
       </p:sp>
       <p:sp>
         <p:nvSpPr>
-          <p:cNvPr id="92" name="Google Shape;92;g1fa41595bf3_0_15:notes"/>
+          <p:cNvPr id="92" name="Google Shape;92;g1fa41595bf3_0_69:notes"/>
           <p:cNvSpPr txBox="1"/>
           <p:nvPr>
             <p:ph idx="1" type="body"/>
@@ -1622,7 +1822,7 @@
       </p:grpSpPr>
       <p:sp>
         <p:nvSpPr>
-          <p:cNvPr id="97" name="Google Shape;97;g1fa41595bf3_0_41:notes"/>
+          <p:cNvPr id="97" name="Google Shape;97;g1fa41595bf3_0_15:notes"/>
           <p:cNvSpPr/>
           <p:nvPr>
             <p:ph idx="2" type="sldImg"/>
@@ -1657,7 +1857,7 @@
       </p:sp>
       <p:sp>
         <p:nvSpPr>
-          <p:cNvPr id="98" name="Google Shape;98;g1fa41595bf3_0_41:notes"/>
+          <p:cNvPr id="98" name="Google Shape;98;g1fa41595bf3_0_15:notes"/>
           <p:cNvSpPr txBox="1"/>
           <p:nvPr>
             <p:ph idx="1" type="body"/>
@@ -1721,7 +1921,7 @@
       </p:grpSpPr>
       <p:sp>
         <p:nvSpPr>
-          <p:cNvPr id="103" name="Google Shape;103;g1fa41595bf3_0_21:notes"/>
+          <p:cNvPr id="103" name="Google Shape;103;g1fa41595bf3_0_41:notes"/>
           <p:cNvSpPr/>
           <p:nvPr>
             <p:ph idx="2" type="sldImg"/>
@@ -1756,7 +1956,7 @@
       </p:sp>
       <p:sp>
         <p:nvSpPr>
-          <p:cNvPr id="104" name="Google Shape;104;g1fa41595bf3_0_21:notes"/>
+          <p:cNvPr id="104" name="Google Shape;104;g1fa41595bf3_0_41:notes"/>
           <p:cNvSpPr txBox="1"/>
           <p:nvPr>
             <p:ph idx="1" type="body"/>
@@ -6606,7 +6806,7 @@
   <p:cSld>
     <p:spTree>
       <p:nvGrpSpPr>
-        <p:cNvPr id="116" name="Shape 116"/>
+        <p:cNvPr id="111" name="Shape 111"/>
         <p:cNvGrpSpPr/>
         <p:nvPr/>
       </p:nvGrpSpPr>
@@ -6620,7 +6820,7 @@
       </p:grpSpPr>
       <p:sp>
         <p:nvSpPr>
-          <p:cNvPr id="117" name="Google Shape;117;p22"/>
+          <p:cNvPr id="112" name="Google Shape;112;p22"/>
           <p:cNvSpPr txBox="1"/>
           <p:nvPr>
             <p:ph type="title"/>
@@ -6628,7 +6828,7 @@
         </p:nvSpPr>
         <p:spPr>
           <a:xfrm>
-            <a:off x="311700" y="445025"/>
+            <a:off x="311700" y="310950"/>
             <a:ext cx="8520600" cy="572700"/>
           </a:xfrm>
           <a:prstGeom prst="rect">
@@ -6637,7 +6837,7 @@
         </p:spPr>
         <p:txBody>
           <a:bodyPr anchorCtr="0" anchor="t" bIns="91425" lIns="91425" spcFirstLastPara="1" rIns="91425" wrap="square" tIns="91425">
-            <a:normAutofit/>
+            <a:noAutofit/>
           </a:bodyPr>
           <a:lstStyle/>
           <a:p>
@@ -6652,15 +6852,33 @@
               <a:buNone/>
             </a:pPr>
             <a:r>
-              <a:rPr lang="ru" sz="2520">
+              <a:rPr lang="ru" sz="3020">
                 <a:latin typeface="Courier New"/>
                 <a:ea typeface="Courier New"/>
                 <a:cs typeface="Courier New"/>
                 <a:sym typeface="Courier New"/>
               </a:rPr>
-              <a:t>Результаты тестирования</a:t>
+              <a:t>Пример деревьев с разным </a:t>
             </a:r>
-            <a:endParaRPr sz="2520">
+            <a:r>
+              <a:rPr lang="ru" sz="3020">
+                <a:latin typeface="Courier New"/>
+                <a:ea typeface="Courier New"/>
+                <a:cs typeface="Courier New"/>
+                <a:sym typeface="Courier New"/>
+              </a:rPr>
+              <a:t>коэффициентом</a:t>
+            </a:r>
+            <a:r>
+              <a:rPr lang="ru" sz="3020">
+                <a:latin typeface="Courier New"/>
+                <a:ea typeface="Courier New"/>
+                <a:cs typeface="Courier New"/>
+                <a:sym typeface="Courier New"/>
+              </a:rPr>
+              <a:t> a</a:t>
+            </a:r>
+            <a:endParaRPr sz="3020">
               <a:latin typeface="Courier New"/>
               <a:ea typeface="Courier New"/>
               <a:cs typeface="Courier New"/>
@@ -6669,26 +6887,216 @@
           </a:p>
         </p:txBody>
       </p:sp>
+      <p:pic>
+        <p:nvPicPr>
+          <p:cNvPr id="113" name="Google Shape;113;p22"/>
+          <p:cNvPicPr preferRelativeResize="0"/>
+          <p:nvPr/>
+        </p:nvPicPr>
+        <p:blipFill>
+          <a:blip r:embed="rId3">
+            <a:alphaModFix/>
+          </a:blip>
+          <a:stretch>
+            <a:fillRect/>
+          </a:stretch>
+        </p:blipFill>
+        <p:spPr>
+          <a:xfrm>
+            <a:off x="311700" y="1350750"/>
+            <a:ext cx="3697215" cy="1854662"/>
+          </a:xfrm>
+          <a:prstGeom prst="rect">
+            <a:avLst/>
+          </a:prstGeom>
+          <a:noFill/>
+          <a:ln>
+            <a:noFill/>
+          </a:ln>
+        </p:spPr>
+      </p:pic>
+      <p:pic>
+        <p:nvPicPr>
+          <p:cNvPr id="114" name="Google Shape;114;p22"/>
+          <p:cNvPicPr preferRelativeResize="0"/>
+          <p:nvPr/>
+        </p:nvPicPr>
+        <p:blipFill>
+          <a:blip r:embed="rId4">
+            <a:alphaModFix/>
+          </a:blip>
+          <a:stretch>
+            <a:fillRect/>
+          </a:stretch>
+        </p:blipFill>
+        <p:spPr>
+          <a:xfrm>
+            <a:off x="5676050" y="1350475"/>
+            <a:ext cx="2974701" cy="1896550"/>
+          </a:xfrm>
+          <a:prstGeom prst="rect">
+            <a:avLst/>
+          </a:prstGeom>
+          <a:noFill/>
+          <a:ln>
+            <a:noFill/>
+          </a:ln>
+        </p:spPr>
+      </p:pic>
+      <p:pic>
+        <p:nvPicPr>
+          <p:cNvPr id="115" name="Google Shape;115;p22"/>
+          <p:cNvPicPr preferRelativeResize="0"/>
+          <p:nvPr/>
+        </p:nvPicPr>
+        <p:blipFill>
+          <a:blip r:embed="rId5">
+            <a:alphaModFix/>
+          </a:blip>
+          <a:stretch>
+            <a:fillRect/>
+          </a:stretch>
+        </p:blipFill>
+        <p:spPr>
+          <a:xfrm>
+            <a:off x="3650875" y="3311650"/>
+            <a:ext cx="3100148" cy="1703800"/>
+          </a:xfrm>
+          <a:prstGeom prst="rect">
+            <a:avLst/>
+          </a:prstGeom>
+          <a:noFill/>
+          <a:ln>
+            <a:noFill/>
+          </a:ln>
+        </p:spPr>
+      </p:pic>
+      <p:sp>
+        <p:nvSpPr>
+          <p:cNvPr id="116" name="Google Shape;116;p22"/>
+          <p:cNvSpPr txBox="1"/>
+          <p:nvPr/>
+        </p:nvSpPr>
+        <p:spPr>
+          <a:xfrm>
+            <a:off x="734125" y="2993450"/>
+            <a:ext cx="1462500" cy="461700"/>
+          </a:xfrm>
+          <a:prstGeom prst="rect">
+            <a:avLst/>
+          </a:prstGeom>
+          <a:noFill/>
+          <a:ln>
+            <a:noFill/>
+          </a:ln>
+        </p:spPr>
+        <p:txBody>
+          <a:bodyPr anchorCtr="0" anchor="t" bIns="91425" lIns="91425" spcFirstLastPara="1" rIns="91425" wrap="square" tIns="91425">
+            <a:spAutoFit/>
+          </a:bodyPr>
+          <a:lstStyle/>
+          <a:p>
+            <a:pPr indent="0" lvl="0" marL="0" rtl="0" algn="l">
+              <a:spcBef>
+                <a:spcPts val="0"/>
+              </a:spcBef>
+              <a:spcAft>
+                <a:spcPts val="0"/>
+              </a:spcAft>
+              <a:buNone/>
+            </a:pPr>
+            <a:r>
+              <a:rPr lang="ru" sz="1800">
+                <a:latin typeface="Montserrat ExtraLight"/>
+                <a:ea typeface="Montserrat ExtraLight"/>
+                <a:cs typeface="Montserrat ExtraLight"/>
+                <a:sym typeface="Montserrat ExtraLight"/>
+              </a:rPr>
+              <a:t>a = 0,6</a:t>
+            </a:r>
+            <a:endParaRPr sz="1800">
+              <a:latin typeface="Montserrat ExtraLight"/>
+              <a:ea typeface="Montserrat ExtraLight"/>
+              <a:cs typeface="Montserrat ExtraLight"/>
+              <a:sym typeface="Montserrat ExtraLight"/>
+            </a:endParaRPr>
+          </a:p>
+        </p:txBody>
+      </p:sp>
+      <p:sp>
+        <p:nvSpPr>
+          <p:cNvPr id="117" name="Google Shape;117;p22"/>
+          <p:cNvSpPr txBox="1"/>
+          <p:nvPr/>
+        </p:nvSpPr>
+        <p:spPr>
+          <a:xfrm>
+            <a:off x="3830000" y="4504800"/>
+            <a:ext cx="1121400" cy="461700"/>
+          </a:xfrm>
+          <a:prstGeom prst="rect">
+            <a:avLst/>
+          </a:prstGeom>
+          <a:noFill/>
+          <a:ln>
+            <a:noFill/>
+          </a:ln>
+        </p:spPr>
+        <p:txBody>
+          <a:bodyPr anchorCtr="0" anchor="t" bIns="91425" lIns="91425" spcFirstLastPara="1" rIns="91425" wrap="square" tIns="91425">
+            <a:spAutoFit/>
+          </a:bodyPr>
+          <a:lstStyle/>
+          <a:p>
+            <a:pPr indent="0" lvl="0" marL="0" rtl="0" algn="l">
+              <a:spcBef>
+                <a:spcPts val="0"/>
+              </a:spcBef>
+              <a:spcAft>
+                <a:spcPts val="0"/>
+              </a:spcAft>
+              <a:buNone/>
+            </a:pPr>
+            <a:r>
+              <a:rPr lang="ru" sz="1800">
+                <a:latin typeface="Montserrat ExtraLight"/>
+                <a:ea typeface="Montserrat ExtraLight"/>
+                <a:cs typeface="Montserrat ExtraLight"/>
+                <a:sym typeface="Montserrat ExtraLight"/>
+              </a:rPr>
+              <a:t>a = 0,57</a:t>
+            </a:r>
+            <a:endParaRPr sz="1800">
+              <a:latin typeface="Montserrat ExtraLight"/>
+              <a:ea typeface="Montserrat ExtraLight"/>
+              <a:cs typeface="Montserrat ExtraLight"/>
+              <a:sym typeface="Montserrat ExtraLight"/>
+            </a:endParaRPr>
+          </a:p>
+        </p:txBody>
+      </p:sp>
       <p:sp>
         <p:nvSpPr>
           <p:cNvPr id="118" name="Google Shape;118;p22"/>
           <p:cNvSpPr txBox="1"/>
-          <p:nvPr>
-            <p:ph idx="1" type="body"/>
-          </p:nvPr>
+          <p:nvPr/>
         </p:nvSpPr>
         <p:spPr>
           <a:xfrm>
-            <a:off x="311700" y="1152475"/>
-            <a:ext cx="8520600" cy="3416400"/>
+            <a:off x="6682075" y="3273775"/>
+            <a:ext cx="1145700" cy="461700"/>
           </a:xfrm>
           <a:prstGeom prst="rect">
             <a:avLst/>
           </a:prstGeom>
+          <a:noFill/>
+          <a:ln>
+            <a:noFill/>
+          </a:ln>
         </p:spPr>
         <p:txBody>
           <a:bodyPr anchorCtr="0" anchor="t" bIns="91425" lIns="91425" spcFirstLastPara="1" rIns="91425" wrap="square" tIns="91425">
-            <a:normAutofit/>
+            <a:spAutoFit/>
           </a:bodyPr>
           <a:lstStyle/>
           <a:p>
@@ -6697,14 +7105,25 @@
                 <a:spcPts val="0"/>
               </a:spcBef>
               <a:spcAft>
-                <a:spcPts val="1200"/>
+                <a:spcPts val="0"/>
               </a:spcAft>
               <a:buNone/>
             </a:pPr>
             <a:r>
-              <a:t/>
+              <a:rPr lang="ru" sz="1800">
+                <a:latin typeface="Montserrat ExtraLight"/>
+                <a:ea typeface="Montserrat ExtraLight"/>
+                <a:cs typeface="Montserrat ExtraLight"/>
+                <a:sym typeface="Montserrat ExtraLight"/>
+              </a:rPr>
+              <a:t>a = 0,55</a:t>
             </a:r>
-            <a:endParaRPr/>
+            <a:endParaRPr sz="1800">
+              <a:latin typeface="Montserrat ExtraLight"/>
+              <a:ea typeface="Montserrat ExtraLight"/>
+              <a:cs typeface="Montserrat ExtraLight"/>
+              <a:sym typeface="Montserrat ExtraLight"/>
+            </a:endParaRPr>
           </a:p>
         </p:txBody>
       </p:sp>
@@ -6752,7 +7171,7 @@
         </p:spPr>
         <p:txBody>
           <a:bodyPr anchorCtr="0" anchor="t" bIns="91425" lIns="91425" spcFirstLastPara="1" rIns="91425" wrap="square" tIns="91425">
-            <a:normAutofit fontScale="90000"/>
+            <a:noAutofit/>
           </a:bodyPr>
           <a:lstStyle/>
           <a:p>
@@ -6763,18 +7182,19 @@
               <a:spcAft>
                 <a:spcPts val="0"/>
               </a:spcAft>
+              <a:buSzPts val="990"/>
               <a:buNone/>
             </a:pPr>
             <a:r>
-              <a:rPr lang="ru">
+              <a:rPr lang="ru" sz="3020">
                 <a:latin typeface="Courier New"/>
                 <a:ea typeface="Courier New"/>
                 <a:cs typeface="Courier New"/>
                 <a:sym typeface="Courier New"/>
               </a:rPr>
-              <a:t>Заключение</a:t>
+              <a:t>Что будет исследоваться</a:t>
             </a:r>
-            <a:endParaRPr>
+            <a:endParaRPr sz="3020">
               <a:latin typeface="Courier New"/>
               <a:ea typeface="Courier New"/>
               <a:cs typeface="Courier New"/>
@@ -6786,6 +7206,305 @@
       <p:sp>
         <p:nvSpPr>
           <p:cNvPr id="124" name="Google Shape;124;p23"/>
+          <p:cNvSpPr txBox="1"/>
+          <p:nvPr>
+            <p:ph idx="1" type="body"/>
+          </p:nvPr>
+        </p:nvSpPr>
+        <p:spPr>
+          <a:xfrm>
+            <a:off x="311700" y="1152475"/>
+            <a:ext cx="8520600" cy="3416400"/>
+          </a:xfrm>
+          <a:prstGeom prst="rect">
+            <a:avLst/>
+          </a:prstGeom>
+        </p:spPr>
+        <p:txBody>
+          <a:bodyPr anchorCtr="0" anchor="t" bIns="91425" lIns="91425" spcFirstLastPara="1" rIns="91425" wrap="square" tIns="91425">
+            <a:normAutofit/>
+          </a:bodyPr>
+          <a:lstStyle/>
+          <a:p>
+            <a:pPr indent="-355600" lvl="0" marL="457200" rtl="0" algn="l">
+              <a:spcBef>
+                <a:spcPts val="0"/>
+              </a:spcBef>
+              <a:spcAft>
+                <a:spcPts val="0"/>
+              </a:spcAft>
+              <a:buSzPts val="2000"/>
+              <a:buFont typeface="Montserrat Light"/>
+              <a:buChar char="●"/>
+            </a:pPr>
+            <a:r>
+              <a:rPr lang="ru" sz="2000">
+                <a:latin typeface="Montserrat Light"/>
+                <a:ea typeface="Montserrat Light"/>
+                <a:cs typeface="Montserrat Light"/>
+                <a:sym typeface="Montserrat Light"/>
+              </a:rPr>
+              <a:t>Скорость выполнения каждой операции</a:t>
+            </a:r>
+            <a:endParaRPr sz="2000">
+              <a:latin typeface="Montserrat Light"/>
+              <a:ea typeface="Montserrat Light"/>
+              <a:cs typeface="Montserrat Light"/>
+              <a:sym typeface="Montserrat Light"/>
+            </a:endParaRPr>
+          </a:p>
+          <a:p>
+            <a:pPr indent="-355600" lvl="0" marL="457200" rtl="0" algn="l">
+              <a:spcBef>
+                <a:spcPts val="0"/>
+              </a:spcBef>
+              <a:spcAft>
+                <a:spcPts val="0"/>
+              </a:spcAft>
+              <a:buSzPts val="2000"/>
+              <a:buFont typeface="Montserrat Light"/>
+              <a:buChar char="●"/>
+            </a:pPr>
+            <a:r>
+              <a:rPr lang="ru" sz="2000">
+                <a:latin typeface="Montserrat Light"/>
+                <a:ea typeface="Montserrat Light"/>
+                <a:cs typeface="Montserrat Light"/>
+                <a:sym typeface="Montserrat Light"/>
+              </a:rPr>
+              <a:t>Затраты памяти</a:t>
+            </a:r>
+            <a:endParaRPr sz="2000">
+              <a:latin typeface="Montserrat Light"/>
+              <a:ea typeface="Montserrat Light"/>
+              <a:cs typeface="Montserrat Light"/>
+              <a:sym typeface="Montserrat Light"/>
+            </a:endParaRPr>
+          </a:p>
+          <a:p>
+            <a:pPr indent="-355600" lvl="0" marL="457200" rtl="0" algn="l">
+              <a:spcBef>
+                <a:spcPts val="0"/>
+              </a:spcBef>
+              <a:spcAft>
+                <a:spcPts val="0"/>
+              </a:spcAft>
+              <a:buSzPts val="2000"/>
+              <a:buFont typeface="Montserrat Light"/>
+              <a:buChar char="●"/>
+            </a:pPr>
+            <a:r>
+              <a:rPr lang="ru" sz="2000">
+                <a:latin typeface="Montserrat Light"/>
+                <a:ea typeface="Montserrat Light"/>
+                <a:cs typeface="Montserrat Light"/>
+                <a:sym typeface="Montserrat Light"/>
+              </a:rPr>
+              <a:t>Качество выполнения операций</a:t>
+            </a:r>
+            <a:endParaRPr sz="2000">
+              <a:latin typeface="Montserrat Light"/>
+              <a:ea typeface="Montserrat Light"/>
+              <a:cs typeface="Montserrat Light"/>
+              <a:sym typeface="Montserrat Light"/>
+            </a:endParaRPr>
+          </a:p>
+        </p:txBody>
+      </p:sp>
+    </p:spTree>
+  </p:cSld>
+  <p:clrMapOvr>
+    <a:masterClrMapping/>
+  </p:clrMapOvr>
+</p:sld>
+</file>
+
+<file path=ppt/slides/slide12.xml><?xml version="1.0" encoding="utf-8"?>
+<p:sld xmlns:a="http://schemas.openxmlformats.org/drawingml/2006/main" xmlns:r="http://schemas.openxmlformats.org/officeDocument/2006/relationships" xmlns:mc="http://schemas.openxmlformats.org/markup-compatibility/2006" xmlns:mv="urn:schemas-microsoft-com:mac:vml" xmlns:p="http://schemas.openxmlformats.org/presentationml/2006/main" xmlns:c="http://schemas.openxmlformats.org/drawingml/2006/chart" xmlns:dgm="http://schemas.openxmlformats.org/drawingml/2006/diagram" xmlns:o="urn:schemas-microsoft-com:office:office" xmlns:v="urn:schemas-microsoft-com:vml" xmlns:pvml="urn:schemas-microsoft-com:office:powerpoint" xmlns:com="http://schemas.openxmlformats.org/drawingml/2006/compatibility" xmlns:p14="http://schemas.microsoft.com/office/powerpoint/2010/main" xmlns:p15="http://schemas.microsoft.com/office/powerpoint/2012/main" xmlns:ahyp="http://schemas.microsoft.com/office/drawing/2018/hyperlinkcolor">
+  <p:cSld>
+    <p:spTree>
+      <p:nvGrpSpPr>
+        <p:cNvPr id="128" name="Shape 128"/>
+        <p:cNvGrpSpPr/>
+        <p:nvPr/>
+      </p:nvGrpSpPr>
+      <p:grpSpPr>
+        <a:xfrm>
+          <a:off x="0" y="0"/>
+          <a:ext cx="0" cy="0"/>
+          <a:chOff x="0" y="0"/>
+          <a:chExt cx="0" cy="0"/>
+        </a:xfrm>
+      </p:grpSpPr>
+      <p:sp>
+        <p:nvSpPr>
+          <p:cNvPr id="129" name="Google Shape;129;p24"/>
+          <p:cNvSpPr txBox="1"/>
+          <p:nvPr>
+            <p:ph type="title"/>
+          </p:nvPr>
+        </p:nvSpPr>
+        <p:spPr>
+          <a:xfrm>
+            <a:off x="311700" y="445025"/>
+            <a:ext cx="8520600" cy="572700"/>
+          </a:xfrm>
+          <a:prstGeom prst="rect">
+            <a:avLst/>
+          </a:prstGeom>
+        </p:spPr>
+        <p:txBody>
+          <a:bodyPr anchorCtr="0" anchor="t" bIns="91425" lIns="91425" spcFirstLastPara="1" rIns="91425" wrap="square" tIns="91425">
+            <a:noAutofit/>
+          </a:bodyPr>
+          <a:lstStyle/>
+          <a:p>
+            <a:pPr indent="0" lvl="0" marL="0" rtl="0" algn="ctr">
+              <a:spcBef>
+                <a:spcPts val="0"/>
+              </a:spcBef>
+              <a:spcAft>
+                <a:spcPts val="0"/>
+              </a:spcAft>
+              <a:buSzPts val="990"/>
+              <a:buNone/>
+            </a:pPr>
+            <a:r>
+              <a:rPr lang="ru" sz="3020">
+                <a:latin typeface="Courier New"/>
+                <a:ea typeface="Courier New"/>
+                <a:cs typeface="Courier New"/>
+                <a:sym typeface="Courier New"/>
+              </a:rPr>
+              <a:t>Результаты тестирования</a:t>
+            </a:r>
+            <a:endParaRPr sz="3020">
+              <a:latin typeface="Courier New"/>
+              <a:ea typeface="Courier New"/>
+              <a:cs typeface="Courier New"/>
+              <a:sym typeface="Courier New"/>
+            </a:endParaRPr>
+          </a:p>
+        </p:txBody>
+      </p:sp>
+      <p:sp>
+        <p:nvSpPr>
+          <p:cNvPr id="130" name="Google Shape;130;p24"/>
+          <p:cNvSpPr txBox="1"/>
+          <p:nvPr>
+            <p:ph idx="1" type="body"/>
+          </p:nvPr>
+        </p:nvSpPr>
+        <p:spPr>
+          <a:xfrm>
+            <a:off x="311700" y="1152475"/>
+            <a:ext cx="8520600" cy="3416400"/>
+          </a:xfrm>
+          <a:prstGeom prst="rect">
+            <a:avLst/>
+          </a:prstGeom>
+        </p:spPr>
+        <p:txBody>
+          <a:bodyPr anchorCtr="0" anchor="t" bIns="91425" lIns="91425" spcFirstLastPara="1" rIns="91425" wrap="square" tIns="91425">
+            <a:normAutofit/>
+          </a:bodyPr>
+          <a:lstStyle/>
+          <a:p>
+            <a:pPr indent="0" lvl="0" marL="0" rtl="0" algn="l">
+              <a:spcBef>
+                <a:spcPts val="0"/>
+              </a:spcBef>
+              <a:spcAft>
+                <a:spcPts val="1200"/>
+              </a:spcAft>
+              <a:buNone/>
+            </a:pPr>
+            <a:r>
+              <a:t/>
+            </a:r>
+            <a:endParaRPr/>
+          </a:p>
+        </p:txBody>
+      </p:sp>
+    </p:spTree>
+  </p:cSld>
+  <p:clrMapOvr>
+    <a:masterClrMapping/>
+  </p:clrMapOvr>
+</p:sld>
+</file>
+
+<file path=ppt/slides/slide13.xml><?xml version="1.0" encoding="utf-8"?>
+<p:sld xmlns:a="http://schemas.openxmlformats.org/drawingml/2006/main" xmlns:r="http://schemas.openxmlformats.org/officeDocument/2006/relationships" xmlns:mc="http://schemas.openxmlformats.org/markup-compatibility/2006" xmlns:mv="urn:schemas-microsoft-com:mac:vml" xmlns:p="http://schemas.openxmlformats.org/presentationml/2006/main" xmlns:c="http://schemas.openxmlformats.org/drawingml/2006/chart" xmlns:dgm="http://schemas.openxmlformats.org/drawingml/2006/diagram" xmlns:o="urn:schemas-microsoft-com:office:office" xmlns:v="urn:schemas-microsoft-com:vml" xmlns:pvml="urn:schemas-microsoft-com:office:powerpoint" xmlns:com="http://schemas.openxmlformats.org/drawingml/2006/compatibility" xmlns:p14="http://schemas.microsoft.com/office/powerpoint/2010/main" xmlns:p15="http://schemas.microsoft.com/office/powerpoint/2012/main" xmlns:ahyp="http://schemas.microsoft.com/office/drawing/2018/hyperlinkcolor">
+  <p:cSld>
+    <p:spTree>
+      <p:nvGrpSpPr>
+        <p:cNvPr id="134" name="Shape 134"/>
+        <p:cNvGrpSpPr/>
+        <p:nvPr/>
+      </p:nvGrpSpPr>
+      <p:grpSpPr>
+        <a:xfrm>
+          <a:off x="0" y="0"/>
+          <a:ext cx="0" cy="0"/>
+          <a:chOff x="0" y="0"/>
+          <a:chExt cx="0" cy="0"/>
+        </a:xfrm>
+      </p:grpSpPr>
+      <p:sp>
+        <p:nvSpPr>
+          <p:cNvPr id="135" name="Google Shape;135;p25"/>
+          <p:cNvSpPr txBox="1"/>
+          <p:nvPr>
+            <p:ph type="title"/>
+          </p:nvPr>
+        </p:nvSpPr>
+        <p:spPr>
+          <a:xfrm>
+            <a:off x="311700" y="445025"/>
+            <a:ext cx="8520600" cy="572700"/>
+          </a:xfrm>
+          <a:prstGeom prst="rect">
+            <a:avLst/>
+          </a:prstGeom>
+        </p:spPr>
+        <p:txBody>
+          <a:bodyPr anchorCtr="0" anchor="t" bIns="91425" lIns="91425" spcFirstLastPara="1" rIns="91425" wrap="square" tIns="91425">
+            <a:noAutofit/>
+          </a:bodyPr>
+          <a:lstStyle/>
+          <a:p>
+            <a:pPr indent="0" lvl="0" marL="0" rtl="0" algn="ctr">
+              <a:spcBef>
+                <a:spcPts val="0"/>
+              </a:spcBef>
+              <a:spcAft>
+                <a:spcPts val="0"/>
+              </a:spcAft>
+              <a:buSzPts val="990"/>
+              <a:buNone/>
+            </a:pPr>
+            <a:r>
+              <a:rPr lang="ru" sz="3020">
+                <a:latin typeface="Courier New"/>
+                <a:ea typeface="Courier New"/>
+                <a:cs typeface="Courier New"/>
+                <a:sym typeface="Courier New"/>
+              </a:rPr>
+              <a:t>Заключение</a:t>
+            </a:r>
+            <a:endParaRPr sz="3020">
+              <a:latin typeface="Courier New"/>
+              <a:ea typeface="Courier New"/>
+              <a:cs typeface="Courier New"/>
+              <a:sym typeface="Courier New"/>
+            </a:endParaRPr>
+          </a:p>
+        </p:txBody>
+      </p:sp>
+      <p:sp>
+        <p:nvSpPr>
+          <p:cNvPr id="136" name="Google Shape;136;p25"/>
           <p:cNvSpPr txBox="1"/>
           <p:nvPr>
             <p:ph idx="1" type="body"/>
@@ -6866,7 +7585,7 @@
         </p:spPr>
         <p:txBody>
           <a:bodyPr anchorCtr="0" anchor="t" bIns="91425" lIns="91425" spcFirstLastPara="1" rIns="91425" wrap="square" tIns="91425">
-            <a:normAutofit fontScale="90000"/>
+            <a:noAutofit/>
           </a:bodyPr>
           <a:lstStyle/>
           <a:p>
@@ -6877,10 +7596,11 @@
               <a:spcAft>
                 <a:spcPts val="0"/>
               </a:spcAft>
+              <a:buSzPts val="990"/>
               <a:buNone/>
             </a:pPr>
             <a:r>
-              <a:rPr lang="ru">
+              <a:rPr lang="ru" sz="3020">
                 <a:latin typeface="Courier New"/>
                 <a:ea typeface="Courier New"/>
                 <a:cs typeface="Courier New"/>
@@ -6888,7 +7608,7 @@
               </a:rPr>
               <a:t>Аннотация</a:t>
             </a:r>
-            <a:endParaRPr>
+            <a:endParaRPr sz="3020">
               <a:latin typeface="Courier New"/>
               <a:ea typeface="Courier New"/>
               <a:cs typeface="Courier New"/>
@@ -6920,7 +7640,7 @@
           </a:bodyPr>
           <a:lstStyle/>
           <a:p>
-            <a:pPr indent="-342900" lvl="0" marL="457200" rtl="0" algn="just">
+            <a:pPr indent="0" lvl="0" marL="0" rtl="0" algn="just">
               <a:lnSpc>
                 <a:spcPct val="130000"/>
               </a:lnSpc>
@@ -6928,17 +7648,12 @@
                 <a:spcPts val="600"/>
               </a:spcBef>
               <a:spcAft>
-                <a:spcPts val="0"/>
-              </a:spcAft>
-              <a:buClr>
-                <a:srgbClr val="222222"/>
-              </a:buClr>
-              <a:buSzPts val="1800"/>
-              <a:buFont typeface="Montserrat Light"/>
-              <a:buChar char="●"/>
+                <a:spcPts val="100"/>
+              </a:spcAft>
+              <a:buNone/>
             </a:pPr>
             <a:r>
-              <a:rPr lang="ru">
+              <a:rPr lang="ru" sz="2000">
                 <a:solidFill>
                   <a:srgbClr val="222222"/>
                 </a:solidFill>
@@ -6950,81 +7665,9 @@
                 <a:cs typeface="Montserrat Light"/>
                 <a:sym typeface="Montserrat Light"/>
               </a:rPr>
-              <a:t>Scapegoat Tree — структура данных, представляющая собой частично сбалансированное дерево поиска (степень сбалансированности может быть настроена), такое что операции поиска, вставки и удаления работают за O(log n), при этом скорость одной операции может быть улучшена в ущерб другой.</a:t>
+              <a:t>Scapegoat Tree — структура данных, представляющая собой частично сбалансированное дерево поиска, такое что операции поиска, вставки и удаления работают за O(log n), при этом скорость одной операции может быть улучшена в ущерб другой.</a:t>
             </a:r>
-            <a:endParaRPr>
-              <a:solidFill>
-                <a:srgbClr val="222222"/>
-              </a:solidFill>
-              <a:highlight>
-                <a:srgbClr val="FFFFFF"/>
-              </a:highlight>
-              <a:latin typeface="Montserrat Light"/>
-              <a:ea typeface="Montserrat Light"/>
-              <a:cs typeface="Montserrat Light"/>
-              <a:sym typeface="Montserrat Light"/>
-            </a:endParaRPr>
-          </a:p>
-          <a:p>
-            <a:pPr indent="-342900" lvl="0" marL="457200" rtl="0" algn="just">
-              <a:lnSpc>
-                <a:spcPct val="130000"/>
-              </a:lnSpc>
-              <a:spcBef>
-                <a:spcPts val="0"/>
-              </a:spcBef>
-              <a:spcAft>
-                <a:spcPts val="0"/>
-              </a:spcAft>
-              <a:buClr>
-                <a:srgbClr val="222222"/>
-              </a:buClr>
-              <a:buSzPts val="1800"/>
-              <a:buFont typeface="Montserrat Light"/>
-              <a:buChar char="●"/>
-            </a:pPr>
-            <a:r>
-              <a:rPr lang="ru">
-                <a:solidFill>
-                  <a:srgbClr val="222222"/>
-                </a:solidFill>
-                <a:highlight>
-                  <a:srgbClr val="FFFFFF"/>
-                </a:highlight>
-                <a:latin typeface="Montserrat Light"/>
-                <a:ea typeface="Montserrat Light"/>
-                <a:cs typeface="Montserrat Light"/>
-                <a:sym typeface="Montserrat Light"/>
-              </a:rPr>
-              <a:t>Цель Scapegoat Tree - баланс дерева поиска без поворота дерева. Это большая выгода в тех случаях, когда после перебаласировки нужно пересчитывать узлы дерева.</a:t>
-            </a:r>
-            <a:endParaRPr>
-              <a:solidFill>
-                <a:srgbClr val="222222"/>
-              </a:solidFill>
-              <a:highlight>
-                <a:srgbClr val="FFFFFF"/>
-              </a:highlight>
-              <a:latin typeface="Montserrat Light"/>
-              <a:ea typeface="Montserrat Light"/>
-              <a:cs typeface="Montserrat Light"/>
-              <a:sym typeface="Montserrat Light"/>
-            </a:endParaRPr>
-          </a:p>
-          <a:p>
-            <a:pPr indent="0" lvl="0" marL="0" rtl="0" algn="l">
-              <a:spcBef>
-                <a:spcPts val="100"/>
-              </a:spcBef>
-              <a:spcAft>
-                <a:spcPts val="1200"/>
-              </a:spcAft>
-              <a:buNone/>
-            </a:pPr>
-            <a:r>
-              <a:t/>
-            </a:r>
-            <a:endParaRPr/>
+            <a:endParaRPr sz="2000"/>
           </a:p>
         </p:txBody>
       </p:sp>
@@ -7072,7 +7715,7 @@
         </p:spPr>
         <p:txBody>
           <a:bodyPr anchorCtr="0" anchor="t" bIns="91425" lIns="91425" spcFirstLastPara="1" rIns="91425" wrap="square" tIns="91425">
-            <a:normAutofit fontScale="90000"/>
+            <a:noAutofit/>
           </a:bodyPr>
           <a:lstStyle/>
           <a:p>
@@ -7083,10 +7726,11 @@
               <a:spcAft>
                 <a:spcPts val="0"/>
               </a:spcAft>
+              <a:buSzPts val="990"/>
               <a:buNone/>
             </a:pPr>
             <a:r>
-              <a:rPr lang="ru">
+              <a:rPr lang="ru" sz="3020">
                 <a:latin typeface="Courier New"/>
                 <a:ea typeface="Courier New"/>
                 <a:cs typeface="Courier New"/>
@@ -7094,7 +7738,7 @@
               </a:rPr>
               <a:t>Актуальность исследования</a:t>
             </a:r>
-            <a:endParaRPr>
+            <a:endParaRPr sz="3020">
               <a:latin typeface="Courier New"/>
               <a:ea typeface="Courier New"/>
               <a:cs typeface="Courier New"/>
@@ -7136,7 +7780,7 @@
               <a:buNone/>
             </a:pPr>
             <a:r>
-              <a:rPr lang="ru">
+              <a:rPr lang="ru" sz="2000">
                 <a:latin typeface="Montserrat Light"/>
                 <a:ea typeface="Montserrat Light"/>
                 <a:cs typeface="Montserrat Light"/>
@@ -7144,7 +7788,7 @@
               </a:rPr>
               <a:t>Алгоритм использует мало памяти и имеет возможность сокращения времени выполнения некоторых операций.Но найти в Интернете русскоязычные источники с полной информацией об ScapeGoat дереве и его реализации достаточно сложно.  </a:t>
             </a:r>
-            <a:endParaRPr>
+            <a:endParaRPr sz="2000">
               <a:latin typeface="Montserrat Light"/>
               <a:ea typeface="Montserrat Light"/>
               <a:cs typeface="Montserrat Light"/>
@@ -7164,7 +7808,7 @@
             <a:r>
               <a:t/>
             </a:r>
-            <a:endParaRPr/>
+            <a:endParaRPr sz="2000"/>
           </a:p>
         </p:txBody>
       </p:sp>
@@ -7212,7 +7856,7 @@
         </p:spPr>
         <p:txBody>
           <a:bodyPr anchorCtr="0" anchor="t" bIns="91425" lIns="91425" spcFirstLastPara="1" rIns="91425" wrap="square" tIns="91425">
-            <a:normAutofit fontScale="90000"/>
+            <a:noAutofit/>
           </a:bodyPr>
           <a:lstStyle/>
           <a:p>
@@ -7223,10 +7867,11 @@
               <a:spcAft>
                 <a:spcPts val="0"/>
               </a:spcAft>
+              <a:buSzPts val="990"/>
               <a:buNone/>
             </a:pPr>
             <a:r>
-              <a:rPr lang="ru">
+              <a:rPr lang="ru" sz="3020">
                 <a:latin typeface="Courier New"/>
                 <a:ea typeface="Courier New"/>
                 <a:cs typeface="Courier New"/>
@@ -7234,7 +7879,7 @@
               </a:rPr>
               <a:t>План работы</a:t>
             </a:r>
-            <a:endParaRPr>
+            <a:endParaRPr sz="3020">
               <a:latin typeface="Courier New"/>
               <a:ea typeface="Courier New"/>
               <a:cs typeface="Courier New"/>
@@ -7266,7 +7911,7 @@
           </a:bodyPr>
           <a:lstStyle/>
           <a:p>
-            <a:pPr indent="-342900" lvl="0" marL="457200" rtl="0" algn="l">
+            <a:pPr indent="-355600" lvl="0" marL="457200" rtl="0" algn="l">
               <a:spcBef>
                 <a:spcPts val="0"/>
               </a:spcBef>
@@ -7276,12 +7921,12 @@
               <a:buClr>
                 <a:srgbClr val="222222"/>
               </a:buClr>
-              <a:buSzPts val="1800"/>
+              <a:buSzPts val="2000"/>
               <a:buFont typeface="Montserrat Light"/>
               <a:buAutoNum type="arabicPeriod"/>
             </a:pPr>
             <a:r>
-              <a:rPr lang="ru">
+              <a:rPr lang="ru" sz="2000">
                 <a:solidFill>
                   <a:srgbClr val="222222"/>
                 </a:solidFill>
@@ -7295,7 +7940,7 @@
               </a:rPr>
               <a:t>Найти и проанализировать различные русскоязычные и англоязычные источники. Реализовать алгоритм ScapeGoat Tree и описать его в форме научного доклада</a:t>
             </a:r>
-            <a:endParaRPr>
+            <a:endParaRPr sz="2000">
               <a:solidFill>
                 <a:srgbClr val="222222"/>
               </a:solidFill>
@@ -7309,7 +7954,7 @@
             </a:endParaRPr>
           </a:p>
           <a:p>
-            <a:pPr indent="-342900" lvl="0" marL="457200" rtl="0" algn="l">
+            <a:pPr indent="-355600" lvl="0" marL="457200" rtl="0" algn="l">
               <a:spcBef>
                 <a:spcPts val="0"/>
               </a:spcBef>
@@ -7319,12 +7964,12 @@
               <a:buClr>
                 <a:srgbClr val="222222"/>
               </a:buClr>
-              <a:buSzPts val="1800"/>
+              <a:buSzPts val="2000"/>
               <a:buFont typeface="Montserrat Light"/>
               <a:buAutoNum type="arabicPeriod"/>
             </a:pPr>
             <a:r>
-              <a:rPr lang="ru">
+              <a:rPr lang="ru" sz="2000">
                 <a:solidFill>
                   <a:srgbClr val="222222"/>
                 </a:solidFill>
@@ -7338,7 +7983,7 @@
               </a:rPr>
               <a:t>Реализовать алгоритм</a:t>
             </a:r>
-            <a:endParaRPr>
+            <a:endParaRPr sz="2000">
               <a:solidFill>
                 <a:srgbClr val="222222"/>
               </a:solidFill>
@@ -7352,7 +7997,7 @@
             </a:endParaRPr>
           </a:p>
           <a:p>
-            <a:pPr indent="-342900" lvl="0" marL="457200" rtl="0" algn="l">
+            <a:pPr indent="-355600" lvl="0" marL="457200" rtl="0" algn="l">
               <a:spcBef>
                 <a:spcPts val="0"/>
               </a:spcBef>
@@ -7362,12 +8007,12 @@
               <a:buClr>
                 <a:srgbClr val="222222"/>
               </a:buClr>
-              <a:buSzPts val="1800"/>
+              <a:buSzPts val="2000"/>
               <a:buFont typeface="Montserrat Light"/>
               <a:buAutoNum type="arabicPeriod"/>
             </a:pPr>
             <a:r>
-              <a:rPr lang="ru">
+              <a:rPr lang="ru" sz="2000">
                 <a:solidFill>
                   <a:srgbClr val="222222"/>
                 </a:solidFill>
@@ -7381,7 +8026,7 @@
               </a:rPr>
               <a:t>Написать тесты для анализа производительности алгоритма</a:t>
             </a:r>
-            <a:endParaRPr>
+            <a:endParaRPr sz="2000">
               <a:solidFill>
                 <a:srgbClr val="222222"/>
               </a:solidFill>
@@ -7395,7 +8040,7 @@
             </a:endParaRPr>
           </a:p>
           <a:p>
-            <a:pPr indent="-342900" lvl="0" marL="457200" rtl="0" algn="l">
+            <a:pPr indent="-355600" lvl="0" marL="457200" rtl="0" algn="l">
               <a:spcBef>
                 <a:spcPts val="0"/>
               </a:spcBef>
@@ -7405,12 +8050,12 @@
               <a:buClr>
                 <a:srgbClr val="222222"/>
               </a:buClr>
-              <a:buSzPts val="1800"/>
+              <a:buSzPts val="2000"/>
               <a:buFont typeface="Montserrat Light"/>
               <a:buAutoNum type="arabicPeriod"/>
             </a:pPr>
             <a:r>
-              <a:rPr lang="ru">
+              <a:rPr lang="ru" sz="2000">
                 <a:solidFill>
                   <a:srgbClr val="222222"/>
                 </a:solidFill>
@@ -7424,7 +8069,7 @@
               </a:rPr>
               <a:t>Загрузить результаты работ на GitHub</a:t>
             </a:r>
-            <a:endParaRPr>
+            <a:endParaRPr sz="2000">
               <a:solidFill>
                 <a:srgbClr val="222222"/>
               </a:solidFill>
@@ -7450,7 +8095,7 @@
             <a:r>
               <a:t/>
             </a:r>
-            <a:endParaRPr/>
+            <a:endParaRPr sz="1900"/>
           </a:p>
         </p:txBody>
       </p:sp>
@@ -7792,7 +8437,7 @@
         </p:spPr>
         <p:txBody>
           <a:bodyPr anchorCtr="0" anchor="t" bIns="91425" lIns="91425" spcFirstLastPara="1" rIns="91425" wrap="square" tIns="91425">
-            <a:normAutofit fontScale="90000"/>
+            <a:noAutofit/>
           </a:bodyPr>
           <a:lstStyle/>
           <a:p>
@@ -7803,10 +8448,11 @@
               <a:spcAft>
                 <a:spcPts val="0"/>
               </a:spcAft>
+              <a:buSzPts val="990"/>
               <a:buNone/>
             </a:pPr>
             <a:r>
-              <a:rPr lang="ru">
+              <a:rPr lang="ru" sz="3020">
                 <a:latin typeface="Courier New"/>
                 <a:ea typeface="Courier New"/>
                 <a:cs typeface="Courier New"/>
@@ -7814,7 +8460,7 @@
               </a:rPr>
               <a:t>Перспективы использования алгоритма</a:t>
             </a:r>
-            <a:endParaRPr>
+            <a:endParaRPr sz="3020">
               <a:latin typeface="Courier New"/>
               <a:ea typeface="Courier New"/>
               <a:cs typeface="Courier New"/>
@@ -7842,7 +8488,7 @@
         </p:spPr>
         <p:txBody>
           <a:bodyPr anchorCtr="0" anchor="t" bIns="91425" lIns="91425" spcFirstLastPara="1" rIns="91425" wrap="square" tIns="91425">
-            <a:normAutofit lnSpcReduction="20000"/>
+            <a:normAutofit/>
           </a:bodyPr>
           <a:lstStyle/>
           <a:p>
@@ -7859,7 +8505,7 @@
               <a:buNone/>
             </a:pPr>
             <a:r>
-              <a:rPr lang="ru">
+              <a:rPr lang="ru" sz="2000">
                 <a:solidFill>
                   <a:srgbClr val="222222"/>
                 </a:solidFill>
@@ -7871,9 +8517,9 @@
                 <a:cs typeface="Montserrat Light"/>
                 <a:sym typeface="Montserrat Light"/>
               </a:rPr>
-              <a:t>Как правило, козел отпущения — это тот, кого обвиняют, когда что-то идет не так. Для бинарных деревьев поиска проблема, которая замедляет поиск, заключается в том, что дерево становится несбалансированным. </a:t>
+              <a:t>В отличие от двухцветных деревьев и AVL, которые хранят дополнительную информацию в узлах, козел отпущения хранит в памяти только метку узла и два указателя на его дочерние элементы.</a:t>
             </a:r>
-            <a:endParaRPr>
+            <a:endParaRPr sz="2000">
               <a:solidFill>
                 <a:srgbClr val="222222"/>
               </a:solidFill>
@@ -7897,47 +8543,6 @@
               <a:spcAft>
                 <a:spcPts val="0"/>
               </a:spcAft>
-              <a:buNone/>
-            </a:pPr>
-            <a:r>
-              <a:rPr lang="ru">
-                <a:solidFill>
-                  <a:srgbClr val="222222"/>
-                </a:solidFill>
-                <a:highlight>
-                  <a:srgbClr val="FFFFFF"/>
-                </a:highlight>
-                <a:latin typeface="Montserrat Light"/>
-                <a:ea typeface="Montserrat Light"/>
-                <a:cs typeface="Montserrat Light"/>
-                <a:sym typeface="Montserrat Light"/>
-              </a:rPr>
-              <a:t>В отличие от двухцветных деревьев и AVL, которые хранят дополнительную информацию в узлах, козел отпущения хранит в памяти только метку узла и два указателя на его дочерние элементы.</a:t>
-            </a:r>
-            <a:endParaRPr>
-              <a:solidFill>
-                <a:srgbClr val="222222"/>
-              </a:solidFill>
-              <a:highlight>
-                <a:srgbClr val="FFFFFF"/>
-              </a:highlight>
-              <a:latin typeface="Montserrat Light"/>
-              <a:ea typeface="Montserrat Light"/>
-              <a:cs typeface="Montserrat Light"/>
-              <a:sym typeface="Montserrat Light"/>
-            </a:endParaRPr>
-          </a:p>
-          <a:p>
-            <a:pPr indent="226800" lvl="0" marL="457200" rtl="0" algn="just">
-              <a:lnSpc>
-                <a:spcPct val="130000"/>
-              </a:lnSpc>
-              <a:spcBef>
-                <a:spcPts val="600"/>
-              </a:spcBef>
-              <a:spcAft>
-                <a:spcPts val="0"/>
-              </a:spcAft>
               <a:buClr>
                 <a:schemeClr val="dk1"/>
               </a:buClr>
@@ -7948,7 +8553,7 @@
             <a:r>
               <a:t/>
             </a:r>
-            <a:endParaRPr sz="1500">
+            <a:endParaRPr sz="1700">
               <a:solidFill>
                 <a:srgbClr val="222222"/>
               </a:solidFill>
@@ -7974,7 +8579,7 @@
             <a:r>
               <a:t/>
             </a:r>
-            <a:endParaRPr/>
+            <a:endParaRPr sz="2000"/>
           </a:p>
         </p:txBody>
       </p:sp>
@@ -8022,7 +8627,7 @@
         </p:spPr>
         <p:txBody>
           <a:bodyPr anchorCtr="0" anchor="t" bIns="91425" lIns="91425" spcFirstLastPara="1" rIns="91425" wrap="square" tIns="91425">
-            <a:normAutofit fontScale="90000"/>
+            <a:noAutofit/>
           </a:bodyPr>
           <a:lstStyle/>
           <a:p>
@@ -8033,18 +8638,19 @@
               <a:spcAft>
                 <a:spcPts val="0"/>
               </a:spcAft>
+              <a:buSzPts val="990"/>
               <a:buNone/>
             </a:pPr>
             <a:r>
-              <a:rPr lang="ru">
+              <a:rPr lang="ru" sz="3020">
                 <a:latin typeface="Courier New"/>
                 <a:ea typeface="Courier New"/>
                 <a:cs typeface="Courier New"/>
                 <a:sym typeface="Courier New"/>
               </a:rPr>
-              <a:t>Балансировка</a:t>
+              <a:t>Минусы алгоритма</a:t>
             </a:r>
-            <a:endParaRPr>
+            <a:endParaRPr sz="3020">
               <a:latin typeface="Courier New"/>
               <a:ea typeface="Courier New"/>
               <a:cs typeface="Courier New"/>
@@ -8053,34 +8659,137 @@
           </a:p>
         </p:txBody>
       </p:sp>
-      <p:pic>
-        <p:nvPicPr>
+      <p:sp>
+        <p:nvSpPr>
           <p:cNvPr id="95" name="Google Shape;95;p19"/>
-          <p:cNvPicPr preferRelativeResize="0"/>
-          <p:nvPr/>
-        </p:nvPicPr>
-        <p:blipFill>
-          <a:blip r:embed="rId3">
-            <a:alphaModFix/>
-          </a:blip>
-          <a:stretch>
-            <a:fillRect/>
-          </a:stretch>
-        </p:blipFill>
+          <p:cNvSpPr txBox="1"/>
+          <p:nvPr>
+            <p:ph idx="1" type="body"/>
+          </p:nvPr>
+        </p:nvSpPr>
         <p:spPr>
           <a:xfrm>
-            <a:off x="757225" y="1249313"/>
-            <a:ext cx="7629525" cy="3533775"/>
+            <a:off x="311700" y="1152475"/>
+            <a:ext cx="8520600" cy="3416400"/>
           </a:xfrm>
           <a:prstGeom prst="rect">
             <a:avLst/>
           </a:prstGeom>
-          <a:noFill/>
-          <a:ln>
-            <a:noFill/>
-          </a:ln>
         </p:spPr>
-      </p:pic>
+        <p:txBody>
+          <a:bodyPr anchorCtr="0" anchor="t" bIns="91425" lIns="91425" spcFirstLastPara="1" rIns="91425" wrap="square" tIns="91425">
+            <a:normAutofit/>
+          </a:bodyPr>
+          <a:lstStyle/>
+          <a:p>
+            <a:pPr indent="-333375" lvl="0" marL="457200" rtl="0" algn="just">
+              <a:lnSpc>
+                <a:spcPct val="130000"/>
+              </a:lnSpc>
+              <a:spcBef>
+                <a:spcPts val="600"/>
+              </a:spcBef>
+              <a:spcAft>
+                <a:spcPts val="0"/>
+              </a:spcAft>
+              <a:buClr>
+                <a:srgbClr val="222222"/>
+              </a:buClr>
+              <a:buSzPts val="1650"/>
+              <a:buFont typeface="Montserrat Light"/>
+              <a:buChar char="●"/>
+            </a:pPr>
+            <a:r>
+              <a:rPr lang="ru" sz="2000">
+                <a:solidFill>
+                  <a:srgbClr val="222222"/>
+                </a:solidFill>
+                <a:highlight>
+                  <a:srgbClr val="FFFFFF"/>
+                </a:highlight>
+                <a:latin typeface="Montserrat Light"/>
+                <a:ea typeface="Montserrat Light"/>
+                <a:cs typeface="Montserrat Light"/>
+                <a:sym typeface="Montserrat Light"/>
+              </a:rPr>
+              <a:t>Данное дерево сложно для написания.</a:t>
+            </a:r>
+            <a:endParaRPr sz="2000">
+              <a:solidFill>
+                <a:srgbClr val="222222"/>
+              </a:solidFill>
+              <a:highlight>
+                <a:srgbClr val="FFFFFF"/>
+              </a:highlight>
+              <a:latin typeface="Montserrat Light"/>
+              <a:ea typeface="Montserrat Light"/>
+              <a:cs typeface="Montserrat Light"/>
+              <a:sym typeface="Montserrat Light"/>
+            </a:endParaRPr>
+          </a:p>
+          <a:p>
+            <a:pPr indent="-333375" lvl="0" marL="457200" rtl="0" algn="just">
+              <a:lnSpc>
+                <a:spcPct val="130000"/>
+              </a:lnSpc>
+              <a:spcBef>
+                <a:spcPts val="0"/>
+              </a:spcBef>
+              <a:spcAft>
+                <a:spcPts val="0"/>
+              </a:spcAft>
+              <a:buClr>
+                <a:srgbClr val="222222"/>
+              </a:buClr>
+              <a:buSzPts val="1650"/>
+              <a:buFont typeface="Montserrat Light"/>
+              <a:buChar char="●"/>
+            </a:pPr>
+            <a:r>
+              <a:rPr lang="ru" sz="2000">
+                <a:solidFill>
+                  <a:srgbClr val="222222"/>
+                </a:solidFill>
+                <a:highlight>
+                  <a:srgbClr val="FFFFFF"/>
+                </a:highlight>
+                <a:latin typeface="Montserrat Light"/>
+                <a:ea typeface="Montserrat Light"/>
+                <a:cs typeface="Montserrat Light"/>
+                <a:sym typeface="Montserrat Light"/>
+              </a:rPr>
+              <a:t>В случае неправильной настройки скорости работы дерево будет проигрывать по скорости работы другим.</a:t>
+            </a:r>
+            <a:endParaRPr sz="2000">
+              <a:solidFill>
+                <a:srgbClr val="222222"/>
+              </a:solidFill>
+              <a:highlight>
+                <a:srgbClr val="FFFFFF"/>
+              </a:highlight>
+              <a:latin typeface="Montserrat Light"/>
+              <a:ea typeface="Montserrat Light"/>
+              <a:cs typeface="Montserrat Light"/>
+              <a:sym typeface="Montserrat Light"/>
+            </a:endParaRPr>
+          </a:p>
+          <a:p>
+            <a:pPr indent="0" lvl="0" marL="0" rtl="0" algn="l">
+              <a:spcBef>
+                <a:spcPts val="100"/>
+              </a:spcBef>
+              <a:spcAft>
+                <a:spcPts val="1200"/>
+              </a:spcAft>
+              <a:buNone/>
+            </a:pPr>
+            <a:r>
+              <a:t/>
+            </a:r>
+            <a:endParaRPr/>
+          </a:p>
+        </p:txBody>
+      </p:sp>
     </p:spTree>
   </p:cSld>
   <p:clrMapOvr>
@@ -8125,7 +8834,7 @@
         </p:spPr>
         <p:txBody>
           <a:bodyPr anchorCtr="0" anchor="t" bIns="91425" lIns="91425" spcFirstLastPara="1" rIns="91425" wrap="square" tIns="91425">
-            <a:normAutofit fontScale="90000"/>
+            <a:noAutofit/>
           </a:bodyPr>
           <a:lstStyle/>
           <a:p>
@@ -8136,27 +8845,19 @@
               <a:spcAft>
                 <a:spcPts val="0"/>
               </a:spcAft>
+              <a:buSzPts val="990"/>
               <a:buNone/>
             </a:pPr>
             <a:r>
-              <a:rPr lang="ru">
+              <a:rPr lang="ru" sz="3020">
                 <a:latin typeface="Courier New"/>
                 <a:ea typeface="Courier New"/>
                 <a:cs typeface="Courier New"/>
                 <a:sym typeface="Courier New"/>
               </a:rPr>
-              <a:t>Коэффициент</a:t>
+              <a:t>Балансировка</a:t>
             </a:r>
-            <a:r>
-              <a:rPr lang="ru">
-                <a:latin typeface="Courier New"/>
-                <a:ea typeface="Courier New"/>
-                <a:cs typeface="Courier New"/>
-                <a:sym typeface="Courier New"/>
-              </a:rPr>
-              <a:t> a</a:t>
-            </a:r>
-            <a:endParaRPr>
+            <a:endParaRPr sz="3020">
               <a:latin typeface="Courier New"/>
               <a:ea typeface="Courier New"/>
               <a:cs typeface="Courier New"/>
@@ -8165,105 +8866,34 @@
           </a:p>
         </p:txBody>
       </p:sp>
-      <p:sp>
-        <p:nvSpPr>
+      <p:pic>
+        <p:nvPicPr>
           <p:cNvPr id="101" name="Google Shape;101;p20"/>
-          <p:cNvSpPr txBox="1"/>
-          <p:nvPr>
-            <p:ph idx="1" type="body"/>
-          </p:nvPr>
-        </p:nvSpPr>
+          <p:cNvPicPr preferRelativeResize="0"/>
+          <p:nvPr/>
+        </p:nvPicPr>
+        <p:blipFill>
+          <a:blip r:embed="rId3">
+            <a:alphaModFix/>
+          </a:blip>
+          <a:stretch>
+            <a:fillRect/>
+          </a:stretch>
+        </p:blipFill>
         <p:spPr>
           <a:xfrm>
-            <a:off x="311700" y="1152475"/>
-            <a:ext cx="8520600" cy="3416400"/>
+            <a:off x="757225" y="1249313"/>
+            <a:ext cx="7629525" cy="3533775"/>
           </a:xfrm>
           <a:prstGeom prst="rect">
             <a:avLst/>
           </a:prstGeom>
+          <a:noFill/>
+          <a:ln>
+            <a:noFill/>
+          </a:ln>
         </p:spPr>
-        <p:txBody>
-          <a:bodyPr anchorCtr="0" anchor="t" bIns="91425" lIns="91425" spcFirstLastPara="1" rIns="91425" wrap="square" tIns="91425">
-            <a:normAutofit/>
-          </a:bodyPr>
-          <a:lstStyle/>
-          <a:p>
-            <a:pPr indent="0" lvl="0" marL="0" rtl="0" algn="l">
-              <a:spcBef>
-                <a:spcPts val="0"/>
-              </a:spcBef>
-              <a:spcAft>
-                <a:spcPts val="0"/>
-              </a:spcAft>
-              <a:buClr>
-                <a:schemeClr val="dk1"/>
-              </a:buClr>
-              <a:buSzPts val="1100"/>
-              <a:buFont typeface="Arial"/>
-              <a:buNone/>
-            </a:pPr>
-            <a:r>
-              <a:rPr lang="ru">
-                <a:solidFill>
-                  <a:srgbClr val="222222"/>
-                </a:solidFill>
-                <a:highlight>
-                  <a:srgbClr val="FFFFFF"/>
-                </a:highlight>
-                <a:latin typeface="Montserrat Light"/>
-                <a:ea typeface="Montserrat Light"/>
-                <a:cs typeface="Montserrat Light"/>
-                <a:sym typeface="Montserrat Light"/>
-              </a:rPr>
-              <a:t>Будем считать, что дерево является сбалансированным, если выполняются следующее: Введем коэффициент α, который показывает, насколько дерево может быть несбалансированным. Математически это выглядит следующим образом: </a:t>
-            </a:r>
-            <a:endParaRPr>
-              <a:solidFill>
-                <a:srgbClr val="222222"/>
-              </a:solidFill>
-              <a:highlight>
-                <a:srgbClr val="FFFFFF"/>
-              </a:highlight>
-              <a:latin typeface="Montserrat Light"/>
-              <a:ea typeface="Montserrat Light"/>
-              <a:cs typeface="Montserrat Light"/>
-              <a:sym typeface="Montserrat Light"/>
-            </a:endParaRPr>
-          </a:p>
-          <a:p>
-            <a:pPr indent="0" lvl="0" marL="0" rtl="0" algn="l">
-              <a:spcBef>
-                <a:spcPts val="0"/>
-              </a:spcBef>
-              <a:spcAft>
-                <a:spcPts val="0"/>
-              </a:spcAft>
-              <a:buNone/>
-            </a:pPr>
-            <a:r>
-              <a:rPr lang="ru">
-                <a:solidFill>
-                  <a:srgbClr val="222222"/>
-                </a:solidFill>
-                <a:highlight>
-                  <a:srgbClr val="FFFFFF"/>
-                </a:highlight>
-                <a:latin typeface="Montserrat Light"/>
-                <a:ea typeface="Montserrat Light"/>
-                <a:cs typeface="Montserrat Light"/>
-                <a:sym typeface="Montserrat Light"/>
-              </a:rPr>
-              <a:t>1/2⩽α⩽1 size(left[x])⩽α⋅size(x) ; size(right[x])⩽α⋅size(x), где size(left[x]) и size(right[x]) — размер левого и правого поддерева вершины x.</a:t>
-            </a:r>
-            <a:endParaRPr>
-              <a:latin typeface="Montserrat Light"/>
-              <a:ea typeface="Montserrat Light"/>
-              <a:cs typeface="Montserrat Light"/>
-              <a:sym typeface="Montserrat Light"/>
-            </a:endParaRPr>
-          </a:p>
-        </p:txBody>
-      </p:sp>
+      </p:pic>
     </p:spTree>
   </p:cSld>
   <p:clrMapOvr>
@@ -8299,7 +8929,7 @@
         </p:nvSpPr>
         <p:spPr>
           <a:xfrm>
-            <a:off x="311700" y="310950"/>
+            <a:off x="311700" y="445025"/>
             <a:ext cx="8520600" cy="572700"/>
           </a:xfrm>
           <a:prstGeom prst="rect">
@@ -8308,7 +8938,7 @@
         </p:spPr>
         <p:txBody>
           <a:bodyPr anchorCtr="0" anchor="t" bIns="91425" lIns="91425" spcFirstLastPara="1" rIns="91425" wrap="square" tIns="91425">
-            <a:normAutofit fontScale="90000"/>
+            <a:noAutofit/>
           </a:bodyPr>
           <a:lstStyle/>
           <a:p>
@@ -8319,28 +8949,20 @@
               <a:spcAft>
                 <a:spcPts val="0"/>
               </a:spcAft>
+              <a:buSzPts val="990"/>
               <a:buNone/>
             </a:pPr>
             <a:r>
-              <a:rPr lang="ru">
+              <a:rPr lang="ru" sz="3020">
                 <a:latin typeface="Courier New"/>
                 <a:ea typeface="Courier New"/>
                 <a:cs typeface="Courier New"/>
                 <a:sym typeface="Courier New"/>
               </a:rPr>
-              <a:t>Пример деревьев с разным </a:t>
+              <a:t>Коэффициент</a:t>
             </a:r>
             <a:r>
-              <a:rPr lang="ru">
-                <a:latin typeface="Courier New"/>
-                <a:ea typeface="Courier New"/>
-                <a:cs typeface="Courier New"/>
-                <a:sym typeface="Courier New"/>
-              </a:rPr>
-              <a:t>коэффициентом</a:t>
-            </a:r>
-            <a:r>
-              <a:rPr lang="ru">
+              <a:rPr lang="ru" sz="3020">
                 <a:latin typeface="Courier New"/>
                 <a:ea typeface="Courier New"/>
                 <a:cs typeface="Courier New"/>
@@ -8348,7 +8970,7 @@
               </a:rPr>
               <a:t> a</a:t>
             </a:r>
-            <a:endParaRPr>
+            <a:endParaRPr sz="3020">
               <a:latin typeface="Courier New"/>
               <a:ea typeface="Courier New"/>
               <a:cs typeface="Courier New"/>
@@ -8357,112 +8979,26 @@
           </a:p>
         </p:txBody>
       </p:sp>
-      <p:pic>
-        <p:nvPicPr>
+      <p:sp>
+        <p:nvSpPr>
           <p:cNvPr id="107" name="Google Shape;107;p21"/>
-          <p:cNvPicPr preferRelativeResize="0"/>
-          <p:nvPr/>
-        </p:nvPicPr>
-        <p:blipFill>
-          <a:blip r:embed="rId3">
-            <a:alphaModFix/>
-          </a:blip>
-          <a:stretch>
-            <a:fillRect/>
-          </a:stretch>
-        </p:blipFill>
+          <p:cNvSpPr txBox="1"/>
+          <p:nvPr>
+            <p:ph idx="1" type="body"/>
+          </p:nvPr>
+        </p:nvSpPr>
         <p:spPr>
           <a:xfrm>
-            <a:off x="250350" y="1082625"/>
-            <a:ext cx="3697215" cy="1854662"/>
+            <a:off x="311700" y="1152475"/>
+            <a:ext cx="8520600" cy="3416400"/>
           </a:xfrm>
           <a:prstGeom prst="rect">
             <a:avLst/>
           </a:prstGeom>
-          <a:noFill/>
-          <a:ln>
-            <a:noFill/>
-          </a:ln>
-        </p:spPr>
-      </p:pic>
-      <p:pic>
-        <p:nvPicPr>
-          <p:cNvPr id="108" name="Google Shape;108;p21"/>
-          <p:cNvPicPr preferRelativeResize="0"/>
-          <p:nvPr/>
-        </p:nvPicPr>
-        <p:blipFill>
-          <a:blip r:embed="rId4">
-            <a:alphaModFix/>
-          </a:blip>
-          <a:stretch>
-            <a:fillRect/>
-          </a:stretch>
-        </p:blipFill>
-        <p:spPr>
-          <a:xfrm>
-            <a:off x="5614700" y="1082350"/>
-            <a:ext cx="2974701" cy="1896550"/>
-          </a:xfrm>
-          <a:prstGeom prst="rect">
-            <a:avLst/>
-          </a:prstGeom>
-          <a:noFill/>
-          <a:ln>
-            <a:noFill/>
-          </a:ln>
-        </p:spPr>
-      </p:pic>
-      <p:pic>
-        <p:nvPicPr>
-          <p:cNvPr id="109" name="Google Shape;109;p21"/>
-          <p:cNvPicPr preferRelativeResize="0"/>
-          <p:nvPr/>
-        </p:nvPicPr>
-        <p:blipFill>
-          <a:blip r:embed="rId5">
-            <a:alphaModFix/>
-          </a:blip>
-          <a:stretch>
-            <a:fillRect/>
-          </a:stretch>
-        </p:blipFill>
-        <p:spPr>
-          <a:xfrm>
-            <a:off x="3589525" y="3043525"/>
-            <a:ext cx="3100148" cy="1703800"/>
-          </a:xfrm>
-          <a:prstGeom prst="rect">
-            <a:avLst/>
-          </a:prstGeom>
-          <a:noFill/>
-          <a:ln>
-            <a:noFill/>
-          </a:ln>
-        </p:spPr>
-      </p:pic>
-      <p:sp>
-        <p:nvSpPr>
-          <p:cNvPr id="110" name="Google Shape;110;p21"/>
-          <p:cNvSpPr txBox="1"/>
-          <p:nvPr/>
-        </p:nvSpPr>
-        <p:spPr>
-          <a:xfrm>
-            <a:off x="672775" y="2725325"/>
-            <a:ext cx="1462500" cy="461700"/>
-          </a:xfrm>
-          <a:prstGeom prst="rect">
-            <a:avLst/>
-          </a:prstGeom>
-          <a:noFill/>
-          <a:ln>
-            <a:noFill/>
-          </a:ln>
         </p:spPr>
         <p:txBody>
           <a:bodyPr anchorCtr="0" anchor="t" bIns="91425" lIns="91425" spcFirstLastPara="1" rIns="91425" wrap="square" tIns="91425">
-            <a:spAutoFit/>
+            <a:normAutofit/>
           </a:bodyPr>
           <a:lstStyle/>
           <a:p>
@@ -8473,50 +9009,41 @@
               <a:spcAft>
                 <a:spcPts val="0"/>
               </a:spcAft>
+              <a:buClr>
+                <a:schemeClr val="dk1"/>
+              </a:buClr>
+              <a:buSzPts val="1100"/>
+              <a:buFont typeface="Arial"/>
               <a:buNone/>
             </a:pPr>
             <a:r>
-              <a:rPr lang="ru" sz="1800">
-                <a:latin typeface="Montserrat ExtraLight"/>
-                <a:ea typeface="Montserrat ExtraLight"/>
-                <a:cs typeface="Montserrat ExtraLight"/>
-                <a:sym typeface="Montserrat ExtraLight"/>
+              <a:rPr lang="ru" sz="2000">
+                <a:solidFill>
+                  <a:srgbClr val="222222"/>
+                </a:solidFill>
+                <a:highlight>
+                  <a:srgbClr val="FFFFFF"/>
+                </a:highlight>
+                <a:latin typeface="Montserrat Light"/>
+                <a:ea typeface="Montserrat Light"/>
+                <a:cs typeface="Montserrat Light"/>
+                <a:sym typeface="Montserrat Light"/>
               </a:rPr>
-              <a:t>a = 0,6</a:t>
+              <a:t>Введем коэффициент α, который показывает несбалансированность дерева. Математически это выглядит следующим образом: </a:t>
             </a:r>
-            <a:endParaRPr sz="1800">
-              <a:latin typeface="Montserrat ExtraLight"/>
-              <a:ea typeface="Montserrat ExtraLight"/>
-              <a:cs typeface="Montserrat ExtraLight"/>
-              <a:sym typeface="Montserrat ExtraLight"/>
+            <a:endParaRPr sz="2000">
+              <a:solidFill>
+                <a:srgbClr val="222222"/>
+              </a:solidFill>
+              <a:highlight>
+                <a:srgbClr val="FFFFFF"/>
+              </a:highlight>
+              <a:latin typeface="Montserrat Light"/>
+              <a:ea typeface="Montserrat Light"/>
+              <a:cs typeface="Montserrat Light"/>
+              <a:sym typeface="Montserrat Light"/>
             </a:endParaRPr>
           </a:p>
-        </p:txBody>
-      </p:sp>
-      <p:sp>
-        <p:nvSpPr>
-          <p:cNvPr id="111" name="Google Shape;111;p21"/>
-          <p:cNvSpPr txBox="1"/>
-          <p:nvPr/>
-        </p:nvSpPr>
-        <p:spPr>
-          <a:xfrm>
-            <a:off x="3768650" y="4236675"/>
-            <a:ext cx="1121400" cy="461700"/>
-          </a:xfrm>
-          <a:prstGeom prst="rect">
-            <a:avLst/>
-          </a:prstGeom>
-          <a:noFill/>
-          <a:ln>
-            <a:noFill/>
-          </a:ln>
-        </p:spPr>
-        <p:txBody>
-          <a:bodyPr anchorCtr="0" anchor="t" bIns="91425" lIns="91425" spcFirstLastPara="1" rIns="91425" wrap="square" tIns="91425">
-            <a:spAutoFit/>
-          </a:bodyPr>
-          <a:lstStyle/>
           <a:p>
             <a:pPr indent="0" lvl="0" marL="0" rtl="0" algn="l">
               <a:spcBef>
@@ -8528,71 +9055,25 @@
               <a:buNone/>
             </a:pPr>
             <a:r>
-              <a:rPr lang="ru" sz="1800">
-                <a:latin typeface="Montserrat ExtraLight"/>
-                <a:ea typeface="Montserrat ExtraLight"/>
-                <a:cs typeface="Montserrat ExtraLight"/>
-                <a:sym typeface="Montserrat ExtraLight"/>
+              <a:rPr lang="ru" sz="2000">
+                <a:solidFill>
+                  <a:srgbClr val="222222"/>
+                </a:solidFill>
+                <a:highlight>
+                  <a:srgbClr val="FFFFFF"/>
+                </a:highlight>
+                <a:latin typeface="Montserrat Light"/>
+                <a:ea typeface="Montserrat Light"/>
+                <a:cs typeface="Montserrat Light"/>
+                <a:sym typeface="Montserrat Light"/>
               </a:rPr>
-              <a:t>a = 0,57</a:t>
+              <a:t>1/2⩽α⩽1 size(left[x])⩽α⋅size(x) ; size(right[x])⩽α⋅size(x), где size(left[x]) и size(right[x]) — размер левого и правого поддерева вершины x.</a:t>
             </a:r>
-            <a:endParaRPr sz="1800">
-              <a:latin typeface="Montserrat ExtraLight"/>
-              <a:ea typeface="Montserrat ExtraLight"/>
-              <a:cs typeface="Montserrat ExtraLight"/>
-              <a:sym typeface="Montserrat ExtraLight"/>
-            </a:endParaRPr>
-          </a:p>
-        </p:txBody>
-      </p:sp>
-      <p:sp>
-        <p:nvSpPr>
-          <p:cNvPr id="112" name="Google Shape;112;p21"/>
-          <p:cNvSpPr txBox="1"/>
-          <p:nvPr/>
-        </p:nvSpPr>
-        <p:spPr>
-          <a:xfrm>
-            <a:off x="6620725" y="3005650"/>
-            <a:ext cx="1145700" cy="461700"/>
-          </a:xfrm>
-          <a:prstGeom prst="rect">
-            <a:avLst/>
-          </a:prstGeom>
-          <a:noFill/>
-          <a:ln>
-            <a:noFill/>
-          </a:ln>
-        </p:spPr>
-        <p:txBody>
-          <a:bodyPr anchorCtr="0" anchor="t" bIns="91425" lIns="91425" spcFirstLastPara="1" rIns="91425" wrap="square" tIns="91425">
-            <a:spAutoFit/>
-          </a:bodyPr>
-          <a:lstStyle/>
-          <a:p>
-            <a:pPr indent="0" lvl="0" marL="0" rtl="0" algn="l">
-              <a:spcBef>
-                <a:spcPts val="0"/>
-              </a:spcBef>
-              <a:spcAft>
-                <a:spcPts val="0"/>
-              </a:spcAft>
-              <a:buNone/>
-            </a:pPr>
-            <a:r>
-              <a:rPr lang="ru" sz="1800">
-                <a:latin typeface="Montserrat ExtraLight"/>
-                <a:ea typeface="Montserrat ExtraLight"/>
-                <a:cs typeface="Montserrat ExtraLight"/>
-                <a:sym typeface="Montserrat ExtraLight"/>
-              </a:rPr>
-              <a:t>a = 0,55</a:t>
-            </a:r>
-            <a:endParaRPr sz="1800">
-              <a:latin typeface="Montserrat ExtraLight"/>
-              <a:ea typeface="Montserrat ExtraLight"/>
-              <a:cs typeface="Montserrat ExtraLight"/>
-              <a:sym typeface="Montserrat ExtraLight"/>
+            <a:endParaRPr sz="2000">
+              <a:latin typeface="Montserrat Light"/>
+              <a:ea typeface="Montserrat Light"/>
+              <a:cs typeface="Montserrat Light"/>
+              <a:sym typeface="Montserrat Light"/>
             </a:endParaRPr>
           </a:p>
         </p:txBody>

--- a/ScapeGoat Three.pptx
+++ b/ScapeGoat Three.pptx
@@ -1,39 +1,48 @@
 
 <file path=ppt/presentation.xml><?xml version="1.0" encoding="utf-8"?>
-<p:presentation xmlns:a="http://schemas.openxmlformats.org/drawingml/2006/main" xmlns:r="http://schemas.openxmlformats.org/officeDocument/2006/relationships" xmlns:mc="http://schemas.openxmlformats.org/markup-compatibility/2006" xmlns:mv="urn:schemas-microsoft-com:mac:vml" xmlns:p="http://schemas.openxmlformats.org/presentationml/2006/main" xmlns:c="http://schemas.openxmlformats.org/drawingml/2006/chart" xmlns:dgm="http://schemas.openxmlformats.org/drawingml/2006/diagram" xmlns:o="urn:schemas-microsoft-com:office:office" xmlns:v="urn:schemas-microsoft-com:vml" xmlns:pvml="urn:schemas-microsoft-com:office:powerpoint" xmlns:com="http://schemas.openxmlformats.org/drawingml/2006/compatibility" xmlns:p14="http://schemas.microsoft.com/office/powerpoint/2010/main" xmlns:p15="http://schemas.microsoft.com/office/powerpoint/2012/main" xmlns:ahyp="http://schemas.microsoft.com/office/drawing/2018/hyperlinkcolor" autoCompressPictures="0" embedTrueTypeFonts="1" strictFirstAndLastChars="0" saveSubsetFonts="1">
+<p:presentation xmlns:a="http://schemas.openxmlformats.org/drawingml/2006/main" xmlns:r="http://schemas.openxmlformats.org/officeDocument/2006/relationships" xmlns:p="http://schemas.openxmlformats.org/presentationml/2006/main" showSpecialPlsOnTitleSld="0" strictFirstAndLastChars="0" embedTrueTypeFonts="1" saveSubsetFonts="1" autoCompressPictures="0">
   <p:sldMasterIdLst>
-    <p:sldMasterId id="2147483659" r:id="rId4"/>
+    <p:sldMasterId id="2147483659" r:id="rId1"/>
   </p:sldMasterIdLst>
   <p:notesMasterIdLst>
-    <p:notesMasterId r:id="rId5"/>
+    <p:notesMasterId r:id="rId10"/>
   </p:notesMasterIdLst>
   <p:sldIdLst>
-    <p:sldId id="256" r:id="rId6"/>
-    <p:sldId id="257" r:id="rId7"/>
-    <p:sldId id="258" r:id="rId8"/>
-    <p:sldId id="259" r:id="rId9"/>
-    <p:sldId id="260" r:id="rId10"/>
-    <p:sldId id="261" r:id="rId11"/>
-    <p:sldId id="262" r:id="rId12"/>
-    <p:sldId id="263" r:id="rId13"/>
-    <p:sldId id="264" r:id="rId14"/>
-    <p:sldId id="265" r:id="rId15"/>
-    <p:sldId id="266" r:id="rId16"/>
-    <p:sldId id="267" r:id="rId17"/>
-    <p:sldId id="268" r:id="rId18"/>
+    <p:sldId id="256" r:id="rId2"/>
+    <p:sldId id="257" r:id="rId3"/>
+    <p:sldId id="258" r:id="rId4"/>
+    <p:sldId id="259" r:id="rId5"/>
+    <p:sldId id="260" r:id="rId6"/>
+    <p:sldId id="261" r:id="rId7"/>
+    <p:sldId id="263" r:id="rId8"/>
+    <p:sldId id="264" r:id="rId9"/>
   </p:sldIdLst>
-  <p:sldSz cy="5143500" cx="9144000"/>
+  <p:sldSz cx="9144000" cy="5143500" type="screen16x9"/>
   <p:notesSz cx="6858000" cy="9144000"/>
   <p:embeddedFontLst>
     <p:embeddedFont>
-      <p:font typeface="Montserrat Light"/>
+      <p:font typeface="Montserrat" panose="00000500000000000000" pitchFamily="2" charset="-52"/>
+      <p:regular r:id="rId11"/>
+      <p:bold r:id="rId12"/>
+      <p:italic r:id="rId13"/>
+      <p:boldItalic r:id="rId14"/>
+    </p:embeddedFont>
+    <p:embeddedFont>
+      <p:font typeface="Montserrat ExtraLight" panose="00000300000000000000" pitchFamily="2" charset="-52"/>
+      <p:regular r:id="rId15"/>
+      <p:bold r:id="rId16"/>
+      <p:italic r:id="rId17"/>
+      <p:boldItalic r:id="rId18"/>
+    </p:embeddedFont>
+    <p:embeddedFont>
+      <p:font typeface="Montserrat Light" panose="00000400000000000000" pitchFamily="2" charset="-52"/>
       <p:regular r:id="rId19"/>
       <p:bold r:id="rId20"/>
       <p:italic r:id="rId21"/>
       <p:boldItalic r:id="rId22"/>
     </p:embeddedFont>
     <p:embeddedFont>
-      <p:font typeface="Montserrat ExtraLight"/>
+      <p:font typeface="Montserrat Medium" panose="00000600000000000000" pitchFamily="2" charset="-52"/>
       <p:regular r:id="rId23"/>
       <p:bold r:id="rId24"/>
       <p:italic r:id="rId25"/>
@@ -41,7 +50,7 @@
     </p:embeddedFont>
   </p:embeddedFontLst>
   <p:defaultTextStyle>
-    <a:defPPr lvl="0" marR="0" rtl="0" algn="l">
+    <a:defPPr marR="0" lvl="0" algn="l" rtl="0">
       <a:lnSpc>
         <a:spcPct val="100000"/>
       </a:lnSpc>
@@ -52,7 +61,7 @@
         <a:spcPts val="0"/>
       </a:spcAft>
     </a:defPPr>
-    <a:lvl1pPr lvl="0" marR="0" rtl="0" algn="l">
+    <a:lvl1pPr marR="0" lvl="0" algn="l" rtl="0">
       <a:lnSpc>
         <a:spcPct val="100000"/>
       </a:lnSpc>
@@ -66,7 +75,7 @@
         <a:srgbClr val="000000"/>
       </a:buClr>
       <a:buFont typeface="Arial"/>
-      <a:defRPr b="0" i="0" sz="1400" u="none" cap="none" strike="noStrike">
+      <a:defRPr sz="1400" b="0" i="0" u="none" strike="noStrike" cap="none">
         <a:solidFill>
           <a:srgbClr val="000000"/>
         </a:solidFill>
@@ -76,7 +85,7 @@
         <a:sym typeface="Arial"/>
       </a:defRPr>
     </a:lvl1pPr>
-    <a:lvl2pPr lvl="1" marR="0" rtl="0" algn="l">
+    <a:lvl2pPr marR="0" lvl="1" algn="l" rtl="0">
       <a:lnSpc>
         <a:spcPct val="100000"/>
       </a:lnSpc>
@@ -90,7 +99,7 @@
         <a:srgbClr val="000000"/>
       </a:buClr>
       <a:buFont typeface="Arial"/>
-      <a:defRPr b="0" i="0" sz="1400" u="none" cap="none" strike="noStrike">
+      <a:defRPr sz="1400" b="0" i="0" u="none" strike="noStrike" cap="none">
         <a:solidFill>
           <a:srgbClr val="000000"/>
         </a:solidFill>
@@ -100,7 +109,7 @@
         <a:sym typeface="Arial"/>
       </a:defRPr>
     </a:lvl2pPr>
-    <a:lvl3pPr lvl="2" marR="0" rtl="0" algn="l">
+    <a:lvl3pPr marR="0" lvl="2" algn="l" rtl="0">
       <a:lnSpc>
         <a:spcPct val="100000"/>
       </a:lnSpc>
@@ -114,7 +123,7 @@
         <a:srgbClr val="000000"/>
       </a:buClr>
       <a:buFont typeface="Arial"/>
-      <a:defRPr b="0" i="0" sz="1400" u="none" cap="none" strike="noStrike">
+      <a:defRPr sz="1400" b="0" i="0" u="none" strike="noStrike" cap="none">
         <a:solidFill>
           <a:srgbClr val="000000"/>
         </a:solidFill>
@@ -124,7 +133,7 @@
         <a:sym typeface="Arial"/>
       </a:defRPr>
     </a:lvl3pPr>
-    <a:lvl4pPr lvl="3" marR="0" rtl="0" algn="l">
+    <a:lvl4pPr marR="0" lvl="3" algn="l" rtl="0">
       <a:lnSpc>
         <a:spcPct val="100000"/>
       </a:lnSpc>
@@ -138,7 +147,7 @@
         <a:srgbClr val="000000"/>
       </a:buClr>
       <a:buFont typeface="Arial"/>
-      <a:defRPr b="0" i="0" sz="1400" u="none" cap="none" strike="noStrike">
+      <a:defRPr sz="1400" b="0" i="0" u="none" strike="noStrike" cap="none">
         <a:solidFill>
           <a:srgbClr val="000000"/>
         </a:solidFill>
@@ -148,7 +157,7 @@
         <a:sym typeface="Arial"/>
       </a:defRPr>
     </a:lvl4pPr>
-    <a:lvl5pPr lvl="4" marR="0" rtl="0" algn="l">
+    <a:lvl5pPr marR="0" lvl="4" algn="l" rtl="0">
       <a:lnSpc>
         <a:spcPct val="100000"/>
       </a:lnSpc>
@@ -162,7 +171,7 @@
         <a:srgbClr val="000000"/>
       </a:buClr>
       <a:buFont typeface="Arial"/>
-      <a:defRPr b="0" i="0" sz="1400" u="none" cap="none" strike="noStrike">
+      <a:defRPr sz="1400" b="0" i="0" u="none" strike="noStrike" cap="none">
         <a:solidFill>
           <a:srgbClr val="000000"/>
         </a:solidFill>
@@ -172,7 +181,7 @@
         <a:sym typeface="Arial"/>
       </a:defRPr>
     </a:lvl5pPr>
-    <a:lvl6pPr lvl="5" marR="0" rtl="0" algn="l">
+    <a:lvl6pPr marR="0" lvl="5" algn="l" rtl="0">
       <a:lnSpc>
         <a:spcPct val="100000"/>
       </a:lnSpc>
@@ -186,7 +195,7 @@
         <a:srgbClr val="000000"/>
       </a:buClr>
       <a:buFont typeface="Arial"/>
-      <a:defRPr b="0" i="0" sz="1400" u="none" cap="none" strike="noStrike">
+      <a:defRPr sz="1400" b="0" i="0" u="none" strike="noStrike" cap="none">
         <a:solidFill>
           <a:srgbClr val="000000"/>
         </a:solidFill>
@@ -196,7 +205,7 @@
         <a:sym typeface="Arial"/>
       </a:defRPr>
     </a:lvl6pPr>
-    <a:lvl7pPr lvl="6" marR="0" rtl="0" algn="l">
+    <a:lvl7pPr marR="0" lvl="6" algn="l" rtl="0">
       <a:lnSpc>
         <a:spcPct val="100000"/>
       </a:lnSpc>
@@ -210,7 +219,7 @@
         <a:srgbClr val="000000"/>
       </a:buClr>
       <a:buFont typeface="Arial"/>
-      <a:defRPr b="0" i="0" sz="1400" u="none" cap="none" strike="noStrike">
+      <a:defRPr sz="1400" b="0" i="0" u="none" strike="noStrike" cap="none">
         <a:solidFill>
           <a:srgbClr val="000000"/>
         </a:solidFill>
@@ -220,7 +229,7 @@
         <a:sym typeface="Arial"/>
       </a:defRPr>
     </a:lvl7pPr>
-    <a:lvl8pPr lvl="7" marR="0" rtl="0" algn="l">
+    <a:lvl8pPr marR="0" lvl="7" algn="l" rtl="0">
       <a:lnSpc>
         <a:spcPct val="100000"/>
       </a:lnSpc>
@@ -234,7 +243,7 @@
         <a:srgbClr val="000000"/>
       </a:buClr>
       <a:buFont typeface="Arial"/>
-      <a:defRPr b="0" i="0" sz="1400" u="none" cap="none" strike="noStrike">
+      <a:defRPr sz="1400" b="0" i="0" u="none" strike="noStrike" cap="none">
         <a:solidFill>
           <a:srgbClr val="000000"/>
         </a:solidFill>
@@ -244,7 +253,7 @@
         <a:sym typeface="Arial"/>
       </a:defRPr>
     </a:lvl8pPr>
-    <a:lvl9pPr lvl="8" marR="0" rtl="0" algn="l">
+    <a:lvl9pPr marR="0" lvl="8" algn="l" rtl="0">
       <a:lnSpc>
         <a:spcPct val="100000"/>
       </a:lnSpc>
@@ -258,7 +267,7 @@
         <a:srgbClr val="000000"/>
       </a:buClr>
       <a:buFont typeface="Arial"/>
-      <a:defRPr b="0" i="0" sz="1400" u="none" cap="none" strike="noStrike">
+      <a:defRPr sz="1400" b="0" i="0" u="none" strike="noStrike" cap="none">
         <a:solidFill>
           <a:srgbClr val="000000"/>
         </a:solidFill>
@@ -271,7 +280,7 @@
   </p:defaultTextStyle>
   <p:extLst>
     <p:ext uri="{EFAFB233-063F-42B5-8137-9DF3F51BA10A}">
-      <p15:sldGuideLst>
+      <p15:sldGuideLst xmlns:p15="http://schemas.microsoft.com/office/powerpoint/2012/main">
         <p15:guide id="1" orient="horz" pos="1620">
           <p15:clr>
             <a:srgbClr val="A4A3A4"/>
@@ -289,11 +298,16 @@
 </file>
 
 <file path=ppt/notesMasters/notesMaster1.xml><?xml version="1.0" encoding="utf-8"?>
-<p:notesMaster xmlns:a="http://schemas.openxmlformats.org/drawingml/2006/main" xmlns:r="http://schemas.openxmlformats.org/officeDocument/2006/relationships" xmlns:mc="http://schemas.openxmlformats.org/markup-compatibility/2006" xmlns:mv="urn:schemas-microsoft-com:mac:vml" xmlns:p="http://schemas.openxmlformats.org/presentationml/2006/main" xmlns:c="http://schemas.openxmlformats.org/drawingml/2006/chart" xmlns:dgm="http://schemas.openxmlformats.org/drawingml/2006/diagram" xmlns:o="urn:schemas-microsoft-com:office:office" xmlns:v="urn:schemas-microsoft-com:vml" xmlns:pvml="urn:schemas-microsoft-com:office:powerpoint" xmlns:com="http://schemas.openxmlformats.org/drawingml/2006/compatibility" xmlns:p14="http://schemas.microsoft.com/office/powerpoint/2010/main" xmlns:p15="http://schemas.microsoft.com/office/powerpoint/2012/main" xmlns:ahyp="http://schemas.microsoft.com/office/drawing/2018/hyperlinkcolor">
+<p:notesMaster xmlns:a="http://schemas.openxmlformats.org/drawingml/2006/main" xmlns:r="http://schemas.openxmlformats.org/officeDocument/2006/relationships" xmlns:p="http://schemas.openxmlformats.org/presentationml/2006/main">
   <p:cSld>
+    <p:bg>
+      <p:bgRef idx="1001">
+        <a:schemeClr val="bg1"/>
+      </p:bgRef>
+    </p:bg>
     <p:spTree>
       <p:nvGrpSpPr>
-        <p:cNvPr id="2" name="Shape 2"/>
+        <p:cNvPr id="1" name="Shape 2"/>
         <p:cNvGrpSpPr/>
         <p:nvPr/>
       </p:nvGrpSpPr>
@@ -308,9 +322,11 @@
       <p:sp>
         <p:nvSpPr>
           <p:cNvPr id="3" name="Google Shape;3;n"/>
-          <p:cNvSpPr/>
+          <p:cNvSpPr>
+            <a:spLocks noGrp="1" noRot="1" noChangeAspect="1"/>
+          </p:cNvSpPr>
           <p:nvPr>
-            <p:ph idx="2" type="sldImg"/>
+            <p:ph type="sldImg" idx="2"/>
           </p:nvPr>
         </p:nvSpPr>
         <p:spPr>
@@ -319,9 +335,13 @@
             <a:ext cx="6096075" cy="3429000"/>
           </a:xfrm>
           <a:custGeom>
-            <a:rect b="b" l="l" r="r" t="t"/>
+            <a:avLst/>
+            <a:gdLst/>
+            <a:ahLst/>
+            <a:cxnLst/>
+            <a:rect l="l" t="t" r="r" b="b"/>
             <a:pathLst>
-              <a:path extrusionOk="0" h="120000" w="120000">
+              <a:path w="120000" h="120000" extrusionOk="0">
                 <a:moveTo>
                   <a:pt x="0" y="0"/>
                 </a:moveTo>
@@ -339,23 +359,25 @@
             </a:pathLst>
           </a:custGeom>
           <a:noFill/>
-          <a:ln cap="flat" cmpd="sng" w="9525">
+          <a:ln w="9525" cap="flat" cmpd="sng">
             <a:solidFill>
               <a:srgbClr val="000000"/>
             </a:solidFill>
             <a:prstDash val="solid"/>
             <a:round/>
-            <a:headEnd len="sm" w="sm" type="none"/>
-            <a:tailEnd len="sm" w="sm" type="none"/>
+            <a:headEnd type="none" w="sm" len="sm"/>
+            <a:tailEnd type="none" w="sm" len="sm"/>
           </a:ln>
         </p:spPr>
       </p:sp>
       <p:sp>
         <p:nvSpPr>
           <p:cNvPr id="4" name="Google Shape;4;n"/>
-          <p:cNvSpPr txBox="1"/>
+          <p:cNvSpPr txBox="1">
+            <a:spLocks noGrp="1"/>
+          </p:cNvSpPr>
           <p:nvPr>
-            <p:ph idx="1" type="body"/>
+            <p:ph type="body" idx="1"/>
           </p:nvPr>
         </p:nvSpPr>
         <p:spPr>
@@ -372,11 +394,11 @@
           </a:ln>
         </p:spPr>
         <p:txBody>
-          <a:bodyPr anchorCtr="0" anchor="t" bIns="91425" lIns="91425" spcFirstLastPara="1" rIns="91425" wrap="square" tIns="91425">
+          <a:bodyPr spcFirstLastPara="1" wrap="square" lIns="91425" tIns="91425" rIns="91425" bIns="91425" anchor="t" anchorCtr="0">
             <a:noAutofit/>
           </a:bodyPr>
           <a:lstStyle>
-            <a:lvl1pPr indent="-298450" lvl="0" marL="457200">
+            <a:lvl1pPr marL="457200" lvl="0" indent="-298450">
               <a:spcBef>
                 <a:spcPts val="0"/>
               </a:spcBef>
@@ -387,7 +409,7 @@
               <a:buChar char="●"/>
               <a:defRPr sz="1100"/>
             </a:lvl1pPr>
-            <a:lvl2pPr indent="-298450" lvl="1" marL="914400">
+            <a:lvl2pPr marL="914400" lvl="1" indent="-298450">
               <a:spcBef>
                 <a:spcPts val="0"/>
               </a:spcBef>
@@ -398,7 +420,7 @@
               <a:buChar char="○"/>
               <a:defRPr sz="1100"/>
             </a:lvl2pPr>
-            <a:lvl3pPr indent="-298450" lvl="2" marL="1371600">
+            <a:lvl3pPr marL="1371600" lvl="2" indent="-298450">
               <a:spcBef>
                 <a:spcPts val="0"/>
               </a:spcBef>
@@ -409,7 +431,7 @@
               <a:buChar char="■"/>
               <a:defRPr sz="1100"/>
             </a:lvl3pPr>
-            <a:lvl4pPr indent="-298450" lvl="3" marL="1828800">
+            <a:lvl4pPr marL="1828800" lvl="3" indent="-298450">
               <a:spcBef>
                 <a:spcPts val="0"/>
               </a:spcBef>
@@ -420,7 +442,7 @@
               <a:buChar char="●"/>
               <a:defRPr sz="1100"/>
             </a:lvl4pPr>
-            <a:lvl5pPr indent="-298450" lvl="4" marL="2286000">
+            <a:lvl5pPr marL="2286000" lvl="4" indent="-298450">
               <a:spcBef>
                 <a:spcPts val="0"/>
               </a:spcBef>
@@ -431,7 +453,7 @@
               <a:buChar char="○"/>
               <a:defRPr sz="1100"/>
             </a:lvl5pPr>
-            <a:lvl6pPr indent="-298450" lvl="5" marL="2743200">
+            <a:lvl6pPr marL="2743200" lvl="5" indent="-298450">
               <a:spcBef>
                 <a:spcPts val="0"/>
               </a:spcBef>
@@ -442,7 +464,7 @@
               <a:buChar char="■"/>
               <a:defRPr sz="1100"/>
             </a:lvl6pPr>
-            <a:lvl7pPr indent="-298450" lvl="6" marL="3200400">
+            <a:lvl7pPr marL="3200400" lvl="6" indent="-298450">
               <a:spcBef>
                 <a:spcPts val="0"/>
               </a:spcBef>
@@ -453,7 +475,7 @@
               <a:buChar char="●"/>
               <a:defRPr sz="1100"/>
             </a:lvl7pPr>
-            <a:lvl8pPr indent="-298450" lvl="7" marL="3657600">
+            <a:lvl8pPr marL="3657600" lvl="7" indent="-298450">
               <a:spcBef>
                 <a:spcPts val="0"/>
               </a:spcBef>
@@ -464,7 +486,7 @@
               <a:buChar char="○"/>
               <a:defRPr sz="1100"/>
             </a:lvl8pPr>
-            <a:lvl9pPr indent="-298450" lvl="8" marL="4114800">
+            <a:lvl9pPr marL="4114800" lvl="8" indent="-298450">
               <a:spcBef>
                 <a:spcPts val="0"/>
               </a:spcBef>
@@ -476,14 +498,16 @@
               <a:defRPr sz="1100"/>
             </a:lvl9pPr>
           </a:lstStyle>
-          <a:p/>
+          <a:p>
+            <a:endParaRPr/>
+          </a:p>
         </p:txBody>
       </p:sp>
     </p:spTree>
   </p:cSld>
-  <p:clrMap accent1="accent1" accent2="accent2" accent3="accent3" accent4="accent4" accent5="accent5" accent6="accent6" bg1="lt1" bg2="dk2" tx1="dk1" tx2="lt2" folHlink="folHlink" hlink="hlink"/>
+  <p:clrMap bg1="lt1" tx1="dk1" bg2="dk2" tx2="lt2" accent1="accent1" accent2="accent2" accent3="accent3" accent4="accent4" accent5="accent5" accent6="accent6" hlink="hlink" folHlink="folHlink"/>
   <p:notesStyle>
-    <a:defPPr lvl="0" marR="0" rtl="0" algn="l">
+    <a:defPPr marR="0" lvl="0" algn="l" rtl="0">
       <a:lnSpc>
         <a:spcPct val="100000"/>
       </a:lnSpc>
@@ -494,7 +518,7 @@
         <a:spcPts val="0"/>
       </a:spcAft>
     </a:defPPr>
-    <a:lvl1pPr lvl="0" marR="0" rtl="0" algn="l">
+    <a:lvl1pPr marR="0" lvl="0" algn="l" rtl="0">
       <a:lnSpc>
         <a:spcPct val="100000"/>
       </a:lnSpc>
@@ -508,7 +532,7 @@
         <a:srgbClr val="000000"/>
       </a:buClr>
       <a:buFont typeface="Arial"/>
-      <a:defRPr b="0" i="0" sz="1400" u="none" cap="none" strike="noStrike">
+      <a:defRPr sz="1400" b="0" i="0" u="none" strike="noStrike" cap="none">
         <a:solidFill>
           <a:srgbClr val="000000"/>
         </a:solidFill>
@@ -518,7 +542,7 @@
         <a:sym typeface="Arial"/>
       </a:defRPr>
     </a:lvl1pPr>
-    <a:lvl2pPr lvl="1" marR="0" rtl="0" algn="l">
+    <a:lvl2pPr marR="0" lvl="1" algn="l" rtl="0">
       <a:lnSpc>
         <a:spcPct val="100000"/>
       </a:lnSpc>
@@ -532,7 +556,7 @@
         <a:srgbClr val="000000"/>
       </a:buClr>
       <a:buFont typeface="Arial"/>
-      <a:defRPr b="0" i="0" sz="1400" u="none" cap="none" strike="noStrike">
+      <a:defRPr sz="1400" b="0" i="0" u="none" strike="noStrike" cap="none">
         <a:solidFill>
           <a:srgbClr val="000000"/>
         </a:solidFill>
@@ -542,7 +566,7 @@
         <a:sym typeface="Arial"/>
       </a:defRPr>
     </a:lvl2pPr>
-    <a:lvl3pPr lvl="2" marR="0" rtl="0" algn="l">
+    <a:lvl3pPr marR="0" lvl="2" algn="l" rtl="0">
       <a:lnSpc>
         <a:spcPct val="100000"/>
       </a:lnSpc>
@@ -556,7 +580,7 @@
         <a:srgbClr val="000000"/>
       </a:buClr>
       <a:buFont typeface="Arial"/>
-      <a:defRPr b="0" i="0" sz="1400" u="none" cap="none" strike="noStrike">
+      <a:defRPr sz="1400" b="0" i="0" u="none" strike="noStrike" cap="none">
         <a:solidFill>
           <a:srgbClr val="000000"/>
         </a:solidFill>
@@ -566,7 +590,7 @@
         <a:sym typeface="Arial"/>
       </a:defRPr>
     </a:lvl3pPr>
-    <a:lvl4pPr lvl="3" marR="0" rtl="0" algn="l">
+    <a:lvl4pPr marR="0" lvl="3" algn="l" rtl="0">
       <a:lnSpc>
         <a:spcPct val="100000"/>
       </a:lnSpc>
@@ -580,7 +604,7 @@
         <a:srgbClr val="000000"/>
       </a:buClr>
       <a:buFont typeface="Arial"/>
-      <a:defRPr b="0" i="0" sz="1400" u="none" cap="none" strike="noStrike">
+      <a:defRPr sz="1400" b="0" i="0" u="none" strike="noStrike" cap="none">
         <a:solidFill>
           <a:srgbClr val="000000"/>
         </a:solidFill>
@@ -590,7 +614,7 @@
         <a:sym typeface="Arial"/>
       </a:defRPr>
     </a:lvl4pPr>
-    <a:lvl5pPr lvl="4" marR="0" rtl="0" algn="l">
+    <a:lvl5pPr marR="0" lvl="4" algn="l" rtl="0">
       <a:lnSpc>
         <a:spcPct val="100000"/>
       </a:lnSpc>
@@ -604,7 +628,7 @@
         <a:srgbClr val="000000"/>
       </a:buClr>
       <a:buFont typeface="Arial"/>
-      <a:defRPr b="0" i="0" sz="1400" u="none" cap="none" strike="noStrike">
+      <a:defRPr sz="1400" b="0" i="0" u="none" strike="noStrike" cap="none">
         <a:solidFill>
           <a:srgbClr val="000000"/>
         </a:solidFill>
@@ -614,7 +638,7 @@
         <a:sym typeface="Arial"/>
       </a:defRPr>
     </a:lvl5pPr>
-    <a:lvl6pPr lvl="5" marR="0" rtl="0" algn="l">
+    <a:lvl6pPr marR="0" lvl="5" algn="l" rtl="0">
       <a:lnSpc>
         <a:spcPct val="100000"/>
       </a:lnSpc>
@@ -628,7 +652,7 @@
         <a:srgbClr val="000000"/>
       </a:buClr>
       <a:buFont typeface="Arial"/>
-      <a:defRPr b="0" i="0" sz="1400" u="none" cap="none" strike="noStrike">
+      <a:defRPr sz="1400" b="0" i="0" u="none" strike="noStrike" cap="none">
         <a:solidFill>
           <a:srgbClr val="000000"/>
         </a:solidFill>
@@ -638,7 +662,7 @@
         <a:sym typeface="Arial"/>
       </a:defRPr>
     </a:lvl6pPr>
-    <a:lvl7pPr lvl="6" marR="0" rtl="0" algn="l">
+    <a:lvl7pPr marR="0" lvl="6" algn="l" rtl="0">
       <a:lnSpc>
         <a:spcPct val="100000"/>
       </a:lnSpc>
@@ -652,7 +676,7 @@
         <a:srgbClr val="000000"/>
       </a:buClr>
       <a:buFont typeface="Arial"/>
-      <a:defRPr b="0" i="0" sz="1400" u="none" cap="none" strike="noStrike">
+      <a:defRPr sz="1400" b="0" i="0" u="none" strike="noStrike" cap="none">
         <a:solidFill>
           <a:srgbClr val="000000"/>
         </a:solidFill>
@@ -662,7 +686,7 @@
         <a:sym typeface="Arial"/>
       </a:defRPr>
     </a:lvl7pPr>
-    <a:lvl8pPr lvl="7" marR="0" rtl="0" algn="l">
+    <a:lvl8pPr marR="0" lvl="7" algn="l" rtl="0">
       <a:lnSpc>
         <a:spcPct val="100000"/>
       </a:lnSpc>
@@ -676,7 +700,7 @@
         <a:srgbClr val="000000"/>
       </a:buClr>
       <a:buFont typeface="Arial"/>
-      <a:defRPr b="0" i="0" sz="1400" u="none" cap="none" strike="noStrike">
+      <a:defRPr sz="1400" b="0" i="0" u="none" strike="noStrike" cap="none">
         <a:solidFill>
           <a:srgbClr val="000000"/>
         </a:solidFill>
@@ -686,7 +710,7 @@
         <a:sym typeface="Arial"/>
       </a:defRPr>
     </a:lvl8pPr>
-    <a:lvl9pPr lvl="8" marR="0" rtl="0" algn="l">
+    <a:lvl9pPr marR="0" lvl="8" algn="l" rtl="0">
       <a:lnSpc>
         <a:spcPct val="100000"/>
       </a:lnSpc>
@@ -700,7 +724,7 @@
         <a:srgbClr val="000000"/>
       </a:buClr>
       <a:buFont typeface="Arial"/>
-      <a:defRPr b="0" i="0" sz="1400" u="none" cap="none" strike="noStrike">
+      <a:defRPr sz="1400" b="0" i="0" u="none" strike="noStrike" cap="none">
         <a:solidFill>
           <a:srgbClr val="000000"/>
         </a:solidFill>
@@ -715,11 +739,11 @@
 </file>
 
 <file path=ppt/notesSlides/notesSlide1.xml><?xml version="1.0" encoding="utf-8"?>
-<p:notes xmlns:a="http://schemas.openxmlformats.org/drawingml/2006/main" xmlns:r="http://schemas.openxmlformats.org/officeDocument/2006/relationships" xmlns:mc="http://schemas.openxmlformats.org/markup-compatibility/2006" xmlns:mv="urn:schemas-microsoft-com:mac:vml" xmlns:p="http://schemas.openxmlformats.org/presentationml/2006/main" xmlns:c="http://schemas.openxmlformats.org/drawingml/2006/chart" xmlns:dgm="http://schemas.openxmlformats.org/drawingml/2006/diagram" xmlns:o="urn:schemas-microsoft-com:office:office" xmlns:v="urn:schemas-microsoft-com:vml" xmlns:pvml="urn:schemas-microsoft-com:office:powerpoint" xmlns:com="http://schemas.openxmlformats.org/drawingml/2006/compatibility" xmlns:p14="http://schemas.microsoft.com/office/powerpoint/2010/main" xmlns:p15="http://schemas.microsoft.com/office/powerpoint/2012/main" xmlns:ahyp="http://schemas.microsoft.com/office/drawing/2018/hyperlinkcolor" showMasterPhAnim="0" showMasterSp="0">
+<p:notes xmlns:a="http://schemas.openxmlformats.org/drawingml/2006/main" xmlns:r="http://schemas.openxmlformats.org/officeDocument/2006/relationships" xmlns:p="http://schemas.openxmlformats.org/presentationml/2006/main" showMasterSp="0" showMasterPhAnim="0">
   <p:cSld>
     <p:spTree>
       <p:nvGrpSpPr>
-        <p:cNvPr id="50" name="Shape 50"/>
+        <p:cNvPr id="1" name="Shape 50"/>
         <p:cNvGrpSpPr/>
         <p:nvPr/>
       </p:nvGrpSpPr>
@@ -734,20 +758,26 @@
       <p:sp>
         <p:nvSpPr>
           <p:cNvPr id="51" name="Google Shape;51;p:notes"/>
-          <p:cNvSpPr/>
+          <p:cNvSpPr>
+            <a:spLocks noGrp="1" noRot="1" noChangeAspect="1"/>
+          </p:cNvSpPr>
           <p:nvPr>
-            <p:ph idx="2" type="sldImg"/>
+            <p:ph type="sldImg" idx="2"/>
           </p:nvPr>
         </p:nvSpPr>
         <p:spPr>
           <a:xfrm>
-            <a:off x="381300" y="685800"/>
-            <a:ext cx="6096075" cy="3429000"/>
+            <a:off x="381000" y="685800"/>
+            <a:ext cx="6096000" cy="3429000"/>
           </a:xfrm>
           <a:custGeom>
-            <a:rect b="b" l="l" r="r" t="t"/>
+            <a:avLst/>
+            <a:gdLst/>
+            <a:ahLst/>
+            <a:cxnLst/>
+            <a:rect l="l" t="t" r="r" b="b"/>
             <a:pathLst>
-              <a:path extrusionOk="0" h="120000" w="120000">
+              <a:path w="120000" h="120000" extrusionOk="0">
                 <a:moveTo>
                   <a:pt x="0" y="0"/>
                 </a:moveTo>
@@ -769,9 +799,11 @@
       <p:sp>
         <p:nvSpPr>
           <p:cNvPr id="52" name="Google Shape;52;p:notes"/>
-          <p:cNvSpPr txBox="1"/>
+          <p:cNvSpPr txBox="1">
+            <a:spLocks noGrp="1"/>
+          </p:cNvSpPr>
           <p:nvPr>
-            <p:ph idx="1" type="body"/>
+            <p:ph type="body" idx="1"/>
           </p:nvPr>
         </p:nvSpPr>
         <p:spPr>
@@ -784,12 +816,12 @@
           </a:prstGeom>
         </p:spPr>
         <p:txBody>
-          <a:bodyPr anchorCtr="0" anchor="t" bIns="91425" lIns="91425" spcFirstLastPara="1" rIns="91425" wrap="square" tIns="91425">
+          <a:bodyPr spcFirstLastPara="1" wrap="square" lIns="91425" tIns="91425" rIns="91425" bIns="91425" anchor="t" anchorCtr="0">
             <a:noAutofit/>
           </a:bodyPr>
           <a:lstStyle/>
           <a:p>
-            <a:pPr indent="0" lvl="0" marL="0" rtl="0" algn="l">
+            <a:pPr marL="0" lvl="0" indent="0" algn="l" rtl="0">
               <a:spcBef>
                 <a:spcPts val="0"/>
               </a:spcBef>
@@ -798,9 +830,6 @@
               </a:spcAft>
               <a:buNone/>
             </a:pPr>
-            <a:r>
-              <a:t/>
-            </a:r>
             <a:endParaRPr/>
           </a:p>
         </p:txBody>
@@ -813,12 +842,12 @@
 </p:notes>
 </file>
 
-<file path=ppt/notesSlides/notesSlide10.xml><?xml version="1.0" encoding="utf-8"?>
-<p:notes xmlns:a="http://schemas.openxmlformats.org/drawingml/2006/main" xmlns:r="http://schemas.openxmlformats.org/officeDocument/2006/relationships" xmlns:mc="http://schemas.openxmlformats.org/markup-compatibility/2006" xmlns:mv="urn:schemas-microsoft-com:mac:vml" xmlns:p="http://schemas.openxmlformats.org/presentationml/2006/main" xmlns:c="http://schemas.openxmlformats.org/drawingml/2006/chart" xmlns:dgm="http://schemas.openxmlformats.org/drawingml/2006/diagram" xmlns:o="urn:schemas-microsoft-com:office:office" xmlns:v="urn:schemas-microsoft-com:vml" xmlns:pvml="urn:schemas-microsoft-com:office:powerpoint" xmlns:com="http://schemas.openxmlformats.org/drawingml/2006/compatibility" xmlns:p14="http://schemas.microsoft.com/office/powerpoint/2010/main" xmlns:p15="http://schemas.microsoft.com/office/powerpoint/2012/main" xmlns:ahyp="http://schemas.microsoft.com/office/drawing/2018/hyperlinkcolor" showMasterPhAnim="0" showMasterSp="0">
+<file path=ppt/notesSlides/notesSlide2.xml><?xml version="1.0" encoding="utf-8"?>
+<p:notes xmlns:a="http://schemas.openxmlformats.org/drawingml/2006/main" xmlns:r="http://schemas.openxmlformats.org/officeDocument/2006/relationships" xmlns:p="http://schemas.openxmlformats.org/presentationml/2006/main" showMasterSp="0" showMasterPhAnim="0">
   <p:cSld>
     <p:spTree>
       <p:nvGrpSpPr>
-        <p:cNvPr id="108" name="Shape 108"/>
+        <p:cNvPr id="1" name="Shape 56"/>
         <p:cNvGrpSpPr/>
         <p:nvPr/>
       </p:nvGrpSpPr>
@@ -832,21 +861,27 @@
       </p:grpSpPr>
       <p:sp>
         <p:nvSpPr>
-          <p:cNvPr id="109" name="Google Shape;109;g1fa41595bf3_0_21:notes"/>
-          <p:cNvSpPr/>
+          <p:cNvPr id="57" name="Google Shape;57;g1fa41595bf3_0_10:notes"/>
+          <p:cNvSpPr>
+            <a:spLocks noGrp="1" noRot="1" noChangeAspect="1"/>
+          </p:cNvSpPr>
           <p:nvPr>
-            <p:ph idx="2" type="sldImg"/>
+            <p:ph type="sldImg" idx="2"/>
           </p:nvPr>
         </p:nvSpPr>
         <p:spPr>
           <a:xfrm>
-            <a:off x="381300" y="685800"/>
+            <a:off x="381000" y="685800"/>
             <a:ext cx="6096000" cy="3429000"/>
           </a:xfrm>
           <a:custGeom>
-            <a:rect b="b" l="l" r="r" t="t"/>
+            <a:avLst/>
+            <a:gdLst/>
+            <a:ahLst/>
+            <a:cxnLst/>
+            <a:rect l="l" t="t" r="r" b="b"/>
             <a:pathLst>
-              <a:path extrusionOk="0" h="120000" w="120000">
+              <a:path w="120000" h="120000" extrusionOk="0">
                 <a:moveTo>
                   <a:pt x="0" y="0"/>
                 </a:moveTo>
@@ -867,10 +902,12 @@
       </p:sp>
       <p:sp>
         <p:nvSpPr>
-          <p:cNvPr id="110" name="Google Shape;110;g1fa41595bf3_0_21:notes"/>
-          <p:cNvSpPr txBox="1"/>
+          <p:cNvPr id="58" name="Google Shape;58;g1fa41595bf3_0_10:notes"/>
+          <p:cNvSpPr txBox="1">
+            <a:spLocks noGrp="1"/>
+          </p:cNvSpPr>
           <p:nvPr>
-            <p:ph idx="1" type="body"/>
+            <p:ph type="body" idx="1"/>
           </p:nvPr>
         </p:nvSpPr>
         <p:spPr>
@@ -883,12 +920,12 @@
           </a:prstGeom>
         </p:spPr>
         <p:txBody>
-          <a:bodyPr anchorCtr="0" anchor="t" bIns="91425" lIns="91425" spcFirstLastPara="1" rIns="91425" wrap="square" tIns="91425">
+          <a:bodyPr spcFirstLastPara="1" wrap="square" lIns="91425" tIns="91425" rIns="91425" bIns="91425" anchor="t" anchorCtr="0">
             <a:noAutofit/>
           </a:bodyPr>
           <a:lstStyle/>
           <a:p>
-            <a:pPr indent="0" lvl="0" marL="0" rtl="0" algn="l">
+            <a:pPr marL="0" lvl="0" indent="0" algn="l" rtl="0">
               <a:spcBef>
                 <a:spcPts val="0"/>
               </a:spcBef>
@@ -897,9 +934,6 @@
               </a:spcAft>
               <a:buNone/>
             </a:pPr>
-            <a:r>
-              <a:t/>
-            </a:r>
             <a:endParaRPr/>
           </a:p>
         </p:txBody>
@@ -912,12 +946,12 @@
 </p:notes>
 </file>
 
-<file path=ppt/notesSlides/notesSlide11.xml><?xml version="1.0" encoding="utf-8"?>
-<p:notes xmlns:a="http://schemas.openxmlformats.org/drawingml/2006/main" xmlns:r="http://schemas.openxmlformats.org/officeDocument/2006/relationships" xmlns:mc="http://schemas.openxmlformats.org/markup-compatibility/2006" xmlns:mv="urn:schemas-microsoft-com:mac:vml" xmlns:p="http://schemas.openxmlformats.org/presentationml/2006/main" xmlns:c="http://schemas.openxmlformats.org/drawingml/2006/chart" xmlns:dgm="http://schemas.openxmlformats.org/drawingml/2006/diagram" xmlns:o="urn:schemas-microsoft-com:office:office" xmlns:v="urn:schemas-microsoft-com:vml" xmlns:pvml="urn:schemas-microsoft-com:office:powerpoint" xmlns:com="http://schemas.openxmlformats.org/drawingml/2006/compatibility" xmlns:p14="http://schemas.microsoft.com/office/powerpoint/2010/main" xmlns:p15="http://schemas.microsoft.com/office/powerpoint/2012/main" xmlns:ahyp="http://schemas.microsoft.com/office/drawing/2018/hyperlinkcolor" showMasterPhAnim="0" showMasterSp="0">
+<file path=ppt/notesSlides/notesSlide3.xml><?xml version="1.0" encoding="utf-8"?>
+<p:notes xmlns:a="http://schemas.openxmlformats.org/drawingml/2006/main" xmlns:r="http://schemas.openxmlformats.org/officeDocument/2006/relationships" xmlns:p="http://schemas.openxmlformats.org/presentationml/2006/main" showMasterSp="0" showMasterPhAnim="0">
   <p:cSld>
     <p:spTree>
       <p:nvGrpSpPr>
-        <p:cNvPr id="119" name="Shape 119"/>
+        <p:cNvPr id="1" name="Shape 63"/>
         <p:cNvGrpSpPr/>
         <p:nvPr/>
       </p:nvGrpSpPr>
@@ -931,21 +965,27 @@
       </p:grpSpPr>
       <p:sp>
         <p:nvSpPr>
-          <p:cNvPr id="120" name="Google Shape;120;g1fa41595bf3_0_64:notes"/>
-          <p:cNvSpPr/>
+          <p:cNvPr id="64" name="Google Shape;64;g1fa41595bf3_0_26:notes"/>
+          <p:cNvSpPr>
+            <a:spLocks noGrp="1" noRot="1" noChangeAspect="1"/>
+          </p:cNvSpPr>
           <p:nvPr>
-            <p:ph idx="2" type="sldImg"/>
+            <p:ph type="sldImg" idx="2"/>
           </p:nvPr>
         </p:nvSpPr>
         <p:spPr>
           <a:xfrm>
-            <a:off x="381300" y="685800"/>
+            <a:off x="381000" y="685800"/>
             <a:ext cx="6096000" cy="3429000"/>
           </a:xfrm>
           <a:custGeom>
-            <a:rect b="b" l="l" r="r" t="t"/>
+            <a:avLst/>
+            <a:gdLst/>
+            <a:ahLst/>
+            <a:cxnLst/>
+            <a:rect l="l" t="t" r="r" b="b"/>
             <a:pathLst>
-              <a:path extrusionOk="0" h="120000" w="120000">
+              <a:path w="120000" h="120000" extrusionOk="0">
                 <a:moveTo>
                   <a:pt x="0" y="0"/>
                 </a:moveTo>
@@ -966,10 +1006,12 @@
       </p:sp>
       <p:sp>
         <p:nvSpPr>
-          <p:cNvPr id="121" name="Google Shape;121;g1fa41595bf3_0_64:notes"/>
-          <p:cNvSpPr txBox="1"/>
+          <p:cNvPr id="65" name="Google Shape;65;g1fa41595bf3_0_26:notes"/>
+          <p:cNvSpPr txBox="1">
+            <a:spLocks noGrp="1"/>
+          </p:cNvSpPr>
           <p:nvPr>
-            <p:ph idx="1" type="body"/>
+            <p:ph type="body" idx="1"/>
           </p:nvPr>
         </p:nvSpPr>
         <p:spPr>
@@ -982,12 +1024,12 @@
           </a:prstGeom>
         </p:spPr>
         <p:txBody>
-          <a:bodyPr anchorCtr="0" anchor="t" bIns="91425" lIns="91425" spcFirstLastPara="1" rIns="91425" wrap="square" tIns="91425">
+          <a:bodyPr spcFirstLastPara="1" wrap="square" lIns="91425" tIns="91425" rIns="91425" bIns="91425" anchor="t" anchorCtr="0">
             <a:noAutofit/>
           </a:bodyPr>
           <a:lstStyle/>
           <a:p>
-            <a:pPr indent="0" lvl="0" marL="0" rtl="0" algn="l">
+            <a:pPr marL="0" lvl="0" indent="0" algn="l" rtl="0">
               <a:spcBef>
                 <a:spcPts val="0"/>
               </a:spcBef>
@@ -996,9 +1038,6 @@
               </a:spcAft>
               <a:buNone/>
             </a:pPr>
-            <a:r>
-              <a:t/>
-            </a:r>
             <a:endParaRPr/>
           </a:p>
         </p:txBody>
@@ -1011,12 +1050,12 @@
 </p:notes>
 </file>
 
-<file path=ppt/notesSlides/notesSlide12.xml><?xml version="1.0" encoding="utf-8"?>
-<p:notes xmlns:a="http://schemas.openxmlformats.org/drawingml/2006/main" xmlns:r="http://schemas.openxmlformats.org/officeDocument/2006/relationships" xmlns:mc="http://schemas.openxmlformats.org/markup-compatibility/2006" xmlns:mv="urn:schemas-microsoft-com:mac:vml" xmlns:p="http://schemas.openxmlformats.org/presentationml/2006/main" xmlns:c="http://schemas.openxmlformats.org/drawingml/2006/chart" xmlns:dgm="http://schemas.openxmlformats.org/drawingml/2006/diagram" xmlns:o="urn:schemas-microsoft-com:office:office" xmlns:v="urn:schemas-microsoft-com:vml" xmlns:pvml="urn:schemas-microsoft-com:office:powerpoint" xmlns:com="http://schemas.openxmlformats.org/drawingml/2006/compatibility" xmlns:p14="http://schemas.microsoft.com/office/powerpoint/2010/main" xmlns:p15="http://schemas.microsoft.com/office/powerpoint/2012/main" xmlns:ahyp="http://schemas.microsoft.com/office/drawing/2018/hyperlinkcolor" showMasterPhAnim="0" showMasterSp="0">
+<file path=ppt/notesSlides/notesSlide4.xml><?xml version="1.0" encoding="utf-8"?>
+<p:notes xmlns:a="http://schemas.openxmlformats.org/drawingml/2006/main" xmlns:r="http://schemas.openxmlformats.org/officeDocument/2006/relationships" xmlns:p="http://schemas.openxmlformats.org/presentationml/2006/main" showMasterSp="0" showMasterPhAnim="0">
   <p:cSld>
     <p:spTree>
       <p:nvGrpSpPr>
-        <p:cNvPr id="125" name="Shape 125"/>
+        <p:cNvPr id="1" name="Shape 73"/>
         <p:cNvGrpSpPr/>
         <p:nvPr/>
       </p:nvGrpSpPr>
@@ -1030,21 +1069,27 @@
       </p:grpSpPr>
       <p:sp>
         <p:nvSpPr>
-          <p:cNvPr id="126" name="Google Shape;126;g1fa41595bf3_0_49:notes"/>
-          <p:cNvSpPr/>
+          <p:cNvPr id="74" name="Google Shape;74;g1fa41595bf3_0_5:notes"/>
+          <p:cNvSpPr>
+            <a:spLocks noGrp="1" noRot="1" noChangeAspect="1"/>
+          </p:cNvSpPr>
           <p:nvPr>
-            <p:ph idx="2" type="sldImg"/>
+            <p:ph type="sldImg" idx="2"/>
           </p:nvPr>
         </p:nvSpPr>
         <p:spPr>
           <a:xfrm>
-            <a:off x="381300" y="685800"/>
+            <a:off x="381000" y="685800"/>
             <a:ext cx="6096000" cy="3429000"/>
           </a:xfrm>
           <a:custGeom>
-            <a:rect b="b" l="l" r="r" t="t"/>
+            <a:avLst/>
+            <a:gdLst/>
+            <a:ahLst/>
+            <a:cxnLst/>
+            <a:rect l="l" t="t" r="r" b="b"/>
             <a:pathLst>
-              <a:path extrusionOk="0" h="120000" w="120000">
+              <a:path w="120000" h="120000" extrusionOk="0">
                 <a:moveTo>
                   <a:pt x="0" y="0"/>
                 </a:moveTo>
@@ -1065,10 +1110,12 @@
       </p:sp>
       <p:sp>
         <p:nvSpPr>
-          <p:cNvPr id="127" name="Google Shape;127;g1fa41595bf3_0_49:notes"/>
-          <p:cNvSpPr txBox="1"/>
+          <p:cNvPr id="75" name="Google Shape;75;g1fa41595bf3_0_5:notes"/>
+          <p:cNvSpPr txBox="1">
+            <a:spLocks noGrp="1"/>
+          </p:cNvSpPr>
           <p:nvPr>
-            <p:ph idx="1" type="body"/>
+            <p:ph type="body" idx="1"/>
           </p:nvPr>
         </p:nvSpPr>
         <p:spPr>
@@ -1081,12 +1128,12 @@
           </a:prstGeom>
         </p:spPr>
         <p:txBody>
-          <a:bodyPr anchorCtr="0" anchor="t" bIns="91425" lIns="91425" spcFirstLastPara="1" rIns="91425" wrap="square" tIns="91425">
+          <a:bodyPr spcFirstLastPara="1" wrap="square" lIns="91425" tIns="91425" rIns="91425" bIns="91425" anchor="t" anchorCtr="0">
             <a:noAutofit/>
           </a:bodyPr>
           <a:lstStyle/>
           <a:p>
-            <a:pPr indent="0" lvl="0" marL="0" rtl="0" algn="l">
+            <a:pPr marL="0" lvl="0" indent="0" algn="l" rtl="0">
               <a:spcBef>
                 <a:spcPts val="0"/>
               </a:spcBef>
@@ -1095,9 +1142,6 @@
               </a:spcAft>
               <a:buNone/>
             </a:pPr>
-            <a:r>
-              <a:t/>
-            </a:r>
             <a:endParaRPr/>
           </a:p>
         </p:txBody>
@@ -1110,12 +1154,12 @@
 </p:notes>
 </file>
 
-<file path=ppt/notesSlides/notesSlide13.xml><?xml version="1.0" encoding="utf-8"?>
-<p:notes xmlns:a="http://schemas.openxmlformats.org/drawingml/2006/main" xmlns:r="http://schemas.openxmlformats.org/officeDocument/2006/relationships" xmlns:mc="http://schemas.openxmlformats.org/markup-compatibility/2006" xmlns:mv="urn:schemas-microsoft-com:mac:vml" xmlns:p="http://schemas.openxmlformats.org/presentationml/2006/main" xmlns:c="http://schemas.openxmlformats.org/drawingml/2006/chart" xmlns:dgm="http://schemas.openxmlformats.org/drawingml/2006/diagram" xmlns:o="urn:schemas-microsoft-com:office:office" xmlns:v="urn:schemas-microsoft-com:vml" xmlns:pvml="urn:schemas-microsoft-com:office:powerpoint" xmlns:com="http://schemas.openxmlformats.org/drawingml/2006/compatibility" xmlns:p14="http://schemas.microsoft.com/office/powerpoint/2010/main" xmlns:p15="http://schemas.microsoft.com/office/powerpoint/2012/main" xmlns:ahyp="http://schemas.microsoft.com/office/drawing/2018/hyperlinkcolor" showMasterPhAnim="0" showMasterSp="0">
+<file path=ppt/notesSlides/notesSlide5.xml><?xml version="1.0" encoding="utf-8"?>
+<p:notes xmlns:a="http://schemas.openxmlformats.org/drawingml/2006/main" xmlns:r="http://schemas.openxmlformats.org/officeDocument/2006/relationships" xmlns:p="http://schemas.openxmlformats.org/presentationml/2006/main" showMasterSp="0" showMasterPhAnim="0">
   <p:cSld>
     <p:spTree>
       <p:nvGrpSpPr>
-        <p:cNvPr id="131" name="Shape 131"/>
+        <p:cNvPr id="1" name="Shape 79"/>
         <p:cNvGrpSpPr/>
         <p:nvPr/>
       </p:nvGrpSpPr>
@@ -1129,21 +1173,27 @@
       </p:grpSpPr>
       <p:sp>
         <p:nvSpPr>
-          <p:cNvPr id="132" name="Google Shape;132;g1fa41595bf3_0_54:notes"/>
-          <p:cNvSpPr/>
+          <p:cNvPr id="80" name="Google Shape;80;g1fa41595bf3_0_21:notes"/>
+          <p:cNvSpPr>
+            <a:spLocks noGrp="1" noRot="1" noChangeAspect="1"/>
+          </p:cNvSpPr>
           <p:nvPr>
-            <p:ph idx="2" type="sldImg"/>
+            <p:ph type="sldImg" idx="2"/>
           </p:nvPr>
         </p:nvSpPr>
         <p:spPr>
           <a:xfrm>
-            <a:off x="381300" y="685800"/>
+            <a:off x="381000" y="685800"/>
             <a:ext cx="6096000" cy="3429000"/>
           </a:xfrm>
           <a:custGeom>
-            <a:rect b="b" l="l" r="r" t="t"/>
+            <a:avLst/>
+            <a:gdLst/>
+            <a:ahLst/>
+            <a:cxnLst/>
+            <a:rect l="l" t="t" r="r" b="b"/>
             <a:pathLst>
-              <a:path extrusionOk="0" h="120000" w="120000">
+              <a:path w="120000" h="120000" extrusionOk="0">
                 <a:moveTo>
                   <a:pt x="0" y="0"/>
                 </a:moveTo>
@@ -1164,10 +1214,12 @@
       </p:sp>
       <p:sp>
         <p:nvSpPr>
-          <p:cNvPr id="133" name="Google Shape;133;g1fa41595bf3_0_54:notes"/>
-          <p:cNvSpPr txBox="1"/>
+          <p:cNvPr id="81" name="Google Shape;81;g1fa41595bf3_0_21:notes"/>
+          <p:cNvSpPr txBox="1">
+            <a:spLocks noGrp="1"/>
+          </p:cNvSpPr>
           <p:nvPr>
-            <p:ph idx="1" type="body"/>
+            <p:ph type="body" idx="1"/>
           </p:nvPr>
         </p:nvSpPr>
         <p:spPr>
@@ -1180,12 +1232,12 @@
           </a:prstGeom>
         </p:spPr>
         <p:txBody>
-          <a:bodyPr anchorCtr="0" anchor="t" bIns="91425" lIns="91425" spcFirstLastPara="1" rIns="91425" wrap="square" tIns="91425">
+          <a:bodyPr spcFirstLastPara="1" wrap="square" lIns="91425" tIns="91425" rIns="91425" bIns="91425" anchor="t" anchorCtr="0">
             <a:noAutofit/>
           </a:bodyPr>
           <a:lstStyle/>
           <a:p>
-            <a:pPr indent="0" lvl="0" marL="0" rtl="0" algn="l">
+            <a:pPr marL="0" lvl="0" indent="0" algn="l" rtl="0">
               <a:spcBef>
                 <a:spcPts val="0"/>
               </a:spcBef>
@@ -1194,9 +1246,6 @@
               </a:spcAft>
               <a:buNone/>
             </a:pPr>
-            <a:r>
-              <a:t/>
-            </a:r>
             <a:endParaRPr/>
           </a:p>
         </p:txBody>
@@ -1209,12 +1258,12 @@
 </p:notes>
 </file>
 
-<file path=ppt/notesSlides/notesSlide2.xml><?xml version="1.0" encoding="utf-8"?>
-<p:notes xmlns:a="http://schemas.openxmlformats.org/drawingml/2006/main" xmlns:r="http://schemas.openxmlformats.org/officeDocument/2006/relationships" xmlns:mc="http://schemas.openxmlformats.org/markup-compatibility/2006" xmlns:mv="urn:schemas-microsoft-com:mac:vml" xmlns:p="http://schemas.openxmlformats.org/presentationml/2006/main" xmlns:c="http://schemas.openxmlformats.org/drawingml/2006/chart" xmlns:dgm="http://schemas.openxmlformats.org/drawingml/2006/diagram" xmlns:o="urn:schemas-microsoft-com:office:office" xmlns:v="urn:schemas-microsoft-com:vml" xmlns:pvml="urn:schemas-microsoft-com:office:powerpoint" xmlns:com="http://schemas.openxmlformats.org/drawingml/2006/compatibility" xmlns:p14="http://schemas.microsoft.com/office/powerpoint/2010/main" xmlns:p15="http://schemas.microsoft.com/office/powerpoint/2012/main" xmlns:ahyp="http://schemas.microsoft.com/office/drawing/2018/hyperlinkcolor" showMasterPhAnim="0" showMasterSp="0">
+<file path=ppt/notesSlides/notesSlide6.xml><?xml version="1.0" encoding="utf-8"?>
+<p:notes xmlns:a="http://schemas.openxmlformats.org/drawingml/2006/main" xmlns:r="http://schemas.openxmlformats.org/officeDocument/2006/relationships" xmlns:p="http://schemas.openxmlformats.org/presentationml/2006/main" showMasterSp="0" showMasterPhAnim="0">
   <p:cSld>
     <p:spTree>
       <p:nvGrpSpPr>
-        <p:cNvPr id="56" name="Shape 56"/>
+        <p:cNvPr id="1" name="Shape 90"/>
         <p:cNvGrpSpPr/>
         <p:nvPr/>
       </p:nvGrpSpPr>
@@ -1228,21 +1277,27 @@
       </p:grpSpPr>
       <p:sp>
         <p:nvSpPr>
-          <p:cNvPr id="57" name="Google Shape;57;g1fa41595bf3_0_0:notes"/>
-          <p:cNvSpPr/>
+          <p:cNvPr id="91" name="Google Shape;91;g1fa41595bf3_0_76:notes"/>
+          <p:cNvSpPr>
+            <a:spLocks noGrp="1" noRot="1" noChangeAspect="1"/>
+          </p:cNvSpPr>
           <p:nvPr>
-            <p:ph idx="2" type="sldImg"/>
+            <p:ph type="sldImg" idx="2"/>
           </p:nvPr>
         </p:nvSpPr>
         <p:spPr>
           <a:xfrm>
-            <a:off x="381300" y="685800"/>
+            <a:off x="381000" y="685800"/>
             <a:ext cx="6096000" cy="3429000"/>
           </a:xfrm>
           <a:custGeom>
-            <a:rect b="b" l="l" r="r" t="t"/>
+            <a:avLst/>
+            <a:gdLst/>
+            <a:ahLst/>
+            <a:cxnLst/>
+            <a:rect l="l" t="t" r="r" b="b"/>
             <a:pathLst>
-              <a:path extrusionOk="0" h="120000" w="120000">
+              <a:path w="120000" h="120000" extrusionOk="0">
                 <a:moveTo>
                   <a:pt x="0" y="0"/>
                 </a:moveTo>
@@ -1263,10 +1318,12 @@
       </p:sp>
       <p:sp>
         <p:nvSpPr>
-          <p:cNvPr id="58" name="Google Shape;58;g1fa41595bf3_0_0:notes"/>
-          <p:cNvSpPr txBox="1"/>
+          <p:cNvPr id="92" name="Google Shape;92;g1fa41595bf3_0_76:notes"/>
+          <p:cNvSpPr txBox="1">
+            <a:spLocks noGrp="1"/>
+          </p:cNvSpPr>
           <p:nvPr>
-            <p:ph idx="1" type="body"/>
+            <p:ph type="body" idx="1"/>
           </p:nvPr>
         </p:nvSpPr>
         <p:spPr>
@@ -1279,12 +1336,12 @@
           </a:prstGeom>
         </p:spPr>
         <p:txBody>
-          <a:bodyPr anchorCtr="0" anchor="t" bIns="91425" lIns="91425" spcFirstLastPara="1" rIns="91425" wrap="square" tIns="91425">
+          <a:bodyPr spcFirstLastPara="1" wrap="square" lIns="91425" tIns="91425" rIns="91425" bIns="91425" anchor="t" anchorCtr="0">
             <a:noAutofit/>
           </a:bodyPr>
           <a:lstStyle/>
           <a:p>
-            <a:pPr indent="0" lvl="0" marL="0" rtl="0" algn="l">
+            <a:pPr marL="0" lvl="0" indent="0" algn="l" rtl="0">
               <a:spcBef>
                 <a:spcPts val="0"/>
               </a:spcBef>
@@ -1293,9 +1350,6 @@
               </a:spcAft>
               <a:buNone/>
             </a:pPr>
-            <a:r>
-              <a:t/>
-            </a:r>
             <a:endParaRPr/>
           </a:p>
         </p:txBody>
@@ -1308,12 +1362,12 @@
 </p:notes>
 </file>
 
-<file path=ppt/notesSlides/notesSlide3.xml><?xml version="1.0" encoding="utf-8"?>
-<p:notes xmlns:a="http://schemas.openxmlformats.org/drawingml/2006/main" xmlns:r="http://schemas.openxmlformats.org/officeDocument/2006/relationships" xmlns:mc="http://schemas.openxmlformats.org/markup-compatibility/2006" xmlns:mv="urn:schemas-microsoft-com:mac:vml" xmlns:p="http://schemas.openxmlformats.org/presentationml/2006/main" xmlns:c="http://schemas.openxmlformats.org/drawingml/2006/chart" xmlns:dgm="http://schemas.openxmlformats.org/drawingml/2006/diagram" xmlns:o="urn:schemas-microsoft-com:office:office" xmlns:v="urn:schemas-microsoft-com:vml" xmlns:pvml="urn:schemas-microsoft-com:office:powerpoint" xmlns:com="http://schemas.openxmlformats.org/drawingml/2006/compatibility" xmlns:p14="http://schemas.microsoft.com/office/powerpoint/2010/main" xmlns:p15="http://schemas.microsoft.com/office/powerpoint/2012/main" xmlns:ahyp="http://schemas.microsoft.com/office/drawing/2018/hyperlinkcolor" showMasterPhAnim="0" showMasterSp="0">
+<file path=ppt/notesSlides/notesSlide7.xml><?xml version="1.0" encoding="utf-8"?>
+<p:notes xmlns:a="http://schemas.openxmlformats.org/drawingml/2006/main" xmlns:r="http://schemas.openxmlformats.org/officeDocument/2006/relationships" xmlns:p="http://schemas.openxmlformats.org/presentationml/2006/main" showMasterSp="0" showMasterPhAnim="0">
   <p:cSld>
     <p:spTree>
       <p:nvGrpSpPr>
-        <p:cNvPr id="62" name="Shape 62"/>
+        <p:cNvPr id="1" name="Shape 103"/>
         <p:cNvGrpSpPr/>
         <p:nvPr/>
       </p:nvGrpSpPr>
@@ -1327,21 +1381,27 @@
       </p:grpSpPr>
       <p:sp>
         <p:nvSpPr>
-          <p:cNvPr id="63" name="Google Shape;63;g1fa41595bf3_0_59:notes"/>
-          <p:cNvSpPr/>
+          <p:cNvPr id="104" name="Google Shape;104;g1fa41595bf3_0_49:notes"/>
+          <p:cNvSpPr>
+            <a:spLocks noGrp="1" noRot="1" noChangeAspect="1"/>
+          </p:cNvSpPr>
           <p:nvPr>
-            <p:ph idx="2" type="sldImg"/>
+            <p:ph type="sldImg" idx="2"/>
           </p:nvPr>
         </p:nvSpPr>
         <p:spPr>
           <a:xfrm>
-            <a:off x="381300" y="685800"/>
+            <a:off x="381000" y="685800"/>
             <a:ext cx="6096000" cy="3429000"/>
           </a:xfrm>
           <a:custGeom>
-            <a:rect b="b" l="l" r="r" t="t"/>
+            <a:avLst/>
+            <a:gdLst/>
+            <a:ahLst/>
+            <a:cxnLst/>
+            <a:rect l="l" t="t" r="r" b="b"/>
             <a:pathLst>
-              <a:path extrusionOk="0" h="120000" w="120000">
+              <a:path w="120000" h="120000" extrusionOk="0">
                 <a:moveTo>
                   <a:pt x="0" y="0"/>
                 </a:moveTo>
@@ -1362,10 +1422,12 @@
       </p:sp>
       <p:sp>
         <p:nvSpPr>
-          <p:cNvPr id="64" name="Google Shape;64;g1fa41595bf3_0_59:notes"/>
-          <p:cNvSpPr txBox="1"/>
+          <p:cNvPr id="105" name="Google Shape;105;g1fa41595bf3_0_49:notes"/>
+          <p:cNvSpPr txBox="1">
+            <a:spLocks noGrp="1"/>
+          </p:cNvSpPr>
           <p:nvPr>
-            <p:ph idx="1" type="body"/>
+            <p:ph type="body" idx="1"/>
           </p:nvPr>
         </p:nvSpPr>
         <p:spPr>
@@ -1378,12 +1440,12 @@
           </a:prstGeom>
         </p:spPr>
         <p:txBody>
-          <a:bodyPr anchorCtr="0" anchor="t" bIns="91425" lIns="91425" spcFirstLastPara="1" rIns="91425" wrap="square" tIns="91425">
+          <a:bodyPr spcFirstLastPara="1" wrap="square" lIns="91425" tIns="91425" rIns="91425" bIns="91425" anchor="t" anchorCtr="0">
             <a:noAutofit/>
           </a:bodyPr>
           <a:lstStyle/>
           <a:p>
-            <a:pPr indent="0" lvl="0" marL="0" rtl="0" algn="l">
+            <a:pPr marL="0" lvl="0" indent="0" algn="l" rtl="0">
               <a:spcBef>
                 <a:spcPts val="0"/>
               </a:spcBef>
@@ -1392,9 +1454,6 @@
               </a:spcAft>
               <a:buNone/>
             </a:pPr>
-            <a:r>
-              <a:t/>
-            </a:r>
             <a:endParaRPr/>
           </a:p>
         </p:txBody>
@@ -1407,12 +1466,12 @@
 </p:notes>
 </file>
 
-<file path=ppt/notesSlides/notesSlide4.xml><?xml version="1.0" encoding="utf-8"?>
-<p:notes xmlns:a="http://schemas.openxmlformats.org/drawingml/2006/main" xmlns:r="http://schemas.openxmlformats.org/officeDocument/2006/relationships" xmlns:mc="http://schemas.openxmlformats.org/markup-compatibility/2006" xmlns:mv="urn:schemas-microsoft-com:mac:vml" xmlns:p="http://schemas.openxmlformats.org/presentationml/2006/main" xmlns:c="http://schemas.openxmlformats.org/drawingml/2006/chart" xmlns:dgm="http://schemas.openxmlformats.org/drawingml/2006/diagram" xmlns:o="urn:schemas-microsoft-com:office:office" xmlns:v="urn:schemas-microsoft-com:vml" xmlns:pvml="urn:schemas-microsoft-com:office:powerpoint" xmlns:com="http://schemas.openxmlformats.org/drawingml/2006/compatibility" xmlns:p14="http://schemas.microsoft.com/office/powerpoint/2010/main" xmlns:p15="http://schemas.microsoft.com/office/powerpoint/2012/main" xmlns:ahyp="http://schemas.microsoft.com/office/drawing/2018/hyperlinkcolor" showMasterPhAnim="0" showMasterSp="0">
+<file path=ppt/notesSlides/notesSlide8.xml><?xml version="1.0" encoding="utf-8"?>
+<p:notes xmlns:a="http://schemas.openxmlformats.org/drawingml/2006/main" xmlns:r="http://schemas.openxmlformats.org/officeDocument/2006/relationships" xmlns:p="http://schemas.openxmlformats.org/presentationml/2006/main" showMasterSp="0" showMasterPhAnim="0">
   <p:cSld>
     <p:spTree>
       <p:nvGrpSpPr>
-        <p:cNvPr id="68" name="Shape 68"/>
+        <p:cNvPr id="1" name="Shape 109"/>
         <p:cNvGrpSpPr/>
         <p:nvPr/>
       </p:nvGrpSpPr>
@@ -1426,21 +1485,27 @@
       </p:grpSpPr>
       <p:sp>
         <p:nvSpPr>
-          <p:cNvPr id="69" name="Google Shape;69;g1fa41595bf3_0_10:notes"/>
-          <p:cNvSpPr/>
+          <p:cNvPr id="110" name="Google Shape;110;g1fa41595bf3_0_54:notes"/>
+          <p:cNvSpPr>
+            <a:spLocks noGrp="1" noRot="1" noChangeAspect="1"/>
+          </p:cNvSpPr>
           <p:nvPr>
-            <p:ph idx="2" type="sldImg"/>
+            <p:ph type="sldImg" idx="2"/>
           </p:nvPr>
         </p:nvSpPr>
         <p:spPr>
           <a:xfrm>
-            <a:off x="381300" y="685800"/>
+            <a:off x="381000" y="685800"/>
             <a:ext cx="6096000" cy="3429000"/>
           </a:xfrm>
           <a:custGeom>
-            <a:rect b="b" l="l" r="r" t="t"/>
+            <a:avLst/>
+            <a:gdLst/>
+            <a:ahLst/>
+            <a:cxnLst/>
+            <a:rect l="l" t="t" r="r" b="b"/>
             <a:pathLst>
-              <a:path extrusionOk="0" h="120000" w="120000">
+              <a:path w="120000" h="120000" extrusionOk="0">
                 <a:moveTo>
                   <a:pt x="0" y="0"/>
                 </a:moveTo>
@@ -1461,10 +1526,12 @@
       </p:sp>
       <p:sp>
         <p:nvSpPr>
-          <p:cNvPr id="70" name="Google Shape;70;g1fa41595bf3_0_10:notes"/>
-          <p:cNvSpPr txBox="1"/>
+          <p:cNvPr id="111" name="Google Shape;111;g1fa41595bf3_0_54:notes"/>
+          <p:cNvSpPr txBox="1">
+            <a:spLocks noGrp="1"/>
+          </p:cNvSpPr>
           <p:nvPr>
-            <p:ph idx="1" type="body"/>
+            <p:ph type="body" idx="1"/>
           </p:nvPr>
         </p:nvSpPr>
         <p:spPr>
@@ -1477,12 +1544,12 @@
           </a:prstGeom>
         </p:spPr>
         <p:txBody>
-          <a:bodyPr anchorCtr="0" anchor="t" bIns="91425" lIns="91425" spcFirstLastPara="1" rIns="91425" wrap="square" tIns="91425">
+          <a:bodyPr spcFirstLastPara="1" wrap="square" lIns="91425" tIns="91425" rIns="91425" bIns="91425" anchor="t" anchorCtr="0">
             <a:noAutofit/>
           </a:bodyPr>
           <a:lstStyle/>
           <a:p>
-            <a:pPr indent="0" lvl="0" marL="0" rtl="0" algn="l">
+            <a:pPr marL="0" lvl="0" indent="0" algn="l" rtl="0">
               <a:spcBef>
                 <a:spcPts val="0"/>
               </a:spcBef>
@@ -1491,504 +1558,6 @@
               </a:spcAft>
               <a:buNone/>
             </a:pPr>
-            <a:r>
-              <a:t/>
-            </a:r>
-            <a:endParaRPr/>
-          </a:p>
-        </p:txBody>
-      </p:sp>
-    </p:spTree>
-  </p:cSld>
-  <p:clrMapOvr>
-    <a:masterClrMapping/>
-  </p:clrMapOvr>
-</p:notes>
-</file>
-
-<file path=ppt/notesSlides/notesSlide5.xml><?xml version="1.0" encoding="utf-8"?>
-<p:notes xmlns:a="http://schemas.openxmlformats.org/drawingml/2006/main" xmlns:r="http://schemas.openxmlformats.org/officeDocument/2006/relationships" xmlns:mc="http://schemas.openxmlformats.org/markup-compatibility/2006" xmlns:mv="urn:schemas-microsoft-com:mac:vml" xmlns:p="http://schemas.openxmlformats.org/presentationml/2006/main" xmlns:c="http://schemas.openxmlformats.org/drawingml/2006/chart" xmlns:dgm="http://schemas.openxmlformats.org/drawingml/2006/diagram" xmlns:o="urn:schemas-microsoft-com:office:office" xmlns:v="urn:schemas-microsoft-com:vml" xmlns:pvml="urn:schemas-microsoft-com:office:powerpoint" xmlns:com="http://schemas.openxmlformats.org/drawingml/2006/compatibility" xmlns:p14="http://schemas.microsoft.com/office/powerpoint/2010/main" xmlns:p15="http://schemas.microsoft.com/office/powerpoint/2012/main" xmlns:ahyp="http://schemas.microsoft.com/office/drawing/2018/hyperlinkcolor" showMasterPhAnim="0" showMasterSp="0">
-  <p:cSld>
-    <p:spTree>
-      <p:nvGrpSpPr>
-        <p:cNvPr id="74" name="Shape 74"/>
-        <p:cNvGrpSpPr/>
-        <p:nvPr/>
-      </p:nvGrpSpPr>
-      <p:grpSpPr>
-        <a:xfrm>
-          <a:off x="0" y="0"/>
-          <a:ext cx="0" cy="0"/>
-          <a:chOff x="0" y="0"/>
-          <a:chExt cx="0" cy="0"/>
-        </a:xfrm>
-      </p:grpSpPr>
-      <p:sp>
-        <p:nvSpPr>
-          <p:cNvPr id="75" name="Google Shape;75;g1fa41595bf3_0_26:notes"/>
-          <p:cNvSpPr/>
-          <p:nvPr>
-            <p:ph idx="2" type="sldImg"/>
-          </p:nvPr>
-        </p:nvSpPr>
-        <p:spPr>
-          <a:xfrm>
-            <a:off x="381300" y="685800"/>
-            <a:ext cx="6096000" cy="3429000"/>
-          </a:xfrm>
-          <a:custGeom>
-            <a:rect b="b" l="l" r="r" t="t"/>
-            <a:pathLst>
-              <a:path extrusionOk="0" h="120000" w="120000">
-                <a:moveTo>
-                  <a:pt x="0" y="0"/>
-                </a:moveTo>
-                <a:lnTo>
-                  <a:pt x="120000" y="0"/>
-                </a:lnTo>
-                <a:lnTo>
-                  <a:pt x="120000" y="120000"/>
-                </a:lnTo>
-                <a:lnTo>
-                  <a:pt x="0" y="120000"/>
-                </a:lnTo>
-                <a:close/>
-              </a:path>
-            </a:pathLst>
-          </a:custGeom>
-        </p:spPr>
-      </p:sp>
-      <p:sp>
-        <p:nvSpPr>
-          <p:cNvPr id="76" name="Google Shape;76;g1fa41595bf3_0_26:notes"/>
-          <p:cNvSpPr txBox="1"/>
-          <p:nvPr>
-            <p:ph idx="1" type="body"/>
-          </p:nvPr>
-        </p:nvSpPr>
-        <p:spPr>
-          <a:xfrm>
-            <a:off x="685800" y="4343400"/>
-            <a:ext cx="5486400" cy="4114800"/>
-          </a:xfrm>
-          <a:prstGeom prst="rect">
-            <a:avLst/>
-          </a:prstGeom>
-        </p:spPr>
-        <p:txBody>
-          <a:bodyPr anchorCtr="0" anchor="t" bIns="91425" lIns="91425" spcFirstLastPara="1" rIns="91425" wrap="square" tIns="91425">
-            <a:noAutofit/>
-          </a:bodyPr>
-          <a:lstStyle/>
-          <a:p>
-            <a:pPr indent="0" lvl="0" marL="0" rtl="0" algn="l">
-              <a:spcBef>
-                <a:spcPts val="0"/>
-              </a:spcBef>
-              <a:spcAft>
-                <a:spcPts val="0"/>
-              </a:spcAft>
-              <a:buNone/>
-            </a:pPr>
-            <a:r>
-              <a:t/>
-            </a:r>
-            <a:endParaRPr/>
-          </a:p>
-        </p:txBody>
-      </p:sp>
-    </p:spTree>
-  </p:cSld>
-  <p:clrMapOvr>
-    <a:masterClrMapping/>
-  </p:clrMapOvr>
-</p:notes>
-</file>
-
-<file path=ppt/notesSlides/notesSlide6.xml><?xml version="1.0" encoding="utf-8"?>
-<p:notes xmlns:a="http://schemas.openxmlformats.org/drawingml/2006/main" xmlns:r="http://schemas.openxmlformats.org/officeDocument/2006/relationships" xmlns:mc="http://schemas.openxmlformats.org/markup-compatibility/2006" xmlns:mv="urn:schemas-microsoft-com:mac:vml" xmlns:p="http://schemas.openxmlformats.org/presentationml/2006/main" xmlns:c="http://schemas.openxmlformats.org/drawingml/2006/chart" xmlns:dgm="http://schemas.openxmlformats.org/drawingml/2006/diagram" xmlns:o="urn:schemas-microsoft-com:office:office" xmlns:v="urn:schemas-microsoft-com:vml" xmlns:pvml="urn:schemas-microsoft-com:office:powerpoint" xmlns:com="http://schemas.openxmlformats.org/drawingml/2006/compatibility" xmlns:p14="http://schemas.microsoft.com/office/powerpoint/2010/main" xmlns:p15="http://schemas.microsoft.com/office/powerpoint/2012/main" xmlns:ahyp="http://schemas.microsoft.com/office/drawing/2018/hyperlinkcolor" showMasterPhAnim="0" showMasterSp="0">
-  <p:cSld>
-    <p:spTree>
-      <p:nvGrpSpPr>
-        <p:cNvPr id="84" name="Shape 84"/>
-        <p:cNvGrpSpPr/>
-        <p:nvPr/>
-      </p:nvGrpSpPr>
-      <p:grpSpPr>
-        <a:xfrm>
-          <a:off x="0" y="0"/>
-          <a:ext cx="0" cy="0"/>
-          <a:chOff x="0" y="0"/>
-          <a:chExt cx="0" cy="0"/>
-        </a:xfrm>
-      </p:grpSpPr>
-      <p:sp>
-        <p:nvSpPr>
-          <p:cNvPr id="85" name="Google Shape;85;g1fa41595bf3_0_5:notes"/>
-          <p:cNvSpPr/>
-          <p:nvPr>
-            <p:ph idx="2" type="sldImg"/>
-          </p:nvPr>
-        </p:nvSpPr>
-        <p:spPr>
-          <a:xfrm>
-            <a:off x="381300" y="685800"/>
-            <a:ext cx="6096000" cy="3429000"/>
-          </a:xfrm>
-          <a:custGeom>
-            <a:rect b="b" l="l" r="r" t="t"/>
-            <a:pathLst>
-              <a:path extrusionOk="0" h="120000" w="120000">
-                <a:moveTo>
-                  <a:pt x="0" y="0"/>
-                </a:moveTo>
-                <a:lnTo>
-                  <a:pt x="120000" y="0"/>
-                </a:lnTo>
-                <a:lnTo>
-                  <a:pt x="120000" y="120000"/>
-                </a:lnTo>
-                <a:lnTo>
-                  <a:pt x="0" y="120000"/>
-                </a:lnTo>
-                <a:close/>
-              </a:path>
-            </a:pathLst>
-          </a:custGeom>
-        </p:spPr>
-      </p:sp>
-      <p:sp>
-        <p:nvSpPr>
-          <p:cNvPr id="86" name="Google Shape;86;g1fa41595bf3_0_5:notes"/>
-          <p:cNvSpPr txBox="1"/>
-          <p:nvPr>
-            <p:ph idx="1" type="body"/>
-          </p:nvPr>
-        </p:nvSpPr>
-        <p:spPr>
-          <a:xfrm>
-            <a:off x="685800" y="4343400"/>
-            <a:ext cx="5486400" cy="4114800"/>
-          </a:xfrm>
-          <a:prstGeom prst="rect">
-            <a:avLst/>
-          </a:prstGeom>
-        </p:spPr>
-        <p:txBody>
-          <a:bodyPr anchorCtr="0" anchor="t" bIns="91425" lIns="91425" spcFirstLastPara="1" rIns="91425" wrap="square" tIns="91425">
-            <a:noAutofit/>
-          </a:bodyPr>
-          <a:lstStyle/>
-          <a:p>
-            <a:pPr indent="0" lvl="0" marL="0" rtl="0" algn="l">
-              <a:spcBef>
-                <a:spcPts val="0"/>
-              </a:spcBef>
-              <a:spcAft>
-                <a:spcPts val="0"/>
-              </a:spcAft>
-              <a:buNone/>
-            </a:pPr>
-            <a:r>
-              <a:t/>
-            </a:r>
-            <a:endParaRPr/>
-          </a:p>
-        </p:txBody>
-      </p:sp>
-    </p:spTree>
-  </p:cSld>
-  <p:clrMapOvr>
-    <a:masterClrMapping/>
-  </p:clrMapOvr>
-</p:notes>
-</file>
-
-<file path=ppt/notesSlides/notesSlide7.xml><?xml version="1.0" encoding="utf-8"?>
-<p:notes xmlns:a="http://schemas.openxmlformats.org/drawingml/2006/main" xmlns:r="http://schemas.openxmlformats.org/officeDocument/2006/relationships" xmlns:mc="http://schemas.openxmlformats.org/markup-compatibility/2006" xmlns:mv="urn:schemas-microsoft-com:mac:vml" xmlns:p="http://schemas.openxmlformats.org/presentationml/2006/main" xmlns:c="http://schemas.openxmlformats.org/drawingml/2006/chart" xmlns:dgm="http://schemas.openxmlformats.org/drawingml/2006/diagram" xmlns:o="urn:schemas-microsoft-com:office:office" xmlns:v="urn:schemas-microsoft-com:vml" xmlns:pvml="urn:schemas-microsoft-com:office:powerpoint" xmlns:com="http://schemas.openxmlformats.org/drawingml/2006/compatibility" xmlns:p14="http://schemas.microsoft.com/office/powerpoint/2010/main" xmlns:p15="http://schemas.microsoft.com/office/powerpoint/2012/main" xmlns:ahyp="http://schemas.microsoft.com/office/drawing/2018/hyperlinkcolor" showMasterPhAnim="0" showMasterSp="0">
-  <p:cSld>
-    <p:spTree>
-      <p:nvGrpSpPr>
-        <p:cNvPr id="90" name="Shape 90"/>
-        <p:cNvGrpSpPr/>
-        <p:nvPr/>
-      </p:nvGrpSpPr>
-      <p:grpSpPr>
-        <a:xfrm>
-          <a:off x="0" y="0"/>
-          <a:ext cx="0" cy="0"/>
-          <a:chOff x="0" y="0"/>
-          <a:chExt cx="0" cy="0"/>
-        </a:xfrm>
-      </p:grpSpPr>
-      <p:sp>
-        <p:nvSpPr>
-          <p:cNvPr id="91" name="Google Shape;91;g1fa41595bf3_0_69:notes"/>
-          <p:cNvSpPr/>
-          <p:nvPr>
-            <p:ph idx="2" type="sldImg"/>
-          </p:nvPr>
-        </p:nvSpPr>
-        <p:spPr>
-          <a:xfrm>
-            <a:off x="381300" y="685800"/>
-            <a:ext cx="6096000" cy="3429000"/>
-          </a:xfrm>
-          <a:custGeom>
-            <a:rect b="b" l="l" r="r" t="t"/>
-            <a:pathLst>
-              <a:path extrusionOk="0" h="120000" w="120000">
-                <a:moveTo>
-                  <a:pt x="0" y="0"/>
-                </a:moveTo>
-                <a:lnTo>
-                  <a:pt x="120000" y="0"/>
-                </a:lnTo>
-                <a:lnTo>
-                  <a:pt x="120000" y="120000"/>
-                </a:lnTo>
-                <a:lnTo>
-                  <a:pt x="0" y="120000"/>
-                </a:lnTo>
-                <a:close/>
-              </a:path>
-            </a:pathLst>
-          </a:custGeom>
-        </p:spPr>
-      </p:sp>
-      <p:sp>
-        <p:nvSpPr>
-          <p:cNvPr id="92" name="Google Shape;92;g1fa41595bf3_0_69:notes"/>
-          <p:cNvSpPr txBox="1"/>
-          <p:nvPr>
-            <p:ph idx="1" type="body"/>
-          </p:nvPr>
-        </p:nvSpPr>
-        <p:spPr>
-          <a:xfrm>
-            <a:off x="685800" y="4343400"/>
-            <a:ext cx="5486400" cy="4114800"/>
-          </a:xfrm>
-          <a:prstGeom prst="rect">
-            <a:avLst/>
-          </a:prstGeom>
-        </p:spPr>
-        <p:txBody>
-          <a:bodyPr anchorCtr="0" anchor="t" bIns="91425" lIns="91425" spcFirstLastPara="1" rIns="91425" wrap="square" tIns="91425">
-            <a:noAutofit/>
-          </a:bodyPr>
-          <a:lstStyle/>
-          <a:p>
-            <a:pPr indent="0" lvl="0" marL="0" rtl="0" algn="l">
-              <a:spcBef>
-                <a:spcPts val="0"/>
-              </a:spcBef>
-              <a:spcAft>
-                <a:spcPts val="0"/>
-              </a:spcAft>
-              <a:buNone/>
-            </a:pPr>
-            <a:r>
-              <a:t/>
-            </a:r>
-            <a:endParaRPr/>
-          </a:p>
-        </p:txBody>
-      </p:sp>
-    </p:spTree>
-  </p:cSld>
-  <p:clrMapOvr>
-    <a:masterClrMapping/>
-  </p:clrMapOvr>
-</p:notes>
-</file>
-
-<file path=ppt/notesSlides/notesSlide8.xml><?xml version="1.0" encoding="utf-8"?>
-<p:notes xmlns:a="http://schemas.openxmlformats.org/drawingml/2006/main" xmlns:r="http://schemas.openxmlformats.org/officeDocument/2006/relationships" xmlns:mc="http://schemas.openxmlformats.org/markup-compatibility/2006" xmlns:mv="urn:schemas-microsoft-com:mac:vml" xmlns:p="http://schemas.openxmlformats.org/presentationml/2006/main" xmlns:c="http://schemas.openxmlformats.org/drawingml/2006/chart" xmlns:dgm="http://schemas.openxmlformats.org/drawingml/2006/diagram" xmlns:o="urn:schemas-microsoft-com:office:office" xmlns:v="urn:schemas-microsoft-com:vml" xmlns:pvml="urn:schemas-microsoft-com:office:powerpoint" xmlns:com="http://schemas.openxmlformats.org/drawingml/2006/compatibility" xmlns:p14="http://schemas.microsoft.com/office/powerpoint/2010/main" xmlns:p15="http://schemas.microsoft.com/office/powerpoint/2012/main" xmlns:ahyp="http://schemas.microsoft.com/office/drawing/2018/hyperlinkcolor" showMasterPhAnim="0" showMasterSp="0">
-  <p:cSld>
-    <p:spTree>
-      <p:nvGrpSpPr>
-        <p:cNvPr id="96" name="Shape 96"/>
-        <p:cNvGrpSpPr/>
-        <p:nvPr/>
-      </p:nvGrpSpPr>
-      <p:grpSpPr>
-        <a:xfrm>
-          <a:off x="0" y="0"/>
-          <a:ext cx="0" cy="0"/>
-          <a:chOff x="0" y="0"/>
-          <a:chExt cx="0" cy="0"/>
-        </a:xfrm>
-      </p:grpSpPr>
-      <p:sp>
-        <p:nvSpPr>
-          <p:cNvPr id="97" name="Google Shape;97;g1fa41595bf3_0_15:notes"/>
-          <p:cNvSpPr/>
-          <p:nvPr>
-            <p:ph idx="2" type="sldImg"/>
-          </p:nvPr>
-        </p:nvSpPr>
-        <p:spPr>
-          <a:xfrm>
-            <a:off x="381300" y="685800"/>
-            <a:ext cx="6096000" cy="3429000"/>
-          </a:xfrm>
-          <a:custGeom>
-            <a:rect b="b" l="l" r="r" t="t"/>
-            <a:pathLst>
-              <a:path extrusionOk="0" h="120000" w="120000">
-                <a:moveTo>
-                  <a:pt x="0" y="0"/>
-                </a:moveTo>
-                <a:lnTo>
-                  <a:pt x="120000" y="0"/>
-                </a:lnTo>
-                <a:lnTo>
-                  <a:pt x="120000" y="120000"/>
-                </a:lnTo>
-                <a:lnTo>
-                  <a:pt x="0" y="120000"/>
-                </a:lnTo>
-                <a:close/>
-              </a:path>
-            </a:pathLst>
-          </a:custGeom>
-        </p:spPr>
-      </p:sp>
-      <p:sp>
-        <p:nvSpPr>
-          <p:cNvPr id="98" name="Google Shape;98;g1fa41595bf3_0_15:notes"/>
-          <p:cNvSpPr txBox="1"/>
-          <p:nvPr>
-            <p:ph idx="1" type="body"/>
-          </p:nvPr>
-        </p:nvSpPr>
-        <p:spPr>
-          <a:xfrm>
-            <a:off x="685800" y="4343400"/>
-            <a:ext cx="5486400" cy="4114800"/>
-          </a:xfrm>
-          <a:prstGeom prst="rect">
-            <a:avLst/>
-          </a:prstGeom>
-        </p:spPr>
-        <p:txBody>
-          <a:bodyPr anchorCtr="0" anchor="t" bIns="91425" lIns="91425" spcFirstLastPara="1" rIns="91425" wrap="square" tIns="91425">
-            <a:noAutofit/>
-          </a:bodyPr>
-          <a:lstStyle/>
-          <a:p>
-            <a:pPr indent="0" lvl="0" marL="0" rtl="0" algn="l">
-              <a:spcBef>
-                <a:spcPts val="0"/>
-              </a:spcBef>
-              <a:spcAft>
-                <a:spcPts val="0"/>
-              </a:spcAft>
-              <a:buNone/>
-            </a:pPr>
-            <a:r>
-              <a:t/>
-            </a:r>
-            <a:endParaRPr/>
-          </a:p>
-        </p:txBody>
-      </p:sp>
-    </p:spTree>
-  </p:cSld>
-  <p:clrMapOvr>
-    <a:masterClrMapping/>
-  </p:clrMapOvr>
-</p:notes>
-</file>
-
-<file path=ppt/notesSlides/notesSlide9.xml><?xml version="1.0" encoding="utf-8"?>
-<p:notes xmlns:a="http://schemas.openxmlformats.org/drawingml/2006/main" xmlns:r="http://schemas.openxmlformats.org/officeDocument/2006/relationships" xmlns:mc="http://schemas.openxmlformats.org/markup-compatibility/2006" xmlns:mv="urn:schemas-microsoft-com:mac:vml" xmlns:p="http://schemas.openxmlformats.org/presentationml/2006/main" xmlns:c="http://schemas.openxmlformats.org/drawingml/2006/chart" xmlns:dgm="http://schemas.openxmlformats.org/drawingml/2006/diagram" xmlns:o="urn:schemas-microsoft-com:office:office" xmlns:v="urn:schemas-microsoft-com:vml" xmlns:pvml="urn:schemas-microsoft-com:office:powerpoint" xmlns:com="http://schemas.openxmlformats.org/drawingml/2006/compatibility" xmlns:p14="http://schemas.microsoft.com/office/powerpoint/2010/main" xmlns:p15="http://schemas.microsoft.com/office/powerpoint/2012/main" xmlns:ahyp="http://schemas.microsoft.com/office/drawing/2018/hyperlinkcolor" showMasterPhAnim="0" showMasterSp="0">
-  <p:cSld>
-    <p:spTree>
-      <p:nvGrpSpPr>
-        <p:cNvPr id="102" name="Shape 102"/>
-        <p:cNvGrpSpPr/>
-        <p:nvPr/>
-      </p:nvGrpSpPr>
-      <p:grpSpPr>
-        <a:xfrm>
-          <a:off x="0" y="0"/>
-          <a:ext cx="0" cy="0"/>
-          <a:chOff x="0" y="0"/>
-          <a:chExt cx="0" cy="0"/>
-        </a:xfrm>
-      </p:grpSpPr>
-      <p:sp>
-        <p:nvSpPr>
-          <p:cNvPr id="103" name="Google Shape;103;g1fa41595bf3_0_41:notes"/>
-          <p:cNvSpPr/>
-          <p:nvPr>
-            <p:ph idx="2" type="sldImg"/>
-          </p:nvPr>
-        </p:nvSpPr>
-        <p:spPr>
-          <a:xfrm>
-            <a:off x="381300" y="685800"/>
-            <a:ext cx="6096000" cy="3429000"/>
-          </a:xfrm>
-          <a:custGeom>
-            <a:rect b="b" l="l" r="r" t="t"/>
-            <a:pathLst>
-              <a:path extrusionOk="0" h="120000" w="120000">
-                <a:moveTo>
-                  <a:pt x="0" y="0"/>
-                </a:moveTo>
-                <a:lnTo>
-                  <a:pt x="120000" y="0"/>
-                </a:lnTo>
-                <a:lnTo>
-                  <a:pt x="120000" y="120000"/>
-                </a:lnTo>
-                <a:lnTo>
-                  <a:pt x="0" y="120000"/>
-                </a:lnTo>
-                <a:close/>
-              </a:path>
-            </a:pathLst>
-          </a:custGeom>
-        </p:spPr>
-      </p:sp>
-      <p:sp>
-        <p:nvSpPr>
-          <p:cNvPr id="104" name="Google Shape;104;g1fa41595bf3_0_41:notes"/>
-          <p:cNvSpPr txBox="1"/>
-          <p:nvPr>
-            <p:ph idx="1" type="body"/>
-          </p:nvPr>
-        </p:nvSpPr>
-        <p:spPr>
-          <a:xfrm>
-            <a:off x="685800" y="4343400"/>
-            <a:ext cx="5486400" cy="4114800"/>
-          </a:xfrm>
-          <a:prstGeom prst="rect">
-            <a:avLst/>
-          </a:prstGeom>
-        </p:spPr>
-        <p:txBody>
-          <a:bodyPr anchorCtr="0" anchor="t" bIns="91425" lIns="91425" spcFirstLastPara="1" rIns="91425" wrap="square" tIns="91425">
-            <a:noAutofit/>
-          </a:bodyPr>
-          <a:lstStyle/>
-          <a:p>
-            <a:pPr indent="0" lvl="0" marL="0" rtl="0" algn="l">
-              <a:spcBef>
-                <a:spcPts val="0"/>
-              </a:spcBef>
-              <a:spcAft>
-                <a:spcPts val="0"/>
-              </a:spcAft>
-              <a:buNone/>
-            </a:pPr>
-            <a:r>
-              <a:t/>
-            </a:r>
             <a:endParaRPr/>
           </a:p>
         </p:txBody>
@@ -2002,11 +1571,11 @@
 </file>
 
 <file path=ppt/slideLayouts/slideLayout1.xml><?xml version="1.0" encoding="utf-8"?>
-<p:sldLayout xmlns:a="http://schemas.openxmlformats.org/drawingml/2006/main" xmlns:r="http://schemas.openxmlformats.org/officeDocument/2006/relationships" xmlns:mc="http://schemas.openxmlformats.org/markup-compatibility/2006" xmlns:mv="urn:schemas-microsoft-com:mac:vml" xmlns:p="http://schemas.openxmlformats.org/presentationml/2006/main" xmlns:c="http://schemas.openxmlformats.org/drawingml/2006/chart" xmlns:dgm="http://schemas.openxmlformats.org/drawingml/2006/diagram" xmlns:o="urn:schemas-microsoft-com:office:office" xmlns:v="urn:schemas-microsoft-com:vml" xmlns:pvml="urn:schemas-microsoft-com:office:powerpoint" xmlns:com="http://schemas.openxmlformats.org/drawingml/2006/compatibility" xmlns:p14="http://schemas.microsoft.com/office/powerpoint/2010/main" xmlns:p15="http://schemas.microsoft.com/office/powerpoint/2012/main" xmlns:ahyp="http://schemas.microsoft.com/office/drawing/2018/hyperlinkcolor" matchingName="Title slide" type="title">
+<p:sldLayout xmlns:a="http://schemas.openxmlformats.org/drawingml/2006/main" xmlns:r="http://schemas.openxmlformats.org/officeDocument/2006/relationships" xmlns:p="http://schemas.openxmlformats.org/presentationml/2006/main" matchingName="Title slide" type="title">
   <p:cSld name="TITLE">
     <p:spTree>
       <p:nvGrpSpPr>
-        <p:cNvPr id="9" name="Shape 9"/>
+        <p:cNvPr id="1" name="Shape 9"/>
         <p:cNvGrpSpPr/>
         <p:nvPr/>
       </p:nvGrpSpPr>
@@ -2021,7 +1590,9 @@
       <p:sp>
         <p:nvSpPr>
           <p:cNvPr id="10" name="Google Shape;10;p2"/>
-          <p:cNvSpPr txBox="1"/>
+          <p:cNvSpPr txBox="1">
+            <a:spLocks noGrp="1"/>
+          </p:cNvSpPr>
           <p:nvPr>
             <p:ph type="ctrTitle"/>
           </p:nvPr>
@@ -2036,7 +1607,7 @@
           </a:prstGeom>
         </p:spPr>
         <p:txBody>
-          <a:bodyPr anchorCtr="0" anchor="b" bIns="91425" lIns="91425" spcFirstLastPara="1" rIns="91425" wrap="square" tIns="91425">
+          <a:bodyPr spcFirstLastPara="1" wrap="square" lIns="91425" tIns="91425" rIns="91425" bIns="91425" anchor="b" anchorCtr="0">
             <a:normAutofit/>
           </a:bodyPr>
           <a:lstStyle>
@@ -2140,15 +1711,19 @@
               <a:defRPr sz="5200"/>
             </a:lvl9pPr>
           </a:lstStyle>
-          <a:p/>
+          <a:p>
+            <a:endParaRPr/>
+          </a:p>
         </p:txBody>
       </p:sp>
       <p:sp>
         <p:nvSpPr>
           <p:cNvPr id="11" name="Google Shape;11;p2"/>
-          <p:cNvSpPr txBox="1"/>
+          <p:cNvSpPr txBox="1">
+            <a:spLocks noGrp="1"/>
+          </p:cNvSpPr>
           <p:nvPr>
-            <p:ph idx="1" type="subTitle"/>
+            <p:ph type="subTitle" idx="1"/>
           </p:nvPr>
         </p:nvSpPr>
         <p:spPr>
@@ -2161,7 +1736,7 @@
           </a:prstGeom>
         </p:spPr>
         <p:txBody>
-          <a:bodyPr anchorCtr="0" anchor="t" bIns="91425" lIns="91425" spcFirstLastPara="1" rIns="91425" wrap="square" tIns="91425">
+          <a:bodyPr spcFirstLastPara="1" wrap="square" lIns="91425" tIns="91425" rIns="91425" bIns="91425" anchor="t" anchorCtr="0">
             <a:normAutofit/>
           </a:bodyPr>
           <a:lstStyle>
@@ -2292,15 +1867,19 @@
               <a:defRPr sz="2800"/>
             </a:lvl9pPr>
           </a:lstStyle>
-          <a:p/>
+          <a:p>
+            <a:endParaRPr/>
+          </a:p>
         </p:txBody>
       </p:sp>
       <p:sp>
         <p:nvSpPr>
           <p:cNvPr id="12" name="Google Shape;12;p2"/>
-          <p:cNvSpPr txBox="1"/>
+          <p:cNvSpPr txBox="1">
+            <a:spLocks noGrp="1"/>
+          </p:cNvSpPr>
           <p:nvPr>
-            <p:ph idx="12" type="sldNum"/>
+            <p:ph type="sldNum" idx="12"/>
           </p:nvPr>
         </p:nvSpPr>
         <p:spPr>
@@ -2313,7 +1892,7 @@
           </a:prstGeom>
         </p:spPr>
         <p:txBody>
-          <a:bodyPr anchorCtr="0" anchor="ctr" bIns="91425" lIns="91425" spcFirstLastPara="1" rIns="91425" wrap="square" tIns="91425">
+          <a:bodyPr spcFirstLastPara="1" wrap="square" lIns="91425" tIns="91425" rIns="91425" bIns="91425" anchor="ctr" anchorCtr="0">
             <a:normAutofit/>
           </a:bodyPr>
           <a:lstStyle>
@@ -2355,7 +1934,7 @@
             </a:lvl9pPr>
           </a:lstStyle>
           <a:p>
-            <a:pPr indent="0" lvl="0" marL="0" rtl="0" algn="r">
+            <a:pPr marL="0" lvl="0" indent="0" algn="r" rtl="0">
               <a:spcBef>
                 <a:spcPts val="0"/>
               </a:spcBef>
@@ -2381,11 +1960,11 @@
 </file>
 
 <file path=ppt/slideLayouts/slideLayout10.xml><?xml version="1.0" encoding="utf-8"?>
-<p:sldLayout xmlns:a="http://schemas.openxmlformats.org/drawingml/2006/main" xmlns:r="http://schemas.openxmlformats.org/officeDocument/2006/relationships" xmlns:mc="http://schemas.openxmlformats.org/markup-compatibility/2006" xmlns:mv="urn:schemas-microsoft-com:mac:vml" xmlns:p="http://schemas.openxmlformats.org/presentationml/2006/main" xmlns:c="http://schemas.openxmlformats.org/drawingml/2006/chart" xmlns:dgm="http://schemas.openxmlformats.org/drawingml/2006/diagram" xmlns:o="urn:schemas-microsoft-com:office:office" xmlns:v="urn:schemas-microsoft-com:vml" xmlns:pvml="urn:schemas-microsoft-com:office:powerpoint" xmlns:com="http://schemas.openxmlformats.org/drawingml/2006/compatibility" xmlns:p14="http://schemas.microsoft.com/office/powerpoint/2010/main" xmlns:p15="http://schemas.microsoft.com/office/powerpoint/2012/main" xmlns:ahyp="http://schemas.microsoft.com/office/drawing/2018/hyperlinkcolor" matchingName="Big number">
+<p:sldLayout xmlns:a="http://schemas.openxmlformats.org/drawingml/2006/main" xmlns:r="http://schemas.openxmlformats.org/officeDocument/2006/relationships" xmlns:p="http://schemas.openxmlformats.org/presentationml/2006/main" matchingName="Big number">
   <p:cSld name="BIG_NUMBER">
     <p:spTree>
       <p:nvGrpSpPr>
-        <p:cNvPr id="44" name="Shape 44"/>
+        <p:cNvPr id="1" name="Shape 44"/>
         <p:cNvGrpSpPr/>
         <p:nvPr/>
       </p:nvGrpSpPr>
@@ -2400,9 +1979,11 @@
       <p:sp>
         <p:nvSpPr>
           <p:cNvPr id="45" name="Google Shape;45;p11"/>
-          <p:cNvSpPr txBox="1"/>
+          <p:cNvSpPr txBox="1">
+            <a:spLocks noGrp="1"/>
+          </p:cNvSpPr>
           <p:nvPr>
-            <p:ph hasCustomPrompt="1" type="title"/>
+            <p:ph type="title" hasCustomPrompt="1"/>
           </p:nvPr>
         </p:nvSpPr>
         <p:spPr>
@@ -2415,7 +1996,7 @@
           </a:prstGeom>
         </p:spPr>
         <p:txBody>
-          <a:bodyPr anchorCtr="0" anchor="b" bIns="91425" lIns="91425" spcFirstLastPara="1" rIns="91425" wrap="square" tIns="91425">
+          <a:bodyPr spcFirstLastPara="1" wrap="square" lIns="91425" tIns="91425" rIns="91425" bIns="91425" anchor="b" anchorCtr="0">
             <a:normAutofit/>
           </a:bodyPr>
           <a:lstStyle>
@@ -2529,9 +2110,11 @@
       <p:sp>
         <p:nvSpPr>
           <p:cNvPr id="46" name="Google Shape;46;p11"/>
-          <p:cNvSpPr txBox="1"/>
+          <p:cNvSpPr txBox="1">
+            <a:spLocks noGrp="1"/>
+          </p:cNvSpPr>
           <p:nvPr>
-            <p:ph idx="1" type="body"/>
+            <p:ph type="body" idx="1"/>
           </p:nvPr>
         </p:nvSpPr>
         <p:spPr>
@@ -2544,11 +2127,11 @@
           </a:prstGeom>
         </p:spPr>
         <p:txBody>
-          <a:bodyPr anchorCtr="0" anchor="t" bIns="91425" lIns="91425" spcFirstLastPara="1" rIns="91425" wrap="square" tIns="91425">
+          <a:bodyPr spcFirstLastPara="1" wrap="square" lIns="91425" tIns="91425" rIns="91425" bIns="91425" anchor="t" anchorCtr="0">
             <a:normAutofit/>
           </a:bodyPr>
           <a:lstStyle>
-            <a:lvl1pPr indent="-342900" lvl="0" marL="457200" algn="ctr">
+            <a:lvl1pPr marL="457200" lvl="0" indent="-342900" algn="ctr">
               <a:spcBef>
                 <a:spcPts val="0"/>
               </a:spcBef>
@@ -2559,7 +2142,7 @@
               <a:buChar char="●"/>
               <a:defRPr/>
             </a:lvl1pPr>
-            <a:lvl2pPr indent="-317500" lvl="1" marL="914400" algn="ctr">
+            <a:lvl2pPr marL="914400" lvl="1" indent="-317500" algn="ctr">
               <a:spcBef>
                 <a:spcPts val="0"/>
               </a:spcBef>
@@ -2570,7 +2153,7 @@
               <a:buChar char="○"/>
               <a:defRPr/>
             </a:lvl2pPr>
-            <a:lvl3pPr indent="-317500" lvl="2" marL="1371600" algn="ctr">
+            <a:lvl3pPr marL="1371600" lvl="2" indent="-317500" algn="ctr">
               <a:spcBef>
                 <a:spcPts val="0"/>
               </a:spcBef>
@@ -2581,7 +2164,7 @@
               <a:buChar char="■"/>
               <a:defRPr/>
             </a:lvl3pPr>
-            <a:lvl4pPr indent="-317500" lvl="3" marL="1828800" algn="ctr">
+            <a:lvl4pPr marL="1828800" lvl="3" indent="-317500" algn="ctr">
               <a:spcBef>
                 <a:spcPts val="0"/>
               </a:spcBef>
@@ -2592,7 +2175,7 @@
               <a:buChar char="●"/>
               <a:defRPr/>
             </a:lvl4pPr>
-            <a:lvl5pPr indent="-317500" lvl="4" marL="2286000" algn="ctr">
+            <a:lvl5pPr marL="2286000" lvl="4" indent="-317500" algn="ctr">
               <a:spcBef>
                 <a:spcPts val="0"/>
               </a:spcBef>
@@ -2603,7 +2186,7 @@
               <a:buChar char="○"/>
               <a:defRPr/>
             </a:lvl5pPr>
-            <a:lvl6pPr indent="-317500" lvl="5" marL="2743200" algn="ctr">
+            <a:lvl6pPr marL="2743200" lvl="5" indent="-317500" algn="ctr">
               <a:spcBef>
                 <a:spcPts val="0"/>
               </a:spcBef>
@@ -2614,7 +2197,7 @@
               <a:buChar char="■"/>
               <a:defRPr/>
             </a:lvl6pPr>
-            <a:lvl7pPr indent="-317500" lvl="6" marL="3200400" algn="ctr">
+            <a:lvl7pPr marL="3200400" lvl="6" indent="-317500" algn="ctr">
               <a:spcBef>
                 <a:spcPts val="0"/>
               </a:spcBef>
@@ -2625,7 +2208,7 @@
               <a:buChar char="●"/>
               <a:defRPr/>
             </a:lvl7pPr>
-            <a:lvl8pPr indent="-317500" lvl="7" marL="3657600" algn="ctr">
+            <a:lvl8pPr marL="3657600" lvl="7" indent="-317500" algn="ctr">
               <a:spcBef>
                 <a:spcPts val="0"/>
               </a:spcBef>
@@ -2636,7 +2219,7 @@
               <a:buChar char="○"/>
               <a:defRPr/>
             </a:lvl8pPr>
-            <a:lvl9pPr indent="-317500" lvl="8" marL="4114800" algn="ctr">
+            <a:lvl9pPr marL="4114800" lvl="8" indent="-317500" algn="ctr">
               <a:spcBef>
                 <a:spcPts val="0"/>
               </a:spcBef>
@@ -2648,15 +2231,19 @@
               <a:defRPr/>
             </a:lvl9pPr>
           </a:lstStyle>
-          <a:p/>
+          <a:p>
+            <a:endParaRPr/>
+          </a:p>
         </p:txBody>
       </p:sp>
       <p:sp>
         <p:nvSpPr>
           <p:cNvPr id="47" name="Google Shape;47;p11"/>
-          <p:cNvSpPr txBox="1"/>
+          <p:cNvSpPr txBox="1">
+            <a:spLocks noGrp="1"/>
+          </p:cNvSpPr>
           <p:nvPr>
-            <p:ph idx="12" type="sldNum"/>
+            <p:ph type="sldNum" idx="12"/>
           </p:nvPr>
         </p:nvSpPr>
         <p:spPr>
@@ -2669,7 +2256,7 @@
           </a:prstGeom>
         </p:spPr>
         <p:txBody>
-          <a:bodyPr anchorCtr="0" anchor="ctr" bIns="91425" lIns="91425" spcFirstLastPara="1" rIns="91425" wrap="square" tIns="91425">
+          <a:bodyPr spcFirstLastPara="1" wrap="square" lIns="91425" tIns="91425" rIns="91425" bIns="91425" anchor="ctr" anchorCtr="0">
             <a:normAutofit/>
           </a:bodyPr>
           <a:lstStyle>
@@ -2711,7 +2298,7 @@
             </a:lvl9pPr>
           </a:lstStyle>
           <a:p>
-            <a:pPr indent="0" lvl="0" marL="0" rtl="0" algn="r">
+            <a:pPr marL="0" lvl="0" indent="0" algn="r" rtl="0">
               <a:spcBef>
                 <a:spcPts val="0"/>
               </a:spcBef>
@@ -2737,11 +2324,11 @@
 </file>
 
 <file path=ppt/slideLayouts/slideLayout11.xml><?xml version="1.0" encoding="utf-8"?>
-<p:sldLayout xmlns:a="http://schemas.openxmlformats.org/drawingml/2006/main" xmlns:r="http://schemas.openxmlformats.org/officeDocument/2006/relationships" xmlns:mc="http://schemas.openxmlformats.org/markup-compatibility/2006" xmlns:mv="urn:schemas-microsoft-com:mac:vml" xmlns:p="http://schemas.openxmlformats.org/presentationml/2006/main" xmlns:c="http://schemas.openxmlformats.org/drawingml/2006/chart" xmlns:dgm="http://schemas.openxmlformats.org/drawingml/2006/diagram" xmlns:o="urn:schemas-microsoft-com:office:office" xmlns:v="urn:schemas-microsoft-com:vml" xmlns:pvml="urn:schemas-microsoft-com:office:powerpoint" xmlns:com="http://schemas.openxmlformats.org/drawingml/2006/compatibility" xmlns:p14="http://schemas.microsoft.com/office/powerpoint/2010/main" xmlns:p15="http://schemas.microsoft.com/office/powerpoint/2012/main" xmlns:ahyp="http://schemas.microsoft.com/office/drawing/2018/hyperlinkcolor" matchingName="Blank" type="blank">
+<p:sldLayout xmlns:a="http://schemas.openxmlformats.org/drawingml/2006/main" xmlns:r="http://schemas.openxmlformats.org/officeDocument/2006/relationships" xmlns:p="http://schemas.openxmlformats.org/presentationml/2006/main" matchingName="Blank" type="blank">
   <p:cSld name="BLANK">
     <p:spTree>
       <p:nvGrpSpPr>
-        <p:cNvPr id="48" name="Shape 48"/>
+        <p:cNvPr id="1" name="Shape 48"/>
         <p:cNvGrpSpPr/>
         <p:nvPr/>
       </p:nvGrpSpPr>
@@ -2756,9 +2343,11 @@
       <p:sp>
         <p:nvSpPr>
           <p:cNvPr id="49" name="Google Shape;49;p12"/>
-          <p:cNvSpPr txBox="1"/>
+          <p:cNvSpPr txBox="1">
+            <a:spLocks noGrp="1"/>
+          </p:cNvSpPr>
           <p:nvPr>
-            <p:ph idx="12" type="sldNum"/>
+            <p:ph type="sldNum" idx="12"/>
           </p:nvPr>
         </p:nvSpPr>
         <p:spPr>
@@ -2771,7 +2360,7 @@
           </a:prstGeom>
         </p:spPr>
         <p:txBody>
-          <a:bodyPr anchorCtr="0" anchor="ctr" bIns="91425" lIns="91425" spcFirstLastPara="1" rIns="91425" wrap="square" tIns="91425">
+          <a:bodyPr spcFirstLastPara="1" wrap="square" lIns="91425" tIns="91425" rIns="91425" bIns="91425" anchor="ctr" anchorCtr="0">
             <a:normAutofit/>
           </a:bodyPr>
           <a:lstStyle>
@@ -2813,7 +2402,7 @@
             </a:lvl9pPr>
           </a:lstStyle>
           <a:p>
-            <a:pPr indent="0" lvl="0" marL="0" rtl="0" algn="r">
+            <a:pPr marL="0" lvl="0" indent="0" algn="r" rtl="0">
               <a:spcBef>
                 <a:spcPts val="0"/>
               </a:spcBef>
@@ -2839,11 +2428,11 @@
 </file>
 
 <file path=ppt/slideLayouts/slideLayout2.xml><?xml version="1.0" encoding="utf-8"?>
-<p:sldLayout xmlns:a="http://schemas.openxmlformats.org/drawingml/2006/main" xmlns:r="http://schemas.openxmlformats.org/officeDocument/2006/relationships" xmlns:mc="http://schemas.openxmlformats.org/markup-compatibility/2006" xmlns:mv="urn:schemas-microsoft-com:mac:vml" xmlns:p="http://schemas.openxmlformats.org/presentationml/2006/main" xmlns:c="http://schemas.openxmlformats.org/drawingml/2006/chart" xmlns:dgm="http://schemas.openxmlformats.org/drawingml/2006/diagram" xmlns:o="urn:schemas-microsoft-com:office:office" xmlns:v="urn:schemas-microsoft-com:vml" xmlns:pvml="urn:schemas-microsoft-com:office:powerpoint" xmlns:com="http://schemas.openxmlformats.org/drawingml/2006/compatibility" xmlns:p14="http://schemas.microsoft.com/office/powerpoint/2010/main" xmlns:p15="http://schemas.microsoft.com/office/powerpoint/2012/main" xmlns:ahyp="http://schemas.microsoft.com/office/drawing/2018/hyperlinkcolor" matchingName="Section header" type="secHead">
+<p:sldLayout xmlns:a="http://schemas.openxmlformats.org/drawingml/2006/main" xmlns:r="http://schemas.openxmlformats.org/officeDocument/2006/relationships" xmlns:p="http://schemas.openxmlformats.org/presentationml/2006/main" matchingName="Section header" type="secHead">
   <p:cSld name="SECTION_HEADER">
     <p:spTree>
       <p:nvGrpSpPr>
-        <p:cNvPr id="13" name="Shape 13"/>
+        <p:cNvPr id="1" name="Shape 13"/>
         <p:cNvGrpSpPr/>
         <p:nvPr/>
       </p:nvGrpSpPr>
@@ -2858,7 +2447,9 @@
       <p:sp>
         <p:nvSpPr>
           <p:cNvPr id="14" name="Google Shape;14;p3"/>
-          <p:cNvSpPr txBox="1"/>
+          <p:cNvSpPr txBox="1">
+            <a:spLocks noGrp="1"/>
+          </p:cNvSpPr>
           <p:nvPr>
             <p:ph type="title"/>
           </p:nvPr>
@@ -2873,7 +2464,7 @@
           </a:prstGeom>
         </p:spPr>
         <p:txBody>
-          <a:bodyPr anchorCtr="0" anchor="ctr" bIns="91425" lIns="91425" spcFirstLastPara="1" rIns="91425" wrap="square" tIns="91425">
+          <a:bodyPr spcFirstLastPara="1" wrap="square" lIns="91425" tIns="91425" rIns="91425" bIns="91425" anchor="ctr" anchorCtr="0">
             <a:normAutofit/>
           </a:bodyPr>
           <a:lstStyle>
@@ -2977,15 +2568,19 @@
               <a:defRPr sz="3600"/>
             </a:lvl9pPr>
           </a:lstStyle>
-          <a:p/>
+          <a:p>
+            <a:endParaRPr/>
+          </a:p>
         </p:txBody>
       </p:sp>
       <p:sp>
         <p:nvSpPr>
           <p:cNvPr id="15" name="Google Shape;15;p3"/>
-          <p:cNvSpPr txBox="1"/>
+          <p:cNvSpPr txBox="1">
+            <a:spLocks noGrp="1"/>
+          </p:cNvSpPr>
           <p:nvPr>
-            <p:ph idx="12" type="sldNum"/>
+            <p:ph type="sldNum" idx="12"/>
           </p:nvPr>
         </p:nvSpPr>
         <p:spPr>
@@ -2998,7 +2593,7 @@
           </a:prstGeom>
         </p:spPr>
         <p:txBody>
-          <a:bodyPr anchorCtr="0" anchor="ctr" bIns="91425" lIns="91425" spcFirstLastPara="1" rIns="91425" wrap="square" tIns="91425">
+          <a:bodyPr spcFirstLastPara="1" wrap="square" lIns="91425" tIns="91425" rIns="91425" bIns="91425" anchor="ctr" anchorCtr="0">
             <a:normAutofit/>
           </a:bodyPr>
           <a:lstStyle>
@@ -3040,7 +2635,7 @@
             </a:lvl9pPr>
           </a:lstStyle>
           <a:p>
-            <a:pPr indent="0" lvl="0" marL="0" rtl="0" algn="r">
+            <a:pPr marL="0" lvl="0" indent="0" algn="r" rtl="0">
               <a:spcBef>
                 <a:spcPts val="0"/>
               </a:spcBef>
@@ -3066,11 +2661,11 @@
 </file>
 
 <file path=ppt/slideLayouts/slideLayout3.xml><?xml version="1.0" encoding="utf-8"?>
-<p:sldLayout xmlns:a="http://schemas.openxmlformats.org/drawingml/2006/main" xmlns:r="http://schemas.openxmlformats.org/officeDocument/2006/relationships" xmlns:mc="http://schemas.openxmlformats.org/markup-compatibility/2006" xmlns:mv="urn:schemas-microsoft-com:mac:vml" xmlns:p="http://schemas.openxmlformats.org/presentationml/2006/main" xmlns:c="http://schemas.openxmlformats.org/drawingml/2006/chart" xmlns:dgm="http://schemas.openxmlformats.org/drawingml/2006/diagram" xmlns:o="urn:schemas-microsoft-com:office:office" xmlns:v="urn:schemas-microsoft-com:vml" xmlns:pvml="urn:schemas-microsoft-com:office:powerpoint" xmlns:com="http://schemas.openxmlformats.org/drawingml/2006/compatibility" xmlns:p14="http://schemas.microsoft.com/office/powerpoint/2010/main" xmlns:p15="http://schemas.microsoft.com/office/powerpoint/2012/main" xmlns:ahyp="http://schemas.microsoft.com/office/drawing/2018/hyperlinkcolor" matchingName="Title and body" type="tx">
+<p:sldLayout xmlns:a="http://schemas.openxmlformats.org/drawingml/2006/main" xmlns:r="http://schemas.openxmlformats.org/officeDocument/2006/relationships" xmlns:p="http://schemas.openxmlformats.org/presentationml/2006/main" matchingName="Title and body" type="tx">
   <p:cSld name="TITLE_AND_BODY">
     <p:spTree>
       <p:nvGrpSpPr>
-        <p:cNvPr id="16" name="Shape 16"/>
+        <p:cNvPr id="1" name="Shape 16"/>
         <p:cNvGrpSpPr/>
         <p:nvPr/>
       </p:nvGrpSpPr>
@@ -3085,7 +2680,9 @@
       <p:sp>
         <p:nvSpPr>
           <p:cNvPr id="17" name="Google Shape;17;p4"/>
-          <p:cNvSpPr txBox="1"/>
+          <p:cNvSpPr txBox="1">
+            <a:spLocks noGrp="1"/>
+          </p:cNvSpPr>
           <p:nvPr>
             <p:ph type="title"/>
           </p:nvPr>
@@ -3100,7 +2697,7 @@
           </a:prstGeom>
         </p:spPr>
         <p:txBody>
-          <a:bodyPr anchorCtr="0" anchor="t" bIns="91425" lIns="91425" spcFirstLastPara="1" rIns="91425" wrap="square" tIns="91425">
+          <a:bodyPr spcFirstLastPara="1" wrap="square" lIns="91425" tIns="91425" rIns="91425" bIns="91425" anchor="t" anchorCtr="0">
             <a:normAutofit/>
           </a:bodyPr>
           <a:lstStyle>
@@ -3204,15 +2801,19 @@
               <a:defRPr/>
             </a:lvl9pPr>
           </a:lstStyle>
-          <a:p/>
+          <a:p>
+            <a:endParaRPr/>
+          </a:p>
         </p:txBody>
       </p:sp>
       <p:sp>
         <p:nvSpPr>
           <p:cNvPr id="18" name="Google Shape;18;p4"/>
-          <p:cNvSpPr txBox="1"/>
+          <p:cNvSpPr txBox="1">
+            <a:spLocks noGrp="1"/>
+          </p:cNvSpPr>
           <p:nvPr>
-            <p:ph idx="1" type="body"/>
+            <p:ph type="body" idx="1"/>
           </p:nvPr>
         </p:nvSpPr>
         <p:spPr>
@@ -3225,11 +2826,11 @@
           </a:prstGeom>
         </p:spPr>
         <p:txBody>
-          <a:bodyPr anchorCtr="0" anchor="t" bIns="91425" lIns="91425" spcFirstLastPara="1" rIns="91425" wrap="square" tIns="91425">
+          <a:bodyPr spcFirstLastPara="1" wrap="square" lIns="91425" tIns="91425" rIns="91425" bIns="91425" anchor="t" anchorCtr="0">
             <a:normAutofit/>
           </a:bodyPr>
           <a:lstStyle>
-            <a:lvl1pPr indent="-342900" lvl="0" marL="457200">
+            <a:lvl1pPr marL="457200" lvl="0" indent="-342900">
               <a:spcBef>
                 <a:spcPts val="0"/>
               </a:spcBef>
@@ -3240,7 +2841,7 @@
               <a:buChar char="●"/>
               <a:defRPr/>
             </a:lvl1pPr>
-            <a:lvl2pPr indent="-317500" lvl="1" marL="914400">
+            <a:lvl2pPr marL="914400" lvl="1" indent="-317500">
               <a:spcBef>
                 <a:spcPts val="0"/>
               </a:spcBef>
@@ -3251,7 +2852,7 @@
               <a:buChar char="○"/>
               <a:defRPr/>
             </a:lvl2pPr>
-            <a:lvl3pPr indent="-317500" lvl="2" marL="1371600">
+            <a:lvl3pPr marL="1371600" lvl="2" indent="-317500">
               <a:spcBef>
                 <a:spcPts val="0"/>
               </a:spcBef>
@@ -3262,7 +2863,7 @@
               <a:buChar char="■"/>
               <a:defRPr/>
             </a:lvl3pPr>
-            <a:lvl4pPr indent="-317500" lvl="3" marL="1828800">
+            <a:lvl4pPr marL="1828800" lvl="3" indent="-317500">
               <a:spcBef>
                 <a:spcPts val="0"/>
               </a:spcBef>
@@ -3273,7 +2874,7 @@
               <a:buChar char="●"/>
               <a:defRPr/>
             </a:lvl4pPr>
-            <a:lvl5pPr indent="-317500" lvl="4" marL="2286000">
+            <a:lvl5pPr marL="2286000" lvl="4" indent="-317500">
               <a:spcBef>
                 <a:spcPts val="0"/>
               </a:spcBef>
@@ -3284,7 +2885,7 @@
               <a:buChar char="○"/>
               <a:defRPr/>
             </a:lvl5pPr>
-            <a:lvl6pPr indent="-317500" lvl="5" marL="2743200">
+            <a:lvl6pPr marL="2743200" lvl="5" indent="-317500">
               <a:spcBef>
                 <a:spcPts val="0"/>
               </a:spcBef>
@@ -3295,7 +2896,7 @@
               <a:buChar char="■"/>
               <a:defRPr/>
             </a:lvl6pPr>
-            <a:lvl7pPr indent="-317500" lvl="6" marL="3200400">
+            <a:lvl7pPr marL="3200400" lvl="6" indent="-317500">
               <a:spcBef>
                 <a:spcPts val="0"/>
               </a:spcBef>
@@ -3306,7 +2907,7 @@
               <a:buChar char="●"/>
               <a:defRPr/>
             </a:lvl7pPr>
-            <a:lvl8pPr indent="-317500" lvl="7" marL="3657600">
+            <a:lvl8pPr marL="3657600" lvl="7" indent="-317500">
               <a:spcBef>
                 <a:spcPts val="0"/>
               </a:spcBef>
@@ -3317,7 +2918,7 @@
               <a:buChar char="○"/>
               <a:defRPr/>
             </a:lvl8pPr>
-            <a:lvl9pPr indent="-317500" lvl="8" marL="4114800">
+            <a:lvl9pPr marL="4114800" lvl="8" indent="-317500">
               <a:spcBef>
                 <a:spcPts val="0"/>
               </a:spcBef>
@@ -3329,15 +2930,19 @@
               <a:defRPr/>
             </a:lvl9pPr>
           </a:lstStyle>
-          <a:p/>
+          <a:p>
+            <a:endParaRPr/>
+          </a:p>
         </p:txBody>
       </p:sp>
       <p:sp>
         <p:nvSpPr>
           <p:cNvPr id="19" name="Google Shape;19;p4"/>
-          <p:cNvSpPr txBox="1"/>
+          <p:cNvSpPr txBox="1">
+            <a:spLocks noGrp="1"/>
+          </p:cNvSpPr>
           <p:nvPr>
-            <p:ph idx="12" type="sldNum"/>
+            <p:ph type="sldNum" idx="12"/>
           </p:nvPr>
         </p:nvSpPr>
         <p:spPr>
@@ -3350,7 +2955,7 @@
           </a:prstGeom>
         </p:spPr>
         <p:txBody>
-          <a:bodyPr anchorCtr="0" anchor="ctr" bIns="91425" lIns="91425" spcFirstLastPara="1" rIns="91425" wrap="square" tIns="91425">
+          <a:bodyPr spcFirstLastPara="1" wrap="square" lIns="91425" tIns="91425" rIns="91425" bIns="91425" anchor="ctr" anchorCtr="0">
             <a:normAutofit/>
           </a:bodyPr>
           <a:lstStyle>
@@ -3392,7 +2997,7 @@
             </a:lvl9pPr>
           </a:lstStyle>
           <a:p>
-            <a:pPr indent="0" lvl="0" marL="0" rtl="0" algn="r">
+            <a:pPr marL="0" lvl="0" indent="0" algn="r" rtl="0">
               <a:spcBef>
                 <a:spcPts val="0"/>
               </a:spcBef>
@@ -3418,11 +3023,11 @@
 </file>
 
 <file path=ppt/slideLayouts/slideLayout4.xml><?xml version="1.0" encoding="utf-8"?>
-<p:sldLayout xmlns:a="http://schemas.openxmlformats.org/drawingml/2006/main" xmlns:r="http://schemas.openxmlformats.org/officeDocument/2006/relationships" xmlns:mc="http://schemas.openxmlformats.org/markup-compatibility/2006" xmlns:mv="urn:schemas-microsoft-com:mac:vml" xmlns:p="http://schemas.openxmlformats.org/presentationml/2006/main" xmlns:c="http://schemas.openxmlformats.org/drawingml/2006/chart" xmlns:dgm="http://schemas.openxmlformats.org/drawingml/2006/diagram" xmlns:o="urn:schemas-microsoft-com:office:office" xmlns:v="urn:schemas-microsoft-com:vml" xmlns:pvml="urn:schemas-microsoft-com:office:powerpoint" xmlns:com="http://schemas.openxmlformats.org/drawingml/2006/compatibility" xmlns:p14="http://schemas.microsoft.com/office/powerpoint/2010/main" xmlns:p15="http://schemas.microsoft.com/office/powerpoint/2012/main" xmlns:ahyp="http://schemas.microsoft.com/office/drawing/2018/hyperlinkcolor" matchingName="Title and two columns" type="twoColTx">
+<p:sldLayout xmlns:a="http://schemas.openxmlformats.org/drawingml/2006/main" xmlns:r="http://schemas.openxmlformats.org/officeDocument/2006/relationships" xmlns:p="http://schemas.openxmlformats.org/presentationml/2006/main" matchingName="Title and two columns" type="twoColTx">
   <p:cSld name="TITLE_AND_TWO_COLUMNS">
     <p:spTree>
       <p:nvGrpSpPr>
-        <p:cNvPr id="20" name="Shape 20"/>
+        <p:cNvPr id="1" name="Shape 20"/>
         <p:cNvGrpSpPr/>
         <p:nvPr/>
       </p:nvGrpSpPr>
@@ -3437,7 +3042,9 @@
       <p:sp>
         <p:nvSpPr>
           <p:cNvPr id="21" name="Google Shape;21;p5"/>
-          <p:cNvSpPr txBox="1"/>
+          <p:cNvSpPr txBox="1">
+            <a:spLocks noGrp="1"/>
+          </p:cNvSpPr>
           <p:nvPr>
             <p:ph type="title"/>
           </p:nvPr>
@@ -3452,7 +3059,7 @@
           </a:prstGeom>
         </p:spPr>
         <p:txBody>
-          <a:bodyPr anchorCtr="0" anchor="t" bIns="91425" lIns="91425" spcFirstLastPara="1" rIns="91425" wrap="square" tIns="91425">
+          <a:bodyPr spcFirstLastPara="1" wrap="square" lIns="91425" tIns="91425" rIns="91425" bIns="91425" anchor="t" anchorCtr="0">
             <a:normAutofit/>
           </a:bodyPr>
           <a:lstStyle>
@@ -3556,15 +3163,19 @@
               <a:defRPr/>
             </a:lvl9pPr>
           </a:lstStyle>
-          <a:p/>
+          <a:p>
+            <a:endParaRPr/>
+          </a:p>
         </p:txBody>
       </p:sp>
       <p:sp>
         <p:nvSpPr>
           <p:cNvPr id="22" name="Google Shape;22;p5"/>
-          <p:cNvSpPr txBox="1"/>
+          <p:cNvSpPr txBox="1">
+            <a:spLocks noGrp="1"/>
+          </p:cNvSpPr>
           <p:nvPr>
-            <p:ph idx="1" type="body"/>
+            <p:ph type="body" idx="1"/>
           </p:nvPr>
         </p:nvSpPr>
         <p:spPr>
@@ -3577,11 +3188,11 @@
           </a:prstGeom>
         </p:spPr>
         <p:txBody>
-          <a:bodyPr anchorCtr="0" anchor="t" bIns="91425" lIns="91425" spcFirstLastPara="1" rIns="91425" wrap="square" tIns="91425">
+          <a:bodyPr spcFirstLastPara="1" wrap="square" lIns="91425" tIns="91425" rIns="91425" bIns="91425" anchor="t" anchorCtr="0">
             <a:normAutofit/>
           </a:bodyPr>
           <a:lstStyle>
-            <a:lvl1pPr indent="-317500" lvl="0" marL="457200">
+            <a:lvl1pPr marL="457200" lvl="0" indent="-317500">
               <a:spcBef>
                 <a:spcPts val="0"/>
               </a:spcBef>
@@ -3592,7 +3203,7 @@
               <a:buChar char="●"/>
               <a:defRPr sz="1400"/>
             </a:lvl1pPr>
-            <a:lvl2pPr indent="-304800" lvl="1" marL="914400">
+            <a:lvl2pPr marL="914400" lvl="1" indent="-304800">
               <a:spcBef>
                 <a:spcPts val="0"/>
               </a:spcBef>
@@ -3603,7 +3214,7 @@
               <a:buChar char="○"/>
               <a:defRPr sz="1200"/>
             </a:lvl2pPr>
-            <a:lvl3pPr indent="-304800" lvl="2" marL="1371600">
+            <a:lvl3pPr marL="1371600" lvl="2" indent="-304800">
               <a:spcBef>
                 <a:spcPts val="0"/>
               </a:spcBef>
@@ -3614,7 +3225,7 @@
               <a:buChar char="■"/>
               <a:defRPr sz="1200"/>
             </a:lvl3pPr>
-            <a:lvl4pPr indent="-304800" lvl="3" marL="1828800">
+            <a:lvl4pPr marL="1828800" lvl="3" indent="-304800">
               <a:spcBef>
                 <a:spcPts val="0"/>
               </a:spcBef>
@@ -3625,7 +3236,7 @@
               <a:buChar char="●"/>
               <a:defRPr sz="1200"/>
             </a:lvl4pPr>
-            <a:lvl5pPr indent="-304800" lvl="4" marL="2286000">
+            <a:lvl5pPr marL="2286000" lvl="4" indent="-304800">
               <a:spcBef>
                 <a:spcPts val="0"/>
               </a:spcBef>
@@ -3636,7 +3247,7 @@
               <a:buChar char="○"/>
               <a:defRPr sz="1200"/>
             </a:lvl5pPr>
-            <a:lvl6pPr indent="-304800" lvl="5" marL="2743200">
+            <a:lvl6pPr marL="2743200" lvl="5" indent="-304800">
               <a:spcBef>
                 <a:spcPts val="0"/>
               </a:spcBef>
@@ -3647,7 +3258,7 @@
               <a:buChar char="■"/>
               <a:defRPr sz="1200"/>
             </a:lvl6pPr>
-            <a:lvl7pPr indent="-304800" lvl="6" marL="3200400">
+            <a:lvl7pPr marL="3200400" lvl="6" indent="-304800">
               <a:spcBef>
                 <a:spcPts val="0"/>
               </a:spcBef>
@@ -3658,7 +3269,7 @@
               <a:buChar char="●"/>
               <a:defRPr sz="1200"/>
             </a:lvl7pPr>
-            <a:lvl8pPr indent="-304800" lvl="7" marL="3657600">
+            <a:lvl8pPr marL="3657600" lvl="7" indent="-304800">
               <a:spcBef>
                 <a:spcPts val="0"/>
               </a:spcBef>
@@ -3669,7 +3280,7 @@
               <a:buChar char="○"/>
               <a:defRPr sz="1200"/>
             </a:lvl8pPr>
-            <a:lvl9pPr indent="-304800" lvl="8" marL="4114800">
+            <a:lvl9pPr marL="4114800" lvl="8" indent="-304800">
               <a:spcBef>
                 <a:spcPts val="0"/>
               </a:spcBef>
@@ -3681,15 +3292,19 @@
               <a:defRPr sz="1200"/>
             </a:lvl9pPr>
           </a:lstStyle>
-          <a:p/>
+          <a:p>
+            <a:endParaRPr/>
+          </a:p>
         </p:txBody>
       </p:sp>
       <p:sp>
         <p:nvSpPr>
           <p:cNvPr id="23" name="Google Shape;23;p5"/>
-          <p:cNvSpPr txBox="1"/>
+          <p:cNvSpPr txBox="1">
+            <a:spLocks noGrp="1"/>
+          </p:cNvSpPr>
           <p:nvPr>
-            <p:ph idx="2" type="body"/>
+            <p:ph type="body" idx="2"/>
           </p:nvPr>
         </p:nvSpPr>
         <p:spPr>
@@ -3702,11 +3317,11 @@
           </a:prstGeom>
         </p:spPr>
         <p:txBody>
-          <a:bodyPr anchorCtr="0" anchor="t" bIns="91425" lIns="91425" spcFirstLastPara="1" rIns="91425" wrap="square" tIns="91425">
+          <a:bodyPr spcFirstLastPara="1" wrap="square" lIns="91425" tIns="91425" rIns="91425" bIns="91425" anchor="t" anchorCtr="0">
             <a:normAutofit/>
           </a:bodyPr>
           <a:lstStyle>
-            <a:lvl1pPr indent="-317500" lvl="0" marL="457200">
+            <a:lvl1pPr marL="457200" lvl="0" indent="-317500">
               <a:spcBef>
                 <a:spcPts val="0"/>
               </a:spcBef>
@@ -3717,7 +3332,7 @@
               <a:buChar char="●"/>
               <a:defRPr sz="1400"/>
             </a:lvl1pPr>
-            <a:lvl2pPr indent="-304800" lvl="1" marL="914400">
+            <a:lvl2pPr marL="914400" lvl="1" indent="-304800">
               <a:spcBef>
                 <a:spcPts val="0"/>
               </a:spcBef>
@@ -3728,7 +3343,7 @@
               <a:buChar char="○"/>
               <a:defRPr sz="1200"/>
             </a:lvl2pPr>
-            <a:lvl3pPr indent="-304800" lvl="2" marL="1371600">
+            <a:lvl3pPr marL="1371600" lvl="2" indent="-304800">
               <a:spcBef>
                 <a:spcPts val="0"/>
               </a:spcBef>
@@ -3739,7 +3354,7 @@
               <a:buChar char="■"/>
               <a:defRPr sz="1200"/>
             </a:lvl3pPr>
-            <a:lvl4pPr indent="-304800" lvl="3" marL="1828800">
+            <a:lvl4pPr marL="1828800" lvl="3" indent="-304800">
               <a:spcBef>
                 <a:spcPts val="0"/>
               </a:spcBef>
@@ -3750,7 +3365,7 @@
               <a:buChar char="●"/>
               <a:defRPr sz="1200"/>
             </a:lvl4pPr>
-            <a:lvl5pPr indent="-304800" lvl="4" marL="2286000">
+            <a:lvl5pPr marL="2286000" lvl="4" indent="-304800">
               <a:spcBef>
                 <a:spcPts val="0"/>
               </a:spcBef>
@@ -3761,7 +3376,7 @@
               <a:buChar char="○"/>
               <a:defRPr sz="1200"/>
             </a:lvl5pPr>
-            <a:lvl6pPr indent="-304800" lvl="5" marL="2743200">
+            <a:lvl6pPr marL="2743200" lvl="5" indent="-304800">
               <a:spcBef>
                 <a:spcPts val="0"/>
               </a:spcBef>
@@ -3772,7 +3387,7 @@
               <a:buChar char="■"/>
               <a:defRPr sz="1200"/>
             </a:lvl6pPr>
-            <a:lvl7pPr indent="-304800" lvl="6" marL="3200400">
+            <a:lvl7pPr marL="3200400" lvl="6" indent="-304800">
               <a:spcBef>
                 <a:spcPts val="0"/>
               </a:spcBef>
@@ -3783,7 +3398,7 @@
               <a:buChar char="●"/>
               <a:defRPr sz="1200"/>
             </a:lvl7pPr>
-            <a:lvl8pPr indent="-304800" lvl="7" marL="3657600">
+            <a:lvl8pPr marL="3657600" lvl="7" indent="-304800">
               <a:spcBef>
                 <a:spcPts val="0"/>
               </a:spcBef>
@@ -3794,7 +3409,7 @@
               <a:buChar char="○"/>
               <a:defRPr sz="1200"/>
             </a:lvl8pPr>
-            <a:lvl9pPr indent="-304800" lvl="8" marL="4114800">
+            <a:lvl9pPr marL="4114800" lvl="8" indent="-304800">
               <a:spcBef>
                 <a:spcPts val="0"/>
               </a:spcBef>
@@ -3806,15 +3421,19 @@
               <a:defRPr sz="1200"/>
             </a:lvl9pPr>
           </a:lstStyle>
-          <a:p/>
+          <a:p>
+            <a:endParaRPr/>
+          </a:p>
         </p:txBody>
       </p:sp>
       <p:sp>
         <p:nvSpPr>
           <p:cNvPr id="24" name="Google Shape;24;p5"/>
-          <p:cNvSpPr txBox="1"/>
+          <p:cNvSpPr txBox="1">
+            <a:spLocks noGrp="1"/>
+          </p:cNvSpPr>
           <p:nvPr>
-            <p:ph idx="12" type="sldNum"/>
+            <p:ph type="sldNum" idx="12"/>
           </p:nvPr>
         </p:nvSpPr>
         <p:spPr>
@@ -3827,7 +3446,7 @@
           </a:prstGeom>
         </p:spPr>
         <p:txBody>
-          <a:bodyPr anchorCtr="0" anchor="ctr" bIns="91425" lIns="91425" spcFirstLastPara="1" rIns="91425" wrap="square" tIns="91425">
+          <a:bodyPr spcFirstLastPara="1" wrap="square" lIns="91425" tIns="91425" rIns="91425" bIns="91425" anchor="ctr" anchorCtr="0">
             <a:normAutofit/>
           </a:bodyPr>
           <a:lstStyle>
@@ -3869,7 +3488,7 @@
             </a:lvl9pPr>
           </a:lstStyle>
           <a:p>
-            <a:pPr indent="0" lvl="0" marL="0" rtl="0" algn="r">
+            <a:pPr marL="0" lvl="0" indent="0" algn="r" rtl="0">
               <a:spcBef>
                 <a:spcPts val="0"/>
               </a:spcBef>
@@ -3895,11 +3514,11 @@
 </file>
 
 <file path=ppt/slideLayouts/slideLayout5.xml><?xml version="1.0" encoding="utf-8"?>
-<p:sldLayout xmlns:a="http://schemas.openxmlformats.org/drawingml/2006/main" xmlns:r="http://schemas.openxmlformats.org/officeDocument/2006/relationships" xmlns:mc="http://schemas.openxmlformats.org/markup-compatibility/2006" xmlns:mv="urn:schemas-microsoft-com:mac:vml" xmlns:p="http://schemas.openxmlformats.org/presentationml/2006/main" xmlns:c="http://schemas.openxmlformats.org/drawingml/2006/chart" xmlns:dgm="http://schemas.openxmlformats.org/drawingml/2006/diagram" xmlns:o="urn:schemas-microsoft-com:office:office" xmlns:v="urn:schemas-microsoft-com:vml" xmlns:pvml="urn:schemas-microsoft-com:office:powerpoint" xmlns:com="http://schemas.openxmlformats.org/drawingml/2006/compatibility" xmlns:p14="http://schemas.microsoft.com/office/powerpoint/2010/main" xmlns:p15="http://schemas.microsoft.com/office/powerpoint/2012/main" xmlns:ahyp="http://schemas.microsoft.com/office/drawing/2018/hyperlinkcolor" matchingName="Title only" type="titleOnly">
+<p:sldLayout xmlns:a="http://schemas.openxmlformats.org/drawingml/2006/main" xmlns:r="http://schemas.openxmlformats.org/officeDocument/2006/relationships" xmlns:p="http://schemas.openxmlformats.org/presentationml/2006/main" matchingName="Title only" type="titleOnly">
   <p:cSld name="TITLE_ONLY">
     <p:spTree>
       <p:nvGrpSpPr>
-        <p:cNvPr id="25" name="Shape 25"/>
+        <p:cNvPr id="1" name="Shape 25"/>
         <p:cNvGrpSpPr/>
         <p:nvPr/>
       </p:nvGrpSpPr>
@@ -3914,7 +3533,9 @@
       <p:sp>
         <p:nvSpPr>
           <p:cNvPr id="26" name="Google Shape;26;p6"/>
-          <p:cNvSpPr txBox="1"/>
+          <p:cNvSpPr txBox="1">
+            <a:spLocks noGrp="1"/>
+          </p:cNvSpPr>
           <p:nvPr>
             <p:ph type="title"/>
           </p:nvPr>
@@ -3929,7 +3550,7 @@
           </a:prstGeom>
         </p:spPr>
         <p:txBody>
-          <a:bodyPr anchorCtr="0" anchor="t" bIns="91425" lIns="91425" spcFirstLastPara="1" rIns="91425" wrap="square" tIns="91425">
+          <a:bodyPr spcFirstLastPara="1" wrap="square" lIns="91425" tIns="91425" rIns="91425" bIns="91425" anchor="t" anchorCtr="0">
             <a:normAutofit/>
           </a:bodyPr>
           <a:lstStyle>
@@ -4033,15 +3654,19 @@
               <a:defRPr/>
             </a:lvl9pPr>
           </a:lstStyle>
-          <a:p/>
+          <a:p>
+            <a:endParaRPr/>
+          </a:p>
         </p:txBody>
       </p:sp>
       <p:sp>
         <p:nvSpPr>
           <p:cNvPr id="27" name="Google Shape;27;p6"/>
-          <p:cNvSpPr txBox="1"/>
+          <p:cNvSpPr txBox="1">
+            <a:spLocks noGrp="1"/>
+          </p:cNvSpPr>
           <p:nvPr>
-            <p:ph idx="12" type="sldNum"/>
+            <p:ph type="sldNum" idx="12"/>
           </p:nvPr>
         </p:nvSpPr>
         <p:spPr>
@@ -4054,7 +3679,7 @@
           </a:prstGeom>
         </p:spPr>
         <p:txBody>
-          <a:bodyPr anchorCtr="0" anchor="ctr" bIns="91425" lIns="91425" spcFirstLastPara="1" rIns="91425" wrap="square" tIns="91425">
+          <a:bodyPr spcFirstLastPara="1" wrap="square" lIns="91425" tIns="91425" rIns="91425" bIns="91425" anchor="ctr" anchorCtr="0">
             <a:normAutofit/>
           </a:bodyPr>
           <a:lstStyle>
@@ -4096,7 +3721,7 @@
             </a:lvl9pPr>
           </a:lstStyle>
           <a:p>
-            <a:pPr indent="0" lvl="0" marL="0" rtl="0" algn="r">
+            <a:pPr marL="0" lvl="0" indent="0" algn="r" rtl="0">
               <a:spcBef>
                 <a:spcPts val="0"/>
               </a:spcBef>
@@ -4122,11 +3747,11 @@
 </file>
 
 <file path=ppt/slideLayouts/slideLayout6.xml><?xml version="1.0" encoding="utf-8"?>
-<p:sldLayout xmlns:a="http://schemas.openxmlformats.org/drawingml/2006/main" xmlns:r="http://schemas.openxmlformats.org/officeDocument/2006/relationships" xmlns:mc="http://schemas.openxmlformats.org/markup-compatibility/2006" xmlns:mv="urn:schemas-microsoft-com:mac:vml" xmlns:p="http://schemas.openxmlformats.org/presentationml/2006/main" xmlns:c="http://schemas.openxmlformats.org/drawingml/2006/chart" xmlns:dgm="http://schemas.openxmlformats.org/drawingml/2006/diagram" xmlns:o="urn:schemas-microsoft-com:office:office" xmlns:v="urn:schemas-microsoft-com:vml" xmlns:pvml="urn:schemas-microsoft-com:office:powerpoint" xmlns:com="http://schemas.openxmlformats.org/drawingml/2006/compatibility" xmlns:p14="http://schemas.microsoft.com/office/powerpoint/2010/main" xmlns:p15="http://schemas.microsoft.com/office/powerpoint/2012/main" xmlns:ahyp="http://schemas.microsoft.com/office/drawing/2018/hyperlinkcolor" matchingName="One column text">
+<p:sldLayout xmlns:a="http://schemas.openxmlformats.org/drawingml/2006/main" xmlns:r="http://schemas.openxmlformats.org/officeDocument/2006/relationships" xmlns:p="http://schemas.openxmlformats.org/presentationml/2006/main" matchingName="One column text">
   <p:cSld name="ONE_COLUMN_TEXT">
     <p:spTree>
       <p:nvGrpSpPr>
-        <p:cNvPr id="28" name="Shape 28"/>
+        <p:cNvPr id="1" name="Shape 28"/>
         <p:cNvGrpSpPr/>
         <p:nvPr/>
       </p:nvGrpSpPr>
@@ -4141,7 +3766,9 @@
       <p:sp>
         <p:nvSpPr>
           <p:cNvPr id="29" name="Google Shape;29;p7"/>
-          <p:cNvSpPr txBox="1"/>
+          <p:cNvSpPr txBox="1">
+            <a:spLocks noGrp="1"/>
+          </p:cNvSpPr>
           <p:nvPr>
             <p:ph type="title"/>
           </p:nvPr>
@@ -4156,7 +3783,7 @@
           </a:prstGeom>
         </p:spPr>
         <p:txBody>
-          <a:bodyPr anchorCtr="0" anchor="b" bIns="91425" lIns="91425" spcFirstLastPara="1" rIns="91425" wrap="square" tIns="91425">
+          <a:bodyPr spcFirstLastPara="1" wrap="square" lIns="91425" tIns="91425" rIns="91425" bIns="91425" anchor="b" anchorCtr="0">
             <a:normAutofit/>
           </a:bodyPr>
           <a:lstStyle>
@@ -4260,15 +3887,19 @@
               <a:defRPr sz="2400"/>
             </a:lvl9pPr>
           </a:lstStyle>
-          <a:p/>
+          <a:p>
+            <a:endParaRPr/>
+          </a:p>
         </p:txBody>
       </p:sp>
       <p:sp>
         <p:nvSpPr>
           <p:cNvPr id="30" name="Google Shape;30;p7"/>
-          <p:cNvSpPr txBox="1"/>
+          <p:cNvSpPr txBox="1">
+            <a:spLocks noGrp="1"/>
+          </p:cNvSpPr>
           <p:nvPr>
-            <p:ph idx="1" type="body"/>
+            <p:ph type="body" idx="1"/>
           </p:nvPr>
         </p:nvSpPr>
         <p:spPr>
@@ -4281,11 +3912,11 @@
           </a:prstGeom>
         </p:spPr>
         <p:txBody>
-          <a:bodyPr anchorCtr="0" anchor="t" bIns="91425" lIns="91425" spcFirstLastPara="1" rIns="91425" wrap="square" tIns="91425">
+          <a:bodyPr spcFirstLastPara="1" wrap="square" lIns="91425" tIns="91425" rIns="91425" bIns="91425" anchor="t" anchorCtr="0">
             <a:normAutofit/>
           </a:bodyPr>
           <a:lstStyle>
-            <a:lvl1pPr indent="-304800" lvl="0" marL="457200">
+            <a:lvl1pPr marL="457200" lvl="0" indent="-304800">
               <a:spcBef>
                 <a:spcPts val="0"/>
               </a:spcBef>
@@ -4296,7 +3927,7 @@
               <a:buChar char="●"/>
               <a:defRPr sz="1200"/>
             </a:lvl1pPr>
-            <a:lvl2pPr indent="-304800" lvl="1" marL="914400">
+            <a:lvl2pPr marL="914400" lvl="1" indent="-304800">
               <a:spcBef>
                 <a:spcPts val="0"/>
               </a:spcBef>
@@ -4307,7 +3938,7 @@
               <a:buChar char="○"/>
               <a:defRPr sz="1200"/>
             </a:lvl2pPr>
-            <a:lvl3pPr indent="-304800" lvl="2" marL="1371600">
+            <a:lvl3pPr marL="1371600" lvl="2" indent="-304800">
               <a:spcBef>
                 <a:spcPts val="0"/>
               </a:spcBef>
@@ -4318,7 +3949,7 @@
               <a:buChar char="■"/>
               <a:defRPr sz="1200"/>
             </a:lvl3pPr>
-            <a:lvl4pPr indent="-304800" lvl="3" marL="1828800">
+            <a:lvl4pPr marL="1828800" lvl="3" indent="-304800">
               <a:spcBef>
                 <a:spcPts val="0"/>
               </a:spcBef>
@@ -4329,7 +3960,7 @@
               <a:buChar char="●"/>
               <a:defRPr sz="1200"/>
             </a:lvl4pPr>
-            <a:lvl5pPr indent="-304800" lvl="4" marL="2286000">
+            <a:lvl5pPr marL="2286000" lvl="4" indent="-304800">
               <a:spcBef>
                 <a:spcPts val="0"/>
               </a:spcBef>
@@ -4340,7 +3971,7 @@
               <a:buChar char="○"/>
               <a:defRPr sz="1200"/>
             </a:lvl5pPr>
-            <a:lvl6pPr indent="-304800" lvl="5" marL="2743200">
+            <a:lvl6pPr marL="2743200" lvl="5" indent="-304800">
               <a:spcBef>
                 <a:spcPts val="0"/>
               </a:spcBef>
@@ -4351,7 +3982,7 @@
               <a:buChar char="■"/>
               <a:defRPr sz="1200"/>
             </a:lvl6pPr>
-            <a:lvl7pPr indent="-304800" lvl="6" marL="3200400">
+            <a:lvl7pPr marL="3200400" lvl="6" indent="-304800">
               <a:spcBef>
                 <a:spcPts val="0"/>
               </a:spcBef>
@@ -4362,7 +3993,7 @@
               <a:buChar char="●"/>
               <a:defRPr sz="1200"/>
             </a:lvl7pPr>
-            <a:lvl8pPr indent="-304800" lvl="7" marL="3657600">
+            <a:lvl8pPr marL="3657600" lvl="7" indent="-304800">
               <a:spcBef>
                 <a:spcPts val="0"/>
               </a:spcBef>
@@ -4373,7 +4004,7 @@
               <a:buChar char="○"/>
               <a:defRPr sz="1200"/>
             </a:lvl8pPr>
-            <a:lvl9pPr indent="-304800" lvl="8" marL="4114800">
+            <a:lvl9pPr marL="4114800" lvl="8" indent="-304800">
               <a:spcBef>
                 <a:spcPts val="0"/>
               </a:spcBef>
@@ -4385,15 +4016,19 @@
               <a:defRPr sz="1200"/>
             </a:lvl9pPr>
           </a:lstStyle>
-          <a:p/>
+          <a:p>
+            <a:endParaRPr/>
+          </a:p>
         </p:txBody>
       </p:sp>
       <p:sp>
         <p:nvSpPr>
           <p:cNvPr id="31" name="Google Shape;31;p7"/>
-          <p:cNvSpPr txBox="1"/>
+          <p:cNvSpPr txBox="1">
+            <a:spLocks noGrp="1"/>
+          </p:cNvSpPr>
           <p:nvPr>
-            <p:ph idx="12" type="sldNum"/>
+            <p:ph type="sldNum" idx="12"/>
           </p:nvPr>
         </p:nvSpPr>
         <p:spPr>
@@ -4406,7 +4041,7 @@
           </a:prstGeom>
         </p:spPr>
         <p:txBody>
-          <a:bodyPr anchorCtr="0" anchor="ctr" bIns="91425" lIns="91425" spcFirstLastPara="1" rIns="91425" wrap="square" tIns="91425">
+          <a:bodyPr spcFirstLastPara="1" wrap="square" lIns="91425" tIns="91425" rIns="91425" bIns="91425" anchor="ctr" anchorCtr="0">
             <a:normAutofit/>
           </a:bodyPr>
           <a:lstStyle>
@@ -4448,7 +4083,7 @@
             </a:lvl9pPr>
           </a:lstStyle>
           <a:p>
-            <a:pPr indent="0" lvl="0" marL="0" rtl="0" algn="r">
+            <a:pPr marL="0" lvl="0" indent="0" algn="r" rtl="0">
               <a:spcBef>
                 <a:spcPts val="0"/>
               </a:spcBef>
@@ -4474,11 +4109,11 @@
 </file>
 
 <file path=ppt/slideLayouts/slideLayout7.xml><?xml version="1.0" encoding="utf-8"?>
-<p:sldLayout xmlns:a="http://schemas.openxmlformats.org/drawingml/2006/main" xmlns:r="http://schemas.openxmlformats.org/officeDocument/2006/relationships" xmlns:mc="http://schemas.openxmlformats.org/markup-compatibility/2006" xmlns:mv="urn:schemas-microsoft-com:mac:vml" xmlns:p="http://schemas.openxmlformats.org/presentationml/2006/main" xmlns:c="http://schemas.openxmlformats.org/drawingml/2006/chart" xmlns:dgm="http://schemas.openxmlformats.org/drawingml/2006/diagram" xmlns:o="urn:schemas-microsoft-com:office:office" xmlns:v="urn:schemas-microsoft-com:vml" xmlns:pvml="urn:schemas-microsoft-com:office:powerpoint" xmlns:com="http://schemas.openxmlformats.org/drawingml/2006/compatibility" xmlns:p14="http://schemas.microsoft.com/office/powerpoint/2010/main" xmlns:p15="http://schemas.microsoft.com/office/powerpoint/2012/main" xmlns:ahyp="http://schemas.microsoft.com/office/drawing/2018/hyperlinkcolor" matchingName="Main point">
+<p:sldLayout xmlns:a="http://schemas.openxmlformats.org/drawingml/2006/main" xmlns:r="http://schemas.openxmlformats.org/officeDocument/2006/relationships" xmlns:p="http://schemas.openxmlformats.org/presentationml/2006/main" matchingName="Main point">
   <p:cSld name="MAIN_POINT">
     <p:spTree>
       <p:nvGrpSpPr>
-        <p:cNvPr id="32" name="Shape 32"/>
+        <p:cNvPr id="1" name="Shape 32"/>
         <p:cNvGrpSpPr/>
         <p:nvPr/>
       </p:nvGrpSpPr>
@@ -4493,7 +4128,9 @@
       <p:sp>
         <p:nvSpPr>
           <p:cNvPr id="33" name="Google Shape;33;p8"/>
-          <p:cNvSpPr txBox="1"/>
+          <p:cNvSpPr txBox="1">
+            <a:spLocks noGrp="1"/>
+          </p:cNvSpPr>
           <p:nvPr>
             <p:ph type="title"/>
           </p:nvPr>
@@ -4508,7 +4145,7 @@
           </a:prstGeom>
         </p:spPr>
         <p:txBody>
-          <a:bodyPr anchorCtr="0" anchor="ctr" bIns="91425" lIns="91425" spcFirstLastPara="1" rIns="91425" wrap="square" tIns="91425">
+          <a:bodyPr spcFirstLastPara="1" wrap="square" lIns="91425" tIns="91425" rIns="91425" bIns="91425" anchor="ctr" anchorCtr="0">
             <a:normAutofit/>
           </a:bodyPr>
           <a:lstStyle>
@@ -4612,15 +4249,19 @@
               <a:defRPr sz="4800"/>
             </a:lvl9pPr>
           </a:lstStyle>
-          <a:p/>
+          <a:p>
+            <a:endParaRPr/>
+          </a:p>
         </p:txBody>
       </p:sp>
       <p:sp>
         <p:nvSpPr>
           <p:cNvPr id="34" name="Google Shape;34;p8"/>
-          <p:cNvSpPr txBox="1"/>
+          <p:cNvSpPr txBox="1">
+            <a:spLocks noGrp="1"/>
+          </p:cNvSpPr>
           <p:nvPr>
-            <p:ph idx="12" type="sldNum"/>
+            <p:ph type="sldNum" idx="12"/>
           </p:nvPr>
         </p:nvSpPr>
         <p:spPr>
@@ -4633,7 +4274,7 @@
           </a:prstGeom>
         </p:spPr>
         <p:txBody>
-          <a:bodyPr anchorCtr="0" anchor="ctr" bIns="91425" lIns="91425" spcFirstLastPara="1" rIns="91425" wrap="square" tIns="91425">
+          <a:bodyPr spcFirstLastPara="1" wrap="square" lIns="91425" tIns="91425" rIns="91425" bIns="91425" anchor="ctr" anchorCtr="0">
             <a:normAutofit/>
           </a:bodyPr>
           <a:lstStyle>
@@ -4675,7 +4316,7 @@
             </a:lvl9pPr>
           </a:lstStyle>
           <a:p>
-            <a:pPr indent="0" lvl="0" marL="0" rtl="0" algn="r">
+            <a:pPr marL="0" lvl="0" indent="0" algn="r" rtl="0">
               <a:spcBef>
                 <a:spcPts val="0"/>
               </a:spcBef>
@@ -4701,11 +4342,11 @@
 </file>
 
 <file path=ppt/slideLayouts/slideLayout8.xml><?xml version="1.0" encoding="utf-8"?>
-<p:sldLayout xmlns:a="http://schemas.openxmlformats.org/drawingml/2006/main" xmlns:r="http://schemas.openxmlformats.org/officeDocument/2006/relationships" xmlns:mc="http://schemas.openxmlformats.org/markup-compatibility/2006" xmlns:mv="urn:schemas-microsoft-com:mac:vml" xmlns:p="http://schemas.openxmlformats.org/presentationml/2006/main" xmlns:c="http://schemas.openxmlformats.org/drawingml/2006/chart" xmlns:dgm="http://schemas.openxmlformats.org/drawingml/2006/diagram" xmlns:o="urn:schemas-microsoft-com:office:office" xmlns:v="urn:schemas-microsoft-com:vml" xmlns:pvml="urn:schemas-microsoft-com:office:powerpoint" xmlns:com="http://schemas.openxmlformats.org/drawingml/2006/compatibility" xmlns:p14="http://schemas.microsoft.com/office/powerpoint/2010/main" xmlns:p15="http://schemas.microsoft.com/office/powerpoint/2012/main" xmlns:ahyp="http://schemas.microsoft.com/office/drawing/2018/hyperlinkcolor" matchingName="Section title and description">
+<p:sldLayout xmlns:a="http://schemas.openxmlformats.org/drawingml/2006/main" xmlns:r="http://schemas.openxmlformats.org/officeDocument/2006/relationships" xmlns:p="http://schemas.openxmlformats.org/presentationml/2006/main" matchingName="Section title and description">
   <p:cSld name="SECTION_TITLE_AND_DESCRIPTION">
     <p:spTree>
       <p:nvGrpSpPr>
-        <p:cNvPr id="35" name="Shape 35"/>
+        <p:cNvPr id="1" name="Shape 35"/>
         <p:cNvGrpSpPr/>
         <p:nvPr/>
       </p:nvGrpSpPr>
@@ -4739,12 +4380,12 @@
           </a:ln>
         </p:spPr>
         <p:txBody>
-          <a:bodyPr anchorCtr="0" anchor="ctr" bIns="91425" lIns="91425" spcFirstLastPara="1" rIns="91425" wrap="square" tIns="91425">
+          <a:bodyPr spcFirstLastPara="1" wrap="square" lIns="91425" tIns="91425" rIns="91425" bIns="91425" anchor="ctr" anchorCtr="0">
             <a:noAutofit/>
           </a:bodyPr>
           <a:lstStyle/>
           <a:p>
-            <a:pPr indent="0" lvl="0" marL="0" rtl="0" algn="l">
+            <a:pPr marL="0" lvl="0" indent="0" algn="l" rtl="0">
               <a:spcBef>
                 <a:spcPts val="0"/>
               </a:spcBef>
@@ -4753,9 +4394,6 @@
               </a:spcAft>
               <a:buNone/>
             </a:pPr>
-            <a:r>
-              <a:t/>
-            </a:r>
             <a:endParaRPr/>
           </a:p>
         </p:txBody>
@@ -4763,7 +4401,9 @@
       <p:sp>
         <p:nvSpPr>
           <p:cNvPr id="37" name="Google Shape;37;p9"/>
-          <p:cNvSpPr txBox="1"/>
+          <p:cNvSpPr txBox="1">
+            <a:spLocks noGrp="1"/>
+          </p:cNvSpPr>
           <p:nvPr>
             <p:ph type="title"/>
           </p:nvPr>
@@ -4778,7 +4418,7 @@
           </a:prstGeom>
         </p:spPr>
         <p:txBody>
-          <a:bodyPr anchorCtr="0" anchor="b" bIns="91425" lIns="91425" spcFirstLastPara="1" rIns="91425" wrap="square" tIns="91425">
+          <a:bodyPr spcFirstLastPara="1" wrap="square" lIns="91425" tIns="91425" rIns="91425" bIns="91425" anchor="b" anchorCtr="0">
             <a:normAutofit/>
           </a:bodyPr>
           <a:lstStyle>
@@ -4882,15 +4522,19 @@
               <a:defRPr sz="4200"/>
             </a:lvl9pPr>
           </a:lstStyle>
-          <a:p/>
+          <a:p>
+            <a:endParaRPr/>
+          </a:p>
         </p:txBody>
       </p:sp>
       <p:sp>
         <p:nvSpPr>
           <p:cNvPr id="38" name="Google Shape;38;p9"/>
-          <p:cNvSpPr txBox="1"/>
+          <p:cNvSpPr txBox="1">
+            <a:spLocks noGrp="1"/>
+          </p:cNvSpPr>
           <p:nvPr>
-            <p:ph idx="1" type="subTitle"/>
+            <p:ph type="subTitle" idx="1"/>
           </p:nvPr>
         </p:nvSpPr>
         <p:spPr>
@@ -4903,7 +4547,7 @@
           </a:prstGeom>
         </p:spPr>
         <p:txBody>
-          <a:bodyPr anchorCtr="0" anchor="t" bIns="91425" lIns="91425" spcFirstLastPara="1" rIns="91425" wrap="square" tIns="91425">
+          <a:bodyPr spcFirstLastPara="1" wrap="square" lIns="91425" tIns="91425" rIns="91425" bIns="91425" anchor="t" anchorCtr="0">
             <a:normAutofit/>
           </a:bodyPr>
           <a:lstStyle>
@@ -5034,15 +4678,19 @@
               <a:defRPr sz="2100"/>
             </a:lvl9pPr>
           </a:lstStyle>
-          <a:p/>
+          <a:p>
+            <a:endParaRPr/>
+          </a:p>
         </p:txBody>
       </p:sp>
       <p:sp>
         <p:nvSpPr>
           <p:cNvPr id="39" name="Google Shape;39;p9"/>
-          <p:cNvSpPr txBox="1"/>
+          <p:cNvSpPr txBox="1">
+            <a:spLocks noGrp="1"/>
+          </p:cNvSpPr>
           <p:nvPr>
-            <p:ph idx="2" type="body"/>
+            <p:ph type="body" idx="2"/>
           </p:nvPr>
         </p:nvSpPr>
         <p:spPr>
@@ -5055,11 +4703,11 @@
           </a:prstGeom>
         </p:spPr>
         <p:txBody>
-          <a:bodyPr anchorCtr="0" anchor="ctr" bIns="91425" lIns="91425" spcFirstLastPara="1" rIns="91425" wrap="square" tIns="91425">
+          <a:bodyPr spcFirstLastPara="1" wrap="square" lIns="91425" tIns="91425" rIns="91425" bIns="91425" anchor="ctr" anchorCtr="0">
             <a:normAutofit/>
           </a:bodyPr>
           <a:lstStyle>
-            <a:lvl1pPr indent="-342900" lvl="0" marL="457200">
+            <a:lvl1pPr marL="457200" lvl="0" indent="-342900">
               <a:spcBef>
                 <a:spcPts val="0"/>
               </a:spcBef>
@@ -5070,7 +4718,7 @@
               <a:buChar char="●"/>
               <a:defRPr/>
             </a:lvl1pPr>
-            <a:lvl2pPr indent="-317500" lvl="1" marL="914400">
+            <a:lvl2pPr marL="914400" lvl="1" indent="-317500">
               <a:spcBef>
                 <a:spcPts val="0"/>
               </a:spcBef>
@@ -5081,7 +4729,7 @@
               <a:buChar char="○"/>
               <a:defRPr/>
             </a:lvl2pPr>
-            <a:lvl3pPr indent="-317500" lvl="2" marL="1371600">
+            <a:lvl3pPr marL="1371600" lvl="2" indent="-317500">
               <a:spcBef>
                 <a:spcPts val="0"/>
               </a:spcBef>
@@ -5092,7 +4740,7 @@
               <a:buChar char="■"/>
               <a:defRPr/>
             </a:lvl3pPr>
-            <a:lvl4pPr indent="-317500" lvl="3" marL="1828800">
+            <a:lvl4pPr marL="1828800" lvl="3" indent="-317500">
               <a:spcBef>
                 <a:spcPts val="0"/>
               </a:spcBef>
@@ -5103,7 +4751,7 @@
               <a:buChar char="●"/>
               <a:defRPr/>
             </a:lvl4pPr>
-            <a:lvl5pPr indent="-317500" lvl="4" marL="2286000">
+            <a:lvl5pPr marL="2286000" lvl="4" indent="-317500">
               <a:spcBef>
                 <a:spcPts val="0"/>
               </a:spcBef>
@@ -5114,7 +4762,7 @@
               <a:buChar char="○"/>
               <a:defRPr/>
             </a:lvl5pPr>
-            <a:lvl6pPr indent="-317500" lvl="5" marL="2743200">
+            <a:lvl6pPr marL="2743200" lvl="5" indent="-317500">
               <a:spcBef>
                 <a:spcPts val="0"/>
               </a:spcBef>
@@ -5125,7 +4773,7 @@
               <a:buChar char="■"/>
               <a:defRPr/>
             </a:lvl6pPr>
-            <a:lvl7pPr indent="-317500" lvl="6" marL="3200400">
+            <a:lvl7pPr marL="3200400" lvl="6" indent="-317500">
               <a:spcBef>
                 <a:spcPts val="0"/>
               </a:spcBef>
@@ -5136,7 +4784,7 @@
               <a:buChar char="●"/>
               <a:defRPr/>
             </a:lvl7pPr>
-            <a:lvl8pPr indent="-317500" lvl="7" marL="3657600">
+            <a:lvl8pPr marL="3657600" lvl="7" indent="-317500">
               <a:spcBef>
                 <a:spcPts val="0"/>
               </a:spcBef>
@@ -5147,7 +4795,7 @@
               <a:buChar char="○"/>
               <a:defRPr/>
             </a:lvl8pPr>
-            <a:lvl9pPr indent="-317500" lvl="8" marL="4114800">
+            <a:lvl9pPr marL="4114800" lvl="8" indent="-317500">
               <a:spcBef>
                 <a:spcPts val="0"/>
               </a:spcBef>
@@ -5159,15 +4807,19 @@
               <a:defRPr/>
             </a:lvl9pPr>
           </a:lstStyle>
-          <a:p/>
+          <a:p>
+            <a:endParaRPr/>
+          </a:p>
         </p:txBody>
       </p:sp>
       <p:sp>
         <p:nvSpPr>
           <p:cNvPr id="40" name="Google Shape;40;p9"/>
-          <p:cNvSpPr txBox="1"/>
+          <p:cNvSpPr txBox="1">
+            <a:spLocks noGrp="1"/>
+          </p:cNvSpPr>
           <p:nvPr>
-            <p:ph idx="12" type="sldNum"/>
+            <p:ph type="sldNum" idx="12"/>
           </p:nvPr>
         </p:nvSpPr>
         <p:spPr>
@@ -5180,7 +4832,7 @@
           </a:prstGeom>
         </p:spPr>
         <p:txBody>
-          <a:bodyPr anchorCtr="0" anchor="ctr" bIns="91425" lIns="91425" spcFirstLastPara="1" rIns="91425" wrap="square" tIns="91425">
+          <a:bodyPr spcFirstLastPara="1" wrap="square" lIns="91425" tIns="91425" rIns="91425" bIns="91425" anchor="ctr" anchorCtr="0">
             <a:normAutofit/>
           </a:bodyPr>
           <a:lstStyle>
@@ -5222,7 +4874,7 @@
             </a:lvl9pPr>
           </a:lstStyle>
           <a:p>
-            <a:pPr indent="0" lvl="0" marL="0" rtl="0" algn="r">
+            <a:pPr marL="0" lvl="0" indent="0" algn="r" rtl="0">
               <a:spcBef>
                 <a:spcPts val="0"/>
               </a:spcBef>
@@ -5248,11 +4900,11 @@
 </file>
 
 <file path=ppt/slideLayouts/slideLayout9.xml><?xml version="1.0" encoding="utf-8"?>
-<p:sldLayout xmlns:a="http://schemas.openxmlformats.org/drawingml/2006/main" xmlns:r="http://schemas.openxmlformats.org/officeDocument/2006/relationships" xmlns:mc="http://schemas.openxmlformats.org/markup-compatibility/2006" xmlns:mv="urn:schemas-microsoft-com:mac:vml" xmlns:p="http://schemas.openxmlformats.org/presentationml/2006/main" xmlns:c="http://schemas.openxmlformats.org/drawingml/2006/chart" xmlns:dgm="http://schemas.openxmlformats.org/drawingml/2006/diagram" xmlns:o="urn:schemas-microsoft-com:office:office" xmlns:v="urn:schemas-microsoft-com:vml" xmlns:pvml="urn:schemas-microsoft-com:office:powerpoint" xmlns:com="http://schemas.openxmlformats.org/drawingml/2006/compatibility" xmlns:p14="http://schemas.microsoft.com/office/powerpoint/2010/main" xmlns:p15="http://schemas.microsoft.com/office/powerpoint/2012/main" xmlns:ahyp="http://schemas.microsoft.com/office/drawing/2018/hyperlinkcolor" matchingName="Caption">
+<p:sldLayout xmlns:a="http://schemas.openxmlformats.org/drawingml/2006/main" xmlns:r="http://schemas.openxmlformats.org/officeDocument/2006/relationships" xmlns:p="http://schemas.openxmlformats.org/presentationml/2006/main" matchingName="Caption">
   <p:cSld name="CAPTION_ONLY">
     <p:spTree>
       <p:nvGrpSpPr>
-        <p:cNvPr id="41" name="Shape 41"/>
+        <p:cNvPr id="1" name="Shape 41"/>
         <p:cNvGrpSpPr/>
         <p:nvPr/>
       </p:nvGrpSpPr>
@@ -5267,9 +4919,11 @@
       <p:sp>
         <p:nvSpPr>
           <p:cNvPr id="42" name="Google Shape;42;p10"/>
-          <p:cNvSpPr txBox="1"/>
+          <p:cNvSpPr txBox="1">
+            <a:spLocks noGrp="1"/>
+          </p:cNvSpPr>
           <p:nvPr>
-            <p:ph idx="1" type="body"/>
+            <p:ph type="body" idx="1"/>
           </p:nvPr>
         </p:nvSpPr>
         <p:spPr>
@@ -5282,11 +4936,11 @@
           </a:prstGeom>
         </p:spPr>
         <p:txBody>
-          <a:bodyPr anchorCtr="0" anchor="ctr" bIns="91425" lIns="91425" spcFirstLastPara="1" rIns="91425" wrap="square" tIns="91425">
+          <a:bodyPr spcFirstLastPara="1" wrap="square" lIns="91425" tIns="91425" rIns="91425" bIns="91425" anchor="ctr" anchorCtr="0">
             <a:normAutofit/>
           </a:bodyPr>
           <a:lstStyle>
-            <a:lvl1pPr indent="-228600" lvl="0" marL="457200">
+            <a:lvl1pPr marL="457200" lvl="0" indent="-228600">
               <a:lnSpc>
                 <a:spcPct val="100000"/>
               </a:lnSpc>
@@ -5301,15 +4955,19 @@
               <a:defRPr/>
             </a:lvl1pPr>
           </a:lstStyle>
-          <a:p/>
+          <a:p>
+            <a:endParaRPr/>
+          </a:p>
         </p:txBody>
       </p:sp>
       <p:sp>
         <p:nvSpPr>
           <p:cNvPr id="43" name="Google Shape;43;p10"/>
-          <p:cNvSpPr txBox="1"/>
+          <p:cNvSpPr txBox="1">
+            <a:spLocks noGrp="1"/>
+          </p:cNvSpPr>
           <p:nvPr>
-            <p:ph idx="12" type="sldNum"/>
+            <p:ph type="sldNum" idx="12"/>
           </p:nvPr>
         </p:nvSpPr>
         <p:spPr>
@@ -5322,7 +4980,7 @@
           </a:prstGeom>
         </p:spPr>
         <p:txBody>
-          <a:bodyPr anchorCtr="0" anchor="ctr" bIns="91425" lIns="91425" spcFirstLastPara="1" rIns="91425" wrap="square" tIns="91425">
+          <a:bodyPr spcFirstLastPara="1" wrap="square" lIns="91425" tIns="91425" rIns="91425" bIns="91425" anchor="ctr" anchorCtr="0">
             <a:normAutofit/>
           </a:bodyPr>
           <a:lstStyle>
@@ -5364,7 +5022,7 @@
             </a:lvl9pPr>
           </a:lstStyle>
           <a:p>
-            <a:pPr indent="0" lvl="0" marL="0" rtl="0" algn="r">
+            <a:pPr marL="0" lvl="0" indent="0" algn="r" rtl="0">
               <a:spcBef>
                 <a:spcPts val="0"/>
               </a:spcBef>
@@ -5390,18 +5048,21 @@
 </file>
 
 <file path=ppt/slideMasters/slideMaster1.xml><?xml version="1.0" encoding="utf-8"?>
-<p:sldMaster xmlns:a="http://schemas.openxmlformats.org/drawingml/2006/main" xmlns:r="http://schemas.openxmlformats.org/officeDocument/2006/relationships" xmlns:mc="http://schemas.openxmlformats.org/markup-compatibility/2006" xmlns:mv="urn:schemas-microsoft-com:mac:vml" xmlns:p="http://schemas.openxmlformats.org/presentationml/2006/main" xmlns:c="http://schemas.openxmlformats.org/drawingml/2006/chart" xmlns:dgm="http://schemas.openxmlformats.org/drawingml/2006/diagram" xmlns:o="urn:schemas-microsoft-com:office:office" xmlns:v="urn:schemas-microsoft-com:vml" xmlns:pvml="urn:schemas-microsoft-com:office:powerpoint" xmlns:com="http://schemas.openxmlformats.org/drawingml/2006/compatibility" xmlns:p14="http://schemas.microsoft.com/office/powerpoint/2010/main" xmlns:p15="http://schemas.microsoft.com/office/powerpoint/2012/main" xmlns:ahyp="http://schemas.microsoft.com/office/drawing/2018/hyperlinkcolor">
+<p:sldMaster xmlns:a="http://schemas.openxmlformats.org/drawingml/2006/main" xmlns:r="http://schemas.openxmlformats.org/officeDocument/2006/relationships" xmlns:p="http://schemas.openxmlformats.org/presentationml/2006/main">
   <p:cSld name="simple-light-2">
     <p:bg>
       <p:bgPr>
         <a:solidFill>
-          <a:schemeClr val="lt1"/>
+          <a:schemeClr val="bg1">
+            <a:lumMod val="95000"/>
+          </a:schemeClr>
         </a:solidFill>
+        <a:effectLst/>
       </p:bgPr>
     </p:bg>
     <p:spTree>
       <p:nvGrpSpPr>
-        <p:cNvPr id="5" name="Shape 5"/>
+        <p:cNvPr id="1" name="Shape 5"/>
         <p:cNvGrpSpPr/>
         <p:nvPr/>
       </p:nvGrpSpPr>
@@ -5416,7 +5077,9 @@
       <p:sp>
         <p:nvSpPr>
           <p:cNvPr id="6" name="Google Shape;6;p1"/>
-          <p:cNvSpPr txBox="1"/>
+          <p:cNvSpPr txBox="1">
+            <a:spLocks noGrp="1"/>
+          </p:cNvSpPr>
           <p:nvPr>
             <p:ph type="title"/>
           </p:nvPr>
@@ -5435,7 +5098,7 @@
           </a:ln>
         </p:spPr>
         <p:txBody>
-          <a:bodyPr anchorCtr="0" anchor="t" bIns="91425" lIns="91425" spcFirstLastPara="1" rIns="91425" wrap="square" tIns="91425">
+          <a:bodyPr spcFirstLastPara="1" wrap="square" lIns="91425" tIns="91425" rIns="91425" bIns="91425" anchor="t" anchorCtr="0">
             <a:normAutofit/>
           </a:bodyPr>
           <a:lstStyle>
@@ -5602,15 +5265,19 @@
               </a:defRPr>
             </a:lvl9pPr>
           </a:lstStyle>
-          <a:p/>
+          <a:p>
+            <a:endParaRPr/>
+          </a:p>
         </p:txBody>
       </p:sp>
       <p:sp>
         <p:nvSpPr>
           <p:cNvPr id="7" name="Google Shape;7;p1"/>
-          <p:cNvSpPr txBox="1"/>
+          <p:cNvSpPr txBox="1">
+            <a:spLocks noGrp="1"/>
+          </p:cNvSpPr>
           <p:nvPr>
-            <p:ph idx="1" type="body"/>
+            <p:ph type="body" idx="1"/>
           </p:nvPr>
         </p:nvSpPr>
         <p:spPr>
@@ -5627,11 +5294,11 @@
           </a:ln>
         </p:spPr>
         <p:txBody>
-          <a:bodyPr anchorCtr="0" anchor="t" bIns="91425" lIns="91425" spcFirstLastPara="1" rIns="91425" wrap="square" tIns="91425">
+          <a:bodyPr spcFirstLastPara="1" wrap="square" lIns="91425" tIns="91425" rIns="91425" bIns="91425" anchor="t" anchorCtr="0">
             <a:normAutofit/>
           </a:bodyPr>
           <a:lstStyle>
-            <a:lvl1pPr indent="-342900" lvl="0" marL="457200">
+            <a:lvl1pPr marL="457200" lvl="0" indent="-342900">
               <a:lnSpc>
                 <a:spcPct val="115000"/>
               </a:lnSpc>
@@ -5652,7 +5319,7 @@
                 </a:solidFill>
               </a:defRPr>
             </a:lvl1pPr>
-            <a:lvl2pPr indent="-317500" lvl="1" marL="914400">
+            <a:lvl2pPr marL="914400" lvl="1" indent="-317500">
               <a:lnSpc>
                 <a:spcPct val="115000"/>
               </a:lnSpc>
@@ -5673,7 +5340,7 @@
                 </a:solidFill>
               </a:defRPr>
             </a:lvl2pPr>
-            <a:lvl3pPr indent="-317500" lvl="2" marL="1371600">
+            <a:lvl3pPr marL="1371600" lvl="2" indent="-317500">
               <a:lnSpc>
                 <a:spcPct val="115000"/>
               </a:lnSpc>
@@ -5694,7 +5361,7 @@
                 </a:solidFill>
               </a:defRPr>
             </a:lvl3pPr>
-            <a:lvl4pPr indent="-317500" lvl="3" marL="1828800">
+            <a:lvl4pPr marL="1828800" lvl="3" indent="-317500">
               <a:lnSpc>
                 <a:spcPct val="115000"/>
               </a:lnSpc>
@@ -5715,7 +5382,7 @@
                 </a:solidFill>
               </a:defRPr>
             </a:lvl4pPr>
-            <a:lvl5pPr indent="-317500" lvl="4" marL="2286000">
+            <a:lvl5pPr marL="2286000" lvl="4" indent="-317500">
               <a:lnSpc>
                 <a:spcPct val="115000"/>
               </a:lnSpc>
@@ -5736,7 +5403,7 @@
                 </a:solidFill>
               </a:defRPr>
             </a:lvl5pPr>
-            <a:lvl6pPr indent="-317500" lvl="5" marL="2743200">
+            <a:lvl6pPr marL="2743200" lvl="5" indent="-317500">
               <a:lnSpc>
                 <a:spcPct val="115000"/>
               </a:lnSpc>
@@ -5757,7 +5424,7 @@
                 </a:solidFill>
               </a:defRPr>
             </a:lvl6pPr>
-            <a:lvl7pPr indent="-317500" lvl="6" marL="3200400">
+            <a:lvl7pPr marL="3200400" lvl="6" indent="-317500">
               <a:lnSpc>
                 <a:spcPct val="115000"/>
               </a:lnSpc>
@@ -5778,7 +5445,7 @@
                 </a:solidFill>
               </a:defRPr>
             </a:lvl7pPr>
-            <a:lvl8pPr indent="-317500" lvl="7" marL="3657600">
+            <a:lvl8pPr marL="3657600" lvl="7" indent="-317500">
               <a:lnSpc>
                 <a:spcPct val="115000"/>
               </a:lnSpc>
@@ -5799,7 +5466,7 @@
                 </a:solidFill>
               </a:defRPr>
             </a:lvl8pPr>
-            <a:lvl9pPr indent="-317500" lvl="8" marL="4114800">
+            <a:lvl9pPr marL="4114800" lvl="8" indent="-317500">
               <a:lnSpc>
                 <a:spcPct val="115000"/>
               </a:lnSpc>
@@ -5821,15 +5488,19 @@
               </a:defRPr>
             </a:lvl9pPr>
           </a:lstStyle>
-          <a:p/>
+          <a:p>
+            <a:endParaRPr/>
+          </a:p>
         </p:txBody>
       </p:sp>
       <p:sp>
         <p:nvSpPr>
           <p:cNvPr id="8" name="Google Shape;8;p1"/>
-          <p:cNvSpPr txBox="1"/>
+          <p:cNvSpPr txBox="1">
+            <a:spLocks noGrp="1"/>
+          </p:cNvSpPr>
           <p:nvPr>
-            <p:ph idx="12" type="sldNum"/>
+            <p:ph type="sldNum" idx="12"/>
           </p:nvPr>
         </p:nvSpPr>
         <p:spPr>
@@ -5846,7 +5517,7 @@
           </a:ln>
         </p:spPr>
         <p:txBody>
-          <a:bodyPr anchorCtr="0" anchor="ctr" bIns="91425" lIns="91425" spcFirstLastPara="1" rIns="91425" wrap="square" tIns="91425">
+          <a:bodyPr spcFirstLastPara="1" wrap="square" lIns="91425" tIns="91425" rIns="91425" bIns="91425" anchor="ctr" anchorCtr="0">
             <a:normAutofit/>
           </a:bodyPr>
           <a:lstStyle>
@@ -5924,7 +5595,7 @@
             </a:lvl9pPr>
           </a:lstStyle>
           <a:p>
-            <a:pPr indent="0" lvl="0" marL="0" rtl="0" algn="r">
+            <a:pPr marL="0" lvl="0" indent="0" algn="r" rtl="0">
               <a:spcBef>
                 <a:spcPts val="0"/>
               </a:spcBef>
@@ -5943,7 +5614,7 @@
       </p:sp>
     </p:spTree>
   </p:cSld>
-  <p:clrMap accent1="accent1" accent2="accent2" accent3="accent3" accent4="accent4" accent5="accent5" accent6="accent6" bg1="lt1" bg2="dk2" tx1="dk1" tx2="lt2" folHlink="folHlink" hlink="hlink"/>
+  <p:clrMap bg1="lt1" tx1="dk1" bg2="dk2" tx2="lt2" accent1="accent1" accent2="accent2" accent3="accent3" accent4="accent4" accent5="accent5" accent6="accent6" hlink="hlink" folHlink="folHlink"/>
   <p:sldLayoutIdLst>
     <p:sldLayoutId id="2147483648" r:id="rId1"/>
     <p:sldLayoutId id="2147483649" r:id="rId2"/>
@@ -5957,10 +5628,10 @@
     <p:sldLayoutId id="2147483657" r:id="rId10"/>
     <p:sldLayoutId id="2147483658" r:id="rId11"/>
   </p:sldLayoutIdLst>
-  <p:hf dt="0" ftr="0" hdr="0" sldNum="0"/>
+  <p:hf hdr="0" ftr="0" dt="0"/>
   <p:txStyles>
     <p:titleStyle>
-      <a:defPPr lvl="0" marR="0" rtl="0" algn="l">
+      <a:defPPr marR="0" lvl="0" algn="l" rtl="0">
         <a:lnSpc>
           <a:spcPct val="100000"/>
         </a:lnSpc>
@@ -5971,7 +5642,7 @@
           <a:spcPts val="0"/>
         </a:spcAft>
       </a:defPPr>
-      <a:lvl1pPr lvl="0" marR="0" rtl="0" algn="l">
+      <a:lvl1pPr marR="0" lvl="0" algn="l" rtl="0">
         <a:lnSpc>
           <a:spcPct val="100000"/>
         </a:lnSpc>
@@ -5985,7 +5656,7 @@
           <a:srgbClr val="000000"/>
         </a:buClr>
         <a:buFont typeface="Arial"/>
-        <a:defRPr b="0" i="0" sz="1400" u="none" cap="none" strike="noStrike">
+        <a:defRPr sz="1400" b="0" i="0" u="none" strike="noStrike" cap="none">
           <a:solidFill>
             <a:srgbClr val="000000"/>
           </a:solidFill>
@@ -5995,7 +5666,7 @@
           <a:sym typeface="Arial"/>
         </a:defRPr>
       </a:lvl1pPr>
-      <a:lvl2pPr lvl="1" marR="0" rtl="0" algn="l">
+      <a:lvl2pPr marR="0" lvl="1" algn="l" rtl="0">
         <a:lnSpc>
           <a:spcPct val="100000"/>
         </a:lnSpc>
@@ -6009,7 +5680,7 @@
           <a:srgbClr val="000000"/>
         </a:buClr>
         <a:buFont typeface="Arial"/>
-        <a:defRPr b="0" i="0" sz="1400" u="none" cap="none" strike="noStrike">
+        <a:defRPr sz="1400" b="0" i="0" u="none" strike="noStrike" cap="none">
           <a:solidFill>
             <a:srgbClr val="000000"/>
           </a:solidFill>
@@ -6019,7 +5690,7 @@
           <a:sym typeface="Arial"/>
         </a:defRPr>
       </a:lvl2pPr>
-      <a:lvl3pPr lvl="2" marR="0" rtl="0" algn="l">
+      <a:lvl3pPr marR="0" lvl="2" algn="l" rtl="0">
         <a:lnSpc>
           <a:spcPct val="100000"/>
         </a:lnSpc>
@@ -6033,7 +5704,7 @@
           <a:srgbClr val="000000"/>
         </a:buClr>
         <a:buFont typeface="Arial"/>
-        <a:defRPr b="0" i="0" sz="1400" u="none" cap="none" strike="noStrike">
+        <a:defRPr sz="1400" b="0" i="0" u="none" strike="noStrike" cap="none">
           <a:solidFill>
             <a:srgbClr val="000000"/>
           </a:solidFill>
@@ -6043,7 +5714,7 @@
           <a:sym typeface="Arial"/>
         </a:defRPr>
       </a:lvl3pPr>
-      <a:lvl4pPr lvl="3" marR="0" rtl="0" algn="l">
+      <a:lvl4pPr marR="0" lvl="3" algn="l" rtl="0">
         <a:lnSpc>
           <a:spcPct val="100000"/>
         </a:lnSpc>
@@ -6057,7 +5728,7 @@
           <a:srgbClr val="000000"/>
         </a:buClr>
         <a:buFont typeface="Arial"/>
-        <a:defRPr b="0" i="0" sz="1400" u="none" cap="none" strike="noStrike">
+        <a:defRPr sz="1400" b="0" i="0" u="none" strike="noStrike" cap="none">
           <a:solidFill>
             <a:srgbClr val="000000"/>
           </a:solidFill>
@@ -6067,7 +5738,7 @@
           <a:sym typeface="Arial"/>
         </a:defRPr>
       </a:lvl4pPr>
-      <a:lvl5pPr lvl="4" marR="0" rtl="0" algn="l">
+      <a:lvl5pPr marR="0" lvl="4" algn="l" rtl="0">
         <a:lnSpc>
           <a:spcPct val="100000"/>
         </a:lnSpc>
@@ -6081,7 +5752,7 @@
           <a:srgbClr val="000000"/>
         </a:buClr>
         <a:buFont typeface="Arial"/>
-        <a:defRPr b="0" i="0" sz="1400" u="none" cap="none" strike="noStrike">
+        <a:defRPr sz="1400" b="0" i="0" u="none" strike="noStrike" cap="none">
           <a:solidFill>
             <a:srgbClr val="000000"/>
           </a:solidFill>
@@ -6091,7 +5762,7 @@
           <a:sym typeface="Arial"/>
         </a:defRPr>
       </a:lvl5pPr>
-      <a:lvl6pPr lvl="5" marR="0" rtl="0" algn="l">
+      <a:lvl6pPr marR="0" lvl="5" algn="l" rtl="0">
         <a:lnSpc>
           <a:spcPct val="100000"/>
         </a:lnSpc>
@@ -6105,7 +5776,7 @@
           <a:srgbClr val="000000"/>
         </a:buClr>
         <a:buFont typeface="Arial"/>
-        <a:defRPr b="0" i="0" sz="1400" u="none" cap="none" strike="noStrike">
+        <a:defRPr sz="1400" b="0" i="0" u="none" strike="noStrike" cap="none">
           <a:solidFill>
             <a:srgbClr val="000000"/>
           </a:solidFill>
@@ -6115,7 +5786,7 @@
           <a:sym typeface="Arial"/>
         </a:defRPr>
       </a:lvl6pPr>
-      <a:lvl7pPr lvl="6" marR="0" rtl="0" algn="l">
+      <a:lvl7pPr marR="0" lvl="6" algn="l" rtl="0">
         <a:lnSpc>
           <a:spcPct val="100000"/>
         </a:lnSpc>
@@ -6129,7 +5800,7 @@
           <a:srgbClr val="000000"/>
         </a:buClr>
         <a:buFont typeface="Arial"/>
-        <a:defRPr b="0" i="0" sz="1400" u="none" cap="none" strike="noStrike">
+        <a:defRPr sz="1400" b="0" i="0" u="none" strike="noStrike" cap="none">
           <a:solidFill>
             <a:srgbClr val="000000"/>
           </a:solidFill>
@@ -6139,7 +5810,7 @@
           <a:sym typeface="Arial"/>
         </a:defRPr>
       </a:lvl7pPr>
-      <a:lvl8pPr lvl="7" marR="0" rtl="0" algn="l">
+      <a:lvl8pPr marR="0" lvl="7" algn="l" rtl="0">
         <a:lnSpc>
           <a:spcPct val="100000"/>
         </a:lnSpc>
@@ -6153,7 +5824,7 @@
           <a:srgbClr val="000000"/>
         </a:buClr>
         <a:buFont typeface="Arial"/>
-        <a:defRPr b="0" i="0" sz="1400" u="none" cap="none" strike="noStrike">
+        <a:defRPr sz="1400" b="0" i="0" u="none" strike="noStrike" cap="none">
           <a:solidFill>
             <a:srgbClr val="000000"/>
           </a:solidFill>
@@ -6163,7 +5834,7 @@
           <a:sym typeface="Arial"/>
         </a:defRPr>
       </a:lvl8pPr>
-      <a:lvl9pPr lvl="8" marR="0" rtl="0" algn="l">
+      <a:lvl9pPr marR="0" lvl="8" algn="l" rtl="0">
         <a:lnSpc>
           <a:spcPct val="100000"/>
         </a:lnSpc>
@@ -6177,7 +5848,7 @@
           <a:srgbClr val="000000"/>
         </a:buClr>
         <a:buFont typeface="Arial"/>
-        <a:defRPr b="0" i="0" sz="1400" u="none" cap="none" strike="noStrike">
+        <a:defRPr sz="1400" b="0" i="0" u="none" strike="noStrike" cap="none">
           <a:solidFill>
             <a:srgbClr val="000000"/>
           </a:solidFill>
@@ -6189,7 +5860,7 @@
       </a:lvl9pPr>
     </p:titleStyle>
     <p:bodyStyle>
-      <a:defPPr lvl="0" marR="0" rtl="0" algn="l">
+      <a:defPPr marR="0" lvl="0" algn="l" rtl="0">
         <a:lnSpc>
           <a:spcPct val="100000"/>
         </a:lnSpc>
@@ -6200,7 +5871,7 @@
           <a:spcPts val="0"/>
         </a:spcAft>
       </a:defPPr>
-      <a:lvl1pPr lvl="0" marR="0" rtl="0" algn="l">
+      <a:lvl1pPr marR="0" lvl="0" algn="l" rtl="0">
         <a:lnSpc>
           <a:spcPct val="100000"/>
         </a:lnSpc>
@@ -6214,7 +5885,7 @@
           <a:srgbClr val="000000"/>
         </a:buClr>
         <a:buFont typeface="Arial"/>
-        <a:defRPr b="0" i="0" sz="1400" u="none" cap="none" strike="noStrike">
+        <a:defRPr sz="1400" b="0" i="0" u="none" strike="noStrike" cap="none">
           <a:solidFill>
             <a:srgbClr val="000000"/>
           </a:solidFill>
@@ -6224,7 +5895,7 @@
           <a:sym typeface="Arial"/>
         </a:defRPr>
       </a:lvl1pPr>
-      <a:lvl2pPr lvl="1" marR="0" rtl="0" algn="l">
+      <a:lvl2pPr marR="0" lvl="1" algn="l" rtl="0">
         <a:lnSpc>
           <a:spcPct val="100000"/>
         </a:lnSpc>
@@ -6238,7 +5909,7 @@
           <a:srgbClr val="000000"/>
         </a:buClr>
         <a:buFont typeface="Arial"/>
-        <a:defRPr b="0" i="0" sz="1400" u="none" cap="none" strike="noStrike">
+        <a:defRPr sz="1400" b="0" i="0" u="none" strike="noStrike" cap="none">
           <a:solidFill>
             <a:srgbClr val="000000"/>
           </a:solidFill>
@@ -6248,7 +5919,7 @@
           <a:sym typeface="Arial"/>
         </a:defRPr>
       </a:lvl2pPr>
-      <a:lvl3pPr lvl="2" marR="0" rtl="0" algn="l">
+      <a:lvl3pPr marR="0" lvl="2" algn="l" rtl="0">
         <a:lnSpc>
           <a:spcPct val="100000"/>
         </a:lnSpc>
@@ -6262,7 +5933,7 @@
           <a:srgbClr val="000000"/>
         </a:buClr>
         <a:buFont typeface="Arial"/>
-        <a:defRPr b="0" i="0" sz="1400" u="none" cap="none" strike="noStrike">
+        <a:defRPr sz="1400" b="0" i="0" u="none" strike="noStrike" cap="none">
           <a:solidFill>
             <a:srgbClr val="000000"/>
           </a:solidFill>
@@ -6272,7 +5943,7 @@
           <a:sym typeface="Arial"/>
         </a:defRPr>
       </a:lvl3pPr>
-      <a:lvl4pPr lvl="3" marR="0" rtl="0" algn="l">
+      <a:lvl4pPr marR="0" lvl="3" algn="l" rtl="0">
         <a:lnSpc>
           <a:spcPct val="100000"/>
         </a:lnSpc>
@@ -6286,7 +5957,7 @@
           <a:srgbClr val="000000"/>
         </a:buClr>
         <a:buFont typeface="Arial"/>
-        <a:defRPr b="0" i="0" sz="1400" u="none" cap="none" strike="noStrike">
+        <a:defRPr sz="1400" b="0" i="0" u="none" strike="noStrike" cap="none">
           <a:solidFill>
             <a:srgbClr val="000000"/>
           </a:solidFill>
@@ -6296,7 +5967,7 @@
           <a:sym typeface="Arial"/>
         </a:defRPr>
       </a:lvl4pPr>
-      <a:lvl5pPr lvl="4" marR="0" rtl="0" algn="l">
+      <a:lvl5pPr marR="0" lvl="4" algn="l" rtl="0">
         <a:lnSpc>
           <a:spcPct val="100000"/>
         </a:lnSpc>
@@ -6310,7 +5981,7 @@
           <a:srgbClr val="000000"/>
         </a:buClr>
         <a:buFont typeface="Arial"/>
-        <a:defRPr b="0" i="0" sz="1400" u="none" cap="none" strike="noStrike">
+        <a:defRPr sz="1400" b="0" i="0" u="none" strike="noStrike" cap="none">
           <a:solidFill>
             <a:srgbClr val="000000"/>
           </a:solidFill>
@@ -6320,7 +5991,7 @@
           <a:sym typeface="Arial"/>
         </a:defRPr>
       </a:lvl5pPr>
-      <a:lvl6pPr lvl="5" marR="0" rtl="0" algn="l">
+      <a:lvl6pPr marR="0" lvl="5" algn="l" rtl="0">
         <a:lnSpc>
           <a:spcPct val="100000"/>
         </a:lnSpc>
@@ -6334,7 +6005,7 @@
           <a:srgbClr val="000000"/>
         </a:buClr>
         <a:buFont typeface="Arial"/>
-        <a:defRPr b="0" i="0" sz="1400" u="none" cap="none" strike="noStrike">
+        <a:defRPr sz="1400" b="0" i="0" u="none" strike="noStrike" cap="none">
           <a:solidFill>
             <a:srgbClr val="000000"/>
           </a:solidFill>
@@ -6344,7 +6015,7 @@
           <a:sym typeface="Arial"/>
         </a:defRPr>
       </a:lvl6pPr>
-      <a:lvl7pPr lvl="6" marR="0" rtl="0" algn="l">
+      <a:lvl7pPr marR="0" lvl="6" algn="l" rtl="0">
         <a:lnSpc>
           <a:spcPct val="100000"/>
         </a:lnSpc>
@@ -6358,7 +6029,7 @@
           <a:srgbClr val="000000"/>
         </a:buClr>
         <a:buFont typeface="Arial"/>
-        <a:defRPr b="0" i="0" sz="1400" u="none" cap="none" strike="noStrike">
+        <a:defRPr sz="1400" b="0" i="0" u="none" strike="noStrike" cap="none">
           <a:solidFill>
             <a:srgbClr val="000000"/>
           </a:solidFill>
@@ -6368,7 +6039,7 @@
           <a:sym typeface="Arial"/>
         </a:defRPr>
       </a:lvl7pPr>
-      <a:lvl8pPr lvl="7" marR="0" rtl="0" algn="l">
+      <a:lvl8pPr marR="0" lvl="7" algn="l" rtl="0">
         <a:lnSpc>
           <a:spcPct val="100000"/>
         </a:lnSpc>
@@ -6382,7 +6053,7 @@
           <a:srgbClr val="000000"/>
         </a:buClr>
         <a:buFont typeface="Arial"/>
-        <a:defRPr b="0" i="0" sz="1400" u="none" cap="none" strike="noStrike">
+        <a:defRPr sz="1400" b="0" i="0" u="none" strike="noStrike" cap="none">
           <a:solidFill>
             <a:srgbClr val="000000"/>
           </a:solidFill>
@@ -6392,7 +6063,7 @@
           <a:sym typeface="Arial"/>
         </a:defRPr>
       </a:lvl8pPr>
-      <a:lvl9pPr lvl="8" marR="0" rtl="0" algn="l">
+      <a:lvl9pPr marR="0" lvl="8" algn="l" rtl="0">
         <a:lnSpc>
           <a:spcPct val="100000"/>
         </a:lnSpc>
@@ -6406,7 +6077,7 @@
           <a:srgbClr val="000000"/>
         </a:buClr>
         <a:buFont typeface="Arial"/>
-        <a:defRPr b="0" i="0" sz="1400" u="none" cap="none" strike="noStrike">
+        <a:defRPr sz="1400" b="0" i="0" u="none" strike="noStrike" cap="none">
           <a:solidFill>
             <a:srgbClr val="000000"/>
           </a:solidFill>
@@ -6418,7 +6089,7 @@
       </a:lvl9pPr>
     </p:bodyStyle>
     <p:otherStyle>
-      <a:defPPr lvl="0" marR="0" rtl="0" algn="l">
+      <a:defPPr marR="0" lvl="0" algn="l" rtl="0">
         <a:lnSpc>
           <a:spcPct val="100000"/>
         </a:lnSpc>
@@ -6429,7 +6100,7 @@
           <a:spcPts val="0"/>
         </a:spcAft>
       </a:defPPr>
-      <a:lvl1pPr lvl="0" marR="0" rtl="0" algn="l">
+      <a:lvl1pPr marR="0" lvl="0" algn="l" rtl="0">
         <a:lnSpc>
           <a:spcPct val="100000"/>
         </a:lnSpc>
@@ -6443,7 +6114,7 @@
           <a:srgbClr val="000000"/>
         </a:buClr>
         <a:buFont typeface="Arial"/>
-        <a:defRPr b="0" i="0" sz="1400" u="none" cap="none" strike="noStrike">
+        <a:defRPr sz="1400" b="0" i="0" u="none" strike="noStrike" cap="none">
           <a:solidFill>
             <a:srgbClr val="000000"/>
           </a:solidFill>
@@ -6453,7 +6124,7 @@
           <a:sym typeface="Arial"/>
         </a:defRPr>
       </a:lvl1pPr>
-      <a:lvl2pPr lvl="1" marR="0" rtl="0" algn="l">
+      <a:lvl2pPr marR="0" lvl="1" algn="l" rtl="0">
         <a:lnSpc>
           <a:spcPct val="100000"/>
         </a:lnSpc>
@@ -6467,7 +6138,7 @@
           <a:srgbClr val="000000"/>
         </a:buClr>
         <a:buFont typeface="Arial"/>
-        <a:defRPr b="0" i="0" sz="1400" u="none" cap="none" strike="noStrike">
+        <a:defRPr sz="1400" b="0" i="0" u="none" strike="noStrike" cap="none">
           <a:solidFill>
             <a:srgbClr val="000000"/>
           </a:solidFill>
@@ -6477,7 +6148,7 @@
           <a:sym typeface="Arial"/>
         </a:defRPr>
       </a:lvl2pPr>
-      <a:lvl3pPr lvl="2" marR="0" rtl="0" algn="l">
+      <a:lvl3pPr marR="0" lvl="2" algn="l" rtl="0">
         <a:lnSpc>
           <a:spcPct val="100000"/>
         </a:lnSpc>
@@ -6491,7 +6162,7 @@
           <a:srgbClr val="000000"/>
         </a:buClr>
         <a:buFont typeface="Arial"/>
-        <a:defRPr b="0" i="0" sz="1400" u="none" cap="none" strike="noStrike">
+        <a:defRPr sz="1400" b="0" i="0" u="none" strike="noStrike" cap="none">
           <a:solidFill>
             <a:srgbClr val="000000"/>
           </a:solidFill>
@@ -6501,7 +6172,7 @@
           <a:sym typeface="Arial"/>
         </a:defRPr>
       </a:lvl3pPr>
-      <a:lvl4pPr lvl="3" marR="0" rtl="0" algn="l">
+      <a:lvl4pPr marR="0" lvl="3" algn="l" rtl="0">
         <a:lnSpc>
           <a:spcPct val="100000"/>
         </a:lnSpc>
@@ -6515,7 +6186,7 @@
           <a:srgbClr val="000000"/>
         </a:buClr>
         <a:buFont typeface="Arial"/>
-        <a:defRPr b="0" i="0" sz="1400" u="none" cap="none" strike="noStrike">
+        <a:defRPr sz="1400" b="0" i="0" u="none" strike="noStrike" cap="none">
           <a:solidFill>
             <a:srgbClr val="000000"/>
           </a:solidFill>
@@ -6525,7 +6196,7 @@
           <a:sym typeface="Arial"/>
         </a:defRPr>
       </a:lvl4pPr>
-      <a:lvl5pPr lvl="4" marR="0" rtl="0" algn="l">
+      <a:lvl5pPr marR="0" lvl="4" algn="l" rtl="0">
         <a:lnSpc>
           <a:spcPct val="100000"/>
         </a:lnSpc>
@@ -6539,7 +6210,7 @@
           <a:srgbClr val="000000"/>
         </a:buClr>
         <a:buFont typeface="Arial"/>
-        <a:defRPr b="0" i="0" sz="1400" u="none" cap="none" strike="noStrike">
+        <a:defRPr sz="1400" b="0" i="0" u="none" strike="noStrike" cap="none">
           <a:solidFill>
             <a:srgbClr val="000000"/>
           </a:solidFill>
@@ -6549,7 +6220,7 @@
           <a:sym typeface="Arial"/>
         </a:defRPr>
       </a:lvl5pPr>
-      <a:lvl6pPr lvl="5" marR="0" rtl="0" algn="l">
+      <a:lvl6pPr marR="0" lvl="5" algn="l" rtl="0">
         <a:lnSpc>
           <a:spcPct val="100000"/>
         </a:lnSpc>
@@ -6563,7 +6234,7 @@
           <a:srgbClr val="000000"/>
         </a:buClr>
         <a:buFont typeface="Arial"/>
-        <a:defRPr b="0" i="0" sz="1400" u="none" cap="none" strike="noStrike">
+        <a:defRPr sz="1400" b="0" i="0" u="none" strike="noStrike" cap="none">
           <a:solidFill>
             <a:srgbClr val="000000"/>
           </a:solidFill>
@@ -6573,7 +6244,7 @@
           <a:sym typeface="Arial"/>
         </a:defRPr>
       </a:lvl6pPr>
-      <a:lvl7pPr lvl="6" marR="0" rtl="0" algn="l">
+      <a:lvl7pPr marR="0" lvl="6" algn="l" rtl="0">
         <a:lnSpc>
           <a:spcPct val="100000"/>
         </a:lnSpc>
@@ -6587,7 +6258,7 @@
           <a:srgbClr val="000000"/>
         </a:buClr>
         <a:buFont typeface="Arial"/>
-        <a:defRPr b="0" i="0" sz="1400" u="none" cap="none" strike="noStrike">
+        <a:defRPr sz="1400" b="0" i="0" u="none" strike="noStrike" cap="none">
           <a:solidFill>
             <a:srgbClr val="000000"/>
           </a:solidFill>
@@ -6597,7 +6268,7 @@
           <a:sym typeface="Arial"/>
         </a:defRPr>
       </a:lvl7pPr>
-      <a:lvl8pPr lvl="7" marR="0" rtl="0" algn="l">
+      <a:lvl8pPr marR="0" lvl="7" algn="l" rtl="0">
         <a:lnSpc>
           <a:spcPct val="100000"/>
         </a:lnSpc>
@@ -6611,7 +6282,7 @@
           <a:srgbClr val="000000"/>
         </a:buClr>
         <a:buFont typeface="Arial"/>
-        <a:defRPr b="0" i="0" sz="1400" u="none" cap="none" strike="noStrike">
+        <a:defRPr sz="1400" b="0" i="0" u="none" strike="noStrike" cap="none">
           <a:solidFill>
             <a:srgbClr val="000000"/>
           </a:solidFill>
@@ -6621,7 +6292,7 @@
           <a:sym typeface="Arial"/>
         </a:defRPr>
       </a:lvl8pPr>
-      <a:lvl9pPr lvl="8" marR="0" rtl="0" algn="l">
+      <a:lvl9pPr marR="0" lvl="8" algn="l" rtl="0">
         <a:lnSpc>
           <a:spcPct val="100000"/>
         </a:lnSpc>
@@ -6635,7 +6306,7 @@
           <a:srgbClr val="000000"/>
         </a:buClr>
         <a:buFont typeface="Arial"/>
-        <a:defRPr b="0" i="0" sz="1400" u="none" cap="none" strike="noStrike">
+        <a:defRPr sz="1400" b="0" i="0" u="none" strike="noStrike" cap="none">
           <a:solidFill>
             <a:srgbClr val="000000"/>
           </a:solidFill>
@@ -6651,11 +6322,11 @@
 </file>
 
 <file path=ppt/slides/slide1.xml><?xml version="1.0" encoding="utf-8"?>
-<p:sld xmlns:a="http://schemas.openxmlformats.org/drawingml/2006/main" xmlns:r="http://schemas.openxmlformats.org/officeDocument/2006/relationships" xmlns:mc="http://schemas.openxmlformats.org/markup-compatibility/2006" xmlns:mv="urn:schemas-microsoft-com:mac:vml" xmlns:p="http://schemas.openxmlformats.org/presentationml/2006/main" xmlns:c="http://schemas.openxmlformats.org/drawingml/2006/chart" xmlns:dgm="http://schemas.openxmlformats.org/drawingml/2006/diagram" xmlns:o="urn:schemas-microsoft-com:office:office" xmlns:v="urn:schemas-microsoft-com:vml" xmlns:pvml="urn:schemas-microsoft-com:office:powerpoint" xmlns:com="http://schemas.openxmlformats.org/drawingml/2006/compatibility" xmlns:p14="http://schemas.microsoft.com/office/powerpoint/2010/main" xmlns:p15="http://schemas.microsoft.com/office/powerpoint/2012/main" xmlns:ahyp="http://schemas.microsoft.com/office/drawing/2018/hyperlinkcolor">
+<p:sld xmlns:a="http://schemas.openxmlformats.org/drawingml/2006/main" xmlns:r="http://schemas.openxmlformats.org/officeDocument/2006/relationships" xmlns:p="http://schemas.openxmlformats.org/presentationml/2006/main">
   <p:cSld>
     <p:spTree>
       <p:nvGrpSpPr>
-        <p:cNvPr id="53" name="Shape 53"/>
+        <p:cNvPr id="1" name="Shape 53"/>
         <p:cNvGrpSpPr/>
         <p:nvPr/>
       </p:nvGrpSpPr>
@@ -6670,27 +6341,29 @@
       <p:sp>
         <p:nvSpPr>
           <p:cNvPr id="54" name="Google Shape;54;p13"/>
-          <p:cNvSpPr txBox="1"/>
+          <p:cNvSpPr txBox="1">
+            <a:spLocks noGrp="1"/>
+          </p:cNvSpPr>
           <p:nvPr>
             <p:ph type="ctrTitle"/>
           </p:nvPr>
         </p:nvSpPr>
         <p:spPr>
           <a:xfrm>
-            <a:off x="311708" y="926750"/>
-            <a:ext cx="8520600" cy="2052600"/>
+            <a:off x="311699" y="2037908"/>
+            <a:ext cx="8520600" cy="900000"/>
           </a:xfrm>
           <a:prstGeom prst="rect">
             <a:avLst/>
           </a:prstGeom>
         </p:spPr>
         <p:txBody>
-          <a:bodyPr anchorCtr="0" anchor="b" bIns="91425" lIns="91425" spcFirstLastPara="1" rIns="91425" wrap="square" tIns="91425">
-            <a:normAutofit/>
+          <a:bodyPr spcFirstLastPara="1" wrap="square" lIns="91425" tIns="91425" rIns="91425" bIns="91425" anchor="b" anchorCtr="0">
+            <a:normAutofit fontScale="90000"/>
           </a:bodyPr>
           <a:lstStyle/>
           <a:p>
-            <a:pPr indent="0" lvl="0" marL="0" rtl="0" algn="ctr">
+            <a:pPr marL="0" lvl="0" indent="0" algn="ctr" rtl="0">
               <a:spcBef>
                 <a:spcPts val="0"/>
               </a:spcBef>
@@ -6700,7 +6373,7 @@
               <a:buNone/>
             </a:pPr>
             <a:r>
-              <a:rPr lang="ru">
+              <a:rPr lang="ru" b="1" dirty="0">
                 <a:latin typeface="Courier New"/>
                 <a:ea typeface="Courier New"/>
                 <a:cs typeface="Courier New"/>
@@ -6708,7 +6381,7 @@
               </a:rPr>
               <a:t>ScapeGoat Three</a:t>
             </a:r>
-            <a:endParaRPr>
+            <a:endParaRPr b="1" dirty="0">
               <a:latin typeface="Courier New"/>
               <a:ea typeface="Courier New"/>
               <a:cs typeface="Courier New"/>
@@ -6720,76 +6393,254 @@
       <p:sp>
         <p:nvSpPr>
           <p:cNvPr id="55" name="Google Shape;55;p13"/>
-          <p:cNvSpPr txBox="1"/>
+          <p:cNvSpPr txBox="1">
+            <a:spLocks noGrp="1"/>
+          </p:cNvSpPr>
           <p:nvPr>
-            <p:ph idx="1" type="subTitle"/>
+            <p:ph type="subTitle" idx="1"/>
           </p:nvPr>
         </p:nvSpPr>
         <p:spPr>
           <a:xfrm>
-            <a:off x="311700" y="2834125"/>
-            <a:ext cx="8520600" cy="792600"/>
+            <a:off x="5978770" y="3673231"/>
+            <a:ext cx="2954216" cy="970958"/>
           </a:xfrm>
           <a:prstGeom prst="rect">
             <a:avLst/>
           </a:prstGeom>
         </p:spPr>
         <p:txBody>
-          <a:bodyPr anchorCtr="0" anchor="t" bIns="91425" lIns="91425" spcFirstLastPara="1" rIns="91425" wrap="square" tIns="91425">
-            <a:normAutofit fontScale="85000" lnSpcReduction="20000"/>
+          <a:bodyPr spcFirstLastPara="1" wrap="square" lIns="91425" tIns="91425" rIns="91425" bIns="91425" anchor="t" anchorCtr="0">
+            <a:noAutofit/>
           </a:bodyPr>
           <a:lstStyle/>
           <a:p>
-            <a:pPr indent="0" lvl="0" marL="0" rtl="0" algn="ctr">
-              <a:spcBef>
-                <a:spcPts val="0"/>
-              </a:spcBef>
-              <a:spcAft>
-                <a:spcPts val="0"/>
-              </a:spcAft>
+            <a:pPr marL="0" lvl="0" indent="0" algn="r" rtl="0">
+              <a:lnSpc>
+                <a:spcPct val="110000"/>
+              </a:lnSpc>
+              <a:spcBef>
+                <a:spcPts val="0"/>
+              </a:spcBef>
+              <a:spcAft>
+                <a:spcPts val="0"/>
+              </a:spcAft>
+              <a:buSzPts val="935"/>
               <a:buNone/>
             </a:pPr>
             <a:r>
-              <a:rPr lang="ru">
+              <a:rPr lang="ru" sz="1200" dirty="0">
+                <a:solidFill>
+                  <a:schemeClr val="tx1"/>
+                </a:solidFill>
                 <a:latin typeface="Montserrat Light"/>
                 <a:ea typeface="Montserrat Light"/>
                 <a:cs typeface="Montserrat Light"/>
                 <a:sym typeface="Montserrat Light"/>
               </a:rPr>
-              <a:t>Филончикова Анна</a:t>
+              <a:t> </a:t>
             </a:r>
-            <a:endParaRPr>
-              <a:latin typeface="Montserrat Light"/>
+            <a:r>
+              <a:rPr lang="ru" sz="1200" dirty="0">
+                <a:solidFill>
+                  <a:schemeClr val="tx1"/>
+                </a:solidFill>
+                <a:latin typeface="Montserrat" panose="00000500000000000000" pitchFamily="2" charset="-52"/>
+                <a:ea typeface="Montserrat Light"/>
+                <a:cs typeface="Montserrat Light"/>
+                <a:sym typeface="Montserrat Light"/>
+              </a:rPr>
+              <a:t>Выполнила Филончикова Анна</a:t>
+            </a:r>
+          </a:p>
+          <a:p>
+            <a:pPr marL="0" lvl="0" indent="0" algn="r" rtl="0">
+              <a:lnSpc>
+                <a:spcPct val="110000"/>
+              </a:lnSpc>
+              <a:spcBef>
+                <a:spcPts val="0"/>
+              </a:spcBef>
+              <a:spcAft>
+                <a:spcPts val="0"/>
+              </a:spcAft>
+              <a:buSzPts val="935"/>
+              <a:buNone/>
+            </a:pPr>
+            <a:r>
+              <a:rPr lang="ru" sz="1200" dirty="0">
+                <a:solidFill>
+                  <a:schemeClr val="tx1"/>
+                </a:solidFill>
+                <a:latin typeface="Montserrat" panose="00000500000000000000" pitchFamily="2" charset="-52"/>
+                <a:ea typeface="Montserrat Light"/>
+                <a:cs typeface="Montserrat Light"/>
+                <a:sym typeface="Montserrat Light"/>
+              </a:rPr>
+              <a:t>Б9121-09.03.03 пикд</a:t>
+            </a:r>
+          </a:p>
+          <a:p>
+            <a:pPr marL="0" lvl="0" indent="0" algn="r" rtl="0">
+              <a:lnSpc>
+                <a:spcPct val="110000"/>
+              </a:lnSpc>
+              <a:spcBef>
+                <a:spcPts val="0"/>
+              </a:spcBef>
+              <a:spcAft>
+                <a:spcPts val="0"/>
+              </a:spcAft>
+              <a:buSzPts val="935"/>
+              <a:buNone/>
+            </a:pPr>
+            <a:r>
+              <a:rPr lang="ru-RU" sz="1200" dirty="0">
+                <a:solidFill>
+                  <a:schemeClr val="tx1"/>
+                </a:solidFill>
+                <a:latin typeface="Montserrat" panose="00000500000000000000" pitchFamily="2" charset="-52"/>
+              </a:rPr>
+              <a:t>Руководитель доцент ИМКТ </a:t>
+            </a:r>
+            <a:r>
+              <a:rPr lang="ru-RU" sz="1200" dirty="0" err="1">
+                <a:solidFill>
+                  <a:schemeClr val="tx1"/>
+                </a:solidFill>
+                <a:latin typeface="Montserrat" panose="00000500000000000000" pitchFamily="2" charset="-52"/>
+              </a:rPr>
+              <a:t>Кленин</a:t>
+            </a:r>
+            <a:r>
+              <a:rPr lang="ru-RU" sz="1200" dirty="0">
+                <a:solidFill>
+                  <a:schemeClr val="tx1"/>
+                </a:solidFill>
+                <a:latin typeface="Montserrat" panose="00000500000000000000" pitchFamily="2" charset="-52"/>
+              </a:rPr>
+              <a:t> Александр Сергеевич</a:t>
+            </a:r>
+            <a:endParaRPr sz="1200" dirty="0">
+              <a:solidFill>
+                <a:schemeClr val="tx1"/>
+              </a:solidFill>
+              <a:latin typeface="Montserrat" panose="00000500000000000000" pitchFamily="2" charset="-52"/>
               <a:ea typeface="Montserrat Light"/>
               <a:cs typeface="Montserrat Light"/>
               <a:sym typeface="Montserrat Light"/>
             </a:endParaRPr>
           </a:p>
+        </p:txBody>
+      </p:sp>
+      <p:sp>
+        <p:nvSpPr>
+          <p:cNvPr id="3" name="TextBox 2">
+            <a:extLst>
+              <a:ext uri="{FF2B5EF4-FFF2-40B4-BE49-F238E27FC236}">
+                <a16:creationId xmlns:a16="http://schemas.microsoft.com/office/drawing/2014/main" id="{7D8ADF4E-B759-BA74-1381-A81559A14633}"/>
+              </a:ext>
+            </a:extLst>
+          </p:cNvPr>
+          <p:cNvSpPr txBox="1"/>
+          <p:nvPr/>
+        </p:nvSpPr>
+        <p:spPr>
+          <a:xfrm>
+            <a:off x="2318932" y="163250"/>
+            <a:ext cx="4506133" cy="307777"/>
+          </a:xfrm>
+          <a:prstGeom prst="rect">
+            <a:avLst/>
+          </a:prstGeom>
+          <a:noFill/>
+        </p:spPr>
+        <p:txBody>
+          <a:bodyPr wrap="square" rtlCol="0">
+            <a:spAutoFit/>
+          </a:bodyPr>
+          <a:lstStyle/>
           <a:p>
-            <a:pPr indent="0" lvl="0" marL="0" rtl="0" algn="ctr">
-              <a:spcBef>
-                <a:spcPts val="0"/>
-              </a:spcBef>
-              <a:spcAft>
-                <a:spcPts val="0"/>
-              </a:spcAft>
-              <a:buNone/>
-            </a:pPr>
             <a:r>
-              <a:rPr lang="ru">
-                <a:latin typeface="Montserrat Light"/>
-                <a:ea typeface="Montserrat Light"/>
-                <a:cs typeface="Montserrat Light"/>
-                <a:sym typeface="Montserrat Light"/>
+              <a:rPr lang="ru-RU" dirty="0">
+                <a:latin typeface="Montserrat" panose="00000500000000000000" pitchFamily="2" charset="-52"/>
               </a:rPr>
-              <a:t>Б9121-09.03.03ПИКД</a:t>
+              <a:t>Дальневосточный Федеральный Университет</a:t>
             </a:r>
-            <a:endParaRPr>
-              <a:latin typeface="Montserrat Light"/>
-              <a:ea typeface="Montserrat Light"/>
-              <a:cs typeface="Montserrat Light"/>
-              <a:sym typeface="Montserrat Light"/>
-            </a:endParaRPr>
+          </a:p>
+        </p:txBody>
+      </p:sp>
+      <p:sp>
+        <p:nvSpPr>
+          <p:cNvPr id="6" name="TextBox 5">
+            <a:extLst>
+              <a:ext uri="{FF2B5EF4-FFF2-40B4-BE49-F238E27FC236}">
+                <a16:creationId xmlns:a16="http://schemas.microsoft.com/office/drawing/2014/main" id="{FD08DB34-66D0-1899-74BF-296E1A2C71F2}"/>
+              </a:ext>
+            </a:extLst>
+          </p:cNvPr>
+          <p:cNvSpPr txBox="1"/>
+          <p:nvPr/>
+        </p:nvSpPr>
+        <p:spPr>
+          <a:xfrm>
+            <a:off x="2318933" y="1720769"/>
+            <a:ext cx="4506132" cy="400110"/>
+          </a:xfrm>
+          <a:prstGeom prst="rect">
+            <a:avLst/>
+          </a:prstGeom>
+          <a:noFill/>
+        </p:spPr>
+        <p:txBody>
+          <a:bodyPr wrap="square" rtlCol="0">
+            <a:spAutoFit/>
+          </a:bodyPr>
+          <a:lstStyle/>
+          <a:p>
+            <a:r>
+              <a:rPr lang="ru-RU" sz="2000" dirty="0">
+                <a:latin typeface="Montserrat" panose="00000500000000000000" pitchFamily="2" charset="-52"/>
+              </a:rPr>
+              <a:t>Алгоритмы и структуры данных</a:t>
+            </a:r>
+          </a:p>
+        </p:txBody>
+      </p:sp>
+      <p:sp>
+        <p:nvSpPr>
+          <p:cNvPr id="7" name="TextBox 6">
+            <a:extLst>
+              <a:ext uri="{FF2B5EF4-FFF2-40B4-BE49-F238E27FC236}">
+                <a16:creationId xmlns:a16="http://schemas.microsoft.com/office/drawing/2014/main" id="{C8833070-5CF9-12CF-84D7-C32B71A047C4}"/>
+              </a:ext>
+            </a:extLst>
+          </p:cNvPr>
+          <p:cNvSpPr txBox="1"/>
+          <p:nvPr/>
+        </p:nvSpPr>
+        <p:spPr>
+          <a:xfrm>
+            <a:off x="4267196" y="4740392"/>
+            <a:ext cx="609603" cy="276999"/>
+          </a:xfrm>
+          <a:prstGeom prst="rect">
+            <a:avLst/>
+          </a:prstGeom>
+          <a:noFill/>
+        </p:spPr>
+        <p:txBody>
+          <a:bodyPr wrap="square" rtlCol="0">
+            <a:spAutoFit/>
+          </a:bodyPr>
+          <a:lstStyle/>
+          <a:p>
+            <a:r>
+              <a:rPr lang="ru-RU" sz="1200" dirty="0">
+                <a:latin typeface="Montserrat" panose="00000500000000000000" pitchFamily="2" charset="-52"/>
+              </a:rPr>
+              <a:t>2023</a:t>
+            </a:r>
           </a:p>
         </p:txBody>
       </p:sp>
@@ -6801,12 +6652,12 @@
 </p:sld>
 </file>
 
-<file path=ppt/slides/slide10.xml><?xml version="1.0" encoding="utf-8"?>
-<p:sld xmlns:a="http://schemas.openxmlformats.org/drawingml/2006/main" xmlns:r="http://schemas.openxmlformats.org/officeDocument/2006/relationships" xmlns:mc="http://schemas.openxmlformats.org/markup-compatibility/2006" xmlns:mv="urn:schemas-microsoft-com:mac:vml" xmlns:p="http://schemas.openxmlformats.org/presentationml/2006/main" xmlns:c="http://schemas.openxmlformats.org/drawingml/2006/chart" xmlns:dgm="http://schemas.openxmlformats.org/drawingml/2006/diagram" xmlns:o="urn:schemas-microsoft-com:office:office" xmlns:v="urn:schemas-microsoft-com:vml" xmlns:pvml="urn:schemas-microsoft-com:office:powerpoint" xmlns:com="http://schemas.openxmlformats.org/drawingml/2006/compatibility" xmlns:p14="http://schemas.microsoft.com/office/powerpoint/2010/main" xmlns:p15="http://schemas.microsoft.com/office/powerpoint/2012/main" xmlns:ahyp="http://schemas.microsoft.com/office/drawing/2018/hyperlinkcolor">
+<file path=ppt/slides/slide2.xml><?xml version="1.0" encoding="utf-8"?>
+<p:sld xmlns:a="http://schemas.openxmlformats.org/drawingml/2006/main" xmlns:r="http://schemas.openxmlformats.org/officeDocument/2006/relationships" xmlns:p="http://schemas.openxmlformats.org/presentationml/2006/main">
   <p:cSld>
     <p:spTree>
       <p:nvGrpSpPr>
-        <p:cNvPr id="111" name="Shape 111"/>
+        <p:cNvPr id="1" name="Shape 59"/>
         <p:cNvGrpSpPr/>
         <p:nvPr/>
       </p:nvGrpSpPr>
@@ -6820,8 +6671,832 @@
       </p:grpSpPr>
       <p:sp>
         <p:nvSpPr>
-          <p:cNvPr id="112" name="Google Shape;112;p22"/>
+          <p:cNvPr id="60" name="Google Shape;60;p14"/>
+          <p:cNvSpPr txBox="1">
+            <a:spLocks noGrp="1"/>
+          </p:cNvSpPr>
+          <p:nvPr>
+            <p:ph type="title"/>
+          </p:nvPr>
+        </p:nvSpPr>
+        <p:spPr>
+          <a:xfrm>
+            <a:off x="311700" y="445025"/>
+            <a:ext cx="8520600" cy="572700"/>
+          </a:xfrm>
+          <a:prstGeom prst="rect">
+            <a:avLst/>
+          </a:prstGeom>
+        </p:spPr>
+        <p:txBody>
+          <a:bodyPr spcFirstLastPara="1" wrap="square" lIns="91425" tIns="91425" rIns="91425" bIns="91425" anchor="t" anchorCtr="0">
+            <a:noAutofit/>
+          </a:bodyPr>
+          <a:lstStyle/>
+          <a:p>
+            <a:pPr marL="0" lvl="0" indent="0" algn="ctr" rtl="0">
+              <a:spcBef>
+                <a:spcPts val="0"/>
+              </a:spcBef>
+              <a:spcAft>
+                <a:spcPts val="0"/>
+              </a:spcAft>
+              <a:buSzPts val="990"/>
+              <a:buNone/>
+            </a:pPr>
+            <a:r>
+              <a:rPr lang="ru" sz="3020">
+                <a:latin typeface="Courier New"/>
+                <a:ea typeface="Courier New"/>
+                <a:cs typeface="Courier New"/>
+                <a:sym typeface="Courier New"/>
+              </a:rPr>
+              <a:t>Постановка задачи</a:t>
+            </a:r>
+            <a:endParaRPr sz="3020">
+              <a:latin typeface="Courier New"/>
+              <a:ea typeface="Courier New"/>
+              <a:cs typeface="Courier New"/>
+              <a:sym typeface="Courier New"/>
+            </a:endParaRPr>
+          </a:p>
+        </p:txBody>
+      </p:sp>
+      <p:sp>
+        <p:nvSpPr>
+          <p:cNvPr id="61" name="Google Shape;61;p14"/>
+          <p:cNvSpPr txBox="1">
+            <a:spLocks noGrp="1"/>
+          </p:cNvSpPr>
+          <p:nvPr>
+            <p:ph type="body" idx="1"/>
+          </p:nvPr>
+        </p:nvSpPr>
+        <p:spPr>
+          <a:xfrm>
+            <a:off x="3256725" y="1140300"/>
+            <a:ext cx="5575500" cy="3416400"/>
+          </a:xfrm>
+          <a:prstGeom prst="rect">
+            <a:avLst/>
+          </a:prstGeom>
+        </p:spPr>
+        <p:txBody>
+          <a:bodyPr spcFirstLastPara="1" wrap="square" lIns="91425" tIns="91425" rIns="91425" bIns="91425" anchor="t" anchorCtr="0">
+            <a:normAutofit/>
+          </a:bodyPr>
+          <a:lstStyle/>
+          <a:p>
+            <a:pPr marL="457200" lvl="0" indent="-355600" algn="l" rtl="0">
+              <a:spcBef>
+                <a:spcPts val="0"/>
+              </a:spcBef>
+              <a:spcAft>
+                <a:spcPts val="0"/>
+              </a:spcAft>
+              <a:buClr>
+                <a:srgbClr val="222222"/>
+              </a:buClr>
+              <a:buSzPts val="2000"/>
+              <a:buFont typeface="Montserrat Light"/>
+              <a:buAutoNum type="arabicPeriod"/>
+            </a:pPr>
+            <a:r>
+              <a:rPr lang="ru" sz="2000" dirty="0">
+                <a:solidFill>
+                  <a:srgbClr val="222222"/>
+                </a:solidFill>
+                <a:latin typeface="Montserrat Light"/>
+                <a:ea typeface="Montserrat Light"/>
+                <a:cs typeface="Montserrat Light"/>
+                <a:sym typeface="Montserrat Light"/>
+              </a:rPr>
+              <a:t>Изучить алгоритм ScapeGoat Tree и описать его в форме научного доклада</a:t>
+            </a:r>
+            <a:endParaRPr sz="2000" dirty="0">
+              <a:solidFill>
+                <a:srgbClr val="222222"/>
+              </a:solidFill>
+              <a:latin typeface="Montserrat Light"/>
+              <a:ea typeface="Montserrat Light"/>
+              <a:cs typeface="Montserrat Light"/>
+              <a:sym typeface="Montserrat Light"/>
+            </a:endParaRPr>
+          </a:p>
+          <a:p>
+            <a:pPr marL="457200" lvl="0" indent="-355600" algn="l" rtl="0">
+              <a:spcBef>
+                <a:spcPts val="0"/>
+              </a:spcBef>
+              <a:spcAft>
+                <a:spcPts val="0"/>
+              </a:spcAft>
+              <a:buClr>
+                <a:srgbClr val="222222"/>
+              </a:buClr>
+              <a:buSzPts val="2000"/>
+              <a:buFont typeface="Montserrat Light"/>
+              <a:buAutoNum type="arabicPeriod"/>
+            </a:pPr>
+            <a:r>
+              <a:rPr lang="ru" sz="2000" dirty="0">
+                <a:solidFill>
+                  <a:srgbClr val="222222"/>
+                </a:solidFill>
+                <a:latin typeface="Montserrat Light"/>
+                <a:ea typeface="Montserrat Light"/>
+                <a:cs typeface="Montserrat Light"/>
+                <a:sym typeface="Montserrat Light"/>
+              </a:rPr>
+              <a:t>Реализовать алгоритм</a:t>
+            </a:r>
+            <a:endParaRPr sz="2000" dirty="0">
+              <a:solidFill>
+                <a:srgbClr val="222222"/>
+              </a:solidFill>
+              <a:latin typeface="Montserrat Light"/>
+              <a:ea typeface="Montserrat Light"/>
+              <a:cs typeface="Montserrat Light"/>
+              <a:sym typeface="Montserrat Light"/>
+            </a:endParaRPr>
+          </a:p>
+          <a:p>
+            <a:pPr marL="457200" lvl="0" indent="-355600" algn="l" rtl="0">
+              <a:spcBef>
+                <a:spcPts val="0"/>
+              </a:spcBef>
+              <a:spcAft>
+                <a:spcPts val="0"/>
+              </a:spcAft>
+              <a:buClr>
+                <a:srgbClr val="222222"/>
+              </a:buClr>
+              <a:buSzPts val="2000"/>
+              <a:buFont typeface="Montserrat Light"/>
+              <a:buAutoNum type="arabicPeriod"/>
+            </a:pPr>
+            <a:r>
+              <a:rPr lang="ru" sz="2000" dirty="0">
+                <a:solidFill>
+                  <a:srgbClr val="222222"/>
+                </a:solidFill>
+                <a:latin typeface="Montserrat Light"/>
+                <a:ea typeface="Montserrat Light"/>
+                <a:cs typeface="Montserrat Light"/>
+                <a:sym typeface="Montserrat Light"/>
+              </a:rPr>
+              <a:t>Написать тесты для анализа производительности алгоритма</a:t>
+            </a:r>
+            <a:endParaRPr sz="2000" dirty="0">
+              <a:solidFill>
+                <a:srgbClr val="222222"/>
+              </a:solidFill>
+              <a:latin typeface="Montserrat Light"/>
+              <a:ea typeface="Montserrat Light"/>
+              <a:cs typeface="Montserrat Light"/>
+              <a:sym typeface="Montserrat Light"/>
+            </a:endParaRPr>
+          </a:p>
+          <a:p>
+            <a:pPr marL="457200" lvl="0" indent="-355600" algn="l" rtl="0">
+              <a:spcBef>
+                <a:spcPts val="0"/>
+              </a:spcBef>
+              <a:spcAft>
+                <a:spcPts val="0"/>
+              </a:spcAft>
+              <a:buClr>
+                <a:srgbClr val="222222"/>
+              </a:buClr>
+              <a:buSzPts val="2000"/>
+              <a:buFont typeface="Montserrat Light"/>
+              <a:buAutoNum type="arabicPeriod"/>
+            </a:pPr>
+            <a:r>
+              <a:rPr lang="ru" sz="2000" dirty="0">
+                <a:solidFill>
+                  <a:srgbClr val="222222"/>
+                </a:solidFill>
+                <a:latin typeface="Montserrat Light"/>
+                <a:ea typeface="Montserrat Light"/>
+                <a:cs typeface="Montserrat Light"/>
+                <a:sym typeface="Montserrat Light"/>
+              </a:rPr>
+              <a:t>Загрузить результаты работ на GitHub</a:t>
+            </a:r>
+            <a:endParaRPr sz="2000" dirty="0">
+              <a:solidFill>
+                <a:srgbClr val="222222"/>
+              </a:solidFill>
+              <a:latin typeface="Montserrat Light"/>
+              <a:ea typeface="Montserrat Light"/>
+              <a:cs typeface="Montserrat Light"/>
+              <a:sym typeface="Montserrat Light"/>
+            </a:endParaRPr>
+          </a:p>
+          <a:p>
+            <a:pPr marL="0" lvl="0" indent="0" algn="l" rtl="0">
+              <a:spcBef>
+                <a:spcPts val="0"/>
+              </a:spcBef>
+              <a:spcAft>
+                <a:spcPts val="1200"/>
+              </a:spcAft>
+              <a:buNone/>
+            </a:pPr>
+            <a:endParaRPr sz="1900" dirty="0"/>
+          </a:p>
+        </p:txBody>
+      </p:sp>
+      <p:pic>
+        <p:nvPicPr>
+          <p:cNvPr id="62" name="Google Shape;62;p14"/>
+          <p:cNvPicPr preferRelativeResize="0"/>
+          <p:nvPr/>
+        </p:nvPicPr>
+        <p:blipFill>
+          <a:blip r:embed="rId3">
+            <a:alphaModFix/>
+          </a:blip>
+          <a:stretch>
+            <a:fillRect/>
+          </a:stretch>
+        </p:blipFill>
+        <p:spPr>
+          <a:xfrm>
+            <a:off x="220625" y="1579100"/>
+            <a:ext cx="3210725" cy="3210725"/>
+          </a:xfrm>
+          <a:prstGeom prst="rect">
+            <a:avLst/>
+          </a:prstGeom>
+          <a:noFill/>
+          <a:ln>
+            <a:noFill/>
+          </a:ln>
+        </p:spPr>
+      </p:pic>
+      <p:sp>
+        <p:nvSpPr>
+          <p:cNvPr id="2" name="Номер слайда 1">
+            <a:extLst>
+              <a:ext uri="{FF2B5EF4-FFF2-40B4-BE49-F238E27FC236}">
+                <a16:creationId xmlns:a16="http://schemas.microsoft.com/office/drawing/2014/main" id="{00AC47EB-A174-39B4-966F-95D736E5B7A6}"/>
+              </a:ext>
+            </a:extLst>
+          </p:cNvPr>
+          <p:cNvSpPr>
+            <a:spLocks noGrp="1"/>
+          </p:cNvSpPr>
+          <p:nvPr>
+            <p:ph type="sldNum" idx="12"/>
+          </p:nvPr>
+        </p:nvSpPr>
+        <p:spPr/>
+        <p:txBody>
+          <a:bodyPr/>
+          <a:lstStyle/>
+          <a:p>
+            <a:pPr marL="0" lvl="0" indent="0" algn="r" rtl="0">
+              <a:spcBef>
+                <a:spcPts val="0"/>
+              </a:spcBef>
+              <a:spcAft>
+                <a:spcPts val="0"/>
+              </a:spcAft>
+              <a:buNone/>
+            </a:pPr>
+            <a:fld id="{00000000-1234-1234-1234-123412341234}" type="slidenum">
+              <a:rPr lang="ru" smtClean="0"/>
+              <a:t>2</a:t>
+            </a:fld>
+            <a:endParaRPr lang="ru"/>
+          </a:p>
+        </p:txBody>
+      </p:sp>
+    </p:spTree>
+  </p:cSld>
+  <p:clrMapOvr>
+    <a:masterClrMapping/>
+  </p:clrMapOvr>
+</p:sld>
+</file>
+
+<file path=ppt/slides/slide3.xml><?xml version="1.0" encoding="utf-8"?>
+<p:sld xmlns:a="http://schemas.openxmlformats.org/drawingml/2006/main" xmlns:r="http://schemas.openxmlformats.org/officeDocument/2006/relationships" xmlns:p="http://schemas.openxmlformats.org/presentationml/2006/main">
+  <p:cSld>
+    <p:spTree>
+      <p:nvGrpSpPr>
+        <p:cNvPr id="1" name="Shape 66"/>
+        <p:cNvGrpSpPr/>
+        <p:nvPr/>
+      </p:nvGrpSpPr>
+      <p:grpSpPr>
+        <a:xfrm>
+          <a:off x="0" y="0"/>
+          <a:ext cx="0" cy="0"/>
+          <a:chOff x="0" y="0"/>
+          <a:chExt cx="0" cy="0"/>
+        </a:xfrm>
+      </p:grpSpPr>
+      <p:sp>
+        <p:nvSpPr>
+          <p:cNvPr id="67" name="Google Shape;67;p15"/>
+          <p:cNvSpPr txBox="1">
+            <a:spLocks noGrp="1"/>
+          </p:cNvSpPr>
+          <p:nvPr>
+            <p:ph type="title"/>
+          </p:nvPr>
+        </p:nvSpPr>
+        <p:spPr>
+          <a:xfrm>
+            <a:off x="421400" y="176900"/>
+            <a:ext cx="8520600" cy="572700"/>
+          </a:xfrm>
+          <a:prstGeom prst="rect">
+            <a:avLst/>
+          </a:prstGeom>
+        </p:spPr>
+        <p:txBody>
+          <a:bodyPr spcFirstLastPara="1" wrap="square" lIns="91425" tIns="91425" rIns="91425" bIns="91425" anchor="t" anchorCtr="0">
+            <a:normAutofit fontScale="90000"/>
+          </a:bodyPr>
+          <a:lstStyle/>
+          <a:p>
+            <a:pPr marL="0" lvl="0" indent="0" algn="ctr" rtl="0">
+              <a:spcBef>
+                <a:spcPts val="0"/>
+              </a:spcBef>
+              <a:spcAft>
+                <a:spcPts val="0"/>
+              </a:spcAft>
+              <a:buNone/>
+            </a:pPr>
+            <a:r>
+              <a:rPr lang="ru" dirty="0">
+                <a:latin typeface="Courier New"/>
+                <a:ea typeface="Courier New"/>
+                <a:cs typeface="Courier New"/>
+                <a:sym typeface="Courier New"/>
+              </a:rPr>
+              <a:t>Авторство и история</a:t>
+            </a:r>
+            <a:endParaRPr dirty="0">
+              <a:latin typeface="Courier New"/>
+              <a:ea typeface="Courier New"/>
+              <a:cs typeface="Courier New"/>
+              <a:sym typeface="Courier New"/>
+            </a:endParaRPr>
+          </a:p>
+        </p:txBody>
+      </p:sp>
+      <p:sp>
+        <p:nvSpPr>
+          <p:cNvPr id="68" name="Google Shape;68;p15"/>
+          <p:cNvSpPr txBox="1">
+            <a:spLocks noGrp="1"/>
+          </p:cNvSpPr>
+          <p:nvPr>
+            <p:ph type="body" idx="1"/>
+          </p:nvPr>
+        </p:nvSpPr>
+        <p:spPr>
+          <a:xfrm>
+            <a:off x="2532185" y="1060776"/>
+            <a:ext cx="5940273" cy="3291265"/>
+          </a:xfrm>
+          <a:prstGeom prst="rect">
+            <a:avLst/>
+          </a:prstGeom>
+        </p:spPr>
+        <p:txBody>
+          <a:bodyPr spcFirstLastPara="1" wrap="square" lIns="91425" tIns="91425" rIns="91425" bIns="91425" anchor="t" anchorCtr="0">
+            <a:noAutofit/>
+          </a:bodyPr>
+          <a:lstStyle/>
+          <a:p>
+            <a:pPr marL="914400" lvl="0" indent="0" algn="just" rtl="0">
+              <a:lnSpc>
+                <a:spcPct val="130000"/>
+              </a:lnSpc>
+              <a:spcBef>
+                <a:spcPts val="600"/>
+              </a:spcBef>
+              <a:spcAft>
+                <a:spcPts val="100"/>
+              </a:spcAft>
+              <a:buNone/>
+            </a:pPr>
+            <a:r>
+              <a:rPr lang="ru" dirty="0">
+                <a:solidFill>
+                  <a:srgbClr val="222222"/>
+                </a:solidFill>
+                <a:latin typeface="Montserrat Light"/>
+                <a:ea typeface="Montserrat Light"/>
+                <a:cs typeface="Montserrat Light"/>
+                <a:sym typeface="Montserrat Light"/>
+              </a:rPr>
+              <a:t>Этот тип дерева был изобретен в 1989 году Арне Андерссоном, затем заново изобретен в 1993 году Игалом Гальперином и Рональдом Л. Ривестом .</a:t>
+            </a:r>
+            <a:endParaRPr dirty="0">
+              <a:latin typeface="Montserrat Light"/>
+              <a:ea typeface="Montserrat Light"/>
+              <a:cs typeface="Montserrat Light"/>
+              <a:sym typeface="Montserrat Light"/>
+            </a:endParaRPr>
+          </a:p>
+        </p:txBody>
+      </p:sp>
+      <p:pic>
+        <p:nvPicPr>
+          <p:cNvPr id="70" name="Google Shape;70;p15"/>
+          <p:cNvPicPr preferRelativeResize="0"/>
+          <p:nvPr/>
+        </p:nvPicPr>
+        <p:blipFill>
+          <a:blip r:embed="rId3">
+            <a:alphaModFix/>
+          </a:blip>
+          <a:stretch>
+            <a:fillRect/>
+          </a:stretch>
+        </p:blipFill>
+        <p:spPr>
+          <a:xfrm>
+            <a:off x="311700" y="949550"/>
+            <a:ext cx="2736300" cy="3641025"/>
+          </a:xfrm>
+          <a:prstGeom prst="rect">
+            <a:avLst/>
+          </a:prstGeom>
+          <a:ln>
+            <a:noFill/>
+          </a:ln>
+          <a:effectLst>
+            <a:softEdge rad="112500"/>
+          </a:effectLst>
+        </p:spPr>
+      </p:pic>
+      <p:sp>
+        <p:nvSpPr>
+          <p:cNvPr id="71" name="Google Shape;71;p15"/>
           <p:cNvSpPr txBox="1"/>
+          <p:nvPr/>
+        </p:nvSpPr>
+        <p:spPr>
+          <a:xfrm>
+            <a:off x="3180269" y="3851675"/>
+            <a:ext cx="1596600" cy="738900"/>
+          </a:xfrm>
+          <a:prstGeom prst="rect">
+            <a:avLst/>
+          </a:prstGeom>
+          <a:noFill/>
+          <a:ln>
+            <a:noFill/>
+          </a:ln>
+        </p:spPr>
+        <p:txBody>
+          <a:bodyPr spcFirstLastPara="1" wrap="square" lIns="91425" tIns="91425" rIns="91425" bIns="91425" anchor="t" anchorCtr="0">
+            <a:spAutoFit/>
+          </a:bodyPr>
+          <a:lstStyle/>
+          <a:p>
+            <a:pPr marL="0" lvl="0" indent="0" algn="l" rtl="0">
+              <a:spcBef>
+                <a:spcPts val="0"/>
+              </a:spcBef>
+              <a:spcAft>
+                <a:spcPts val="0"/>
+              </a:spcAft>
+              <a:buNone/>
+            </a:pPr>
+            <a:r>
+              <a:rPr lang="ru" sz="1800" dirty="0">
+                <a:latin typeface="Montserrat ExtraLight"/>
+                <a:ea typeface="Montserrat ExtraLight"/>
+                <a:cs typeface="Montserrat ExtraLight"/>
+                <a:sym typeface="Montserrat ExtraLight"/>
+              </a:rPr>
+              <a:t>Арне Андерссон</a:t>
+            </a:r>
+            <a:endParaRPr sz="1800" dirty="0">
+              <a:latin typeface="Montserrat ExtraLight"/>
+              <a:ea typeface="Montserrat ExtraLight"/>
+              <a:cs typeface="Montserrat ExtraLight"/>
+              <a:sym typeface="Montserrat ExtraLight"/>
+            </a:endParaRPr>
+          </a:p>
+        </p:txBody>
+      </p:sp>
+      <p:sp>
+        <p:nvSpPr>
+          <p:cNvPr id="3" name="Номер слайда 2">
+            <a:extLst>
+              <a:ext uri="{FF2B5EF4-FFF2-40B4-BE49-F238E27FC236}">
+                <a16:creationId xmlns:a16="http://schemas.microsoft.com/office/drawing/2014/main" id="{28DA3347-5F4E-18D2-2951-81B8C52E71E4}"/>
+              </a:ext>
+            </a:extLst>
+          </p:cNvPr>
+          <p:cNvSpPr>
+            <a:spLocks noGrp="1"/>
+          </p:cNvSpPr>
+          <p:nvPr>
+            <p:ph type="sldNum" idx="12"/>
+          </p:nvPr>
+        </p:nvSpPr>
+        <p:spPr/>
+        <p:txBody>
+          <a:bodyPr/>
+          <a:lstStyle/>
+          <a:p>
+            <a:pPr marL="0" lvl="0" indent="0" algn="r" rtl="0">
+              <a:spcBef>
+                <a:spcPts val="0"/>
+              </a:spcBef>
+              <a:spcAft>
+                <a:spcPts val="0"/>
+              </a:spcAft>
+              <a:buNone/>
+            </a:pPr>
+            <a:fld id="{00000000-1234-1234-1234-123412341234}" type="slidenum">
+              <a:rPr lang="ru" smtClean="0"/>
+              <a:t>3</a:t>
+            </a:fld>
+            <a:endParaRPr lang="ru"/>
+          </a:p>
+        </p:txBody>
+      </p:sp>
+    </p:spTree>
+  </p:cSld>
+  <p:clrMapOvr>
+    <a:masterClrMapping/>
+  </p:clrMapOvr>
+</p:sld>
+</file>
+
+<file path=ppt/slides/slide4.xml><?xml version="1.0" encoding="utf-8"?>
+<p:sld xmlns:a="http://schemas.openxmlformats.org/drawingml/2006/main" xmlns:r="http://schemas.openxmlformats.org/officeDocument/2006/relationships" xmlns:p="http://schemas.openxmlformats.org/presentationml/2006/main">
+  <p:cSld>
+    <p:spTree>
+      <p:nvGrpSpPr>
+        <p:cNvPr id="1" name="Shape 76"/>
+        <p:cNvGrpSpPr/>
+        <p:nvPr/>
+      </p:nvGrpSpPr>
+      <p:grpSpPr>
+        <a:xfrm>
+          <a:off x="0" y="0"/>
+          <a:ext cx="0" cy="0"/>
+          <a:chOff x="0" y="0"/>
+          <a:chExt cx="0" cy="0"/>
+        </a:xfrm>
+      </p:grpSpPr>
+      <p:sp>
+        <p:nvSpPr>
+          <p:cNvPr id="77" name="Google Shape;77;p16"/>
+          <p:cNvSpPr txBox="1">
+            <a:spLocks noGrp="1"/>
+          </p:cNvSpPr>
+          <p:nvPr>
+            <p:ph type="title"/>
+          </p:nvPr>
+        </p:nvSpPr>
+        <p:spPr>
+          <a:xfrm>
+            <a:off x="311700" y="445025"/>
+            <a:ext cx="8520600" cy="572700"/>
+          </a:xfrm>
+          <a:prstGeom prst="rect">
+            <a:avLst/>
+          </a:prstGeom>
+        </p:spPr>
+        <p:txBody>
+          <a:bodyPr spcFirstLastPara="1" wrap="square" lIns="91425" tIns="91425" rIns="91425" bIns="91425" anchor="t" anchorCtr="0">
+            <a:noAutofit/>
+          </a:bodyPr>
+          <a:lstStyle/>
+          <a:p>
+            <a:pPr marL="0" lvl="0" indent="0" algn="ctr" rtl="0">
+              <a:spcBef>
+                <a:spcPts val="0"/>
+              </a:spcBef>
+              <a:spcAft>
+                <a:spcPts val="0"/>
+              </a:spcAft>
+              <a:buSzPts val="990"/>
+              <a:buNone/>
+            </a:pPr>
+            <a:r>
+              <a:rPr lang="ru" sz="3020">
+                <a:latin typeface="Courier New"/>
+                <a:ea typeface="Courier New"/>
+                <a:cs typeface="Courier New"/>
+                <a:sym typeface="Courier New"/>
+              </a:rPr>
+              <a:t>Описание алгоритма</a:t>
+            </a:r>
+            <a:endParaRPr sz="3020">
+              <a:latin typeface="Courier New"/>
+              <a:ea typeface="Courier New"/>
+              <a:cs typeface="Courier New"/>
+              <a:sym typeface="Courier New"/>
+            </a:endParaRPr>
+          </a:p>
+        </p:txBody>
+      </p:sp>
+      <p:sp>
+        <p:nvSpPr>
+          <p:cNvPr id="78" name="Google Shape;78;p16"/>
+          <p:cNvSpPr txBox="1">
+            <a:spLocks noGrp="1"/>
+          </p:cNvSpPr>
+          <p:nvPr>
+            <p:ph type="body" idx="1"/>
+          </p:nvPr>
+        </p:nvSpPr>
+        <p:spPr>
+          <a:xfrm>
+            <a:off x="311700" y="1152475"/>
+            <a:ext cx="8520600" cy="3416400"/>
+          </a:xfrm>
+          <a:prstGeom prst="rect">
+            <a:avLst/>
+          </a:prstGeom>
+        </p:spPr>
+        <p:txBody>
+          <a:bodyPr spcFirstLastPara="1" wrap="square" lIns="91425" tIns="91425" rIns="91425" bIns="91425" anchor="t" anchorCtr="0">
+            <a:normAutofit/>
+          </a:bodyPr>
+          <a:lstStyle/>
+          <a:p>
+            <a:pPr marL="457200" lvl="0" indent="226800" algn="just" rtl="0">
+              <a:lnSpc>
+                <a:spcPct val="130000"/>
+              </a:lnSpc>
+              <a:spcBef>
+                <a:spcPts val="600"/>
+              </a:spcBef>
+              <a:spcAft>
+                <a:spcPts val="0"/>
+              </a:spcAft>
+              <a:buNone/>
+            </a:pPr>
+            <a:endParaRPr sz="2000">
+              <a:solidFill>
+                <a:srgbClr val="222222"/>
+              </a:solidFill>
+              <a:highlight>
+                <a:srgbClr val="FFFFFF"/>
+              </a:highlight>
+              <a:latin typeface="Montserrat Light"/>
+              <a:ea typeface="Montserrat Light"/>
+              <a:cs typeface="Montserrat Light"/>
+              <a:sym typeface="Montserrat Light"/>
+            </a:endParaRPr>
+          </a:p>
+          <a:p>
+            <a:pPr marL="457200" lvl="0" indent="226800" algn="just" rtl="0">
+              <a:lnSpc>
+                <a:spcPct val="130000"/>
+              </a:lnSpc>
+              <a:spcBef>
+                <a:spcPts val="600"/>
+              </a:spcBef>
+              <a:spcAft>
+                <a:spcPts val="0"/>
+              </a:spcAft>
+              <a:buNone/>
+            </a:pPr>
+            <a:endParaRPr sz="2000">
+              <a:solidFill>
+                <a:srgbClr val="222222"/>
+              </a:solidFill>
+              <a:highlight>
+                <a:srgbClr val="FFFFFF"/>
+              </a:highlight>
+              <a:latin typeface="Montserrat Light"/>
+              <a:ea typeface="Montserrat Light"/>
+              <a:cs typeface="Montserrat Light"/>
+              <a:sym typeface="Montserrat Light"/>
+            </a:endParaRPr>
+          </a:p>
+          <a:p>
+            <a:pPr marL="457200" lvl="0" indent="226800" algn="just" rtl="0">
+              <a:lnSpc>
+                <a:spcPct val="130000"/>
+              </a:lnSpc>
+              <a:spcBef>
+                <a:spcPts val="600"/>
+              </a:spcBef>
+              <a:spcAft>
+                <a:spcPts val="0"/>
+              </a:spcAft>
+              <a:buClr>
+                <a:schemeClr val="dk1"/>
+              </a:buClr>
+              <a:buSzPts val="1100"/>
+              <a:buFont typeface="Arial"/>
+              <a:buNone/>
+            </a:pPr>
+            <a:endParaRPr sz="1700">
+              <a:solidFill>
+                <a:srgbClr val="222222"/>
+              </a:solidFill>
+              <a:highlight>
+                <a:srgbClr val="FFFFFF"/>
+              </a:highlight>
+              <a:latin typeface="Montserrat Light"/>
+              <a:ea typeface="Montserrat Light"/>
+              <a:cs typeface="Montserrat Light"/>
+              <a:sym typeface="Montserrat Light"/>
+            </a:endParaRPr>
+          </a:p>
+          <a:p>
+            <a:pPr marL="0" lvl="0" indent="0" algn="l" rtl="0">
+              <a:spcBef>
+                <a:spcPts val="100"/>
+              </a:spcBef>
+              <a:spcAft>
+                <a:spcPts val="1200"/>
+              </a:spcAft>
+              <a:buNone/>
+            </a:pPr>
+            <a:endParaRPr sz="2000"/>
+          </a:p>
+        </p:txBody>
+      </p:sp>
+      <p:sp>
+        <p:nvSpPr>
+          <p:cNvPr id="2" name="Номер слайда 1">
+            <a:extLst>
+              <a:ext uri="{FF2B5EF4-FFF2-40B4-BE49-F238E27FC236}">
+                <a16:creationId xmlns:a16="http://schemas.microsoft.com/office/drawing/2014/main" id="{0FD53892-A650-69CC-A00A-8BCB8C91F154}"/>
+              </a:ext>
+            </a:extLst>
+          </p:cNvPr>
+          <p:cNvSpPr>
+            <a:spLocks noGrp="1"/>
+          </p:cNvSpPr>
+          <p:nvPr>
+            <p:ph type="sldNum" idx="12"/>
+          </p:nvPr>
+        </p:nvSpPr>
+        <p:spPr/>
+        <p:txBody>
+          <a:bodyPr/>
+          <a:lstStyle/>
+          <a:p>
+            <a:pPr marL="0" lvl="0" indent="0" algn="r" rtl="0">
+              <a:spcBef>
+                <a:spcPts val="0"/>
+              </a:spcBef>
+              <a:spcAft>
+                <a:spcPts val="0"/>
+              </a:spcAft>
+              <a:buNone/>
+            </a:pPr>
+            <a:fld id="{00000000-1234-1234-1234-123412341234}" type="slidenum">
+              <a:rPr lang="ru" smtClean="0"/>
+              <a:t>4</a:t>
+            </a:fld>
+            <a:endParaRPr lang="ru"/>
+          </a:p>
+        </p:txBody>
+      </p:sp>
+    </p:spTree>
+  </p:cSld>
+  <p:clrMapOvr>
+    <a:masterClrMapping/>
+  </p:clrMapOvr>
+</p:sld>
+</file>
+
+<file path=ppt/slides/slide5.xml><?xml version="1.0" encoding="utf-8"?>
+<p:sld xmlns:a="http://schemas.openxmlformats.org/drawingml/2006/main" xmlns:r="http://schemas.openxmlformats.org/officeDocument/2006/relationships" xmlns:p="http://schemas.openxmlformats.org/presentationml/2006/main">
+  <p:cSld>
+    <p:spTree>
+      <p:nvGrpSpPr>
+        <p:cNvPr id="1" name="Shape 82"/>
+        <p:cNvGrpSpPr/>
+        <p:nvPr/>
+      </p:nvGrpSpPr>
+      <p:grpSpPr>
+        <a:xfrm>
+          <a:off x="0" y="0"/>
+          <a:ext cx="0" cy="0"/>
+          <a:chOff x="0" y="0"/>
+          <a:chExt cx="0" cy="0"/>
+        </a:xfrm>
+      </p:grpSpPr>
+      <p:sp>
+        <p:nvSpPr>
+          <p:cNvPr id="83" name="Google Shape;83;p17"/>
+          <p:cNvSpPr txBox="1">
+            <a:spLocks noGrp="1"/>
+          </p:cNvSpPr>
           <p:nvPr>
             <p:ph type="title"/>
           </p:nvPr>
@@ -6836,12 +7511,12 @@
           </a:prstGeom>
         </p:spPr>
         <p:txBody>
-          <a:bodyPr anchorCtr="0" anchor="t" bIns="91425" lIns="91425" spcFirstLastPara="1" rIns="91425" wrap="square" tIns="91425">
+          <a:bodyPr spcFirstLastPara="1" wrap="square" lIns="91425" tIns="91425" rIns="91425" bIns="91425" anchor="t" anchorCtr="0">
             <a:noAutofit/>
           </a:bodyPr>
           <a:lstStyle/>
           <a:p>
-            <a:pPr indent="0" lvl="0" marL="0" rtl="0" algn="ctr">
+            <a:pPr marL="0" lvl="0" indent="0" algn="ctr" rtl="0">
               <a:spcBef>
                 <a:spcPts val="0"/>
               </a:spcBef>
@@ -6858,25 +7533,7 @@
                 <a:cs typeface="Courier New"/>
                 <a:sym typeface="Courier New"/>
               </a:rPr>
-              <a:t>Пример деревьев с разным </a:t>
-            </a:r>
-            <a:r>
-              <a:rPr lang="ru" sz="3020">
-                <a:latin typeface="Courier New"/>
-                <a:ea typeface="Courier New"/>
-                <a:cs typeface="Courier New"/>
-                <a:sym typeface="Courier New"/>
-              </a:rPr>
-              <a:t>коэффициентом</a:t>
-            </a:r>
-            <a:r>
-              <a:rPr lang="ru" sz="3020">
-                <a:latin typeface="Courier New"/>
-                <a:ea typeface="Courier New"/>
-                <a:cs typeface="Courier New"/>
-                <a:sym typeface="Courier New"/>
-              </a:rPr>
-              <a:t> a</a:t>
+              <a:t>Пример деревьев с разным коэффициентом a</a:t>
             </a:r>
             <a:endParaRPr sz="3020">
               <a:latin typeface="Courier New"/>
@@ -6889,7 +7546,7 @@
       </p:sp>
       <p:pic>
         <p:nvPicPr>
-          <p:cNvPr id="113" name="Google Shape;113;p22"/>
+          <p:cNvPr id="84" name="Google Shape;84;p17"/>
           <p:cNvPicPr preferRelativeResize="0"/>
           <p:nvPr/>
         </p:nvPicPr>
@@ -6909,15 +7566,17 @@
           <a:prstGeom prst="rect">
             <a:avLst/>
           </a:prstGeom>
-          <a:noFill/>
           <a:ln>
             <a:noFill/>
           </a:ln>
+          <a:effectLst>
+            <a:softEdge rad="50800"/>
+          </a:effectLst>
         </p:spPr>
       </p:pic>
       <p:pic>
         <p:nvPicPr>
-          <p:cNvPr id="114" name="Google Shape;114;p22"/>
+          <p:cNvPr id="85" name="Google Shape;85;p17"/>
           <p:cNvPicPr preferRelativeResize="0"/>
           <p:nvPr/>
         </p:nvPicPr>
@@ -6937,15 +7596,17 @@
           <a:prstGeom prst="rect">
             <a:avLst/>
           </a:prstGeom>
-          <a:noFill/>
           <a:ln>
             <a:noFill/>
           </a:ln>
+          <a:effectLst>
+            <a:softEdge rad="101600"/>
+          </a:effectLst>
         </p:spPr>
       </p:pic>
       <p:pic>
         <p:nvPicPr>
-          <p:cNvPr id="115" name="Google Shape;115;p22"/>
+          <p:cNvPr id="86" name="Google Shape;86;p17"/>
           <p:cNvPicPr preferRelativeResize="0"/>
           <p:nvPr/>
         </p:nvPicPr>
@@ -6959,21 +7620,23 @@
         </p:blipFill>
         <p:spPr>
           <a:xfrm>
-            <a:off x="3650875" y="3311650"/>
+            <a:off x="3283552" y="3273775"/>
             <a:ext cx="3100148" cy="1703800"/>
           </a:xfrm>
           <a:prstGeom prst="rect">
             <a:avLst/>
           </a:prstGeom>
-          <a:noFill/>
           <a:ln>
             <a:noFill/>
           </a:ln>
+          <a:effectLst>
+            <a:softEdge rad="88900"/>
+          </a:effectLst>
         </p:spPr>
       </p:pic>
       <p:sp>
         <p:nvSpPr>
-          <p:cNvPr id="116" name="Google Shape;116;p22"/>
+          <p:cNvPr id="87" name="Google Shape;87;p17"/>
           <p:cNvSpPr txBox="1"/>
           <p:nvPr/>
         </p:nvSpPr>
@@ -6991,12 +7654,12 @@
           </a:ln>
         </p:spPr>
         <p:txBody>
-          <a:bodyPr anchorCtr="0" anchor="t" bIns="91425" lIns="91425" spcFirstLastPara="1" rIns="91425" wrap="square" tIns="91425">
+          <a:bodyPr spcFirstLastPara="1" wrap="square" lIns="91425" tIns="91425" rIns="91425" bIns="91425" anchor="t" anchorCtr="0">
             <a:spAutoFit/>
           </a:bodyPr>
           <a:lstStyle/>
           <a:p>
-            <a:pPr indent="0" lvl="0" marL="0" rtl="0" algn="l">
+            <a:pPr marL="0" lvl="0" indent="0" algn="l" rtl="0">
               <a:spcBef>
                 <a:spcPts val="0"/>
               </a:spcBef>
@@ -7007,31 +7670,31 @@
             </a:pPr>
             <a:r>
               <a:rPr lang="ru" sz="1800">
-                <a:latin typeface="Montserrat ExtraLight"/>
-                <a:ea typeface="Montserrat ExtraLight"/>
-                <a:cs typeface="Montserrat ExtraLight"/>
-                <a:sym typeface="Montserrat ExtraLight"/>
+                <a:latin typeface="Montserrat Medium"/>
+                <a:ea typeface="Montserrat Medium"/>
+                <a:cs typeface="Montserrat Medium"/>
+                <a:sym typeface="Montserrat Medium"/>
               </a:rPr>
               <a:t>a = 0,6</a:t>
             </a:r>
             <a:endParaRPr sz="1800">
-              <a:latin typeface="Montserrat ExtraLight"/>
-              <a:ea typeface="Montserrat ExtraLight"/>
-              <a:cs typeface="Montserrat ExtraLight"/>
-              <a:sym typeface="Montserrat ExtraLight"/>
+              <a:latin typeface="Montserrat Medium"/>
+              <a:ea typeface="Montserrat Medium"/>
+              <a:cs typeface="Montserrat Medium"/>
+              <a:sym typeface="Montserrat Medium"/>
             </a:endParaRPr>
           </a:p>
         </p:txBody>
       </p:sp>
       <p:sp>
         <p:nvSpPr>
-          <p:cNvPr id="117" name="Google Shape;117;p22"/>
+          <p:cNvPr id="88" name="Google Shape;88;p17"/>
           <p:cNvSpPr txBox="1"/>
           <p:nvPr/>
         </p:nvSpPr>
         <p:spPr>
           <a:xfrm>
-            <a:off x="3830000" y="4504800"/>
+            <a:off x="3048462" y="4515875"/>
             <a:ext cx="1121400" cy="461700"/>
           </a:xfrm>
           <a:prstGeom prst="rect">
@@ -7043,12 +7706,12 @@
           </a:ln>
         </p:spPr>
         <p:txBody>
-          <a:bodyPr anchorCtr="0" anchor="t" bIns="91425" lIns="91425" spcFirstLastPara="1" rIns="91425" wrap="square" tIns="91425">
+          <a:bodyPr spcFirstLastPara="1" wrap="square" lIns="91425" tIns="91425" rIns="91425" bIns="91425" anchor="t" anchorCtr="0">
             <a:spAutoFit/>
           </a:bodyPr>
           <a:lstStyle/>
           <a:p>
-            <a:pPr indent="0" lvl="0" marL="0" rtl="0" algn="l">
+            <a:pPr marL="0" lvl="0" indent="0" algn="l" rtl="0">
               <a:spcBef>
                 <a:spcPts val="0"/>
               </a:spcBef>
@@ -7058,26 +7721,26 @@
               <a:buNone/>
             </a:pPr>
             <a:r>
-              <a:rPr lang="ru" sz="1800">
-                <a:latin typeface="Montserrat ExtraLight"/>
-                <a:ea typeface="Montserrat ExtraLight"/>
-                <a:cs typeface="Montserrat ExtraLight"/>
-                <a:sym typeface="Montserrat ExtraLight"/>
+              <a:rPr lang="ru" sz="1800" dirty="0">
+                <a:latin typeface="Montserrat Medium"/>
+                <a:ea typeface="Montserrat Medium"/>
+                <a:cs typeface="Montserrat Medium"/>
+                <a:sym typeface="Montserrat Medium"/>
               </a:rPr>
               <a:t>a = 0,57</a:t>
             </a:r>
-            <a:endParaRPr sz="1800">
-              <a:latin typeface="Montserrat ExtraLight"/>
-              <a:ea typeface="Montserrat ExtraLight"/>
-              <a:cs typeface="Montserrat ExtraLight"/>
-              <a:sym typeface="Montserrat ExtraLight"/>
+            <a:endParaRPr sz="1800" dirty="0">
+              <a:latin typeface="Montserrat Medium"/>
+              <a:ea typeface="Montserrat Medium"/>
+              <a:cs typeface="Montserrat Medium"/>
+              <a:sym typeface="Montserrat Medium"/>
             </a:endParaRPr>
           </a:p>
         </p:txBody>
       </p:sp>
       <p:sp>
         <p:nvSpPr>
-          <p:cNvPr id="118" name="Google Shape;118;p22"/>
+          <p:cNvPr id="89" name="Google Shape;89;p17"/>
           <p:cNvSpPr txBox="1"/>
           <p:nvPr/>
         </p:nvSpPr>
@@ -7095,12 +7758,12 @@
           </a:ln>
         </p:spPr>
         <p:txBody>
-          <a:bodyPr anchorCtr="0" anchor="t" bIns="91425" lIns="91425" spcFirstLastPara="1" rIns="91425" wrap="square" tIns="91425">
+          <a:bodyPr spcFirstLastPara="1" wrap="square" lIns="91425" tIns="91425" rIns="91425" bIns="91425" anchor="t" anchorCtr="0">
             <a:spAutoFit/>
           </a:bodyPr>
           <a:lstStyle/>
           <a:p>
-            <a:pPr indent="0" lvl="0" marL="0" rtl="0" algn="l">
+            <a:pPr marL="0" lvl="0" indent="0" algn="l" rtl="0">
               <a:spcBef>
                 <a:spcPts val="0"/>
               </a:spcBef>
@@ -7111,19 +7774,57 @@
             </a:pPr>
             <a:r>
               <a:rPr lang="ru" sz="1800">
-                <a:latin typeface="Montserrat ExtraLight"/>
-                <a:ea typeface="Montserrat ExtraLight"/>
-                <a:cs typeface="Montserrat ExtraLight"/>
-                <a:sym typeface="Montserrat ExtraLight"/>
+                <a:latin typeface="Montserrat Medium"/>
+                <a:ea typeface="Montserrat Medium"/>
+                <a:cs typeface="Montserrat Medium"/>
+                <a:sym typeface="Montserrat Medium"/>
               </a:rPr>
               <a:t>a = 0,55</a:t>
             </a:r>
             <a:endParaRPr sz="1800">
-              <a:latin typeface="Montserrat ExtraLight"/>
-              <a:ea typeface="Montserrat ExtraLight"/>
-              <a:cs typeface="Montserrat ExtraLight"/>
-              <a:sym typeface="Montserrat ExtraLight"/>
+              <a:latin typeface="Montserrat Medium"/>
+              <a:ea typeface="Montserrat Medium"/>
+              <a:cs typeface="Montserrat Medium"/>
+              <a:sym typeface="Montserrat Medium"/>
             </a:endParaRPr>
+          </a:p>
+        </p:txBody>
+      </p:sp>
+      <p:sp>
+        <p:nvSpPr>
+          <p:cNvPr id="2" name="Номер слайда 1">
+            <a:extLst>
+              <a:ext uri="{FF2B5EF4-FFF2-40B4-BE49-F238E27FC236}">
+                <a16:creationId xmlns:a16="http://schemas.microsoft.com/office/drawing/2014/main" id="{9F93F732-BEE8-F71E-36BD-D269A4DA560D}"/>
+              </a:ext>
+            </a:extLst>
+          </p:cNvPr>
+          <p:cNvSpPr>
+            <a:spLocks noGrp="1"/>
+          </p:cNvSpPr>
+          <p:nvPr>
+            <p:ph type="sldNum" idx="12"/>
+          </p:nvPr>
+        </p:nvSpPr>
+        <p:spPr/>
+        <p:txBody>
+          <a:bodyPr/>
+          <a:lstStyle/>
+          <a:p>
+            <a:pPr marL="0" lvl="0" indent="0" algn="r" rtl="0">
+              <a:spcBef>
+                <a:spcPts val="0"/>
+              </a:spcBef>
+              <a:spcAft>
+                <a:spcPts val="0"/>
+              </a:spcAft>
+              <a:buNone/>
+            </a:pPr>
+            <a:fld id="{00000000-1234-1234-1234-123412341234}" type="slidenum">
+              <a:rPr lang="ru" smtClean="0"/>
+              <a:t>5</a:t>
+            </a:fld>
+            <a:endParaRPr lang="ru"/>
           </a:p>
         </p:txBody>
       </p:sp>
@@ -7135,12 +7836,12 @@
 </p:sld>
 </file>
 
-<file path=ppt/slides/slide11.xml><?xml version="1.0" encoding="utf-8"?>
-<p:sld xmlns:a="http://schemas.openxmlformats.org/drawingml/2006/main" xmlns:r="http://schemas.openxmlformats.org/officeDocument/2006/relationships" xmlns:mc="http://schemas.openxmlformats.org/markup-compatibility/2006" xmlns:mv="urn:schemas-microsoft-com:mac:vml" xmlns:p="http://schemas.openxmlformats.org/presentationml/2006/main" xmlns:c="http://schemas.openxmlformats.org/drawingml/2006/chart" xmlns:dgm="http://schemas.openxmlformats.org/drawingml/2006/diagram" xmlns:o="urn:schemas-microsoft-com:office:office" xmlns:v="urn:schemas-microsoft-com:vml" xmlns:pvml="urn:schemas-microsoft-com:office:powerpoint" xmlns:com="http://schemas.openxmlformats.org/drawingml/2006/compatibility" xmlns:p14="http://schemas.microsoft.com/office/powerpoint/2010/main" xmlns:p15="http://schemas.microsoft.com/office/powerpoint/2012/main" xmlns:ahyp="http://schemas.microsoft.com/office/drawing/2018/hyperlinkcolor">
+<file path=ppt/slides/slide6.xml><?xml version="1.0" encoding="utf-8"?>
+<p:sld xmlns:a="http://schemas.openxmlformats.org/drawingml/2006/main" xmlns:r="http://schemas.openxmlformats.org/officeDocument/2006/relationships" xmlns:p="http://schemas.openxmlformats.org/presentationml/2006/main">
   <p:cSld>
     <p:spTree>
       <p:nvGrpSpPr>
-        <p:cNvPr id="122" name="Shape 122"/>
+        <p:cNvPr id="1" name="Shape 93"/>
         <p:cNvGrpSpPr/>
         <p:nvPr/>
       </p:nvGrpSpPr>
@@ -7154,8 +7855,10 @@
       </p:grpSpPr>
       <p:sp>
         <p:nvSpPr>
-          <p:cNvPr id="123" name="Google Shape;123;p23"/>
-          <p:cNvSpPr txBox="1"/>
+          <p:cNvPr id="94" name="Google Shape;94;p18"/>
+          <p:cNvSpPr txBox="1">
+            <a:spLocks noGrp="1"/>
+          </p:cNvSpPr>
           <p:nvPr>
             <p:ph type="title"/>
           </p:nvPr>
@@ -7170,12 +7873,12 @@
           </a:prstGeom>
         </p:spPr>
         <p:txBody>
-          <a:bodyPr anchorCtr="0" anchor="t" bIns="91425" lIns="91425" spcFirstLastPara="1" rIns="91425" wrap="square" tIns="91425">
+          <a:bodyPr spcFirstLastPara="1" wrap="square" lIns="91425" tIns="91425" rIns="91425" bIns="91425" anchor="t" anchorCtr="0">
             <a:noAutofit/>
           </a:bodyPr>
           <a:lstStyle/>
           <a:p>
-            <a:pPr indent="0" lvl="0" marL="0" rtl="0" algn="ctr">
+            <a:pPr marL="0" lvl="0" indent="0" algn="ctr" rtl="0">
               <a:spcBef>
                 <a:spcPts val="0"/>
               </a:spcBef>
@@ -7192,7 +7895,7 @@
                 <a:cs typeface="Courier New"/>
                 <a:sym typeface="Courier New"/>
               </a:rPr>
-              <a:t>Что будет исследоваться</a:t>
+              <a:t>Описание реализации</a:t>
             </a:r>
             <a:endParaRPr sz="3020">
               <a:latin typeface="Courier New"/>
@@ -7205,48 +7908,48 @@
       </p:sp>
       <p:sp>
         <p:nvSpPr>
-          <p:cNvPr id="124" name="Google Shape;124;p23"/>
-          <p:cNvSpPr txBox="1"/>
+          <p:cNvPr id="95" name="Google Shape;95;p18"/>
+          <p:cNvSpPr txBox="1">
+            <a:spLocks noGrp="1"/>
+          </p:cNvSpPr>
           <p:nvPr>
-            <p:ph idx="1" type="body"/>
+            <p:ph type="body" idx="1"/>
           </p:nvPr>
         </p:nvSpPr>
         <p:spPr>
           <a:xfrm>
-            <a:off x="311700" y="1152475"/>
-            <a:ext cx="8520600" cy="3416400"/>
+            <a:off x="3895700" y="1152475"/>
+            <a:ext cx="4936500" cy="3416400"/>
           </a:xfrm>
           <a:prstGeom prst="rect">
             <a:avLst/>
           </a:prstGeom>
         </p:spPr>
         <p:txBody>
-          <a:bodyPr anchorCtr="0" anchor="t" bIns="91425" lIns="91425" spcFirstLastPara="1" rIns="91425" wrap="square" tIns="91425">
+          <a:bodyPr spcFirstLastPara="1" wrap="square" lIns="91425" tIns="91425" rIns="91425" bIns="91425" anchor="t" anchorCtr="0">
             <a:normAutofit/>
           </a:bodyPr>
           <a:lstStyle/>
           <a:p>
-            <a:pPr indent="-355600" lvl="0" marL="457200" rtl="0" algn="l">
-              <a:spcBef>
-                <a:spcPts val="0"/>
-              </a:spcBef>
-              <a:spcAft>
-                <a:spcPts val="0"/>
-              </a:spcAft>
-              <a:buSzPts val="2000"/>
-              <a:buFont typeface="Montserrat Light"/>
-              <a:buChar char="●"/>
+            <a:pPr marL="457200" lvl="0" indent="226800" algn="just" rtl="0">
+              <a:lnSpc>
+                <a:spcPct val="130000"/>
+              </a:lnSpc>
+              <a:spcBef>
+                <a:spcPts val="600"/>
+              </a:spcBef>
+              <a:spcAft>
+                <a:spcPts val="0"/>
+              </a:spcAft>
+              <a:buNone/>
             </a:pPr>
-            <a:r>
-              <a:rPr lang="ru" sz="2000">
-                <a:latin typeface="Montserrat Light"/>
-                <a:ea typeface="Montserrat Light"/>
-                <a:cs typeface="Montserrat Light"/>
-                <a:sym typeface="Montserrat Light"/>
-              </a:rPr>
-              <a:t>Скорость выполнения каждой операции</a:t>
-            </a:r>
-            <a:endParaRPr sz="2000">
+            <a:endParaRPr sz="2600">
+              <a:solidFill>
+                <a:srgbClr val="222222"/>
+              </a:solidFill>
+              <a:highlight>
+                <a:srgbClr val="FFFFFF"/>
+              </a:highlight>
               <a:latin typeface="Montserrat Light"/>
               <a:ea typeface="Montserrat Light"/>
               <a:cs typeface="Montserrat Light"/>
@@ -7254,60 +7957,73 @@
             </a:endParaRPr>
           </a:p>
           <a:p>
-            <a:pPr indent="-355600" lvl="0" marL="457200" rtl="0" algn="l">
-              <a:spcBef>
-                <a:spcPts val="0"/>
-              </a:spcBef>
-              <a:spcAft>
-                <a:spcPts val="0"/>
-              </a:spcAft>
-              <a:buSzPts val="2000"/>
-              <a:buFont typeface="Montserrat Light"/>
-              <a:buChar char="●"/>
+            <a:pPr marL="457200" lvl="0" indent="226800" algn="just" rtl="0">
+              <a:lnSpc>
+                <a:spcPct val="130000"/>
+              </a:lnSpc>
+              <a:spcBef>
+                <a:spcPts val="600"/>
+              </a:spcBef>
+              <a:spcAft>
+                <a:spcPts val="100"/>
+              </a:spcAft>
+              <a:buClr>
+                <a:schemeClr val="dk1"/>
+              </a:buClr>
+              <a:buSzPts val="1100"/>
+              <a:buFont typeface="Arial"/>
+              <a:buNone/>
             </a:pPr>
-            <a:r>
-              <a:rPr lang="ru" sz="2000">
-                <a:latin typeface="Montserrat Light"/>
-                <a:ea typeface="Montserrat Light"/>
-                <a:cs typeface="Montserrat Light"/>
-                <a:sym typeface="Montserrat Light"/>
-              </a:rPr>
-              <a:t>Затраты памяти</a:t>
-            </a:r>
             <a:endParaRPr sz="2000">
+              <a:solidFill>
+                <a:srgbClr val="222222"/>
+              </a:solidFill>
+              <a:highlight>
+                <a:srgbClr val="FFFFFF"/>
+              </a:highlight>
               <a:latin typeface="Montserrat Light"/>
               <a:ea typeface="Montserrat Light"/>
               <a:cs typeface="Montserrat Light"/>
               <a:sym typeface="Montserrat Light"/>
             </a:endParaRPr>
           </a:p>
+        </p:txBody>
+      </p:sp>
+      <p:sp>
+        <p:nvSpPr>
+          <p:cNvPr id="2" name="Номер слайда 1">
+            <a:extLst>
+              <a:ext uri="{FF2B5EF4-FFF2-40B4-BE49-F238E27FC236}">
+                <a16:creationId xmlns:a16="http://schemas.microsoft.com/office/drawing/2014/main" id="{E4A8E57E-9FF3-95E6-D8BD-DDDBBD3BDCD4}"/>
+              </a:ext>
+            </a:extLst>
+          </p:cNvPr>
+          <p:cNvSpPr>
+            <a:spLocks noGrp="1"/>
+          </p:cNvSpPr>
+          <p:nvPr>
+            <p:ph type="sldNum" idx="12"/>
+          </p:nvPr>
+        </p:nvSpPr>
+        <p:spPr/>
+        <p:txBody>
+          <a:bodyPr/>
+          <a:lstStyle/>
           <a:p>
-            <a:pPr indent="-355600" lvl="0" marL="457200" rtl="0" algn="l">
-              <a:spcBef>
-                <a:spcPts val="0"/>
-              </a:spcBef>
-              <a:spcAft>
-                <a:spcPts val="0"/>
-              </a:spcAft>
-              <a:buSzPts val="2000"/>
-              <a:buFont typeface="Montserrat Light"/>
-              <a:buChar char="●"/>
+            <a:pPr marL="0" lvl="0" indent="0" algn="r" rtl="0">
+              <a:spcBef>
+                <a:spcPts val="0"/>
+              </a:spcBef>
+              <a:spcAft>
+                <a:spcPts val="0"/>
+              </a:spcAft>
+              <a:buNone/>
             </a:pPr>
-            <a:r>
-              <a:rPr lang="ru" sz="2000">
-                <a:latin typeface="Montserrat Light"/>
-                <a:ea typeface="Montserrat Light"/>
-                <a:cs typeface="Montserrat Light"/>
-                <a:sym typeface="Montserrat Light"/>
-              </a:rPr>
-              <a:t>Качество выполнения операций</a:t>
-            </a:r>
-            <a:endParaRPr sz="2000">
-              <a:latin typeface="Montserrat Light"/>
-              <a:ea typeface="Montserrat Light"/>
-              <a:cs typeface="Montserrat Light"/>
-              <a:sym typeface="Montserrat Light"/>
-            </a:endParaRPr>
+            <a:fld id="{00000000-1234-1234-1234-123412341234}" type="slidenum">
+              <a:rPr lang="ru" smtClean="0"/>
+              <a:t>6</a:t>
+            </a:fld>
+            <a:endParaRPr lang="ru"/>
           </a:p>
         </p:txBody>
       </p:sp>
@@ -7319,12 +8035,12 @@
 </p:sld>
 </file>
 
-<file path=ppt/slides/slide12.xml><?xml version="1.0" encoding="utf-8"?>
-<p:sld xmlns:a="http://schemas.openxmlformats.org/drawingml/2006/main" xmlns:r="http://schemas.openxmlformats.org/officeDocument/2006/relationships" xmlns:mc="http://schemas.openxmlformats.org/markup-compatibility/2006" xmlns:mv="urn:schemas-microsoft-com:mac:vml" xmlns:p="http://schemas.openxmlformats.org/presentationml/2006/main" xmlns:c="http://schemas.openxmlformats.org/drawingml/2006/chart" xmlns:dgm="http://schemas.openxmlformats.org/drawingml/2006/diagram" xmlns:o="urn:schemas-microsoft-com:office:office" xmlns:v="urn:schemas-microsoft-com:vml" xmlns:pvml="urn:schemas-microsoft-com:office:powerpoint" xmlns:com="http://schemas.openxmlformats.org/drawingml/2006/compatibility" xmlns:p14="http://schemas.microsoft.com/office/powerpoint/2010/main" xmlns:p15="http://schemas.microsoft.com/office/powerpoint/2012/main" xmlns:ahyp="http://schemas.microsoft.com/office/drawing/2018/hyperlinkcolor">
+<file path=ppt/slides/slide7.xml><?xml version="1.0" encoding="utf-8"?>
+<p:sld xmlns:a="http://schemas.openxmlformats.org/drawingml/2006/main" xmlns:r="http://schemas.openxmlformats.org/officeDocument/2006/relationships" xmlns:p="http://schemas.openxmlformats.org/presentationml/2006/main">
   <p:cSld>
     <p:spTree>
       <p:nvGrpSpPr>
-        <p:cNvPr id="128" name="Shape 128"/>
+        <p:cNvPr id="1" name="Shape 106"/>
         <p:cNvGrpSpPr/>
         <p:nvPr/>
       </p:nvGrpSpPr>
@@ -7338,8 +8054,10 @@
       </p:grpSpPr>
       <p:sp>
         <p:nvSpPr>
-          <p:cNvPr id="129" name="Google Shape;129;p24"/>
-          <p:cNvSpPr txBox="1"/>
+          <p:cNvPr id="107" name="Google Shape;107;p20"/>
+          <p:cNvSpPr txBox="1">
+            <a:spLocks noGrp="1"/>
+          </p:cNvSpPr>
           <p:nvPr>
             <p:ph type="title"/>
           </p:nvPr>
@@ -7354,12 +8072,12 @@
           </a:prstGeom>
         </p:spPr>
         <p:txBody>
-          <a:bodyPr anchorCtr="0" anchor="t" bIns="91425" lIns="91425" spcFirstLastPara="1" rIns="91425" wrap="square" tIns="91425">
+          <a:bodyPr spcFirstLastPara="1" wrap="square" lIns="91425" tIns="91425" rIns="91425" bIns="91425" anchor="t" anchorCtr="0">
             <a:noAutofit/>
           </a:bodyPr>
           <a:lstStyle/>
           <a:p>
-            <a:pPr indent="0" lvl="0" marL="0" rtl="0" algn="ctr">
+            <a:pPr marL="0" lvl="0" indent="0" algn="ctr" rtl="0">
               <a:spcBef>
                 <a:spcPts val="0"/>
               </a:spcBef>
@@ -7376,7 +8094,7 @@
                 <a:cs typeface="Courier New"/>
                 <a:sym typeface="Courier New"/>
               </a:rPr>
-              <a:t>Результаты тестирования</a:t>
+              <a:t>Тестирование и анализ</a:t>
             </a:r>
             <a:endParaRPr sz="3020">
               <a:latin typeface="Courier New"/>
@@ -7389,10 +8107,12 @@
       </p:sp>
       <p:sp>
         <p:nvSpPr>
-          <p:cNvPr id="130" name="Google Shape;130;p24"/>
-          <p:cNvSpPr txBox="1"/>
+          <p:cNvPr id="108" name="Google Shape;108;p20"/>
+          <p:cNvSpPr txBox="1">
+            <a:spLocks noGrp="1"/>
+          </p:cNvSpPr>
           <p:nvPr>
-            <p:ph idx="1" type="body"/>
+            <p:ph type="body" idx="1"/>
           </p:nvPr>
         </p:nvSpPr>
         <p:spPr>
@@ -7405,12 +8125,12 @@
           </a:prstGeom>
         </p:spPr>
         <p:txBody>
-          <a:bodyPr anchorCtr="0" anchor="t" bIns="91425" lIns="91425" spcFirstLastPara="1" rIns="91425" wrap="square" tIns="91425">
+          <a:bodyPr spcFirstLastPara="1" wrap="square" lIns="91425" tIns="91425" rIns="91425" bIns="91425" anchor="t" anchorCtr="0">
             <a:normAutofit/>
           </a:bodyPr>
           <a:lstStyle/>
           <a:p>
-            <a:pPr indent="0" lvl="0" marL="0" rtl="0" algn="l">
+            <a:pPr marL="0" lvl="0" indent="0" algn="l" rtl="0">
               <a:spcBef>
                 <a:spcPts val="0"/>
               </a:spcBef>
@@ -7419,10 +8139,45 @@
               </a:spcAft>
               <a:buNone/>
             </a:pPr>
-            <a:r>
-              <a:t/>
-            </a:r>
             <a:endParaRPr/>
+          </a:p>
+        </p:txBody>
+      </p:sp>
+      <p:sp>
+        <p:nvSpPr>
+          <p:cNvPr id="2" name="Номер слайда 1">
+            <a:extLst>
+              <a:ext uri="{FF2B5EF4-FFF2-40B4-BE49-F238E27FC236}">
+                <a16:creationId xmlns:a16="http://schemas.microsoft.com/office/drawing/2014/main" id="{17BDF305-71EC-218A-2B6E-C9D5196A3221}"/>
+              </a:ext>
+            </a:extLst>
+          </p:cNvPr>
+          <p:cNvSpPr>
+            <a:spLocks noGrp="1"/>
+          </p:cNvSpPr>
+          <p:nvPr>
+            <p:ph type="sldNum" idx="12"/>
+          </p:nvPr>
+        </p:nvSpPr>
+        <p:spPr/>
+        <p:txBody>
+          <a:bodyPr/>
+          <a:lstStyle/>
+          <a:p>
+            <a:pPr marL="0" lvl="0" indent="0" algn="r" rtl="0">
+              <a:spcBef>
+                <a:spcPts val="0"/>
+              </a:spcBef>
+              <a:spcAft>
+                <a:spcPts val="0"/>
+              </a:spcAft>
+              <a:buNone/>
+            </a:pPr>
+            <a:fld id="{00000000-1234-1234-1234-123412341234}" type="slidenum">
+              <a:rPr lang="ru" smtClean="0"/>
+              <a:t>7</a:t>
+            </a:fld>
+            <a:endParaRPr lang="ru"/>
           </a:p>
         </p:txBody>
       </p:sp>
@@ -7434,12 +8189,12 @@
 </p:sld>
 </file>
 
-<file path=ppt/slides/slide13.xml><?xml version="1.0" encoding="utf-8"?>
-<p:sld xmlns:a="http://schemas.openxmlformats.org/drawingml/2006/main" xmlns:r="http://schemas.openxmlformats.org/officeDocument/2006/relationships" xmlns:mc="http://schemas.openxmlformats.org/markup-compatibility/2006" xmlns:mv="urn:schemas-microsoft-com:mac:vml" xmlns:p="http://schemas.openxmlformats.org/presentationml/2006/main" xmlns:c="http://schemas.openxmlformats.org/drawingml/2006/chart" xmlns:dgm="http://schemas.openxmlformats.org/drawingml/2006/diagram" xmlns:o="urn:schemas-microsoft-com:office:office" xmlns:v="urn:schemas-microsoft-com:vml" xmlns:pvml="urn:schemas-microsoft-com:office:powerpoint" xmlns:com="http://schemas.openxmlformats.org/drawingml/2006/compatibility" xmlns:p14="http://schemas.microsoft.com/office/powerpoint/2010/main" xmlns:p15="http://schemas.microsoft.com/office/powerpoint/2012/main" xmlns:ahyp="http://schemas.microsoft.com/office/drawing/2018/hyperlinkcolor">
+<file path=ppt/slides/slide8.xml><?xml version="1.0" encoding="utf-8"?>
+<p:sld xmlns:a="http://schemas.openxmlformats.org/drawingml/2006/main" xmlns:r="http://schemas.openxmlformats.org/officeDocument/2006/relationships" xmlns:p="http://schemas.openxmlformats.org/presentationml/2006/main">
   <p:cSld>
     <p:spTree>
       <p:nvGrpSpPr>
-        <p:cNvPr id="134" name="Shape 134"/>
+        <p:cNvPr id="1" name="Shape 112"/>
         <p:cNvGrpSpPr/>
         <p:nvPr/>
       </p:nvGrpSpPr>
@@ -7453,8 +8208,10 @@
       </p:grpSpPr>
       <p:sp>
         <p:nvSpPr>
-          <p:cNvPr id="135" name="Google Shape;135;p25"/>
-          <p:cNvSpPr txBox="1"/>
+          <p:cNvPr id="113" name="Google Shape;113;p21"/>
+          <p:cNvSpPr txBox="1">
+            <a:spLocks noGrp="1"/>
+          </p:cNvSpPr>
           <p:nvPr>
             <p:ph type="title"/>
           </p:nvPr>
@@ -7469,12 +8226,12 @@
           </a:prstGeom>
         </p:spPr>
         <p:txBody>
-          <a:bodyPr anchorCtr="0" anchor="t" bIns="91425" lIns="91425" spcFirstLastPara="1" rIns="91425" wrap="square" tIns="91425">
+          <a:bodyPr spcFirstLastPara="1" wrap="square" lIns="91425" tIns="91425" rIns="91425" bIns="91425" anchor="t" anchorCtr="0">
             <a:noAutofit/>
           </a:bodyPr>
           <a:lstStyle/>
           <a:p>
-            <a:pPr indent="0" lvl="0" marL="0" rtl="0" algn="ctr">
+            <a:pPr marL="0" lvl="0" indent="0" algn="ctr" rtl="0">
               <a:spcBef>
                 <a:spcPts val="0"/>
               </a:spcBef>
@@ -7504,10 +8261,12 @@
       </p:sp>
       <p:sp>
         <p:nvSpPr>
-          <p:cNvPr id="136" name="Google Shape;136;p25"/>
-          <p:cNvSpPr txBox="1"/>
+          <p:cNvPr id="114" name="Google Shape;114;p21"/>
+          <p:cNvSpPr txBox="1">
+            <a:spLocks noGrp="1"/>
+          </p:cNvSpPr>
           <p:nvPr>
-            <p:ph idx="1" type="body"/>
+            <p:ph type="body" idx="1"/>
           </p:nvPr>
         </p:nvSpPr>
         <p:spPr>
@@ -7520,12 +8279,12 @@
           </a:prstGeom>
         </p:spPr>
         <p:txBody>
-          <a:bodyPr anchorCtr="0" anchor="t" bIns="91425" lIns="91425" spcFirstLastPara="1" rIns="91425" wrap="square" tIns="91425">
+          <a:bodyPr spcFirstLastPara="1" wrap="square" lIns="91425" tIns="91425" rIns="91425" bIns="91425" anchor="t" anchorCtr="0">
             <a:normAutofit/>
           </a:bodyPr>
           <a:lstStyle/>
           <a:p>
-            <a:pPr indent="0" lvl="0" marL="0" rtl="0" algn="l">
+            <a:pPr marL="0" lvl="0" indent="0" algn="l" rtl="0">
               <a:spcBef>
                 <a:spcPts val="0"/>
               </a:spcBef>
@@ -7534,697 +8293,7 @@
               </a:spcAft>
               <a:buNone/>
             </a:pPr>
-            <a:r>
-              <a:t/>
-            </a:r>
-            <a:endParaRPr/>
-          </a:p>
-        </p:txBody>
-      </p:sp>
-    </p:spTree>
-  </p:cSld>
-  <p:clrMapOvr>
-    <a:masterClrMapping/>
-  </p:clrMapOvr>
-</p:sld>
-</file>
-
-<file path=ppt/slides/slide2.xml><?xml version="1.0" encoding="utf-8"?>
-<p:sld xmlns:a="http://schemas.openxmlformats.org/drawingml/2006/main" xmlns:r="http://schemas.openxmlformats.org/officeDocument/2006/relationships" xmlns:mc="http://schemas.openxmlformats.org/markup-compatibility/2006" xmlns:mv="urn:schemas-microsoft-com:mac:vml" xmlns:p="http://schemas.openxmlformats.org/presentationml/2006/main" xmlns:c="http://schemas.openxmlformats.org/drawingml/2006/chart" xmlns:dgm="http://schemas.openxmlformats.org/drawingml/2006/diagram" xmlns:o="urn:schemas-microsoft-com:office:office" xmlns:v="urn:schemas-microsoft-com:vml" xmlns:pvml="urn:schemas-microsoft-com:office:powerpoint" xmlns:com="http://schemas.openxmlformats.org/drawingml/2006/compatibility" xmlns:p14="http://schemas.microsoft.com/office/powerpoint/2010/main" xmlns:p15="http://schemas.microsoft.com/office/powerpoint/2012/main" xmlns:ahyp="http://schemas.microsoft.com/office/drawing/2018/hyperlinkcolor">
-  <p:cSld>
-    <p:spTree>
-      <p:nvGrpSpPr>
-        <p:cNvPr id="59" name="Shape 59"/>
-        <p:cNvGrpSpPr/>
-        <p:nvPr/>
-      </p:nvGrpSpPr>
-      <p:grpSpPr>
-        <a:xfrm>
-          <a:off x="0" y="0"/>
-          <a:ext cx="0" cy="0"/>
-          <a:chOff x="0" y="0"/>
-          <a:chExt cx="0" cy="0"/>
-        </a:xfrm>
-      </p:grpSpPr>
-      <p:sp>
-        <p:nvSpPr>
-          <p:cNvPr id="60" name="Google Shape;60;p14"/>
-          <p:cNvSpPr txBox="1"/>
-          <p:nvPr>
-            <p:ph type="title"/>
-          </p:nvPr>
-        </p:nvSpPr>
-        <p:spPr>
-          <a:xfrm>
-            <a:off x="311700" y="445025"/>
-            <a:ext cx="8520600" cy="572700"/>
-          </a:xfrm>
-          <a:prstGeom prst="rect">
-            <a:avLst/>
-          </a:prstGeom>
-        </p:spPr>
-        <p:txBody>
-          <a:bodyPr anchorCtr="0" anchor="t" bIns="91425" lIns="91425" spcFirstLastPara="1" rIns="91425" wrap="square" tIns="91425">
-            <a:noAutofit/>
-          </a:bodyPr>
-          <a:lstStyle/>
-          <a:p>
-            <a:pPr indent="0" lvl="0" marL="0" rtl="0" algn="ctr">
-              <a:spcBef>
-                <a:spcPts val="0"/>
-              </a:spcBef>
-              <a:spcAft>
-                <a:spcPts val="0"/>
-              </a:spcAft>
-              <a:buSzPts val="990"/>
-              <a:buNone/>
-            </a:pPr>
-            <a:r>
-              <a:rPr lang="ru" sz="3020">
-                <a:latin typeface="Courier New"/>
-                <a:ea typeface="Courier New"/>
-                <a:cs typeface="Courier New"/>
-                <a:sym typeface="Courier New"/>
-              </a:rPr>
-              <a:t>Аннотация</a:t>
-            </a:r>
-            <a:endParaRPr sz="3020">
-              <a:latin typeface="Courier New"/>
-              <a:ea typeface="Courier New"/>
-              <a:cs typeface="Courier New"/>
-              <a:sym typeface="Courier New"/>
-            </a:endParaRPr>
-          </a:p>
-        </p:txBody>
-      </p:sp>
-      <p:sp>
-        <p:nvSpPr>
-          <p:cNvPr id="61" name="Google Shape;61;p14"/>
-          <p:cNvSpPr txBox="1"/>
-          <p:nvPr>
-            <p:ph idx="1" type="body"/>
-          </p:nvPr>
-        </p:nvSpPr>
-        <p:spPr>
-          <a:xfrm>
-            <a:off x="311700" y="1152475"/>
-            <a:ext cx="8520600" cy="3416400"/>
-          </a:xfrm>
-          <a:prstGeom prst="rect">
-            <a:avLst/>
-          </a:prstGeom>
-        </p:spPr>
-        <p:txBody>
-          <a:bodyPr anchorCtr="0" anchor="t" bIns="91425" lIns="91425" spcFirstLastPara="1" rIns="91425" wrap="square" tIns="91425">
-            <a:normAutofit/>
-          </a:bodyPr>
-          <a:lstStyle/>
-          <a:p>
-            <a:pPr indent="0" lvl="0" marL="0" rtl="0" algn="just">
-              <a:lnSpc>
-                <a:spcPct val="130000"/>
-              </a:lnSpc>
-              <a:spcBef>
-                <a:spcPts val="600"/>
-              </a:spcBef>
-              <a:spcAft>
-                <a:spcPts val="100"/>
-              </a:spcAft>
-              <a:buNone/>
-            </a:pPr>
-            <a:r>
-              <a:rPr lang="ru" sz="2000">
-                <a:solidFill>
-                  <a:srgbClr val="222222"/>
-                </a:solidFill>
-                <a:highlight>
-                  <a:srgbClr val="FFFFFF"/>
-                </a:highlight>
-                <a:latin typeface="Montserrat Light"/>
-                <a:ea typeface="Montserrat Light"/>
-                <a:cs typeface="Montserrat Light"/>
-                <a:sym typeface="Montserrat Light"/>
-              </a:rPr>
-              <a:t>Scapegoat Tree — структура данных, представляющая собой частично сбалансированное дерево поиска, такое что операции поиска, вставки и удаления работают за O(log n), при этом скорость одной операции может быть улучшена в ущерб другой.</a:t>
-            </a:r>
-            <a:endParaRPr sz="2000"/>
-          </a:p>
-        </p:txBody>
-      </p:sp>
-    </p:spTree>
-  </p:cSld>
-  <p:clrMapOvr>
-    <a:masterClrMapping/>
-  </p:clrMapOvr>
-</p:sld>
-</file>
-
-<file path=ppt/slides/slide3.xml><?xml version="1.0" encoding="utf-8"?>
-<p:sld xmlns:a="http://schemas.openxmlformats.org/drawingml/2006/main" xmlns:r="http://schemas.openxmlformats.org/officeDocument/2006/relationships" xmlns:mc="http://schemas.openxmlformats.org/markup-compatibility/2006" xmlns:mv="urn:schemas-microsoft-com:mac:vml" xmlns:p="http://schemas.openxmlformats.org/presentationml/2006/main" xmlns:c="http://schemas.openxmlformats.org/drawingml/2006/chart" xmlns:dgm="http://schemas.openxmlformats.org/drawingml/2006/diagram" xmlns:o="urn:schemas-microsoft-com:office:office" xmlns:v="urn:schemas-microsoft-com:vml" xmlns:pvml="urn:schemas-microsoft-com:office:powerpoint" xmlns:com="http://schemas.openxmlformats.org/drawingml/2006/compatibility" xmlns:p14="http://schemas.microsoft.com/office/powerpoint/2010/main" xmlns:p15="http://schemas.microsoft.com/office/powerpoint/2012/main" xmlns:ahyp="http://schemas.microsoft.com/office/drawing/2018/hyperlinkcolor">
-  <p:cSld>
-    <p:spTree>
-      <p:nvGrpSpPr>
-        <p:cNvPr id="65" name="Shape 65"/>
-        <p:cNvGrpSpPr/>
-        <p:nvPr/>
-      </p:nvGrpSpPr>
-      <p:grpSpPr>
-        <a:xfrm>
-          <a:off x="0" y="0"/>
-          <a:ext cx="0" cy="0"/>
-          <a:chOff x="0" y="0"/>
-          <a:chExt cx="0" cy="0"/>
-        </a:xfrm>
-      </p:grpSpPr>
-      <p:sp>
-        <p:nvSpPr>
-          <p:cNvPr id="66" name="Google Shape;66;p15"/>
-          <p:cNvSpPr txBox="1"/>
-          <p:nvPr>
-            <p:ph type="title"/>
-          </p:nvPr>
-        </p:nvSpPr>
-        <p:spPr>
-          <a:xfrm>
-            <a:off x="311700" y="445025"/>
-            <a:ext cx="8520600" cy="572700"/>
-          </a:xfrm>
-          <a:prstGeom prst="rect">
-            <a:avLst/>
-          </a:prstGeom>
-        </p:spPr>
-        <p:txBody>
-          <a:bodyPr anchorCtr="0" anchor="t" bIns="91425" lIns="91425" spcFirstLastPara="1" rIns="91425" wrap="square" tIns="91425">
-            <a:noAutofit/>
-          </a:bodyPr>
-          <a:lstStyle/>
-          <a:p>
-            <a:pPr indent="0" lvl="0" marL="0" rtl="0" algn="ctr">
-              <a:spcBef>
-                <a:spcPts val="0"/>
-              </a:spcBef>
-              <a:spcAft>
-                <a:spcPts val="0"/>
-              </a:spcAft>
-              <a:buSzPts val="990"/>
-              <a:buNone/>
-            </a:pPr>
-            <a:r>
-              <a:rPr lang="ru" sz="3020">
-                <a:latin typeface="Courier New"/>
-                <a:ea typeface="Courier New"/>
-                <a:cs typeface="Courier New"/>
-                <a:sym typeface="Courier New"/>
-              </a:rPr>
-              <a:t>Актуальность исследования</a:t>
-            </a:r>
-            <a:endParaRPr sz="3020">
-              <a:latin typeface="Courier New"/>
-              <a:ea typeface="Courier New"/>
-              <a:cs typeface="Courier New"/>
-              <a:sym typeface="Courier New"/>
-            </a:endParaRPr>
-          </a:p>
-        </p:txBody>
-      </p:sp>
-      <p:sp>
-        <p:nvSpPr>
-          <p:cNvPr id="67" name="Google Shape;67;p15"/>
-          <p:cNvSpPr txBox="1"/>
-          <p:nvPr>
-            <p:ph idx="1" type="body"/>
-          </p:nvPr>
-        </p:nvSpPr>
-        <p:spPr>
-          <a:xfrm>
-            <a:off x="311700" y="1152475"/>
-            <a:ext cx="8520600" cy="3416400"/>
-          </a:xfrm>
-          <a:prstGeom prst="rect">
-            <a:avLst/>
-          </a:prstGeom>
-        </p:spPr>
-        <p:txBody>
-          <a:bodyPr anchorCtr="0" anchor="t" bIns="91425" lIns="91425" spcFirstLastPara="1" rIns="91425" wrap="square" tIns="91425">
-            <a:normAutofit/>
-          </a:bodyPr>
-          <a:lstStyle/>
-          <a:p>
-            <a:pPr indent="0" lvl="0" marL="0" rtl="0" algn="l">
-              <a:spcBef>
-                <a:spcPts val="0"/>
-              </a:spcBef>
-              <a:spcAft>
-                <a:spcPts val="0"/>
-              </a:spcAft>
-              <a:buNone/>
-            </a:pPr>
-            <a:r>
-              <a:rPr lang="ru" sz="2000">
-                <a:latin typeface="Montserrat Light"/>
-                <a:ea typeface="Montserrat Light"/>
-                <a:cs typeface="Montserrat Light"/>
-                <a:sym typeface="Montserrat Light"/>
-              </a:rPr>
-              <a:t>Алгоритм использует мало памяти и имеет возможность сокращения времени выполнения некоторых операций.Но найти в Интернете русскоязычные источники с полной информацией об ScapeGoat дереве и его реализации достаточно сложно.  </a:t>
-            </a:r>
             <a:endParaRPr sz="2000">
-              <a:latin typeface="Montserrat Light"/>
-              <a:ea typeface="Montserrat Light"/>
-              <a:cs typeface="Montserrat Light"/>
-              <a:sym typeface="Montserrat Light"/>
-            </a:endParaRPr>
-          </a:p>
-          <a:p>
-            <a:pPr indent="0" lvl="0" marL="0" rtl="0" algn="l">
-              <a:spcBef>
-                <a:spcPts val="1200"/>
-              </a:spcBef>
-              <a:spcAft>
-                <a:spcPts val="1200"/>
-              </a:spcAft>
-              <a:buNone/>
-            </a:pPr>
-            <a:r>
-              <a:t/>
-            </a:r>
-            <a:endParaRPr sz="2000"/>
-          </a:p>
-        </p:txBody>
-      </p:sp>
-    </p:spTree>
-  </p:cSld>
-  <p:clrMapOvr>
-    <a:masterClrMapping/>
-  </p:clrMapOvr>
-</p:sld>
-</file>
-
-<file path=ppt/slides/slide4.xml><?xml version="1.0" encoding="utf-8"?>
-<p:sld xmlns:a="http://schemas.openxmlformats.org/drawingml/2006/main" xmlns:r="http://schemas.openxmlformats.org/officeDocument/2006/relationships" xmlns:mc="http://schemas.openxmlformats.org/markup-compatibility/2006" xmlns:mv="urn:schemas-microsoft-com:mac:vml" xmlns:p="http://schemas.openxmlformats.org/presentationml/2006/main" xmlns:c="http://schemas.openxmlformats.org/drawingml/2006/chart" xmlns:dgm="http://schemas.openxmlformats.org/drawingml/2006/diagram" xmlns:o="urn:schemas-microsoft-com:office:office" xmlns:v="urn:schemas-microsoft-com:vml" xmlns:pvml="urn:schemas-microsoft-com:office:powerpoint" xmlns:com="http://schemas.openxmlformats.org/drawingml/2006/compatibility" xmlns:p14="http://schemas.microsoft.com/office/powerpoint/2010/main" xmlns:p15="http://schemas.microsoft.com/office/powerpoint/2012/main" xmlns:ahyp="http://schemas.microsoft.com/office/drawing/2018/hyperlinkcolor">
-  <p:cSld>
-    <p:spTree>
-      <p:nvGrpSpPr>
-        <p:cNvPr id="71" name="Shape 71"/>
-        <p:cNvGrpSpPr/>
-        <p:nvPr/>
-      </p:nvGrpSpPr>
-      <p:grpSpPr>
-        <a:xfrm>
-          <a:off x="0" y="0"/>
-          <a:ext cx="0" cy="0"/>
-          <a:chOff x="0" y="0"/>
-          <a:chExt cx="0" cy="0"/>
-        </a:xfrm>
-      </p:grpSpPr>
-      <p:sp>
-        <p:nvSpPr>
-          <p:cNvPr id="72" name="Google Shape;72;p16"/>
-          <p:cNvSpPr txBox="1"/>
-          <p:nvPr>
-            <p:ph type="title"/>
-          </p:nvPr>
-        </p:nvSpPr>
-        <p:spPr>
-          <a:xfrm>
-            <a:off x="311700" y="445025"/>
-            <a:ext cx="8520600" cy="572700"/>
-          </a:xfrm>
-          <a:prstGeom prst="rect">
-            <a:avLst/>
-          </a:prstGeom>
-        </p:spPr>
-        <p:txBody>
-          <a:bodyPr anchorCtr="0" anchor="t" bIns="91425" lIns="91425" spcFirstLastPara="1" rIns="91425" wrap="square" tIns="91425">
-            <a:noAutofit/>
-          </a:bodyPr>
-          <a:lstStyle/>
-          <a:p>
-            <a:pPr indent="0" lvl="0" marL="0" rtl="0" algn="ctr">
-              <a:spcBef>
-                <a:spcPts val="0"/>
-              </a:spcBef>
-              <a:spcAft>
-                <a:spcPts val="0"/>
-              </a:spcAft>
-              <a:buSzPts val="990"/>
-              <a:buNone/>
-            </a:pPr>
-            <a:r>
-              <a:rPr lang="ru" sz="3020">
-                <a:latin typeface="Courier New"/>
-                <a:ea typeface="Courier New"/>
-                <a:cs typeface="Courier New"/>
-                <a:sym typeface="Courier New"/>
-              </a:rPr>
-              <a:t>План работы</a:t>
-            </a:r>
-            <a:endParaRPr sz="3020">
-              <a:latin typeface="Courier New"/>
-              <a:ea typeface="Courier New"/>
-              <a:cs typeface="Courier New"/>
-              <a:sym typeface="Courier New"/>
-            </a:endParaRPr>
-          </a:p>
-        </p:txBody>
-      </p:sp>
-      <p:sp>
-        <p:nvSpPr>
-          <p:cNvPr id="73" name="Google Shape;73;p16"/>
-          <p:cNvSpPr txBox="1"/>
-          <p:nvPr>
-            <p:ph idx="1" type="body"/>
-          </p:nvPr>
-        </p:nvSpPr>
-        <p:spPr>
-          <a:xfrm>
-            <a:off x="311700" y="1152475"/>
-            <a:ext cx="8520600" cy="3416400"/>
-          </a:xfrm>
-          <a:prstGeom prst="rect">
-            <a:avLst/>
-          </a:prstGeom>
-        </p:spPr>
-        <p:txBody>
-          <a:bodyPr anchorCtr="0" anchor="t" bIns="91425" lIns="91425" spcFirstLastPara="1" rIns="91425" wrap="square" tIns="91425">
-            <a:normAutofit/>
-          </a:bodyPr>
-          <a:lstStyle/>
-          <a:p>
-            <a:pPr indent="-355600" lvl="0" marL="457200" rtl="0" algn="l">
-              <a:spcBef>
-                <a:spcPts val="0"/>
-              </a:spcBef>
-              <a:spcAft>
-                <a:spcPts val="0"/>
-              </a:spcAft>
-              <a:buClr>
-                <a:srgbClr val="222222"/>
-              </a:buClr>
-              <a:buSzPts val="2000"/>
-              <a:buFont typeface="Montserrat Light"/>
-              <a:buAutoNum type="arabicPeriod"/>
-            </a:pPr>
-            <a:r>
-              <a:rPr lang="ru" sz="2000">
-                <a:solidFill>
-                  <a:srgbClr val="222222"/>
-                </a:solidFill>
-                <a:highlight>
-                  <a:srgbClr val="FFFFFF"/>
-                </a:highlight>
-                <a:latin typeface="Montserrat Light"/>
-                <a:ea typeface="Montserrat Light"/>
-                <a:cs typeface="Montserrat Light"/>
-                <a:sym typeface="Montserrat Light"/>
-              </a:rPr>
-              <a:t>Найти и проанализировать различные русскоязычные и англоязычные источники. Реализовать алгоритм ScapeGoat Tree и описать его в форме научного доклада</a:t>
-            </a:r>
-            <a:endParaRPr sz="2000">
-              <a:solidFill>
-                <a:srgbClr val="222222"/>
-              </a:solidFill>
-              <a:highlight>
-                <a:srgbClr val="FFFFFF"/>
-              </a:highlight>
-              <a:latin typeface="Montserrat Light"/>
-              <a:ea typeface="Montserrat Light"/>
-              <a:cs typeface="Montserrat Light"/>
-              <a:sym typeface="Montserrat Light"/>
-            </a:endParaRPr>
-          </a:p>
-          <a:p>
-            <a:pPr indent="-355600" lvl="0" marL="457200" rtl="0" algn="l">
-              <a:spcBef>
-                <a:spcPts val="0"/>
-              </a:spcBef>
-              <a:spcAft>
-                <a:spcPts val="0"/>
-              </a:spcAft>
-              <a:buClr>
-                <a:srgbClr val="222222"/>
-              </a:buClr>
-              <a:buSzPts val="2000"/>
-              <a:buFont typeface="Montserrat Light"/>
-              <a:buAutoNum type="arabicPeriod"/>
-            </a:pPr>
-            <a:r>
-              <a:rPr lang="ru" sz="2000">
-                <a:solidFill>
-                  <a:srgbClr val="222222"/>
-                </a:solidFill>
-                <a:highlight>
-                  <a:srgbClr val="FFFFFF"/>
-                </a:highlight>
-                <a:latin typeface="Montserrat Light"/>
-                <a:ea typeface="Montserrat Light"/>
-                <a:cs typeface="Montserrat Light"/>
-                <a:sym typeface="Montserrat Light"/>
-              </a:rPr>
-              <a:t>Реализовать алгоритм</a:t>
-            </a:r>
-            <a:endParaRPr sz="2000">
-              <a:solidFill>
-                <a:srgbClr val="222222"/>
-              </a:solidFill>
-              <a:highlight>
-                <a:srgbClr val="FFFFFF"/>
-              </a:highlight>
-              <a:latin typeface="Montserrat Light"/>
-              <a:ea typeface="Montserrat Light"/>
-              <a:cs typeface="Montserrat Light"/>
-              <a:sym typeface="Montserrat Light"/>
-            </a:endParaRPr>
-          </a:p>
-          <a:p>
-            <a:pPr indent="-355600" lvl="0" marL="457200" rtl="0" algn="l">
-              <a:spcBef>
-                <a:spcPts val="0"/>
-              </a:spcBef>
-              <a:spcAft>
-                <a:spcPts val="0"/>
-              </a:spcAft>
-              <a:buClr>
-                <a:srgbClr val="222222"/>
-              </a:buClr>
-              <a:buSzPts val="2000"/>
-              <a:buFont typeface="Montserrat Light"/>
-              <a:buAutoNum type="arabicPeriod"/>
-            </a:pPr>
-            <a:r>
-              <a:rPr lang="ru" sz="2000">
-                <a:solidFill>
-                  <a:srgbClr val="222222"/>
-                </a:solidFill>
-                <a:highlight>
-                  <a:srgbClr val="FFFFFF"/>
-                </a:highlight>
-                <a:latin typeface="Montserrat Light"/>
-                <a:ea typeface="Montserrat Light"/>
-                <a:cs typeface="Montserrat Light"/>
-                <a:sym typeface="Montserrat Light"/>
-              </a:rPr>
-              <a:t>Написать тесты для анализа производительности алгоритма</a:t>
-            </a:r>
-            <a:endParaRPr sz="2000">
-              <a:solidFill>
-                <a:srgbClr val="222222"/>
-              </a:solidFill>
-              <a:highlight>
-                <a:srgbClr val="FFFFFF"/>
-              </a:highlight>
-              <a:latin typeface="Montserrat Light"/>
-              <a:ea typeface="Montserrat Light"/>
-              <a:cs typeface="Montserrat Light"/>
-              <a:sym typeface="Montserrat Light"/>
-            </a:endParaRPr>
-          </a:p>
-          <a:p>
-            <a:pPr indent="-355600" lvl="0" marL="457200" rtl="0" algn="l">
-              <a:spcBef>
-                <a:spcPts val="0"/>
-              </a:spcBef>
-              <a:spcAft>
-                <a:spcPts val="0"/>
-              </a:spcAft>
-              <a:buClr>
-                <a:srgbClr val="222222"/>
-              </a:buClr>
-              <a:buSzPts val="2000"/>
-              <a:buFont typeface="Montserrat Light"/>
-              <a:buAutoNum type="arabicPeriod"/>
-            </a:pPr>
-            <a:r>
-              <a:rPr lang="ru" sz="2000">
-                <a:solidFill>
-                  <a:srgbClr val="222222"/>
-                </a:solidFill>
-                <a:highlight>
-                  <a:srgbClr val="FFFFFF"/>
-                </a:highlight>
-                <a:latin typeface="Montserrat Light"/>
-                <a:ea typeface="Montserrat Light"/>
-                <a:cs typeface="Montserrat Light"/>
-                <a:sym typeface="Montserrat Light"/>
-              </a:rPr>
-              <a:t>Загрузить результаты работ на GitHub</a:t>
-            </a:r>
-            <a:endParaRPr sz="2000">
-              <a:solidFill>
-                <a:srgbClr val="222222"/>
-              </a:solidFill>
-              <a:highlight>
-                <a:srgbClr val="FFFFFF"/>
-              </a:highlight>
-              <a:latin typeface="Montserrat Light"/>
-              <a:ea typeface="Montserrat Light"/>
-              <a:cs typeface="Montserrat Light"/>
-              <a:sym typeface="Montserrat Light"/>
-            </a:endParaRPr>
-          </a:p>
-          <a:p>
-            <a:pPr indent="0" lvl="0" marL="0" rtl="0" algn="l">
-              <a:spcBef>
-                <a:spcPts val="0"/>
-              </a:spcBef>
-              <a:spcAft>
-                <a:spcPts val="1200"/>
-              </a:spcAft>
-              <a:buNone/>
-            </a:pPr>
-            <a:r>
-              <a:t/>
-            </a:r>
-            <a:endParaRPr sz="1900"/>
-          </a:p>
-        </p:txBody>
-      </p:sp>
-    </p:spTree>
-  </p:cSld>
-  <p:clrMapOvr>
-    <a:masterClrMapping/>
-  </p:clrMapOvr>
-</p:sld>
-</file>
-
-<file path=ppt/slides/slide5.xml><?xml version="1.0" encoding="utf-8"?>
-<p:sld xmlns:a="http://schemas.openxmlformats.org/drawingml/2006/main" xmlns:r="http://schemas.openxmlformats.org/officeDocument/2006/relationships" xmlns:mc="http://schemas.openxmlformats.org/markup-compatibility/2006" xmlns:mv="urn:schemas-microsoft-com:mac:vml" xmlns:p="http://schemas.openxmlformats.org/presentationml/2006/main" xmlns:c="http://schemas.openxmlformats.org/drawingml/2006/chart" xmlns:dgm="http://schemas.openxmlformats.org/drawingml/2006/diagram" xmlns:o="urn:schemas-microsoft-com:office:office" xmlns:v="urn:schemas-microsoft-com:vml" xmlns:pvml="urn:schemas-microsoft-com:office:powerpoint" xmlns:com="http://schemas.openxmlformats.org/drawingml/2006/compatibility" xmlns:p14="http://schemas.microsoft.com/office/powerpoint/2010/main" xmlns:p15="http://schemas.microsoft.com/office/powerpoint/2012/main" xmlns:ahyp="http://schemas.microsoft.com/office/drawing/2018/hyperlinkcolor">
-  <p:cSld>
-    <p:spTree>
-      <p:nvGrpSpPr>
-        <p:cNvPr id="77" name="Shape 77"/>
-        <p:cNvGrpSpPr/>
-        <p:nvPr/>
-      </p:nvGrpSpPr>
-      <p:grpSpPr>
-        <a:xfrm>
-          <a:off x="0" y="0"/>
-          <a:ext cx="0" cy="0"/>
-          <a:chOff x="0" y="0"/>
-          <a:chExt cx="0" cy="0"/>
-        </a:xfrm>
-      </p:grpSpPr>
-      <p:sp>
-        <p:nvSpPr>
-          <p:cNvPr id="78" name="Google Shape;78;p17"/>
-          <p:cNvSpPr txBox="1"/>
-          <p:nvPr>
-            <p:ph type="title"/>
-          </p:nvPr>
-        </p:nvSpPr>
-        <p:spPr>
-          <a:xfrm>
-            <a:off x="421400" y="176900"/>
-            <a:ext cx="8520600" cy="572700"/>
-          </a:xfrm>
-          <a:prstGeom prst="rect">
-            <a:avLst/>
-          </a:prstGeom>
-        </p:spPr>
-        <p:txBody>
-          <a:bodyPr anchorCtr="0" anchor="t" bIns="91425" lIns="91425" spcFirstLastPara="1" rIns="91425" wrap="square" tIns="91425">
-            <a:normAutofit fontScale="90000"/>
-          </a:bodyPr>
-          <a:lstStyle/>
-          <a:p>
-            <a:pPr indent="0" lvl="0" marL="0" rtl="0" algn="ctr">
-              <a:spcBef>
-                <a:spcPts val="0"/>
-              </a:spcBef>
-              <a:spcAft>
-                <a:spcPts val="0"/>
-              </a:spcAft>
-              <a:buNone/>
-            </a:pPr>
-            <a:r>
-              <a:rPr lang="ru">
-                <a:latin typeface="Courier New"/>
-                <a:ea typeface="Courier New"/>
-                <a:cs typeface="Courier New"/>
-                <a:sym typeface="Courier New"/>
-              </a:rPr>
-              <a:t>Авторство</a:t>
-            </a:r>
-            <a:endParaRPr>
-              <a:latin typeface="Courier New"/>
-              <a:ea typeface="Courier New"/>
-              <a:cs typeface="Courier New"/>
-              <a:sym typeface="Courier New"/>
-            </a:endParaRPr>
-          </a:p>
-        </p:txBody>
-      </p:sp>
-      <p:sp>
-        <p:nvSpPr>
-          <p:cNvPr id="79" name="Google Shape;79;p17"/>
-          <p:cNvSpPr txBox="1"/>
-          <p:nvPr>
-            <p:ph idx="1" type="body"/>
-          </p:nvPr>
-        </p:nvSpPr>
-        <p:spPr>
-          <a:xfrm>
-            <a:off x="311700" y="811813"/>
-            <a:ext cx="8520600" cy="1193100"/>
-          </a:xfrm>
-          <a:prstGeom prst="rect">
-            <a:avLst/>
-          </a:prstGeom>
-        </p:spPr>
-        <p:txBody>
-          <a:bodyPr anchorCtr="0" anchor="t" bIns="91425" lIns="91425" spcFirstLastPara="1" rIns="91425" wrap="square" tIns="91425">
-            <a:noAutofit/>
-          </a:bodyPr>
-          <a:lstStyle/>
-          <a:p>
-            <a:pPr indent="0" lvl="0" marL="914400" rtl="0" algn="just">
-              <a:lnSpc>
-                <a:spcPct val="130000"/>
-              </a:lnSpc>
-              <a:spcBef>
-                <a:spcPts val="600"/>
-              </a:spcBef>
-              <a:spcAft>
-                <a:spcPts val="100"/>
-              </a:spcAft>
-              <a:buNone/>
-            </a:pPr>
-            <a:r>
-              <a:rPr lang="ru">
-                <a:solidFill>
-                  <a:srgbClr val="222222"/>
-                </a:solidFill>
-                <a:highlight>
-                  <a:srgbClr val="FFFFFF"/>
-                </a:highlight>
-                <a:latin typeface="Montserrat Light"/>
-                <a:ea typeface="Montserrat Light"/>
-                <a:cs typeface="Montserrat Light"/>
-                <a:sym typeface="Montserrat Light"/>
-              </a:rPr>
-              <a:t>Этот тип дерева был изобретен в 1989 году Арне Андерссоном, затем заново изобретен в 1993 году Игалом Гальперином и Рональдом Л. Ривестом .</a:t>
-            </a:r>
-            <a:endParaRPr>
               <a:latin typeface="Montserrat Light"/>
               <a:ea typeface="Montserrat Light"/>
               <a:cs typeface="Montserrat Light"/>
@@ -8233,88 +8302,28 @@
           </a:p>
         </p:txBody>
       </p:sp>
-      <p:pic>
-        <p:nvPicPr>
-          <p:cNvPr id="80" name="Google Shape;80;p17"/>
-          <p:cNvPicPr preferRelativeResize="0"/>
-          <p:nvPr/>
-        </p:nvPicPr>
-        <p:blipFill>
-          <a:blip r:embed="rId3">
-            <a:alphaModFix/>
-          </a:blip>
-          <a:stretch>
-            <a:fillRect/>
-          </a:stretch>
-        </p:blipFill>
-        <p:spPr>
-          <a:xfrm>
-            <a:off x="6087725" y="1932325"/>
-            <a:ext cx="2744575" cy="2744575"/>
-          </a:xfrm>
-          <a:prstGeom prst="rect">
-            <a:avLst/>
-          </a:prstGeom>
-          <a:noFill/>
-          <a:ln>
-            <a:noFill/>
-          </a:ln>
-        </p:spPr>
-      </p:pic>
-      <p:pic>
-        <p:nvPicPr>
-          <p:cNvPr id="81" name="Google Shape;81;p17"/>
-          <p:cNvPicPr preferRelativeResize="0"/>
-          <p:nvPr/>
-        </p:nvPicPr>
-        <p:blipFill>
-          <a:blip r:embed="rId4">
-            <a:alphaModFix/>
-          </a:blip>
-          <a:stretch>
-            <a:fillRect/>
-          </a:stretch>
-        </p:blipFill>
-        <p:spPr>
-          <a:xfrm>
-            <a:off x="803750" y="2067150"/>
-            <a:ext cx="2173000" cy="2902125"/>
-          </a:xfrm>
-          <a:prstGeom prst="rect">
-            <a:avLst/>
-          </a:prstGeom>
-          <a:noFill/>
-          <a:ln>
-            <a:noFill/>
-          </a:ln>
-        </p:spPr>
-      </p:pic>
       <p:sp>
         <p:nvSpPr>
-          <p:cNvPr id="82" name="Google Shape;82;p17"/>
-          <p:cNvSpPr txBox="1"/>
-          <p:nvPr/>
+          <p:cNvPr id="2" name="Номер слайда 1">
+            <a:extLst>
+              <a:ext uri="{FF2B5EF4-FFF2-40B4-BE49-F238E27FC236}">
+                <a16:creationId xmlns:a16="http://schemas.microsoft.com/office/drawing/2014/main" id="{77F9AB56-9ACD-5E94-5916-D57AC074AA32}"/>
+              </a:ext>
+            </a:extLst>
+          </p:cNvPr>
+          <p:cNvSpPr>
+            <a:spLocks noGrp="1"/>
+          </p:cNvSpPr>
+          <p:nvPr>
+            <p:ph type="sldNum" idx="12"/>
+          </p:nvPr>
         </p:nvSpPr>
-        <p:spPr>
-          <a:xfrm>
-            <a:off x="3159200" y="4230375"/>
-            <a:ext cx="1596600" cy="738900"/>
-          </a:xfrm>
-          <a:prstGeom prst="rect">
-            <a:avLst/>
-          </a:prstGeom>
-          <a:noFill/>
-          <a:ln>
-            <a:noFill/>
-          </a:ln>
-        </p:spPr>
+        <p:spPr/>
         <p:txBody>
-          <a:bodyPr anchorCtr="0" anchor="t" bIns="91425" lIns="91425" spcFirstLastPara="1" rIns="91425" wrap="square" tIns="91425">
-            <a:spAutoFit/>
-          </a:bodyPr>
+          <a:bodyPr/>
           <a:lstStyle/>
           <a:p>
-            <a:pPr indent="0" lvl="0" marL="0" rtl="0" algn="l">
+            <a:pPr marL="0" lvl="0" indent="0" algn="r" rtl="0">
               <a:spcBef>
                 <a:spcPts val="0"/>
               </a:spcBef>
@@ -8323,758 +8332,11 @@
               </a:spcAft>
               <a:buNone/>
             </a:pPr>
-            <a:r>
-              <a:rPr lang="ru" sz="1800">
-                <a:latin typeface="Montserrat ExtraLight"/>
-                <a:ea typeface="Montserrat ExtraLight"/>
-                <a:cs typeface="Montserrat ExtraLight"/>
-                <a:sym typeface="Montserrat ExtraLight"/>
-              </a:rPr>
-              <a:t>Арне Андерссон</a:t>
-            </a:r>
-            <a:endParaRPr sz="1800">
-              <a:latin typeface="Montserrat ExtraLight"/>
-              <a:ea typeface="Montserrat ExtraLight"/>
-              <a:cs typeface="Montserrat ExtraLight"/>
-              <a:sym typeface="Montserrat ExtraLight"/>
-            </a:endParaRPr>
-          </a:p>
-        </p:txBody>
-      </p:sp>
-      <p:sp>
-        <p:nvSpPr>
-          <p:cNvPr id="83" name="Google Shape;83;p17"/>
-          <p:cNvSpPr txBox="1"/>
-          <p:nvPr/>
-        </p:nvSpPr>
-        <p:spPr>
-          <a:xfrm>
-            <a:off x="4487750" y="1932325"/>
-            <a:ext cx="1340700" cy="738900"/>
-          </a:xfrm>
-          <a:prstGeom prst="rect">
-            <a:avLst/>
-          </a:prstGeom>
-          <a:noFill/>
-          <a:ln>
-            <a:noFill/>
-          </a:ln>
-        </p:spPr>
-        <p:txBody>
-          <a:bodyPr anchorCtr="0" anchor="t" bIns="91425" lIns="91425" spcFirstLastPara="1" rIns="91425" wrap="square" tIns="91425">
-            <a:spAutoFit/>
-          </a:bodyPr>
-          <a:lstStyle/>
-          <a:p>
-            <a:pPr indent="0" lvl="0" marL="0" rtl="0" algn="r">
-              <a:spcBef>
-                <a:spcPts val="0"/>
-              </a:spcBef>
-              <a:spcAft>
-                <a:spcPts val="0"/>
-              </a:spcAft>
-              <a:buNone/>
-            </a:pPr>
-            <a:r>
-              <a:rPr lang="ru" sz="1800">
-                <a:latin typeface="Montserrat ExtraLight"/>
-                <a:ea typeface="Montserrat ExtraLight"/>
-                <a:cs typeface="Montserrat ExtraLight"/>
-                <a:sym typeface="Montserrat ExtraLight"/>
-              </a:rPr>
-              <a:t>Рональд Л. Ривест</a:t>
-            </a:r>
-            <a:endParaRPr sz="1800">
-              <a:latin typeface="Montserrat ExtraLight"/>
-              <a:ea typeface="Montserrat ExtraLight"/>
-              <a:cs typeface="Montserrat ExtraLight"/>
-              <a:sym typeface="Montserrat ExtraLight"/>
-            </a:endParaRPr>
-          </a:p>
-        </p:txBody>
-      </p:sp>
-    </p:spTree>
-  </p:cSld>
-  <p:clrMapOvr>
-    <a:masterClrMapping/>
-  </p:clrMapOvr>
-</p:sld>
-</file>
-
-<file path=ppt/slides/slide6.xml><?xml version="1.0" encoding="utf-8"?>
-<p:sld xmlns:a="http://schemas.openxmlformats.org/drawingml/2006/main" xmlns:r="http://schemas.openxmlformats.org/officeDocument/2006/relationships" xmlns:mc="http://schemas.openxmlformats.org/markup-compatibility/2006" xmlns:mv="urn:schemas-microsoft-com:mac:vml" xmlns:p="http://schemas.openxmlformats.org/presentationml/2006/main" xmlns:c="http://schemas.openxmlformats.org/drawingml/2006/chart" xmlns:dgm="http://schemas.openxmlformats.org/drawingml/2006/diagram" xmlns:o="urn:schemas-microsoft-com:office:office" xmlns:v="urn:schemas-microsoft-com:vml" xmlns:pvml="urn:schemas-microsoft-com:office:powerpoint" xmlns:com="http://schemas.openxmlformats.org/drawingml/2006/compatibility" xmlns:p14="http://schemas.microsoft.com/office/powerpoint/2010/main" xmlns:p15="http://schemas.microsoft.com/office/powerpoint/2012/main" xmlns:ahyp="http://schemas.microsoft.com/office/drawing/2018/hyperlinkcolor">
-  <p:cSld>
-    <p:spTree>
-      <p:nvGrpSpPr>
-        <p:cNvPr id="87" name="Shape 87"/>
-        <p:cNvGrpSpPr/>
-        <p:nvPr/>
-      </p:nvGrpSpPr>
-      <p:grpSpPr>
-        <a:xfrm>
-          <a:off x="0" y="0"/>
-          <a:ext cx="0" cy="0"/>
-          <a:chOff x="0" y="0"/>
-          <a:chExt cx="0" cy="0"/>
-        </a:xfrm>
-      </p:grpSpPr>
-      <p:sp>
-        <p:nvSpPr>
-          <p:cNvPr id="88" name="Google Shape;88;p18"/>
-          <p:cNvSpPr txBox="1"/>
-          <p:nvPr>
-            <p:ph type="title"/>
-          </p:nvPr>
-        </p:nvSpPr>
-        <p:spPr>
-          <a:xfrm>
-            <a:off x="311700" y="445025"/>
-            <a:ext cx="8520600" cy="572700"/>
-          </a:xfrm>
-          <a:prstGeom prst="rect">
-            <a:avLst/>
-          </a:prstGeom>
-        </p:spPr>
-        <p:txBody>
-          <a:bodyPr anchorCtr="0" anchor="t" bIns="91425" lIns="91425" spcFirstLastPara="1" rIns="91425" wrap="square" tIns="91425">
-            <a:noAutofit/>
-          </a:bodyPr>
-          <a:lstStyle/>
-          <a:p>
-            <a:pPr indent="0" lvl="0" marL="0" rtl="0" algn="ctr">
-              <a:spcBef>
-                <a:spcPts val="0"/>
-              </a:spcBef>
-              <a:spcAft>
-                <a:spcPts val="0"/>
-              </a:spcAft>
-              <a:buSzPts val="990"/>
-              <a:buNone/>
-            </a:pPr>
-            <a:r>
-              <a:rPr lang="ru" sz="3020">
-                <a:latin typeface="Courier New"/>
-                <a:ea typeface="Courier New"/>
-                <a:cs typeface="Courier New"/>
-                <a:sym typeface="Courier New"/>
-              </a:rPr>
-              <a:t>Перспективы использования алгоритма</a:t>
-            </a:r>
-            <a:endParaRPr sz="3020">
-              <a:latin typeface="Courier New"/>
-              <a:ea typeface="Courier New"/>
-              <a:cs typeface="Courier New"/>
-              <a:sym typeface="Courier New"/>
-            </a:endParaRPr>
-          </a:p>
-        </p:txBody>
-      </p:sp>
-      <p:sp>
-        <p:nvSpPr>
-          <p:cNvPr id="89" name="Google Shape;89;p18"/>
-          <p:cNvSpPr txBox="1"/>
-          <p:nvPr>
-            <p:ph idx="1" type="body"/>
-          </p:nvPr>
-        </p:nvSpPr>
-        <p:spPr>
-          <a:xfrm>
-            <a:off x="311700" y="1152475"/>
-            <a:ext cx="8520600" cy="3416400"/>
-          </a:xfrm>
-          <a:prstGeom prst="rect">
-            <a:avLst/>
-          </a:prstGeom>
-        </p:spPr>
-        <p:txBody>
-          <a:bodyPr anchorCtr="0" anchor="t" bIns="91425" lIns="91425" spcFirstLastPara="1" rIns="91425" wrap="square" tIns="91425">
-            <a:normAutofit/>
-          </a:bodyPr>
-          <a:lstStyle/>
-          <a:p>
-            <a:pPr indent="226800" lvl="0" marL="457200" rtl="0" algn="just">
-              <a:lnSpc>
-                <a:spcPct val="130000"/>
-              </a:lnSpc>
-              <a:spcBef>
-                <a:spcPts val="600"/>
-              </a:spcBef>
-              <a:spcAft>
-                <a:spcPts val="0"/>
-              </a:spcAft>
-              <a:buNone/>
-            </a:pPr>
-            <a:r>
-              <a:rPr lang="ru" sz="2000">
-                <a:solidFill>
-                  <a:srgbClr val="222222"/>
-                </a:solidFill>
-                <a:highlight>
-                  <a:srgbClr val="FFFFFF"/>
-                </a:highlight>
-                <a:latin typeface="Montserrat Light"/>
-                <a:ea typeface="Montserrat Light"/>
-                <a:cs typeface="Montserrat Light"/>
-                <a:sym typeface="Montserrat Light"/>
-              </a:rPr>
-              <a:t>В отличие от двухцветных деревьев и AVL, которые хранят дополнительную информацию в узлах, козел отпущения хранит в памяти только метку узла и два указателя на его дочерние элементы.</a:t>
-            </a:r>
-            <a:endParaRPr sz="2000">
-              <a:solidFill>
-                <a:srgbClr val="222222"/>
-              </a:solidFill>
-              <a:highlight>
-                <a:srgbClr val="FFFFFF"/>
-              </a:highlight>
-              <a:latin typeface="Montserrat Light"/>
-              <a:ea typeface="Montserrat Light"/>
-              <a:cs typeface="Montserrat Light"/>
-              <a:sym typeface="Montserrat Light"/>
-            </a:endParaRPr>
-          </a:p>
-          <a:p>
-            <a:pPr indent="226800" lvl="0" marL="457200" rtl="0" algn="just">
-              <a:lnSpc>
-                <a:spcPct val="130000"/>
-              </a:lnSpc>
-              <a:spcBef>
-                <a:spcPts val="600"/>
-              </a:spcBef>
-              <a:spcAft>
-                <a:spcPts val="0"/>
-              </a:spcAft>
-              <a:buClr>
-                <a:schemeClr val="dk1"/>
-              </a:buClr>
-              <a:buSzPts val="1100"/>
-              <a:buFont typeface="Arial"/>
-              <a:buNone/>
-            </a:pPr>
-            <a:r>
-              <a:t/>
-            </a:r>
-            <a:endParaRPr sz="1700">
-              <a:solidFill>
-                <a:srgbClr val="222222"/>
-              </a:solidFill>
-              <a:highlight>
-                <a:srgbClr val="FFFFFF"/>
-              </a:highlight>
-              <a:latin typeface="Montserrat Light"/>
-              <a:ea typeface="Montserrat Light"/>
-              <a:cs typeface="Montserrat Light"/>
-              <a:sym typeface="Montserrat Light"/>
-            </a:endParaRPr>
-          </a:p>
-          <a:p>
-            <a:pPr indent="0" lvl="0" marL="0" rtl="0" algn="l">
-              <a:spcBef>
-                <a:spcPts val="100"/>
-              </a:spcBef>
-              <a:spcAft>
-                <a:spcPts val="1200"/>
-              </a:spcAft>
-              <a:buNone/>
-            </a:pPr>
-            <a:r>
-              <a:t/>
-            </a:r>
-            <a:endParaRPr sz="2000"/>
-          </a:p>
-        </p:txBody>
-      </p:sp>
-    </p:spTree>
-  </p:cSld>
-  <p:clrMapOvr>
-    <a:masterClrMapping/>
-  </p:clrMapOvr>
-</p:sld>
-</file>
-
-<file path=ppt/slides/slide7.xml><?xml version="1.0" encoding="utf-8"?>
-<p:sld xmlns:a="http://schemas.openxmlformats.org/drawingml/2006/main" xmlns:r="http://schemas.openxmlformats.org/officeDocument/2006/relationships" xmlns:mc="http://schemas.openxmlformats.org/markup-compatibility/2006" xmlns:mv="urn:schemas-microsoft-com:mac:vml" xmlns:p="http://schemas.openxmlformats.org/presentationml/2006/main" xmlns:c="http://schemas.openxmlformats.org/drawingml/2006/chart" xmlns:dgm="http://schemas.openxmlformats.org/drawingml/2006/diagram" xmlns:o="urn:schemas-microsoft-com:office:office" xmlns:v="urn:schemas-microsoft-com:vml" xmlns:pvml="urn:schemas-microsoft-com:office:powerpoint" xmlns:com="http://schemas.openxmlformats.org/drawingml/2006/compatibility" xmlns:p14="http://schemas.microsoft.com/office/powerpoint/2010/main" xmlns:p15="http://schemas.microsoft.com/office/powerpoint/2012/main" xmlns:ahyp="http://schemas.microsoft.com/office/drawing/2018/hyperlinkcolor">
-  <p:cSld>
-    <p:spTree>
-      <p:nvGrpSpPr>
-        <p:cNvPr id="93" name="Shape 93"/>
-        <p:cNvGrpSpPr/>
-        <p:nvPr/>
-      </p:nvGrpSpPr>
-      <p:grpSpPr>
-        <a:xfrm>
-          <a:off x="0" y="0"/>
-          <a:ext cx="0" cy="0"/>
-          <a:chOff x="0" y="0"/>
-          <a:chExt cx="0" cy="0"/>
-        </a:xfrm>
-      </p:grpSpPr>
-      <p:sp>
-        <p:nvSpPr>
-          <p:cNvPr id="94" name="Google Shape;94;p19"/>
-          <p:cNvSpPr txBox="1"/>
-          <p:nvPr>
-            <p:ph type="title"/>
-          </p:nvPr>
-        </p:nvSpPr>
-        <p:spPr>
-          <a:xfrm>
-            <a:off x="311700" y="445025"/>
-            <a:ext cx="8520600" cy="572700"/>
-          </a:xfrm>
-          <a:prstGeom prst="rect">
-            <a:avLst/>
-          </a:prstGeom>
-        </p:spPr>
-        <p:txBody>
-          <a:bodyPr anchorCtr="0" anchor="t" bIns="91425" lIns="91425" spcFirstLastPara="1" rIns="91425" wrap="square" tIns="91425">
-            <a:noAutofit/>
-          </a:bodyPr>
-          <a:lstStyle/>
-          <a:p>
-            <a:pPr indent="0" lvl="0" marL="0" rtl="0" algn="ctr">
-              <a:spcBef>
-                <a:spcPts val="0"/>
-              </a:spcBef>
-              <a:spcAft>
-                <a:spcPts val="0"/>
-              </a:spcAft>
-              <a:buSzPts val="990"/>
-              <a:buNone/>
-            </a:pPr>
-            <a:r>
-              <a:rPr lang="ru" sz="3020">
-                <a:latin typeface="Courier New"/>
-                <a:ea typeface="Courier New"/>
-                <a:cs typeface="Courier New"/>
-                <a:sym typeface="Courier New"/>
-              </a:rPr>
-              <a:t>Минусы алгоритма</a:t>
-            </a:r>
-            <a:endParaRPr sz="3020">
-              <a:latin typeface="Courier New"/>
-              <a:ea typeface="Courier New"/>
-              <a:cs typeface="Courier New"/>
-              <a:sym typeface="Courier New"/>
-            </a:endParaRPr>
-          </a:p>
-        </p:txBody>
-      </p:sp>
-      <p:sp>
-        <p:nvSpPr>
-          <p:cNvPr id="95" name="Google Shape;95;p19"/>
-          <p:cNvSpPr txBox="1"/>
-          <p:nvPr>
-            <p:ph idx="1" type="body"/>
-          </p:nvPr>
-        </p:nvSpPr>
-        <p:spPr>
-          <a:xfrm>
-            <a:off x="311700" y="1152475"/>
-            <a:ext cx="8520600" cy="3416400"/>
-          </a:xfrm>
-          <a:prstGeom prst="rect">
-            <a:avLst/>
-          </a:prstGeom>
-        </p:spPr>
-        <p:txBody>
-          <a:bodyPr anchorCtr="0" anchor="t" bIns="91425" lIns="91425" spcFirstLastPara="1" rIns="91425" wrap="square" tIns="91425">
-            <a:normAutofit/>
-          </a:bodyPr>
-          <a:lstStyle/>
-          <a:p>
-            <a:pPr indent="-333375" lvl="0" marL="457200" rtl="0" algn="just">
-              <a:lnSpc>
-                <a:spcPct val="130000"/>
-              </a:lnSpc>
-              <a:spcBef>
-                <a:spcPts val="600"/>
-              </a:spcBef>
-              <a:spcAft>
-                <a:spcPts val="0"/>
-              </a:spcAft>
-              <a:buClr>
-                <a:srgbClr val="222222"/>
-              </a:buClr>
-              <a:buSzPts val="1650"/>
-              <a:buFont typeface="Montserrat Light"/>
-              <a:buChar char="●"/>
-            </a:pPr>
-            <a:r>
-              <a:rPr lang="ru" sz="2000">
-                <a:solidFill>
-                  <a:srgbClr val="222222"/>
-                </a:solidFill>
-                <a:highlight>
-                  <a:srgbClr val="FFFFFF"/>
-                </a:highlight>
-                <a:latin typeface="Montserrat Light"/>
-                <a:ea typeface="Montserrat Light"/>
-                <a:cs typeface="Montserrat Light"/>
-                <a:sym typeface="Montserrat Light"/>
-              </a:rPr>
-              <a:t>Данное дерево сложно для написания.</a:t>
-            </a:r>
-            <a:endParaRPr sz="2000">
-              <a:solidFill>
-                <a:srgbClr val="222222"/>
-              </a:solidFill>
-              <a:highlight>
-                <a:srgbClr val="FFFFFF"/>
-              </a:highlight>
-              <a:latin typeface="Montserrat Light"/>
-              <a:ea typeface="Montserrat Light"/>
-              <a:cs typeface="Montserrat Light"/>
-              <a:sym typeface="Montserrat Light"/>
-            </a:endParaRPr>
-          </a:p>
-          <a:p>
-            <a:pPr indent="-333375" lvl="0" marL="457200" rtl="0" algn="just">
-              <a:lnSpc>
-                <a:spcPct val="130000"/>
-              </a:lnSpc>
-              <a:spcBef>
-                <a:spcPts val="0"/>
-              </a:spcBef>
-              <a:spcAft>
-                <a:spcPts val="0"/>
-              </a:spcAft>
-              <a:buClr>
-                <a:srgbClr val="222222"/>
-              </a:buClr>
-              <a:buSzPts val="1650"/>
-              <a:buFont typeface="Montserrat Light"/>
-              <a:buChar char="●"/>
-            </a:pPr>
-            <a:r>
-              <a:rPr lang="ru" sz="2000">
-                <a:solidFill>
-                  <a:srgbClr val="222222"/>
-                </a:solidFill>
-                <a:highlight>
-                  <a:srgbClr val="FFFFFF"/>
-                </a:highlight>
-                <a:latin typeface="Montserrat Light"/>
-                <a:ea typeface="Montserrat Light"/>
-                <a:cs typeface="Montserrat Light"/>
-                <a:sym typeface="Montserrat Light"/>
-              </a:rPr>
-              <a:t>В случае неправильной настройки скорости работы дерево будет проигрывать по скорости работы другим.</a:t>
-            </a:r>
-            <a:endParaRPr sz="2000">
-              <a:solidFill>
-                <a:srgbClr val="222222"/>
-              </a:solidFill>
-              <a:highlight>
-                <a:srgbClr val="FFFFFF"/>
-              </a:highlight>
-              <a:latin typeface="Montserrat Light"/>
-              <a:ea typeface="Montserrat Light"/>
-              <a:cs typeface="Montserrat Light"/>
-              <a:sym typeface="Montserrat Light"/>
-            </a:endParaRPr>
-          </a:p>
-          <a:p>
-            <a:pPr indent="0" lvl="0" marL="0" rtl="0" algn="l">
-              <a:spcBef>
-                <a:spcPts val="100"/>
-              </a:spcBef>
-              <a:spcAft>
-                <a:spcPts val="1200"/>
-              </a:spcAft>
-              <a:buNone/>
-            </a:pPr>
-            <a:r>
-              <a:t/>
-            </a:r>
-            <a:endParaRPr/>
-          </a:p>
-        </p:txBody>
-      </p:sp>
-    </p:spTree>
-  </p:cSld>
-  <p:clrMapOvr>
-    <a:masterClrMapping/>
-  </p:clrMapOvr>
-</p:sld>
-</file>
-
-<file path=ppt/slides/slide8.xml><?xml version="1.0" encoding="utf-8"?>
-<p:sld xmlns:a="http://schemas.openxmlformats.org/drawingml/2006/main" xmlns:r="http://schemas.openxmlformats.org/officeDocument/2006/relationships" xmlns:mc="http://schemas.openxmlformats.org/markup-compatibility/2006" xmlns:mv="urn:schemas-microsoft-com:mac:vml" xmlns:p="http://schemas.openxmlformats.org/presentationml/2006/main" xmlns:c="http://schemas.openxmlformats.org/drawingml/2006/chart" xmlns:dgm="http://schemas.openxmlformats.org/drawingml/2006/diagram" xmlns:o="urn:schemas-microsoft-com:office:office" xmlns:v="urn:schemas-microsoft-com:vml" xmlns:pvml="urn:schemas-microsoft-com:office:powerpoint" xmlns:com="http://schemas.openxmlformats.org/drawingml/2006/compatibility" xmlns:p14="http://schemas.microsoft.com/office/powerpoint/2010/main" xmlns:p15="http://schemas.microsoft.com/office/powerpoint/2012/main" xmlns:ahyp="http://schemas.microsoft.com/office/drawing/2018/hyperlinkcolor">
-  <p:cSld>
-    <p:spTree>
-      <p:nvGrpSpPr>
-        <p:cNvPr id="99" name="Shape 99"/>
-        <p:cNvGrpSpPr/>
-        <p:nvPr/>
-      </p:nvGrpSpPr>
-      <p:grpSpPr>
-        <a:xfrm>
-          <a:off x="0" y="0"/>
-          <a:ext cx="0" cy="0"/>
-          <a:chOff x="0" y="0"/>
-          <a:chExt cx="0" cy="0"/>
-        </a:xfrm>
-      </p:grpSpPr>
-      <p:sp>
-        <p:nvSpPr>
-          <p:cNvPr id="100" name="Google Shape;100;p20"/>
-          <p:cNvSpPr txBox="1"/>
-          <p:nvPr>
-            <p:ph type="title"/>
-          </p:nvPr>
-        </p:nvSpPr>
-        <p:spPr>
-          <a:xfrm>
-            <a:off x="311700" y="445025"/>
-            <a:ext cx="8520600" cy="572700"/>
-          </a:xfrm>
-          <a:prstGeom prst="rect">
-            <a:avLst/>
-          </a:prstGeom>
-        </p:spPr>
-        <p:txBody>
-          <a:bodyPr anchorCtr="0" anchor="t" bIns="91425" lIns="91425" spcFirstLastPara="1" rIns="91425" wrap="square" tIns="91425">
-            <a:noAutofit/>
-          </a:bodyPr>
-          <a:lstStyle/>
-          <a:p>
-            <a:pPr indent="0" lvl="0" marL="0" rtl="0" algn="ctr">
-              <a:spcBef>
-                <a:spcPts val="0"/>
-              </a:spcBef>
-              <a:spcAft>
-                <a:spcPts val="0"/>
-              </a:spcAft>
-              <a:buSzPts val="990"/>
-              <a:buNone/>
-            </a:pPr>
-            <a:r>
-              <a:rPr lang="ru" sz="3020">
-                <a:latin typeface="Courier New"/>
-                <a:ea typeface="Courier New"/>
-                <a:cs typeface="Courier New"/>
-                <a:sym typeface="Courier New"/>
-              </a:rPr>
-              <a:t>Балансировка</a:t>
-            </a:r>
-            <a:endParaRPr sz="3020">
-              <a:latin typeface="Courier New"/>
-              <a:ea typeface="Courier New"/>
-              <a:cs typeface="Courier New"/>
-              <a:sym typeface="Courier New"/>
-            </a:endParaRPr>
-          </a:p>
-        </p:txBody>
-      </p:sp>
-      <p:pic>
-        <p:nvPicPr>
-          <p:cNvPr id="101" name="Google Shape;101;p20"/>
-          <p:cNvPicPr preferRelativeResize="0"/>
-          <p:nvPr/>
-        </p:nvPicPr>
-        <p:blipFill>
-          <a:blip r:embed="rId3">
-            <a:alphaModFix/>
-          </a:blip>
-          <a:stretch>
-            <a:fillRect/>
-          </a:stretch>
-        </p:blipFill>
-        <p:spPr>
-          <a:xfrm>
-            <a:off x="757225" y="1249313"/>
-            <a:ext cx="7629525" cy="3533775"/>
-          </a:xfrm>
-          <a:prstGeom prst="rect">
-            <a:avLst/>
-          </a:prstGeom>
-          <a:noFill/>
-          <a:ln>
-            <a:noFill/>
-          </a:ln>
-        </p:spPr>
-      </p:pic>
-    </p:spTree>
-  </p:cSld>
-  <p:clrMapOvr>
-    <a:masterClrMapping/>
-  </p:clrMapOvr>
-</p:sld>
-</file>
-
-<file path=ppt/slides/slide9.xml><?xml version="1.0" encoding="utf-8"?>
-<p:sld xmlns:a="http://schemas.openxmlformats.org/drawingml/2006/main" xmlns:r="http://schemas.openxmlformats.org/officeDocument/2006/relationships" xmlns:mc="http://schemas.openxmlformats.org/markup-compatibility/2006" xmlns:mv="urn:schemas-microsoft-com:mac:vml" xmlns:p="http://schemas.openxmlformats.org/presentationml/2006/main" xmlns:c="http://schemas.openxmlformats.org/drawingml/2006/chart" xmlns:dgm="http://schemas.openxmlformats.org/drawingml/2006/diagram" xmlns:o="urn:schemas-microsoft-com:office:office" xmlns:v="urn:schemas-microsoft-com:vml" xmlns:pvml="urn:schemas-microsoft-com:office:powerpoint" xmlns:com="http://schemas.openxmlformats.org/drawingml/2006/compatibility" xmlns:p14="http://schemas.microsoft.com/office/powerpoint/2010/main" xmlns:p15="http://schemas.microsoft.com/office/powerpoint/2012/main" xmlns:ahyp="http://schemas.microsoft.com/office/drawing/2018/hyperlinkcolor">
-  <p:cSld>
-    <p:spTree>
-      <p:nvGrpSpPr>
-        <p:cNvPr id="105" name="Shape 105"/>
-        <p:cNvGrpSpPr/>
-        <p:nvPr/>
-      </p:nvGrpSpPr>
-      <p:grpSpPr>
-        <a:xfrm>
-          <a:off x="0" y="0"/>
-          <a:ext cx="0" cy="0"/>
-          <a:chOff x="0" y="0"/>
-          <a:chExt cx="0" cy="0"/>
-        </a:xfrm>
-      </p:grpSpPr>
-      <p:sp>
-        <p:nvSpPr>
-          <p:cNvPr id="106" name="Google Shape;106;p21"/>
-          <p:cNvSpPr txBox="1"/>
-          <p:nvPr>
-            <p:ph type="title"/>
-          </p:nvPr>
-        </p:nvSpPr>
-        <p:spPr>
-          <a:xfrm>
-            <a:off x="311700" y="445025"/>
-            <a:ext cx="8520600" cy="572700"/>
-          </a:xfrm>
-          <a:prstGeom prst="rect">
-            <a:avLst/>
-          </a:prstGeom>
-        </p:spPr>
-        <p:txBody>
-          <a:bodyPr anchorCtr="0" anchor="t" bIns="91425" lIns="91425" spcFirstLastPara="1" rIns="91425" wrap="square" tIns="91425">
-            <a:noAutofit/>
-          </a:bodyPr>
-          <a:lstStyle/>
-          <a:p>
-            <a:pPr indent="0" lvl="0" marL="0" rtl="0" algn="ctr">
-              <a:spcBef>
-                <a:spcPts val="0"/>
-              </a:spcBef>
-              <a:spcAft>
-                <a:spcPts val="0"/>
-              </a:spcAft>
-              <a:buSzPts val="990"/>
-              <a:buNone/>
-            </a:pPr>
-            <a:r>
-              <a:rPr lang="ru" sz="3020">
-                <a:latin typeface="Courier New"/>
-                <a:ea typeface="Courier New"/>
-                <a:cs typeface="Courier New"/>
-                <a:sym typeface="Courier New"/>
-              </a:rPr>
-              <a:t>Коэффициент</a:t>
-            </a:r>
-            <a:r>
-              <a:rPr lang="ru" sz="3020">
-                <a:latin typeface="Courier New"/>
-                <a:ea typeface="Courier New"/>
-                <a:cs typeface="Courier New"/>
-                <a:sym typeface="Courier New"/>
-              </a:rPr>
-              <a:t> a</a:t>
-            </a:r>
-            <a:endParaRPr sz="3020">
-              <a:latin typeface="Courier New"/>
-              <a:ea typeface="Courier New"/>
-              <a:cs typeface="Courier New"/>
-              <a:sym typeface="Courier New"/>
-            </a:endParaRPr>
-          </a:p>
-        </p:txBody>
-      </p:sp>
-      <p:sp>
-        <p:nvSpPr>
-          <p:cNvPr id="107" name="Google Shape;107;p21"/>
-          <p:cNvSpPr txBox="1"/>
-          <p:nvPr>
-            <p:ph idx="1" type="body"/>
-          </p:nvPr>
-        </p:nvSpPr>
-        <p:spPr>
-          <a:xfrm>
-            <a:off x="311700" y="1152475"/>
-            <a:ext cx="8520600" cy="3416400"/>
-          </a:xfrm>
-          <a:prstGeom prst="rect">
-            <a:avLst/>
-          </a:prstGeom>
-        </p:spPr>
-        <p:txBody>
-          <a:bodyPr anchorCtr="0" anchor="t" bIns="91425" lIns="91425" spcFirstLastPara="1" rIns="91425" wrap="square" tIns="91425">
-            <a:normAutofit/>
-          </a:bodyPr>
-          <a:lstStyle/>
-          <a:p>
-            <a:pPr indent="0" lvl="0" marL="0" rtl="0" algn="l">
-              <a:spcBef>
-                <a:spcPts val="0"/>
-              </a:spcBef>
-              <a:spcAft>
-                <a:spcPts val="0"/>
-              </a:spcAft>
-              <a:buClr>
-                <a:schemeClr val="dk1"/>
-              </a:buClr>
-              <a:buSzPts val="1100"/>
-              <a:buFont typeface="Arial"/>
-              <a:buNone/>
-            </a:pPr>
-            <a:r>
-              <a:rPr lang="ru" sz="2000">
-                <a:solidFill>
-                  <a:srgbClr val="222222"/>
-                </a:solidFill>
-                <a:highlight>
-                  <a:srgbClr val="FFFFFF"/>
-                </a:highlight>
-                <a:latin typeface="Montserrat Light"/>
-                <a:ea typeface="Montserrat Light"/>
-                <a:cs typeface="Montserrat Light"/>
-                <a:sym typeface="Montserrat Light"/>
-              </a:rPr>
-              <a:t>Введем коэффициент α, который показывает несбалансированность дерева. Математически это выглядит следующим образом: </a:t>
-            </a:r>
-            <a:endParaRPr sz="2000">
-              <a:solidFill>
-                <a:srgbClr val="222222"/>
-              </a:solidFill>
-              <a:highlight>
-                <a:srgbClr val="FFFFFF"/>
-              </a:highlight>
-              <a:latin typeface="Montserrat Light"/>
-              <a:ea typeface="Montserrat Light"/>
-              <a:cs typeface="Montserrat Light"/>
-              <a:sym typeface="Montserrat Light"/>
-            </a:endParaRPr>
-          </a:p>
-          <a:p>
-            <a:pPr indent="0" lvl="0" marL="0" rtl="0" algn="l">
-              <a:spcBef>
-                <a:spcPts val="0"/>
-              </a:spcBef>
-              <a:spcAft>
-                <a:spcPts val="0"/>
-              </a:spcAft>
-              <a:buNone/>
-            </a:pPr>
-            <a:r>
-              <a:rPr lang="ru" sz="2000">
-                <a:solidFill>
-                  <a:srgbClr val="222222"/>
-                </a:solidFill>
-                <a:highlight>
-                  <a:srgbClr val="FFFFFF"/>
-                </a:highlight>
-                <a:latin typeface="Montserrat Light"/>
-                <a:ea typeface="Montserrat Light"/>
-                <a:cs typeface="Montserrat Light"/>
-                <a:sym typeface="Montserrat Light"/>
-              </a:rPr>
-              <a:t>1/2⩽α⩽1 size(left[x])⩽α⋅size(x) ; size(right[x])⩽α⋅size(x), где size(left[x]) и size(right[x]) — размер левого и правого поддерева вершины x.</a:t>
-            </a:r>
-            <a:endParaRPr sz="2000">
-              <a:latin typeface="Montserrat Light"/>
-              <a:ea typeface="Montserrat Light"/>
-              <a:cs typeface="Montserrat Light"/>
-              <a:sym typeface="Montserrat Light"/>
-            </a:endParaRPr>
+            <a:fld id="{00000000-1234-1234-1234-123412341234}" type="slidenum">
+              <a:rPr lang="ru" smtClean="0"/>
+              <a:t>8</a:t>
+            </a:fld>
+            <a:endParaRPr lang="ru"/>
           </a:p>
         </p:txBody>
       </p:sp>
@@ -9087,7 +8349,288 @@
 </file>
 
 <file path=ppt/theme/theme1.xml><?xml version="1.0" encoding="utf-8"?>
-<a:theme xmlns:a="http://schemas.openxmlformats.org/drawingml/2006/main" xmlns:r="http://schemas.openxmlformats.org/officeDocument/2006/relationships">
+<a:theme xmlns:a="http://schemas.openxmlformats.org/drawingml/2006/main" name="Simple Light">
+  <a:themeElements>
+    <a:clrScheme name="Simple Light">
+      <a:dk1>
+        <a:srgbClr val="000000"/>
+      </a:dk1>
+      <a:lt1>
+        <a:srgbClr val="FFFFFF"/>
+      </a:lt1>
+      <a:dk2>
+        <a:srgbClr val="595959"/>
+      </a:dk2>
+      <a:lt2>
+        <a:srgbClr val="EEEEEE"/>
+      </a:lt2>
+      <a:accent1>
+        <a:srgbClr val="4285F4"/>
+      </a:accent1>
+      <a:accent2>
+        <a:srgbClr val="212121"/>
+      </a:accent2>
+      <a:accent3>
+        <a:srgbClr val="78909C"/>
+      </a:accent3>
+      <a:accent4>
+        <a:srgbClr val="FFAB40"/>
+      </a:accent4>
+      <a:accent5>
+        <a:srgbClr val="0097A7"/>
+      </a:accent5>
+      <a:accent6>
+        <a:srgbClr val="EEFF41"/>
+      </a:accent6>
+      <a:hlink>
+        <a:srgbClr val="0097A7"/>
+      </a:hlink>
+      <a:folHlink>
+        <a:srgbClr val="0097A7"/>
+      </a:folHlink>
+    </a:clrScheme>
+    <a:fontScheme name="Office">
+      <a:majorFont>
+        <a:latin typeface="Arial"/>
+        <a:ea typeface=""/>
+        <a:cs typeface=""/>
+        <a:font script="Jpan" typeface="ＭＳ Ｐゴシック"/>
+        <a:font script="Hang" typeface="맑은 고딕"/>
+        <a:font script="Hans" typeface="宋体"/>
+        <a:font script="Hant" typeface="新細明體"/>
+        <a:font script="Arab" typeface="Times New Roman"/>
+        <a:font script="Hebr" typeface="Times New Roman"/>
+        <a:font script="Thai" typeface="Angsana New"/>
+        <a:font script="Ethi" typeface="Nyala"/>
+        <a:font script="Beng" typeface="Vrinda"/>
+        <a:font script="Gujr" typeface="Shruti"/>
+        <a:font script="Khmr" typeface="MoolBoran"/>
+        <a:font script="Knda" typeface="Tunga"/>
+        <a:font script="Guru" typeface="Raavi"/>
+        <a:font script="Cans" typeface="Euphemia"/>
+        <a:font script="Cher" typeface="Plantagenet Cherokee"/>
+        <a:font script="Yiii" typeface="Microsoft Yi Baiti"/>
+        <a:font script="Tibt" typeface="Microsoft Himalaya"/>
+        <a:font script="Thaa" typeface="MV Boli"/>
+        <a:font script="Deva" typeface="Mangal"/>
+        <a:font script="Telu" typeface="Gautami"/>
+        <a:font script="Taml" typeface="Latha"/>
+        <a:font script="Syrc" typeface="Estrangelo Edessa"/>
+        <a:font script="Orya" typeface="Kalinga"/>
+        <a:font script="Mlym" typeface="Kartika"/>
+        <a:font script="Laoo" typeface="DokChampa"/>
+        <a:font script="Sinh" typeface="Iskoola Pota"/>
+        <a:font script="Mong" typeface="Mongolian Baiti"/>
+        <a:font script="Viet" typeface="Times New Roman"/>
+        <a:font script="Uigh" typeface="Microsoft Uighur"/>
+        <a:font script="Geor" typeface="Sylfaen"/>
+      </a:majorFont>
+      <a:minorFont>
+        <a:latin typeface="Arial"/>
+        <a:ea typeface=""/>
+        <a:cs typeface=""/>
+        <a:font script="Jpan" typeface="ＭＳ Ｐゴシック"/>
+        <a:font script="Hang" typeface="맑은 고딕"/>
+        <a:font script="Hans" typeface="宋体"/>
+        <a:font script="Hant" typeface="新細明體"/>
+        <a:font script="Arab" typeface="Arial"/>
+        <a:font script="Hebr" typeface="Arial"/>
+        <a:font script="Thai" typeface="Cordia New"/>
+        <a:font script="Ethi" typeface="Nyala"/>
+        <a:font script="Beng" typeface="Vrinda"/>
+        <a:font script="Gujr" typeface="Shruti"/>
+        <a:font script="Khmr" typeface="DaunPenh"/>
+        <a:font script="Knda" typeface="Tunga"/>
+        <a:font script="Guru" typeface="Raavi"/>
+        <a:font script="Cans" typeface="Euphemia"/>
+        <a:font script="Cher" typeface="Plantagenet Cherokee"/>
+        <a:font script="Yiii" typeface="Microsoft Yi Baiti"/>
+        <a:font script="Tibt" typeface="Microsoft Himalaya"/>
+        <a:font script="Thaa" typeface="MV Boli"/>
+        <a:font script="Deva" typeface="Mangal"/>
+        <a:font script="Telu" typeface="Gautami"/>
+        <a:font script="Taml" typeface="Latha"/>
+        <a:font script="Syrc" typeface="Estrangelo Edessa"/>
+        <a:font script="Orya" typeface="Kalinga"/>
+        <a:font script="Mlym" typeface="Kartika"/>
+        <a:font script="Laoo" typeface="DokChampa"/>
+        <a:font script="Sinh" typeface="Iskoola Pota"/>
+        <a:font script="Mong" typeface="Mongolian Baiti"/>
+        <a:font script="Viet" typeface="Arial"/>
+        <a:font script="Uigh" typeface="Microsoft Uighur"/>
+        <a:font script="Geor" typeface="Sylfaen"/>
+      </a:minorFont>
+    </a:fontScheme>
+    <a:fmtScheme name="Office">
+      <a:fillStyleLst>
+        <a:solidFill>
+          <a:schemeClr val="phClr"/>
+        </a:solidFill>
+        <a:gradFill rotWithShape="1">
+          <a:gsLst>
+            <a:gs pos="0">
+              <a:schemeClr val="phClr">
+                <a:tint val="50000"/>
+                <a:satMod val="300000"/>
+              </a:schemeClr>
+            </a:gs>
+            <a:gs pos="35000">
+              <a:schemeClr val="phClr">
+                <a:tint val="37000"/>
+                <a:satMod val="300000"/>
+              </a:schemeClr>
+            </a:gs>
+            <a:gs pos="100000">
+              <a:schemeClr val="phClr">
+                <a:tint val="15000"/>
+                <a:satMod val="350000"/>
+              </a:schemeClr>
+            </a:gs>
+          </a:gsLst>
+          <a:lin ang="16200000" scaled="1"/>
+        </a:gradFill>
+        <a:gradFill rotWithShape="1">
+          <a:gsLst>
+            <a:gs pos="0">
+              <a:schemeClr val="phClr">
+                <a:tint val="100000"/>
+                <a:shade val="100000"/>
+                <a:satMod val="130000"/>
+              </a:schemeClr>
+            </a:gs>
+            <a:gs pos="100000">
+              <a:schemeClr val="phClr">
+                <a:tint val="50000"/>
+                <a:shade val="100000"/>
+                <a:satMod val="350000"/>
+              </a:schemeClr>
+            </a:gs>
+          </a:gsLst>
+          <a:lin ang="16200000" scaled="0"/>
+        </a:gradFill>
+      </a:fillStyleLst>
+      <a:lnStyleLst>
+        <a:ln w="9525" cap="flat" cmpd="sng" algn="ctr">
+          <a:solidFill>
+            <a:schemeClr val="phClr">
+              <a:shade val="95000"/>
+              <a:satMod val="105000"/>
+            </a:schemeClr>
+          </a:solidFill>
+          <a:prstDash val="solid"/>
+        </a:ln>
+        <a:ln w="25400" cap="flat" cmpd="sng" algn="ctr">
+          <a:solidFill>
+            <a:schemeClr val="phClr"/>
+          </a:solidFill>
+          <a:prstDash val="solid"/>
+        </a:ln>
+        <a:ln w="38100" cap="flat" cmpd="sng" algn="ctr">
+          <a:solidFill>
+            <a:schemeClr val="phClr"/>
+          </a:solidFill>
+          <a:prstDash val="solid"/>
+        </a:ln>
+      </a:lnStyleLst>
+      <a:effectStyleLst>
+        <a:effectStyle>
+          <a:effectLst>
+            <a:outerShdw blurRad="40000" dist="20000" dir="5400000" rotWithShape="0">
+              <a:srgbClr val="000000">
+                <a:alpha val="38000"/>
+              </a:srgbClr>
+            </a:outerShdw>
+          </a:effectLst>
+        </a:effectStyle>
+        <a:effectStyle>
+          <a:effectLst>
+            <a:outerShdw blurRad="40000" dist="23000" dir="5400000" rotWithShape="0">
+              <a:srgbClr val="000000">
+                <a:alpha val="35000"/>
+              </a:srgbClr>
+            </a:outerShdw>
+          </a:effectLst>
+        </a:effectStyle>
+        <a:effectStyle>
+          <a:effectLst>
+            <a:outerShdw blurRad="40000" dist="23000" dir="5400000" rotWithShape="0">
+              <a:srgbClr val="000000">
+                <a:alpha val="35000"/>
+              </a:srgbClr>
+            </a:outerShdw>
+          </a:effectLst>
+          <a:scene3d>
+            <a:camera prst="orthographicFront">
+              <a:rot lat="0" lon="0" rev="0"/>
+            </a:camera>
+            <a:lightRig rig="threePt" dir="t">
+              <a:rot lat="0" lon="0" rev="1200000"/>
+            </a:lightRig>
+          </a:scene3d>
+          <a:sp3d>
+            <a:bevelT w="63500" h="25400"/>
+          </a:sp3d>
+        </a:effectStyle>
+      </a:effectStyleLst>
+      <a:bgFillStyleLst>
+        <a:solidFill>
+          <a:schemeClr val="phClr"/>
+        </a:solidFill>
+        <a:gradFill rotWithShape="1">
+          <a:gsLst>
+            <a:gs pos="0">
+              <a:schemeClr val="phClr">
+                <a:tint val="40000"/>
+                <a:satMod val="350000"/>
+              </a:schemeClr>
+            </a:gs>
+            <a:gs pos="40000">
+              <a:schemeClr val="phClr">
+                <a:tint val="45000"/>
+                <a:shade val="99000"/>
+                <a:satMod val="350000"/>
+              </a:schemeClr>
+            </a:gs>
+            <a:gs pos="100000">
+              <a:schemeClr val="phClr">
+                <a:shade val="20000"/>
+                <a:satMod val="255000"/>
+              </a:schemeClr>
+            </a:gs>
+          </a:gsLst>
+          <a:path path="circle">
+            <a:fillToRect l="50000" t="-80000" r="50000" b="180000"/>
+          </a:path>
+        </a:gradFill>
+        <a:gradFill rotWithShape="1">
+          <a:gsLst>
+            <a:gs pos="0">
+              <a:schemeClr val="phClr">
+                <a:tint val="80000"/>
+                <a:satMod val="300000"/>
+              </a:schemeClr>
+            </a:gs>
+            <a:gs pos="100000">
+              <a:schemeClr val="phClr">
+                <a:shade val="30000"/>
+                <a:satMod val="200000"/>
+              </a:schemeClr>
+            </a:gs>
+          </a:gsLst>
+          <a:path path="circle">
+            <a:fillToRect l="50000" t="50000" r="50000" b="50000"/>
+          </a:path>
+        </a:gradFill>
+      </a:bgFillStyleLst>
+    </a:fmtScheme>
+  </a:themeElements>
+  <a:objectDefaults/>
+  <a:extraClrSchemeLst/>
+</a:theme>
+</file>
+
+<file path=ppt/theme/theme2.xml><?xml version="1.0" encoding="utf-8"?>
+<a:theme xmlns:a="http://schemas.openxmlformats.org/drawingml/2006/main">
   <a:themeElements>
     <a:clrScheme name="Default">
       <a:dk1>
@@ -9362,284 +8905,7 @@
       </a:bgFillStyleLst>
     </a:fmtScheme>
   </a:themeElements>
-</a:theme>
-</file>
-
-<file path=ppt/theme/theme2.xml><?xml version="1.0" encoding="utf-8"?>
-<a:theme xmlns:a="http://schemas.openxmlformats.org/drawingml/2006/main" xmlns:r="http://schemas.openxmlformats.org/officeDocument/2006/relationships" name="Simple Light">
-  <a:themeElements>
-    <a:clrScheme name="Simple Light">
-      <a:dk1>
-        <a:srgbClr val="000000"/>
-      </a:dk1>
-      <a:lt1>
-        <a:srgbClr val="FFFFFF"/>
-      </a:lt1>
-      <a:dk2>
-        <a:srgbClr val="595959"/>
-      </a:dk2>
-      <a:lt2>
-        <a:srgbClr val="EEEEEE"/>
-      </a:lt2>
-      <a:accent1>
-        <a:srgbClr val="4285F4"/>
-      </a:accent1>
-      <a:accent2>
-        <a:srgbClr val="212121"/>
-      </a:accent2>
-      <a:accent3>
-        <a:srgbClr val="78909C"/>
-      </a:accent3>
-      <a:accent4>
-        <a:srgbClr val="FFAB40"/>
-      </a:accent4>
-      <a:accent5>
-        <a:srgbClr val="0097A7"/>
-      </a:accent5>
-      <a:accent6>
-        <a:srgbClr val="EEFF41"/>
-      </a:accent6>
-      <a:hlink>
-        <a:srgbClr val="0097A7"/>
-      </a:hlink>
-      <a:folHlink>
-        <a:srgbClr val="0097A7"/>
-      </a:folHlink>
-    </a:clrScheme>
-    <a:fontScheme name="Office">
-      <a:majorFont>
-        <a:latin typeface="Arial"/>
-        <a:ea typeface=""/>
-        <a:cs typeface=""/>
-        <a:font script="Jpan" typeface="ＭＳ Ｐゴシック"/>
-        <a:font script="Hang" typeface="맑은 고딕"/>
-        <a:font script="Hans" typeface="宋体"/>
-        <a:font script="Hant" typeface="新細明體"/>
-        <a:font script="Arab" typeface="Times New Roman"/>
-        <a:font script="Hebr" typeface="Times New Roman"/>
-        <a:font script="Thai" typeface="Angsana New"/>
-        <a:font script="Ethi" typeface="Nyala"/>
-        <a:font script="Beng" typeface="Vrinda"/>
-        <a:font script="Gujr" typeface="Shruti"/>
-        <a:font script="Khmr" typeface="MoolBoran"/>
-        <a:font script="Knda" typeface="Tunga"/>
-        <a:font script="Guru" typeface="Raavi"/>
-        <a:font script="Cans" typeface="Euphemia"/>
-        <a:font script="Cher" typeface="Plantagenet Cherokee"/>
-        <a:font script="Yiii" typeface="Microsoft Yi Baiti"/>
-        <a:font script="Tibt" typeface="Microsoft Himalaya"/>
-        <a:font script="Thaa" typeface="MV Boli"/>
-        <a:font script="Deva" typeface="Mangal"/>
-        <a:font script="Telu" typeface="Gautami"/>
-        <a:font script="Taml" typeface="Latha"/>
-        <a:font script="Syrc" typeface="Estrangelo Edessa"/>
-        <a:font script="Orya" typeface="Kalinga"/>
-        <a:font script="Mlym" typeface="Kartika"/>
-        <a:font script="Laoo" typeface="DokChampa"/>
-        <a:font script="Sinh" typeface="Iskoola Pota"/>
-        <a:font script="Mong" typeface="Mongolian Baiti"/>
-        <a:font script="Viet" typeface="Times New Roman"/>
-        <a:font script="Uigh" typeface="Microsoft Uighur"/>
-        <a:font script="Geor" typeface="Sylfaen"/>
-      </a:majorFont>
-      <a:minorFont>
-        <a:latin typeface="Arial"/>
-        <a:ea typeface=""/>
-        <a:cs typeface=""/>
-        <a:font script="Jpan" typeface="ＭＳ Ｐゴシック"/>
-        <a:font script="Hang" typeface="맑은 고딕"/>
-        <a:font script="Hans" typeface="宋体"/>
-        <a:font script="Hant" typeface="新細明體"/>
-        <a:font script="Arab" typeface="Arial"/>
-        <a:font script="Hebr" typeface="Arial"/>
-        <a:font script="Thai" typeface="Cordia New"/>
-        <a:font script="Ethi" typeface="Nyala"/>
-        <a:font script="Beng" typeface="Vrinda"/>
-        <a:font script="Gujr" typeface="Shruti"/>
-        <a:font script="Khmr" typeface="DaunPenh"/>
-        <a:font script="Knda" typeface="Tunga"/>
-        <a:font script="Guru" typeface="Raavi"/>
-        <a:font script="Cans" typeface="Euphemia"/>
-        <a:font script="Cher" typeface="Plantagenet Cherokee"/>
-        <a:font script="Yiii" typeface="Microsoft Yi Baiti"/>
-        <a:font script="Tibt" typeface="Microsoft Himalaya"/>
-        <a:font script="Thaa" typeface="MV Boli"/>
-        <a:font script="Deva" typeface="Mangal"/>
-        <a:font script="Telu" typeface="Gautami"/>
-        <a:font script="Taml" typeface="Latha"/>
-        <a:font script="Syrc" typeface="Estrangelo Edessa"/>
-        <a:font script="Orya" typeface="Kalinga"/>
-        <a:font script="Mlym" typeface="Kartika"/>
-        <a:font script="Laoo" typeface="DokChampa"/>
-        <a:font script="Sinh" typeface="Iskoola Pota"/>
-        <a:font script="Mong" typeface="Mongolian Baiti"/>
-        <a:font script="Viet" typeface="Arial"/>
-        <a:font script="Uigh" typeface="Microsoft Uighur"/>
-        <a:font script="Geor" typeface="Sylfaen"/>
-      </a:minorFont>
-    </a:fontScheme>
-    <a:fmtScheme name="Office">
-      <a:fillStyleLst>
-        <a:solidFill>
-          <a:schemeClr val="phClr"/>
-        </a:solidFill>
-        <a:gradFill rotWithShape="1">
-          <a:gsLst>
-            <a:gs pos="0">
-              <a:schemeClr val="phClr">
-                <a:tint val="50000"/>
-                <a:satMod val="300000"/>
-              </a:schemeClr>
-            </a:gs>
-            <a:gs pos="35000">
-              <a:schemeClr val="phClr">
-                <a:tint val="37000"/>
-                <a:satMod val="300000"/>
-              </a:schemeClr>
-            </a:gs>
-            <a:gs pos="100000">
-              <a:schemeClr val="phClr">
-                <a:tint val="15000"/>
-                <a:satMod val="350000"/>
-              </a:schemeClr>
-            </a:gs>
-          </a:gsLst>
-          <a:lin ang="16200000" scaled="1"/>
-        </a:gradFill>
-        <a:gradFill rotWithShape="1">
-          <a:gsLst>
-            <a:gs pos="0">
-              <a:schemeClr val="phClr">
-                <a:tint val="100000"/>
-                <a:shade val="100000"/>
-                <a:satMod val="130000"/>
-              </a:schemeClr>
-            </a:gs>
-            <a:gs pos="100000">
-              <a:schemeClr val="phClr">
-                <a:tint val="50000"/>
-                <a:shade val="100000"/>
-                <a:satMod val="350000"/>
-              </a:schemeClr>
-            </a:gs>
-          </a:gsLst>
-          <a:lin ang="16200000" scaled="0"/>
-        </a:gradFill>
-      </a:fillStyleLst>
-      <a:lnStyleLst>
-        <a:ln w="9525" cap="flat" cmpd="sng" algn="ctr">
-          <a:solidFill>
-            <a:schemeClr val="phClr">
-              <a:shade val="95000"/>
-              <a:satMod val="105000"/>
-            </a:schemeClr>
-          </a:solidFill>
-          <a:prstDash val="solid"/>
-        </a:ln>
-        <a:ln w="25400" cap="flat" cmpd="sng" algn="ctr">
-          <a:solidFill>
-            <a:schemeClr val="phClr"/>
-          </a:solidFill>
-          <a:prstDash val="solid"/>
-        </a:ln>
-        <a:ln w="38100" cap="flat" cmpd="sng" algn="ctr">
-          <a:solidFill>
-            <a:schemeClr val="phClr"/>
-          </a:solidFill>
-          <a:prstDash val="solid"/>
-        </a:ln>
-      </a:lnStyleLst>
-      <a:effectStyleLst>
-        <a:effectStyle>
-          <a:effectLst>
-            <a:outerShdw blurRad="40000" dist="20000" dir="5400000" rotWithShape="0">
-              <a:srgbClr val="000000">
-                <a:alpha val="38000"/>
-              </a:srgbClr>
-            </a:outerShdw>
-          </a:effectLst>
-        </a:effectStyle>
-        <a:effectStyle>
-          <a:effectLst>
-            <a:outerShdw blurRad="40000" dist="23000" dir="5400000" rotWithShape="0">
-              <a:srgbClr val="000000">
-                <a:alpha val="35000"/>
-              </a:srgbClr>
-            </a:outerShdw>
-          </a:effectLst>
-        </a:effectStyle>
-        <a:effectStyle>
-          <a:effectLst>
-            <a:outerShdw blurRad="40000" dist="23000" dir="5400000" rotWithShape="0">
-              <a:srgbClr val="000000">
-                <a:alpha val="35000"/>
-              </a:srgbClr>
-            </a:outerShdw>
-          </a:effectLst>
-          <a:scene3d>
-            <a:camera prst="orthographicFront">
-              <a:rot lat="0" lon="0" rev="0"/>
-            </a:camera>
-            <a:lightRig rig="threePt" dir="t">
-              <a:rot lat="0" lon="0" rev="1200000"/>
-            </a:lightRig>
-          </a:scene3d>
-          <a:sp3d>
-            <a:bevelT w="63500" h="25400"/>
-          </a:sp3d>
-        </a:effectStyle>
-      </a:effectStyleLst>
-      <a:bgFillStyleLst>
-        <a:solidFill>
-          <a:schemeClr val="phClr"/>
-        </a:solidFill>
-        <a:gradFill rotWithShape="1">
-          <a:gsLst>
-            <a:gs pos="0">
-              <a:schemeClr val="phClr">
-                <a:tint val="40000"/>
-                <a:satMod val="350000"/>
-              </a:schemeClr>
-            </a:gs>
-            <a:gs pos="40000">
-              <a:schemeClr val="phClr">
-                <a:tint val="45000"/>
-                <a:shade val="99000"/>
-                <a:satMod val="350000"/>
-              </a:schemeClr>
-            </a:gs>
-            <a:gs pos="100000">
-              <a:schemeClr val="phClr">
-                <a:shade val="20000"/>
-                <a:satMod val="255000"/>
-              </a:schemeClr>
-            </a:gs>
-          </a:gsLst>
-          <a:path path="circle">
-            <a:fillToRect l="50000" t="-80000" r="50000" b="180000"/>
-          </a:path>
-        </a:gradFill>
-        <a:gradFill rotWithShape="1">
-          <a:gsLst>
-            <a:gs pos="0">
-              <a:schemeClr val="phClr">
-                <a:tint val="80000"/>
-                <a:satMod val="300000"/>
-              </a:schemeClr>
-            </a:gs>
-            <a:gs pos="100000">
-              <a:schemeClr val="phClr">
-                <a:shade val="30000"/>
-                <a:satMod val="200000"/>
-              </a:schemeClr>
-            </a:gs>
-          </a:gsLst>
-          <a:path path="circle">
-            <a:fillToRect l="50000" t="50000" r="50000" b="50000"/>
-          </a:path>
-        </a:gradFill>
-      </a:bgFillStyleLst>
-    </a:fmtScheme>
-  </a:themeElements>
+  <a:objectDefaults/>
+  <a:extraClrSchemeLst/>
 </a:theme>
 </file>
--- a/ScapeGoat Three.pptx
+++ b/ScapeGoat Three.pptx
@@ -12,8 +12,8 @@
     <p:sldId id="257" r:id="rId3"/>
     <p:sldId id="258" r:id="rId4"/>
     <p:sldId id="259" r:id="rId5"/>
-    <p:sldId id="260" r:id="rId6"/>
-    <p:sldId id="261" r:id="rId7"/>
+    <p:sldId id="265" r:id="rId6"/>
+    <p:sldId id="260" r:id="rId7"/>
     <p:sldId id="263" r:id="rId8"/>
     <p:sldId id="264" r:id="rId9"/>
   </p:sldIdLst>
@@ -1263,110 +1263,6 @@
   <p:cSld>
     <p:spTree>
       <p:nvGrpSpPr>
-        <p:cNvPr id="1" name="Shape 90"/>
-        <p:cNvGrpSpPr/>
-        <p:nvPr/>
-      </p:nvGrpSpPr>
-      <p:grpSpPr>
-        <a:xfrm>
-          <a:off x="0" y="0"/>
-          <a:ext cx="0" cy="0"/>
-          <a:chOff x="0" y="0"/>
-          <a:chExt cx="0" cy="0"/>
-        </a:xfrm>
-      </p:grpSpPr>
-      <p:sp>
-        <p:nvSpPr>
-          <p:cNvPr id="91" name="Google Shape;91;g1fa41595bf3_0_76:notes"/>
-          <p:cNvSpPr>
-            <a:spLocks noGrp="1" noRot="1" noChangeAspect="1"/>
-          </p:cNvSpPr>
-          <p:nvPr>
-            <p:ph type="sldImg" idx="2"/>
-          </p:nvPr>
-        </p:nvSpPr>
-        <p:spPr>
-          <a:xfrm>
-            <a:off x="381000" y="685800"/>
-            <a:ext cx="6096000" cy="3429000"/>
-          </a:xfrm>
-          <a:custGeom>
-            <a:avLst/>
-            <a:gdLst/>
-            <a:ahLst/>
-            <a:cxnLst/>
-            <a:rect l="l" t="t" r="r" b="b"/>
-            <a:pathLst>
-              <a:path w="120000" h="120000" extrusionOk="0">
-                <a:moveTo>
-                  <a:pt x="0" y="0"/>
-                </a:moveTo>
-                <a:lnTo>
-                  <a:pt x="120000" y="0"/>
-                </a:lnTo>
-                <a:lnTo>
-                  <a:pt x="120000" y="120000"/>
-                </a:lnTo>
-                <a:lnTo>
-                  <a:pt x="0" y="120000"/>
-                </a:lnTo>
-                <a:close/>
-              </a:path>
-            </a:pathLst>
-          </a:custGeom>
-        </p:spPr>
-      </p:sp>
-      <p:sp>
-        <p:nvSpPr>
-          <p:cNvPr id="92" name="Google Shape;92;g1fa41595bf3_0_76:notes"/>
-          <p:cNvSpPr txBox="1">
-            <a:spLocks noGrp="1"/>
-          </p:cNvSpPr>
-          <p:nvPr>
-            <p:ph type="body" idx="1"/>
-          </p:nvPr>
-        </p:nvSpPr>
-        <p:spPr>
-          <a:xfrm>
-            <a:off x="685800" y="4343400"/>
-            <a:ext cx="5486400" cy="4114800"/>
-          </a:xfrm>
-          <a:prstGeom prst="rect">
-            <a:avLst/>
-          </a:prstGeom>
-        </p:spPr>
-        <p:txBody>
-          <a:bodyPr spcFirstLastPara="1" wrap="square" lIns="91425" tIns="91425" rIns="91425" bIns="91425" anchor="t" anchorCtr="0">
-            <a:noAutofit/>
-          </a:bodyPr>
-          <a:lstStyle/>
-          <a:p>
-            <a:pPr marL="0" lvl="0" indent="0" algn="l" rtl="0">
-              <a:spcBef>
-                <a:spcPts val="0"/>
-              </a:spcBef>
-              <a:spcAft>
-                <a:spcPts val="0"/>
-              </a:spcAft>
-              <a:buNone/>
-            </a:pPr>
-            <a:endParaRPr/>
-          </a:p>
-        </p:txBody>
-      </p:sp>
-    </p:spTree>
-  </p:cSld>
-  <p:clrMapOvr>
-    <a:masterClrMapping/>
-  </p:clrMapOvr>
-</p:notes>
-</file>
-
-<file path=ppt/notesSlides/notesSlide7.xml><?xml version="1.0" encoding="utf-8"?>
-<p:notes xmlns:a="http://schemas.openxmlformats.org/drawingml/2006/main" xmlns:r="http://schemas.openxmlformats.org/officeDocument/2006/relationships" xmlns:p="http://schemas.openxmlformats.org/presentationml/2006/main" showMasterSp="0" showMasterPhAnim="0">
-  <p:cSld>
-    <p:spTree>
-      <p:nvGrpSpPr>
         <p:cNvPr id="1" name="Shape 103"/>
         <p:cNvGrpSpPr/>
         <p:nvPr/>
@@ -1466,7 +1362,7 @@
 </p:notes>
 </file>
 
-<file path=ppt/notesSlides/notesSlide8.xml><?xml version="1.0" encoding="utf-8"?>
+<file path=ppt/notesSlides/notesSlide7.xml><?xml version="1.0" encoding="utf-8"?>
 <p:notes xmlns:a="http://schemas.openxmlformats.org/drawingml/2006/main" xmlns:r="http://schemas.openxmlformats.org/officeDocument/2006/relationships" xmlns:p="http://schemas.openxmlformats.org/presentationml/2006/main" showMasterSp="0" showMasterPhAnim="0">
   <p:cSld>
     <p:spTree>
@@ -6924,8 +6820,8 @@
         </p:blipFill>
         <p:spPr>
           <a:xfrm>
-            <a:off x="220625" y="1579100"/>
-            <a:ext cx="3210725" cy="3210725"/>
+            <a:off x="389731" y="1392105"/>
+            <a:ext cx="2866994" cy="2896731"/>
           </a:xfrm>
           <a:prstGeom prst="rect">
             <a:avLst/>
@@ -7098,7 +6994,7 @@
                 <a:cs typeface="Montserrat Light"/>
                 <a:sym typeface="Montserrat Light"/>
               </a:rPr>
-              <a:t>Этот тип дерева был изобретен в 1989 году Арне Андерссоном, затем заново изобретен в 1993 году Игалом Гальперином и Рональдом Л. Ривестом .</a:t>
+              <a:t>Этот тип дерева был изобретен в 1989 году Арне Андерссоном, затем заново изобретен в 1993 году Игалом Гальперином и Рональдом Л. Ривестом.</a:t>
             </a:r>
             <a:endParaRPr dirty="0">
               <a:latin typeface="Montserrat Light"/>
@@ -7290,15 +7186,15 @@
               <a:buNone/>
             </a:pPr>
             <a:r>
-              <a:rPr lang="ru" sz="3020">
+              <a:rPr lang="ru" sz="3020" dirty="0">
                 <a:latin typeface="Courier New"/>
                 <a:ea typeface="Courier New"/>
                 <a:cs typeface="Courier New"/>
                 <a:sym typeface="Courier New"/>
               </a:rPr>
-              <a:t>Описание алгоритма</a:t>
+              <a:t>Пример вставки</a:t>
             </a:r>
-            <a:endParaRPr sz="3020">
+            <a:endParaRPr sz="3020" dirty="0">
               <a:latin typeface="Courier New"/>
               <a:ea typeface="Courier New"/>
               <a:cs typeface="Courier New"/>
@@ -7344,7 +7240,7 @@
               </a:spcAft>
               <a:buNone/>
             </a:pPr>
-            <a:endParaRPr sz="2000">
+            <a:endParaRPr sz="2000" dirty="0">
               <a:solidFill>
                 <a:srgbClr val="222222"/>
               </a:solidFill>
@@ -7370,7 +7266,7 @@
               </a:spcAft>
               <a:buNone/>
             </a:pPr>
-            <a:endParaRPr sz="2000">
+            <a:endParaRPr sz="2000" dirty="0">
               <a:solidFill>
                 <a:srgbClr val="222222"/>
               </a:solidFill>
@@ -7401,7 +7297,7 @@
               <a:buFont typeface="Arial"/>
               <a:buNone/>
             </a:pPr>
-            <a:endParaRPr sz="1700">
+            <a:endParaRPr sz="1700" dirty="0">
               <a:solidFill>
                 <a:srgbClr val="222222"/>
               </a:solidFill>
@@ -7424,7 +7320,7 @@
               </a:spcAft>
               <a:buNone/>
             </a:pPr>
-            <a:endParaRPr sz="2000"/>
+            <a:endParaRPr sz="2000" dirty="0"/>
           </a:p>
         </p:txBody>
       </p:sp>
@@ -7466,6 +7362,170 @@
           </a:p>
         </p:txBody>
       </p:sp>
+      <p:sp>
+        <p:nvSpPr>
+          <p:cNvPr id="3" name="AutoShape 2">
+            <a:extLst>
+              <a:ext uri="{FF2B5EF4-FFF2-40B4-BE49-F238E27FC236}">
+                <a16:creationId xmlns:a16="http://schemas.microsoft.com/office/drawing/2014/main" id="{1F909895-4780-B10A-7AE2-50BF1CCBBDB2}"/>
+              </a:ext>
+            </a:extLst>
+          </p:cNvPr>
+          <p:cNvSpPr>
+            <a:spLocks noChangeAspect="1" noChangeArrowheads="1"/>
+          </p:cNvSpPr>
+          <p:nvPr/>
+        </p:nvSpPr>
+        <p:spPr bwMode="auto">
+          <a:xfrm>
+            <a:off x="4419599" y="657225"/>
+            <a:ext cx="2066925" cy="2066925"/>
+          </a:xfrm>
+          <a:prstGeom prst="rect">
+            <a:avLst/>
+          </a:prstGeom>
+          <a:noFill/>
+          <a:extLst>
+            <a:ext uri="{909E8E84-426E-40DD-AFC4-6F175D3DCCD1}">
+              <a14:hiddenFill xmlns:a14="http://schemas.microsoft.com/office/drawing/2010/main">
+                <a:solidFill>
+                  <a:srgbClr val="FFFFFF"/>
+                </a:solidFill>
+              </a14:hiddenFill>
+            </a:ext>
+          </a:extLst>
+        </p:spPr>
+        <p:txBody>
+          <a:bodyPr vert="horz" wrap="square" lIns="91440" tIns="45720" rIns="91440" bIns="45720" numCol="1" anchor="t" anchorCtr="0" compatLnSpc="1">
+            <a:prstTxWarp prst="textNoShape">
+              <a:avLst/>
+            </a:prstTxWarp>
+          </a:bodyPr>
+          <a:lstStyle/>
+          <a:p>
+            <a:endParaRPr lang="ru-RU"/>
+          </a:p>
+        </p:txBody>
+      </p:sp>
+      <p:pic>
+        <p:nvPicPr>
+          <p:cNvPr id="5" name="Рисунок 4">
+            <a:extLst>
+              <a:ext uri="{FF2B5EF4-FFF2-40B4-BE49-F238E27FC236}">
+                <a16:creationId xmlns:a16="http://schemas.microsoft.com/office/drawing/2014/main" id="{7122102D-7A87-B624-2EBC-8D86F7392230}"/>
+              </a:ext>
+            </a:extLst>
+          </p:cNvPr>
+          <p:cNvPicPr>
+            <a:picLocks noChangeAspect="1"/>
+          </p:cNvPicPr>
+          <p:nvPr/>
+        </p:nvPicPr>
+        <p:blipFill>
+          <a:blip r:embed="rId3"/>
+          <a:stretch>
+            <a:fillRect/>
+          </a:stretch>
+        </p:blipFill>
+        <p:spPr>
+          <a:xfrm>
+            <a:off x="614116" y="1209504"/>
+            <a:ext cx="2450553" cy="3201300"/>
+          </a:xfrm>
+          <a:prstGeom prst="rect">
+            <a:avLst/>
+          </a:prstGeom>
+        </p:spPr>
+      </p:pic>
+      <p:sp>
+        <p:nvSpPr>
+          <p:cNvPr id="10" name="TextBox 9">
+            <a:extLst>
+              <a:ext uri="{FF2B5EF4-FFF2-40B4-BE49-F238E27FC236}">
+                <a16:creationId xmlns:a16="http://schemas.microsoft.com/office/drawing/2014/main" id="{222B2D65-C82F-4D47-9949-22B26BB538D2}"/>
+              </a:ext>
+            </a:extLst>
+          </p:cNvPr>
+          <p:cNvSpPr txBox="1"/>
+          <p:nvPr/>
+        </p:nvSpPr>
+        <p:spPr>
+          <a:xfrm>
+            <a:off x="3760237" y="1607242"/>
+            <a:ext cx="5079206" cy="1015663"/>
+          </a:xfrm>
+          <a:prstGeom prst="rect">
+            <a:avLst/>
+          </a:prstGeom>
+          <a:noFill/>
+        </p:spPr>
+        <p:txBody>
+          <a:bodyPr wrap="square" rtlCol="0">
+            <a:spAutoFit/>
+          </a:bodyPr>
+          <a:lstStyle/>
+          <a:p>
+            <a:r>
+              <a:rPr lang="ru-RU" sz="2000" dirty="0">
+                <a:latin typeface="Montserrat Light" panose="00000400000000000000" pitchFamily="2" charset="-52"/>
+              </a:rPr>
+              <a:t>Мы рассматриваем дерево из 10 элементов высотой 5, в которое добавили элемент 3,5.</a:t>
+            </a:r>
+          </a:p>
+        </p:txBody>
+      </p:sp>
+      <p:sp>
+        <p:nvSpPr>
+          <p:cNvPr id="11" name="TextBox 10">
+            <a:extLst>
+              <a:ext uri="{FF2B5EF4-FFF2-40B4-BE49-F238E27FC236}">
+                <a16:creationId xmlns:a16="http://schemas.microsoft.com/office/drawing/2014/main" id="{EAF88AC6-A5E0-81AA-284C-508E462F8EBA}"/>
+              </a:ext>
+            </a:extLst>
+          </p:cNvPr>
+          <p:cNvSpPr txBox="1"/>
+          <p:nvPr/>
+        </p:nvSpPr>
+        <p:spPr>
+          <a:xfrm>
+            <a:off x="3760237" y="3177907"/>
+            <a:ext cx="4707731" cy="707886"/>
+          </a:xfrm>
+          <a:prstGeom prst="rect">
+            <a:avLst/>
+          </a:prstGeom>
+          <a:noFill/>
+        </p:spPr>
+        <p:txBody>
+          <a:bodyPr wrap="square" rtlCol="0">
+            <a:spAutoFit/>
+          </a:bodyPr>
+          <a:lstStyle/>
+          <a:p>
+            <a:r>
+              <a:rPr lang="ru-RU" sz="2000" dirty="0">
+                <a:latin typeface="Montserrat Light" panose="00000400000000000000" pitchFamily="2" charset="-52"/>
+              </a:rPr>
+              <a:t>Баланс нарушен, начинается поиск </a:t>
+            </a:r>
+            <a:r>
+              <a:rPr lang="en-US" sz="2000" dirty="0" err="1">
+                <a:latin typeface="Montserrat Light" panose="00000400000000000000" pitchFamily="2" charset="-52"/>
+              </a:rPr>
+              <a:t>ScapeGoat</a:t>
+            </a:r>
+            <a:r>
+              <a:rPr lang="en-US" sz="2000" dirty="0">
+                <a:latin typeface="Montserrat Light" panose="00000400000000000000" pitchFamily="2" charset="-52"/>
+              </a:rPr>
+              <a:t>.</a:t>
+            </a:r>
+            <a:endParaRPr lang="ru-RU" sz="2000" dirty="0">
+              <a:latin typeface="Montserrat Light" panose="00000400000000000000" pitchFamily="2" charset="-52"/>
+            </a:endParaRPr>
+          </a:p>
+        </p:txBody>
+      </p:sp>
     </p:spTree>
   </p:cSld>
   <p:clrMapOvr>
@@ -7475,6 +7535,210 @@
 </file>
 
 <file path=ppt/slides/slide5.xml><?xml version="1.0" encoding="utf-8"?>
+<p:sld xmlns:a="http://schemas.openxmlformats.org/drawingml/2006/main" xmlns:r="http://schemas.openxmlformats.org/officeDocument/2006/relationships" xmlns:p="http://schemas.openxmlformats.org/presentationml/2006/main">
+  <p:cSld>
+    <p:spTree>
+      <p:nvGrpSpPr>
+        <p:cNvPr id="1" name=""/>
+        <p:cNvGrpSpPr/>
+        <p:nvPr/>
+      </p:nvGrpSpPr>
+      <p:grpSpPr>
+        <a:xfrm>
+          <a:off x="0" y="0"/>
+          <a:ext cx="0" cy="0"/>
+          <a:chOff x="0" y="0"/>
+          <a:chExt cx="0" cy="0"/>
+        </a:xfrm>
+      </p:grpSpPr>
+      <p:sp>
+        <p:nvSpPr>
+          <p:cNvPr id="2" name="Заголовок 1">
+            <a:extLst>
+              <a:ext uri="{FF2B5EF4-FFF2-40B4-BE49-F238E27FC236}">
+                <a16:creationId xmlns:a16="http://schemas.microsoft.com/office/drawing/2014/main" id="{75A2A5F6-BE3E-4B6F-1084-972F6B425F06}"/>
+              </a:ext>
+            </a:extLst>
+          </p:cNvPr>
+          <p:cNvSpPr>
+            <a:spLocks noGrp="1"/>
+          </p:cNvSpPr>
+          <p:nvPr>
+            <p:ph type="title"/>
+          </p:nvPr>
+        </p:nvSpPr>
+        <p:spPr/>
+        <p:txBody>
+          <a:bodyPr>
+            <a:noAutofit/>
+          </a:bodyPr>
+          <a:lstStyle/>
+          <a:p>
+            <a:pPr algn="ctr"/>
+            <a:r>
+              <a:rPr lang="ru-RU" sz="3000" dirty="0">
+                <a:latin typeface="Courier New" panose="02070309020205020404" pitchFamily="49" charset="0"/>
+                <a:cs typeface="Courier New" panose="02070309020205020404" pitchFamily="49" charset="0"/>
+              </a:rPr>
+              <a:t>Пример </a:t>
+            </a:r>
+            <a:r>
+              <a:rPr lang="ru-RU" sz="3000" dirty="0" err="1">
+                <a:latin typeface="Courier New" panose="02070309020205020404" pitchFamily="49" charset="0"/>
+                <a:cs typeface="Courier New" panose="02070309020205020404" pitchFamily="49" charset="0"/>
+              </a:rPr>
+              <a:t>перебаланировки</a:t>
+            </a:r>
+            <a:endParaRPr lang="ru-RU" sz="3000" dirty="0">
+              <a:latin typeface="Courier New" panose="02070309020205020404" pitchFamily="49" charset="0"/>
+              <a:cs typeface="Courier New" panose="02070309020205020404" pitchFamily="49" charset="0"/>
+            </a:endParaRPr>
+          </a:p>
+        </p:txBody>
+      </p:sp>
+      <p:sp>
+        <p:nvSpPr>
+          <p:cNvPr id="4" name="Номер слайда 3">
+            <a:extLst>
+              <a:ext uri="{FF2B5EF4-FFF2-40B4-BE49-F238E27FC236}">
+                <a16:creationId xmlns:a16="http://schemas.microsoft.com/office/drawing/2014/main" id="{235F906F-4E0B-FBC2-95D7-E987FA2DE98D}"/>
+              </a:ext>
+            </a:extLst>
+          </p:cNvPr>
+          <p:cNvSpPr>
+            <a:spLocks noGrp="1"/>
+          </p:cNvSpPr>
+          <p:nvPr>
+            <p:ph type="sldNum" idx="12"/>
+          </p:nvPr>
+        </p:nvSpPr>
+        <p:spPr/>
+        <p:txBody>
+          <a:bodyPr/>
+          <a:lstStyle/>
+          <a:p>
+            <a:pPr marL="0" lvl="0" indent="0" algn="r" rtl="0">
+              <a:spcBef>
+                <a:spcPts val="0"/>
+              </a:spcBef>
+              <a:spcAft>
+                <a:spcPts val="0"/>
+              </a:spcAft>
+              <a:buNone/>
+            </a:pPr>
+            <a:fld id="{00000000-1234-1234-1234-123412341234}" type="slidenum">
+              <a:rPr lang="ru" smtClean="0"/>
+              <a:t>5</a:t>
+            </a:fld>
+            <a:endParaRPr lang="ru"/>
+          </a:p>
+        </p:txBody>
+      </p:sp>
+      <p:pic>
+        <p:nvPicPr>
+          <p:cNvPr id="5" name="Рисунок 4">
+            <a:extLst>
+              <a:ext uri="{FF2B5EF4-FFF2-40B4-BE49-F238E27FC236}">
+                <a16:creationId xmlns:a16="http://schemas.microsoft.com/office/drawing/2014/main" id="{6B2901FB-E3A6-B7E2-325B-AC014838C651}"/>
+              </a:ext>
+            </a:extLst>
+          </p:cNvPr>
+          <p:cNvPicPr>
+            <a:picLocks noChangeAspect="1"/>
+          </p:cNvPicPr>
+          <p:nvPr/>
+        </p:nvPicPr>
+        <p:blipFill>
+          <a:blip r:embed="rId2"/>
+          <a:stretch>
+            <a:fillRect/>
+          </a:stretch>
+        </p:blipFill>
+        <p:spPr>
+          <a:xfrm>
+            <a:off x="311700" y="1529208"/>
+            <a:ext cx="2700338" cy="3527609"/>
+          </a:xfrm>
+          <a:prstGeom prst="rect">
+            <a:avLst/>
+          </a:prstGeom>
+        </p:spPr>
+      </p:pic>
+      <p:sp>
+        <p:nvSpPr>
+          <p:cNvPr id="6" name="TextBox 5">
+            <a:extLst>
+              <a:ext uri="{FF2B5EF4-FFF2-40B4-BE49-F238E27FC236}">
+                <a16:creationId xmlns:a16="http://schemas.microsoft.com/office/drawing/2014/main" id="{411ED927-57F0-016D-C87C-60889B90796E}"/>
+              </a:ext>
+            </a:extLst>
+          </p:cNvPr>
+          <p:cNvSpPr txBox="1"/>
+          <p:nvPr/>
+        </p:nvSpPr>
+        <p:spPr>
+          <a:xfrm>
+            <a:off x="3711863" y="1529208"/>
+            <a:ext cx="5034945" cy="1938992"/>
+          </a:xfrm>
+          <a:prstGeom prst="rect">
+            <a:avLst/>
+          </a:prstGeom>
+          <a:noFill/>
+        </p:spPr>
+        <p:txBody>
+          <a:bodyPr wrap="square" rtlCol="0">
+            <a:spAutoFit/>
+          </a:bodyPr>
+          <a:lstStyle/>
+          <a:p>
+            <a:r>
+              <a:rPr lang="ru-RU" sz="2000" dirty="0">
+                <a:latin typeface="Montserrat Light" panose="00000400000000000000" pitchFamily="2" charset="-52"/>
+              </a:rPr>
+              <a:t>Когда </a:t>
+            </a:r>
+            <a:r>
+              <a:rPr lang="en-US" sz="2000" dirty="0" err="1">
+                <a:latin typeface="Montserrat Light" panose="00000400000000000000" pitchFamily="2" charset="-52"/>
+              </a:rPr>
+              <a:t>ScapeGoat</a:t>
+            </a:r>
+            <a:r>
+              <a:rPr lang="ru-RU" sz="2000" dirty="0">
+                <a:latin typeface="Montserrat Light" panose="00000400000000000000" pitchFamily="2" charset="-52"/>
+              </a:rPr>
+              <a:t> найден,</a:t>
+            </a:r>
+            <a:r>
+              <a:rPr lang="en-US" sz="2000" dirty="0">
+                <a:latin typeface="Montserrat Light" panose="00000400000000000000" pitchFamily="2" charset="-52"/>
+              </a:rPr>
+              <a:t> </a:t>
+            </a:r>
+            <a:r>
+              <a:rPr lang="ru-RU" sz="2000" dirty="0">
+                <a:latin typeface="Montserrat Light" panose="00000400000000000000" pitchFamily="2" charset="-52"/>
+              </a:rPr>
+              <a:t>мы полностью уничтожаем это поддерево с корнем и перестраиваем его в идеально сбалансированное бинарное дерево поиска.</a:t>
+            </a:r>
+          </a:p>
+        </p:txBody>
+      </p:sp>
+    </p:spTree>
+    <p:extLst>
+      <p:ext uri="{BB962C8B-B14F-4D97-AF65-F5344CB8AC3E}">
+        <p14:creationId xmlns:p14="http://schemas.microsoft.com/office/powerpoint/2010/main" val="3111457062"/>
+      </p:ext>
+    </p:extLst>
+  </p:cSld>
+  <p:clrMapOvr>
+    <a:masterClrMapping/>
+  </p:clrMapOvr>
+</p:sld>
+</file>
+
+<file path=ppt/slides/slide6.xml><?xml version="1.0" encoding="utf-8"?>
 <p:sld xmlns:a="http://schemas.openxmlformats.org/drawingml/2006/main" xmlns:r="http://schemas.openxmlformats.org/officeDocument/2006/relationships" xmlns:p="http://schemas.openxmlformats.org/presentationml/2006/main">
   <p:cSld>
     <p:spTree>
@@ -7822,205 +8086,6 @@
             </a:pPr>
             <a:fld id="{00000000-1234-1234-1234-123412341234}" type="slidenum">
               <a:rPr lang="ru" smtClean="0"/>
-              <a:t>5</a:t>
-            </a:fld>
-            <a:endParaRPr lang="ru"/>
-          </a:p>
-        </p:txBody>
-      </p:sp>
-    </p:spTree>
-  </p:cSld>
-  <p:clrMapOvr>
-    <a:masterClrMapping/>
-  </p:clrMapOvr>
-</p:sld>
-</file>
-
-<file path=ppt/slides/slide6.xml><?xml version="1.0" encoding="utf-8"?>
-<p:sld xmlns:a="http://schemas.openxmlformats.org/drawingml/2006/main" xmlns:r="http://schemas.openxmlformats.org/officeDocument/2006/relationships" xmlns:p="http://schemas.openxmlformats.org/presentationml/2006/main">
-  <p:cSld>
-    <p:spTree>
-      <p:nvGrpSpPr>
-        <p:cNvPr id="1" name="Shape 93"/>
-        <p:cNvGrpSpPr/>
-        <p:nvPr/>
-      </p:nvGrpSpPr>
-      <p:grpSpPr>
-        <a:xfrm>
-          <a:off x="0" y="0"/>
-          <a:ext cx="0" cy="0"/>
-          <a:chOff x="0" y="0"/>
-          <a:chExt cx="0" cy="0"/>
-        </a:xfrm>
-      </p:grpSpPr>
-      <p:sp>
-        <p:nvSpPr>
-          <p:cNvPr id="94" name="Google Shape;94;p18"/>
-          <p:cNvSpPr txBox="1">
-            <a:spLocks noGrp="1"/>
-          </p:cNvSpPr>
-          <p:nvPr>
-            <p:ph type="title"/>
-          </p:nvPr>
-        </p:nvSpPr>
-        <p:spPr>
-          <a:xfrm>
-            <a:off x="311700" y="445025"/>
-            <a:ext cx="8520600" cy="572700"/>
-          </a:xfrm>
-          <a:prstGeom prst="rect">
-            <a:avLst/>
-          </a:prstGeom>
-        </p:spPr>
-        <p:txBody>
-          <a:bodyPr spcFirstLastPara="1" wrap="square" lIns="91425" tIns="91425" rIns="91425" bIns="91425" anchor="t" anchorCtr="0">
-            <a:noAutofit/>
-          </a:bodyPr>
-          <a:lstStyle/>
-          <a:p>
-            <a:pPr marL="0" lvl="0" indent="0" algn="ctr" rtl="0">
-              <a:spcBef>
-                <a:spcPts val="0"/>
-              </a:spcBef>
-              <a:spcAft>
-                <a:spcPts val="0"/>
-              </a:spcAft>
-              <a:buSzPts val="990"/>
-              <a:buNone/>
-            </a:pPr>
-            <a:r>
-              <a:rPr lang="ru" sz="3020">
-                <a:latin typeface="Courier New"/>
-                <a:ea typeface="Courier New"/>
-                <a:cs typeface="Courier New"/>
-                <a:sym typeface="Courier New"/>
-              </a:rPr>
-              <a:t>Описание реализации</a:t>
-            </a:r>
-            <a:endParaRPr sz="3020">
-              <a:latin typeface="Courier New"/>
-              <a:ea typeface="Courier New"/>
-              <a:cs typeface="Courier New"/>
-              <a:sym typeface="Courier New"/>
-            </a:endParaRPr>
-          </a:p>
-        </p:txBody>
-      </p:sp>
-      <p:sp>
-        <p:nvSpPr>
-          <p:cNvPr id="95" name="Google Shape;95;p18"/>
-          <p:cNvSpPr txBox="1">
-            <a:spLocks noGrp="1"/>
-          </p:cNvSpPr>
-          <p:nvPr>
-            <p:ph type="body" idx="1"/>
-          </p:nvPr>
-        </p:nvSpPr>
-        <p:spPr>
-          <a:xfrm>
-            <a:off x="3895700" y="1152475"/>
-            <a:ext cx="4936500" cy="3416400"/>
-          </a:xfrm>
-          <a:prstGeom prst="rect">
-            <a:avLst/>
-          </a:prstGeom>
-        </p:spPr>
-        <p:txBody>
-          <a:bodyPr spcFirstLastPara="1" wrap="square" lIns="91425" tIns="91425" rIns="91425" bIns="91425" anchor="t" anchorCtr="0">
-            <a:normAutofit/>
-          </a:bodyPr>
-          <a:lstStyle/>
-          <a:p>
-            <a:pPr marL="457200" lvl="0" indent="226800" algn="just" rtl="0">
-              <a:lnSpc>
-                <a:spcPct val="130000"/>
-              </a:lnSpc>
-              <a:spcBef>
-                <a:spcPts val="600"/>
-              </a:spcBef>
-              <a:spcAft>
-                <a:spcPts val="0"/>
-              </a:spcAft>
-              <a:buNone/>
-            </a:pPr>
-            <a:endParaRPr sz="2600">
-              <a:solidFill>
-                <a:srgbClr val="222222"/>
-              </a:solidFill>
-              <a:highlight>
-                <a:srgbClr val="FFFFFF"/>
-              </a:highlight>
-              <a:latin typeface="Montserrat Light"/>
-              <a:ea typeface="Montserrat Light"/>
-              <a:cs typeface="Montserrat Light"/>
-              <a:sym typeface="Montserrat Light"/>
-            </a:endParaRPr>
-          </a:p>
-          <a:p>
-            <a:pPr marL="457200" lvl="0" indent="226800" algn="just" rtl="0">
-              <a:lnSpc>
-                <a:spcPct val="130000"/>
-              </a:lnSpc>
-              <a:spcBef>
-                <a:spcPts val="600"/>
-              </a:spcBef>
-              <a:spcAft>
-                <a:spcPts val="100"/>
-              </a:spcAft>
-              <a:buClr>
-                <a:schemeClr val="dk1"/>
-              </a:buClr>
-              <a:buSzPts val="1100"/>
-              <a:buFont typeface="Arial"/>
-              <a:buNone/>
-            </a:pPr>
-            <a:endParaRPr sz="2000">
-              <a:solidFill>
-                <a:srgbClr val="222222"/>
-              </a:solidFill>
-              <a:highlight>
-                <a:srgbClr val="FFFFFF"/>
-              </a:highlight>
-              <a:latin typeface="Montserrat Light"/>
-              <a:ea typeface="Montserrat Light"/>
-              <a:cs typeface="Montserrat Light"/>
-              <a:sym typeface="Montserrat Light"/>
-            </a:endParaRPr>
-          </a:p>
-        </p:txBody>
-      </p:sp>
-      <p:sp>
-        <p:nvSpPr>
-          <p:cNvPr id="2" name="Номер слайда 1">
-            <a:extLst>
-              <a:ext uri="{FF2B5EF4-FFF2-40B4-BE49-F238E27FC236}">
-                <a16:creationId xmlns:a16="http://schemas.microsoft.com/office/drawing/2014/main" id="{E4A8E57E-9FF3-95E6-D8BD-DDDBBD3BDCD4}"/>
-              </a:ext>
-            </a:extLst>
-          </p:cNvPr>
-          <p:cNvSpPr>
-            <a:spLocks noGrp="1"/>
-          </p:cNvSpPr>
-          <p:nvPr>
-            <p:ph type="sldNum" idx="12"/>
-          </p:nvPr>
-        </p:nvSpPr>
-        <p:spPr/>
-        <p:txBody>
-          <a:bodyPr/>
-          <a:lstStyle/>
-          <a:p>
-            <a:pPr marL="0" lvl="0" indent="0" algn="r" rtl="0">
-              <a:spcBef>
-                <a:spcPts val="0"/>
-              </a:spcBef>
-              <a:spcAft>
-                <a:spcPts val="0"/>
-              </a:spcAft>
-              <a:buNone/>
-            </a:pPr>
-            <a:fld id="{00000000-1234-1234-1234-123412341234}" type="slidenum">
-              <a:rPr lang="ru" smtClean="0"/>
               <a:t>6</a:t>
             </a:fld>
             <a:endParaRPr lang="ru"/>
@@ -8293,7 +8358,154 @@
               </a:spcAft>
               <a:buNone/>
             </a:pPr>
-            <a:endParaRPr sz="2000">
+            <a:r>
+              <a:rPr lang="en-US" sz="2000" dirty="0" err="1">
+                <a:solidFill>
+                  <a:schemeClr val="tx1"/>
+                </a:solidFill>
+                <a:latin typeface="Montserrat Light"/>
+                <a:ea typeface="Montserrat Light"/>
+                <a:cs typeface="Montserrat Light"/>
+                <a:sym typeface="Montserrat Light"/>
+              </a:rPr>
+              <a:t>ScapeGoat</a:t>
+            </a:r>
+            <a:r>
+              <a:rPr lang="en-US" sz="2000" dirty="0">
+                <a:solidFill>
+                  <a:schemeClr val="tx1"/>
+                </a:solidFill>
+                <a:latin typeface="Montserrat Light"/>
+                <a:ea typeface="Montserrat Light"/>
+                <a:cs typeface="Montserrat Light"/>
+                <a:sym typeface="Montserrat Light"/>
+              </a:rPr>
+              <a:t> Tree</a:t>
+            </a:r>
+            <a:r>
+              <a:rPr lang="ru-RU" sz="2000" dirty="0">
+                <a:solidFill>
+                  <a:schemeClr val="tx1"/>
+                </a:solidFill>
+                <a:latin typeface="Montserrat Light"/>
+                <a:ea typeface="Montserrat Light"/>
+                <a:cs typeface="Montserrat Light"/>
+                <a:sym typeface="Montserrat Light"/>
+              </a:rPr>
+              <a:t>:</a:t>
+            </a:r>
+          </a:p>
+          <a:p>
+            <a:pPr marL="342900" lvl="0" algn="l" rtl="0">
+              <a:spcBef>
+                <a:spcPts val="0"/>
+              </a:spcBef>
+              <a:spcAft>
+                <a:spcPts val="1200"/>
+              </a:spcAft>
+              <a:buFontTx/>
+              <a:buChar char="-"/>
+            </a:pPr>
+            <a:r>
+              <a:rPr lang="ru-RU" sz="2000" dirty="0">
+                <a:solidFill>
+                  <a:schemeClr val="tx1"/>
+                </a:solidFill>
+                <a:latin typeface="Montserrat Light"/>
+                <a:ea typeface="Montserrat Light"/>
+                <a:cs typeface="Montserrat Light"/>
+                <a:sym typeface="Montserrat Light"/>
+              </a:rPr>
+              <a:t>Изучен по литературным источникам</a:t>
+            </a:r>
+          </a:p>
+          <a:p>
+            <a:pPr marL="342900" lvl="0" algn="l" rtl="0">
+              <a:spcBef>
+                <a:spcPts val="0"/>
+              </a:spcBef>
+              <a:spcAft>
+                <a:spcPts val="1200"/>
+              </a:spcAft>
+              <a:buFontTx/>
+              <a:buChar char="-"/>
+            </a:pPr>
+            <a:r>
+              <a:rPr lang="ru-RU" sz="2000" dirty="0">
+                <a:solidFill>
+                  <a:schemeClr val="tx1"/>
+                </a:solidFill>
+                <a:latin typeface="Montserrat Light"/>
+                <a:ea typeface="Montserrat Light"/>
+                <a:cs typeface="Montserrat Light"/>
+                <a:sym typeface="Montserrat Light"/>
+              </a:rPr>
+              <a:t>Изложен в удобной для понимания форме</a:t>
+            </a:r>
+          </a:p>
+          <a:p>
+            <a:pPr marL="342900" lvl="0" algn="l" rtl="0">
+              <a:spcBef>
+                <a:spcPts val="0"/>
+              </a:spcBef>
+              <a:spcAft>
+                <a:spcPts val="1200"/>
+              </a:spcAft>
+              <a:buFontTx/>
+              <a:buChar char="-"/>
+            </a:pPr>
+            <a:r>
+              <a:rPr lang="ru-RU" sz="2000" dirty="0">
+                <a:solidFill>
+                  <a:schemeClr val="tx1"/>
+                </a:solidFill>
+                <a:latin typeface="Montserrat Light"/>
+                <a:ea typeface="Montserrat Light"/>
+                <a:cs typeface="Montserrat Light"/>
+                <a:sym typeface="Montserrat Light"/>
+              </a:rPr>
+              <a:t>Реализованы все операции в дереве</a:t>
+            </a:r>
+          </a:p>
+          <a:p>
+            <a:pPr marL="342900" lvl="0" algn="l" rtl="0">
+              <a:spcBef>
+                <a:spcPts val="0"/>
+              </a:spcBef>
+              <a:spcAft>
+                <a:spcPts val="1200"/>
+              </a:spcAft>
+              <a:buFontTx/>
+              <a:buChar char="-"/>
+            </a:pPr>
+            <a:r>
+              <a:rPr lang="ru-RU" sz="2000" dirty="0">
+                <a:solidFill>
+                  <a:schemeClr val="tx1"/>
+                </a:solidFill>
+                <a:latin typeface="Montserrat Light"/>
+                <a:ea typeface="Montserrat Light"/>
+                <a:cs typeface="Montserrat Light"/>
+                <a:sym typeface="Montserrat Light"/>
+              </a:rPr>
+              <a:t>Исследована производительность на разных входных данных</a:t>
+            </a:r>
+          </a:p>
+          <a:p>
+            <a:pPr marL="342900" lvl="0" algn="l" rtl="0">
+              <a:spcBef>
+                <a:spcPts val="0"/>
+              </a:spcBef>
+              <a:spcAft>
+                <a:spcPts val="1200"/>
+              </a:spcAft>
+              <a:buFontTx/>
+              <a:buChar char="-"/>
+            </a:pPr>
+            <a:endParaRPr sz="2000" dirty="0">
+              <a:solidFill>
+                <a:schemeClr val="tx1"/>
+              </a:solidFill>
               <a:latin typeface="Montserrat Light"/>
               <a:ea typeface="Montserrat Light"/>
               <a:cs typeface="Montserrat Light"/>

--- a/ScapeGoat Three.pptx
+++ b/ScapeGoat Three.pptx
@@ -5,48 +5,47 @@
     <p:sldMasterId id="2147483659" r:id="rId1"/>
   </p:sldMasterIdLst>
   <p:notesMasterIdLst>
-    <p:notesMasterId r:id="rId10"/>
+    <p:notesMasterId r:id="rId9"/>
   </p:notesMasterIdLst>
   <p:sldIdLst>
     <p:sldId id="256" r:id="rId2"/>
     <p:sldId id="257" r:id="rId3"/>
     <p:sldId id="258" r:id="rId4"/>
-    <p:sldId id="259" r:id="rId5"/>
-    <p:sldId id="265" r:id="rId6"/>
-    <p:sldId id="260" r:id="rId7"/>
-    <p:sldId id="263" r:id="rId8"/>
-    <p:sldId id="264" r:id="rId9"/>
+    <p:sldId id="266" r:id="rId5"/>
+    <p:sldId id="260" r:id="rId6"/>
+    <p:sldId id="263" r:id="rId7"/>
+    <p:sldId id="264" r:id="rId8"/>
   </p:sldIdLst>
   <p:sldSz cx="9144000" cy="5143500" type="screen16x9"/>
   <p:notesSz cx="6858000" cy="9144000"/>
   <p:embeddedFontLst>
     <p:embeddedFont>
       <p:font typeface="Montserrat" panose="00000500000000000000" pitchFamily="2" charset="-52"/>
-      <p:regular r:id="rId11"/>
-      <p:bold r:id="rId12"/>
-      <p:italic r:id="rId13"/>
-      <p:boldItalic r:id="rId14"/>
+      <p:regular r:id="rId10"/>
+      <p:bold r:id="rId11"/>
+      <p:italic r:id="rId12"/>
+      <p:boldItalic r:id="rId13"/>
     </p:embeddedFont>
     <p:embeddedFont>
       <p:font typeface="Montserrat ExtraLight" panose="00000300000000000000" pitchFamily="2" charset="-52"/>
-      <p:regular r:id="rId15"/>
-      <p:bold r:id="rId16"/>
-      <p:italic r:id="rId17"/>
-      <p:boldItalic r:id="rId18"/>
+      <p:regular r:id="rId14"/>
+      <p:bold r:id="rId15"/>
+      <p:italic r:id="rId16"/>
+      <p:boldItalic r:id="rId17"/>
     </p:embeddedFont>
     <p:embeddedFont>
       <p:font typeface="Montserrat Light" panose="00000400000000000000" pitchFamily="2" charset="-52"/>
-      <p:regular r:id="rId19"/>
-      <p:bold r:id="rId20"/>
-      <p:italic r:id="rId21"/>
-      <p:boldItalic r:id="rId22"/>
+      <p:regular r:id="rId18"/>
+      <p:bold r:id="rId19"/>
+      <p:italic r:id="rId20"/>
+      <p:boldItalic r:id="rId21"/>
     </p:embeddedFont>
     <p:embeddedFont>
       <p:font typeface="Montserrat Medium" panose="00000600000000000000" pitchFamily="2" charset="-52"/>
-      <p:regular r:id="rId23"/>
-      <p:bold r:id="rId24"/>
-      <p:italic r:id="rId25"/>
-      <p:boldItalic r:id="rId26"/>
+      <p:regular r:id="rId22"/>
+      <p:bold r:id="rId23"/>
+      <p:italic r:id="rId24"/>
+      <p:boldItalic r:id="rId25"/>
     </p:embeddedFont>
   </p:embeddedFontLst>
   <p:defaultTextStyle>
@@ -1055,7 +1054,7 @@
   <p:cSld>
     <p:spTree>
       <p:nvGrpSpPr>
-        <p:cNvPr id="1" name="Shape 73"/>
+        <p:cNvPr id="1" name="Shape 79"/>
         <p:cNvGrpSpPr/>
         <p:nvPr/>
       </p:nvGrpSpPr>
@@ -1069,7 +1068,7 @@
       </p:grpSpPr>
       <p:sp>
         <p:nvSpPr>
-          <p:cNvPr id="74" name="Google Shape;74;g1fa41595bf3_0_5:notes"/>
+          <p:cNvPr id="80" name="Google Shape;80;g1fa41595bf3_0_21:notes"/>
           <p:cNvSpPr>
             <a:spLocks noGrp="1" noRot="1" noChangeAspect="1"/>
           </p:cNvSpPr>
@@ -1110,7 +1109,7 @@
       </p:sp>
       <p:sp>
         <p:nvSpPr>
-          <p:cNvPr id="75" name="Google Shape;75;g1fa41595bf3_0_5:notes"/>
+          <p:cNvPr id="81" name="Google Shape;81;g1fa41595bf3_0_21:notes"/>
           <p:cNvSpPr txBox="1">
             <a:spLocks noGrp="1"/>
           </p:cNvSpPr>
@@ -1155,110 +1154,6 @@
 </file>
 
 <file path=ppt/notesSlides/notesSlide5.xml><?xml version="1.0" encoding="utf-8"?>
-<p:notes xmlns:a="http://schemas.openxmlformats.org/drawingml/2006/main" xmlns:r="http://schemas.openxmlformats.org/officeDocument/2006/relationships" xmlns:p="http://schemas.openxmlformats.org/presentationml/2006/main" showMasterSp="0" showMasterPhAnim="0">
-  <p:cSld>
-    <p:spTree>
-      <p:nvGrpSpPr>
-        <p:cNvPr id="1" name="Shape 79"/>
-        <p:cNvGrpSpPr/>
-        <p:nvPr/>
-      </p:nvGrpSpPr>
-      <p:grpSpPr>
-        <a:xfrm>
-          <a:off x="0" y="0"/>
-          <a:ext cx="0" cy="0"/>
-          <a:chOff x="0" y="0"/>
-          <a:chExt cx="0" cy="0"/>
-        </a:xfrm>
-      </p:grpSpPr>
-      <p:sp>
-        <p:nvSpPr>
-          <p:cNvPr id="80" name="Google Shape;80;g1fa41595bf3_0_21:notes"/>
-          <p:cNvSpPr>
-            <a:spLocks noGrp="1" noRot="1" noChangeAspect="1"/>
-          </p:cNvSpPr>
-          <p:nvPr>
-            <p:ph type="sldImg" idx="2"/>
-          </p:nvPr>
-        </p:nvSpPr>
-        <p:spPr>
-          <a:xfrm>
-            <a:off x="381000" y="685800"/>
-            <a:ext cx="6096000" cy="3429000"/>
-          </a:xfrm>
-          <a:custGeom>
-            <a:avLst/>
-            <a:gdLst/>
-            <a:ahLst/>
-            <a:cxnLst/>
-            <a:rect l="l" t="t" r="r" b="b"/>
-            <a:pathLst>
-              <a:path w="120000" h="120000" extrusionOk="0">
-                <a:moveTo>
-                  <a:pt x="0" y="0"/>
-                </a:moveTo>
-                <a:lnTo>
-                  <a:pt x="120000" y="0"/>
-                </a:lnTo>
-                <a:lnTo>
-                  <a:pt x="120000" y="120000"/>
-                </a:lnTo>
-                <a:lnTo>
-                  <a:pt x="0" y="120000"/>
-                </a:lnTo>
-                <a:close/>
-              </a:path>
-            </a:pathLst>
-          </a:custGeom>
-        </p:spPr>
-      </p:sp>
-      <p:sp>
-        <p:nvSpPr>
-          <p:cNvPr id="81" name="Google Shape;81;g1fa41595bf3_0_21:notes"/>
-          <p:cNvSpPr txBox="1">
-            <a:spLocks noGrp="1"/>
-          </p:cNvSpPr>
-          <p:nvPr>
-            <p:ph type="body" idx="1"/>
-          </p:nvPr>
-        </p:nvSpPr>
-        <p:spPr>
-          <a:xfrm>
-            <a:off x="685800" y="4343400"/>
-            <a:ext cx="5486400" cy="4114800"/>
-          </a:xfrm>
-          <a:prstGeom prst="rect">
-            <a:avLst/>
-          </a:prstGeom>
-        </p:spPr>
-        <p:txBody>
-          <a:bodyPr spcFirstLastPara="1" wrap="square" lIns="91425" tIns="91425" rIns="91425" bIns="91425" anchor="t" anchorCtr="0">
-            <a:noAutofit/>
-          </a:bodyPr>
-          <a:lstStyle/>
-          <a:p>
-            <a:pPr marL="0" lvl="0" indent="0" algn="l" rtl="0">
-              <a:spcBef>
-                <a:spcPts val="0"/>
-              </a:spcBef>
-              <a:spcAft>
-                <a:spcPts val="0"/>
-              </a:spcAft>
-              <a:buNone/>
-            </a:pPr>
-            <a:endParaRPr/>
-          </a:p>
-        </p:txBody>
-      </p:sp>
-    </p:spTree>
-  </p:cSld>
-  <p:clrMapOvr>
-    <a:masterClrMapping/>
-  </p:clrMapOvr>
-</p:notes>
-</file>
-
-<file path=ppt/notesSlides/notesSlide6.xml><?xml version="1.0" encoding="utf-8"?>
 <p:notes xmlns:a="http://schemas.openxmlformats.org/drawingml/2006/main" xmlns:r="http://schemas.openxmlformats.org/officeDocument/2006/relationships" xmlns:p="http://schemas.openxmlformats.org/presentationml/2006/main" showMasterSp="0" showMasterPhAnim="0">
   <p:cSld>
     <p:spTree>
@@ -1362,7 +1257,7 @@
 </p:notes>
 </file>
 
-<file path=ppt/notesSlides/notesSlide7.xml><?xml version="1.0" encoding="utf-8"?>
+<file path=ppt/notesSlides/notesSlide6.xml><?xml version="1.0" encoding="utf-8"?>
 <p:notes xmlns:a="http://schemas.openxmlformats.org/drawingml/2006/main" xmlns:r="http://schemas.openxmlformats.org/officeDocument/2006/relationships" xmlns:p="http://schemas.openxmlformats.org/presentationml/2006/main" showMasterSp="0" showMasterPhAnim="0">
   <p:cSld>
     <p:spTree>
@@ -7138,7 +7033,7 @@
   <p:cSld>
     <p:spTree>
       <p:nvGrpSpPr>
-        <p:cNvPr id="1" name="Shape 76"/>
+        <p:cNvPr id="1" name=""/>
         <p:cNvGrpSpPr/>
         <p:nvPr/>
       </p:nvGrpSpPr>
@@ -7150,186 +7045,446 @@
           <a:chExt cx="0" cy="0"/>
         </a:xfrm>
       </p:grpSpPr>
+      <p:cxnSp>
+        <p:nvCxnSpPr>
+          <p:cNvPr id="67" name="Прямая соединительная линия 66">
+            <a:extLst>
+              <a:ext uri="{FF2B5EF4-FFF2-40B4-BE49-F238E27FC236}">
+                <a16:creationId xmlns:a16="http://schemas.microsoft.com/office/drawing/2014/main" id="{A4BCBF07-E9C9-64D8-05F7-1165DF583572}"/>
+              </a:ext>
+            </a:extLst>
+          </p:cNvPr>
+          <p:cNvCxnSpPr>
+            <a:stCxn id="15" idx="4"/>
+            <a:endCxn id="63" idx="0"/>
+          </p:cNvCxnSpPr>
+          <p:nvPr/>
+        </p:nvCxnSpPr>
+        <p:spPr>
+          <a:xfrm>
+            <a:off x="1543052" y="4365062"/>
+            <a:ext cx="356402" cy="191485"/>
+          </a:xfrm>
+          <a:prstGeom prst="line">
+            <a:avLst/>
+          </a:prstGeom>
+        </p:spPr>
+        <p:style>
+          <a:lnRef idx="1">
+            <a:schemeClr val="dk1"/>
+          </a:lnRef>
+          <a:fillRef idx="0">
+            <a:schemeClr val="dk1"/>
+          </a:fillRef>
+          <a:effectRef idx="0">
+            <a:schemeClr val="dk1"/>
+          </a:effectRef>
+          <a:fontRef idx="minor">
+            <a:schemeClr val="tx1"/>
+          </a:fontRef>
+        </p:style>
+      </p:cxnSp>
+      <p:cxnSp>
+        <p:nvCxnSpPr>
+          <p:cNvPr id="22" name="Прямая соединительная линия 21">
+            <a:extLst>
+              <a:ext uri="{FF2B5EF4-FFF2-40B4-BE49-F238E27FC236}">
+                <a16:creationId xmlns:a16="http://schemas.microsoft.com/office/drawing/2014/main" id="{D03A5C2D-98AF-6714-99EF-18190E5A176D}"/>
+              </a:ext>
+            </a:extLst>
+          </p:cNvPr>
+          <p:cNvCxnSpPr>
+            <a:cxnSpLocks/>
+            <a:stCxn id="6" idx="4"/>
+            <a:endCxn id="8" idx="0"/>
+          </p:cNvCxnSpPr>
+          <p:nvPr/>
+        </p:nvCxnSpPr>
+        <p:spPr>
+          <a:xfrm flipH="1">
+            <a:off x="1903052" y="2256659"/>
+            <a:ext cx="362222" cy="159646"/>
+          </a:xfrm>
+          <a:prstGeom prst="line">
+            <a:avLst/>
+          </a:prstGeom>
+        </p:spPr>
+        <p:style>
+          <a:lnRef idx="1">
+            <a:schemeClr val="dk1"/>
+          </a:lnRef>
+          <a:fillRef idx="0">
+            <a:schemeClr val="dk1"/>
+          </a:fillRef>
+          <a:effectRef idx="0">
+            <a:schemeClr val="dk1"/>
+          </a:effectRef>
+          <a:fontRef idx="minor">
+            <a:schemeClr val="tx1"/>
+          </a:fontRef>
+        </p:style>
+      </p:cxnSp>
+      <p:cxnSp>
+        <p:nvCxnSpPr>
+          <p:cNvPr id="25" name="Прямая соединительная линия 24">
+            <a:extLst>
+              <a:ext uri="{FF2B5EF4-FFF2-40B4-BE49-F238E27FC236}">
+                <a16:creationId xmlns:a16="http://schemas.microsoft.com/office/drawing/2014/main" id="{CCCA231B-8E6E-E632-1286-E0011DA7A380}"/>
+              </a:ext>
+            </a:extLst>
+          </p:cNvPr>
+          <p:cNvCxnSpPr>
+            <a:stCxn id="7" idx="4"/>
+            <a:endCxn id="10" idx="0"/>
+          </p:cNvCxnSpPr>
+          <p:nvPr/>
+        </p:nvCxnSpPr>
+        <p:spPr>
+          <a:xfrm>
+            <a:off x="2870327" y="2256659"/>
+            <a:ext cx="360000" cy="159646"/>
+          </a:xfrm>
+          <a:prstGeom prst="line">
+            <a:avLst/>
+          </a:prstGeom>
+        </p:spPr>
+        <p:style>
+          <a:lnRef idx="1">
+            <a:schemeClr val="dk1"/>
+          </a:lnRef>
+          <a:fillRef idx="0">
+            <a:schemeClr val="dk1"/>
+          </a:fillRef>
+          <a:effectRef idx="0">
+            <a:schemeClr val="dk1"/>
+          </a:effectRef>
+          <a:fontRef idx="minor">
+            <a:schemeClr val="tx1"/>
+          </a:fontRef>
+        </p:style>
+      </p:cxnSp>
+      <p:cxnSp>
+        <p:nvCxnSpPr>
+          <p:cNvPr id="27" name="Прямая соединительная линия 26">
+            <a:extLst>
+              <a:ext uri="{FF2B5EF4-FFF2-40B4-BE49-F238E27FC236}">
+                <a16:creationId xmlns:a16="http://schemas.microsoft.com/office/drawing/2014/main" id="{8315F778-D709-74DA-4694-9C4EDAA15942}"/>
+              </a:ext>
+            </a:extLst>
+          </p:cNvPr>
+          <p:cNvCxnSpPr>
+            <a:stCxn id="8" idx="4"/>
+            <a:endCxn id="9" idx="0"/>
+          </p:cNvCxnSpPr>
+          <p:nvPr/>
+        </p:nvCxnSpPr>
+        <p:spPr>
+          <a:xfrm flipH="1">
+            <a:off x="1363052" y="2776305"/>
+            <a:ext cx="540000" cy="168370"/>
+          </a:xfrm>
+          <a:prstGeom prst="line">
+            <a:avLst/>
+          </a:prstGeom>
+        </p:spPr>
+        <p:style>
+          <a:lnRef idx="1">
+            <a:schemeClr val="dk1"/>
+          </a:lnRef>
+          <a:fillRef idx="0">
+            <a:schemeClr val="dk1"/>
+          </a:fillRef>
+          <a:effectRef idx="0">
+            <a:schemeClr val="dk1"/>
+          </a:effectRef>
+          <a:fontRef idx="minor">
+            <a:schemeClr val="tx1"/>
+          </a:fontRef>
+        </p:style>
+      </p:cxnSp>
+      <p:cxnSp>
+        <p:nvCxnSpPr>
+          <p:cNvPr id="29" name="Прямая соединительная линия 28">
+            <a:extLst>
+              <a:ext uri="{FF2B5EF4-FFF2-40B4-BE49-F238E27FC236}">
+                <a16:creationId xmlns:a16="http://schemas.microsoft.com/office/drawing/2014/main" id="{1B3BB5A5-95F4-93FD-F7EC-F072F6EFCB13}"/>
+              </a:ext>
+            </a:extLst>
+          </p:cNvPr>
+          <p:cNvCxnSpPr>
+            <a:stCxn id="9" idx="4"/>
+            <a:endCxn id="12" idx="0"/>
+          </p:cNvCxnSpPr>
+          <p:nvPr/>
+        </p:nvCxnSpPr>
+        <p:spPr>
+          <a:xfrm flipH="1">
+            <a:off x="868052" y="3304675"/>
+            <a:ext cx="495000" cy="170564"/>
+          </a:xfrm>
+          <a:prstGeom prst="line">
+            <a:avLst/>
+          </a:prstGeom>
+        </p:spPr>
+        <p:style>
+          <a:lnRef idx="1">
+            <a:schemeClr val="dk1"/>
+          </a:lnRef>
+          <a:fillRef idx="0">
+            <a:schemeClr val="dk1"/>
+          </a:fillRef>
+          <a:effectRef idx="0">
+            <a:schemeClr val="dk1"/>
+          </a:effectRef>
+          <a:fontRef idx="minor">
+            <a:schemeClr val="tx1"/>
+          </a:fontRef>
+        </p:style>
+      </p:cxnSp>
+      <p:cxnSp>
+        <p:nvCxnSpPr>
+          <p:cNvPr id="31" name="Прямая соединительная линия 30">
+            <a:extLst>
+              <a:ext uri="{FF2B5EF4-FFF2-40B4-BE49-F238E27FC236}">
+                <a16:creationId xmlns:a16="http://schemas.microsoft.com/office/drawing/2014/main" id="{DBC9A931-4B0B-A727-0900-1DEB25364AC4}"/>
+              </a:ext>
+            </a:extLst>
+          </p:cNvPr>
+          <p:cNvCxnSpPr>
+            <a:stCxn id="9" idx="4"/>
+            <a:endCxn id="11" idx="0"/>
+          </p:cNvCxnSpPr>
+          <p:nvPr/>
+        </p:nvCxnSpPr>
+        <p:spPr>
+          <a:xfrm>
+            <a:off x="1363052" y="3304675"/>
+            <a:ext cx="450000" cy="170564"/>
+          </a:xfrm>
+          <a:prstGeom prst="line">
+            <a:avLst/>
+          </a:prstGeom>
+        </p:spPr>
+        <p:style>
+          <a:lnRef idx="1">
+            <a:schemeClr val="dk1"/>
+          </a:lnRef>
+          <a:fillRef idx="0">
+            <a:schemeClr val="dk1"/>
+          </a:fillRef>
+          <a:effectRef idx="0">
+            <a:schemeClr val="dk1"/>
+          </a:effectRef>
+          <a:fontRef idx="minor">
+            <a:schemeClr val="tx1"/>
+          </a:fontRef>
+        </p:style>
+      </p:cxnSp>
+      <p:cxnSp>
+        <p:nvCxnSpPr>
+          <p:cNvPr id="33" name="Прямая соединительная линия 32">
+            <a:extLst>
+              <a:ext uri="{FF2B5EF4-FFF2-40B4-BE49-F238E27FC236}">
+                <a16:creationId xmlns:a16="http://schemas.microsoft.com/office/drawing/2014/main" id="{913DACBE-529D-D842-4224-D06F0470EE30}"/>
+              </a:ext>
+            </a:extLst>
+          </p:cNvPr>
+          <p:cNvCxnSpPr>
+            <a:stCxn id="12" idx="4"/>
+            <a:endCxn id="13" idx="0"/>
+          </p:cNvCxnSpPr>
+          <p:nvPr/>
+        </p:nvCxnSpPr>
+        <p:spPr>
+          <a:xfrm flipH="1">
+            <a:off x="491700" y="3835239"/>
+            <a:ext cx="376352" cy="169823"/>
+          </a:xfrm>
+          <a:prstGeom prst="line">
+            <a:avLst/>
+          </a:prstGeom>
+        </p:spPr>
+        <p:style>
+          <a:lnRef idx="1">
+            <a:schemeClr val="dk1"/>
+          </a:lnRef>
+          <a:fillRef idx="0">
+            <a:schemeClr val="dk1"/>
+          </a:fillRef>
+          <a:effectRef idx="0">
+            <a:schemeClr val="dk1"/>
+          </a:effectRef>
+          <a:fontRef idx="minor">
+            <a:schemeClr val="tx1"/>
+          </a:fontRef>
+        </p:style>
+      </p:cxnSp>
+      <p:cxnSp>
+        <p:nvCxnSpPr>
+          <p:cNvPr id="35" name="Прямая соединительная линия 34">
+            <a:extLst>
+              <a:ext uri="{FF2B5EF4-FFF2-40B4-BE49-F238E27FC236}">
+                <a16:creationId xmlns:a16="http://schemas.microsoft.com/office/drawing/2014/main" id="{0B1093CD-5F4B-91AB-E1F0-046FF05BE58B}"/>
+              </a:ext>
+            </a:extLst>
+          </p:cNvPr>
+          <p:cNvCxnSpPr>
+            <a:stCxn id="11" idx="4"/>
+            <a:endCxn id="15" idx="0"/>
+          </p:cNvCxnSpPr>
+          <p:nvPr/>
+        </p:nvCxnSpPr>
+        <p:spPr>
+          <a:xfrm flipH="1">
+            <a:off x="1543052" y="3835239"/>
+            <a:ext cx="270000" cy="169823"/>
+          </a:xfrm>
+          <a:prstGeom prst="line">
+            <a:avLst/>
+          </a:prstGeom>
+        </p:spPr>
+        <p:style>
+          <a:lnRef idx="1">
+            <a:schemeClr val="dk1"/>
+          </a:lnRef>
+          <a:fillRef idx="0">
+            <a:schemeClr val="dk1"/>
+          </a:fillRef>
+          <a:effectRef idx="0">
+            <a:schemeClr val="dk1"/>
+          </a:effectRef>
+          <a:fontRef idx="minor">
+            <a:schemeClr val="tx1"/>
+          </a:fontRef>
+        </p:style>
+      </p:cxnSp>
+      <p:cxnSp>
+        <p:nvCxnSpPr>
+          <p:cNvPr id="19" name="Прямая соединительная линия 18">
+            <a:extLst>
+              <a:ext uri="{FF2B5EF4-FFF2-40B4-BE49-F238E27FC236}">
+                <a16:creationId xmlns:a16="http://schemas.microsoft.com/office/drawing/2014/main" id="{EF738E08-81B4-7B78-610E-D4F37EA6FCAD}"/>
+              </a:ext>
+            </a:extLst>
+          </p:cNvPr>
+          <p:cNvCxnSpPr>
+            <a:cxnSpLocks/>
+            <a:stCxn id="5" idx="4"/>
+            <a:endCxn id="7" idx="0"/>
+          </p:cNvCxnSpPr>
+          <p:nvPr/>
+        </p:nvCxnSpPr>
+        <p:spPr>
+          <a:xfrm>
+            <a:off x="2566015" y="1674450"/>
+            <a:ext cx="304312" cy="222209"/>
+          </a:xfrm>
+          <a:prstGeom prst="line">
+            <a:avLst/>
+          </a:prstGeom>
+        </p:spPr>
+        <p:style>
+          <a:lnRef idx="1">
+            <a:schemeClr val="dk1"/>
+          </a:lnRef>
+          <a:fillRef idx="0">
+            <a:schemeClr val="dk1"/>
+          </a:fillRef>
+          <a:effectRef idx="0">
+            <a:schemeClr val="dk1"/>
+          </a:effectRef>
+          <a:fontRef idx="minor">
+            <a:schemeClr val="tx1"/>
+          </a:fontRef>
+        </p:style>
+      </p:cxnSp>
+      <p:cxnSp>
+        <p:nvCxnSpPr>
+          <p:cNvPr id="17" name="Прямая соединительная линия 16">
+            <a:extLst>
+              <a:ext uri="{FF2B5EF4-FFF2-40B4-BE49-F238E27FC236}">
+                <a16:creationId xmlns:a16="http://schemas.microsoft.com/office/drawing/2014/main" id="{28FFA5D9-F1CD-361D-0F43-B592F34EDC08}"/>
+              </a:ext>
+            </a:extLst>
+          </p:cNvPr>
+          <p:cNvCxnSpPr>
+            <a:cxnSpLocks/>
+            <a:stCxn id="5" idx="4"/>
+            <a:endCxn id="6" idx="0"/>
+          </p:cNvCxnSpPr>
+          <p:nvPr/>
+        </p:nvCxnSpPr>
+        <p:spPr>
+          <a:xfrm flipH="1">
+            <a:off x="2265274" y="1674450"/>
+            <a:ext cx="300741" cy="222209"/>
+          </a:xfrm>
+          <a:prstGeom prst="line">
+            <a:avLst/>
+          </a:prstGeom>
+        </p:spPr>
+        <p:style>
+          <a:lnRef idx="1">
+            <a:schemeClr val="dk1"/>
+          </a:lnRef>
+          <a:fillRef idx="0">
+            <a:schemeClr val="dk1"/>
+          </a:fillRef>
+          <a:effectRef idx="0">
+            <a:schemeClr val="dk1"/>
+          </a:effectRef>
+          <a:fontRef idx="minor">
+            <a:schemeClr val="tx1"/>
+          </a:fontRef>
+        </p:style>
+      </p:cxnSp>
       <p:sp>
         <p:nvSpPr>
-          <p:cNvPr id="77" name="Google Shape;77;p16"/>
-          <p:cNvSpPr txBox="1">
+          <p:cNvPr id="2" name="Заголовок 1">
+            <a:extLst>
+              <a:ext uri="{FF2B5EF4-FFF2-40B4-BE49-F238E27FC236}">
+                <a16:creationId xmlns:a16="http://schemas.microsoft.com/office/drawing/2014/main" id="{AB3A2899-AD43-48AC-9DBF-D08C03434295}"/>
+              </a:ext>
+            </a:extLst>
+          </p:cNvPr>
+          <p:cNvSpPr>
             <a:spLocks noGrp="1"/>
           </p:cNvSpPr>
           <p:nvPr>
             <p:ph type="title"/>
           </p:nvPr>
         </p:nvSpPr>
-        <p:spPr>
-          <a:xfrm>
-            <a:off x="311700" y="445025"/>
-            <a:ext cx="8520600" cy="572700"/>
-          </a:xfrm>
-          <a:prstGeom prst="rect">
-            <a:avLst/>
-          </a:prstGeom>
-        </p:spPr>
+        <p:spPr/>
         <p:txBody>
-          <a:bodyPr spcFirstLastPara="1" wrap="square" lIns="91425" tIns="91425" rIns="91425" bIns="91425" anchor="t" anchorCtr="0">
-            <a:noAutofit/>
+          <a:bodyPr>
+            <a:normAutofit fontScale="90000"/>
           </a:bodyPr>
           <a:lstStyle/>
           <a:p>
-            <a:pPr marL="0" lvl="0" indent="0" algn="ctr" rtl="0">
-              <a:spcBef>
-                <a:spcPts val="0"/>
-              </a:spcBef>
-              <a:spcAft>
-                <a:spcPts val="0"/>
-              </a:spcAft>
-              <a:buSzPts val="990"/>
-              <a:buNone/>
-            </a:pPr>
+            <a:pPr algn="ctr"/>
             <a:r>
-              <a:rPr lang="ru" sz="3020" dirty="0">
-                <a:latin typeface="Courier New"/>
-                <a:ea typeface="Courier New"/>
-                <a:cs typeface="Courier New"/>
-                <a:sym typeface="Courier New"/>
+              <a:rPr lang="ru-RU" dirty="0" err="1">
+                <a:latin typeface="Courier New" panose="02070309020205020404" pitchFamily="49" charset="0"/>
+                <a:cs typeface="Courier New" panose="02070309020205020404" pitchFamily="49" charset="0"/>
               </a:rPr>
-              <a:t>Пример вставки</a:t>
+              <a:t>Перебалансировка</a:t>
             </a:r>
-            <a:endParaRPr sz="3020" dirty="0">
-              <a:latin typeface="Courier New"/>
-              <a:ea typeface="Courier New"/>
-              <a:cs typeface="Courier New"/>
-              <a:sym typeface="Courier New"/>
-            </a:endParaRPr>
+            <a:r>
+              <a:rPr lang="ru-RU" dirty="0">
+                <a:latin typeface="Courier New" panose="02070309020205020404" pitchFamily="49" charset="0"/>
+                <a:cs typeface="Courier New" panose="02070309020205020404" pitchFamily="49" charset="0"/>
+              </a:rPr>
+              <a:t> дерева</a:t>
+            </a:r>
           </a:p>
         </p:txBody>
       </p:sp>
       <p:sp>
         <p:nvSpPr>
-          <p:cNvPr id="78" name="Google Shape;78;p16"/>
-          <p:cNvSpPr txBox="1">
-            <a:spLocks noGrp="1"/>
-          </p:cNvSpPr>
-          <p:nvPr>
-            <p:ph type="body" idx="1"/>
-          </p:nvPr>
-        </p:nvSpPr>
-        <p:spPr>
-          <a:xfrm>
-            <a:off x="311700" y="1152475"/>
-            <a:ext cx="8520600" cy="3416400"/>
-          </a:xfrm>
-          <a:prstGeom prst="rect">
-            <a:avLst/>
-          </a:prstGeom>
-        </p:spPr>
-        <p:txBody>
-          <a:bodyPr spcFirstLastPara="1" wrap="square" lIns="91425" tIns="91425" rIns="91425" bIns="91425" anchor="t" anchorCtr="0">
-            <a:normAutofit/>
-          </a:bodyPr>
-          <a:lstStyle/>
-          <a:p>
-            <a:pPr marL="457200" lvl="0" indent="226800" algn="just" rtl="0">
-              <a:lnSpc>
-                <a:spcPct val="130000"/>
-              </a:lnSpc>
-              <a:spcBef>
-                <a:spcPts val="600"/>
-              </a:spcBef>
-              <a:spcAft>
-                <a:spcPts val="0"/>
-              </a:spcAft>
-              <a:buNone/>
-            </a:pPr>
-            <a:endParaRPr sz="2000" dirty="0">
-              <a:solidFill>
-                <a:srgbClr val="222222"/>
-              </a:solidFill>
-              <a:highlight>
-                <a:srgbClr val="FFFFFF"/>
-              </a:highlight>
-              <a:latin typeface="Montserrat Light"/>
-              <a:ea typeface="Montserrat Light"/>
-              <a:cs typeface="Montserrat Light"/>
-              <a:sym typeface="Montserrat Light"/>
-            </a:endParaRPr>
-          </a:p>
-          <a:p>
-            <a:pPr marL="457200" lvl="0" indent="226800" algn="just" rtl="0">
-              <a:lnSpc>
-                <a:spcPct val="130000"/>
-              </a:lnSpc>
-              <a:spcBef>
-                <a:spcPts val="600"/>
-              </a:spcBef>
-              <a:spcAft>
-                <a:spcPts val="0"/>
-              </a:spcAft>
-              <a:buNone/>
-            </a:pPr>
-            <a:endParaRPr sz="2000" dirty="0">
-              <a:solidFill>
-                <a:srgbClr val="222222"/>
-              </a:solidFill>
-              <a:highlight>
-                <a:srgbClr val="FFFFFF"/>
-              </a:highlight>
-              <a:latin typeface="Montserrat Light"/>
-              <a:ea typeface="Montserrat Light"/>
-              <a:cs typeface="Montserrat Light"/>
-              <a:sym typeface="Montserrat Light"/>
-            </a:endParaRPr>
-          </a:p>
-          <a:p>
-            <a:pPr marL="457200" lvl="0" indent="226800" algn="just" rtl="0">
-              <a:lnSpc>
-                <a:spcPct val="130000"/>
-              </a:lnSpc>
-              <a:spcBef>
-                <a:spcPts val="600"/>
-              </a:spcBef>
-              <a:spcAft>
-                <a:spcPts val="0"/>
-              </a:spcAft>
-              <a:buClr>
-                <a:schemeClr val="dk1"/>
-              </a:buClr>
-              <a:buSzPts val="1100"/>
-              <a:buFont typeface="Arial"/>
-              <a:buNone/>
-            </a:pPr>
-            <a:endParaRPr sz="1700" dirty="0">
-              <a:solidFill>
-                <a:srgbClr val="222222"/>
-              </a:solidFill>
-              <a:highlight>
-                <a:srgbClr val="FFFFFF"/>
-              </a:highlight>
-              <a:latin typeface="Montserrat Light"/>
-              <a:ea typeface="Montserrat Light"/>
-              <a:cs typeface="Montserrat Light"/>
-              <a:sym typeface="Montserrat Light"/>
-            </a:endParaRPr>
-          </a:p>
-          <a:p>
-            <a:pPr marL="0" lvl="0" indent="0" algn="l" rtl="0">
-              <a:spcBef>
-                <a:spcPts val="100"/>
-              </a:spcBef>
-              <a:spcAft>
-                <a:spcPts val="1200"/>
-              </a:spcAft>
-              <a:buNone/>
-            </a:pPr>
-            <a:endParaRPr sz="2000" dirty="0"/>
-          </a:p>
-        </p:txBody>
-      </p:sp>
-      <p:sp>
-        <p:nvSpPr>
-          <p:cNvPr id="2" name="Номер слайда 1">
+          <p:cNvPr id="4" name="Номер слайда 3">
             <a:extLst>
               <a:ext uri="{FF2B5EF4-FFF2-40B4-BE49-F238E27FC236}">
-                <a16:creationId xmlns:a16="http://schemas.microsoft.com/office/drawing/2014/main" id="{0FD53892-A650-69CC-A00A-8BCB8C91F154}"/>
+                <a16:creationId xmlns:a16="http://schemas.microsoft.com/office/drawing/2014/main" id="{1DF97FD7-5D40-F57B-790C-79906110BCEC}"/>
               </a:ext>
             </a:extLst>
           </p:cNvPr>
@@ -7364,85 +7519,546 @@
       </p:sp>
       <p:sp>
         <p:nvSpPr>
-          <p:cNvPr id="3" name="AutoShape 2">
+          <p:cNvPr id="5" name="Овал 4">
             <a:extLst>
               <a:ext uri="{FF2B5EF4-FFF2-40B4-BE49-F238E27FC236}">
-                <a16:creationId xmlns:a16="http://schemas.microsoft.com/office/drawing/2014/main" id="{1F909895-4780-B10A-7AE2-50BF1CCBBDB2}"/>
+                <a16:creationId xmlns:a16="http://schemas.microsoft.com/office/drawing/2014/main" id="{13F37B59-041B-5B87-116E-3E0F66286721}"/>
               </a:ext>
             </a:extLst>
           </p:cNvPr>
-          <p:cNvSpPr>
-            <a:spLocks noChangeAspect="1" noChangeArrowheads="1"/>
-          </p:cNvSpPr>
+          <p:cNvSpPr/>
           <p:nvPr/>
         </p:nvSpPr>
-        <p:spPr bwMode="auto">
+        <p:spPr>
           <a:xfrm>
-            <a:off x="4419599" y="657225"/>
-            <a:ext cx="2066925" cy="2066925"/>
-          </a:xfrm>
-          <a:prstGeom prst="rect">
+            <a:off x="2386015" y="1314450"/>
+            <a:ext cx="360000" cy="360000"/>
+          </a:xfrm>
+          <a:prstGeom prst="ellipse">
             <a:avLst/>
           </a:prstGeom>
-          <a:noFill/>
-          <a:extLst>
-            <a:ext uri="{909E8E84-426E-40DD-AFC4-6F175D3DCCD1}">
-              <a14:hiddenFill xmlns:a14="http://schemas.microsoft.com/office/drawing/2010/main">
-                <a:solidFill>
-                  <a:srgbClr val="FFFFFF"/>
-                </a:solidFill>
-              </a14:hiddenFill>
-            </a:ext>
-          </a:extLst>
-        </p:spPr>
+        </p:spPr>
+        <p:style>
+          <a:lnRef idx="2">
+            <a:schemeClr val="accent3">
+              <a:shade val="50000"/>
+            </a:schemeClr>
+          </a:lnRef>
+          <a:fillRef idx="1">
+            <a:schemeClr val="accent3"/>
+          </a:fillRef>
+          <a:effectRef idx="0">
+            <a:schemeClr val="accent3"/>
+          </a:effectRef>
+          <a:fontRef idx="minor">
+            <a:schemeClr val="lt1"/>
+          </a:fontRef>
+        </p:style>
         <p:txBody>
-          <a:bodyPr vert="horz" wrap="square" lIns="91440" tIns="45720" rIns="91440" bIns="45720" numCol="1" anchor="t" anchorCtr="0" compatLnSpc="1">
-            <a:prstTxWarp prst="textNoShape">
-              <a:avLst/>
-            </a:prstTxWarp>
-          </a:bodyPr>
+          <a:bodyPr rtlCol="0" anchor="ctr"/>
           <a:lstStyle/>
           <a:p>
-            <a:endParaRPr lang="ru-RU"/>
+            <a:pPr algn="ctr"/>
+            <a:r>
+              <a:rPr lang="en-US" dirty="0"/>
+              <a:t>7</a:t>
+            </a:r>
           </a:p>
         </p:txBody>
       </p:sp>
-      <p:pic>
-        <p:nvPicPr>
-          <p:cNvPr id="5" name="Рисунок 4">
+      <p:sp>
+        <p:nvSpPr>
+          <p:cNvPr id="6" name="Овал 5">
             <a:extLst>
               <a:ext uri="{FF2B5EF4-FFF2-40B4-BE49-F238E27FC236}">
-                <a16:creationId xmlns:a16="http://schemas.microsoft.com/office/drawing/2014/main" id="{7122102D-7A87-B624-2EBC-8D86F7392230}"/>
+                <a16:creationId xmlns:a16="http://schemas.microsoft.com/office/drawing/2014/main" id="{EA8DD20D-CF1D-2C36-2BC7-4BB2F587FF5F}"/>
               </a:ext>
             </a:extLst>
           </p:cNvPr>
-          <p:cNvPicPr>
-            <a:picLocks noChangeAspect="1"/>
-          </p:cNvPicPr>
+          <p:cNvSpPr/>
           <p:nvPr/>
-        </p:nvPicPr>
-        <p:blipFill>
-          <a:blip r:embed="rId3"/>
-          <a:stretch>
-            <a:fillRect/>
-          </a:stretch>
-        </p:blipFill>
+        </p:nvSpPr>
         <p:spPr>
           <a:xfrm>
-            <a:off x="614116" y="1209504"/>
-            <a:ext cx="2450553" cy="3201300"/>
-          </a:xfrm>
-          <a:prstGeom prst="rect">
+            <a:off x="2085274" y="1896659"/>
+            <a:ext cx="360000" cy="360000"/>
+          </a:xfrm>
+          <a:prstGeom prst="ellipse">
             <a:avLst/>
           </a:prstGeom>
         </p:spPr>
-      </p:pic>
+        <p:style>
+          <a:lnRef idx="2">
+            <a:schemeClr val="accent3">
+              <a:shade val="50000"/>
+            </a:schemeClr>
+          </a:lnRef>
+          <a:fillRef idx="1">
+            <a:schemeClr val="accent3"/>
+          </a:fillRef>
+          <a:effectRef idx="0">
+            <a:schemeClr val="accent3"/>
+          </a:effectRef>
+          <a:fontRef idx="minor">
+            <a:schemeClr val="lt1"/>
+          </a:fontRef>
+        </p:style>
+        <p:txBody>
+          <a:bodyPr rtlCol="0" anchor="ctr"/>
+          <a:lstStyle/>
+          <a:p>
+            <a:pPr algn="ctr"/>
+            <a:r>
+              <a:rPr lang="en-US" dirty="0"/>
+              <a:t>6</a:t>
+            </a:r>
+          </a:p>
+        </p:txBody>
+      </p:sp>
       <p:sp>
         <p:nvSpPr>
-          <p:cNvPr id="10" name="TextBox 9">
+          <p:cNvPr id="7" name="Овал 6">
             <a:extLst>
               <a:ext uri="{FF2B5EF4-FFF2-40B4-BE49-F238E27FC236}">
-                <a16:creationId xmlns:a16="http://schemas.microsoft.com/office/drawing/2014/main" id="{222B2D65-C82F-4D47-9949-22B26BB538D2}"/>
+                <a16:creationId xmlns:a16="http://schemas.microsoft.com/office/drawing/2014/main" id="{9F3A2ECF-D501-DE77-996C-4F5D27FB83D4}"/>
+              </a:ext>
+            </a:extLst>
+          </p:cNvPr>
+          <p:cNvSpPr/>
+          <p:nvPr/>
+        </p:nvSpPr>
+        <p:spPr>
+          <a:xfrm>
+            <a:off x="2690327" y="1896659"/>
+            <a:ext cx="360000" cy="360000"/>
+          </a:xfrm>
+          <a:prstGeom prst="ellipse">
+            <a:avLst/>
+          </a:prstGeom>
+        </p:spPr>
+        <p:style>
+          <a:lnRef idx="2">
+            <a:schemeClr val="accent3">
+              <a:shade val="50000"/>
+            </a:schemeClr>
+          </a:lnRef>
+          <a:fillRef idx="1">
+            <a:schemeClr val="accent3"/>
+          </a:fillRef>
+          <a:effectRef idx="0">
+            <a:schemeClr val="accent3"/>
+          </a:effectRef>
+          <a:fontRef idx="minor">
+            <a:schemeClr val="lt1"/>
+          </a:fontRef>
+        </p:style>
+        <p:txBody>
+          <a:bodyPr rtlCol="0" anchor="ctr"/>
+          <a:lstStyle/>
+          <a:p>
+            <a:pPr algn="ctr"/>
+            <a:r>
+              <a:rPr lang="en-US" dirty="0"/>
+              <a:t>8</a:t>
+            </a:r>
+          </a:p>
+        </p:txBody>
+      </p:sp>
+      <p:sp>
+        <p:nvSpPr>
+          <p:cNvPr id="8" name="Овал 7">
+            <a:extLst>
+              <a:ext uri="{FF2B5EF4-FFF2-40B4-BE49-F238E27FC236}">
+                <a16:creationId xmlns:a16="http://schemas.microsoft.com/office/drawing/2014/main" id="{1A0EC273-DCC3-F299-AFDF-298619B82010}"/>
+              </a:ext>
+            </a:extLst>
+          </p:cNvPr>
+          <p:cNvSpPr/>
+          <p:nvPr/>
+        </p:nvSpPr>
+        <p:spPr>
+          <a:xfrm>
+            <a:off x="1723052" y="2416305"/>
+            <a:ext cx="360000" cy="360000"/>
+          </a:xfrm>
+          <a:prstGeom prst="ellipse">
+            <a:avLst/>
+          </a:prstGeom>
+        </p:spPr>
+        <p:style>
+          <a:lnRef idx="2">
+            <a:schemeClr val="accent3">
+              <a:shade val="50000"/>
+            </a:schemeClr>
+          </a:lnRef>
+          <a:fillRef idx="1">
+            <a:schemeClr val="accent3"/>
+          </a:fillRef>
+          <a:effectRef idx="0">
+            <a:schemeClr val="accent3"/>
+          </a:effectRef>
+          <a:fontRef idx="minor">
+            <a:schemeClr val="lt1"/>
+          </a:fontRef>
+        </p:style>
+        <p:txBody>
+          <a:bodyPr rtlCol="0" anchor="ctr"/>
+          <a:lstStyle/>
+          <a:p>
+            <a:pPr algn="ctr"/>
+            <a:r>
+              <a:rPr lang="en-US" dirty="0"/>
+              <a:t>5</a:t>
+            </a:r>
+          </a:p>
+        </p:txBody>
+      </p:sp>
+      <p:sp>
+        <p:nvSpPr>
+          <p:cNvPr id="9" name="Овал 8">
+            <a:extLst>
+              <a:ext uri="{FF2B5EF4-FFF2-40B4-BE49-F238E27FC236}">
+                <a16:creationId xmlns:a16="http://schemas.microsoft.com/office/drawing/2014/main" id="{918E62B0-F70B-43CB-2883-DE6CB6566715}"/>
+              </a:ext>
+            </a:extLst>
+          </p:cNvPr>
+          <p:cNvSpPr/>
+          <p:nvPr/>
+        </p:nvSpPr>
+        <p:spPr>
+          <a:xfrm>
+            <a:off x="1183052" y="2944675"/>
+            <a:ext cx="360000" cy="360000"/>
+          </a:xfrm>
+          <a:prstGeom prst="ellipse">
+            <a:avLst/>
+          </a:prstGeom>
+        </p:spPr>
+        <p:style>
+          <a:lnRef idx="2">
+            <a:schemeClr val="accent3">
+              <a:shade val="50000"/>
+            </a:schemeClr>
+          </a:lnRef>
+          <a:fillRef idx="1">
+            <a:schemeClr val="accent3"/>
+          </a:fillRef>
+          <a:effectRef idx="0">
+            <a:schemeClr val="accent3"/>
+          </a:effectRef>
+          <a:fontRef idx="minor">
+            <a:schemeClr val="lt1"/>
+          </a:fontRef>
+        </p:style>
+        <p:txBody>
+          <a:bodyPr rtlCol="0" anchor="ctr"/>
+          <a:lstStyle/>
+          <a:p>
+            <a:pPr algn="ctr"/>
+            <a:r>
+              <a:rPr lang="en-US" dirty="0"/>
+              <a:t>2</a:t>
+            </a:r>
+          </a:p>
+        </p:txBody>
+      </p:sp>
+      <p:sp>
+        <p:nvSpPr>
+          <p:cNvPr id="10" name="Овал 9">
+            <a:extLst>
+              <a:ext uri="{FF2B5EF4-FFF2-40B4-BE49-F238E27FC236}">
+                <a16:creationId xmlns:a16="http://schemas.microsoft.com/office/drawing/2014/main" id="{C1FCD2CF-0A03-02EA-F4DC-7E838EED47EB}"/>
+              </a:ext>
+            </a:extLst>
+          </p:cNvPr>
+          <p:cNvSpPr/>
+          <p:nvPr/>
+        </p:nvSpPr>
+        <p:spPr>
+          <a:xfrm>
+            <a:off x="3050327" y="2416305"/>
+            <a:ext cx="360000" cy="360000"/>
+          </a:xfrm>
+          <a:prstGeom prst="ellipse">
+            <a:avLst/>
+          </a:prstGeom>
+        </p:spPr>
+        <p:style>
+          <a:lnRef idx="2">
+            <a:schemeClr val="accent3">
+              <a:shade val="50000"/>
+            </a:schemeClr>
+          </a:lnRef>
+          <a:fillRef idx="1">
+            <a:schemeClr val="accent3"/>
+          </a:fillRef>
+          <a:effectRef idx="0">
+            <a:schemeClr val="accent3"/>
+          </a:effectRef>
+          <a:fontRef idx="minor">
+            <a:schemeClr val="lt1"/>
+          </a:fontRef>
+        </p:style>
+        <p:txBody>
+          <a:bodyPr rtlCol="0" anchor="ctr"/>
+          <a:lstStyle/>
+          <a:p>
+            <a:pPr algn="ctr"/>
+            <a:r>
+              <a:rPr lang="en-US" dirty="0"/>
+              <a:t>9</a:t>
+            </a:r>
+          </a:p>
+        </p:txBody>
+      </p:sp>
+      <p:sp>
+        <p:nvSpPr>
+          <p:cNvPr id="11" name="Овал 10">
+            <a:extLst>
+              <a:ext uri="{FF2B5EF4-FFF2-40B4-BE49-F238E27FC236}">
+                <a16:creationId xmlns:a16="http://schemas.microsoft.com/office/drawing/2014/main" id="{6EDBDDD7-EBA1-420D-0614-09FBAA2C318F}"/>
+              </a:ext>
+            </a:extLst>
+          </p:cNvPr>
+          <p:cNvSpPr/>
+          <p:nvPr/>
+        </p:nvSpPr>
+        <p:spPr>
+          <a:xfrm>
+            <a:off x="1633052" y="3475239"/>
+            <a:ext cx="360000" cy="360000"/>
+          </a:xfrm>
+          <a:prstGeom prst="ellipse">
+            <a:avLst/>
+          </a:prstGeom>
+        </p:spPr>
+        <p:style>
+          <a:lnRef idx="2">
+            <a:schemeClr val="accent3">
+              <a:shade val="50000"/>
+            </a:schemeClr>
+          </a:lnRef>
+          <a:fillRef idx="1">
+            <a:schemeClr val="accent3"/>
+          </a:fillRef>
+          <a:effectRef idx="0">
+            <a:schemeClr val="accent3"/>
+          </a:effectRef>
+          <a:fontRef idx="minor">
+            <a:schemeClr val="lt1"/>
+          </a:fontRef>
+        </p:style>
+        <p:txBody>
+          <a:bodyPr rtlCol="0" anchor="ctr"/>
+          <a:lstStyle/>
+          <a:p>
+            <a:pPr algn="ctr"/>
+            <a:r>
+              <a:rPr lang="en-US" dirty="0"/>
+              <a:t>4</a:t>
+            </a:r>
+          </a:p>
+        </p:txBody>
+      </p:sp>
+      <p:sp>
+        <p:nvSpPr>
+          <p:cNvPr id="12" name="Овал 11">
+            <a:extLst>
+              <a:ext uri="{FF2B5EF4-FFF2-40B4-BE49-F238E27FC236}">
+                <a16:creationId xmlns:a16="http://schemas.microsoft.com/office/drawing/2014/main" id="{BC4DECB0-374F-A9AA-CB38-C77624FB0243}"/>
+              </a:ext>
+            </a:extLst>
+          </p:cNvPr>
+          <p:cNvSpPr/>
+          <p:nvPr/>
+        </p:nvSpPr>
+        <p:spPr>
+          <a:xfrm>
+            <a:off x="688052" y="3475239"/>
+            <a:ext cx="360000" cy="360000"/>
+          </a:xfrm>
+          <a:prstGeom prst="ellipse">
+            <a:avLst/>
+          </a:prstGeom>
+        </p:spPr>
+        <p:style>
+          <a:lnRef idx="2">
+            <a:schemeClr val="accent3">
+              <a:shade val="50000"/>
+            </a:schemeClr>
+          </a:lnRef>
+          <a:fillRef idx="1">
+            <a:schemeClr val="accent3"/>
+          </a:fillRef>
+          <a:effectRef idx="0">
+            <a:schemeClr val="accent3"/>
+          </a:effectRef>
+          <a:fontRef idx="minor">
+            <a:schemeClr val="lt1"/>
+          </a:fontRef>
+        </p:style>
+        <p:txBody>
+          <a:bodyPr rtlCol="0" anchor="ctr"/>
+          <a:lstStyle/>
+          <a:p>
+            <a:pPr algn="ctr"/>
+            <a:r>
+              <a:rPr lang="en-US" dirty="0"/>
+              <a:t>1</a:t>
+            </a:r>
+          </a:p>
+        </p:txBody>
+      </p:sp>
+      <p:sp>
+        <p:nvSpPr>
+          <p:cNvPr id="13" name="Овал 12">
+            <a:extLst>
+              <a:ext uri="{FF2B5EF4-FFF2-40B4-BE49-F238E27FC236}">
+                <a16:creationId xmlns:a16="http://schemas.microsoft.com/office/drawing/2014/main" id="{5E07FA76-86E0-6823-F511-9F59E7FE7083}"/>
+              </a:ext>
+            </a:extLst>
+          </p:cNvPr>
+          <p:cNvSpPr/>
+          <p:nvPr/>
+        </p:nvSpPr>
+        <p:spPr>
+          <a:xfrm>
+            <a:off x="311700" y="4005062"/>
+            <a:ext cx="360000" cy="360000"/>
+          </a:xfrm>
+          <a:prstGeom prst="ellipse">
+            <a:avLst/>
+          </a:prstGeom>
+        </p:spPr>
+        <p:style>
+          <a:lnRef idx="2">
+            <a:schemeClr val="accent3">
+              <a:shade val="50000"/>
+            </a:schemeClr>
+          </a:lnRef>
+          <a:fillRef idx="1">
+            <a:schemeClr val="accent3"/>
+          </a:fillRef>
+          <a:effectRef idx="0">
+            <a:schemeClr val="accent3"/>
+          </a:effectRef>
+          <a:fontRef idx="minor">
+            <a:schemeClr val="lt1"/>
+          </a:fontRef>
+        </p:style>
+        <p:txBody>
+          <a:bodyPr rtlCol="0" anchor="ctr"/>
+          <a:lstStyle/>
+          <a:p>
+            <a:pPr algn="ctr"/>
+            <a:r>
+              <a:rPr lang="en-US" dirty="0"/>
+              <a:t>0</a:t>
+            </a:r>
+          </a:p>
+        </p:txBody>
+      </p:sp>
+      <p:sp>
+        <p:nvSpPr>
+          <p:cNvPr id="15" name="Овал 14">
+            <a:extLst>
+              <a:ext uri="{FF2B5EF4-FFF2-40B4-BE49-F238E27FC236}">
+                <a16:creationId xmlns:a16="http://schemas.microsoft.com/office/drawing/2014/main" id="{6697B8B8-BAB0-BC9D-270E-09C709305DFF}"/>
+              </a:ext>
+            </a:extLst>
+          </p:cNvPr>
+          <p:cNvSpPr/>
+          <p:nvPr/>
+        </p:nvSpPr>
+        <p:spPr>
+          <a:xfrm>
+            <a:off x="1363052" y="4005062"/>
+            <a:ext cx="360000" cy="360000"/>
+          </a:xfrm>
+          <a:prstGeom prst="ellipse">
+            <a:avLst/>
+          </a:prstGeom>
+        </p:spPr>
+        <p:style>
+          <a:lnRef idx="2">
+            <a:schemeClr val="accent3">
+              <a:shade val="50000"/>
+            </a:schemeClr>
+          </a:lnRef>
+          <a:fillRef idx="1">
+            <a:schemeClr val="accent3"/>
+          </a:fillRef>
+          <a:effectRef idx="0">
+            <a:schemeClr val="accent3"/>
+          </a:effectRef>
+          <a:fontRef idx="minor">
+            <a:schemeClr val="lt1"/>
+          </a:fontRef>
+        </p:style>
+        <p:txBody>
+          <a:bodyPr rtlCol="0" anchor="ctr"/>
+          <a:lstStyle/>
+          <a:p>
+            <a:pPr algn="ctr"/>
+            <a:r>
+              <a:rPr lang="en-US" dirty="0"/>
+              <a:t>3</a:t>
+            </a:r>
+          </a:p>
+        </p:txBody>
+      </p:sp>
+      <p:sp>
+        <p:nvSpPr>
+          <p:cNvPr id="63" name="Овал 62">
+            <a:extLst>
+              <a:ext uri="{FF2B5EF4-FFF2-40B4-BE49-F238E27FC236}">
+                <a16:creationId xmlns:a16="http://schemas.microsoft.com/office/drawing/2014/main" id="{D5510EFB-690E-14DD-5316-7DB4A51F2845}"/>
+              </a:ext>
+            </a:extLst>
+          </p:cNvPr>
+          <p:cNvSpPr/>
+          <p:nvPr/>
+        </p:nvSpPr>
+        <p:spPr>
+          <a:xfrm>
+            <a:off x="1719454" y="4556547"/>
+            <a:ext cx="360000" cy="360000"/>
+          </a:xfrm>
+          <a:prstGeom prst="ellipse">
+            <a:avLst/>
+          </a:prstGeom>
+        </p:spPr>
+        <p:style>
+          <a:lnRef idx="2">
+            <a:schemeClr val="accent4">
+              <a:shade val="50000"/>
+            </a:schemeClr>
+          </a:lnRef>
+          <a:fillRef idx="1">
+            <a:schemeClr val="accent4"/>
+          </a:fillRef>
+          <a:effectRef idx="0">
+            <a:schemeClr val="accent4"/>
+          </a:effectRef>
+          <a:fontRef idx="minor">
+            <a:schemeClr val="lt1"/>
+          </a:fontRef>
+        </p:style>
+        <p:txBody>
+          <a:bodyPr rtlCol="0" anchor="ctr"/>
+          <a:lstStyle/>
+          <a:p>
+            <a:pPr algn="ctr"/>
+            <a:endParaRPr lang="en-US" dirty="0"/>
+          </a:p>
+        </p:txBody>
+      </p:sp>
+      <p:sp>
+        <p:nvSpPr>
+          <p:cNvPr id="65" name="TextBox 64">
+            <a:extLst>
+              <a:ext uri="{FF2B5EF4-FFF2-40B4-BE49-F238E27FC236}">
+                <a16:creationId xmlns:a16="http://schemas.microsoft.com/office/drawing/2014/main" id="{F3F1CEA9-E94E-A449-34C3-740A1A241B70}"/>
               </a:ext>
             </a:extLst>
           </p:cNvPr>
@@ -7451,8 +8067,8 @@
         </p:nvSpPr>
         <p:spPr>
           <a:xfrm>
-            <a:off x="3760237" y="1607242"/>
-            <a:ext cx="5079206" cy="1015663"/>
+            <a:off x="1693691" y="4592831"/>
+            <a:ext cx="452222" cy="307777"/>
           </a:xfrm>
           <a:prstGeom prst="rect">
             <a:avLst/>
@@ -7466,20 +8082,1000 @@
           <a:lstStyle/>
           <a:p>
             <a:r>
-              <a:rPr lang="ru-RU" sz="2000" dirty="0">
-                <a:latin typeface="Montserrat Light" panose="00000400000000000000" pitchFamily="2" charset="-52"/>
+              <a:rPr lang="en-US" dirty="0">
+                <a:solidFill>
+                  <a:schemeClr val="bg1"/>
+                </a:solidFill>
               </a:rPr>
-              <a:t>Мы рассматриваем дерево из 10 элементов высотой 5, в которое добавили элемент 3,5.</a:t>
+              <a:t>3,5</a:t>
+            </a:r>
+            <a:endParaRPr lang="ru-RU" dirty="0">
+              <a:solidFill>
+                <a:schemeClr val="bg1"/>
+              </a:solidFill>
+            </a:endParaRPr>
+          </a:p>
+        </p:txBody>
+      </p:sp>
+      <p:cxnSp>
+        <p:nvCxnSpPr>
+          <p:cNvPr id="69" name="Прямая со стрелкой 68">
+            <a:extLst>
+              <a:ext uri="{FF2B5EF4-FFF2-40B4-BE49-F238E27FC236}">
+                <a16:creationId xmlns:a16="http://schemas.microsoft.com/office/drawing/2014/main" id="{74166208-A435-6BEC-D6D2-744331EE1E39}"/>
+              </a:ext>
+            </a:extLst>
+          </p:cNvPr>
+          <p:cNvCxnSpPr>
+            <a:cxnSpLocks/>
+          </p:cNvCxnSpPr>
+          <p:nvPr/>
+        </p:nvCxnSpPr>
+        <p:spPr>
+          <a:xfrm>
+            <a:off x="3857625" y="3061787"/>
+            <a:ext cx="714375" cy="0"/>
+          </a:xfrm>
+          <a:prstGeom prst="straightConnector1">
+            <a:avLst/>
+          </a:prstGeom>
+          <a:ln>
+            <a:tailEnd type="triangle"/>
+          </a:ln>
+        </p:spPr>
+        <p:style>
+          <a:lnRef idx="1">
+            <a:schemeClr val="dk1"/>
+          </a:lnRef>
+          <a:fillRef idx="0">
+            <a:schemeClr val="dk1"/>
+          </a:fillRef>
+          <a:effectRef idx="0">
+            <a:schemeClr val="dk1"/>
+          </a:effectRef>
+          <a:fontRef idx="minor">
+            <a:schemeClr val="tx1"/>
+          </a:fontRef>
+        </p:style>
+      </p:cxnSp>
+      <p:cxnSp>
+        <p:nvCxnSpPr>
+          <p:cNvPr id="71" name="Прямая соединительная линия 70">
+            <a:extLst>
+              <a:ext uri="{FF2B5EF4-FFF2-40B4-BE49-F238E27FC236}">
+                <a16:creationId xmlns:a16="http://schemas.microsoft.com/office/drawing/2014/main" id="{137D1DAE-E9D8-43D5-13AF-CED7D5E18345}"/>
+              </a:ext>
+            </a:extLst>
+          </p:cNvPr>
+          <p:cNvCxnSpPr>
+            <a:cxnSpLocks/>
+            <a:stCxn id="87" idx="4"/>
+            <a:endCxn id="91" idx="0"/>
+          </p:cNvCxnSpPr>
+          <p:nvPr/>
+        </p:nvCxnSpPr>
+        <p:spPr>
+          <a:xfrm flipH="1">
+            <a:off x="6605721" y="3134198"/>
+            <a:ext cx="8541" cy="255759"/>
+          </a:xfrm>
+          <a:prstGeom prst="line">
+            <a:avLst/>
+          </a:prstGeom>
+        </p:spPr>
+        <p:style>
+          <a:lnRef idx="1">
+            <a:schemeClr val="dk1"/>
+          </a:lnRef>
+          <a:fillRef idx="0">
+            <a:schemeClr val="dk1"/>
+          </a:fillRef>
+          <a:effectRef idx="0">
+            <a:schemeClr val="dk1"/>
+          </a:effectRef>
+          <a:fontRef idx="minor">
+            <a:schemeClr val="tx1"/>
+          </a:fontRef>
+        </p:style>
+      </p:cxnSp>
+      <p:cxnSp>
+        <p:nvCxnSpPr>
+          <p:cNvPr id="72" name="Прямая соединительная линия 71">
+            <a:extLst>
+              <a:ext uri="{FF2B5EF4-FFF2-40B4-BE49-F238E27FC236}">
+                <a16:creationId xmlns:a16="http://schemas.microsoft.com/office/drawing/2014/main" id="{96FAE679-6580-80E6-C75D-5468EF5A0319}"/>
+              </a:ext>
+            </a:extLst>
+          </p:cNvPr>
+          <p:cNvCxnSpPr>
+            <a:cxnSpLocks/>
+            <a:stCxn id="82" idx="4"/>
+            <a:endCxn id="84" idx="0"/>
+          </p:cNvCxnSpPr>
+          <p:nvPr/>
+        </p:nvCxnSpPr>
+        <p:spPr>
+          <a:xfrm flipH="1">
+            <a:off x="6245721" y="2097013"/>
+            <a:ext cx="362222" cy="159646"/>
+          </a:xfrm>
+          <a:prstGeom prst="line">
+            <a:avLst/>
+          </a:prstGeom>
+        </p:spPr>
+        <p:style>
+          <a:lnRef idx="1">
+            <a:schemeClr val="dk1"/>
+          </a:lnRef>
+          <a:fillRef idx="0">
+            <a:schemeClr val="dk1"/>
+          </a:fillRef>
+          <a:effectRef idx="0">
+            <a:schemeClr val="dk1"/>
+          </a:effectRef>
+          <a:fontRef idx="minor">
+            <a:schemeClr val="tx1"/>
+          </a:fontRef>
+        </p:style>
+      </p:cxnSp>
+      <p:cxnSp>
+        <p:nvCxnSpPr>
+          <p:cNvPr id="73" name="Прямая соединительная линия 72">
+            <a:extLst>
+              <a:ext uri="{FF2B5EF4-FFF2-40B4-BE49-F238E27FC236}">
+                <a16:creationId xmlns:a16="http://schemas.microsoft.com/office/drawing/2014/main" id="{B881EF09-5B6C-E74B-802D-2E13A8FF3DB8}"/>
+              </a:ext>
+            </a:extLst>
+          </p:cNvPr>
+          <p:cNvCxnSpPr>
+            <a:stCxn id="83" idx="4"/>
+            <a:endCxn id="86" idx="0"/>
+          </p:cNvCxnSpPr>
+          <p:nvPr/>
+        </p:nvCxnSpPr>
+        <p:spPr>
+          <a:xfrm>
+            <a:off x="7212996" y="2097013"/>
+            <a:ext cx="360000" cy="159646"/>
+          </a:xfrm>
+          <a:prstGeom prst="line">
+            <a:avLst/>
+          </a:prstGeom>
+        </p:spPr>
+        <p:style>
+          <a:lnRef idx="1">
+            <a:schemeClr val="dk1"/>
+          </a:lnRef>
+          <a:fillRef idx="0">
+            <a:schemeClr val="dk1"/>
+          </a:fillRef>
+          <a:effectRef idx="0">
+            <a:schemeClr val="dk1"/>
+          </a:effectRef>
+          <a:fontRef idx="minor">
+            <a:schemeClr val="tx1"/>
+          </a:fontRef>
+        </p:style>
+      </p:cxnSp>
+      <p:cxnSp>
+        <p:nvCxnSpPr>
+          <p:cNvPr id="74" name="Прямая соединительная линия 73">
+            <a:extLst>
+              <a:ext uri="{FF2B5EF4-FFF2-40B4-BE49-F238E27FC236}">
+                <a16:creationId xmlns:a16="http://schemas.microsoft.com/office/drawing/2014/main" id="{B8A26DF0-948D-5D2B-95B1-5E335A6AA2DC}"/>
+              </a:ext>
+            </a:extLst>
+          </p:cNvPr>
+          <p:cNvCxnSpPr>
+            <a:stCxn id="84" idx="4"/>
+            <a:endCxn id="85" idx="0"/>
+          </p:cNvCxnSpPr>
+          <p:nvPr/>
+        </p:nvCxnSpPr>
+        <p:spPr>
+          <a:xfrm flipH="1">
+            <a:off x="5882123" y="2616659"/>
+            <a:ext cx="363598" cy="157539"/>
+          </a:xfrm>
+          <a:prstGeom prst="line">
+            <a:avLst/>
+          </a:prstGeom>
+        </p:spPr>
+        <p:style>
+          <a:lnRef idx="1">
+            <a:schemeClr val="dk1"/>
+          </a:lnRef>
+          <a:fillRef idx="0">
+            <a:schemeClr val="dk1"/>
+          </a:fillRef>
+          <a:effectRef idx="0">
+            <a:schemeClr val="dk1"/>
+          </a:effectRef>
+          <a:fontRef idx="minor">
+            <a:schemeClr val="tx1"/>
+          </a:fontRef>
+        </p:style>
+      </p:cxnSp>
+      <p:cxnSp>
+        <p:nvCxnSpPr>
+          <p:cNvPr id="75" name="Прямая соединительная линия 74">
+            <a:extLst>
+              <a:ext uri="{FF2B5EF4-FFF2-40B4-BE49-F238E27FC236}">
+                <a16:creationId xmlns:a16="http://schemas.microsoft.com/office/drawing/2014/main" id="{386A1251-17F2-E5F1-74CE-BDEBF22EE7FB}"/>
+              </a:ext>
+            </a:extLst>
+          </p:cNvPr>
+          <p:cNvCxnSpPr>
+            <a:stCxn id="85" idx="4"/>
+            <a:endCxn id="88" idx="0"/>
+          </p:cNvCxnSpPr>
+          <p:nvPr/>
+        </p:nvCxnSpPr>
+        <p:spPr>
+          <a:xfrm flipH="1">
+            <a:off x="5243582" y="3134198"/>
+            <a:ext cx="638541" cy="240282"/>
+          </a:xfrm>
+          <a:prstGeom prst="line">
+            <a:avLst/>
+          </a:prstGeom>
+        </p:spPr>
+        <p:style>
+          <a:lnRef idx="1">
+            <a:schemeClr val="dk1"/>
+          </a:lnRef>
+          <a:fillRef idx="0">
+            <a:schemeClr val="dk1"/>
+          </a:fillRef>
+          <a:effectRef idx="0">
+            <a:schemeClr val="dk1"/>
+          </a:effectRef>
+          <a:fontRef idx="minor">
+            <a:schemeClr val="tx1"/>
+          </a:fontRef>
+        </p:style>
+      </p:cxnSp>
+      <p:cxnSp>
+        <p:nvCxnSpPr>
+          <p:cNvPr id="76" name="Прямая соединительная линия 75">
+            <a:extLst>
+              <a:ext uri="{FF2B5EF4-FFF2-40B4-BE49-F238E27FC236}">
+                <a16:creationId xmlns:a16="http://schemas.microsoft.com/office/drawing/2014/main" id="{69328043-8650-8383-734F-EDF99DF6F4BE}"/>
+              </a:ext>
+            </a:extLst>
+          </p:cNvPr>
+          <p:cNvCxnSpPr>
+            <a:cxnSpLocks/>
+            <a:stCxn id="84" idx="4"/>
+            <a:endCxn id="87" idx="0"/>
+          </p:cNvCxnSpPr>
+          <p:nvPr/>
+        </p:nvCxnSpPr>
+        <p:spPr>
+          <a:xfrm>
+            <a:off x="6245721" y="2616659"/>
+            <a:ext cx="368541" cy="157539"/>
+          </a:xfrm>
+          <a:prstGeom prst="line">
+            <a:avLst/>
+          </a:prstGeom>
+        </p:spPr>
+        <p:style>
+          <a:lnRef idx="1">
+            <a:schemeClr val="dk1"/>
+          </a:lnRef>
+          <a:fillRef idx="0">
+            <a:schemeClr val="dk1"/>
+          </a:fillRef>
+          <a:effectRef idx="0">
+            <a:schemeClr val="dk1"/>
+          </a:effectRef>
+          <a:fontRef idx="minor">
+            <a:schemeClr val="tx1"/>
+          </a:fontRef>
+        </p:style>
+      </p:cxnSp>
+      <p:cxnSp>
+        <p:nvCxnSpPr>
+          <p:cNvPr id="77" name="Прямая соединительная линия 76">
+            <a:extLst>
+              <a:ext uri="{FF2B5EF4-FFF2-40B4-BE49-F238E27FC236}">
+                <a16:creationId xmlns:a16="http://schemas.microsoft.com/office/drawing/2014/main" id="{F95CCD8B-DDBD-6447-D0A1-CD9D5B5239D6}"/>
+              </a:ext>
+            </a:extLst>
+          </p:cNvPr>
+          <p:cNvCxnSpPr>
+            <a:cxnSpLocks/>
+            <a:stCxn id="85" idx="4"/>
+            <a:endCxn id="89" idx="0"/>
+          </p:cNvCxnSpPr>
+          <p:nvPr/>
+        </p:nvCxnSpPr>
+        <p:spPr>
+          <a:xfrm>
+            <a:off x="5882123" y="3134198"/>
+            <a:ext cx="90000" cy="240282"/>
+          </a:xfrm>
+          <a:prstGeom prst="line">
+            <a:avLst/>
+          </a:prstGeom>
+        </p:spPr>
+        <p:style>
+          <a:lnRef idx="1">
+            <a:schemeClr val="dk1"/>
+          </a:lnRef>
+          <a:fillRef idx="0">
+            <a:schemeClr val="dk1"/>
+          </a:fillRef>
+          <a:effectRef idx="0">
+            <a:schemeClr val="dk1"/>
+          </a:effectRef>
+          <a:fontRef idx="minor">
+            <a:schemeClr val="tx1"/>
+          </a:fontRef>
+        </p:style>
+      </p:cxnSp>
+      <p:cxnSp>
+        <p:nvCxnSpPr>
+          <p:cNvPr id="78" name="Прямая соединительная линия 77">
+            <a:extLst>
+              <a:ext uri="{FF2B5EF4-FFF2-40B4-BE49-F238E27FC236}">
+                <a16:creationId xmlns:a16="http://schemas.microsoft.com/office/drawing/2014/main" id="{85E191F5-D744-3099-CF64-715621979A82}"/>
+              </a:ext>
+            </a:extLst>
+          </p:cNvPr>
+          <p:cNvCxnSpPr>
+            <a:stCxn id="87" idx="4"/>
+            <a:endCxn id="90" idx="0"/>
+          </p:cNvCxnSpPr>
+          <p:nvPr/>
+        </p:nvCxnSpPr>
+        <p:spPr>
+          <a:xfrm>
+            <a:off x="6614262" y="3134198"/>
+            <a:ext cx="716686" cy="240282"/>
+          </a:xfrm>
+          <a:prstGeom prst="line">
+            <a:avLst/>
+          </a:prstGeom>
+        </p:spPr>
+        <p:style>
+          <a:lnRef idx="1">
+            <a:schemeClr val="dk1"/>
+          </a:lnRef>
+          <a:fillRef idx="0">
+            <a:schemeClr val="dk1"/>
+          </a:fillRef>
+          <a:effectRef idx="0">
+            <a:schemeClr val="dk1"/>
+          </a:effectRef>
+          <a:fontRef idx="minor">
+            <a:schemeClr val="tx1"/>
+          </a:fontRef>
+        </p:style>
+      </p:cxnSp>
+      <p:cxnSp>
+        <p:nvCxnSpPr>
+          <p:cNvPr id="79" name="Прямая соединительная линия 78">
+            <a:extLst>
+              <a:ext uri="{FF2B5EF4-FFF2-40B4-BE49-F238E27FC236}">
+                <a16:creationId xmlns:a16="http://schemas.microsoft.com/office/drawing/2014/main" id="{4C9877AD-152F-8200-4875-5823CA888129}"/>
+              </a:ext>
+            </a:extLst>
+          </p:cNvPr>
+          <p:cNvCxnSpPr>
+            <a:cxnSpLocks/>
+            <a:stCxn id="81" idx="4"/>
+            <a:endCxn id="83" idx="0"/>
+          </p:cNvCxnSpPr>
+          <p:nvPr/>
+        </p:nvCxnSpPr>
+        <p:spPr>
+          <a:xfrm>
+            <a:off x="6908684" y="1514804"/>
+            <a:ext cx="304312" cy="222209"/>
+          </a:xfrm>
+          <a:prstGeom prst="line">
+            <a:avLst/>
+          </a:prstGeom>
+        </p:spPr>
+        <p:style>
+          <a:lnRef idx="1">
+            <a:schemeClr val="dk1"/>
+          </a:lnRef>
+          <a:fillRef idx="0">
+            <a:schemeClr val="dk1"/>
+          </a:fillRef>
+          <a:effectRef idx="0">
+            <a:schemeClr val="dk1"/>
+          </a:effectRef>
+          <a:fontRef idx="minor">
+            <a:schemeClr val="tx1"/>
+          </a:fontRef>
+        </p:style>
+      </p:cxnSp>
+      <p:cxnSp>
+        <p:nvCxnSpPr>
+          <p:cNvPr id="80" name="Прямая соединительная линия 79">
+            <a:extLst>
+              <a:ext uri="{FF2B5EF4-FFF2-40B4-BE49-F238E27FC236}">
+                <a16:creationId xmlns:a16="http://schemas.microsoft.com/office/drawing/2014/main" id="{A203DADD-8914-5972-0D4F-CB384E86A0E9}"/>
+              </a:ext>
+            </a:extLst>
+          </p:cNvPr>
+          <p:cNvCxnSpPr>
+            <a:cxnSpLocks/>
+            <a:stCxn id="81" idx="4"/>
+            <a:endCxn id="82" idx="0"/>
+          </p:cNvCxnSpPr>
+          <p:nvPr/>
+        </p:nvCxnSpPr>
+        <p:spPr>
+          <a:xfrm flipH="1">
+            <a:off x="6607943" y="1514804"/>
+            <a:ext cx="300741" cy="222209"/>
+          </a:xfrm>
+          <a:prstGeom prst="line">
+            <a:avLst/>
+          </a:prstGeom>
+        </p:spPr>
+        <p:style>
+          <a:lnRef idx="1">
+            <a:schemeClr val="dk1"/>
+          </a:lnRef>
+          <a:fillRef idx="0">
+            <a:schemeClr val="dk1"/>
+          </a:fillRef>
+          <a:effectRef idx="0">
+            <a:schemeClr val="dk1"/>
+          </a:effectRef>
+          <a:fontRef idx="minor">
+            <a:schemeClr val="tx1"/>
+          </a:fontRef>
+        </p:style>
+      </p:cxnSp>
+      <p:sp>
+        <p:nvSpPr>
+          <p:cNvPr id="81" name="Овал 80">
+            <a:extLst>
+              <a:ext uri="{FF2B5EF4-FFF2-40B4-BE49-F238E27FC236}">
+                <a16:creationId xmlns:a16="http://schemas.microsoft.com/office/drawing/2014/main" id="{A8DE9F57-E84F-DEF6-BF74-D6B5543454F7}"/>
+              </a:ext>
+            </a:extLst>
+          </p:cNvPr>
+          <p:cNvSpPr/>
+          <p:nvPr/>
+        </p:nvSpPr>
+        <p:spPr>
+          <a:xfrm>
+            <a:off x="6728684" y="1154804"/>
+            <a:ext cx="360000" cy="360000"/>
+          </a:xfrm>
+          <a:prstGeom prst="ellipse">
+            <a:avLst/>
+          </a:prstGeom>
+        </p:spPr>
+        <p:style>
+          <a:lnRef idx="2">
+            <a:schemeClr val="accent3">
+              <a:shade val="50000"/>
+            </a:schemeClr>
+          </a:lnRef>
+          <a:fillRef idx="1">
+            <a:schemeClr val="accent3"/>
+          </a:fillRef>
+          <a:effectRef idx="0">
+            <a:schemeClr val="accent3"/>
+          </a:effectRef>
+          <a:fontRef idx="minor">
+            <a:schemeClr val="lt1"/>
+          </a:fontRef>
+        </p:style>
+        <p:txBody>
+          <a:bodyPr rtlCol="0" anchor="ctr"/>
+          <a:lstStyle/>
+          <a:p>
+            <a:pPr algn="ctr"/>
+            <a:r>
+              <a:rPr lang="en-US" dirty="0"/>
+              <a:t>7</a:t>
             </a:r>
           </a:p>
         </p:txBody>
       </p:sp>
       <p:sp>
         <p:nvSpPr>
-          <p:cNvPr id="11" name="TextBox 10">
+          <p:cNvPr id="82" name="Овал 81">
             <a:extLst>
               <a:ext uri="{FF2B5EF4-FFF2-40B4-BE49-F238E27FC236}">
-                <a16:creationId xmlns:a16="http://schemas.microsoft.com/office/drawing/2014/main" id="{EAF88AC6-A5E0-81AA-284C-508E462F8EBA}"/>
+                <a16:creationId xmlns:a16="http://schemas.microsoft.com/office/drawing/2014/main" id="{BA54D4F1-BDAD-03F2-3B99-6553330F6249}"/>
+              </a:ext>
+            </a:extLst>
+          </p:cNvPr>
+          <p:cNvSpPr/>
+          <p:nvPr/>
+        </p:nvSpPr>
+        <p:spPr>
+          <a:xfrm>
+            <a:off x="6427943" y="1737013"/>
+            <a:ext cx="360000" cy="360000"/>
+          </a:xfrm>
+          <a:prstGeom prst="ellipse">
+            <a:avLst/>
+          </a:prstGeom>
+        </p:spPr>
+        <p:style>
+          <a:lnRef idx="2">
+            <a:schemeClr val="accent3">
+              <a:shade val="50000"/>
+            </a:schemeClr>
+          </a:lnRef>
+          <a:fillRef idx="1">
+            <a:schemeClr val="accent3"/>
+          </a:fillRef>
+          <a:effectRef idx="0">
+            <a:schemeClr val="accent3"/>
+          </a:effectRef>
+          <a:fontRef idx="minor">
+            <a:schemeClr val="lt1"/>
+          </a:fontRef>
+        </p:style>
+        <p:txBody>
+          <a:bodyPr rtlCol="0" anchor="ctr"/>
+          <a:lstStyle/>
+          <a:p>
+            <a:pPr algn="ctr"/>
+            <a:r>
+              <a:rPr lang="en-US" dirty="0"/>
+              <a:t>6</a:t>
+            </a:r>
+          </a:p>
+        </p:txBody>
+      </p:sp>
+      <p:sp>
+        <p:nvSpPr>
+          <p:cNvPr id="83" name="Овал 82">
+            <a:extLst>
+              <a:ext uri="{FF2B5EF4-FFF2-40B4-BE49-F238E27FC236}">
+                <a16:creationId xmlns:a16="http://schemas.microsoft.com/office/drawing/2014/main" id="{A6350E2C-B270-A935-955F-8F1D04ACA65C}"/>
+              </a:ext>
+            </a:extLst>
+          </p:cNvPr>
+          <p:cNvSpPr/>
+          <p:nvPr/>
+        </p:nvSpPr>
+        <p:spPr>
+          <a:xfrm>
+            <a:off x="7032996" y="1737013"/>
+            <a:ext cx="360000" cy="360000"/>
+          </a:xfrm>
+          <a:prstGeom prst="ellipse">
+            <a:avLst/>
+          </a:prstGeom>
+        </p:spPr>
+        <p:style>
+          <a:lnRef idx="2">
+            <a:schemeClr val="accent3">
+              <a:shade val="50000"/>
+            </a:schemeClr>
+          </a:lnRef>
+          <a:fillRef idx="1">
+            <a:schemeClr val="accent3"/>
+          </a:fillRef>
+          <a:effectRef idx="0">
+            <a:schemeClr val="accent3"/>
+          </a:effectRef>
+          <a:fontRef idx="minor">
+            <a:schemeClr val="lt1"/>
+          </a:fontRef>
+        </p:style>
+        <p:txBody>
+          <a:bodyPr rtlCol="0" anchor="ctr"/>
+          <a:lstStyle/>
+          <a:p>
+            <a:pPr algn="ctr"/>
+            <a:r>
+              <a:rPr lang="en-US" dirty="0"/>
+              <a:t>8</a:t>
+            </a:r>
+          </a:p>
+        </p:txBody>
+      </p:sp>
+      <p:sp>
+        <p:nvSpPr>
+          <p:cNvPr id="84" name="Овал 83">
+            <a:extLst>
+              <a:ext uri="{FF2B5EF4-FFF2-40B4-BE49-F238E27FC236}">
+                <a16:creationId xmlns:a16="http://schemas.microsoft.com/office/drawing/2014/main" id="{9C2B49C5-0136-FEDE-77BC-4F5ADC27894C}"/>
+              </a:ext>
+            </a:extLst>
+          </p:cNvPr>
+          <p:cNvSpPr/>
+          <p:nvPr/>
+        </p:nvSpPr>
+        <p:spPr>
+          <a:xfrm>
+            <a:off x="6065721" y="2256659"/>
+            <a:ext cx="360000" cy="360000"/>
+          </a:xfrm>
+          <a:prstGeom prst="ellipse">
+            <a:avLst/>
+          </a:prstGeom>
+        </p:spPr>
+        <p:style>
+          <a:lnRef idx="2">
+            <a:schemeClr val="accent3">
+              <a:shade val="50000"/>
+            </a:schemeClr>
+          </a:lnRef>
+          <a:fillRef idx="1">
+            <a:schemeClr val="accent3"/>
+          </a:fillRef>
+          <a:effectRef idx="0">
+            <a:schemeClr val="accent3"/>
+          </a:effectRef>
+          <a:fontRef idx="minor">
+            <a:schemeClr val="lt1"/>
+          </a:fontRef>
+        </p:style>
+        <p:txBody>
+          <a:bodyPr rtlCol="0" anchor="ctr"/>
+          <a:lstStyle/>
+          <a:p>
+            <a:pPr algn="ctr"/>
+            <a:r>
+              <a:rPr lang="en-US" dirty="0"/>
+              <a:t>3</a:t>
+            </a:r>
+          </a:p>
+        </p:txBody>
+      </p:sp>
+      <p:sp>
+        <p:nvSpPr>
+          <p:cNvPr id="85" name="Овал 84">
+            <a:extLst>
+              <a:ext uri="{FF2B5EF4-FFF2-40B4-BE49-F238E27FC236}">
+                <a16:creationId xmlns:a16="http://schemas.microsoft.com/office/drawing/2014/main" id="{8572F828-8DA4-1D85-4A00-A23F507C42D3}"/>
+              </a:ext>
+            </a:extLst>
+          </p:cNvPr>
+          <p:cNvSpPr/>
+          <p:nvPr/>
+        </p:nvSpPr>
+        <p:spPr>
+          <a:xfrm>
+            <a:off x="5702123" y="2774198"/>
+            <a:ext cx="360000" cy="360000"/>
+          </a:xfrm>
+          <a:prstGeom prst="ellipse">
+            <a:avLst/>
+          </a:prstGeom>
+        </p:spPr>
+        <p:style>
+          <a:lnRef idx="2">
+            <a:schemeClr val="accent3">
+              <a:shade val="50000"/>
+            </a:schemeClr>
+          </a:lnRef>
+          <a:fillRef idx="1">
+            <a:schemeClr val="accent3"/>
+          </a:fillRef>
+          <a:effectRef idx="0">
+            <a:schemeClr val="accent3"/>
+          </a:effectRef>
+          <a:fontRef idx="minor">
+            <a:schemeClr val="lt1"/>
+          </a:fontRef>
+        </p:style>
+        <p:txBody>
+          <a:bodyPr rtlCol="0" anchor="ctr"/>
+          <a:lstStyle/>
+          <a:p>
+            <a:pPr algn="ctr"/>
+            <a:r>
+              <a:rPr lang="en-US" dirty="0"/>
+              <a:t>1</a:t>
+            </a:r>
+          </a:p>
+        </p:txBody>
+      </p:sp>
+      <p:sp>
+        <p:nvSpPr>
+          <p:cNvPr id="86" name="Овал 85">
+            <a:extLst>
+              <a:ext uri="{FF2B5EF4-FFF2-40B4-BE49-F238E27FC236}">
+                <a16:creationId xmlns:a16="http://schemas.microsoft.com/office/drawing/2014/main" id="{34B31326-4C99-9D73-F6B1-6B219BEA00C2}"/>
+              </a:ext>
+            </a:extLst>
+          </p:cNvPr>
+          <p:cNvSpPr/>
+          <p:nvPr/>
+        </p:nvSpPr>
+        <p:spPr>
+          <a:xfrm>
+            <a:off x="7392996" y="2256659"/>
+            <a:ext cx="360000" cy="360000"/>
+          </a:xfrm>
+          <a:prstGeom prst="ellipse">
+            <a:avLst/>
+          </a:prstGeom>
+        </p:spPr>
+        <p:style>
+          <a:lnRef idx="2">
+            <a:schemeClr val="accent3">
+              <a:shade val="50000"/>
+            </a:schemeClr>
+          </a:lnRef>
+          <a:fillRef idx="1">
+            <a:schemeClr val="accent3"/>
+          </a:fillRef>
+          <a:effectRef idx="0">
+            <a:schemeClr val="accent3"/>
+          </a:effectRef>
+          <a:fontRef idx="minor">
+            <a:schemeClr val="lt1"/>
+          </a:fontRef>
+        </p:style>
+        <p:txBody>
+          <a:bodyPr rtlCol="0" anchor="ctr"/>
+          <a:lstStyle/>
+          <a:p>
+            <a:pPr algn="ctr"/>
+            <a:r>
+              <a:rPr lang="en-US" dirty="0"/>
+              <a:t>9</a:t>
+            </a:r>
+          </a:p>
+        </p:txBody>
+      </p:sp>
+      <p:sp>
+        <p:nvSpPr>
+          <p:cNvPr id="87" name="Овал 86">
+            <a:extLst>
+              <a:ext uri="{FF2B5EF4-FFF2-40B4-BE49-F238E27FC236}">
+                <a16:creationId xmlns:a16="http://schemas.microsoft.com/office/drawing/2014/main" id="{96DEEAF6-8E83-7778-0C61-388A7FE5D34C}"/>
+              </a:ext>
+            </a:extLst>
+          </p:cNvPr>
+          <p:cNvSpPr/>
+          <p:nvPr/>
+        </p:nvSpPr>
+        <p:spPr>
+          <a:xfrm>
+            <a:off x="6434262" y="2774198"/>
+            <a:ext cx="360000" cy="360000"/>
+          </a:xfrm>
+          <a:prstGeom prst="ellipse">
+            <a:avLst/>
+          </a:prstGeom>
+        </p:spPr>
+        <p:style>
+          <a:lnRef idx="2">
+            <a:schemeClr val="accent3">
+              <a:shade val="50000"/>
+            </a:schemeClr>
+          </a:lnRef>
+          <a:fillRef idx="1">
+            <a:schemeClr val="accent3"/>
+          </a:fillRef>
+          <a:effectRef idx="0">
+            <a:schemeClr val="accent3"/>
+          </a:effectRef>
+          <a:fontRef idx="minor">
+            <a:schemeClr val="lt1"/>
+          </a:fontRef>
+        </p:style>
+        <p:txBody>
+          <a:bodyPr rtlCol="0" anchor="ctr"/>
+          <a:lstStyle/>
+          <a:p>
+            <a:pPr algn="ctr"/>
+            <a:r>
+              <a:rPr lang="en-US" dirty="0"/>
+              <a:t>4</a:t>
+            </a:r>
+          </a:p>
+        </p:txBody>
+      </p:sp>
+      <p:sp>
+        <p:nvSpPr>
+          <p:cNvPr id="88" name="Овал 87">
+            <a:extLst>
+              <a:ext uri="{FF2B5EF4-FFF2-40B4-BE49-F238E27FC236}">
+                <a16:creationId xmlns:a16="http://schemas.microsoft.com/office/drawing/2014/main" id="{2CA00593-8AF4-6E2F-E1F6-61206727AC1B}"/>
+              </a:ext>
+            </a:extLst>
+          </p:cNvPr>
+          <p:cNvSpPr/>
+          <p:nvPr/>
+        </p:nvSpPr>
+        <p:spPr>
+          <a:xfrm>
+            <a:off x="5063582" y="3374480"/>
+            <a:ext cx="360000" cy="360000"/>
+          </a:xfrm>
+          <a:prstGeom prst="ellipse">
+            <a:avLst/>
+          </a:prstGeom>
+        </p:spPr>
+        <p:style>
+          <a:lnRef idx="2">
+            <a:schemeClr val="accent3">
+              <a:shade val="50000"/>
+            </a:schemeClr>
+          </a:lnRef>
+          <a:fillRef idx="1">
+            <a:schemeClr val="accent3"/>
+          </a:fillRef>
+          <a:effectRef idx="0">
+            <a:schemeClr val="accent3"/>
+          </a:effectRef>
+          <a:fontRef idx="minor">
+            <a:schemeClr val="lt1"/>
+          </a:fontRef>
+        </p:style>
+        <p:txBody>
+          <a:bodyPr rtlCol="0" anchor="ctr"/>
+          <a:lstStyle/>
+          <a:p>
+            <a:pPr algn="ctr"/>
+            <a:r>
+              <a:rPr lang="en-US" dirty="0"/>
+              <a:t>0</a:t>
+            </a:r>
+          </a:p>
+        </p:txBody>
+      </p:sp>
+      <p:sp>
+        <p:nvSpPr>
+          <p:cNvPr id="89" name="Овал 88">
+            <a:extLst>
+              <a:ext uri="{FF2B5EF4-FFF2-40B4-BE49-F238E27FC236}">
+                <a16:creationId xmlns:a16="http://schemas.microsoft.com/office/drawing/2014/main" id="{8AAD61DB-287E-0B4B-F459-E28323813885}"/>
+              </a:ext>
+            </a:extLst>
+          </p:cNvPr>
+          <p:cNvSpPr/>
+          <p:nvPr/>
+        </p:nvSpPr>
+        <p:spPr>
+          <a:xfrm>
+            <a:off x="5792123" y="3374480"/>
+            <a:ext cx="360000" cy="360000"/>
+          </a:xfrm>
+          <a:prstGeom prst="ellipse">
+            <a:avLst/>
+          </a:prstGeom>
+        </p:spPr>
+        <p:style>
+          <a:lnRef idx="2">
+            <a:schemeClr val="accent3">
+              <a:shade val="50000"/>
+            </a:schemeClr>
+          </a:lnRef>
+          <a:fillRef idx="1">
+            <a:schemeClr val="accent3"/>
+          </a:fillRef>
+          <a:effectRef idx="0">
+            <a:schemeClr val="accent3"/>
+          </a:effectRef>
+          <a:fontRef idx="minor">
+            <a:schemeClr val="lt1"/>
+          </a:fontRef>
+        </p:style>
+        <p:txBody>
+          <a:bodyPr rtlCol="0" anchor="ctr"/>
+          <a:lstStyle/>
+          <a:p>
+            <a:pPr algn="ctr"/>
+            <a:r>
+              <a:rPr lang="en-US" dirty="0"/>
+              <a:t>2</a:t>
+            </a:r>
+          </a:p>
+        </p:txBody>
+      </p:sp>
+      <p:sp>
+        <p:nvSpPr>
+          <p:cNvPr id="90" name="Овал 89">
+            <a:extLst>
+              <a:ext uri="{FF2B5EF4-FFF2-40B4-BE49-F238E27FC236}">
+                <a16:creationId xmlns:a16="http://schemas.microsoft.com/office/drawing/2014/main" id="{9372A71E-3A44-8369-2705-4E056BB56BC0}"/>
+              </a:ext>
+            </a:extLst>
+          </p:cNvPr>
+          <p:cNvSpPr/>
+          <p:nvPr/>
+        </p:nvSpPr>
+        <p:spPr>
+          <a:xfrm>
+            <a:off x="7150948" y="3374480"/>
+            <a:ext cx="360000" cy="360000"/>
+          </a:xfrm>
+          <a:prstGeom prst="ellipse">
+            <a:avLst/>
+          </a:prstGeom>
+        </p:spPr>
+        <p:style>
+          <a:lnRef idx="2">
+            <a:schemeClr val="accent3">
+              <a:shade val="50000"/>
+            </a:schemeClr>
+          </a:lnRef>
+          <a:fillRef idx="1">
+            <a:schemeClr val="accent3"/>
+          </a:fillRef>
+          <a:effectRef idx="0">
+            <a:schemeClr val="accent3"/>
+          </a:effectRef>
+          <a:fontRef idx="minor">
+            <a:schemeClr val="lt1"/>
+          </a:fontRef>
+        </p:style>
+        <p:txBody>
+          <a:bodyPr rtlCol="0" anchor="ctr"/>
+          <a:lstStyle/>
+          <a:p>
+            <a:pPr algn="ctr"/>
+            <a:r>
+              <a:rPr lang="en-US" dirty="0"/>
+              <a:t>5</a:t>
+            </a:r>
+          </a:p>
+        </p:txBody>
+      </p:sp>
+      <p:sp>
+        <p:nvSpPr>
+          <p:cNvPr id="91" name="Овал 90">
+            <a:extLst>
+              <a:ext uri="{FF2B5EF4-FFF2-40B4-BE49-F238E27FC236}">
+                <a16:creationId xmlns:a16="http://schemas.microsoft.com/office/drawing/2014/main" id="{E4E2CF99-8CAB-8DDF-A34B-AFE1E7FB8ACF}"/>
+              </a:ext>
+            </a:extLst>
+          </p:cNvPr>
+          <p:cNvSpPr/>
+          <p:nvPr/>
+        </p:nvSpPr>
+        <p:spPr>
+          <a:xfrm>
+            <a:off x="6425721" y="3389957"/>
+            <a:ext cx="360000" cy="360000"/>
+          </a:xfrm>
+          <a:prstGeom prst="ellipse">
+            <a:avLst/>
+          </a:prstGeom>
+        </p:spPr>
+        <p:style>
+          <a:lnRef idx="2">
+            <a:schemeClr val="accent4">
+              <a:shade val="50000"/>
+            </a:schemeClr>
+          </a:lnRef>
+          <a:fillRef idx="1">
+            <a:schemeClr val="accent4"/>
+          </a:fillRef>
+          <a:effectRef idx="0">
+            <a:schemeClr val="accent4"/>
+          </a:effectRef>
+          <a:fontRef idx="minor">
+            <a:schemeClr val="lt1"/>
+          </a:fontRef>
+        </p:style>
+        <p:txBody>
+          <a:bodyPr rtlCol="0" anchor="ctr"/>
+          <a:lstStyle/>
+          <a:p>
+            <a:pPr algn="ctr"/>
+            <a:endParaRPr lang="en-US" dirty="0"/>
+          </a:p>
+        </p:txBody>
+      </p:sp>
+      <p:sp>
+        <p:nvSpPr>
+          <p:cNvPr id="114" name="TextBox 113">
+            <a:extLst>
+              <a:ext uri="{FF2B5EF4-FFF2-40B4-BE49-F238E27FC236}">
+                <a16:creationId xmlns:a16="http://schemas.microsoft.com/office/drawing/2014/main" id="{3AE5382B-272D-4461-722F-BC739881A2E9}"/>
               </a:ext>
             </a:extLst>
           </p:cNvPr>
@@ -7488,8 +9084,8 @@
         </p:nvSpPr>
         <p:spPr>
           <a:xfrm>
-            <a:off x="3760237" y="3177907"/>
-            <a:ext cx="4707731" cy="707886"/>
+            <a:off x="6388151" y="3416068"/>
+            <a:ext cx="452222" cy="307777"/>
           </a:xfrm>
           <a:prstGeom prst="rect">
             <a:avLst/>
@@ -7503,173 +9099,27 @@
           <a:lstStyle/>
           <a:p>
             <a:r>
-              <a:rPr lang="ru-RU" sz="2000" dirty="0">
-                <a:latin typeface="Montserrat Light" panose="00000400000000000000" pitchFamily="2" charset="-52"/>
+              <a:rPr lang="en-US" dirty="0">
+                <a:solidFill>
+                  <a:schemeClr val="bg1"/>
+                </a:solidFill>
               </a:rPr>
-              <a:t>Баланс нарушен, начинается поиск </a:t>
+              <a:t>3,5</a:t>
             </a:r>
-            <a:r>
-              <a:rPr lang="en-US" sz="2000" dirty="0" err="1">
-                <a:latin typeface="Montserrat Light" panose="00000400000000000000" pitchFamily="2" charset="-52"/>
-              </a:rPr>
-              <a:t>ScapeGoat</a:t>
-            </a:r>
-            <a:r>
-              <a:rPr lang="en-US" sz="2000" dirty="0">
-                <a:latin typeface="Montserrat Light" panose="00000400000000000000" pitchFamily="2" charset="-52"/>
-              </a:rPr>
-              <a:t>.</a:t>
-            </a:r>
-            <a:endParaRPr lang="ru-RU" sz="2000" dirty="0">
-              <a:latin typeface="Montserrat Light" panose="00000400000000000000" pitchFamily="2" charset="-52"/>
-            </a:endParaRPr>
-          </a:p>
-        </p:txBody>
-      </p:sp>
-    </p:spTree>
-  </p:cSld>
-  <p:clrMapOvr>
-    <a:masterClrMapping/>
-  </p:clrMapOvr>
-</p:sld>
-</file>
-
-<file path=ppt/slides/slide5.xml><?xml version="1.0" encoding="utf-8"?>
-<p:sld xmlns:a="http://schemas.openxmlformats.org/drawingml/2006/main" xmlns:r="http://schemas.openxmlformats.org/officeDocument/2006/relationships" xmlns:p="http://schemas.openxmlformats.org/presentationml/2006/main">
-  <p:cSld>
-    <p:spTree>
-      <p:nvGrpSpPr>
-        <p:cNvPr id="1" name=""/>
-        <p:cNvGrpSpPr/>
-        <p:nvPr/>
-      </p:nvGrpSpPr>
-      <p:grpSpPr>
-        <a:xfrm>
-          <a:off x="0" y="0"/>
-          <a:ext cx="0" cy="0"/>
-          <a:chOff x="0" y="0"/>
-          <a:chExt cx="0" cy="0"/>
-        </a:xfrm>
-      </p:grpSpPr>
-      <p:sp>
-        <p:nvSpPr>
-          <p:cNvPr id="2" name="Заголовок 1">
-            <a:extLst>
-              <a:ext uri="{FF2B5EF4-FFF2-40B4-BE49-F238E27FC236}">
-                <a16:creationId xmlns:a16="http://schemas.microsoft.com/office/drawing/2014/main" id="{75A2A5F6-BE3E-4B6F-1084-972F6B425F06}"/>
-              </a:ext>
-            </a:extLst>
-          </p:cNvPr>
-          <p:cNvSpPr>
-            <a:spLocks noGrp="1"/>
-          </p:cNvSpPr>
-          <p:nvPr>
-            <p:ph type="title"/>
-          </p:nvPr>
-        </p:nvSpPr>
-        <p:spPr/>
-        <p:txBody>
-          <a:bodyPr>
-            <a:noAutofit/>
-          </a:bodyPr>
-          <a:lstStyle/>
-          <a:p>
-            <a:pPr algn="ctr"/>
-            <a:r>
-              <a:rPr lang="ru-RU" sz="3000" dirty="0">
-                <a:latin typeface="Courier New" panose="02070309020205020404" pitchFamily="49" charset="0"/>
-                <a:cs typeface="Courier New" panose="02070309020205020404" pitchFamily="49" charset="0"/>
-              </a:rPr>
-              <a:t>Пример </a:t>
-            </a:r>
-            <a:r>
-              <a:rPr lang="ru-RU" sz="3000" dirty="0" err="1">
-                <a:latin typeface="Courier New" panose="02070309020205020404" pitchFamily="49" charset="0"/>
-                <a:cs typeface="Courier New" panose="02070309020205020404" pitchFamily="49" charset="0"/>
-              </a:rPr>
-              <a:t>перебаланировки</a:t>
-            </a:r>
-            <a:endParaRPr lang="ru-RU" sz="3000" dirty="0">
-              <a:latin typeface="Courier New" panose="02070309020205020404" pitchFamily="49" charset="0"/>
-              <a:cs typeface="Courier New" panose="02070309020205020404" pitchFamily="49" charset="0"/>
+            <a:endParaRPr lang="ru-RU" dirty="0">
+              <a:solidFill>
+                <a:schemeClr val="bg1"/>
+              </a:solidFill>
             </a:endParaRPr>
           </a:p>
         </p:txBody>
       </p:sp>
       <p:sp>
         <p:nvSpPr>
-          <p:cNvPr id="4" name="Номер слайда 3">
+          <p:cNvPr id="115" name="TextBox 114">
             <a:extLst>
               <a:ext uri="{FF2B5EF4-FFF2-40B4-BE49-F238E27FC236}">
-                <a16:creationId xmlns:a16="http://schemas.microsoft.com/office/drawing/2014/main" id="{235F906F-4E0B-FBC2-95D7-E987FA2DE98D}"/>
-              </a:ext>
-            </a:extLst>
-          </p:cNvPr>
-          <p:cNvSpPr>
-            <a:spLocks noGrp="1"/>
-          </p:cNvSpPr>
-          <p:nvPr>
-            <p:ph type="sldNum" idx="12"/>
-          </p:nvPr>
-        </p:nvSpPr>
-        <p:spPr/>
-        <p:txBody>
-          <a:bodyPr/>
-          <a:lstStyle/>
-          <a:p>
-            <a:pPr marL="0" lvl="0" indent="0" algn="r" rtl="0">
-              <a:spcBef>
-                <a:spcPts val="0"/>
-              </a:spcBef>
-              <a:spcAft>
-                <a:spcPts val="0"/>
-              </a:spcAft>
-              <a:buNone/>
-            </a:pPr>
-            <a:fld id="{00000000-1234-1234-1234-123412341234}" type="slidenum">
-              <a:rPr lang="ru" smtClean="0"/>
-              <a:t>5</a:t>
-            </a:fld>
-            <a:endParaRPr lang="ru"/>
-          </a:p>
-        </p:txBody>
-      </p:sp>
-      <p:pic>
-        <p:nvPicPr>
-          <p:cNvPr id="5" name="Рисунок 4">
-            <a:extLst>
-              <a:ext uri="{FF2B5EF4-FFF2-40B4-BE49-F238E27FC236}">
-                <a16:creationId xmlns:a16="http://schemas.microsoft.com/office/drawing/2014/main" id="{6B2901FB-E3A6-B7E2-325B-AC014838C651}"/>
-              </a:ext>
-            </a:extLst>
-          </p:cNvPr>
-          <p:cNvPicPr>
-            <a:picLocks noChangeAspect="1"/>
-          </p:cNvPicPr>
-          <p:nvPr/>
-        </p:nvPicPr>
-        <p:blipFill>
-          <a:blip r:embed="rId2"/>
-          <a:stretch>
-            <a:fillRect/>
-          </a:stretch>
-        </p:blipFill>
-        <p:spPr>
-          <a:xfrm>
-            <a:off x="311700" y="1529208"/>
-            <a:ext cx="2700338" cy="3527609"/>
-          </a:xfrm>
-          <a:prstGeom prst="rect">
-            <a:avLst/>
-          </a:prstGeom>
-        </p:spPr>
-      </p:pic>
-      <p:sp>
-        <p:nvSpPr>
-          <p:cNvPr id="6" name="TextBox 5">
-            <a:extLst>
-              <a:ext uri="{FF2B5EF4-FFF2-40B4-BE49-F238E27FC236}">
-                <a16:creationId xmlns:a16="http://schemas.microsoft.com/office/drawing/2014/main" id="{411ED927-57F0-016D-C87C-60889B90796E}"/>
+                <a16:creationId xmlns:a16="http://schemas.microsoft.com/office/drawing/2014/main" id="{FE300D14-1348-512A-DB14-2FD00A4C1F38}"/>
               </a:ext>
             </a:extLst>
           </p:cNvPr>
@@ -7678,8 +9128,8 @@
         </p:nvSpPr>
         <p:spPr>
           <a:xfrm>
-            <a:off x="3711863" y="1529208"/>
-            <a:ext cx="5034945" cy="1938992"/>
+            <a:off x="2065124" y="3522924"/>
+            <a:ext cx="2015295" cy="261610"/>
           </a:xfrm>
           <a:prstGeom prst="rect">
             <a:avLst/>
@@ -7687,58 +9137,1322 @@
           <a:noFill/>
         </p:spPr>
         <p:txBody>
-          <a:bodyPr wrap="square" rtlCol="0">
+          <a:bodyPr wrap="none" rtlCol="0">
             <a:spAutoFit/>
           </a:bodyPr>
           <a:lstStyle/>
           <a:p>
             <a:r>
-              <a:rPr lang="ru-RU" sz="2000" dirty="0">
-                <a:latin typeface="Montserrat Light" panose="00000400000000000000" pitchFamily="2" charset="-52"/>
+              <a:rPr lang="ru-RU" sz="1100" dirty="0">
+                <a:solidFill>
+                  <a:srgbClr val="C00000"/>
+                </a:solidFill>
               </a:rPr>
-              <a:t>Когда </a:t>
+              <a:t>2/3 -</a:t>
             </a:r>
             <a:r>
-              <a:rPr lang="en-US" sz="2000" dirty="0" err="1">
-                <a:latin typeface="Montserrat Light" panose="00000400000000000000" pitchFamily="2" charset="-52"/>
+              <a:rPr lang="en-US" sz="1100" dirty="0">
+                <a:solidFill>
+                  <a:srgbClr val="C00000"/>
+                </a:solidFill>
               </a:rPr>
-              <a:t>ScapeGoat</a:t>
+              <a:t>&gt;</a:t>
             </a:r>
             <a:r>
-              <a:rPr lang="ru-RU" sz="2000" dirty="0">
-                <a:latin typeface="Montserrat Light" panose="00000400000000000000" pitchFamily="2" charset="-52"/>
+              <a:rPr lang="ru-RU" sz="1100" dirty="0">
+                <a:solidFill>
+                  <a:srgbClr val="C00000"/>
+                </a:solidFill>
               </a:rPr>
-              <a:t> найден,</a:t>
-            </a:r>
-            <a:r>
-              <a:rPr lang="en-US" sz="2000" dirty="0">
-                <a:latin typeface="Montserrat Light" panose="00000400000000000000" pitchFamily="2" charset="-52"/>
-              </a:rPr>
-              <a:t> </a:t>
-            </a:r>
-            <a:r>
-              <a:rPr lang="ru-RU" sz="2000" dirty="0">
-                <a:latin typeface="Montserrat Light" panose="00000400000000000000" pitchFamily="2" charset="-52"/>
-              </a:rPr>
-              <a:t>мы полностью уничтожаем это поддерево с корнем и перестраиваем его в идеально сбалансированное бинарное дерево поиска.</a:t>
+              <a:t>  Не Козёл Отпущения</a:t>
             </a:r>
           </a:p>
         </p:txBody>
       </p:sp>
+      <p:sp>
+        <p:nvSpPr>
+          <p:cNvPr id="116" name="TextBox 115">
+            <a:extLst>
+              <a:ext uri="{FF2B5EF4-FFF2-40B4-BE49-F238E27FC236}">
+                <a16:creationId xmlns:a16="http://schemas.microsoft.com/office/drawing/2014/main" id="{4D6B9A7B-B019-515B-8F7A-EF70EEDEBE38}"/>
+              </a:ext>
+            </a:extLst>
+          </p:cNvPr>
+          <p:cNvSpPr txBox="1"/>
+          <p:nvPr/>
+        </p:nvSpPr>
+        <p:spPr>
+          <a:xfrm>
+            <a:off x="1993052" y="4051081"/>
+            <a:ext cx="1936749" cy="261610"/>
+          </a:xfrm>
+          <a:prstGeom prst="rect">
+            <a:avLst/>
+          </a:prstGeom>
+          <a:noFill/>
+        </p:spPr>
+        <p:txBody>
+          <a:bodyPr wrap="none" rtlCol="0">
+            <a:spAutoFit/>
+          </a:bodyPr>
+          <a:lstStyle/>
+          <a:p>
+            <a:r>
+              <a:rPr lang="ru-RU" sz="1100" dirty="0">
+                <a:solidFill>
+                  <a:srgbClr val="C00000"/>
+                </a:solidFill>
+              </a:rPr>
+              <a:t>½ -</a:t>
+            </a:r>
+            <a:r>
+              <a:rPr lang="en-US" sz="1100" dirty="0">
+                <a:solidFill>
+                  <a:srgbClr val="C00000"/>
+                </a:solidFill>
+              </a:rPr>
+              <a:t>&gt;</a:t>
+            </a:r>
+            <a:r>
+              <a:rPr lang="ru-RU" sz="1100" dirty="0">
+                <a:solidFill>
+                  <a:srgbClr val="C00000"/>
+                </a:solidFill>
+              </a:rPr>
+              <a:t>  Не Козёл Отпущения</a:t>
+            </a:r>
+          </a:p>
+        </p:txBody>
+      </p:sp>
+      <p:sp>
+        <p:nvSpPr>
+          <p:cNvPr id="117" name="TextBox 116">
+            <a:extLst>
+              <a:ext uri="{FF2B5EF4-FFF2-40B4-BE49-F238E27FC236}">
+                <a16:creationId xmlns:a16="http://schemas.microsoft.com/office/drawing/2014/main" id="{1EC7BDFE-3F1E-1202-58E6-3EA699CC0053}"/>
+              </a:ext>
+            </a:extLst>
+          </p:cNvPr>
+          <p:cNvSpPr txBox="1"/>
+          <p:nvPr/>
+        </p:nvSpPr>
+        <p:spPr>
+          <a:xfrm>
+            <a:off x="1570531" y="2997004"/>
+            <a:ext cx="2015295" cy="261610"/>
+          </a:xfrm>
+          <a:prstGeom prst="rect">
+            <a:avLst/>
+          </a:prstGeom>
+          <a:noFill/>
+        </p:spPr>
+        <p:txBody>
+          <a:bodyPr wrap="none" rtlCol="0">
+            <a:spAutoFit/>
+          </a:bodyPr>
+          <a:lstStyle/>
+          <a:p>
+            <a:r>
+              <a:rPr lang="ru-RU" sz="1100" dirty="0">
+                <a:solidFill>
+                  <a:srgbClr val="C00000"/>
+                </a:solidFill>
+              </a:rPr>
+              <a:t>3/6 -</a:t>
+            </a:r>
+            <a:r>
+              <a:rPr lang="en-US" sz="1100" dirty="0">
+                <a:solidFill>
+                  <a:srgbClr val="C00000"/>
+                </a:solidFill>
+              </a:rPr>
+              <a:t>&gt;</a:t>
+            </a:r>
+            <a:r>
+              <a:rPr lang="ru-RU" sz="1100" dirty="0">
+                <a:solidFill>
+                  <a:srgbClr val="C00000"/>
+                </a:solidFill>
+              </a:rPr>
+              <a:t>  Не Козёл Отпущения</a:t>
+            </a:r>
+          </a:p>
+        </p:txBody>
+      </p:sp>
+      <p:sp>
+        <p:nvSpPr>
+          <p:cNvPr id="118" name="TextBox 117">
+            <a:extLst>
+              <a:ext uri="{FF2B5EF4-FFF2-40B4-BE49-F238E27FC236}">
+                <a16:creationId xmlns:a16="http://schemas.microsoft.com/office/drawing/2014/main" id="{DC56E609-7900-B5C5-0AEE-308EB274150A}"/>
+              </a:ext>
+            </a:extLst>
+          </p:cNvPr>
+          <p:cNvSpPr txBox="1"/>
+          <p:nvPr/>
+        </p:nvSpPr>
+        <p:spPr>
+          <a:xfrm>
+            <a:off x="49829" y="2062434"/>
+            <a:ext cx="2149948" cy="261610"/>
+          </a:xfrm>
+          <a:prstGeom prst="rect">
+            <a:avLst/>
+          </a:prstGeom>
+          <a:noFill/>
+        </p:spPr>
+        <p:txBody>
+          <a:bodyPr wrap="none" rtlCol="0">
+            <a:spAutoFit/>
+          </a:bodyPr>
+          <a:lstStyle/>
+          <a:p>
+            <a:r>
+              <a:rPr lang="ru-RU" sz="1100" dirty="0">
+                <a:solidFill>
+                  <a:srgbClr val="C00000"/>
+                </a:solidFill>
+                <a:latin typeface="+mn-lt"/>
+                <a:cs typeface="Courier New" panose="02070309020205020404" pitchFamily="49" charset="0"/>
+              </a:rPr>
+              <a:t>6/7</a:t>
+            </a:r>
+            <a:r>
+              <a:rPr lang="en-US" sz="1100" dirty="0">
+                <a:solidFill>
+                  <a:srgbClr val="C00000"/>
+                </a:solidFill>
+                <a:latin typeface="+mn-lt"/>
+                <a:cs typeface="Courier New" panose="02070309020205020404" pitchFamily="49" charset="0"/>
+              </a:rPr>
+              <a:t> &gt; 2/3</a:t>
+            </a:r>
+            <a:r>
+              <a:rPr lang="ru-RU" sz="1100" dirty="0">
+                <a:solidFill>
+                  <a:srgbClr val="C00000"/>
+                </a:solidFill>
+                <a:latin typeface="+mn-lt"/>
+                <a:cs typeface="Courier New" panose="02070309020205020404" pitchFamily="49" charset="0"/>
+              </a:rPr>
+              <a:t>  -</a:t>
+            </a:r>
+            <a:r>
+              <a:rPr lang="en-US" sz="1100" dirty="0">
+                <a:solidFill>
+                  <a:srgbClr val="C00000"/>
+                </a:solidFill>
+                <a:latin typeface="+mn-lt"/>
+                <a:cs typeface="Courier New" panose="02070309020205020404" pitchFamily="49" charset="0"/>
+              </a:rPr>
+              <a:t>&gt;</a:t>
+            </a:r>
+            <a:r>
+              <a:rPr lang="ru-RU" sz="1100" dirty="0">
+                <a:solidFill>
+                  <a:srgbClr val="C00000"/>
+                </a:solidFill>
+                <a:latin typeface="+mn-lt"/>
+                <a:cs typeface="Courier New" panose="02070309020205020404" pitchFamily="49" charset="0"/>
+              </a:rPr>
+              <a:t> Козёл Отпущения</a:t>
+            </a:r>
+          </a:p>
+        </p:txBody>
+      </p:sp>
+      <p:cxnSp>
+        <p:nvCxnSpPr>
+          <p:cNvPr id="120" name="Прямая со стрелкой 119">
+            <a:extLst>
+              <a:ext uri="{FF2B5EF4-FFF2-40B4-BE49-F238E27FC236}">
+                <a16:creationId xmlns:a16="http://schemas.microsoft.com/office/drawing/2014/main" id="{658BDF1C-EC3E-DA06-5A97-2A424BFB79B2}"/>
+              </a:ext>
+            </a:extLst>
+          </p:cNvPr>
+          <p:cNvCxnSpPr>
+            <a:stCxn id="118" idx="2"/>
+          </p:cNvCxnSpPr>
+          <p:nvPr/>
+        </p:nvCxnSpPr>
+        <p:spPr>
+          <a:xfrm>
+            <a:off x="1124803" y="2324044"/>
+            <a:ext cx="508249" cy="176269"/>
+          </a:xfrm>
+          <a:prstGeom prst="straightConnector1">
+            <a:avLst/>
+          </a:prstGeom>
+          <a:ln>
+            <a:solidFill>
+              <a:srgbClr val="C00000"/>
+            </a:solidFill>
+            <a:tailEnd type="triangle"/>
+          </a:ln>
+        </p:spPr>
+        <p:style>
+          <a:lnRef idx="1">
+            <a:schemeClr val="accent1"/>
+          </a:lnRef>
+          <a:fillRef idx="0">
+            <a:schemeClr val="accent1"/>
+          </a:fillRef>
+          <a:effectRef idx="0">
+            <a:schemeClr val="accent1"/>
+          </a:effectRef>
+          <a:fontRef idx="minor">
+            <a:schemeClr val="tx1"/>
+          </a:fontRef>
+        </p:style>
+      </p:cxnSp>
     </p:spTree>
     <p:extLst>
       <p:ext uri="{BB962C8B-B14F-4D97-AF65-F5344CB8AC3E}">
-        <p14:creationId xmlns:p14="http://schemas.microsoft.com/office/powerpoint/2010/main" val="3111457062"/>
+        <p14:creationId xmlns:p14="http://schemas.microsoft.com/office/powerpoint/2010/main" val="1009401328"/>
       </p:ext>
     </p:extLst>
   </p:cSld>
   <p:clrMapOvr>
     <a:masterClrMapping/>
   </p:clrMapOvr>
+  <p:timing>
+    <p:tnLst>
+      <p:par>
+        <p:cTn id="1" dur="indefinite" restart="never" nodeType="tmRoot">
+          <p:childTnLst>
+            <p:seq concurrent="1" nextAc="seek">
+              <p:cTn id="2" dur="indefinite" nodeType="mainSeq">
+                <p:childTnLst>
+                  <p:par>
+                    <p:cTn id="3" fill="hold">
+                      <p:stCondLst>
+                        <p:cond delay="indefinite"/>
+                      </p:stCondLst>
+                      <p:childTnLst>
+                        <p:par>
+                          <p:cTn id="4" fill="hold">
+                            <p:stCondLst>
+                              <p:cond delay="0"/>
+                            </p:stCondLst>
+                            <p:childTnLst>
+                              <p:par>
+                                <p:cTn id="5" presetID="1" presetClass="entr" presetSubtype="0" fill="hold" grpId="0" nodeType="clickEffect">
+                                  <p:stCondLst>
+                                    <p:cond delay="500"/>
+                                  </p:stCondLst>
+                                  <p:childTnLst>
+                                    <p:set>
+                                      <p:cBhvr>
+                                        <p:cTn id="6" dur="1" fill="hold">
+                                          <p:stCondLst>
+                                            <p:cond delay="0"/>
+                                          </p:stCondLst>
+                                        </p:cTn>
+                                        <p:tgtEl>
+                                          <p:spTgt spid="116"/>
+                                        </p:tgtEl>
+                                        <p:attrNameLst>
+                                          <p:attrName>style.visibility</p:attrName>
+                                        </p:attrNameLst>
+                                      </p:cBhvr>
+                                      <p:to>
+                                        <p:strVal val="visible"/>
+                                      </p:to>
+                                    </p:set>
+                                  </p:childTnLst>
+                                </p:cTn>
+                              </p:par>
+                            </p:childTnLst>
+                          </p:cTn>
+                        </p:par>
+                      </p:childTnLst>
+                    </p:cTn>
+                  </p:par>
+                  <p:par>
+                    <p:cTn id="7" fill="hold">
+                      <p:stCondLst>
+                        <p:cond delay="indefinite"/>
+                      </p:stCondLst>
+                      <p:childTnLst>
+                        <p:par>
+                          <p:cTn id="8" fill="hold">
+                            <p:stCondLst>
+                              <p:cond delay="0"/>
+                            </p:stCondLst>
+                            <p:childTnLst>
+                              <p:par>
+                                <p:cTn id="9" presetID="1" presetClass="entr" presetSubtype="0" fill="hold" grpId="0" nodeType="clickEffect">
+                                  <p:stCondLst>
+                                    <p:cond delay="500"/>
+                                  </p:stCondLst>
+                                  <p:childTnLst>
+                                    <p:set>
+                                      <p:cBhvr>
+                                        <p:cTn id="10" dur="1" fill="hold">
+                                          <p:stCondLst>
+                                            <p:cond delay="0"/>
+                                          </p:stCondLst>
+                                        </p:cTn>
+                                        <p:tgtEl>
+                                          <p:spTgt spid="115"/>
+                                        </p:tgtEl>
+                                        <p:attrNameLst>
+                                          <p:attrName>style.visibility</p:attrName>
+                                        </p:attrNameLst>
+                                      </p:cBhvr>
+                                      <p:to>
+                                        <p:strVal val="visible"/>
+                                      </p:to>
+                                    </p:set>
+                                  </p:childTnLst>
+                                </p:cTn>
+                              </p:par>
+                            </p:childTnLst>
+                          </p:cTn>
+                        </p:par>
+                      </p:childTnLst>
+                    </p:cTn>
+                  </p:par>
+                  <p:par>
+                    <p:cTn id="11" fill="hold">
+                      <p:stCondLst>
+                        <p:cond delay="indefinite"/>
+                      </p:stCondLst>
+                      <p:childTnLst>
+                        <p:par>
+                          <p:cTn id="12" fill="hold">
+                            <p:stCondLst>
+                              <p:cond delay="0"/>
+                            </p:stCondLst>
+                            <p:childTnLst>
+                              <p:par>
+                                <p:cTn id="13" presetID="1" presetClass="entr" presetSubtype="0" fill="hold" grpId="0" nodeType="clickEffect">
+                                  <p:stCondLst>
+                                    <p:cond delay="500"/>
+                                  </p:stCondLst>
+                                  <p:childTnLst>
+                                    <p:set>
+                                      <p:cBhvr>
+                                        <p:cTn id="14" dur="1" fill="hold">
+                                          <p:stCondLst>
+                                            <p:cond delay="0"/>
+                                          </p:stCondLst>
+                                        </p:cTn>
+                                        <p:tgtEl>
+                                          <p:spTgt spid="117"/>
+                                        </p:tgtEl>
+                                        <p:attrNameLst>
+                                          <p:attrName>style.visibility</p:attrName>
+                                        </p:attrNameLst>
+                                      </p:cBhvr>
+                                      <p:to>
+                                        <p:strVal val="visible"/>
+                                      </p:to>
+                                    </p:set>
+                                  </p:childTnLst>
+                                </p:cTn>
+                              </p:par>
+                            </p:childTnLst>
+                          </p:cTn>
+                        </p:par>
+                      </p:childTnLst>
+                    </p:cTn>
+                  </p:par>
+                  <p:par>
+                    <p:cTn id="15" fill="hold">
+                      <p:stCondLst>
+                        <p:cond delay="indefinite"/>
+                      </p:stCondLst>
+                      <p:childTnLst>
+                        <p:par>
+                          <p:cTn id="16" fill="hold">
+                            <p:stCondLst>
+                              <p:cond delay="0"/>
+                            </p:stCondLst>
+                            <p:childTnLst>
+                              <p:par>
+                                <p:cTn id="17" presetID="1" presetClass="entr" presetSubtype="0" fill="hold" grpId="0" nodeType="clickEffect">
+                                  <p:stCondLst>
+                                    <p:cond delay="1000"/>
+                                  </p:stCondLst>
+                                  <p:childTnLst>
+                                    <p:set>
+                                      <p:cBhvr>
+                                        <p:cTn id="18" dur="1" fill="hold">
+                                          <p:stCondLst>
+                                            <p:cond delay="0"/>
+                                          </p:stCondLst>
+                                        </p:cTn>
+                                        <p:tgtEl>
+                                          <p:spTgt spid="118"/>
+                                        </p:tgtEl>
+                                        <p:attrNameLst>
+                                          <p:attrName>style.visibility</p:attrName>
+                                        </p:attrNameLst>
+                                      </p:cBhvr>
+                                      <p:to>
+                                        <p:strVal val="visible"/>
+                                      </p:to>
+                                    </p:set>
+                                  </p:childTnLst>
+                                </p:cTn>
+                              </p:par>
+                            </p:childTnLst>
+                          </p:cTn>
+                        </p:par>
+                      </p:childTnLst>
+                    </p:cTn>
+                  </p:par>
+                  <p:par>
+                    <p:cTn id="19" fill="hold">
+                      <p:stCondLst>
+                        <p:cond delay="indefinite"/>
+                      </p:stCondLst>
+                      <p:childTnLst>
+                        <p:par>
+                          <p:cTn id="20" fill="hold">
+                            <p:stCondLst>
+                              <p:cond delay="0"/>
+                            </p:stCondLst>
+                            <p:childTnLst>
+                              <p:par>
+                                <p:cTn id="21" presetID="1" presetClass="emph" presetSubtype="2" fill="hold" nodeType="clickEffect">
+                                  <p:stCondLst>
+                                    <p:cond delay="500"/>
+                                  </p:stCondLst>
+                                  <p:childTnLst>
+                                    <p:animClr clrSpc="rgb" dir="cw">
+                                      <p:cBhvr>
+                                        <p:cTn id="22" dur="10" fill="hold"/>
+                                        <p:tgtEl>
+                                          <p:spTgt spid="8"/>
+                                        </p:tgtEl>
+                                        <p:attrNameLst>
+                                          <p:attrName>fillcolor</p:attrName>
+                                        </p:attrNameLst>
+                                      </p:cBhvr>
+                                      <p:to>
+                                        <a:srgbClr val="FFAB40"/>
+                                      </p:to>
+                                    </p:animClr>
+                                    <p:set>
+                                      <p:cBhvr>
+                                        <p:cTn id="23" dur="10" fill="hold"/>
+                                        <p:tgtEl>
+                                          <p:spTgt spid="8"/>
+                                        </p:tgtEl>
+                                        <p:attrNameLst>
+                                          <p:attrName>fill.type</p:attrName>
+                                        </p:attrNameLst>
+                                      </p:cBhvr>
+                                      <p:to>
+                                        <p:strVal val="solid"/>
+                                      </p:to>
+                                    </p:set>
+                                    <p:set>
+                                      <p:cBhvr>
+                                        <p:cTn id="24" dur="10" fill="hold"/>
+                                        <p:tgtEl>
+                                          <p:spTgt spid="8"/>
+                                        </p:tgtEl>
+                                        <p:attrNameLst>
+                                          <p:attrName>fill.on</p:attrName>
+                                        </p:attrNameLst>
+                                      </p:cBhvr>
+                                      <p:to>
+                                        <p:strVal val="true"/>
+                                      </p:to>
+                                    </p:set>
+                                  </p:childTnLst>
+                                </p:cTn>
+                              </p:par>
+                              <p:par>
+                                <p:cTn id="25" presetID="1" presetClass="entr" presetSubtype="0" fill="hold" nodeType="withEffect">
+                                  <p:stCondLst>
+                                    <p:cond delay="500"/>
+                                  </p:stCondLst>
+                                  <p:childTnLst>
+                                    <p:set>
+                                      <p:cBhvr>
+                                        <p:cTn id="26" dur="1" fill="hold">
+                                          <p:stCondLst>
+                                            <p:cond delay="0"/>
+                                          </p:stCondLst>
+                                        </p:cTn>
+                                        <p:tgtEl>
+                                          <p:spTgt spid="120"/>
+                                        </p:tgtEl>
+                                        <p:attrNameLst>
+                                          <p:attrName>style.visibility</p:attrName>
+                                        </p:attrNameLst>
+                                      </p:cBhvr>
+                                      <p:to>
+                                        <p:strVal val="visible"/>
+                                      </p:to>
+                                    </p:set>
+                                  </p:childTnLst>
+                                </p:cTn>
+                              </p:par>
+                            </p:childTnLst>
+                          </p:cTn>
+                        </p:par>
+                      </p:childTnLst>
+                    </p:cTn>
+                  </p:par>
+                  <p:par>
+                    <p:cTn id="27" fill="hold">
+                      <p:stCondLst>
+                        <p:cond delay="indefinite"/>
+                      </p:stCondLst>
+                      <p:childTnLst>
+                        <p:par>
+                          <p:cTn id="28" fill="hold">
+                            <p:stCondLst>
+                              <p:cond delay="0"/>
+                            </p:stCondLst>
+                            <p:childTnLst>
+                              <p:par>
+                                <p:cTn id="29" presetID="1" presetClass="entr" presetSubtype="0" fill="hold" nodeType="clickEffect">
+                                  <p:stCondLst>
+                                    <p:cond delay="750"/>
+                                  </p:stCondLst>
+                                  <p:childTnLst>
+                                    <p:set>
+                                      <p:cBhvr>
+                                        <p:cTn id="30" dur="1" fill="hold">
+                                          <p:stCondLst>
+                                            <p:cond delay="0"/>
+                                          </p:stCondLst>
+                                        </p:cTn>
+                                        <p:tgtEl>
+                                          <p:spTgt spid="69"/>
+                                        </p:tgtEl>
+                                        <p:attrNameLst>
+                                          <p:attrName>style.visibility</p:attrName>
+                                        </p:attrNameLst>
+                                      </p:cBhvr>
+                                      <p:to>
+                                        <p:strVal val="visible"/>
+                                      </p:to>
+                                    </p:set>
+                                  </p:childTnLst>
+                                </p:cTn>
+                              </p:par>
+                            </p:childTnLst>
+                          </p:cTn>
+                        </p:par>
+                      </p:childTnLst>
+                    </p:cTn>
+                  </p:par>
+                  <p:par>
+                    <p:cTn id="31" fill="hold">
+                      <p:stCondLst>
+                        <p:cond delay="indefinite"/>
+                      </p:stCondLst>
+                      <p:childTnLst>
+                        <p:par>
+                          <p:cTn id="32" fill="hold">
+                            <p:stCondLst>
+                              <p:cond delay="0"/>
+                            </p:stCondLst>
+                            <p:childTnLst>
+                              <p:par>
+                                <p:cTn id="33" presetID="1" presetClass="entr" presetSubtype="0" fill="hold" nodeType="clickEffect">
+                                  <p:stCondLst>
+                                    <p:cond delay="500"/>
+                                  </p:stCondLst>
+                                  <p:childTnLst>
+                                    <p:set>
+                                      <p:cBhvr>
+                                        <p:cTn id="34" dur="1" fill="hold">
+                                          <p:stCondLst>
+                                            <p:cond delay="0"/>
+                                          </p:stCondLst>
+                                        </p:cTn>
+                                        <p:tgtEl>
+                                          <p:spTgt spid="73"/>
+                                        </p:tgtEl>
+                                        <p:attrNameLst>
+                                          <p:attrName>style.visibility</p:attrName>
+                                        </p:attrNameLst>
+                                      </p:cBhvr>
+                                      <p:to>
+                                        <p:strVal val="visible"/>
+                                      </p:to>
+                                    </p:set>
+                                  </p:childTnLst>
+                                </p:cTn>
+                              </p:par>
+                              <p:par>
+                                <p:cTn id="35" presetID="1" presetClass="entr" presetSubtype="0" fill="hold" nodeType="withEffect">
+                                  <p:stCondLst>
+                                    <p:cond delay="500"/>
+                                  </p:stCondLst>
+                                  <p:childTnLst>
+                                    <p:set>
+                                      <p:cBhvr>
+                                        <p:cTn id="36" dur="1" fill="hold">
+                                          <p:stCondLst>
+                                            <p:cond delay="0"/>
+                                          </p:stCondLst>
+                                        </p:cTn>
+                                        <p:tgtEl>
+                                          <p:spTgt spid="79"/>
+                                        </p:tgtEl>
+                                        <p:attrNameLst>
+                                          <p:attrName>style.visibility</p:attrName>
+                                        </p:attrNameLst>
+                                      </p:cBhvr>
+                                      <p:to>
+                                        <p:strVal val="visible"/>
+                                      </p:to>
+                                    </p:set>
+                                  </p:childTnLst>
+                                </p:cTn>
+                              </p:par>
+                              <p:par>
+                                <p:cTn id="37" presetID="1" presetClass="entr" presetSubtype="0" fill="hold" nodeType="withEffect">
+                                  <p:stCondLst>
+                                    <p:cond delay="500"/>
+                                  </p:stCondLst>
+                                  <p:childTnLst>
+                                    <p:set>
+                                      <p:cBhvr>
+                                        <p:cTn id="38" dur="1" fill="hold">
+                                          <p:stCondLst>
+                                            <p:cond delay="0"/>
+                                          </p:stCondLst>
+                                        </p:cTn>
+                                        <p:tgtEl>
+                                          <p:spTgt spid="80"/>
+                                        </p:tgtEl>
+                                        <p:attrNameLst>
+                                          <p:attrName>style.visibility</p:attrName>
+                                        </p:attrNameLst>
+                                      </p:cBhvr>
+                                      <p:to>
+                                        <p:strVal val="visible"/>
+                                      </p:to>
+                                    </p:set>
+                                  </p:childTnLst>
+                                </p:cTn>
+                              </p:par>
+                              <p:par>
+                                <p:cTn id="39" presetID="1" presetClass="entr" presetSubtype="0" fill="hold" grpId="0" nodeType="withEffect">
+                                  <p:stCondLst>
+                                    <p:cond delay="500"/>
+                                  </p:stCondLst>
+                                  <p:childTnLst>
+                                    <p:set>
+                                      <p:cBhvr>
+                                        <p:cTn id="40" dur="1" fill="hold">
+                                          <p:stCondLst>
+                                            <p:cond delay="0"/>
+                                          </p:stCondLst>
+                                        </p:cTn>
+                                        <p:tgtEl>
+                                          <p:spTgt spid="81"/>
+                                        </p:tgtEl>
+                                        <p:attrNameLst>
+                                          <p:attrName>style.visibility</p:attrName>
+                                        </p:attrNameLst>
+                                      </p:cBhvr>
+                                      <p:to>
+                                        <p:strVal val="visible"/>
+                                      </p:to>
+                                    </p:set>
+                                  </p:childTnLst>
+                                </p:cTn>
+                              </p:par>
+                              <p:par>
+                                <p:cTn id="41" presetID="1" presetClass="entr" presetSubtype="0" fill="hold" grpId="0" nodeType="withEffect">
+                                  <p:stCondLst>
+                                    <p:cond delay="500"/>
+                                  </p:stCondLst>
+                                  <p:childTnLst>
+                                    <p:set>
+                                      <p:cBhvr>
+                                        <p:cTn id="42" dur="1" fill="hold">
+                                          <p:stCondLst>
+                                            <p:cond delay="0"/>
+                                          </p:stCondLst>
+                                        </p:cTn>
+                                        <p:tgtEl>
+                                          <p:spTgt spid="82"/>
+                                        </p:tgtEl>
+                                        <p:attrNameLst>
+                                          <p:attrName>style.visibility</p:attrName>
+                                        </p:attrNameLst>
+                                      </p:cBhvr>
+                                      <p:to>
+                                        <p:strVal val="visible"/>
+                                      </p:to>
+                                    </p:set>
+                                  </p:childTnLst>
+                                </p:cTn>
+                              </p:par>
+                              <p:par>
+                                <p:cTn id="43" presetID="1" presetClass="entr" presetSubtype="0" fill="hold" grpId="0" nodeType="withEffect">
+                                  <p:stCondLst>
+                                    <p:cond delay="500"/>
+                                  </p:stCondLst>
+                                  <p:childTnLst>
+                                    <p:set>
+                                      <p:cBhvr>
+                                        <p:cTn id="44" dur="1" fill="hold">
+                                          <p:stCondLst>
+                                            <p:cond delay="0"/>
+                                          </p:stCondLst>
+                                        </p:cTn>
+                                        <p:tgtEl>
+                                          <p:spTgt spid="83"/>
+                                        </p:tgtEl>
+                                        <p:attrNameLst>
+                                          <p:attrName>style.visibility</p:attrName>
+                                        </p:attrNameLst>
+                                      </p:cBhvr>
+                                      <p:to>
+                                        <p:strVal val="visible"/>
+                                      </p:to>
+                                    </p:set>
+                                  </p:childTnLst>
+                                </p:cTn>
+                              </p:par>
+                              <p:par>
+                                <p:cTn id="45" presetID="1" presetClass="entr" presetSubtype="0" fill="hold" grpId="0" nodeType="withEffect">
+                                  <p:stCondLst>
+                                    <p:cond delay="500"/>
+                                  </p:stCondLst>
+                                  <p:childTnLst>
+                                    <p:set>
+                                      <p:cBhvr>
+                                        <p:cTn id="46" dur="1" fill="hold">
+                                          <p:stCondLst>
+                                            <p:cond delay="0"/>
+                                          </p:stCondLst>
+                                        </p:cTn>
+                                        <p:tgtEl>
+                                          <p:spTgt spid="86"/>
+                                        </p:tgtEl>
+                                        <p:attrNameLst>
+                                          <p:attrName>style.visibility</p:attrName>
+                                        </p:attrNameLst>
+                                      </p:cBhvr>
+                                      <p:to>
+                                        <p:strVal val="visible"/>
+                                      </p:to>
+                                    </p:set>
+                                  </p:childTnLst>
+                                </p:cTn>
+                              </p:par>
+                            </p:childTnLst>
+                          </p:cTn>
+                        </p:par>
+                      </p:childTnLst>
+                    </p:cTn>
+                  </p:par>
+                  <p:par>
+                    <p:cTn id="47" fill="hold">
+                      <p:stCondLst>
+                        <p:cond delay="indefinite"/>
+                      </p:stCondLst>
+                      <p:childTnLst>
+                        <p:par>
+                          <p:cTn id="48" fill="hold">
+                            <p:stCondLst>
+                              <p:cond delay="0"/>
+                            </p:stCondLst>
+                            <p:childTnLst>
+                              <p:par>
+                                <p:cTn id="49" presetID="1" presetClass="entr" presetSubtype="0" fill="hold" nodeType="clickEffect">
+                                  <p:stCondLst>
+                                    <p:cond delay="500"/>
+                                  </p:stCondLst>
+                                  <p:childTnLst>
+                                    <p:set>
+                                      <p:cBhvr>
+                                        <p:cTn id="50" dur="1" fill="hold">
+                                          <p:stCondLst>
+                                            <p:cond delay="0"/>
+                                          </p:stCondLst>
+                                        </p:cTn>
+                                        <p:tgtEl>
+                                          <p:spTgt spid="72"/>
+                                        </p:tgtEl>
+                                        <p:attrNameLst>
+                                          <p:attrName>style.visibility</p:attrName>
+                                        </p:attrNameLst>
+                                      </p:cBhvr>
+                                      <p:to>
+                                        <p:strVal val="visible"/>
+                                      </p:to>
+                                    </p:set>
+                                  </p:childTnLst>
+                                </p:cTn>
+                              </p:par>
+                              <p:par>
+                                <p:cTn id="51" presetID="1" presetClass="entr" presetSubtype="0" fill="hold" grpId="0" nodeType="withEffect">
+                                  <p:stCondLst>
+                                    <p:cond delay="500"/>
+                                  </p:stCondLst>
+                                  <p:childTnLst>
+                                    <p:set>
+                                      <p:cBhvr>
+                                        <p:cTn id="52" dur="1" fill="hold">
+                                          <p:stCondLst>
+                                            <p:cond delay="0"/>
+                                          </p:stCondLst>
+                                        </p:cTn>
+                                        <p:tgtEl>
+                                          <p:spTgt spid="84"/>
+                                        </p:tgtEl>
+                                        <p:attrNameLst>
+                                          <p:attrName>style.visibility</p:attrName>
+                                        </p:attrNameLst>
+                                      </p:cBhvr>
+                                      <p:to>
+                                        <p:strVal val="visible"/>
+                                      </p:to>
+                                    </p:set>
+                                  </p:childTnLst>
+                                </p:cTn>
+                              </p:par>
+                            </p:childTnLst>
+                          </p:cTn>
+                        </p:par>
+                      </p:childTnLst>
+                    </p:cTn>
+                  </p:par>
+                  <p:par>
+                    <p:cTn id="53" fill="hold">
+                      <p:stCondLst>
+                        <p:cond delay="indefinite"/>
+                      </p:stCondLst>
+                      <p:childTnLst>
+                        <p:par>
+                          <p:cTn id="54" fill="hold">
+                            <p:stCondLst>
+                              <p:cond delay="0"/>
+                            </p:stCondLst>
+                            <p:childTnLst>
+                              <p:par>
+                                <p:cTn id="55" presetID="1" presetClass="entr" presetSubtype="0" fill="hold" nodeType="clickEffect">
+                                  <p:stCondLst>
+                                    <p:cond delay="500"/>
+                                  </p:stCondLst>
+                                  <p:childTnLst>
+                                    <p:set>
+                                      <p:cBhvr>
+                                        <p:cTn id="56" dur="1" fill="hold">
+                                          <p:stCondLst>
+                                            <p:cond delay="0"/>
+                                          </p:stCondLst>
+                                        </p:cTn>
+                                        <p:tgtEl>
+                                          <p:spTgt spid="74"/>
+                                        </p:tgtEl>
+                                        <p:attrNameLst>
+                                          <p:attrName>style.visibility</p:attrName>
+                                        </p:attrNameLst>
+                                      </p:cBhvr>
+                                      <p:to>
+                                        <p:strVal val="visible"/>
+                                      </p:to>
+                                    </p:set>
+                                  </p:childTnLst>
+                                </p:cTn>
+                              </p:par>
+                              <p:par>
+                                <p:cTn id="57" presetID="1" presetClass="entr" presetSubtype="0" fill="hold" nodeType="withEffect">
+                                  <p:stCondLst>
+                                    <p:cond delay="500"/>
+                                  </p:stCondLst>
+                                  <p:childTnLst>
+                                    <p:set>
+                                      <p:cBhvr>
+                                        <p:cTn id="58" dur="1" fill="hold">
+                                          <p:stCondLst>
+                                            <p:cond delay="0"/>
+                                          </p:stCondLst>
+                                        </p:cTn>
+                                        <p:tgtEl>
+                                          <p:spTgt spid="76"/>
+                                        </p:tgtEl>
+                                        <p:attrNameLst>
+                                          <p:attrName>style.visibility</p:attrName>
+                                        </p:attrNameLst>
+                                      </p:cBhvr>
+                                      <p:to>
+                                        <p:strVal val="visible"/>
+                                      </p:to>
+                                    </p:set>
+                                  </p:childTnLst>
+                                </p:cTn>
+                              </p:par>
+                              <p:par>
+                                <p:cTn id="59" presetID="1" presetClass="entr" presetSubtype="0" fill="hold" grpId="0" nodeType="withEffect">
+                                  <p:stCondLst>
+                                    <p:cond delay="500"/>
+                                  </p:stCondLst>
+                                  <p:childTnLst>
+                                    <p:set>
+                                      <p:cBhvr>
+                                        <p:cTn id="60" dur="1" fill="hold">
+                                          <p:stCondLst>
+                                            <p:cond delay="0"/>
+                                          </p:stCondLst>
+                                        </p:cTn>
+                                        <p:tgtEl>
+                                          <p:spTgt spid="85"/>
+                                        </p:tgtEl>
+                                        <p:attrNameLst>
+                                          <p:attrName>style.visibility</p:attrName>
+                                        </p:attrNameLst>
+                                      </p:cBhvr>
+                                      <p:to>
+                                        <p:strVal val="visible"/>
+                                      </p:to>
+                                    </p:set>
+                                  </p:childTnLst>
+                                </p:cTn>
+                              </p:par>
+                              <p:par>
+                                <p:cTn id="61" presetID="1" presetClass="entr" presetSubtype="0" fill="hold" grpId="0" nodeType="withEffect">
+                                  <p:stCondLst>
+                                    <p:cond delay="500"/>
+                                  </p:stCondLst>
+                                  <p:childTnLst>
+                                    <p:set>
+                                      <p:cBhvr>
+                                        <p:cTn id="62" dur="1" fill="hold">
+                                          <p:stCondLst>
+                                            <p:cond delay="0"/>
+                                          </p:stCondLst>
+                                        </p:cTn>
+                                        <p:tgtEl>
+                                          <p:spTgt spid="87"/>
+                                        </p:tgtEl>
+                                        <p:attrNameLst>
+                                          <p:attrName>style.visibility</p:attrName>
+                                        </p:attrNameLst>
+                                      </p:cBhvr>
+                                      <p:to>
+                                        <p:strVal val="visible"/>
+                                      </p:to>
+                                    </p:set>
+                                  </p:childTnLst>
+                                </p:cTn>
+                              </p:par>
+                            </p:childTnLst>
+                          </p:cTn>
+                        </p:par>
+                      </p:childTnLst>
+                    </p:cTn>
+                  </p:par>
+                  <p:par>
+                    <p:cTn id="63" fill="hold">
+                      <p:stCondLst>
+                        <p:cond delay="indefinite"/>
+                      </p:stCondLst>
+                      <p:childTnLst>
+                        <p:par>
+                          <p:cTn id="64" fill="hold">
+                            <p:stCondLst>
+                              <p:cond delay="0"/>
+                            </p:stCondLst>
+                            <p:childTnLst>
+                              <p:par>
+                                <p:cTn id="65" presetID="1" presetClass="entr" presetSubtype="0" fill="hold" nodeType="clickEffect">
+                                  <p:stCondLst>
+                                    <p:cond delay="500"/>
+                                  </p:stCondLst>
+                                  <p:childTnLst>
+                                    <p:set>
+                                      <p:cBhvr>
+                                        <p:cTn id="66" dur="1" fill="hold">
+                                          <p:stCondLst>
+                                            <p:cond delay="0"/>
+                                          </p:stCondLst>
+                                        </p:cTn>
+                                        <p:tgtEl>
+                                          <p:spTgt spid="71"/>
+                                        </p:tgtEl>
+                                        <p:attrNameLst>
+                                          <p:attrName>style.visibility</p:attrName>
+                                        </p:attrNameLst>
+                                      </p:cBhvr>
+                                      <p:to>
+                                        <p:strVal val="visible"/>
+                                      </p:to>
+                                    </p:set>
+                                  </p:childTnLst>
+                                </p:cTn>
+                              </p:par>
+                              <p:par>
+                                <p:cTn id="67" presetID="1" presetClass="entr" presetSubtype="0" fill="hold" nodeType="withEffect">
+                                  <p:stCondLst>
+                                    <p:cond delay="500"/>
+                                  </p:stCondLst>
+                                  <p:childTnLst>
+                                    <p:set>
+                                      <p:cBhvr>
+                                        <p:cTn id="68" dur="1" fill="hold">
+                                          <p:stCondLst>
+                                            <p:cond delay="0"/>
+                                          </p:stCondLst>
+                                        </p:cTn>
+                                        <p:tgtEl>
+                                          <p:spTgt spid="75"/>
+                                        </p:tgtEl>
+                                        <p:attrNameLst>
+                                          <p:attrName>style.visibility</p:attrName>
+                                        </p:attrNameLst>
+                                      </p:cBhvr>
+                                      <p:to>
+                                        <p:strVal val="visible"/>
+                                      </p:to>
+                                    </p:set>
+                                  </p:childTnLst>
+                                </p:cTn>
+                              </p:par>
+                              <p:par>
+                                <p:cTn id="69" presetID="1" presetClass="entr" presetSubtype="0" fill="hold" nodeType="withEffect">
+                                  <p:stCondLst>
+                                    <p:cond delay="500"/>
+                                  </p:stCondLst>
+                                  <p:childTnLst>
+                                    <p:set>
+                                      <p:cBhvr>
+                                        <p:cTn id="70" dur="1" fill="hold">
+                                          <p:stCondLst>
+                                            <p:cond delay="0"/>
+                                          </p:stCondLst>
+                                        </p:cTn>
+                                        <p:tgtEl>
+                                          <p:spTgt spid="77"/>
+                                        </p:tgtEl>
+                                        <p:attrNameLst>
+                                          <p:attrName>style.visibility</p:attrName>
+                                        </p:attrNameLst>
+                                      </p:cBhvr>
+                                      <p:to>
+                                        <p:strVal val="visible"/>
+                                      </p:to>
+                                    </p:set>
+                                  </p:childTnLst>
+                                </p:cTn>
+                              </p:par>
+                              <p:par>
+                                <p:cTn id="71" presetID="1" presetClass="entr" presetSubtype="0" fill="hold" nodeType="withEffect">
+                                  <p:stCondLst>
+                                    <p:cond delay="500"/>
+                                  </p:stCondLst>
+                                  <p:childTnLst>
+                                    <p:set>
+                                      <p:cBhvr>
+                                        <p:cTn id="72" dur="1" fill="hold">
+                                          <p:stCondLst>
+                                            <p:cond delay="0"/>
+                                          </p:stCondLst>
+                                        </p:cTn>
+                                        <p:tgtEl>
+                                          <p:spTgt spid="78"/>
+                                        </p:tgtEl>
+                                        <p:attrNameLst>
+                                          <p:attrName>style.visibility</p:attrName>
+                                        </p:attrNameLst>
+                                      </p:cBhvr>
+                                      <p:to>
+                                        <p:strVal val="visible"/>
+                                      </p:to>
+                                    </p:set>
+                                  </p:childTnLst>
+                                </p:cTn>
+                              </p:par>
+                              <p:par>
+                                <p:cTn id="73" presetID="1" presetClass="entr" presetSubtype="0" fill="hold" grpId="0" nodeType="withEffect">
+                                  <p:stCondLst>
+                                    <p:cond delay="500"/>
+                                  </p:stCondLst>
+                                  <p:childTnLst>
+                                    <p:set>
+                                      <p:cBhvr>
+                                        <p:cTn id="74" dur="1" fill="hold">
+                                          <p:stCondLst>
+                                            <p:cond delay="0"/>
+                                          </p:stCondLst>
+                                        </p:cTn>
+                                        <p:tgtEl>
+                                          <p:spTgt spid="88"/>
+                                        </p:tgtEl>
+                                        <p:attrNameLst>
+                                          <p:attrName>style.visibility</p:attrName>
+                                        </p:attrNameLst>
+                                      </p:cBhvr>
+                                      <p:to>
+                                        <p:strVal val="visible"/>
+                                      </p:to>
+                                    </p:set>
+                                  </p:childTnLst>
+                                </p:cTn>
+                              </p:par>
+                              <p:par>
+                                <p:cTn id="75" presetID="1" presetClass="entr" presetSubtype="0" fill="hold" grpId="0" nodeType="withEffect">
+                                  <p:stCondLst>
+                                    <p:cond delay="500"/>
+                                  </p:stCondLst>
+                                  <p:childTnLst>
+                                    <p:set>
+                                      <p:cBhvr>
+                                        <p:cTn id="76" dur="1" fill="hold">
+                                          <p:stCondLst>
+                                            <p:cond delay="0"/>
+                                          </p:stCondLst>
+                                        </p:cTn>
+                                        <p:tgtEl>
+                                          <p:spTgt spid="89"/>
+                                        </p:tgtEl>
+                                        <p:attrNameLst>
+                                          <p:attrName>style.visibility</p:attrName>
+                                        </p:attrNameLst>
+                                      </p:cBhvr>
+                                      <p:to>
+                                        <p:strVal val="visible"/>
+                                      </p:to>
+                                    </p:set>
+                                  </p:childTnLst>
+                                </p:cTn>
+                              </p:par>
+                              <p:par>
+                                <p:cTn id="77" presetID="1" presetClass="entr" presetSubtype="0" fill="hold" grpId="0" nodeType="withEffect">
+                                  <p:stCondLst>
+                                    <p:cond delay="500"/>
+                                  </p:stCondLst>
+                                  <p:childTnLst>
+                                    <p:set>
+                                      <p:cBhvr>
+                                        <p:cTn id="78" dur="1" fill="hold">
+                                          <p:stCondLst>
+                                            <p:cond delay="0"/>
+                                          </p:stCondLst>
+                                        </p:cTn>
+                                        <p:tgtEl>
+                                          <p:spTgt spid="90"/>
+                                        </p:tgtEl>
+                                        <p:attrNameLst>
+                                          <p:attrName>style.visibility</p:attrName>
+                                        </p:attrNameLst>
+                                      </p:cBhvr>
+                                      <p:to>
+                                        <p:strVal val="visible"/>
+                                      </p:to>
+                                    </p:set>
+                                  </p:childTnLst>
+                                </p:cTn>
+                              </p:par>
+                              <p:par>
+                                <p:cTn id="79" presetID="1" presetClass="entr" presetSubtype="0" fill="hold" grpId="0" nodeType="withEffect">
+                                  <p:stCondLst>
+                                    <p:cond delay="500"/>
+                                  </p:stCondLst>
+                                  <p:childTnLst>
+                                    <p:set>
+                                      <p:cBhvr>
+                                        <p:cTn id="80" dur="1" fill="hold">
+                                          <p:stCondLst>
+                                            <p:cond delay="0"/>
+                                          </p:stCondLst>
+                                        </p:cTn>
+                                        <p:tgtEl>
+                                          <p:spTgt spid="91"/>
+                                        </p:tgtEl>
+                                        <p:attrNameLst>
+                                          <p:attrName>style.visibility</p:attrName>
+                                        </p:attrNameLst>
+                                      </p:cBhvr>
+                                      <p:to>
+                                        <p:strVal val="visible"/>
+                                      </p:to>
+                                    </p:set>
+                                  </p:childTnLst>
+                                </p:cTn>
+                              </p:par>
+                              <p:par>
+                                <p:cTn id="81" presetID="1" presetClass="entr" presetSubtype="0" fill="hold" grpId="0" nodeType="withEffect">
+                                  <p:stCondLst>
+                                    <p:cond delay="500"/>
+                                  </p:stCondLst>
+                                  <p:childTnLst>
+                                    <p:set>
+                                      <p:cBhvr>
+                                        <p:cTn id="82" dur="1" fill="hold">
+                                          <p:stCondLst>
+                                            <p:cond delay="0"/>
+                                          </p:stCondLst>
+                                        </p:cTn>
+                                        <p:tgtEl>
+                                          <p:spTgt spid="114"/>
+                                        </p:tgtEl>
+                                        <p:attrNameLst>
+                                          <p:attrName>style.visibility</p:attrName>
+                                        </p:attrNameLst>
+                                      </p:cBhvr>
+                                      <p:to>
+                                        <p:strVal val="visible"/>
+                                      </p:to>
+                                    </p:set>
+                                  </p:childTnLst>
+                                </p:cTn>
+                              </p:par>
+                            </p:childTnLst>
+                          </p:cTn>
+                        </p:par>
+                      </p:childTnLst>
+                    </p:cTn>
+                  </p:par>
+                </p:childTnLst>
+              </p:cTn>
+              <p:prevCondLst>
+                <p:cond evt="onPrev" delay="0">
+                  <p:tgtEl>
+                    <p:sldTgt/>
+                  </p:tgtEl>
+                </p:cond>
+              </p:prevCondLst>
+              <p:nextCondLst>
+                <p:cond evt="onNext" delay="0">
+                  <p:tgtEl>
+                    <p:sldTgt/>
+                  </p:tgtEl>
+                </p:cond>
+              </p:nextCondLst>
+            </p:seq>
+          </p:childTnLst>
+        </p:cTn>
+      </p:par>
+    </p:tnLst>
+    <p:bldLst>
+      <p:bldP spid="81" grpId="0" animBg="1"/>
+      <p:bldP spid="82" grpId="0" animBg="1"/>
+      <p:bldP spid="83" grpId="0" animBg="1"/>
+      <p:bldP spid="84" grpId="0" animBg="1"/>
+      <p:bldP spid="85" grpId="0" animBg="1"/>
+      <p:bldP spid="86" grpId="0" animBg="1"/>
+      <p:bldP spid="87" grpId="0" animBg="1"/>
+      <p:bldP spid="88" grpId="0" animBg="1"/>
+      <p:bldP spid="89" grpId="0" animBg="1"/>
+      <p:bldP spid="90" grpId="0" animBg="1"/>
+      <p:bldP spid="91" grpId="0" animBg="1"/>
+      <p:bldP spid="114" grpId="0"/>
+      <p:bldP spid="115" grpId="0"/>
+      <p:bldP spid="116" grpId="0"/>
+      <p:bldP spid="117" grpId="0"/>
+      <p:bldP spid="118" grpId="0"/>
+    </p:bldLst>
+  </p:timing>
 </p:sld>
 </file>
 
-<file path=ppt/slides/slide6.xml><?xml version="1.0" encoding="utf-8"?>
+<file path=ppt/slides/slide5.xml><?xml version="1.0" encoding="utf-8"?>
 <p:sld xmlns:a="http://schemas.openxmlformats.org/drawingml/2006/main" xmlns:r="http://schemas.openxmlformats.org/officeDocument/2006/relationships" xmlns:p="http://schemas.openxmlformats.org/presentationml/2006/main">
   <p:cSld>
     <p:spTree>
@@ -8086,7 +10800,7 @@
             </a:pPr>
             <a:fld id="{00000000-1234-1234-1234-123412341234}" type="slidenum">
               <a:rPr lang="ru" smtClean="0"/>
-              <a:t>6</a:t>
+              <a:t>5</a:t>
             </a:fld>
             <a:endParaRPr lang="ru"/>
           </a:p>
@@ -8100,7 +10814,7 @@
 </p:sld>
 </file>
 
-<file path=ppt/slides/slide7.xml><?xml version="1.0" encoding="utf-8"?>
+<file path=ppt/slides/slide6.xml><?xml version="1.0" encoding="utf-8"?>
 <p:sld xmlns:a="http://schemas.openxmlformats.org/drawingml/2006/main" xmlns:r="http://schemas.openxmlformats.org/officeDocument/2006/relationships" xmlns:p="http://schemas.openxmlformats.org/presentationml/2006/main">
   <p:cSld>
     <p:spTree>
@@ -8240,7 +10954,7 @@
             </a:pPr>
             <a:fld id="{00000000-1234-1234-1234-123412341234}" type="slidenum">
               <a:rPr lang="ru" smtClean="0"/>
-              <a:t>7</a:t>
+              <a:t>6</a:t>
             </a:fld>
             <a:endParaRPr lang="ru"/>
           </a:p>
@@ -8254,7 +10968,7 @@
 </p:sld>
 </file>
 
-<file path=ppt/slides/slide8.xml><?xml version="1.0" encoding="utf-8"?>
+<file path=ppt/slides/slide7.xml><?xml version="1.0" encoding="utf-8"?>
 <p:sld xmlns:a="http://schemas.openxmlformats.org/drawingml/2006/main" xmlns:r="http://schemas.openxmlformats.org/officeDocument/2006/relationships" xmlns:p="http://schemas.openxmlformats.org/presentationml/2006/main">
   <p:cSld>
     <p:spTree>
@@ -8546,7 +11260,7 @@
             </a:pPr>
             <a:fld id="{00000000-1234-1234-1234-123412341234}" type="slidenum">
               <a:rPr lang="ru" smtClean="0"/>
-              <a:t>8</a:t>
+              <a:t>7</a:t>
             </a:fld>
             <a:endParaRPr lang="ru"/>
           </a:p>

--- a/ScapeGoat Three.pptx
+++ b/ScapeGoat Three.pptx
@@ -27,25 +27,11 @@
       <p:boldItalic r:id="rId13"/>
     </p:embeddedFont>
     <p:embeddedFont>
-      <p:font typeface="Montserrat ExtraLight" panose="00000300000000000000" pitchFamily="2" charset="-52"/>
+      <p:font typeface="Montserrat Light" panose="00000400000000000000" pitchFamily="2" charset="-52"/>
       <p:regular r:id="rId14"/>
       <p:bold r:id="rId15"/>
       <p:italic r:id="rId16"/>
       <p:boldItalic r:id="rId17"/>
-    </p:embeddedFont>
-    <p:embeddedFont>
-      <p:font typeface="Montserrat Light" panose="00000400000000000000" pitchFamily="2" charset="-52"/>
-      <p:regular r:id="rId18"/>
-      <p:bold r:id="rId19"/>
-      <p:italic r:id="rId20"/>
-      <p:boldItalic r:id="rId21"/>
-    </p:embeddedFont>
-    <p:embeddedFont>
-      <p:font typeface="Montserrat Medium" panose="00000600000000000000" pitchFamily="2" charset="-52"/>
-      <p:regular r:id="rId22"/>
-      <p:bold r:id="rId23"/>
-      <p:italic r:id="rId24"/>
-      <p:boldItalic r:id="rId25"/>
     </p:embeddedFont>
   </p:embeddedFontLst>
   <p:defaultTextStyle>
@@ -6154,7 +6140,7 @@
           </a:bodyPr>
           <a:lstStyle/>
           <a:p>
-            <a:pPr marL="0" lvl="0" indent="0" algn="ctr" rtl="0">
+            <a:pPr marL="0" lvl="0" indent="0" rtl="0">
               <a:spcBef>
                 <a:spcPts val="0"/>
               </a:spcBef>
@@ -6164,16 +6150,16 @@
               <a:buNone/>
             </a:pPr>
             <a:r>
-              <a:rPr lang="ru" b="1" dirty="0">
-                <a:latin typeface="Courier New"/>
+              <a:rPr lang="ru" dirty="0">
+                <a:latin typeface="+mj-lt"/>
                 <a:ea typeface="Courier New"/>
                 <a:cs typeface="Courier New"/>
                 <a:sym typeface="Courier New"/>
               </a:rPr>
               <a:t>ScapeGoat Three</a:t>
             </a:r>
-            <a:endParaRPr b="1" dirty="0">
-              <a:latin typeface="Courier New"/>
+            <a:endParaRPr dirty="0">
+              <a:latin typeface="+mj-lt"/>
               <a:ea typeface="Courier New"/>
               <a:cs typeface="Courier New"/>
               <a:sym typeface="Courier New"/>
@@ -6224,24 +6210,12 @@
                 <a:solidFill>
                   <a:schemeClr val="tx1"/>
                 </a:solidFill>
-                <a:latin typeface="Montserrat Light"/>
+                <a:latin typeface="+mn-lt"/>
                 <a:ea typeface="Montserrat Light"/>
                 <a:cs typeface="Montserrat Light"/>
                 <a:sym typeface="Montserrat Light"/>
               </a:rPr>
-              <a:t> </a:t>
-            </a:r>
-            <a:r>
-              <a:rPr lang="ru" sz="1200" dirty="0">
-                <a:solidFill>
-                  <a:schemeClr val="tx1"/>
-                </a:solidFill>
-                <a:latin typeface="Montserrat" panose="00000500000000000000" pitchFamily="2" charset="-52"/>
-                <a:ea typeface="Montserrat Light"/>
-                <a:cs typeface="Montserrat Light"/>
-                <a:sym typeface="Montserrat Light"/>
-              </a:rPr>
-              <a:t>Выполнила Филончикова Анна</a:t>
+              <a:t> Выполнила Филончикова Анна</a:t>
             </a:r>
           </a:p>
           <a:p>
@@ -6263,7 +6237,7 @@
                 <a:solidFill>
                   <a:schemeClr val="tx1"/>
                 </a:solidFill>
-                <a:latin typeface="Montserrat" panose="00000500000000000000" pitchFamily="2" charset="-52"/>
+                <a:latin typeface="+mn-lt"/>
                 <a:ea typeface="Montserrat Light"/>
                 <a:cs typeface="Montserrat Light"/>
                 <a:sym typeface="Montserrat Light"/>
@@ -6290,7 +6264,7 @@
                 <a:solidFill>
                   <a:schemeClr val="tx1"/>
                 </a:solidFill>
-                <a:latin typeface="Montserrat" panose="00000500000000000000" pitchFamily="2" charset="-52"/>
+                <a:latin typeface="+mn-lt"/>
               </a:rPr>
               <a:t>Руководитель доцент ИМКТ </a:t>
             </a:r>
@@ -6299,7 +6273,7 @@
                 <a:solidFill>
                   <a:schemeClr val="tx1"/>
                 </a:solidFill>
-                <a:latin typeface="Montserrat" panose="00000500000000000000" pitchFamily="2" charset="-52"/>
+                <a:latin typeface="+mn-lt"/>
               </a:rPr>
               <a:t>Кленин</a:t>
             </a:r>
@@ -6308,7 +6282,7 @@
                 <a:solidFill>
                   <a:schemeClr val="tx1"/>
                 </a:solidFill>
-                <a:latin typeface="Montserrat" panose="00000500000000000000" pitchFamily="2" charset="-52"/>
+                <a:latin typeface="+mn-lt"/>
               </a:rPr>
               <a:t> Александр Сергеевич</a:t>
             </a:r>
@@ -6316,7 +6290,7 @@
               <a:solidFill>
                 <a:schemeClr val="tx1"/>
               </a:solidFill>
-              <a:latin typeface="Montserrat" panose="00000500000000000000" pitchFamily="2" charset="-52"/>
+              <a:latin typeface="+mn-lt"/>
               <a:ea typeface="Montserrat Light"/>
               <a:cs typeface="Montserrat Light"/>
               <a:sym typeface="Montserrat Light"/>
@@ -6352,9 +6326,10 @@
           </a:bodyPr>
           <a:lstStyle/>
           <a:p>
+            <a:pPr algn="ctr"/>
             <a:r>
               <a:rPr lang="ru-RU" dirty="0">
-                <a:latin typeface="Montserrat" panose="00000500000000000000" pitchFamily="2" charset="-52"/>
+                <a:latin typeface="+mn-lt"/>
               </a:rPr>
               <a:t>Дальневосточный Федеральный Университет</a:t>
             </a:r>
@@ -6389,9 +6364,10 @@
           </a:bodyPr>
           <a:lstStyle/>
           <a:p>
+            <a:pPr algn="ctr"/>
             <a:r>
               <a:rPr lang="ru-RU" sz="2000" dirty="0">
-                <a:latin typeface="Montserrat" panose="00000500000000000000" pitchFamily="2" charset="-52"/>
+                <a:latin typeface="+mn-lt"/>
               </a:rPr>
               <a:t>Алгоритмы и структуры данных</a:t>
             </a:r>
@@ -6496,16 +6472,16 @@
               <a:buNone/>
             </a:pPr>
             <a:r>
-              <a:rPr lang="ru" sz="3020">
-                <a:latin typeface="Courier New"/>
+              <a:rPr lang="ru" sz="3020" dirty="0">
+                <a:latin typeface="+mj-lt"/>
                 <a:ea typeface="Courier New"/>
                 <a:cs typeface="Courier New"/>
                 <a:sym typeface="Courier New"/>
               </a:rPr>
               <a:t>Постановка задачи</a:t>
             </a:r>
-            <a:endParaRPr sz="3020">
-              <a:latin typeface="Courier New"/>
+            <a:endParaRPr sz="3020" dirty="0">
+              <a:latin typeface="+mj-lt"/>
               <a:ea typeface="Courier New"/>
               <a:cs typeface="Courier New"/>
               <a:sym typeface="Courier New"/>
@@ -6557,7 +6533,7 @@
                 <a:solidFill>
                   <a:srgbClr val="222222"/>
                 </a:solidFill>
-                <a:latin typeface="Montserrat Light"/>
+                <a:latin typeface="+mn-lt"/>
                 <a:ea typeface="Montserrat Light"/>
                 <a:cs typeface="Montserrat Light"/>
                 <a:sym typeface="Montserrat Light"/>
@@ -6568,7 +6544,7 @@
               <a:solidFill>
                 <a:srgbClr val="222222"/>
               </a:solidFill>
-              <a:latin typeface="Montserrat Light"/>
+              <a:latin typeface="+mn-lt"/>
               <a:ea typeface="Montserrat Light"/>
               <a:cs typeface="Montserrat Light"/>
               <a:sym typeface="Montserrat Light"/>
@@ -6594,7 +6570,7 @@
                 <a:solidFill>
                   <a:srgbClr val="222222"/>
                 </a:solidFill>
-                <a:latin typeface="Montserrat Light"/>
+                <a:latin typeface="+mn-lt"/>
                 <a:ea typeface="Montserrat Light"/>
                 <a:cs typeface="Montserrat Light"/>
                 <a:sym typeface="Montserrat Light"/>
@@ -6605,7 +6581,7 @@
               <a:solidFill>
                 <a:srgbClr val="222222"/>
               </a:solidFill>
-              <a:latin typeface="Montserrat Light"/>
+              <a:latin typeface="+mn-lt"/>
               <a:ea typeface="Montserrat Light"/>
               <a:cs typeface="Montserrat Light"/>
               <a:sym typeface="Montserrat Light"/>
@@ -6631,7 +6607,7 @@
                 <a:solidFill>
                   <a:srgbClr val="222222"/>
                 </a:solidFill>
-                <a:latin typeface="Montserrat Light"/>
+                <a:latin typeface="+mn-lt"/>
                 <a:ea typeface="Montserrat Light"/>
                 <a:cs typeface="Montserrat Light"/>
                 <a:sym typeface="Montserrat Light"/>
@@ -6642,7 +6618,7 @@
               <a:solidFill>
                 <a:srgbClr val="222222"/>
               </a:solidFill>
-              <a:latin typeface="Montserrat Light"/>
+              <a:latin typeface="+mn-lt"/>
               <a:ea typeface="Montserrat Light"/>
               <a:cs typeface="Montserrat Light"/>
               <a:sym typeface="Montserrat Light"/>
@@ -6668,7 +6644,7 @@
                 <a:solidFill>
                   <a:srgbClr val="222222"/>
                 </a:solidFill>
-                <a:latin typeface="Montserrat Light"/>
+                <a:latin typeface="+mn-lt"/>
                 <a:ea typeface="Montserrat Light"/>
                 <a:cs typeface="Montserrat Light"/>
                 <a:sym typeface="Montserrat Light"/>
@@ -6679,7 +6655,7 @@
               <a:solidFill>
                 <a:srgbClr val="222222"/>
               </a:solidFill>
-              <a:latin typeface="Montserrat Light"/>
+              <a:latin typeface="+mn-lt"/>
               <a:ea typeface="Montserrat Light"/>
               <a:cs typeface="Montserrat Light"/>
               <a:sym typeface="Montserrat Light"/>
@@ -6826,7 +6802,7 @@
             </a:pPr>
             <a:r>
               <a:rPr lang="ru" dirty="0">
-                <a:latin typeface="Courier New"/>
+                <a:latin typeface="+mj-lt"/>
                 <a:ea typeface="Courier New"/>
                 <a:cs typeface="Courier New"/>
                 <a:sym typeface="Courier New"/>
@@ -6834,7 +6810,7 @@
               <a:t>Авторство и история</a:t>
             </a:r>
             <a:endParaRPr dirty="0">
-              <a:latin typeface="Courier New"/>
+              <a:latin typeface="+mj-lt"/>
               <a:ea typeface="Courier New"/>
               <a:cs typeface="Courier New"/>
               <a:sym typeface="Courier New"/>
@@ -6884,7 +6860,7 @@
                 <a:solidFill>
                   <a:srgbClr val="222222"/>
                 </a:solidFill>
-                <a:latin typeface="Montserrat Light"/>
+                <a:latin typeface="+mn-lt"/>
                 <a:ea typeface="Montserrat Light"/>
                 <a:cs typeface="Montserrat Light"/>
                 <a:sym typeface="Montserrat Light"/>
@@ -6892,7 +6868,7 @@
               <a:t>Этот тип дерева был изобретен в 1989 году Арне Андерссоном, затем заново изобретен в 1993 году Игалом Гальперином и Рональдом Л. Ривестом.</a:t>
             </a:r>
             <a:endParaRPr dirty="0">
-              <a:latin typeface="Montserrat Light"/>
+              <a:latin typeface="+mn-lt"/>
               <a:ea typeface="Montserrat Light"/>
               <a:cs typeface="Montserrat Light"/>
               <a:sym typeface="Montserrat Light"/>
@@ -6966,7 +6942,7 @@
             </a:pPr>
             <a:r>
               <a:rPr lang="ru" sz="1800" dirty="0">
-                <a:latin typeface="Montserrat ExtraLight"/>
+                <a:latin typeface="+mn-lt"/>
                 <a:ea typeface="Montserrat ExtraLight"/>
                 <a:cs typeface="Montserrat ExtraLight"/>
                 <a:sym typeface="Montserrat ExtraLight"/>
@@ -6974,7 +6950,7 @@
               <a:t>Арне Андерссон</a:t>
             </a:r>
             <a:endParaRPr sz="1800" dirty="0">
-              <a:latin typeface="Montserrat ExtraLight"/>
+              <a:latin typeface="+mn-lt"/>
               <a:ea typeface="Montserrat ExtraLight"/>
               <a:cs typeface="Montserrat ExtraLight"/>
               <a:sym typeface="Montserrat ExtraLight"/>
@@ -7016,7 +6992,7 @@
               <a:rPr lang="ru" smtClean="0"/>
               <a:t>3</a:t>
             </a:fld>
-            <a:endParaRPr lang="ru"/>
+            <a:endParaRPr lang="ru" dirty="0"/>
           </a:p>
         </p:txBody>
       </p:sp>
@@ -7464,14 +7440,14 @@
             <a:pPr algn="ctr"/>
             <a:r>
               <a:rPr lang="ru-RU" dirty="0" err="1">
-                <a:latin typeface="Courier New" panose="02070309020205020404" pitchFamily="49" charset="0"/>
+                <a:latin typeface="+mj-lt"/>
                 <a:cs typeface="Courier New" panose="02070309020205020404" pitchFamily="49" charset="0"/>
               </a:rPr>
               <a:t>Перебалансировка</a:t>
             </a:r>
             <a:r>
               <a:rPr lang="ru-RU" dirty="0">
-                <a:latin typeface="Courier New" panose="02070309020205020404" pitchFamily="49" charset="0"/>
+                <a:latin typeface="+mj-lt"/>
                 <a:cs typeface="Courier New" panose="02070309020205020404" pitchFamily="49" charset="0"/>
               </a:rPr>
               <a:t> дерева</a:t>
@@ -10505,16 +10481,16 @@
               <a:buNone/>
             </a:pPr>
             <a:r>
-              <a:rPr lang="ru" sz="3020">
-                <a:latin typeface="Courier New"/>
+              <a:rPr lang="ru" sz="3020" dirty="0">
+                <a:latin typeface="+mj-lt"/>
                 <a:ea typeface="Courier New"/>
                 <a:cs typeface="Courier New"/>
                 <a:sym typeface="Courier New"/>
               </a:rPr>
               <a:t>Пример деревьев с разным коэффициентом a</a:t>
             </a:r>
-            <a:endParaRPr sz="3020">
-              <a:latin typeface="Courier New"/>
+            <a:endParaRPr sz="3020" dirty="0">
+              <a:latin typeface="+mj-lt"/>
               <a:ea typeface="Courier New"/>
               <a:cs typeface="Courier New"/>
               <a:sym typeface="Courier New"/>
@@ -10647,16 +10623,16 @@
               <a:buNone/>
             </a:pPr>
             <a:r>
-              <a:rPr lang="ru" sz="1800">
-                <a:latin typeface="Montserrat Medium"/>
+              <a:rPr lang="ru" sz="1800" dirty="0">
+                <a:latin typeface="+mn-lt"/>
                 <a:ea typeface="Montserrat Medium"/>
                 <a:cs typeface="Montserrat Medium"/>
                 <a:sym typeface="Montserrat Medium"/>
               </a:rPr>
               <a:t>a = 0,6</a:t>
             </a:r>
-            <a:endParaRPr sz="1800">
-              <a:latin typeface="Montserrat Medium"/>
+            <a:endParaRPr sz="1800" dirty="0">
+              <a:latin typeface="+mn-lt"/>
               <a:ea typeface="Montserrat Medium"/>
               <a:cs typeface="Montserrat Medium"/>
               <a:sym typeface="Montserrat Medium"/>
@@ -10700,7 +10676,7 @@
             </a:pPr>
             <a:r>
               <a:rPr lang="ru" sz="1800" dirty="0">
-                <a:latin typeface="Montserrat Medium"/>
+                <a:latin typeface="+mn-lt"/>
                 <a:ea typeface="Montserrat Medium"/>
                 <a:cs typeface="Montserrat Medium"/>
                 <a:sym typeface="Montserrat Medium"/>
@@ -10708,7 +10684,7 @@
               <a:t>a = 0,57</a:t>
             </a:r>
             <a:endParaRPr sz="1800" dirty="0">
-              <a:latin typeface="Montserrat Medium"/>
+              <a:latin typeface="+mn-lt"/>
               <a:ea typeface="Montserrat Medium"/>
               <a:cs typeface="Montserrat Medium"/>
               <a:sym typeface="Montserrat Medium"/>
@@ -10752,7 +10728,7 @@
             </a:pPr>
             <a:r>
               <a:rPr lang="ru" sz="1800">
-                <a:latin typeface="Montserrat Medium"/>
+                <a:latin typeface="+mn-lt"/>
                 <a:ea typeface="Montserrat Medium"/>
                 <a:cs typeface="Montserrat Medium"/>
                 <a:sym typeface="Montserrat Medium"/>
@@ -10760,7 +10736,7 @@
               <a:t>a = 0,55</a:t>
             </a:r>
             <a:endParaRPr sz="1800">
-              <a:latin typeface="Montserrat Medium"/>
+              <a:latin typeface="+mn-lt"/>
               <a:ea typeface="Montserrat Medium"/>
               <a:cs typeface="Montserrat Medium"/>
               <a:sym typeface="Montserrat Medium"/>
@@ -10867,16 +10843,16 @@
               <a:buNone/>
             </a:pPr>
             <a:r>
-              <a:rPr lang="ru" sz="3020">
-                <a:latin typeface="Courier New"/>
+              <a:rPr lang="ru" sz="3020" dirty="0">
+                <a:latin typeface="+mj-lt"/>
                 <a:ea typeface="Courier New"/>
                 <a:cs typeface="Courier New"/>
                 <a:sym typeface="Courier New"/>
               </a:rPr>
               <a:t>Тестирование и анализ</a:t>
             </a:r>
-            <a:endParaRPr sz="3020">
-              <a:latin typeface="Courier New"/>
+            <a:endParaRPr sz="3020" dirty="0">
+              <a:latin typeface="+mj-lt"/>
               <a:ea typeface="Courier New"/>
               <a:cs typeface="Courier New"/>
               <a:sym typeface="Courier New"/>
@@ -11021,16 +10997,16 @@
               <a:buNone/>
             </a:pPr>
             <a:r>
-              <a:rPr lang="ru" sz="3020">
-                <a:latin typeface="Courier New"/>
+              <a:rPr lang="ru" sz="3020" dirty="0">
+                <a:latin typeface="+mj-lt"/>
                 <a:ea typeface="Courier New"/>
                 <a:cs typeface="Courier New"/>
                 <a:sym typeface="Courier New"/>
               </a:rPr>
               <a:t>Заключение</a:t>
             </a:r>
-            <a:endParaRPr sz="3020">
-              <a:latin typeface="Courier New"/>
+            <a:endParaRPr sz="3020" dirty="0">
+              <a:latin typeface="+mj-lt"/>
               <a:ea typeface="Courier New"/>
               <a:cs typeface="Courier New"/>
               <a:sym typeface="Courier New"/>
@@ -11077,7 +11053,7 @@
                 <a:solidFill>
                   <a:schemeClr val="tx1"/>
                 </a:solidFill>
-                <a:latin typeface="Montserrat Light"/>
+                <a:latin typeface="+mn-lt"/>
                 <a:ea typeface="Montserrat Light"/>
                 <a:cs typeface="Montserrat Light"/>
                 <a:sym typeface="Montserrat Light"/>
@@ -11089,7 +11065,7 @@
                 <a:solidFill>
                   <a:schemeClr val="tx1"/>
                 </a:solidFill>
-                <a:latin typeface="Montserrat Light"/>
+                <a:latin typeface="+mn-lt"/>
                 <a:ea typeface="Montserrat Light"/>
                 <a:cs typeface="Montserrat Light"/>
                 <a:sym typeface="Montserrat Light"/>
@@ -11101,7 +11077,7 @@
                 <a:solidFill>
                   <a:schemeClr val="tx1"/>
                 </a:solidFill>
-                <a:latin typeface="Montserrat Light"/>
+                <a:latin typeface="+mn-lt"/>
                 <a:ea typeface="Montserrat Light"/>
                 <a:cs typeface="Montserrat Light"/>
                 <a:sym typeface="Montserrat Light"/>
@@ -11125,7 +11101,7 @@
                 <a:solidFill>
                   <a:schemeClr val="tx1"/>
                 </a:solidFill>
-                <a:latin typeface="Montserrat Light"/>
+                <a:latin typeface="+mn-lt"/>
                 <a:ea typeface="Montserrat Light"/>
                 <a:cs typeface="Montserrat Light"/>
                 <a:sym typeface="Montserrat Light"/>
@@ -11149,7 +11125,7 @@
                 <a:solidFill>
                   <a:schemeClr val="tx1"/>
                 </a:solidFill>
-                <a:latin typeface="Montserrat Light"/>
+                <a:latin typeface="+mn-lt"/>
                 <a:ea typeface="Montserrat Light"/>
                 <a:cs typeface="Montserrat Light"/>
                 <a:sym typeface="Montserrat Light"/>
@@ -11173,7 +11149,7 @@
                 <a:solidFill>
                   <a:schemeClr val="tx1"/>
                 </a:solidFill>
-                <a:latin typeface="Montserrat Light"/>
+                <a:latin typeface="+mn-lt"/>
                 <a:ea typeface="Montserrat Light"/>
                 <a:cs typeface="Montserrat Light"/>
                 <a:sym typeface="Montserrat Light"/>
@@ -11197,7 +11173,7 @@
                 <a:solidFill>
                   <a:schemeClr val="tx1"/>
                 </a:solidFill>
-                <a:latin typeface="Montserrat Light"/>
+                <a:latin typeface="+mn-lt"/>
                 <a:ea typeface="Montserrat Light"/>
                 <a:cs typeface="Montserrat Light"/>
                 <a:sym typeface="Montserrat Light"/>
@@ -11220,7 +11196,7 @@
               <a:solidFill>
                 <a:schemeClr val="tx1"/>
               </a:solidFill>
-              <a:latin typeface="Montserrat Light"/>
+              <a:latin typeface="+mn-lt"/>
               <a:ea typeface="Montserrat Light"/>
               <a:cs typeface="Montserrat Light"/>
               <a:sym typeface="Montserrat Light"/>

--- a/ScapeGoat Three.pptx
+++ b/ScapeGoat Three.pptx
@@ -13,7 +13,7 @@
     <p:sldId id="258" r:id="rId4"/>
     <p:sldId id="266" r:id="rId5"/>
     <p:sldId id="260" r:id="rId6"/>
-    <p:sldId id="263" r:id="rId7"/>
+    <p:sldId id="267" r:id="rId7"/>
     <p:sldId id="264" r:id="rId8"/>
   </p:sldIdLst>
   <p:sldSz cx="9144000" cy="5143500" type="screen16x9"/>
@@ -1140,110 +1140,6 @@
 </file>
 
 <file path=ppt/notesSlides/notesSlide5.xml><?xml version="1.0" encoding="utf-8"?>
-<p:notes xmlns:a="http://schemas.openxmlformats.org/drawingml/2006/main" xmlns:r="http://schemas.openxmlformats.org/officeDocument/2006/relationships" xmlns:p="http://schemas.openxmlformats.org/presentationml/2006/main" showMasterSp="0" showMasterPhAnim="0">
-  <p:cSld>
-    <p:spTree>
-      <p:nvGrpSpPr>
-        <p:cNvPr id="1" name="Shape 103"/>
-        <p:cNvGrpSpPr/>
-        <p:nvPr/>
-      </p:nvGrpSpPr>
-      <p:grpSpPr>
-        <a:xfrm>
-          <a:off x="0" y="0"/>
-          <a:ext cx="0" cy="0"/>
-          <a:chOff x="0" y="0"/>
-          <a:chExt cx="0" cy="0"/>
-        </a:xfrm>
-      </p:grpSpPr>
-      <p:sp>
-        <p:nvSpPr>
-          <p:cNvPr id="104" name="Google Shape;104;g1fa41595bf3_0_49:notes"/>
-          <p:cNvSpPr>
-            <a:spLocks noGrp="1" noRot="1" noChangeAspect="1"/>
-          </p:cNvSpPr>
-          <p:nvPr>
-            <p:ph type="sldImg" idx="2"/>
-          </p:nvPr>
-        </p:nvSpPr>
-        <p:spPr>
-          <a:xfrm>
-            <a:off x="381000" y="685800"/>
-            <a:ext cx="6096000" cy="3429000"/>
-          </a:xfrm>
-          <a:custGeom>
-            <a:avLst/>
-            <a:gdLst/>
-            <a:ahLst/>
-            <a:cxnLst/>
-            <a:rect l="l" t="t" r="r" b="b"/>
-            <a:pathLst>
-              <a:path w="120000" h="120000" extrusionOk="0">
-                <a:moveTo>
-                  <a:pt x="0" y="0"/>
-                </a:moveTo>
-                <a:lnTo>
-                  <a:pt x="120000" y="0"/>
-                </a:lnTo>
-                <a:lnTo>
-                  <a:pt x="120000" y="120000"/>
-                </a:lnTo>
-                <a:lnTo>
-                  <a:pt x="0" y="120000"/>
-                </a:lnTo>
-                <a:close/>
-              </a:path>
-            </a:pathLst>
-          </a:custGeom>
-        </p:spPr>
-      </p:sp>
-      <p:sp>
-        <p:nvSpPr>
-          <p:cNvPr id="105" name="Google Shape;105;g1fa41595bf3_0_49:notes"/>
-          <p:cNvSpPr txBox="1">
-            <a:spLocks noGrp="1"/>
-          </p:cNvSpPr>
-          <p:nvPr>
-            <p:ph type="body" idx="1"/>
-          </p:nvPr>
-        </p:nvSpPr>
-        <p:spPr>
-          <a:xfrm>
-            <a:off x="685800" y="4343400"/>
-            <a:ext cx="5486400" cy="4114800"/>
-          </a:xfrm>
-          <a:prstGeom prst="rect">
-            <a:avLst/>
-          </a:prstGeom>
-        </p:spPr>
-        <p:txBody>
-          <a:bodyPr spcFirstLastPara="1" wrap="square" lIns="91425" tIns="91425" rIns="91425" bIns="91425" anchor="t" anchorCtr="0">
-            <a:noAutofit/>
-          </a:bodyPr>
-          <a:lstStyle/>
-          <a:p>
-            <a:pPr marL="0" lvl="0" indent="0" algn="l" rtl="0">
-              <a:spcBef>
-                <a:spcPts val="0"/>
-              </a:spcBef>
-              <a:spcAft>
-                <a:spcPts val="0"/>
-              </a:spcAft>
-              <a:buNone/>
-            </a:pPr>
-            <a:endParaRPr/>
-          </a:p>
-        </p:txBody>
-      </p:sp>
-    </p:spTree>
-  </p:cSld>
-  <p:clrMapOvr>
-    <a:masterClrMapping/>
-  </p:clrMapOvr>
-</p:notes>
-</file>
-
-<file path=ppt/notesSlides/notesSlide6.xml><?xml version="1.0" encoding="utf-8"?>
 <p:notes xmlns:a="http://schemas.openxmlformats.org/drawingml/2006/main" xmlns:r="http://schemas.openxmlformats.org/officeDocument/2006/relationships" xmlns:p="http://schemas.openxmlformats.org/presentationml/2006/main" showMasterSp="0" showMasterPhAnim="0">
   <p:cSld>
     <p:spTree>
@@ -6778,7 +6674,7 @@
         </p:nvSpPr>
         <p:spPr>
           <a:xfrm>
-            <a:off x="421400" y="176900"/>
+            <a:off x="421400" y="86683"/>
             <a:ext cx="8520600" cy="572700"/>
           </a:xfrm>
           <a:prstGeom prst="rect">
@@ -6865,7 +6761,101 @@
                 <a:cs typeface="Montserrat Light"/>
                 <a:sym typeface="Montserrat Light"/>
               </a:rPr>
-              <a:t>Этот тип дерева был изобретен в 1989 году Арне Андерссоном, затем заново изобретен в 1993 году Игалом Гальперином и Рональдом Л. Ривестом.</a:t>
+              <a:t>Изобретен Арне Андерссоном </a:t>
+            </a:r>
+            <a:r>
+              <a:rPr lang="en-US" dirty="0">
+                <a:solidFill>
+                  <a:srgbClr val="222222"/>
+                </a:solidFill>
+                <a:latin typeface="+mn-lt"/>
+                <a:ea typeface="Montserrat Light"/>
+                <a:cs typeface="Montserrat Light"/>
+                <a:sym typeface="Montserrat Light"/>
+              </a:rPr>
+              <a:t>(</a:t>
+            </a:r>
+            <a:r>
+              <a:rPr lang="ru" dirty="0">
+                <a:solidFill>
+                  <a:srgbClr val="222222"/>
+                </a:solidFill>
+                <a:latin typeface="+mn-lt"/>
+                <a:ea typeface="Montserrat Light"/>
+                <a:cs typeface="Montserrat Light"/>
+                <a:sym typeface="Montserrat Light"/>
+              </a:rPr>
+              <a:t>1989</a:t>
+            </a:r>
+            <a:r>
+              <a:rPr lang="en-US" dirty="0">
+                <a:solidFill>
+                  <a:srgbClr val="222222"/>
+                </a:solidFill>
+                <a:latin typeface="+mn-lt"/>
+                <a:ea typeface="Montserrat Light"/>
+                <a:cs typeface="Montserrat Light"/>
+                <a:sym typeface="Montserrat Light"/>
+              </a:rPr>
+              <a:t>)</a:t>
+            </a:r>
+            <a:endParaRPr lang="ru-RU" dirty="0">
+              <a:solidFill>
+                <a:srgbClr val="222222"/>
+              </a:solidFill>
+              <a:latin typeface="+mn-lt"/>
+              <a:ea typeface="Montserrat Light"/>
+              <a:cs typeface="Montserrat Light"/>
+              <a:sym typeface="Montserrat Light"/>
+            </a:endParaRPr>
+          </a:p>
+          <a:p>
+            <a:pPr marL="914400" lvl="0" indent="0" algn="just" rtl="0">
+              <a:lnSpc>
+                <a:spcPct val="130000"/>
+              </a:lnSpc>
+              <a:spcBef>
+                <a:spcPts val="600"/>
+              </a:spcBef>
+              <a:spcAft>
+                <a:spcPts val="100"/>
+              </a:spcAft>
+              <a:buNone/>
+            </a:pPr>
+            <a:endParaRPr lang="en-US" dirty="0">
+              <a:solidFill>
+                <a:srgbClr val="222222"/>
+              </a:solidFill>
+              <a:latin typeface="+mn-lt"/>
+              <a:ea typeface="Montserrat Light"/>
+              <a:cs typeface="Montserrat Light"/>
+              <a:sym typeface="Montserrat Light"/>
+            </a:endParaRPr>
+          </a:p>
+          <a:p>
+            <a:pPr marL="914400" lvl="0" indent="0" algn="just" rtl="0">
+              <a:lnSpc>
+                <a:spcPct val="130000"/>
+              </a:lnSpc>
+              <a:spcBef>
+                <a:spcPts val="600"/>
+              </a:spcBef>
+              <a:spcAft>
+                <a:spcPts val="100"/>
+              </a:spcAft>
+              <a:buNone/>
+            </a:pPr>
+            <a:r>
+              <a:rPr lang="ru" dirty="0">
+                <a:solidFill>
+                  <a:srgbClr val="222222"/>
+                </a:solidFill>
+                <a:latin typeface="+mn-lt"/>
+                <a:ea typeface="Montserrat Light"/>
+                <a:cs typeface="Montserrat Light"/>
+                <a:sym typeface="Montserrat Light"/>
+              </a:rPr>
+              <a:t>Изобретен заново Игалом Гальперином и Рональдом Л. Ривестом(1993)</a:t>
             </a:r>
             <a:endParaRPr dirty="0">
               <a:latin typeface="+mn-lt"/>
@@ -10514,18 +10504,42 @@
         </p:blipFill>
         <p:spPr>
           <a:xfrm>
-            <a:off x="311700" y="1350750"/>
+            <a:off x="311700" y="1130575"/>
             <a:ext cx="3697215" cy="1854662"/>
           </a:xfrm>
           <a:prstGeom prst="rect">
             <a:avLst/>
           </a:prstGeom>
-          <a:ln>
-            <a:noFill/>
+          <a:solidFill>
+            <a:srgbClr val="FFFFFF">
+              <a:shade val="85000"/>
+            </a:srgbClr>
+          </a:solidFill>
+          <a:ln w="88900" cap="sq">
+            <a:solidFill>
+              <a:srgbClr val="FFFFFF"/>
+            </a:solidFill>
+            <a:miter lim="800000"/>
           </a:ln>
           <a:effectLst>
-            <a:softEdge rad="50800"/>
+            <a:outerShdw blurRad="55000" dist="18000" dir="5400000" algn="tl" rotWithShape="0">
+              <a:srgbClr val="000000">
+                <a:alpha val="40000"/>
+              </a:srgbClr>
+            </a:outerShdw>
           </a:effectLst>
+          <a:scene3d>
+            <a:camera prst="orthographicFront"/>
+            <a:lightRig rig="twoPt" dir="t">
+              <a:rot lat="0" lon="0" rev="7200000"/>
+            </a:lightRig>
+          </a:scene3d>
+          <a:sp3d>
+            <a:bevelT w="25400" h="19050"/>
+            <a:contourClr>
+              <a:srgbClr val="FFFFFF"/>
+            </a:contourClr>
+          </a:sp3d>
         </p:spPr>
       </p:pic>
       <p:pic>
@@ -10544,18 +10558,42 @@
         </p:blipFill>
         <p:spPr>
           <a:xfrm>
-            <a:off x="5676050" y="1350475"/>
+            <a:off x="5704625" y="1200456"/>
             <a:ext cx="2974701" cy="1896550"/>
           </a:xfrm>
           <a:prstGeom prst="rect">
             <a:avLst/>
           </a:prstGeom>
-          <a:ln>
-            <a:noFill/>
+          <a:solidFill>
+            <a:srgbClr val="FFFFFF">
+              <a:shade val="85000"/>
+            </a:srgbClr>
+          </a:solidFill>
+          <a:ln w="88900" cap="sq">
+            <a:solidFill>
+              <a:srgbClr val="FFFFFF"/>
+            </a:solidFill>
+            <a:miter lim="800000"/>
           </a:ln>
           <a:effectLst>
-            <a:softEdge rad="101600"/>
+            <a:outerShdw blurRad="55000" dist="18000" dir="5400000" algn="tl" rotWithShape="0">
+              <a:srgbClr val="000000">
+                <a:alpha val="40000"/>
+              </a:srgbClr>
+            </a:outerShdw>
           </a:effectLst>
+          <a:scene3d>
+            <a:camera prst="orthographicFront"/>
+            <a:lightRig rig="twoPt" dir="t">
+              <a:rot lat="0" lon="0" rev="7200000"/>
+            </a:lightRig>
+          </a:scene3d>
+          <a:sp3d>
+            <a:bevelT w="25400" h="19050"/>
+            <a:contourClr>
+              <a:srgbClr val="FFFFFF"/>
+            </a:contourClr>
+          </a:sp3d>
         </p:spPr>
       </p:pic>
       <p:pic>
@@ -10574,18 +10612,42 @@
         </p:blipFill>
         <p:spPr>
           <a:xfrm>
-            <a:off x="3283552" y="3273775"/>
+            <a:off x="2847783" y="3302043"/>
             <a:ext cx="3100148" cy="1703800"/>
           </a:xfrm>
           <a:prstGeom prst="rect">
             <a:avLst/>
           </a:prstGeom>
-          <a:ln>
-            <a:noFill/>
+          <a:solidFill>
+            <a:srgbClr val="FFFFFF">
+              <a:shade val="85000"/>
+            </a:srgbClr>
+          </a:solidFill>
+          <a:ln w="88900" cap="sq">
+            <a:solidFill>
+              <a:srgbClr val="FFFFFF"/>
+            </a:solidFill>
+            <a:miter lim="800000"/>
           </a:ln>
           <a:effectLst>
-            <a:softEdge rad="88900"/>
+            <a:outerShdw blurRad="55000" dist="18000" dir="5400000" algn="tl" rotWithShape="0">
+              <a:srgbClr val="000000">
+                <a:alpha val="40000"/>
+              </a:srgbClr>
+            </a:outerShdw>
           </a:effectLst>
+          <a:scene3d>
+            <a:camera prst="orthographicFront"/>
+            <a:lightRig rig="twoPt" dir="t">
+              <a:rot lat="0" lon="0" rev="7200000"/>
+            </a:lightRig>
+          </a:scene3d>
+          <a:sp3d>
+            <a:bevelT w="25400" h="19050"/>
+            <a:contourClr>
+              <a:srgbClr val="FFFFFF"/>
+            </a:contourClr>
+          </a:sp3d>
         </p:spPr>
       </p:pic>
       <p:sp>
@@ -10596,7 +10658,7 @@
         </p:nvSpPr>
         <p:spPr>
           <a:xfrm>
-            <a:off x="734125" y="2993450"/>
+            <a:off x="697807" y="2565150"/>
             <a:ext cx="1462500" cy="461700"/>
           </a:xfrm>
           <a:prstGeom prst="rect">
@@ -10648,7 +10710,7 @@
         </p:nvSpPr>
         <p:spPr>
           <a:xfrm>
-            <a:off x="3048462" y="4515875"/>
+            <a:off x="3014831" y="4544143"/>
             <a:ext cx="1121400" cy="461700"/>
           </a:xfrm>
           <a:prstGeom prst="rect">
@@ -10700,7 +10762,7 @@
         </p:nvSpPr>
         <p:spPr>
           <a:xfrm>
-            <a:off x="6682075" y="3273775"/>
+            <a:off x="5810850" y="2653356"/>
             <a:ext cx="1145700" cy="461700"/>
           </a:xfrm>
           <a:prstGeom prst="rect">
@@ -10727,7 +10789,7 @@
               <a:buNone/>
             </a:pPr>
             <a:r>
-              <a:rPr lang="ru" sz="1800">
+              <a:rPr lang="ru" sz="1800" dirty="0">
                 <a:latin typeface="+mn-lt"/>
                 <a:ea typeface="Montserrat Medium"/>
                 <a:cs typeface="Montserrat Medium"/>
@@ -10735,7 +10797,7 @@
               </a:rPr>
               <a:t>a = 0,55</a:t>
             </a:r>
-            <a:endParaRPr sz="1800">
+            <a:endParaRPr sz="1800" dirty="0">
               <a:latin typeface="+mn-lt"/>
               <a:ea typeface="Montserrat Medium"/>
               <a:cs typeface="Montserrat Medium"/>
@@ -10795,7 +10857,7 @@
   <p:cSld>
     <p:spTree>
       <p:nvGrpSpPr>
-        <p:cNvPr id="1" name="Shape 106"/>
+        <p:cNvPr id="1" name=""/>
         <p:cNvGrpSpPr/>
         <p:nvPr/>
       </p:nvGrpSpPr>
@@ -10809,101 +10871,41 @@
       </p:grpSpPr>
       <p:sp>
         <p:nvSpPr>
-          <p:cNvPr id="107" name="Google Shape;107;p20"/>
-          <p:cNvSpPr txBox="1">
+          <p:cNvPr id="2" name="Заголовок 1">
+            <a:extLst>
+              <a:ext uri="{FF2B5EF4-FFF2-40B4-BE49-F238E27FC236}">
+                <a16:creationId xmlns:a16="http://schemas.microsoft.com/office/drawing/2014/main" id="{A24BA223-5B61-9230-48E3-98F0B8D8A2A5}"/>
+              </a:ext>
+            </a:extLst>
+          </p:cNvPr>
+          <p:cNvSpPr>
             <a:spLocks noGrp="1"/>
           </p:cNvSpPr>
           <p:nvPr>
             <p:ph type="title"/>
           </p:nvPr>
         </p:nvSpPr>
-        <p:spPr>
-          <a:xfrm>
-            <a:off x="311700" y="445025"/>
-            <a:ext cx="8520600" cy="572700"/>
-          </a:xfrm>
-          <a:prstGeom prst="rect">
-            <a:avLst/>
-          </a:prstGeom>
-        </p:spPr>
+        <p:spPr/>
         <p:txBody>
-          <a:bodyPr spcFirstLastPara="1" wrap="square" lIns="91425" tIns="91425" rIns="91425" bIns="91425" anchor="t" anchorCtr="0">
-            <a:noAutofit/>
+          <a:bodyPr>
+            <a:normAutofit fontScale="90000"/>
           </a:bodyPr>
           <a:lstStyle/>
           <a:p>
-            <a:pPr marL="0" lvl="0" indent="0" algn="ctr" rtl="0">
-              <a:spcBef>
-                <a:spcPts val="0"/>
-              </a:spcBef>
-              <a:spcAft>
-                <a:spcPts val="0"/>
-              </a:spcAft>
-              <a:buSzPts val="990"/>
-              <a:buNone/>
-            </a:pPr>
+            <a:pPr algn="ctr"/>
             <a:r>
-              <a:rPr lang="ru" sz="3020" dirty="0">
-                <a:latin typeface="+mj-lt"/>
-                <a:ea typeface="Courier New"/>
-                <a:cs typeface="Courier New"/>
-                <a:sym typeface="Courier New"/>
-              </a:rPr>
+              <a:rPr lang="ru-RU" dirty="0"/>
               <a:t>Тестирование и анализ</a:t>
             </a:r>
-            <a:endParaRPr sz="3020" dirty="0">
-              <a:latin typeface="+mj-lt"/>
-              <a:ea typeface="Courier New"/>
-              <a:cs typeface="Courier New"/>
-              <a:sym typeface="Courier New"/>
-            </a:endParaRPr>
           </a:p>
         </p:txBody>
       </p:sp>
       <p:sp>
         <p:nvSpPr>
-          <p:cNvPr id="108" name="Google Shape;108;p20"/>
-          <p:cNvSpPr txBox="1">
-            <a:spLocks noGrp="1"/>
-          </p:cNvSpPr>
-          <p:nvPr>
-            <p:ph type="body" idx="1"/>
-          </p:nvPr>
-        </p:nvSpPr>
-        <p:spPr>
-          <a:xfrm>
-            <a:off x="311700" y="1152475"/>
-            <a:ext cx="8520600" cy="3416400"/>
-          </a:xfrm>
-          <a:prstGeom prst="rect">
-            <a:avLst/>
-          </a:prstGeom>
-        </p:spPr>
-        <p:txBody>
-          <a:bodyPr spcFirstLastPara="1" wrap="square" lIns="91425" tIns="91425" rIns="91425" bIns="91425" anchor="t" anchorCtr="0">
-            <a:normAutofit/>
-          </a:bodyPr>
-          <a:lstStyle/>
-          <a:p>
-            <a:pPr marL="0" lvl="0" indent="0" algn="l" rtl="0">
-              <a:spcBef>
-                <a:spcPts val="0"/>
-              </a:spcBef>
-              <a:spcAft>
-                <a:spcPts val="1200"/>
-              </a:spcAft>
-              <a:buNone/>
-            </a:pPr>
-            <a:endParaRPr/>
-          </a:p>
-        </p:txBody>
-      </p:sp>
-      <p:sp>
-        <p:nvSpPr>
-          <p:cNvPr id="2" name="Номер слайда 1">
+          <p:cNvPr id="4" name="Номер слайда 3">
             <a:extLst>
               <a:ext uri="{FF2B5EF4-FFF2-40B4-BE49-F238E27FC236}">
-                <a16:creationId xmlns:a16="http://schemas.microsoft.com/office/drawing/2014/main" id="{17BDF305-71EC-218A-2B6E-C9D5196A3221}"/>
+                <a16:creationId xmlns:a16="http://schemas.microsoft.com/office/drawing/2014/main" id="{DB765870-FC1F-375E-DE62-59C51477761C}"/>
               </a:ext>
             </a:extLst>
           </p:cNvPr>
@@ -10936,7 +10938,42 @@
           </a:p>
         </p:txBody>
       </p:sp>
+      <p:pic>
+        <p:nvPicPr>
+          <p:cNvPr id="6" name="Рисунок 5">
+            <a:extLst>
+              <a:ext uri="{FF2B5EF4-FFF2-40B4-BE49-F238E27FC236}">
+                <a16:creationId xmlns:a16="http://schemas.microsoft.com/office/drawing/2014/main" id="{0CBCB4E0-9536-1CD4-A081-FDA503D2BA5D}"/>
+              </a:ext>
+            </a:extLst>
+          </p:cNvPr>
+          <p:cNvPicPr>
+            <a:picLocks noChangeAspect="1"/>
+          </p:cNvPicPr>
+          <p:nvPr/>
+        </p:nvPicPr>
+        <p:blipFill>
+          <a:blip r:embed="rId2"/>
+          <a:stretch>
+            <a:fillRect/>
+          </a:stretch>
+        </p:blipFill>
+        <p:spPr>
+          <a:xfrm>
+            <a:off x="311700" y="1021037"/>
+            <a:ext cx="4237388" cy="2496480"/>
+          </a:xfrm>
+          <a:prstGeom prst="rect">
+            <a:avLst/>
+          </a:prstGeom>
+        </p:spPr>
+      </p:pic>
     </p:spTree>
+    <p:extLst>
+      <p:ext uri="{BB962C8B-B14F-4D97-AF65-F5344CB8AC3E}">
+        <p14:creationId xmlns:p14="http://schemas.microsoft.com/office/powerpoint/2010/main" val="3864869608"/>
+      </p:ext>
+    </p:extLst>
   </p:cSld>
   <p:clrMapOvr>
     <a:masterClrMapping/>

--- a/ScapeGoat Three.pptx
+++ b/ScapeGoat Three.pptx
@@ -5,33 +5,35 @@
     <p:sldMasterId id="2147483659" r:id="rId1"/>
   </p:sldMasterIdLst>
   <p:notesMasterIdLst>
-    <p:notesMasterId r:id="rId9"/>
+    <p:notesMasterId r:id="rId11"/>
   </p:notesMasterIdLst>
   <p:sldIdLst>
     <p:sldId id="256" r:id="rId2"/>
     <p:sldId id="257" r:id="rId3"/>
     <p:sldId id="258" r:id="rId4"/>
     <p:sldId id="266" r:id="rId5"/>
-    <p:sldId id="260" r:id="rId6"/>
-    <p:sldId id="267" r:id="rId7"/>
-    <p:sldId id="264" r:id="rId8"/>
+    <p:sldId id="268" r:id="rId6"/>
+    <p:sldId id="269" r:id="rId7"/>
+    <p:sldId id="270" r:id="rId8"/>
+    <p:sldId id="267" r:id="rId9"/>
+    <p:sldId id="264" r:id="rId10"/>
   </p:sldIdLst>
   <p:sldSz cx="9144000" cy="5143500" type="screen16x9"/>
   <p:notesSz cx="6858000" cy="9144000"/>
   <p:embeddedFontLst>
     <p:embeddedFont>
       <p:font typeface="Montserrat" panose="00000500000000000000" pitchFamily="2" charset="-52"/>
-      <p:regular r:id="rId10"/>
-      <p:bold r:id="rId11"/>
-      <p:italic r:id="rId12"/>
-      <p:boldItalic r:id="rId13"/>
+      <p:regular r:id="rId12"/>
+      <p:bold r:id="rId13"/>
+      <p:italic r:id="rId14"/>
+      <p:boldItalic r:id="rId15"/>
     </p:embeddedFont>
     <p:embeddedFont>
       <p:font typeface="Montserrat Light" panose="00000400000000000000" pitchFamily="2" charset="-52"/>
-      <p:regular r:id="rId14"/>
-      <p:bold r:id="rId15"/>
-      <p:italic r:id="rId16"/>
-      <p:boldItalic r:id="rId17"/>
+      <p:regular r:id="rId16"/>
+      <p:bold r:id="rId17"/>
+      <p:italic r:id="rId18"/>
+      <p:boldItalic r:id="rId19"/>
     </p:embeddedFont>
   </p:embeddedFontLst>
   <p:defaultTextStyle>
@@ -1036,110 +1038,6 @@
 </file>
 
 <file path=ppt/notesSlides/notesSlide4.xml><?xml version="1.0" encoding="utf-8"?>
-<p:notes xmlns:a="http://schemas.openxmlformats.org/drawingml/2006/main" xmlns:r="http://schemas.openxmlformats.org/officeDocument/2006/relationships" xmlns:p="http://schemas.openxmlformats.org/presentationml/2006/main" showMasterSp="0" showMasterPhAnim="0">
-  <p:cSld>
-    <p:spTree>
-      <p:nvGrpSpPr>
-        <p:cNvPr id="1" name="Shape 79"/>
-        <p:cNvGrpSpPr/>
-        <p:nvPr/>
-      </p:nvGrpSpPr>
-      <p:grpSpPr>
-        <a:xfrm>
-          <a:off x="0" y="0"/>
-          <a:ext cx="0" cy="0"/>
-          <a:chOff x="0" y="0"/>
-          <a:chExt cx="0" cy="0"/>
-        </a:xfrm>
-      </p:grpSpPr>
-      <p:sp>
-        <p:nvSpPr>
-          <p:cNvPr id="80" name="Google Shape;80;g1fa41595bf3_0_21:notes"/>
-          <p:cNvSpPr>
-            <a:spLocks noGrp="1" noRot="1" noChangeAspect="1"/>
-          </p:cNvSpPr>
-          <p:nvPr>
-            <p:ph type="sldImg" idx="2"/>
-          </p:nvPr>
-        </p:nvSpPr>
-        <p:spPr>
-          <a:xfrm>
-            <a:off x="381000" y="685800"/>
-            <a:ext cx="6096000" cy="3429000"/>
-          </a:xfrm>
-          <a:custGeom>
-            <a:avLst/>
-            <a:gdLst/>
-            <a:ahLst/>
-            <a:cxnLst/>
-            <a:rect l="l" t="t" r="r" b="b"/>
-            <a:pathLst>
-              <a:path w="120000" h="120000" extrusionOk="0">
-                <a:moveTo>
-                  <a:pt x="0" y="0"/>
-                </a:moveTo>
-                <a:lnTo>
-                  <a:pt x="120000" y="0"/>
-                </a:lnTo>
-                <a:lnTo>
-                  <a:pt x="120000" y="120000"/>
-                </a:lnTo>
-                <a:lnTo>
-                  <a:pt x="0" y="120000"/>
-                </a:lnTo>
-                <a:close/>
-              </a:path>
-            </a:pathLst>
-          </a:custGeom>
-        </p:spPr>
-      </p:sp>
-      <p:sp>
-        <p:nvSpPr>
-          <p:cNvPr id="81" name="Google Shape;81;g1fa41595bf3_0_21:notes"/>
-          <p:cNvSpPr txBox="1">
-            <a:spLocks noGrp="1"/>
-          </p:cNvSpPr>
-          <p:nvPr>
-            <p:ph type="body" idx="1"/>
-          </p:nvPr>
-        </p:nvSpPr>
-        <p:spPr>
-          <a:xfrm>
-            <a:off x="685800" y="4343400"/>
-            <a:ext cx="5486400" cy="4114800"/>
-          </a:xfrm>
-          <a:prstGeom prst="rect">
-            <a:avLst/>
-          </a:prstGeom>
-        </p:spPr>
-        <p:txBody>
-          <a:bodyPr spcFirstLastPara="1" wrap="square" lIns="91425" tIns="91425" rIns="91425" bIns="91425" anchor="t" anchorCtr="0">
-            <a:noAutofit/>
-          </a:bodyPr>
-          <a:lstStyle/>
-          <a:p>
-            <a:pPr marL="0" lvl="0" indent="0" algn="l" rtl="0">
-              <a:spcBef>
-                <a:spcPts val="0"/>
-              </a:spcBef>
-              <a:spcAft>
-                <a:spcPts val="0"/>
-              </a:spcAft>
-              <a:buNone/>
-            </a:pPr>
-            <a:endParaRPr/>
-          </a:p>
-        </p:txBody>
-      </p:sp>
-    </p:spTree>
-  </p:cSld>
-  <p:clrMapOvr>
-    <a:masterClrMapping/>
-  </p:clrMapOvr>
-</p:notes>
-</file>
-
-<file path=ppt/notesSlides/notesSlide5.xml><?xml version="1.0" encoding="utf-8"?>
 <p:notes xmlns:a="http://schemas.openxmlformats.org/drawingml/2006/main" xmlns:r="http://schemas.openxmlformats.org/officeDocument/2006/relationships" xmlns:p="http://schemas.openxmlformats.org/presentationml/2006/main" showMasterSp="0" showMasterPhAnim="0">
   <p:cSld>
     <p:spTree>
@@ -6406,11 +6304,14 @@
         </p:spPr>
         <p:txBody>
           <a:bodyPr spcFirstLastPara="1" wrap="square" lIns="91425" tIns="91425" rIns="91425" bIns="91425" anchor="t" anchorCtr="0">
-            <a:normAutofit/>
+            <a:normAutofit fontScale="92500" lnSpcReduction="20000"/>
           </a:bodyPr>
           <a:lstStyle/>
           <a:p>
             <a:pPr marL="457200" lvl="0" indent="-355600" algn="l" rtl="0">
+              <a:lnSpc>
+                <a:spcPct val="200000"/>
+              </a:lnSpc>
               <a:spcBef>
                 <a:spcPts val="0"/>
               </a:spcBef>
@@ -6448,6 +6349,9 @@
           </a:p>
           <a:p>
             <a:pPr marL="457200" lvl="0" indent="-355600" algn="l" rtl="0">
+              <a:lnSpc>
+                <a:spcPct val="200000"/>
+              </a:lnSpc>
               <a:spcBef>
                 <a:spcPts val="0"/>
               </a:spcBef>
@@ -6485,6 +6389,9 @@
           </a:p>
           <a:p>
             <a:pPr marL="457200" lvl="0" indent="-355600" algn="l" rtl="0">
+              <a:lnSpc>
+                <a:spcPct val="200000"/>
+              </a:lnSpc>
               <a:spcBef>
                 <a:spcPts val="0"/>
               </a:spcBef>
@@ -6522,6 +6429,9 @@
           </a:p>
           <a:p>
             <a:pPr marL="457200" lvl="0" indent="-355600" algn="l" rtl="0">
+              <a:lnSpc>
+                <a:spcPct val="200000"/>
+              </a:lnSpc>
               <a:spcBef>
                 <a:spcPts val="0"/>
               </a:spcBef>
@@ -10423,7 +10333,7 @@
   <p:cSld>
     <p:spTree>
       <p:nvGrpSpPr>
-        <p:cNvPr id="1" name="Shape 82"/>
+        <p:cNvPr id="1" name=""/>
         <p:cNvGrpSpPr/>
         <p:nvPr/>
       </p:nvGrpSpPr>
@@ -10437,381 +10347,577 @@
       </p:grpSpPr>
       <p:sp>
         <p:nvSpPr>
-          <p:cNvPr id="83" name="Google Shape;83;p17"/>
-          <p:cNvSpPr txBox="1">
+          <p:cNvPr id="2" name="Заголовок 1">
+            <a:extLst>
+              <a:ext uri="{FF2B5EF4-FFF2-40B4-BE49-F238E27FC236}">
+                <a16:creationId xmlns:a16="http://schemas.microsoft.com/office/drawing/2014/main" id="{92DEEF0E-4347-A88D-6BC7-9493229F427D}"/>
+              </a:ext>
+            </a:extLst>
+          </p:cNvPr>
+          <p:cNvSpPr>
             <a:spLocks noGrp="1"/>
           </p:cNvSpPr>
           <p:nvPr>
             <p:ph type="title"/>
           </p:nvPr>
         </p:nvSpPr>
-        <p:spPr>
-          <a:xfrm>
-            <a:off x="311700" y="310950"/>
-            <a:ext cx="8520600" cy="572700"/>
-          </a:xfrm>
-          <a:prstGeom prst="rect">
-            <a:avLst/>
-          </a:prstGeom>
-        </p:spPr>
+        <p:spPr/>
         <p:txBody>
-          <a:bodyPr spcFirstLastPara="1" wrap="square" lIns="91425" tIns="91425" rIns="91425" bIns="91425" anchor="t" anchorCtr="0">
-            <a:noAutofit/>
+          <a:bodyPr>
+            <a:normAutofit fontScale="90000"/>
           </a:bodyPr>
           <a:lstStyle/>
           <a:p>
-            <a:pPr marL="0" lvl="0" indent="0" algn="ctr" rtl="0">
-              <a:spcBef>
-                <a:spcPts val="0"/>
-              </a:spcBef>
-              <a:spcAft>
-                <a:spcPts val="0"/>
-              </a:spcAft>
-              <a:buSzPts val="990"/>
-              <a:buNone/>
-            </a:pPr>
-            <a:r>
-              <a:rPr lang="ru" sz="3020" dirty="0">
-                <a:latin typeface="+mj-lt"/>
-                <a:ea typeface="Courier New"/>
-                <a:cs typeface="Courier New"/>
-                <a:sym typeface="Courier New"/>
-              </a:rPr>
-              <a:t>Пример деревьев с разным коэффициентом a</a:t>
-            </a:r>
-            <a:endParaRPr sz="3020" dirty="0">
-              <a:latin typeface="+mj-lt"/>
-              <a:ea typeface="Courier New"/>
-              <a:cs typeface="Courier New"/>
-              <a:sym typeface="Courier New"/>
-            </a:endParaRPr>
-          </a:p>
-        </p:txBody>
-      </p:sp>
-      <p:pic>
-        <p:nvPicPr>
-          <p:cNvPr id="84" name="Google Shape;84;p17"/>
-          <p:cNvPicPr preferRelativeResize="0"/>
-          <p:nvPr/>
-        </p:nvPicPr>
-        <p:blipFill>
-          <a:blip r:embed="rId3">
-            <a:alphaModFix/>
-          </a:blip>
-          <a:stretch>
-            <a:fillRect/>
-          </a:stretch>
-        </p:blipFill>
-        <p:spPr>
-          <a:xfrm>
-            <a:off x="311700" y="1130575"/>
-            <a:ext cx="3697215" cy="1854662"/>
-          </a:xfrm>
-          <a:prstGeom prst="rect">
-            <a:avLst/>
-          </a:prstGeom>
-          <a:solidFill>
-            <a:srgbClr val="FFFFFF">
-              <a:shade val="85000"/>
-            </a:srgbClr>
-          </a:solidFill>
-          <a:ln w="88900" cap="sq">
-            <a:solidFill>
-              <a:srgbClr val="FFFFFF"/>
-            </a:solidFill>
-            <a:miter lim="800000"/>
-          </a:ln>
-          <a:effectLst>
-            <a:outerShdw blurRad="55000" dist="18000" dir="5400000" algn="tl" rotWithShape="0">
-              <a:srgbClr val="000000">
-                <a:alpha val="40000"/>
-              </a:srgbClr>
-            </a:outerShdw>
-          </a:effectLst>
-          <a:scene3d>
-            <a:camera prst="orthographicFront"/>
-            <a:lightRig rig="twoPt" dir="t">
-              <a:rot lat="0" lon="0" rev="7200000"/>
-            </a:lightRig>
-          </a:scene3d>
-          <a:sp3d>
-            <a:bevelT w="25400" h="19050"/>
-            <a:contourClr>
-              <a:srgbClr val="FFFFFF"/>
-            </a:contourClr>
-          </a:sp3d>
-        </p:spPr>
-      </p:pic>
-      <p:pic>
-        <p:nvPicPr>
-          <p:cNvPr id="85" name="Google Shape;85;p17"/>
-          <p:cNvPicPr preferRelativeResize="0"/>
-          <p:nvPr/>
-        </p:nvPicPr>
-        <p:blipFill>
-          <a:blip r:embed="rId4">
-            <a:alphaModFix/>
-          </a:blip>
-          <a:stretch>
-            <a:fillRect/>
-          </a:stretch>
-        </p:blipFill>
-        <p:spPr>
-          <a:xfrm>
-            <a:off x="5704625" y="1200456"/>
-            <a:ext cx="2974701" cy="1896550"/>
-          </a:xfrm>
-          <a:prstGeom prst="rect">
-            <a:avLst/>
-          </a:prstGeom>
-          <a:solidFill>
-            <a:srgbClr val="FFFFFF">
-              <a:shade val="85000"/>
-            </a:srgbClr>
-          </a:solidFill>
-          <a:ln w="88900" cap="sq">
-            <a:solidFill>
-              <a:srgbClr val="FFFFFF"/>
-            </a:solidFill>
-            <a:miter lim="800000"/>
-          </a:ln>
-          <a:effectLst>
-            <a:outerShdw blurRad="55000" dist="18000" dir="5400000" algn="tl" rotWithShape="0">
-              <a:srgbClr val="000000">
-                <a:alpha val="40000"/>
-              </a:srgbClr>
-            </a:outerShdw>
-          </a:effectLst>
-          <a:scene3d>
-            <a:camera prst="orthographicFront"/>
-            <a:lightRig rig="twoPt" dir="t">
-              <a:rot lat="0" lon="0" rev="7200000"/>
-            </a:lightRig>
-          </a:scene3d>
-          <a:sp3d>
-            <a:bevelT w="25400" h="19050"/>
-            <a:contourClr>
-              <a:srgbClr val="FFFFFF"/>
-            </a:contourClr>
-          </a:sp3d>
-        </p:spPr>
-      </p:pic>
-      <p:pic>
-        <p:nvPicPr>
-          <p:cNvPr id="86" name="Google Shape;86;p17"/>
-          <p:cNvPicPr preferRelativeResize="0"/>
-          <p:nvPr/>
-        </p:nvPicPr>
-        <p:blipFill>
-          <a:blip r:embed="rId5">
-            <a:alphaModFix/>
-          </a:blip>
-          <a:stretch>
-            <a:fillRect/>
-          </a:stretch>
-        </p:blipFill>
-        <p:spPr>
-          <a:xfrm>
-            <a:off x="2847783" y="3302043"/>
-            <a:ext cx="3100148" cy="1703800"/>
-          </a:xfrm>
-          <a:prstGeom prst="rect">
-            <a:avLst/>
-          </a:prstGeom>
-          <a:solidFill>
-            <a:srgbClr val="FFFFFF">
-              <a:shade val="85000"/>
-            </a:srgbClr>
-          </a:solidFill>
-          <a:ln w="88900" cap="sq">
-            <a:solidFill>
-              <a:srgbClr val="FFFFFF"/>
-            </a:solidFill>
-            <a:miter lim="800000"/>
-          </a:ln>
-          <a:effectLst>
-            <a:outerShdw blurRad="55000" dist="18000" dir="5400000" algn="tl" rotWithShape="0">
-              <a:srgbClr val="000000">
-                <a:alpha val="40000"/>
-              </a:srgbClr>
-            </a:outerShdw>
-          </a:effectLst>
-          <a:scene3d>
-            <a:camera prst="orthographicFront"/>
-            <a:lightRig rig="twoPt" dir="t">
-              <a:rot lat="0" lon="0" rev="7200000"/>
-            </a:lightRig>
-          </a:scene3d>
-          <a:sp3d>
-            <a:bevelT w="25400" h="19050"/>
-            <a:contourClr>
-              <a:srgbClr val="FFFFFF"/>
-            </a:contourClr>
-          </a:sp3d>
-        </p:spPr>
-      </p:pic>
-      <p:sp>
-        <p:nvSpPr>
-          <p:cNvPr id="87" name="Google Shape;87;p17"/>
-          <p:cNvSpPr txBox="1"/>
-          <p:nvPr/>
-        </p:nvSpPr>
-        <p:spPr>
-          <a:xfrm>
-            <a:off x="697807" y="2565150"/>
-            <a:ext cx="1462500" cy="461700"/>
-          </a:xfrm>
-          <a:prstGeom prst="rect">
-            <a:avLst/>
-          </a:prstGeom>
-          <a:noFill/>
-          <a:ln>
-            <a:noFill/>
-          </a:ln>
-        </p:spPr>
-        <p:txBody>
-          <a:bodyPr spcFirstLastPara="1" wrap="square" lIns="91425" tIns="91425" rIns="91425" bIns="91425" anchor="t" anchorCtr="0">
-            <a:spAutoFit/>
-          </a:bodyPr>
-          <a:lstStyle/>
-          <a:p>
-            <a:pPr marL="0" lvl="0" indent="0" algn="l" rtl="0">
-              <a:spcBef>
-                <a:spcPts val="0"/>
-              </a:spcBef>
-              <a:spcAft>
-                <a:spcPts val="0"/>
-              </a:spcAft>
-              <a:buNone/>
-            </a:pPr>
-            <a:r>
-              <a:rPr lang="ru" sz="1800" dirty="0">
-                <a:latin typeface="+mn-lt"/>
-                <a:ea typeface="Montserrat Medium"/>
-                <a:cs typeface="Montserrat Medium"/>
-                <a:sym typeface="Montserrat Medium"/>
-              </a:rPr>
-              <a:t>a = 0,6</a:t>
-            </a:r>
-            <a:endParaRPr sz="1800" dirty="0">
-              <a:latin typeface="+mn-lt"/>
-              <a:ea typeface="Montserrat Medium"/>
-              <a:cs typeface="Montserrat Medium"/>
-              <a:sym typeface="Montserrat Medium"/>
-            </a:endParaRPr>
+            <a:r>
+              <a:rPr lang="ru-RU" dirty="0"/>
+              <a:t>Вставка</a:t>
+            </a:r>
+            <a:br>
+              <a:rPr lang="ru-RU" dirty="0"/>
+            </a:br>
+            <a:endParaRPr lang="ru-RU" dirty="0"/>
           </a:p>
         </p:txBody>
       </p:sp>
       <p:sp>
         <p:nvSpPr>
-          <p:cNvPr id="88" name="Google Shape;88;p17"/>
-          <p:cNvSpPr txBox="1"/>
-          <p:nvPr/>
+          <p:cNvPr id="3" name="Текст 2">
+            <a:extLst>
+              <a:ext uri="{FF2B5EF4-FFF2-40B4-BE49-F238E27FC236}">
+                <a16:creationId xmlns:a16="http://schemas.microsoft.com/office/drawing/2014/main" id="{46D58166-D8B2-D431-FD01-BE43BEE799AC}"/>
+              </a:ext>
+            </a:extLst>
+          </p:cNvPr>
+          <p:cNvSpPr>
+            <a:spLocks noGrp="1"/>
+          </p:cNvSpPr>
+          <p:nvPr>
+            <p:ph type="body" idx="1"/>
+          </p:nvPr>
         </p:nvSpPr>
-        <p:spPr>
-          <a:xfrm>
-            <a:off x="3014831" y="4544143"/>
-            <a:ext cx="1121400" cy="461700"/>
-          </a:xfrm>
-          <a:prstGeom prst="rect">
-            <a:avLst/>
-          </a:prstGeom>
-          <a:noFill/>
-          <a:ln>
-            <a:noFill/>
-          </a:ln>
-        </p:spPr>
+        <p:spPr/>
         <p:txBody>
-          <a:bodyPr spcFirstLastPara="1" wrap="square" lIns="91425" tIns="91425" rIns="91425" bIns="91425" anchor="t" anchorCtr="0">
-            <a:spAutoFit/>
+          <a:bodyPr>
+            <a:normAutofit fontScale="92500" lnSpcReduction="10000"/>
           </a:bodyPr>
           <a:lstStyle/>
           <a:p>
-            <a:pPr marL="0" lvl="0" indent="0" algn="l" rtl="0">
-              <a:spcBef>
-                <a:spcPts val="0"/>
-              </a:spcBef>
-              <a:spcAft>
-                <a:spcPts val="0"/>
+            <a:pPr indent="0" algn="just">
+              <a:lnSpc>
+                <a:spcPct val="130000"/>
+              </a:lnSpc>
+              <a:spcBef>
+                <a:spcPts val="600"/>
+              </a:spcBef>
+              <a:spcAft>
+                <a:spcPts val="100"/>
               </a:spcAft>
               <a:buNone/>
             </a:pPr>
             <a:r>
-              <a:rPr lang="ru" sz="1800" dirty="0">
-                <a:latin typeface="+mn-lt"/>
-                <a:ea typeface="Montserrat Medium"/>
-                <a:cs typeface="Montserrat Medium"/>
-                <a:sym typeface="Montserrat Medium"/>
+              <a:rPr lang="en-US" sz="1800" b="1" dirty="0">
+                <a:solidFill>
+                  <a:srgbClr val="222222"/>
+                </a:solidFill>
+                <a:effectLst/>
+                <a:latin typeface="Courier New" panose="02070309020205020404" pitchFamily="49" charset="0"/>
+                <a:ea typeface="Courier New" panose="02070309020205020404" pitchFamily="49" charset="0"/>
               </a:rPr>
-              <a:t>a = 0,57</a:t>
-            </a:r>
-            <a:endParaRPr sz="1800" dirty="0">
-              <a:latin typeface="+mn-lt"/>
-              <a:ea typeface="Montserrat Medium"/>
-              <a:cs typeface="Montserrat Medium"/>
-              <a:sym typeface="Montserrat Medium"/>
+              <a:t>Insert</a:t>
+            </a:r>
+            <a:r>
+              <a:rPr lang="en-US" sz="1800" dirty="0">
+                <a:solidFill>
+                  <a:srgbClr val="222222"/>
+                </a:solidFill>
+                <a:effectLst/>
+                <a:latin typeface="Courier New" panose="02070309020205020404" pitchFamily="49" charset="0"/>
+                <a:ea typeface="Courier New" panose="02070309020205020404" pitchFamily="49" charset="0"/>
+              </a:rPr>
+              <a:t>(k):</a:t>
+            </a:r>
+            <a:endParaRPr lang="ru-RU" sz="1800" dirty="0">
+              <a:solidFill>
+                <a:srgbClr val="222222"/>
+              </a:solidFill>
+              <a:effectLst/>
+              <a:latin typeface="Times New Roman" panose="02020603050405020304" pitchFamily="18" charset="0"/>
+              <a:ea typeface="Times New Roman" panose="02020603050405020304" pitchFamily="18" charset="0"/>
             </a:endParaRPr>
+          </a:p>
+          <a:p>
+            <a:pPr indent="0" algn="just">
+              <a:lnSpc>
+                <a:spcPct val="130000"/>
+              </a:lnSpc>
+              <a:spcBef>
+                <a:spcPts val="600"/>
+              </a:spcBef>
+              <a:spcAft>
+                <a:spcPts val="100"/>
+              </a:spcAft>
+              <a:buNone/>
+            </a:pPr>
+            <a:r>
+              <a:rPr lang="en-US" sz="1800" dirty="0">
+                <a:solidFill>
+                  <a:srgbClr val="222222"/>
+                </a:solidFill>
+                <a:effectLst/>
+                <a:latin typeface="Courier New" panose="02070309020205020404" pitchFamily="49" charset="0"/>
+                <a:ea typeface="Courier New" panose="02070309020205020404" pitchFamily="49" charset="0"/>
+              </a:rPr>
+              <a:t>  height = </a:t>
+            </a:r>
+            <a:r>
+              <a:rPr lang="en-US" sz="1800" dirty="0" err="1">
+                <a:solidFill>
+                  <a:srgbClr val="222222"/>
+                </a:solidFill>
+                <a:effectLst/>
+                <a:latin typeface="Courier New" panose="02070309020205020404" pitchFamily="49" charset="0"/>
+                <a:ea typeface="Courier New" panose="02070309020205020404" pitchFamily="49" charset="0"/>
+              </a:rPr>
+              <a:t>InsertKey</a:t>
+            </a:r>
+            <a:r>
+              <a:rPr lang="en-US" sz="1800" dirty="0">
+                <a:solidFill>
+                  <a:srgbClr val="222222"/>
+                </a:solidFill>
+                <a:effectLst/>
+                <a:latin typeface="Courier New" panose="02070309020205020404" pitchFamily="49" charset="0"/>
+                <a:ea typeface="Courier New" panose="02070309020205020404" pitchFamily="49" charset="0"/>
+              </a:rPr>
+              <a:t>(k)</a:t>
+            </a:r>
+            <a:endParaRPr lang="ru-RU" sz="1800" dirty="0">
+              <a:solidFill>
+                <a:srgbClr val="222222"/>
+              </a:solidFill>
+              <a:effectLst/>
+              <a:latin typeface="Times New Roman" panose="02020603050405020304" pitchFamily="18" charset="0"/>
+              <a:ea typeface="Times New Roman" panose="02020603050405020304" pitchFamily="18" charset="0"/>
+            </a:endParaRPr>
+          </a:p>
+          <a:p>
+            <a:pPr indent="0" algn="just">
+              <a:lnSpc>
+                <a:spcPct val="130000"/>
+              </a:lnSpc>
+              <a:spcBef>
+                <a:spcPts val="600"/>
+              </a:spcBef>
+              <a:spcAft>
+                <a:spcPts val="100"/>
+              </a:spcAft>
+              <a:buNone/>
+            </a:pPr>
+            <a:r>
+              <a:rPr lang="en-US" sz="1800" dirty="0">
+                <a:solidFill>
+                  <a:srgbClr val="222222"/>
+                </a:solidFill>
+                <a:effectLst/>
+                <a:latin typeface="Courier New" panose="02070309020205020404" pitchFamily="49" charset="0"/>
+                <a:ea typeface="Courier New" panose="02070309020205020404" pitchFamily="49" charset="0"/>
+              </a:rPr>
+              <a:t>  </a:t>
+            </a:r>
+            <a:r>
+              <a:rPr lang="en-US" sz="1800" b="1" dirty="0">
+                <a:solidFill>
+                  <a:srgbClr val="222222"/>
+                </a:solidFill>
+                <a:effectLst/>
+                <a:latin typeface="Courier New" panose="02070309020205020404" pitchFamily="49" charset="0"/>
+                <a:ea typeface="Courier New" panose="02070309020205020404" pitchFamily="49" charset="0"/>
+              </a:rPr>
+              <a:t>if</a:t>
+            </a:r>
+            <a:r>
+              <a:rPr lang="en-US" sz="1800" dirty="0">
+                <a:solidFill>
+                  <a:srgbClr val="222222"/>
+                </a:solidFill>
+                <a:effectLst/>
+                <a:latin typeface="Courier New" panose="02070309020205020404" pitchFamily="49" charset="0"/>
+                <a:ea typeface="Gungsuh" panose="02030600000101010101" pitchFamily="18" charset="-127"/>
+              </a:rPr>
+              <a:t> height = −1:</a:t>
+            </a:r>
+            <a:endParaRPr lang="ru-RU" sz="1800" dirty="0">
+              <a:solidFill>
+                <a:srgbClr val="222222"/>
+              </a:solidFill>
+              <a:effectLst/>
+              <a:latin typeface="Times New Roman" panose="02020603050405020304" pitchFamily="18" charset="0"/>
+              <a:ea typeface="Times New Roman" panose="02020603050405020304" pitchFamily="18" charset="0"/>
+            </a:endParaRPr>
+          </a:p>
+          <a:p>
+            <a:pPr indent="0" algn="just">
+              <a:lnSpc>
+                <a:spcPct val="130000"/>
+              </a:lnSpc>
+              <a:spcBef>
+                <a:spcPts val="600"/>
+              </a:spcBef>
+              <a:spcAft>
+                <a:spcPts val="100"/>
+              </a:spcAft>
+              <a:buNone/>
+            </a:pPr>
+            <a:r>
+              <a:rPr lang="en-US" sz="1800" dirty="0">
+                <a:solidFill>
+                  <a:srgbClr val="222222"/>
+                </a:solidFill>
+                <a:effectLst/>
+                <a:latin typeface="Courier New" panose="02070309020205020404" pitchFamily="49" charset="0"/>
+                <a:ea typeface="Courier New" panose="02070309020205020404" pitchFamily="49" charset="0"/>
+              </a:rPr>
+              <a:t>     </a:t>
+            </a:r>
+            <a:r>
+              <a:rPr lang="en-US" sz="1800" b="1" dirty="0">
+                <a:solidFill>
+                  <a:srgbClr val="222222"/>
+                </a:solidFill>
+                <a:effectLst/>
+                <a:latin typeface="Courier New" panose="02070309020205020404" pitchFamily="49" charset="0"/>
+                <a:ea typeface="Courier New" panose="02070309020205020404" pitchFamily="49" charset="0"/>
+              </a:rPr>
+              <a:t>return</a:t>
+            </a:r>
+            <a:r>
+              <a:rPr lang="en-US" sz="1800" dirty="0">
+                <a:solidFill>
+                  <a:srgbClr val="222222"/>
+                </a:solidFill>
+                <a:effectLst/>
+                <a:latin typeface="Courier New" panose="02070309020205020404" pitchFamily="49" charset="0"/>
+                <a:ea typeface="Courier New" panose="02070309020205020404" pitchFamily="49" charset="0"/>
+              </a:rPr>
+              <a:t> false;</a:t>
+            </a:r>
+            <a:endParaRPr lang="ru-RU" sz="1800" dirty="0">
+              <a:solidFill>
+                <a:srgbClr val="222222"/>
+              </a:solidFill>
+              <a:effectLst/>
+              <a:latin typeface="Times New Roman" panose="02020603050405020304" pitchFamily="18" charset="0"/>
+              <a:ea typeface="Times New Roman" panose="02020603050405020304" pitchFamily="18" charset="0"/>
+            </a:endParaRPr>
+          </a:p>
+          <a:p>
+            <a:pPr indent="0" algn="just">
+              <a:lnSpc>
+                <a:spcPct val="130000"/>
+              </a:lnSpc>
+              <a:spcBef>
+                <a:spcPts val="600"/>
+              </a:spcBef>
+              <a:spcAft>
+                <a:spcPts val="100"/>
+              </a:spcAft>
+              <a:buNone/>
+            </a:pPr>
+            <a:r>
+              <a:rPr lang="en-US" sz="1800" dirty="0">
+                <a:solidFill>
+                  <a:srgbClr val="222222"/>
+                </a:solidFill>
+                <a:effectLst/>
+                <a:latin typeface="Courier New" panose="02070309020205020404" pitchFamily="49" charset="0"/>
+                <a:ea typeface="Courier New" panose="02070309020205020404" pitchFamily="49" charset="0"/>
+              </a:rPr>
+              <a:t>  </a:t>
+            </a:r>
+            <a:r>
+              <a:rPr lang="en-US" sz="1800" b="1" dirty="0">
+                <a:solidFill>
+                  <a:srgbClr val="222222"/>
+                </a:solidFill>
+                <a:effectLst/>
+                <a:latin typeface="Courier New" panose="02070309020205020404" pitchFamily="49" charset="0"/>
+                <a:ea typeface="Courier New" panose="02070309020205020404" pitchFamily="49" charset="0"/>
+              </a:rPr>
+              <a:t>else if</a:t>
+            </a:r>
+            <a:r>
+              <a:rPr lang="en-US" sz="1800" dirty="0">
+                <a:solidFill>
+                  <a:srgbClr val="222222"/>
+                </a:solidFill>
+                <a:effectLst/>
+                <a:latin typeface="Courier New" panose="02070309020205020404" pitchFamily="49" charset="0"/>
+                <a:ea typeface="Courier New" panose="02070309020205020404" pitchFamily="49" charset="0"/>
+              </a:rPr>
+              <a:t> height &gt; </a:t>
+            </a:r>
+            <a:r>
+              <a:rPr lang="en-US" sz="1800" dirty="0" err="1">
+                <a:solidFill>
+                  <a:srgbClr val="222222"/>
+                </a:solidFill>
+                <a:effectLst/>
+                <a:latin typeface="Courier New" panose="02070309020205020404" pitchFamily="49" charset="0"/>
+                <a:ea typeface="Courier New" panose="02070309020205020404" pitchFamily="49" charset="0"/>
+              </a:rPr>
+              <a:t>T.h</a:t>
+            </a:r>
+            <a:r>
+              <a:rPr lang="ru-RU" sz="1800" dirty="0">
+                <a:solidFill>
+                  <a:srgbClr val="222222"/>
+                </a:solidFill>
+                <a:effectLst/>
+                <a:latin typeface="Courier New" panose="02070309020205020404" pitchFamily="49" charset="0"/>
+                <a:ea typeface="Courier New" panose="02070309020205020404" pitchFamily="49" charset="0"/>
+              </a:rPr>
+              <a:t>α</a:t>
+            </a:r>
+            <a:r>
+              <a:rPr lang="en-US" sz="1800" dirty="0">
+                <a:solidFill>
+                  <a:srgbClr val="222222"/>
+                </a:solidFill>
+                <a:effectLst/>
+                <a:latin typeface="Courier New" panose="02070309020205020404" pitchFamily="49" charset="0"/>
+                <a:ea typeface="Courier New" panose="02070309020205020404" pitchFamily="49" charset="0"/>
+              </a:rPr>
+              <a:t>:</a:t>
+            </a:r>
+            <a:endParaRPr lang="ru-RU" sz="1800" dirty="0">
+              <a:solidFill>
+                <a:srgbClr val="222222"/>
+              </a:solidFill>
+              <a:effectLst/>
+              <a:latin typeface="Times New Roman" panose="02020603050405020304" pitchFamily="18" charset="0"/>
+              <a:ea typeface="Times New Roman" panose="02020603050405020304" pitchFamily="18" charset="0"/>
+            </a:endParaRPr>
+          </a:p>
+          <a:p>
+            <a:pPr indent="0" algn="just">
+              <a:lnSpc>
+                <a:spcPct val="130000"/>
+              </a:lnSpc>
+              <a:spcBef>
+                <a:spcPts val="600"/>
+              </a:spcBef>
+              <a:spcAft>
+                <a:spcPts val="100"/>
+              </a:spcAft>
+              <a:buNone/>
+            </a:pPr>
+            <a:r>
+              <a:rPr lang="en-US" sz="1800" dirty="0">
+                <a:solidFill>
+                  <a:srgbClr val="222222"/>
+                </a:solidFill>
+                <a:effectLst/>
+                <a:latin typeface="Courier New" panose="02070309020205020404" pitchFamily="49" charset="0"/>
+                <a:ea typeface="Courier New" panose="02070309020205020404" pitchFamily="49" charset="0"/>
+              </a:rPr>
+              <a:t>     scapegoat = </a:t>
+            </a:r>
+            <a:r>
+              <a:rPr lang="en-US" sz="1800" b="1" dirty="0" err="1">
+                <a:solidFill>
+                  <a:srgbClr val="222222"/>
+                </a:solidFill>
+                <a:effectLst/>
+                <a:latin typeface="Courier New" panose="02070309020205020404" pitchFamily="49" charset="0"/>
+                <a:ea typeface="Courier New" panose="02070309020205020404" pitchFamily="49" charset="0"/>
+              </a:rPr>
+              <a:t>FindScapegoat</a:t>
+            </a:r>
+            <a:r>
+              <a:rPr lang="en-US" sz="1800" dirty="0">
+                <a:solidFill>
+                  <a:srgbClr val="222222"/>
+                </a:solidFill>
+                <a:effectLst/>
+                <a:latin typeface="Courier New" panose="02070309020205020404" pitchFamily="49" charset="0"/>
+                <a:ea typeface="Courier New" panose="02070309020205020404" pitchFamily="49" charset="0"/>
+              </a:rPr>
+              <a:t>(Search(</a:t>
+            </a:r>
+            <a:r>
+              <a:rPr lang="en-US" sz="1800" dirty="0" err="1">
+                <a:solidFill>
+                  <a:srgbClr val="222222"/>
+                </a:solidFill>
+                <a:effectLst/>
+                <a:latin typeface="Courier New" panose="02070309020205020404" pitchFamily="49" charset="0"/>
+                <a:ea typeface="Courier New" panose="02070309020205020404" pitchFamily="49" charset="0"/>
+              </a:rPr>
+              <a:t>T.root</a:t>
+            </a:r>
+            <a:r>
+              <a:rPr lang="en-US" sz="1800" dirty="0">
+                <a:solidFill>
+                  <a:srgbClr val="222222"/>
+                </a:solidFill>
+                <a:effectLst/>
+                <a:latin typeface="Courier New" panose="02070309020205020404" pitchFamily="49" charset="0"/>
+                <a:ea typeface="Courier New" panose="02070309020205020404" pitchFamily="49" charset="0"/>
+              </a:rPr>
+              <a:t>, k))</a:t>
+            </a:r>
+            <a:endParaRPr lang="ru-RU" sz="1800" dirty="0">
+              <a:solidFill>
+                <a:srgbClr val="222222"/>
+              </a:solidFill>
+              <a:effectLst/>
+              <a:latin typeface="Times New Roman" panose="02020603050405020304" pitchFamily="18" charset="0"/>
+              <a:ea typeface="Times New Roman" panose="02020603050405020304" pitchFamily="18" charset="0"/>
+            </a:endParaRPr>
+          </a:p>
+          <a:p>
+            <a:pPr indent="0" algn="just">
+              <a:lnSpc>
+                <a:spcPct val="130000"/>
+              </a:lnSpc>
+              <a:spcBef>
+                <a:spcPts val="600"/>
+              </a:spcBef>
+              <a:spcAft>
+                <a:spcPts val="100"/>
+              </a:spcAft>
+              <a:buNone/>
+            </a:pPr>
+            <a:r>
+              <a:rPr lang="en-US" sz="1800" dirty="0">
+                <a:solidFill>
+                  <a:srgbClr val="222222"/>
+                </a:solidFill>
+                <a:effectLst/>
+                <a:latin typeface="Courier New" panose="02070309020205020404" pitchFamily="49" charset="0"/>
+                <a:ea typeface="Courier New" panose="02070309020205020404" pitchFamily="49" charset="0"/>
+              </a:rPr>
+              <a:t>     </a:t>
+            </a:r>
+            <a:r>
+              <a:rPr lang="en-US" sz="1800" b="1" dirty="0" err="1">
+                <a:solidFill>
+                  <a:srgbClr val="222222"/>
+                </a:solidFill>
+                <a:effectLst/>
+                <a:latin typeface="Courier New" panose="02070309020205020404" pitchFamily="49" charset="0"/>
+                <a:ea typeface="Courier New" panose="02070309020205020404" pitchFamily="49" charset="0"/>
+              </a:rPr>
+              <a:t>RebuildTree</a:t>
+            </a:r>
+            <a:r>
+              <a:rPr lang="en-US" sz="1800" dirty="0">
+                <a:solidFill>
+                  <a:srgbClr val="222222"/>
+                </a:solidFill>
+                <a:effectLst/>
+                <a:latin typeface="Courier New" panose="02070309020205020404" pitchFamily="49" charset="0"/>
+                <a:ea typeface="Courier New" panose="02070309020205020404" pitchFamily="49" charset="0"/>
+              </a:rPr>
+              <a:t>(</a:t>
+            </a:r>
+            <a:r>
+              <a:rPr lang="en-US" sz="1800" dirty="0" err="1">
+                <a:solidFill>
+                  <a:srgbClr val="222222"/>
+                </a:solidFill>
+                <a:effectLst/>
+                <a:latin typeface="Courier New" panose="02070309020205020404" pitchFamily="49" charset="0"/>
+                <a:ea typeface="Courier New" panose="02070309020205020404" pitchFamily="49" charset="0"/>
+              </a:rPr>
+              <a:t>n.size</a:t>
+            </a:r>
+            <a:r>
+              <a:rPr lang="en-US" sz="1800" dirty="0">
+                <a:solidFill>
+                  <a:srgbClr val="222222"/>
+                </a:solidFill>
+                <a:effectLst/>
+                <a:latin typeface="Courier New" panose="02070309020205020404" pitchFamily="49" charset="0"/>
+                <a:ea typeface="Courier New" panose="02070309020205020404" pitchFamily="49" charset="0"/>
+              </a:rPr>
+              <a:t>(), scapegoat)</a:t>
+            </a:r>
+            <a:endParaRPr lang="ru-RU" sz="1800" dirty="0">
+              <a:solidFill>
+                <a:srgbClr val="222222"/>
+              </a:solidFill>
+              <a:effectLst/>
+              <a:latin typeface="Times New Roman" panose="02020603050405020304" pitchFamily="18" charset="0"/>
+              <a:ea typeface="Times New Roman" panose="02020603050405020304" pitchFamily="18" charset="0"/>
+            </a:endParaRPr>
+          </a:p>
+          <a:p>
+            <a:pPr indent="0" algn="just">
+              <a:lnSpc>
+                <a:spcPct val="130000"/>
+              </a:lnSpc>
+              <a:spcBef>
+                <a:spcPts val="600"/>
+              </a:spcBef>
+              <a:spcAft>
+                <a:spcPts val="100"/>
+              </a:spcAft>
+              <a:buNone/>
+            </a:pPr>
+            <a:r>
+              <a:rPr lang="en-US" sz="1800" dirty="0">
+                <a:solidFill>
+                  <a:srgbClr val="222222"/>
+                </a:solidFill>
+                <a:effectLst/>
+                <a:latin typeface="Courier New" panose="02070309020205020404" pitchFamily="49" charset="0"/>
+                <a:ea typeface="Courier New" panose="02070309020205020404" pitchFamily="49" charset="0"/>
+              </a:rPr>
+              <a:t>  </a:t>
+            </a:r>
+            <a:r>
+              <a:rPr lang="en-US" sz="1800" b="1" dirty="0">
+                <a:solidFill>
+                  <a:srgbClr val="222222"/>
+                </a:solidFill>
+                <a:effectLst/>
+                <a:latin typeface="Courier New" panose="02070309020205020404" pitchFamily="49" charset="0"/>
+                <a:ea typeface="Courier New" panose="02070309020205020404" pitchFamily="49" charset="0"/>
+              </a:rPr>
+              <a:t>return</a:t>
+            </a:r>
+            <a:r>
+              <a:rPr lang="en-US" sz="1800" dirty="0">
+                <a:solidFill>
+                  <a:srgbClr val="222222"/>
+                </a:solidFill>
+                <a:effectLst/>
+                <a:latin typeface="Courier New" panose="02070309020205020404" pitchFamily="49" charset="0"/>
+                <a:ea typeface="Courier New" panose="02070309020205020404" pitchFamily="49" charset="0"/>
+              </a:rPr>
+              <a:t> true</a:t>
+            </a:r>
+            <a:endParaRPr lang="ru-RU" sz="1800" dirty="0">
+              <a:solidFill>
+                <a:srgbClr val="222222"/>
+              </a:solidFill>
+              <a:effectLst/>
+              <a:latin typeface="Times New Roman" panose="02020603050405020304" pitchFamily="18" charset="0"/>
+              <a:ea typeface="Times New Roman" panose="02020603050405020304" pitchFamily="18" charset="0"/>
+            </a:endParaRPr>
+          </a:p>
+          <a:p>
+            <a:endParaRPr lang="ru-RU" dirty="0"/>
           </a:p>
         </p:txBody>
       </p:sp>
       <p:sp>
         <p:nvSpPr>
-          <p:cNvPr id="89" name="Google Shape;89;p17"/>
-          <p:cNvSpPr txBox="1"/>
-          <p:nvPr/>
-        </p:nvSpPr>
-        <p:spPr>
-          <a:xfrm>
-            <a:off x="5810850" y="2653356"/>
-            <a:ext cx="1145700" cy="461700"/>
-          </a:xfrm>
-          <a:prstGeom prst="rect">
-            <a:avLst/>
-          </a:prstGeom>
-          <a:noFill/>
-          <a:ln>
-            <a:noFill/>
-          </a:ln>
-        </p:spPr>
-        <p:txBody>
-          <a:bodyPr spcFirstLastPara="1" wrap="square" lIns="91425" tIns="91425" rIns="91425" bIns="91425" anchor="t" anchorCtr="0">
-            <a:spAutoFit/>
-          </a:bodyPr>
-          <a:lstStyle/>
-          <a:p>
-            <a:pPr marL="0" lvl="0" indent="0" algn="l" rtl="0">
-              <a:spcBef>
-                <a:spcPts val="0"/>
-              </a:spcBef>
-              <a:spcAft>
-                <a:spcPts val="0"/>
-              </a:spcAft>
-              <a:buNone/>
-            </a:pPr>
-            <a:r>
-              <a:rPr lang="ru" sz="1800" dirty="0">
-                <a:latin typeface="+mn-lt"/>
-                <a:ea typeface="Montserrat Medium"/>
-                <a:cs typeface="Montserrat Medium"/>
-                <a:sym typeface="Montserrat Medium"/>
-              </a:rPr>
-              <a:t>a = 0,55</a:t>
-            </a:r>
-            <a:endParaRPr sz="1800" dirty="0">
-              <a:latin typeface="+mn-lt"/>
-              <a:ea typeface="Montserrat Medium"/>
-              <a:cs typeface="Montserrat Medium"/>
-              <a:sym typeface="Montserrat Medium"/>
-            </a:endParaRPr>
-          </a:p>
-        </p:txBody>
-      </p:sp>
-      <p:sp>
-        <p:nvSpPr>
-          <p:cNvPr id="2" name="Номер слайда 1">
+          <p:cNvPr id="4" name="Номер слайда 3">
             <a:extLst>
               <a:ext uri="{FF2B5EF4-FFF2-40B4-BE49-F238E27FC236}">
-                <a16:creationId xmlns:a16="http://schemas.microsoft.com/office/drawing/2014/main" id="{9F93F732-BEE8-F71E-36BD-D269A4DA560D}"/>
+                <a16:creationId xmlns:a16="http://schemas.microsoft.com/office/drawing/2014/main" id="{735536A6-CAC2-8D31-F4CC-F9C99D28E7BB}"/>
               </a:ext>
             </a:extLst>
           </p:cNvPr>
@@ -10845,6 +10951,11 @@
         </p:txBody>
       </p:sp>
     </p:spTree>
+    <p:extLst>
+      <p:ext uri="{BB962C8B-B14F-4D97-AF65-F5344CB8AC3E}">
+        <p14:creationId xmlns:p14="http://schemas.microsoft.com/office/powerpoint/2010/main" val="2720799423"/>
+      </p:ext>
+    </p:extLst>
   </p:cSld>
   <p:clrMapOvr>
     <a:masterClrMapping/>
@@ -10853,6 +10964,1088 @@
 </file>
 
 <file path=ppt/slides/slide6.xml><?xml version="1.0" encoding="utf-8"?>
+<p:sld xmlns:a="http://schemas.openxmlformats.org/drawingml/2006/main" xmlns:r="http://schemas.openxmlformats.org/officeDocument/2006/relationships" xmlns:p="http://schemas.openxmlformats.org/presentationml/2006/main">
+  <p:cSld>
+    <p:spTree>
+      <p:nvGrpSpPr>
+        <p:cNvPr id="1" name=""/>
+        <p:cNvGrpSpPr/>
+        <p:nvPr/>
+      </p:nvGrpSpPr>
+      <p:grpSpPr>
+        <a:xfrm>
+          <a:off x="0" y="0"/>
+          <a:ext cx="0" cy="0"/>
+          <a:chOff x="0" y="0"/>
+          <a:chExt cx="0" cy="0"/>
+        </a:xfrm>
+      </p:grpSpPr>
+      <p:sp>
+        <p:nvSpPr>
+          <p:cNvPr id="2" name="Заголовок 1">
+            <a:extLst>
+              <a:ext uri="{FF2B5EF4-FFF2-40B4-BE49-F238E27FC236}">
+                <a16:creationId xmlns:a16="http://schemas.microsoft.com/office/drawing/2014/main" id="{B05A574B-1889-6856-5E2D-1DE463C493A9}"/>
+              </a:ext>
+            </a:extLst>
+          </p:cNvPr>
+          <p:cNvSpPr>
+            <a:spLocks noGrp="1"/>
+          </p:cNvSpPr>
+          <p:nvPr>
+            <p:ph type="title"/>
+          </p:nvPr>
+        </p:nvSpPr>
+        <p:spPr/>
+        <p:txBody>
+          <a:bodyPr>
+            <a:normAutofit fontScale="90000"/>
+          </a:bodyPr>
+          <a:lstStyle/>
+          <a:p>
+            <a:r>
+              <a:rPr lang="ru-RU" dirty="0"/>
+              <a:t>Поиск</a:t>
+            </a:r>
+          </a:p>
+        </p:txBody>
+      </p:sp>
+      <p:sp>
+        <p:nvSpPr>
+          <p:cNvPr id="3" name="Текст 2">
+            <a:extLst>
+              <a:ext uri="{FF2B5EF4-FFF2-40B4-BE49-F238E27FC236}">
+                <a16:creationId xmlns:a16="http://schemas.microsoft.com/office/drawing/2014/main" id="{9E6187AB-AA2E-3179-5661-AFBD96FC6681}"/>
+              </a:ext>
+            </a:extLst>
+          </p:cNvPr>
+          <p:cNvSpPr>
+            <a:spLocks noGrp="1"/>
+          </p:cNvSpPr>
+          <p:nvPr>
+            <p:ph type="body" idx="1"/>
+          </p:nvPr>
+        </p:nvSpPr>
+        <p:spPr/>
+        <p:txBody>
+          <a:bodyPr/>
+          <a:lstStyle/>
+          <a:p>
+            <a:pPr indent="0" algn="just">
+              <a:lnSpc>
+                <a:spcPct val="130000"/>
+              </a:lnSpc>
+              <a:spcBef>
+                <a:spcPts val="600"/>
+              </a:spcBef>
+              <a:spcAft>
+                <a:spcPts val="100"/>
+              </a:spcAft>
+              <a:buNone/>
+            </a:pPr>
+            <a:r>
+              <a:rPr lang="en-US" sz="1800" b="1" dirty="0">
+                <a:solidFill>
+                  <a:srgbClr val="222222"/>
+                </a:solidFill>
+                <a:effectLst/>
+                <a:latin typeface="Courier New" panose="02070309020205020404" pitchFamily="49" charset="0"/>
+                <a:ea typeface="Courier New" panose="02070309020205020404" pitchFamily="49" charset="0"/>
+              </a:rPr>
+              <a:t>Search</a:t>
+            </a:r>
+            <a:r>
+              <a:rPr lang="en-US" sz="1800" dirty="0">
+                <a:solidFill>
+                  <a:srgbClr val="222222"/>
+                </a:solidFill>
+                <a:effectLst/>
+                <a:latin typeface="Courier New" panose="02070309020205020404" pitchFamily="49" charset="0"/>
+                <a:ea typeface="Courier New" panose="02070309020205020404" pitchFamily="49" charset="0"/>
+              </a:rPr>
+              <a:t>(root, k):</a:t>
+            </a:r>
+            <a:endParaRPr lang="ru-RU" sz="1800" dirty="0">
+              <a:solidFill>
+                <a:srgbClr val="222222"/>
+              </a:solidFill>
+              <a:effectLst/>
+              <a:latin typeface="Times New Roman" panose="02020603050405020304" pitchFamily="18" charset="0"/>
+              <a:ea typeface="Times New Roman" panose="02020603050405020304" pitchFamily="18" charset="0"/>
+            </a:endParaRPr>
+          </a:p>
+          <a:p>
+            <a:pPr indent="0" algn="just">
+              <a:lnSpc>
+                <a:spcPct val="130000"/>
+              </a:lnSpc>
+              <a:spcBef>
+                <a:spcPts val="600"/>
+              </a:spcBef>
+              <a:spcAft>
+                <a:spcPts val="100"/>
+              </a:spcAft>
+              <a:buNone/>
+            </a:pPr>
+            <a:r>
+              <a:rPr lang="en-US" sz="1800" dirty="0">
+                <a:solidFill>
+                  <a:srgbClr val="222222"/>
+                </a:solidFill>
+                <a:effectLst/>
+                <a:latin typeface="Courier New" panose="02070309020205020404" pitchFamily="49" charset="0"/>
+                <a:ea typeface="Courier New" panose="02070309020205020404" pitchFamily="49" charset="0"/>
+              </a:rPr>
+              <a:t>  </a:t>
+            </a:r>
+            <a:r>
+              <a:rPr lang="en-US" sz="1800" b="1" dirty="0">
+                <a:solidFill>
+                  <a:srgbClr val="222222"/>
+                </a:solidFill>
+                <a:effectLst/>
+                <a:latin typeface="Courier New" panose="02070309020205020404" pitchFamily="49" charset="0"/>
+                <a:ea typeface="Courier New" panose="02070309020205020404" pitchFamily="49" charset="0"/>
+              </a:rPr>
+              <a:t>if </a:t>
+            </a:r>
+            <a:r>
+              <a:rPr lang="en-US" sz="1800" dirty="0">
+                <a:solidFill>
+                  <a:srgbClr val="222222"/>
+                </a:solidFill>
+                <a:effectLst/>
+                <a:latin typeface="Courier New" panose="02070309020205020404" pitchFamily="49" charset="0"/>
+                <a:ea typeface="Courier New" panose="02070309020205020404" pitchFamily="49" charset="0"/>
+              </a:rPr>
+              <a:t>root = null or </a:t>
+            </a:r>
+            <a:r>
+              <a:rPr lang="en-US" sz="1800" dirty="0" err="1">
+                <a:solidFill>
+                  <a:srgbClr val="222222"/>
+                </a:solidFill>
+                <a:effectLst/>
+                <a:latin typeface="Courier New" panose="02070309020205020404" pitchFamily="49" charset="0"/>
+                <a:ea typeface="Courier New" panose="02070309020205020404" pitchFamily="49" charset="0"/>
+              </a:rPr>
+              <a:t>root.key</a:t>
+            </a:r>
+            <a:r>
+              <a:rPr lang="en-US" sz="1800" dirty="0">
+                <a:solidFill>
+                  <a:srgbClr val="222222"/>
+                </a:solidFill>
+                <a:effectLst/>
+                <a:latin typeface="Courier New" panose="02070309020205020404" pitchFamily="49" charset="0"/>
+                <a:ea typeface="Courier New" panose="02070309020205020404" pitchFamily="49" charset="0"/>
+              </a:rPr>
+              <a:t> = k:</a:t>
+            </a:r>
+            <a:endParaRPr lang="ru-RU" sz="1800" dirty="0">
+              <a:solidFill>
+                <a:srgbClr val="222222"/>
+              </a:solidFill>
+              <a:effectLst/>
+              <a:latin typeface="Times New Roman" panose="02020603050405020304" pitchFamily="18" charset="0"/>
+              <a:ea typeface="Times New Roman" panose="02020603050405020304" pitchFamily="18" charset="0"/>
+            </a:endParaRPr>
+          </a:p>
+          <a:p>
+            <a:pPr indent="0" algn="just">
+              <a:lnSpc>
+                <a:spcPct val="130000"/>
+              </a:lnSpc>
+              <a:spcBef>
+                <a:spcPts val="600"/>
+              </a:spcBef>
+              <a:spcAft>
+                <a:spcPts val="100"/>
+              </a:spcAft>
+              <a:buNone/>
+            </a:pPr>
+            <a:r>
+              <a:rPr lang="en-US" sz="1800" dirty="0">
+                <a:solidFill>
+                  <a:srgbClr val="222222"/>
+                </a:solidFill>
+                <a:effectLst/>
+                <a:latin typeface="Courier New" panose="02070309020205020404" pitchFamily="49" charset="0"/>
+                <a:ea typeface="Courier New" panose="02070309020205020404" pitchFamily="49" charset="0"/>
+              </a:rPr>
+              <a:t>     </a:t>
+            </a:r>
+            <a:r>
+              <a:rPr lang="en-US" sz="1800" b="1" dirty="0">
+                <a:solidFill>
+                  <a:srgbClr val="222222"/>
+                </a:solidFill>
+                <a:effectLst/>
+                <a:latin typeface="Courier New" panose="02070309020205020404" pitchFamily="49" charset="0"/>
+                <a:ea typeface="Courier New" panose="02070309020205020404" pitchFamily="49" charset="0"/>
+              </a:rPr>
+              <a:t>return </a:t>
+            </a:r>
+            <a:r>
+              <a:rPr lang="en-US" sz="1800" dirty="0">
+                <a:solidFill>
+                  <a:srgbClr val="222222"/>
+                </a:solidFill>
+                <a:effectLst/>
+                <a:latin typeface="Courier New" panose="02070309020205020404" pitchFamily="49" charset="0"/>
+                <a:ea typeface="Courier New" panose="02070309020205020404" pitchFamily="49" charset="0"/>
+              </a:rPr>
+              <a:t>root</a:t>
+            </a:r>
+            <a:endParaRPr lang="ru-RU" sz="1800" dirty="0">
+              <a:solidFill>
+                <a:srgbClr val="222222"/>
+              </a:solidFill>
+              <a:effectLst/>
+              <a:latin typeface="Times New Roman" panose="02020603050405020304" pitchFamily="18" charset="0"/>
+              <a:ea typeface="Times New Roman" panose="02020603050405020304" pitchFamily="18" charset="0"/>
+            </a:endParaRPr>
+          </a:p>
+          <a:p>
+            <a:pPr indent="0" algn="just">
+              <a:lnSpc>
+                <a:spcPct val="130000"/>
+              </a:lnSpc>
+              <a:spcBef>
+                <a:spcPts val="600"/>
+              </a:spcBef>
+              <a:spcAft>
+                <a:spcPts val="100"/>
+              </a:spcAft>
+              <a:buNone/>
+            </a:pPr>
+            <a:r>
+              <a:rPr lang="en-US" sz="1800" dirty="0">
+                <a:solidFill>
+                  <a:srgbClr val="222222"/>
+                </a:solidFill>
+                <a:effectLst/>
+                <a:latin typeface="Courier New" panose="02070309020205020404" pitchFamily="49" charset="0"/>
+                <a:ea typeface="Courier New" panose="02070309020205020404" pitchFamily="49" charset="0"/>
+              </a:rPr>
+              <a:t>  </a:t>
+            </a:r>
+            <a:r>
+              <a:rPr lang="en-US" sz="1800" b="1" dirty="0">
+                <a:solidFill>
+                  <a:srgbClr val="222222"/>
+                </a:solidFill>
+                <a:effectLst/>
+                <a:latin typeface="Courier New" panose="02070309020205020404" pitchFamily="49" charset="0"/>
+                <a:ea typeface="Courier New" panose="02070309020205020404" pitchFamily="49" charset="0"/>
+              </a:rPr>
+              <a:t>else if </a:t>
+            </a:r>
+            <a:r>
+              <a:rPr lang="en-US" sz="1800" dirty="0">
+                <a:solidFill>
+                  <a:srgbClr val="222222"/>
+                </a:solidFill>
+                <a:effectLst/>
+                <a:latin typeface="Courier New" panose="02070309020205020404" pitchFamily="49" charset="0"/>
+                <a:ea typeface="Gungsuh" panose="02030600000101010101" pitchFamily="18" charset="-127"/>
+              </a:rPr>
+              <a:t>k ≤ </a:t>
+            </a:r>
+            <a:r>
+              <a:rPr lang="en-US" sz="1800" dirty="0" err="1">
+                <a:solidFill>
+                  <a:srgbClr val="222222"/>
+                </a:solidFill>
+                <a:effectLst/>
+                <a:latin typeface="Courier New" panose="02070309020205020404" pitchFamily="49" charset="0"/>
+                <a:ea typeface="Gungsuh" panose="02030600000101010101" pitchFamily="18" charset="-127"/>
+              </a:rPr>
+              <a:t>root.left.key</a:t>
+            </a:r>
+            <a:r>
+              <a:rPr lang="en-US" sz="1800" dirty="0">
+                <a:solidFill>
+                  <a:srgbClr val="222222"/>
+                </a:solidFill>
+                <a:effectLst/>
+                <a:latin typeface="Courier New" panose="02070309020205020404" pitchFamily="49" charset="0"/>
+                <a:ea typeface="Gungsuh" panose="02030600000101010101" pitchFamily="18" charset="-127"/>
+              </a:rPr>
+              <a:t>:</a:t>
+            </a:r>
+            <a:endParaRPr lang="ru-RU" sz="1800" dirty="0">
+              <a:solidFill>
+                <a:srgbClr val="222222"/>
+              </a:solidFill>
+              <a:effectLst/>
+              <a:latin typeface="Times New Roman" panose="02020603050405020304" pitchFamily="18" charset="0"/>
+              <a:ea typeface="Times New Roman" panose="02020603050405020304" pitchFamily="18" charset="0"/>
+            </a:endParaRPr>
+          </a:p>
+          <a:p>
+            <a:pPr indent="0" algn="just">
+              <a:lnSpc>
+                <a:spcPct val="130000"/>
+              </a:lnSpc>
+              <a:spcBef>
+                <a:spcPts val="600"/>
+              </a:spcBef>
+              <a:spcAft>
+                <a:spcPts val="100"/>
+              </a:spcAft>
+              <a:buNone/>
+            </a:pPr>
+            <a:r>
+              <a:rPr lang="en-US" sz="1800" dirty="0">
+                <a:solidFill>
+                  <a:srgbClr val="222222"/>
+                </a:solidFill>
+                <a:effectLst/>
+                <a:latin typeface="Courier New" panose="02070309020205020404" pitchFamily="49" charset="0"/>
+                <a:ea typeface="Courier New" panose="02070309020205020404" pitchFamily="49" charset="0"/>
+              </a:rPr>
+              <a:t>     </a:t>
+            </a:r>
+            <a:r>
+              <a:rPr lang="en-US" sz="1800" b="1" dirty="0">
+                <a:solidFill>
+                  <a:srgbClr val="222222"/>
+                </a:solidFill>
+                <a:effectLst/>
+                <a:latin typeface="Courier New" panose="02070309020205020404" pitchFamily="49" charset="0"/>
+                <a:ea typeface="Courier New" panose="02070309020205020404" pitchFamily="49" charset="0"/>
+              </a:rPr>
+              <a:t>return </a:t>
+            </a:r>
+            <a:r>
+              <a:rPr lang="en-US" sz="1800" dirty="0">
+                <a:solidFill>
+                  <a:srgbClr val="222222"/>
+                </a:solidFill>
+                <a:effectLst/>
+                <a:latin typeface="Courier New" panose="02070309020205020404" pitchFamily="49" charset="0"/>
+                <a:ea typeface="Courier New" panose="02070309020205020404" pitchFamily="49" charset="0"/>
+              </a:rPr>
+              <a:t>Search(</a:t>
+            </a:r>
+            <a:r>
+              <a:rPr lang="en-US" sz="1800" dirty="0" err="1">
+                <a:solidFill>
+                  <a:srgbClr val="222222"/>
+                </a:solidFill>
+                <a:effectLst/>
+                <a:latin typeface="Courier New" panose="02070309020205020404" pitchFamily="49" charset="0"/>
+                <a:ea typeface="Courier New" panose="02070309020205020404" pitchFamily="49" charset="0"/>
+              </a:rPr>
+              <a:t>root.left</a:t>
+            </a:r>
+            <a:r>
+              <a:rPr lang="en-US" sz="1800" dirty="0">
+                <a:solidFill>
+                  <a:srgbClr val="222222"/>
+                </a:solidFill>
+                <a:effectLst/>
+                <a:latin typeface="Courier New" panose="02070309020205020404" pitchFamily="49" charset="0"/>
+                <a:ea typeface="Courier New" panose="02070309020205020404" pitchFamily="49" charset="0"/>
+              </a:rPr>
+              <a:t>, k)</a:t>
+            </a:r>
+            <a:endParaRPr lang="ru-RU" sz="1800" dirty="0">
+              <a:solidFill>
+                <a:srgbClr val="222222"/>
+              </a:solidFill>
+              <a:effectLst/>
+              <a:latin typeface="Times New Roman" panose="02020603050405020304" pitchFamily="18" charset="0"/>
+              <a:ea typeface="Times New Roman" panose="02020603050405020304" pitchFamily="18" charset="0"/>
+            </a:endParaRPr>
+          </a:p>
+          <a:p>
+            <a:pPr indent="0" algn="just">
+              <a:lnSpc>
+                <a:spcPct val="130000"/>
+              </a:lnSpc>
+              <a:spcBef>
+                <a:spcPts val="600"/>
+              </a:spcBef>
+              <a:spcAft>
+                <a:spcPts val="100"/>
+              </a:spcAft>
+              <a:buNone/>
+            </a:pPr>
+            <a:r>
+              <a:rPr lang="en-US" sz="1800" dirty="0">
+                <a:solidFill>
+                  <a:srgbClr val="222222"/>
+                </a:solidFill>
+                <a:effectLst/>
+                <a:latin typeface="Courier New" panose="02070309020205020404" pitchFamily="49" charset="0"/>
+                <a:ea typeface="Courier New" panose="02070309020205020404" pitchFamily="49" charset="0"/>
+              </a:rPr>
+              <a:t>  </a:t>
+            </a:r>
+            <a:r>
+              <a:rPr lang="en-US" sz="1800" b="1" dirty="0">
+                <a:solidFill>
+                  <a:srgbClr val="222222"/>
+                </a:solidFill>
+                <a:effectLst/>
+                <a:latin typeface="Courier New" panose="02070309020205020404" pitchFamily="49" charset="0"/>
+                <a:ea typeface="Courier New" panose="02070309020205020404" pitchFamily="49" charset="0"/>
+              </a:rPr>
+              <a:t>else</a:t>
+            </a:r>
+            <a:r>
+              <a:rPr lang="en-US" sz="1800" dirty="0">
+                <a:solidFill>
+                  <a:srgbClr val="222222"/>
+                </a:solidFill>
+                <a:effectLst/>
+                <a:latin typeface="Courier New" panose="02070309020205020404" pitchFamily="49" charset="0"/>
+                <a:ea typeface="Courier New" panose="02070309020205020404" pitchFamily="49" charset="0"/>
+              </a:rPr>
+              <a:t>:</a:t>
+            </a:r>
+            <a:endParaRPr lang="ru-RU" sz="1800" dirty="0">
+              <a:solidFill>
+                <a:srgbClr val="222222"/>
+              </a:solidFill>
+              <a:effectLst/>
+              <a:latin typeface="Times New Roman" panose="02020603050405020304" pitchFamily="18" charset="0"/>
+              <a:ea typeface="Times New Roman" panose="02020603050405020304" pitchFamily="18" charset="0"/>
+            </a:endParaRPr>
+          </a:p>
+          <a:p>
+            <a:pPr indent="0" algn="just">
+              <a:lnSpc>
+                <a:spcPct val="130000"/>
+              </a:lnSpc>
+              <a:spcBef>
+                <a:spcPts val="600"/>
+              </a:spcBef>
+              <a:spcAft>
+                <a:spcPts val="100"/>
+              </a:spcAft>
+              <a:buNone/>
+            </a:pPr>
+            <a:r>
+              <a:rPr lang="en-US" sz="1800" dirty="0">
+                <a:solidFill>
+                  <a:srgbClr val="222222"/>
+                </a:solidFill>
+                <a:effectLst/>
+                <a:latin typeface="Courier New" panose="02070309020205020404" pitchFamily="49" charset="0"/>
+                <a:ea typeface="Courier New" panose="02070309020205020404" pitchFamily="49" charset="0"/>
+              </a:rPr>
+              <a:t>     </a:t>
+            </a:r>
+            <a:r>
+              <a:rPr lang="en-US" sz="1800" b="1" dirty="0">
+                <a:solidFill>
+                  <a:srgbClr val="222222"/>
+                </a:solidFill>
+                <a:effectLst/>
+                <a:latin typeface="Courier New" panose="02070309020205020404" pitchFamily="49" charset="0"/>
+                <a:ea typeface="Courier New" panose="02070309020205020404" pitchFamily="49" charset="0"/>
+              </a:rPr>
+              <a:t>return </a:t>
+            </a:r>
+            <a:r>
+              <a:rPr lang="en-US" sz="1800" dirty="0">
+                <a:solidFill>
+                  <a:srgbClr val="222222"/>
+                </a:solidFill>
+                <a:effectLst/>
+                <a:latin typeface="Courier New" panose="02070309020205020404" pitchFamily="49" charset="0"/>
+                <a:ea typeface="Courier New" panose="02070309020205020404" pitchFamily="49" charset="0"/>
+              </a:rPr>
+              <a:t>Search(</a:t>
+            </a:r>
+            <a:r>
+              <a:rPr lang="en-US" sz="1800" dirty="0" err="1">
+                <a:solidFill>
+                  <a:srgbClr val="222222"/>
+                </a:solidFill>
+                <a:effectLst/>
+                <a:latin typeface="Courier New" panose="02070309020205020404" pitchFamily="49" charset="0"/>
+                <a:ea typeface="Courier New" panose="02070309020205020404" pitchFamily="49" charset="0"/>
+              </a:rPr>
+              <a:t>root.right</a:t>
+            </a:r>
+            <a:r>
+              <a:rPr lang="en-US" sz="1800" dirty="0">
+                <a:solidFill>
+                  <a:srgbClr val="222222"/>
+                </a:solidFill>
+                <a:effectLst/>
+                <a:latin typeface="Courier New" panose="02070309020205020404" pitchFamily="49" charset="0"/>
+                <a:ea typeface="Courier New" panose="02070309020205020404" pitchFamily="49" charset="0"/>
+              </a:rPr>
+              <a:t>, k)</a:t>
+            </a:r>
+            <a:endParaRPr lang="ru-RU" sz="1800" dirty="0">
+              <a:solidFill>
+                <a:srgbClr val="222222"/>
+              </a:solidFill>
+              <a:effectLst/>
+              <a:latin typeface="Times New Roman" panose="02020603050405020304" pitchFamily="18" charset="0"/>
+              <a:ea typeface="Times New Roman" panose="02020603050405020304" pitchFamily="18" charset="0"/>
+            </a:endParaRPr>
+          </a:p>
+          <a:p>
+            <a:endParaRPr lang="ru-RU" dirty="0"/>
+          </a:p>
+        </p:txBody>
+      </p:sp>
+      <p:sp>
+        <p:nvSpPr>
+          <p:cNvPr id="4" name="Номер слайда 3">
+            <a:extLst>
+              <a:ext uri="{FF2B5EF4-FFF2-40B4-BE49-F238E27FC236}">
+                <a16:creationId xmlns:a16="http://schemas.microsoft.com/office/drawing/2014/main" id="{C5B29ABE-1E87-294C-2A53-D00BDD9F2180}"/>
+              </a:ext>
+            </a:extLst>
+          </p:cNvPr>
+          <p:cNvSpPr>
+            <a:spLocks noGrp="1"/>
+          </p:cNvSpPr>
+          <p:nvPr>
+            <p:ph type="sldNum" idx="12"/>
+          </p:nvPr>
+        </p:nvSpPr>
+        <p:spPr/>
+        <p:txBody>
+          <a:bodyPr/>
+          <a:lstStyle/>
+          <a:p>
+            <a:pPr marL="0" lvl="0" indent="0" algn="r" rtl="0">
+              <a:spcBef>
+                <a:spcPts val="0"/>
+              </a:spcBef>
+              <a:spcAft>
+                <a:spcPts val="0"/>
+              </a:spcAft>
+              <a:buNone/>
+            </a:pPr>
+            <a:fld id="{00000000-1234-1234-1234-123412341234}" type="slidenum">
+              <a:rPr lang="ru" smtClean="0"/>
+              <a:t>6</a:t>
+            </a:fld>
+            <a:endParaRPr lang="ru"/>
+          </a:p>
+        </p:txBody>
+      </p:sp>
+    </p:spTree>
+    <p:extLst>
+      <p:ext uri="{BB962C8B-B14F-4D97-AF65-F5344CB8AC3E}">
+        <p14:creationId xmlns:p14="http://schemas.microsoft.com/office/powerpoint/2010/main" val="1386870866"/>
+      </p:ext>
+    </p:extLst>
+  </p:cSld>
+  <p:clrMapOvr>
+    <a:masterClrMapping/>
+  </p:clrMapOvr>
+</p:sld>
+</file>
+
+<file path=ppt/slides/slide7.xml><?xml version="1.0" encoding="utf-8"?>
+<p:sld xmlns:a="http://schemas.openxmlformats.org/drawingml/2006/main" xmlns:r="http://schemas.openxmlformats.org/officeDocument/2006/relationships" xmlns:p="http://schemas.openxmlformats.org/presentationml/2006/main">
+  <p:cSld>
+    <p:spTree>
+      <p:nvGrpSpPr>
+        <p:cNvPr id="1" name=""/>
+        <p:cNvGrpSpPr/>
+        <p:nvPr/>
+      </p:nvGrpSpPr>
+      <p:grpSpPr>
+        <a:xfrm>
+          <a:off x="0" y="0"/>
+          <a:ext cx="0" cy="0"/>
+          <a:chOff x="0" y="0"/>
+          <a:chExt cx="0" cy="0"/>
+        </a:xfrm>
+      </p:grpSpPr>
+      <p:sp>
+        <p:nvSpPr>
+          <p:cNvPr id="2" name="Заголовок 1">
+            <a:extLst>
+              <a:ext uri="{FF2B5EF4-FFF2-40B4-BE49-F238E27FC236}">
+                <a16:creationId xmlns:a16="http://schemas.microsoft.com/office/drawing/2014/main" id="{12E14E1C-0FAF-0606-AF5E-989BF7F39CE0}"/>
+              </a:ext>
+            </a:extLst>
+          </p:cNvPr>
+          <p:cNvSpPr>
+            <a:spLocks noGrp="1"/>
+          </p:cNvSpPr>
+          <p:nvPr>
+            <p:ph type="title"/>
+          </p:nvPr>
+        </p:nvSpPr>
+        <p:spPr/>
+        <p:txBody>
+          <a:bodyPr>
+            <a:normAutofit fontScale="90000"/>
+          </a:bodyPr>
+          <a:lstStyle/>
+          <a:p>
+            <a:r>
+              <a:rPr lang="ru-RU" dirty="0"/>
+              <a:t>Удаление</a:t>
+            </a:r>
+          </a:p>
+        </p:txBody>
+      </p:sp>
+      <p:sp>
+        <p:nvSpPr>
+          <p:cNvPr id="3" name="Текст 2">
+            <a:extLst>
+              <a:ext uri="{FF2B5EF4-FFF2-40B4-BE49-F238E27FC236}">
+                <a16:creationId xmlns:a16="http://schemas.microsoft.com/office/drawing/2014/main" id="{15B5AA86-05AC-00ED-4438-4AC16158128D}"/>
+              </a:ext>
+            </a:extLst>
+          </p:cNvPr>
+          <p:cNvSpPr>
+            <a:spLocks noGrp="1"/>
+          </p:cNvSpPr>
+          <p:nvPr>
+            <p:ph type="body" idx="1"/>
+          </p:nvPr>
+        </p:nvSpPr>
+        <p:spPr/>
+        <p:txBody>
+          <a:bodyPr/>
+          <a:lstStyle/>
+          <a:p>
+            <a:pPr indent="0" algn="just">
+              <a:lnSpc>
+                <a:spcPct val="130000"/>
+              </a:lnSpc>
+              <a:spcBef>
+                <a:spcPts val="600"/>
+              </a:spcBef>
+              <a:spcAft>
+                <a:spcPts val="100"/>
+              </a:spcAft>
+              <a:buNone/>
+            </a:pPr>
+            <a:r>
+              <a:rPr lang="en-US" sz="1800" b="1" dirty="0">
+                <a:solidFill>
+                  <a:srgbClr val="222222"/>
+                </a:solidFill>
+                <a:effectLst/>
+                <a:latin typeface="Courier New" panose="02070309020205020404" pitchFamily="49" charset="0"/>
+                <a:ea typeface="Courier New" panose="02070309020205020404" pitchFamily="49" charset="0"/>
+              </a:rPr>
+              <a:t>Delete</a:t>
+            </a:r>
+            <a:r>
+              <a:rPr lang="en-US" sz="1800" dirty="0">
+                <a:solidFill>
+                  <a:srgbClr val="222222"/>
+                </a:solidFill>
+                <a:effectLst/>
+                <a:latin typeface="Courier New" panose="02070309020205020404" pitchFamily="49" charset="0"/>
+                <a:ea typeface="Courier New" panose="02070309020205020404" pitchFamily="49" charset="0"/>
+              </a:rPr>
+              <a:t>(k): </a:t>
+            </a:r>
+            <a:endParaRPr lang="ru-RU" sz="1800" dirty="0">
+              <a:solidFill>
+                <a:srgbClr val="222222"/>
+              </a:solidFill>
+              <a:effectLst/>
+              <a:latin typeface="Times New Roman" panose="02020603050405020304" pitchFamily="18" charset="0"/>
+              <a:ea typeface="Times New Roman" panose="02020603050405020304" pitchFamily="18" charset="0"/>
+            </a:endParaRPr>
+          </a:p>
+          <a:p>
+            <a:pPr indent="0" algn="just">
+              <a:lnSpc>
+                <a:spcPct val="130000"/>
+              </a:lnSpc>
+              <a:spcBef>
+                <a:spcPts val="600"/>
+              </a:spcBef>
+              <a:spcAft>
+                <a:spcPts val="100"/>
+              </a:spcAft>
+              <a:buNone/>
+            </a:pPr>
+            <a:r>
+              <a:rPr lang="en-US" sz="1800" dirty="0">
+                <a:solidFill>
+                  <a:srgbClr val="222222"/>
+                </a:solidFill>
+                <a:effectLst/>
+                <a:latin typeface="Courier New" panose="02070309020205020404" pitchFamily="49" charset="0"/>
+                <a:ea typeface="Courier New" panose="02070309020205020404" pitchFamily="49" charset="0"/>
+              </a:rPr>
+              <a:t>  deleted = </a:t>
+            </a:r>
+            <a:r>
+              <a:rPr lang="en-US" sz="1800" b="1" dirty="0" err="1">
+                <a:solidFill>
+                  <a:srgbClr val="222222"/>
+                </a:solidFill>
+                <a:effectLst/>
+                <a:latin typeface="Courier New" panose="02070309020205020404" pitchFamily="49" charset="0"/>
+                <a:ea typeface="Courier New" panose="02070309020205020404" pitchFamily="49" charset="0"/>
+              </a:rPr>
+              <a:t>DeleteKey</a:t>
+            </a:r>
+            <a:r>
+              <a:rPr lang="en-US" sz="1800" dirty="0">
+                <a:solidFill>
+                  <a:srgbClr val="222222"/>
+                </a:solidFill>
+                <a:effectLst/>
+                <a:latin typeface="Courier New" panose="02070309020205020404" pitchFamily="49" charset="0"/>
+                <a:ea typeface="Courier New" panose="02070309020205020404" pitchFamily="49" charset="0"/>
+              </a:rPr>
+              <a:t>(k)</a:t>
+            </a:r>
+            <a:endParaRPr lang="ru-RU" sz="1800" dirty="0">
+              <a:solidFill>
+                <a:srgbClr val="222222"/>
+              </a:solidFill>
+              <a:effectLst/>
+              <a:latin typeface="Times New Roman" panose="02020603050405020304" pitchFamily="18" charset="0"/>
+              <a:ea typeface="Times New Roman" panose="02020603050405020304" pitchFamily="18" charset="0"/>
+            </a:endParaRPr>
+          </a:p>
+          <a:p>
+            <a:pPr indent="0" algn="just">
+              <a:lnSpc>
+                <a:spcPct val="130000"/>
+              </a:lnSpc>
+              <a:spcBef>
+                <a:spcPts val="600"/>
+              </a:spcBef>
+              <a:spcAft>
+                <a:spcPts val="100"/>
+              </a:spcAft>
+              <a:buNone/>
+            </a:pPr>
+            <a:r>
+              <a:rPr lang="en-US" sz="1800" dirty="0">
+                <a:solidFill>
+                  <a:srgbClr val="222222"/>
+                </a:solidFill>
+                <a:effectLst/>
+                <a:latin typeface="Courier New" panose="02070309020205020404" pitchFamily="49" charset="0"/>
+                <a:ea typeface="Courier New" panose="02070309020205020404" pitchFamily="49" charset="0"/>
+              </a:rPr>
+              <a:t>  </a:t>
+            </a:r>
+            <a:r>
+              <a:rPr lang="en-US" sz="1800" b="1" dirty="0">
+                <a:solidFill>
+                  <a:srgbClr val="222222"/>
+                </a:solidFill>
+                <a:effectLst/>
+                <a:latin typeface="Courier New" panose="02070309020205020404" pitchFamily="49" charset="0"/>
+                <a:ea typeface="Courier New" panose="02070309020205020404" pitchFamily="49" charset="0"/>
+              </a:rPr>
+              <a:t>if</a:t>
+            </a:r>
+            <a:r>
+              <a:rPr lang="en-US" sz="1800" dirty="0">
+                <a:solidFill>
+                  <a:srgbClr val="222222"/>
+                </a:solidFill>
+                <a:effectLst/>
+                <a:latin typeface="Courier New" panose="02070309020205020404" pitchFamily="49" charset="0"/>
+                <a:ea typeface="Courier New" panose="02070309020205020404" pitchFamily="49" charset="0"/>
+              </a:rPr>
+              <a:t> deleted:</a:t>
+            </a:r>
+            <a:endParaRPr lang="ru-RU" sz="1800" dirty="0">
+              <a:solidFill>
+                <a:srgbClr val="222222"/>
+              </a:solidFill>
+              <a:effectLst/>
+              <a:latin typeface="Times New Roman" panose="02020603050405020304" pitchFamily="18" charset="0"/>
+              <a:ea typeface="Times New Roman" panose="02020603050405020304" pitchFamily="18" charset="0"/>
+            </a:endParaRPr>
+          </a:p>
+          <a:p>
+            <a:pPr indent="0" algn="just">
+              <a:lnSpc>
+                <a:spcPct val="130000"/>
+              </a:lnSpc>
+              <a:spcBef>
+                <a:spcPts val="600"/>
+              </a:spcBef>
+              <a:spcAft>
+                <a:spcPts val="100"/>
+              </a:spcAft>
+              <a:buNone/>
+            </a:pPr>
+            <a:r>
+              <a:rPr lang="en-US" sz="1800" dirty="0">
+                <a:solidFill>
+                  <a:srgbClr val="222222"/>
+                </a:solidFill>
+                <a:effectLst/>
+                <a:latin typeface="Courier New" panose="02070309020205020404" pitchFamily="49" charset="0"/>
+                <a:ea typeface="Courier New" panose="02070309020205020404" pitchFamily="49" charset="0"/>
+              </a:rPr>
+              <a:t>     </a:t>
+            </a:r>
+            <a:r>
+              <a:rPr lang="en-US" sz="1800" b="1" dirty="0">
+                <a:solidFill>
+                  <a:srgbClr val="222222"/>
+                </a:solidFill>
+                <a:effectLst/>
+                <a:latin typeface="Courier New" panose="02070309020205020404" pitchFamily="49" charset="0"/>
+                <a:ea typeface="Courier New" panose="02070309020205020404" pitchFamily="49" charset="0"/>
+              </a:rPr>
+              <a:t>if</a:t>
+            </a:r>
+            <a:r>
+              <a:rPr lang="en-US" sz="1800" dirty="0">
+                <a:solidFill>
+                  <a:srgbClr val="222222"/>
+                </a:solidFill>
+                <a:effectLst/>
+                <a:latin typeface="Courier New" panose="02070309020205020404" pitchFamily="49" charset="0"/>
+                <a:ea typeface="Courier New" panose="02070309020205020404" pitchFamily="49" charset="0"/>
+              </a:rPr>
+              <a:t> </a:t>
+            </a:r>
+            <a:r>
+              <a:rPr lang="en-US" sz="1800" dirty="0" err="1">
+                <a:solidFill>
+                  <a:srgbClr val="222222"/>
+                </a:solidFill>
+                <a:effectLst/>
+                <a:latin typeface="Courier New" panose="02070309020205020404" pitchFamily="49" charset="0"/>
+                <a:ea typeface="Courier New" panose="02070309020205020404" pitchFamily="49" charset="0"/>
+              </a:rPr>
+              <a:t>T.size</a:t>
+            </a:r>
+            <a:r>
+              <a:rPr lang="en-US" sz="1800" dirty="0">
+                <a:solidFill>
+                  <a:srgbClr val="222222"/>
+                </a:solidFill>
+                <a:effectLst/>
+                <a:latin typeface="Courier New" panose="02070309020205020404" pitchFamily="49" charset="0"/>
+                <a:ea typeface="Courier New" panose="02070309020205020404" pitchFamily="49" charset="0"/>
+              </a:rPr>
+              <a:t> &lt; (T.</a:t>
+            </a:r>
+            <a:r>
+              <a:rPr lang="ru-RU" sz="1800" dirty="0">
+                <a:solidFill>
+                  <a:srgbClr val="222222"/>
+                </a:solidFill>
+                <a:effectLst/>
+                <a:latin typeface="Courier New" panose="02070309020205020404" pitchFamily="49" charset="0"/>
+                <a:ea typeface="Courier New" panose="02070309020205020404" pitchFamily="49" charset="0"/>
+              </a:rPr>
+              <a:t>α</a:t>
+            </a:r>
+            <a:r>
+              <a:rPr lang="en-US" sz="1800" dirty="0">
+                <a:solidFill>
+                  <a:srgbClr val="222222"/>
+                </a:solidFill>
+                <a:effectLst/>
+                <a:latin typeface="Courier New" panose="02070309020205020404" pitchFamily="49" charset="0"/>
+                <a:ea typeface="Courier New" panose="02070309020205020404" pitchFamily="49" charset="0"/>
+              </a:rPr>
+              <a:t> · </a:t>
+            </a:r>
+            <a:r>
+              <a:rPr lang="en-US" sz="1800" dirty="0" err="1">
+                <a:solidFill>
+                  <a:srgbClr val="222222"/>
+                </a:solidFill>
+                <a:effectLst/>
+                <a:latin typeface="Courier New" panose="02070309020205020404" pitchFamily="49" charset="0"/>
+                <a:ea typeface="Courier New" panose="02070309020205020404" pitchFamily="49" charset="0"/>
+              </a:rPr>
+              <a:t>T.maxSize</a:t>
+            </a:r>
+            <a:r>
+              <a:rPr lang="en-US" sz="1800" dirty="0">
+                <a:solidFill>
+                  <a:srgbClr val="222222"/>
+                </a:solidFill>
+                <a:effectLst/>
+                <a:latin typeface="Courier New" panose="02070309020205020404" pitchFamily="49" charset="0"/>
+                <a:ea typeface="Courier New" panose="02070309020205020404" pitchFamily="49" charset="0"/>
+              </a:rPr>
+              <a:t>):</a:t>
+            </a:r>
+            <a:endParaRPr lang="ru-RU" sz="1800" dirty="0">
+              <a:solidFill>
+                <a:srgbClr val="222222"/>
+              </a:solidFill>
+              <a:effectLst/>
+              <a:latin typeface="Times New Roman" panose="02020603050405020304" pitchFamily="18" charset="0"/>
+              <a:ea typeface="Times New Roman" panose="02020603050405020304" pitchFamily="18" charset="0"/>
+            </a:endParaRPr>
+          </a:p>
+          <a:p>
+            <a:pPr indent="0" algn="just">
+              <a:lnSpc>
+                <a:spcPct val="130000"/>
+              </a:lnSpc>
+              <a:spcBef>
+                <a:spcPts val="600"/>
+              </a:spcBef>
+              <a:spcAft>
+                <a:spcPts val="100"/>
+              </a:spcAft>
+              <a:buNone/>
+            </a:pPr>
+            <a:r>
+              <a:rPr lang="en-US" sz="1800" dirty="0">
+                <a:solidFill>
+                  <a:srgbClr val="222222"/>
+                </a:solidFill>
+                <a:effectLst/>
+                <a:latin typeface="Courier New" panose="02070309020205020404" pitchFamily="49" charset="0"/>
+                <a:ea typeface="Courier New" panose="02070309020205020404" pitchFamily="49" charset="0"/>
+              </a:rPr>
+              <a:t>        </a:t>
+            </a:r>
+            <a:r>
+              <a:rPr lang="en-US" sz="1800" b="1" dirty="0" err="1">
+                <a:solidFill>
+                  <a:srgbClr val="222222"/>
+                </a:solidFill>
+                <a:effectLst/>
+                <a:latin typeface="Courier New" panose="02070309020205020404" pitchFamily="49" charset="0"/>
+                <a:ea typeface="Courier New" panose="02070309020205020404" pitchFamily="49" charset="0"/>
+              </a:rPr>
+              <a:t>RebuildTree</a:t>
+            </a:r>
+            <a:r>
+              <a:rPr lang="en-US" sz="1800" dirty="0">
+                <a:solidFill>
+                  <a:srgbClr val="222222"/>
+                </a:solidFill>
+                <a:effectLst/>
+                <a:latin typeface="Courier New" panose="02070309020205020404" pitchFamily="49" charset="0"/>
+                <a:ea typeface="Courier New" panose="02070309020205020404" pitchFamily="49" charset="0"/>
+              </a:rPr>
+              <a:t>(</a:t>
+            </a:r>
+            <a:r>
+              <a:rPr lang="en-US" sz="1800" dirty="0" err="1">
+                <a:solidFill>
+                  <a:srgbClr val="222222"/>
+                </a:solidFill>
+                <a:effectLst/>
+                <a:latin typeface="Courier New" panose="02070309020205020404" pitchFamily="49" charset="0"/>
+                <a:ea typeface="Courier New" panose="02070309020205020404" pitchFamily="49" charset="0"/>
+              </a:rPr>
+              <a:t>T.size</a:t>
+            </a:r>
+            <a:r>
+              <a:rPr lang="en-US" sz="1800" dirty="0">
+                <a:solidFill>
+                  <a:srgbClr val="222222"/>
+                </a:solidFill>
+                <a:effectLst/>
+                <a:latin typeface="Courier New" panose="02070309020205020404" pitchFamily="49" charset="0"/>
+                <a:ea typeface="Courier New" panose="02070309020205020404" pitchFamily="49" charset="0"/>
+              </a:rPr>
+              <a:t>, </a:t>
+            </a:r>
+            <a:r>
+              <a:rPr lang="en-US" sz="1800" dirty="0" err="1">
+                <a:solidFill>
+                  <a:srgbClr val="222222"/>
+                </a:solidFill>
+                <a:effectLst/>
+                <a:latin typeface="Courier New" panose="02070309020205020404" pitchFamily="49" charset="0"/>
+                <a:ea typeface="Courier New" panose="02070309020205020404" pitchFamily="49" charset="0"/>
+              </a:rPr>
+              <a:t>T.root</a:t>
+            </a:r>
+            <a:r>
+              <a:rPr lang="en-US" sz="1800" dirty="0">
+                <a:solidFill>
+                  <a:srgbClr val="222222"/>
+                </a:solidFill>
+                <a:effectLst/>
+                <a:latin typeface="Courier New" panose="02070309020205020404" pitchFamily="49" charset="0"/>
+                <a:ea typeface="Courier New" panose="02070309020205020404" pitchFamily="49" charset="0"/>
+              </a:rPr>
+              <a:t>)</a:t>
+            </a:r>
+            <a:endParaRPr lang="ru-RU" sz="1800" dirty="0">
+              <a:solidFill>
+                <a:srgbClr val="222222"/>
+              </a:solidFill>
+              <a:effectLst/>
+              <a:latin typeface="Times New Roman" panose="02020603050405020304" pitchFamily="18" charset="0"/>
+              <a:ea typeface="Times New Roman" panose="02020603050405020304" pitchFamily="18" charset="0"/>
+            </a:endParaRPr>
+          </a:p>
+          <a:p>
+            <a:endParaRPr lang="ru-RU" dirty="0"/>
+          </a:p>
+        </p:txBody>
+      </p:sp>
+      <p:sp>
+        <p:nvSpPr>
+          <p:cNvPr id="4" name="Номер слайда 3">
+            <a:extLst>
+              <a:ext uri="{FF2B5EF4-FFF2-40B4-BE49-F238E27FC236}">
+                <a16:creationId xmlns:a16="http://schemas.microsoft.com/office/drawing/2014/main" id="{42D10139-E05D-F758-CD8A-6BBDF1FF2379}"/>
+              </a:ext>
+            </a:extLst>
+          </p:cNvPr>
+          <p:cNvSpPr>
+            <a:spLocks noGrp="1"/>
+          </p:cNvSpPr>
+          <p:nvPr>
+            <p:ph type="sldNum" idx="12"/>
+          </p:nvPr>
+        </p:nvSpPr>
+        <p:spPr/>
+        <p:txBody>
+          <a:bodyPr/>
+          <a:lstStyle/>
+          <a:p>
+            <a:pPr marL="0" lvl="0" indent="0" algn="r" rtl="0">
+              <a:spcBef>
+                <a:spcPts val="0"/>
+              </a:spcBef>
+              <a:spcAft>
+                <a:spcPts val="0"/>
+              </a:spcAft>
+              <a:buNone/>
+            </a:pPr>
+            <a:fld id="{00000000-1234-1234-1234-123412341234}" type="slidenum">
+              <a:rPr lang="ru" smtClean="0"/>
+              <a:t>7</a:t>
+            </a:fld>
+            <a:endParaRPr lang="ru"/>
+          </a:p>
+        </p:txBody>
+      </p:sp>
+    </p:spTree>
+    <p:extLst>
+      <p:ext uri="{BB962C8B-B14F-4D97-AF65-F5344CB8AC3E}">
+        <p14:creationId xmlns:p14="http://schemas.microsoft.com/office/powerpoint/2010/main" val="1558946416"/>
+      </p:ext>
+    </p:extLst>
+  </p:cSld>
+  <p:clrMapOvr>
+    <a:masterClrMapping/>
+  </p:clrMapOvr>
+</p:sld>
+</file>
+
+<file path=ppt/slides/slide8.xml><?xml version="1.0" encoding="utf-8"?>
 <p:sld xmlns:a="http://schemas.openxmlformats.org/drawingml/2006/main" xmlns:r="http://schemas.openxmlformats.org/officeDocument/2006/relationships" xmlns:p="http://schemas.openxmlformats.org/presentationml/2006/main">
   <p:cSld>
     <p:spTree>
@@ -10932,42 +12125,12 @@
             </a:pPr>
             <a:fld id="{00000000-1234-1234-1234-123412341234}" type="slidenum">
               <a:rPr lang="ru" smtClean="0"/>
-              <a:t>6</a:t>
+              <a:t>8</a:t>
             </a:fld>
             <a:endParaRPr lang="ru"/>
           </a:p>
         </p:txBody>
       </p:sp>
-      <p:pic>
-        <p:nvPicPr>
-          <p:cNvPr id="6" name="Рисунок 5">
-            <a:extLst>
-              <a:ext uri="{FF2B5EF4-FFF2-40B4-BE49-F238E27FC236}">
-                <a16:creationId xmlns:a16="http://schemas.microsoft.com/office/drawing/2014/main" id="{0CBCB4E0-9536-1CD4-A081-FDA503D2BA5D}"/>
-              </a:ext>
-            </a:extLst>
-          </p:cNvPr>
-          <p:cNvPicPr>
-            <a:picLocks noChangeAspect="1"/>
-          </p:cNvPicPr>
-          <p:nvPr/>
-        </p:nvPicPr>
-        <p:blipFill>
-          <a:blip r:embed="rId2"/>
-          <a:stretch>
-            <a:fillRect/>
-          </a:stretch>
-        </p:blipFill>
-        <p:spPr>
-          <a:xfrm>
-            <a:off x="311700" y="1021037"/>
-            <a:ext cx="4237388" cy="2496480"/>
-          </a:xfrm>
-          <a:prstGeom prst="rect">
-            <a:avLst/>
-          </a:prstGeom>
-        </p:spPr>
-      </p:pic>
     </p:spTree>
     <p:extLst>
       <p:ext uri="{BB962C8B-B14F-4D97-AF65-F5344CB8AC3E}">
@@ -10981,7 +12144,7 @@
 </p:sld>
 </file>
 
-<file path=ppt/slides/slide7.xml><?xml version="1.0" encoding="utf-8"?>
+<file path=ppt/slides/slide9.xml><?xml version="1.0" encoding="utf-8"?>
 <p:sld xmlns:a="http://schemas.openxmlformats.org/drawingml/2006/main" xmlns:r="http://schemas.openxmlformats.org/officeDocument/2006/relationships" xmlns:p="http://schemas.openxmlformats.org/presentationml/2006/main">
   <p:cSld>
     <p:spTree>
@@ -11072,7 +12235,7 @@
         </p:spPr>
         <p:txBody>
           <a:bodyPr spcFirstLastPara="1" wrap="square" lIns="91425" tIns="91425" rIns="91425" bIns="91425" anchor="t" anchorCtr="0">
-            <a:normAutofit/>
+            <a:normAutofit fontScale="92500" lnSpcReduction="20000"/>
           </a:bodyPr>
           <a:lstStyle/>
           <a:p>
@@ -11124,6 +12287,9 @@
           </a:p>
           <a:p>
             <a:pPr marL="342900" lvl="0" algn="l" rtl="0">
+              <a:lnSpc>
+                <a:spcPct val="200000"/>
+              </a:lnSpc>
               <a:spcBef>
                 <a:spcPts val="0"/>
               </a:spcBef>
@@ -11148,6 +12314,9 @@
           </a:p>
           <a:p>
             <a:pPr marL="342900" lvl="0" algn="l" rtl="0">
+              <a:lnSpc>
+                <a:spcPct val="200000"/>
+              </a:lnSpc>
               <a:spcBef>
                 <a:spcPts val="0"/>
               </a:spcBef>
@@ -11172,6 +12341,9 @@
           </a:p>
           <a:p>
             <a:pPr marL="342900" lvl="0" algn="l" rtl="0">
+              <a:lnSpc>
+                <a:spcPct val="200000"/>
+              </a:lnSpc>
               <a:spcBef>
                 <a:spcPts val="0"/>
               </a:spcBef>
@@ -11196,6 +12368,9 @@
           </a:p>
           <a:p>
             <a:pPr marL="342900" lvl="0" algn="l" rtl="0">
+              <a:lnSpc>
+                <a:spcPct val="200000"/>
+              </a:lnSpc>
               <a:spcBef>
                 <a:spcPts val="0"/>
               </a:spcBef>
@@ -11273,7 +12448,7 @@
             </a:pPr>
             <a:fld id="{00000000-1234-1234-1234-123412341234}" type="slidenum">
               <a:rPr lang="ru" smtClean="0"/>
-              <a:t>7</a:t>
+              <a:t>9</a:t>
             </a:fld>
             <a:endParaRPr lang="ru"/>
           </a:p>

--- a/ScapeGoat Three.pptx
+++ b/ScapeGoat Three.pptx
@@ -5,35 +5,39 @@
     <p:sldMasterId id="2147483659" r:id="rId1"/>
   </p:sldMasterIdLst>
   <p:notesMasterIdLst>
-    <p:notesMasterId r:id="rId11"/>
+    <p:notesMasterId r:id="rId15"/>
   </p:notesMasterIdLst>
   <p:sldIdLst>
     <p:sldId id="256" r:id="rId2"/>
     <p:sldId id="257" r:id="rId3"/>
     <p:sldId id="258" r:id="rId4"/>
-    <p:sldId id="266" r:id="rId5"/>
-    <p:sldId id="268" r:id="rId6"/>
+    <p:sldId id="272" r:id="rId5"/>
+    <p:sldId id="266" r:id="rId6"/>
     <p:sldId id="269" r:id="rId7"/>
-    <p:sldId id="270" r:id="rId8"/>
-    <p:sldId id="267" r:id="rId9"/>
-    <p:sldId id="264" r:id="rId10"/>
+    <p:sldId id="271" r:id="rId8"/>
+    <p:sldId id="268" r:id="rId9"/>
+    <p:sldId id="270" r:id="rId10"/>
+    <p:sldId id="267" r:id="rId11"/>
+    <p:sldId id="273" r:id="rId12"/>
+    <p:sldId id="274" r:id="rId13"/>
+    <p:sldId id="264" r:id="rId14"/>
   </p:sldIdLst>
   <p:sldSz cx="9144000" cy="5143500" type="screen16x9"/>
   <p:notesSz cx="6858000" cy="9144000"/>
   <p:embeddedFontLst>
     <p:embeddedFont>
       <p:font typeface="Montserrat" panose="00000500000000000000" pitchFamily="2" charset="-52"/>
-      <p:regular r:id="rId12"/>
-      <p:bold r:id="rId13"/>
-      <p:italic r:id="rId14"/>
-      <p:boldItalic r:id="rId15"/>
-    </p:embeddedFont>
-    <p:embeddedFont>
-      <p:font typeface="Montserrat Light" panose="00000400000000000000" pitchFamily="2" charset="-52"/>
       <p:regular r:id="rId16"/>
       <p:bold r:id="rId17"/>
       <p:italic r:id="rId18"/>
       <p:boldItalic r:id="rId19"/>
+    </p:embeddedFont>
+    <p:embeddedFont>
+      <p:font typeface="Montserrat Light" panose="00000400000000000000" pitchFamily="2" charset="-52"/>
+      <p:regular r:id="rId20"/>
+      <p:bold r:id="rId21"/>
+      <p:italic r:id="rId22"/>
+      <p:boldItalic r:id="rId23"/>
     </p:embeddedFont>
   </p:embeddedFontLst>
   <p:defaultTextStyle>
@@ -1038,6 +1042,72 @@
 </file>
 
 <file path=ppt/notesSlides/notesSlide4.xml><?xml version="1.0" encoding="utf-8"?>
+<p:notes xmlns:a="http://schemas.openxmlformats.org/drawingml/2006/main" xmlns:r="http://schemas.openxmlformats.org/officeDocument/2006/relationships" xmlns:p="http://schemas.openxmlformats.org/presentationml/2006/main">
+  <p:cSld>
+    <p:spTree>
+      <p:nvGrpSpPr>
+        <p:cNvPr id="1" name=""/>
+        <p:cNvGrpSpPr/>
+        <p:nvPr/>
+      </p:nvGrpSpPr>
+      <p:grpSpPr>
+        <a:xfrm>
+          <a:off x="0" y="0"/>
+          <a:ext cx="0" cy="0"/>
+          <a:chOff x="0" y="0"/>
+          <a:chExt cx="0" cy="0"/>
+        </a:xfrm>
+      </p:grpSpPr>
+      <p:sp>
+        <p:nvSpPr>
+          <p:cNvPr id="2" name="Образ слайда 1"/>
+          <p:cNvSpPr>
+            <a:spLocks noGrp="1" noRot="1" noChangeAspect="1"/>
+          </p:cNvSpPr>
+          <p:nvPr>
+            <p:ph type="sldImg"/>
+          </p:nvPr>
+        </p:nvSpPr>
+        <p:spPr>
+          <a:xfrm>
+            <a:off x="381000" y="685800"/>
+            <a:ext cx="6096000" cy="3429000"/>
+          </a:xfrm>
+        </p:spPr>
+      </p:sp>
+      <p:sp>
+        <p:nvSpPr>
+          <p:cNvPr id="3" name="Заметки 2"/>
+          <p:cNvSpPr>
+            <a:spLocks noGrp="1"/>
+          </p:cNvSpPr>
+          <p:nvPr>
+            <p:ph type="body" idx="1"/>
+          </p:nvPr>
+        </p:nvSpPr>
+        <p:spPr/>
+        <p:txBody>
+          <a:bodyPr/>
+          <a:lstStyle/>
+          <a:p>
+            <a:endParaRPr lang="ru-RU" dirty="0"/>
+          </a:p>
+        </p:txBody>
+      </p:sp>
+    </p:spTree>
+    <p:extLst>
+      <p:ext uri="{BB962C8B-B14F-4D97-AF65-F5344CB8AC3E}">
+        <p14:creationId xmlns:p14="http://schemas.microsoft.com/office/powerpoint/2010/main" val="675828262"/>
+      </p:ext>
+    </p:extLst>
+  </p:cSld>
+  <p:clrMapOvr>
+    <a:masterClrMapping/>
+  </p:clrMapOvr>
+</p:notes>
+</file>
+
+<file path=ppt/notesSlides/notesSlide5.xml><?xml version="1.0" encoding="utf-8"?>
 <p:notes xmlns:a="http://schemas.openxmlformats.org/drawingml/2006/main" xmlns:r="http://schemas.openxmlformats.org/officeDocument/2006/relationships" xmlns:p="http://schemas.openxmlformats.org/presentationml/2006/main" showMasterSp="0" showMasterPhAnim="0">
   <p:cSld>
     <p:spTree>
@@ -4624,9 +4694,7 @@
     <p:bg>
       <p:bgPr>
         <a:solidFill>
-          <a:schemeClr val="bg1">
-            <a:lumMod val="95000"/>
-          </a:schemeClr>
+          <a:schemeClr val="bg1"/>
         </a:solidFill>
         <a:effectLst/>
       </p:bgPr>
@@ -6200,8 +6268,614 @@
               <a:rPr lang="ru-RU" sz="1200" dirty="0">
                 <a:latin typeface="Montserrat" panose="00000500000000000000" pitchFamily="2" charset="-52"/>
               </a:rPr>
-              <a:t>2023</a:t>
-            </a:r>
+              <a:t>2022</a:t>
+            </a:r>
+          </a:p>
+        </p:txBody>
+      </p:sp>
+    </p:spTree>
+  </p:cSld>
+  <p:clrMapOvr>
+    <a:masterClrMapping/>
+  </p:clrMapOvr>
+</p:sld>
+</file>
+
+<file path=ppt/slides/slide10.xml><?xml version="1.0" encoding="utf-8"?>
+<p:sld xmlns:a="http://schemas.openxmlformats.org/drawingml/2006/main" xmlns:r="http://schemas.openxmlformats.org/officeDocument/2006/relationships" xmlns:p="http://schemas.openxmlformats.org/presentationml/2006/main">
+  <p:cSld>
+    <p:spTree>
+      <p:nvGrpSpPr>
+        <p:cNvPr id="1" name=""/>
+        <p:cNvGrpSpPr/>
+        <p:nvPr/>
+      </p:nvGrpSpPr>
+      <p:grpSpPr>
+        <a:xfrm>
+          <a:off x="0" y="0"/>
+          <a:ext cx="0" cy="0"/>
+          <a:chOff x="0" y="0"/>
+          <a:chExt cx="0" cy="0"/>
+        </a:xfrm>
+      </p:grpSpPr>
+      <p:sp>
+        <p:nvSpPr>
+          <p:cNvPr id="2" name="Заголовок 1">
+            <a:extLst>
+              <a:ext uri="{FF2B5EF4-FFF2-40B4-BE49-F238E27FC236}">
+                <a16:creationId xmlns:a16="http://schemas.microsoft.com/office/drawing/2014/main" id="{A24BA223-5B61-9230-48E3-98F0B8D8A2A5}"/>
+              </a:ext>
+            </a:extLst>
+          </p:cNvPr>
+          <p:cNvSpPr>
+            <a:spLocks noGrp="1"/>
+          </p:cNvSpPr>
+          <p:nvPr>
+            <p:ph type="title"/>
+          </p:nvPr>
+        </p:nvSpPr>
+        <p:spPr>
+          <a:xfrm>
+            <a:off x="311700" y="2285400"/>
+            <a:ext cx="8520600" cy="572700"/>
+          </a:xfrm>
+        </p:spPr>
+        <p:txBody>
+          <a:bodyPr>
+            <a:normAutofit fontScale="90000"/>
+          </a:bodyPr>
+          <a:lstStyle/>
+          <a:p>
+            <a:pPr algn="ctr"/>
+            <a:r>
+              <a:rPr lang="ru-RU" dirty="0"/>
+              <a:t>Тестирование и анализ</a:t>
+            </a:r>
+          </a:p>
+        </p:txBody>
+      </p:sp>
+      <p:sp>
+        <p:nvSpPr>
+          <p:cNvPr id="4" name="Номер слайда 3">
+            <a:extLst>
+              <a:ext uri="{FF2B5EF4-FFF2-40B4-BE49-F238E27FC236}">
+                <a16:creationId xmlns:a16="http://schemas.microsoft.com/office/drawing/2014/main" id="{DB765870-FC1F-375E-DE62-59C51477761C}"/>
+              </a:ext>
+            </a:extLst>
+          </p:cNvPr>
+          <p:cNvSpPr>
+            <a:spLocks noGrp="1"/>
+          </p:cNvSpPr>
+          <p:nvPr>
+            <p:ph type="sldNum" idx="12"/>
+          </p:nvPr>
+        </p:nvSpPr>
+        <p:spPr/>
+        <p:txBody>
+          <a:bodyPr/>
+          <a:lstStyle/>
+          <a:p>
+            <a:pPr marL="0" lvl="0" indent="0" algn="r" rtl="0">
+              <a:spcBef>
+                <a:spcPts val="0"/>
+              </a:spcBef>
+              <a:spcAft>
+                <a:spcPts val="0"/>
+              </a:spcAft>
+              <a:buNone/>
+            </a:pPr>
+            <a:fld id="{00000000-1234-1234-1234-123412341234}" type="slidenum">
+              <a:rPr lang="ru" smtClean="0"/>
+              <a:t>10</a:t>
+            </a:fld>
+            <a:endParaRPr lang="ru"/>
+          </a:p>
+        </p:txBody>
+      </p:sp>
+    </p:spTree>
+    <p:extLst>
+      <p:ext uri="{BB962C8B-B14F-4D97-AF65-F5344CB8AC3E}">
+        <p14:creationId xmlns:p14="http://schemas.microsoft.com/office/powerpoint/2010/main" val="3864869608"/>
+      </p:ext>
+    </p:extLst>
+  </p:cSld>
+  <p:clrMapOvr>
+    <a:masterClrMapping/>
+  </p:clrMapOvr>
+</p:sld>
+</file>
+
+<file path=ppt/slides/slide11.xml><?xml version="1.0" encoding="utf-8"?>
+<p:sld xmlns:a="http://schemas.openxmlformats.org/drawingml/2006/main" xmlns:r="http://schemas.openxmlformats.org/officeDocument/2006/relationships" xmlns:p="http://schemas.openxmlformats.org/presentationml/2006/main">
+  <p:cSld>
+    <p:spTree>
+      <p:nvGrpSpPr>
+        <p:cNvPr id="1" name=""/>
+        <p:cNvGrpSpPr/>
+        <p:nvPr/>
+      </p:nvGrpSpPr>
+      <p:grpSpPr>
+        <a:xfrm>
+          <a:off x="0" y="0"/>
+          <a:ext cx="0" cy="0"/>
+          <a:chOff x="0" y="0"/>
+          <a:chExt cx="0" cy="0"/>
+        </a:xfrm>
+      </p:grpSpPr>
+      <p:sp>
+        <p:nvSpPr>
+          <p:cNvPr id="4" name="Номер слайда 3">
+            <a:extLst>
+              <a:ext uri="{FF2B5EF4-FFF2-40B4-BE49-F238E27FC236}">
+                <a16:creationId xmlns:a16="http://schemas.microsoft.com/office/drawing/2014/main" id="{B086E9DD-06CA-FE9C-7870-9B0F194C0714}"/>
+              </a:ext>
+            </a:extLst>
+          </p:cNvPr>
+          <p:cNvSpPr>
+            <a:spLocks noGrp="1"/>
+          </p:cNvSpPr>
+          <p:nvPr>
+            <p:ph type="sldNum" idx="12"/>
+          </p:nvPr>
+        </p:nvSpPr>
+        <p:spPr/>
+        <p:txBody>
+          <a:bodyPr/>
+          <a:lstStyle/>
+          <a:p>
+            <a:pPr marL="0" lvl="0" indent="0" algn="r" rtl="0">
+              <a:spcBef>
+                <a:spcPts val="0"/>
+              </a:spcBef>
+              <a:spcAft>
+                <a:spcPts val="0"/>
+              </a:spcAft>
+              <a:buNone/>
+            </a:pPr>
+            <a:fld id="{00000000-1234-1234-1234-123412341234}" type="slidenum">
+              <a:rPr lang="ru" smtClean="0"/>
+              <a:t>11</a:t>
+            </a:fld>
+            <a:endParaRPr lang="ru"/>
+          </a:p>
+        </p:txBody>
+      </p:sp>
+      <p:pic>
+        <p:nvPicPr>
+          <p:cNvPr id="10" name="Рисунок 9">
+            <a:extLst>
+              <a:ext uri="{FF2B5EF4-FFF2-40B4-BE49-F238E27FC236}">
+                <a16:creationId xmlns:a16="http://schemas.microsoft.com/office/drawing/2014/main" id="{CD1C457D-8816-3701-B8B1-989637BE3364}"/>
+              </a:ext>
+            </a:extLst>
+          </p:cNvPr>
+          <p:cNvPicPr>
+            <a:picLocks noChangeAspect="1"/>
+          </p:cNvPicPr>
+          <p:nvPr/>
+        </p:nvPicPr>
+        <p:blipFill>
+          <a:blip r:embed="rId3"/>
+          <a:stretch>
+            <a:fillRect/>
+          </a:stretch>
+        </p:blipFill>
+        <p:spPr>
+          <a:xfrm>
+            <a:off x="1714500" y="885825"/>
+            <a:ext cx="5715000" cy="3371850"/>
+          </a:xfrm>
+          <a:prstGeom prst="rect">
+            <a:avLst/>
+          </a:prstGeom>
+        </p:spPr>
+      </p:pic>
+    </p:spTree>
+    <p:extLst>
+      <p:ext uri="{BB962C8B-B14F-4D97-AF65-F5344CB8AC3E}">
+        <p14:creationId xmlns:p14="http://schemas.microsoft.com/office/powerpoint/2010/main" val="2710575875"/>
+      </p:ext>
+    </p:extLst>
+  </p:cSld>
+  <p:clrMapOvr>
+    <a:masterClrMapping/>
+  </p:clrMapOvr>
+</p:sld>
+</file>
+
+<file path=ppt/slides/slide12.xml><?xml version="1.0" encoding="utf-8"?>
+<p:sld xmlns:a="http://schemas.openxmlformats.org/drawingml/2006/main" xmlns:r="http://schemas.openxmlformats.org/officeDocument/2006/relationships" xmlns:p="http://schemas.openxmlformats.org/presentationml/2006/main">
+  <p:cSld>
+    <p:spTree>
+      <p:nvGrpSpPr>
+        <p:cNvPr id="1" name=""/>
+        <p:cNvGrpSpPr/>
+        <p:nvPr/>
+      </p:nvGrpSpPr>
+      <p:grpSpPr>
+        <a:xfrm>
+          <a:off x="0" y="0"/>
+          <a:ext cx="0" cy="0"/>
+          <a:chOff x="0" y="0"/>
+          <a:chExt cx="0" cy="0"/>
+        </a:xfrm>
+      </p:grpSpPr>
+      <p:sp>
+        <p:nvSpPr>
+          <p:cNvPr id="4" name="Номер слайда 3">
+            <a:extLst>
+              <a:ext uri="{FF2B5EF4-FFF2-40B4-BE49-F238E27FC236}">
+                <a16:creationId xmlns:a16="http://schemas.microsoft.com/office/drawing/2014/main" id="{5EAECA4E-1A01-4D02-8F95-75DDB46DB645}"/>
+              </a:ext>
+            </a:extLst>
+          </p:cNvPr>
+          <p:cNvSpPr>
+            <a:spLocks noGrp="1"/>
+          </p:cNvSpPr>
+          <p:nvPr>
+            <p:ph type="sldNum" idx="12"/>
+          </p:nvPr>
+        </p:nvSpPr>
+        <p:spPr/>
+        <p:txBody>
+          <a:bodyPr/>
+          <a:lstStyle/>
+          <a:p>
+            <a:pPr marL="0" lvl="0" indent="0" algn="r" rtl="0">
+              <a:spcBef>
+                <a:spcPts val="0"/>
+              </a:spcBef>
+              <a:spcAft>
+                <a:spcPts val="0"/>
+              </a:spcAft>
+              <a:buNone/>
+            </a:pPr>
+            <a:fld id="{00000000-1234-1234-1234-123412341234}" type="slidenum">
+              <a:rPr lang="ru" smtClean="0"/>
+              <a:t>12</a:t>
+            </a:fld>
+            <a:endParaRPr lang="ru"/>
+          </a:p>
+        </p:txBody>
+      </p:sp>
+      <p:pic>
+        <p:nvPicPr>
+          <p:cNvPr id="8" name="Рисунок 7">
+            <a:extLst>
+              <a:ext uri="{FF2B5EF4-FFF2-40B4-BE49-F238E27FC236}">
+                <a16:creationId xmlns:a16="http://schemas.microsoft.com/office/drawing/2014/main" id="{980E0841-4885-B372-2F6C-BD31F0A302BC}"/>
+              </a:ext>
+            </a:extLst>
+          </p:cNvPr>
+          <p:cNvPicPr>
+            <a:picLocks noChangeAspect="1"/>
+          </p:cNvPicPr>
+          <p:nvPr/>
+        </p:nvPicPr>
+        <p:blipFill>
+          <a:blip r:embed="rId2"/>
+          <a:stretch>
+            <a:fillRect/>
+          </a:stretch>
+        </p:blipFill>
+        <p:spPr>
+          <a:xfrm>
+            <a:off x="1733550" y="881062"/>
+            <a:ext cx="5676900" cy="3381375"/>
+          </a:xfrm>
+          <a:prstGeom prst="rect">
+            <a:avLst/>
+          </a:prstGeom>
+        </p:spPr>
+      </p:pic>
+    </p:spTree>
+    <p:extLst>
+      <p:ext uri="{BB962C8B-B14F-4D97-AF65-F5344CB8AC3E}">
+        <p14:creationId xmlns:p14="http://schemas.microsoft.com/office/powerpoint/2010/main" val="2177574058"/>
+      </p:ext>
+    </p:extLst>
+  </p:cSld>
+  <p:clrMapOvr>
+    <a:masterClrMapping/>
+  </p:clrMapOvr>
+</p:sld>
+</file>
+
+<file path=ppt/slides/slide13.xml><?xml version="1.0" encoding="utf-8"?>
+<p:sld xmlns:a="http://schemas.openxmlformats.org/drawingml/2006/main" xmlns:r="http://schemas.openxmlformats.org/officeDocument/2006/relationships" xmlns:p="http://schemas.openxmlformats.org/presentationml/2006/main">
+  <p:cSld>
+    <p:spTree>
+      <p:nvGrpSpPr>
+        <p:cNvPr id="1" name="Shape 112"/>
+        <p:cNvGrpSpPr/>
+        <p:nvPr/>
+      </p:nvGrpSpPr>
+      <p:grpSpPr>
+        <a:xfrm>
+          <a:off x="0" y="0"/>
+          <a:ext cx="0" cy="0"/>
+          <a:chOff x="0" y="0"/>
+          <a:chExt cx="0" cy="0"/>
+        </a:xfrm>
+      </p:grpSpPr>
+      <p:sp>
+        <p:nvSpPr>
+          <p:cNvPr id="113" name="Google Shape;113;p21"/>
+          <p:cNvSpPr txBox="1">
+            <a:spLocks noGrp="1"/>
+          </p:cNvSpPr>
+          <p:nvPr>
+            <p:ph type="title"/>
+          </p:nvPr>
+        </p:nvSpPr>
+        <p:spPr>
+          <a:xfrm>
+            <a:off x="311700" y="445025"/>
+            <a:ext cx="8520600" cy="572700"/>
+          </a:xfrm>
+          <a:prstGeom prst="rect">
+            <a:avLst/>
+          </a:prstGeom>
+        </p:spPr>
+        <p:txBody>
+          <a:bodyPr spcFirstLastPara="1" wrap="square" lIns="91425" tIns="91425" rIns="91425" bIns="91425" anchor="t" anchorCtr="0">
+            <a:noAutofit/>
+          </a:bodyPr>
+          <a:lstStyle/>
+          <a:p>
+            <a:pPr marL="0" lvl="0" indent="0" algn="ctr" rtl="0">
+              <a:spcBef>
+                <a:spcPts val="0"/>
+              </a:spcBef>
+              <a:spcAft>
+                <a:spcPts val="0"/>
+              </a:spcAft>
+              <a:buSzPts val="990"/>
+              <a:buNone/>
+            </a:pPr>
+            <a:r>
+              <a:rPr lang="ru" sz="3020" dirty="0">
+                <a:latin typeface="+mj-lt"/>
+                <a:ea typeface="Courier New"/>
+                <a:cs typeface="Courier New"/>
+                <a:sym typeface="Courier New"/>
+              </a:rPr>
+              <a:t>Заключение</a:t>
+            </a:r>
+            <a:endParaRPr sz="3020" dirty="0">
+              <a:latin typeface="+mj-lt"/>
+              <a:ea typeface="Courier New"/>
+              <a:cs typeface="Courier New"/>
+              <a:sym typeface="Courier New"/>
+            </a:endParaRPr>
+          </a:p>
+        </p:txBody>
+      </p:sp>
+      <p:sp>
+        <p:nvSpPr>
+          <p:cNvPr id="114" name="Google Shape;114;p21"/>
+          <p:cNvSpPr txBox="1">
+            <a:spLocks noGrp="1"/>
+          </p:cNvSpPr>
+          <p:nvPr>
+            <p:ph type="body" idx="1"/>
+          </p:nvPr>
+        </p:nvSpPr>
+        <p:spPr>
+          <a:xfrm>
+            <a:off x="700088" y="1152475"/>
+            <a:ext cx="8132212" cy="3416400"/>
+          </a:xfrm>
+          <a:prstGeom prst="rect">
+            <a:avLst/>
+          </a:prstGeom>
+        </p:spPr>
+        <p:txBody>
+          <a:bodyPr spcFirstLastPara="1" wrap="square" lIns="91425" tIns="91425" rIns="91425" bIns="91425" anchor="t" anchorCtr="0">
+            <a:normAutofit fontScale="92500" lnSpcReduction="20000"/>
+          </a:bodyPr>
+          <a:lstStyle/>
+          <a:p>
+            <a:pPr marL="0" lvl="0" indent="0" algn="l" rtl="0">
+              <a:spcBef>
+                <a:spcPts val="0"/>
+              </a:spcBef>
+              <a:spcAft>
+                <a:spcPts val="1200"/>
+              </a:spcAft>
+              <a:buNone/>
+            </a:pPr>
+            <a:r>
+              <a:rPr lang="en-US" sz="2000" dirty="0" err="1">
+                <a:solidFill>
+                  <a:schemeClr val="tx1"/>
+                </a:solidFill>
+                <a:latin typeface="+mn-lt"/>
+                <a:ea typeface="Montserrat Light"/>
+                <a:cs typeface="Montserrat Light"/>
+                <a:sym typeface="Montserrat Light"/>
+              </a:rPr>
+              <a:t>ScapeGoat</a:t>
+            </a:r>
+            <a:r>
+              <a:rPr lang="en-US" sz="2000" dirty="0">
+                <a:solidFill>
+                  <a:schemeClr val="tx1"/>
+                </a:solidFill>
+                <a:latin typeface="+mn-lt"/>
+                <a:ea typeface="Montserrat Light"/>
+                <a:cs typeface="Montserrat Light"/>
+                <a:sym typeface="Montserrat Light"/>
+              </a:rPr>
+              <a:t> Tree</a:t>
+            </a:r>
+            <a:r>
+              <a:rPr lang="ru-RU" sz="2000" dirty="0">
+                <a:solidFill>
+                  <a:schemeClr val="tx1"/>
+                </a:solidFill>
+                <a:latin typeface="+mn-lt"/>
+                <a:ea typeface="Montserrat Light"/>
+                <a:cs typeface="Montserrat Light"/>
+                <a:sym typeface="Montserrat Light"/>
+              </a:rPr>
+              <a:t>:</a:t>
+            </a:r>
+          </a:p>
+          <a:p>
+            <a:pPr marL="342900" lvl="0" algn="l" rtl="0">
+              <a:lnSpc>
+                <a:spcPct val="200000"/>
+              </a:lnSpc>
+              <a:spcBef>
+                <a:spcPts val="0"/>
+              </a:spcBef>
+              <a:spcAft>
+                <a:spcPts val="1200"/>
+              </a:spcAft>
+              <a:buFontTx/>
+              <a:buChar char="-"/>
+            </a:pPr>
+            <a:r>
+              <a:rPr lang="ru-RU" sz="2000" dirty="0">
+                <a:solidFill>
+                  <a:schemeClr val="tx1"/>
+                </a:solidFill>
+                <a:latin typeface="+mn-lt"/>
+                <a:ea typeface="Montserrat Light"/>
+                <a:cs typeface="Montserrat Light"/>
+                <a:sym typeface="Montserrat Light"/>
+              </a:rPr>
+              <a:t>Изучен по литературным источникам</a:t>
+            </a:r>
+          </a:p>
+          <a:p>
+            <a:pPr marL="342900" lvl="0" algn="l" rtl="0">
+              <a:lnSpc>
+                <a:spcPct val="200000"/>
+              </a:lnSpc>
+              <a:spcBef>
+                <a:spcPts val="0"/>
+              </a:spcBef>
+              <a:spcAft>
+                <a:spcPts val="1200"/>
+              </a:spcAft>
+              <a:buFontTx/>
+              <a:buChar char="-"/>
+            </a:pPr>
+            <a:r>
+              <a:rPr lang="ru-RU" sz="2000" dirty="0">
+                <a:solidFill>
+                  <a:schemeClr val="tx1"/>
+                </a:solidFill>
+                <a:latin typeface="+mn-lt"/>
+                <a:ea typeface="Montserrat Light"/>
+                <a:cs typeface="Montserrat Light"/>
+                <a:sym typeface="Montserrat Light"/>
+              </a:rPr>
+              <a:t>Изложен в удобной для понимания форме</a:t>
+            </a:r>
+          </a:p>
+          <a:p>
+            <a:pPr marL="342900" lvl="0" algn="l" rtl="0">
+              <a:lnSpc>
+                <a:spcPct val="200000"/>
+              </a:lnSpc>
+              <a:spcBef>
+                <a:spcPts val="0"/>
+              </a:spcBef>
+              <a:spcAft>
+                <a:spcPts val="1200"/>
+              </a:spcAft>
+              <a:buFontTx/>
+              <a:buChar char="-"/>
+            </a:pPr>
+            <a:r>
+              <a:rPr lang="ru-RU" sz="2000" dirty="0">
+                <a:solidFill>
+                  <a:schemeClr val="tx1"/>
+                </a:solidFill>
+                <a:latin typeface="+mn-lt"/>
+                <a:ea typeface="Montserrat Light"/>
+                <a:cs typeface="Montserrat Light"/>
+                <a:sym typeface="Montserrat Light"/>
+              </a:rPr>
+              <a:t>Реализованы все операции в дереве</a:t>
+            </a:r>
+          </a:p>
+          <a:p>
+            <a:pPr marL="342900" lvl="0" algn="l" rtl="0">
+              <a:lnSpc>
+                <a:spcPct val="200000"/>
+              </a:lnSpc>
+              <a:spcBef>
+                <a:spcPts val="0"/>
+              </a:spcBef>
+              <a:spcAft>
+                <a:spcPts val="1200"/>
+              </a:spcAft>
+              <a:buFontTx/>
+              <a:buChar char="-"/>
+            </a:pPr>
+            <a:r>
+              <a:rPr lang="ru-RU" sz="2000" dirty="0">
+                <a:solidFill>
+                  <a:schemeClr val="tx1"/>
+                </a:solidFill>
+                <a:latin typeface="+mn-lt"/>
+                <a:ea typeface="Montserrat Light"/>
+                <a:cs typeface="Montserrat Light"/>
+                <a:sym typeface="Montserrat Light"/>
+              </a:rPr>
+              <a:t>Исследована производительность на разных входных данных</a:t>
+            </a:r>
+            <a:endParaRPr sz="2000" dirty="0">
+              <a:solidFill>
+                <a:schemeClr val="tx1"/>
+              </a:solidFill>
+              <a:latin typeface="+mn-lt"/>
+              <a:ea typeface="Montserrat Light"/>
+              <a:cs typeface="Montserrat Light"/>
+              <a:sym typeface="Montserrat Light"/>
+            </a:endParaRPr>
+          </a:p>
+        </p:txBody>
+      </p:sp>
+      <p:sp>
+        <p:nvSpPr>
+          <p:cNvPr id="2" name="Номер слайда 1">
+            <a:extLst>
+              <a:ext uri="{FF2B5EF4-FFF2-40B4-BE49-F238E27FC236}">
+                <a16:creationId xmlns:a16="http://schemas.microsoft.com/office/drawing/2014/main" id="{77F9AB56-9ACD-5E94-5916-D57AC074AA32}"/>
+              </a:ext>
+            </a:extLst>
+          </p:cNvPr>
+          <p:cNvSpPr>
+            <a:spLocks noGrp="1"/>
+          </p:cNvSpPr>
+          <p:nvPr>
+            <p:ph type="sldNum" idx="12"/>
+          </p:nvPr>
+        </p:nvSpPr>
+        <p:spPr/>
+        <p:txBody>
+          <a:bodyPr/>
+          <a:lstStyle/>
+          <a:p>
+            <a:pPr marL="0" lvl="0" indent="0" algn="r" rtl="0">
+              <a:spcBef>
+                <a:spcPts val="0"/>
+              </a:spcBef>
+              <a:spcAft>
+                <a:spcPts val="0"/>
+              </a:spcAft>
+              <a:buNone/>
+            </a:pPr>
+            <a:fld id="{00000000-1234-1234-1234-123412341234}" type="slidenum">
+              <a:rPr lang="ru" smtClean="0"/>
+              <a:t>13</a:t>
+            </a:fld>
+            <a:endParaRPr lang="ru"/>
           </a:p>
         </p:txBody>
       </p:sp>
@@ -6255,7 +6929,7 @@
           </a:bodyPr>
           <a:lstStyle/>
           <a:p>
-            <a:pPr marL="0" lvl="0" indent="0" algn="ctr" rtl="0">
+            <a:pPr marL="0" lvl="0" indent="0" rtl="0">
               <a:spcBef>
                 <a:spcPts val="0"/>
               </a:spcBef>
@@ -6296,24 +6970,24 @@
         <p:spPr>
           <a:xfrm>
             <a:off x="3256725" y="1140300"/>
-            <a:ext cx="5575500" cy="3416400"/>
+            <a:ext cx="5397991" cy="3558175"/>
           </a:xfrm>
           <a:prstGeom prst="rect">
             <a:avLst/>
           </a:prstGeom>
         </p:spPr>
         <p:txBody>
-          <a:bodyPr spcFirstLastPara="1" wrap="square" lIns="91425" tIns="91425" rIns="91425" bIns="91425" anchor="t" anchorCtr="0">
-            <a:normAutofit fontScale="92500" lnSpcReduction="20000"/>
+          <a:bodyPr spcFirstLastPara="1" wrap="square" lIns="91425" tIns="91425" rIns="72000" bIns="91425" anchor="t" anchorCtr="0">
+            <a:normAutofit/>
           </a:bodyPr>
           <a:lstStyle/>
           <a:p>
             <a:pPr marL="457200" lvl="0" indent="-355600" algn="l" rtl="0">
               <a:lnSpc>
-                <a:spcPct val="200000"/>
+                <a:spcPct val="110000"/>
               </a:lnSpc>
               <a:spcBef>
-                <a:spcPts val="0"/>
+                <a:spcPts val="600"/>
               </a:spcBef>
               <a:spcAft>
                 <a:spcPts val="0"/>
@@ -6353,7 +7027,7 @@
                 <a:spcPct val="200000"/>
               </a:lnSpc>
               <a:spcBef>
-                <a:spcPts val="0"/>
+                <a:spcPts val="600"/>
               </a:spcBef>
               <a:spcAft>
                 <a:spcPts val="0"/>
@@ -6388,12 +7062,12 @@
             </a:endParaRPr>
           </a:p>
           <a:p>
-            <a:pPr marL="457200" lvl="0" indent="-355600" algn="l" rtl="0">
+            <a:pPr marL="457200" lvl="0" indent="-360000" algn="l" rtl="0">
               <a:lnSpc>
-                <a:spcPct val="200000"/>
+                <a:spcPct val="100000"/>
               </a:lnSpc>
               <a:spcBef>
-                <a:spcPts val="0"/>
+                <a:spcPts val="600"/>
               </a:spcBef>
               <a:spcAft>
                 <a:spcPts val="0"/>
@@ -6433,7 +7107,7 @@
                 <a:spcPct val="200000"/>
               </a:lnSpc>
               <a:spcBef>
-                <a:spcPts val="0"/>
+                <a:spcPts val="600"/>
               </a:spcBef>
               <a:spcAft>
                 <a:spcPts val="0"/>
@@ -6584,7 +7258,7 @@
         </p:nvSpPr>
         <p:spPr>
           <a:xfrm>
-            <a:off x="421400" y="86683"/>
+            <a:off x="311700" y="376850"/>
             <a:ext cx="8520600" cy="572700"/>
           </a:xfrm>
           <a:prstGeom prst="rect">
@@ -6597,7 +7271,7 @@
           </a:bodyPr>
           <a:lstStyle/>
           <a:p>
-            <a:pPr marL="0" lvl="0" indent="0" algn="ctr" rtl="0">
+            <a:pPr marL="0" lvl="0" indent="0" rtl="0">
               <a:spcBef>
                 <a:spcPts val="0"/>
               </a:spcBef>
@@ -6636,7 +7310,7 @@
         </p:nvSpPr>
         <p:spPr>
           <a:xfrm>
-            <a:off x="2532185" y="1060776"/>
+            <a:off x="2532185" y="1299310"/>
             <a:ext cx="5940273" cy="3291265"/>
           </a:xfrm>
           <a:prstGeom prst="rect">
@@ -6662,7 +7336,7 @@
               <a:buNone/>
             </a:pPr>
             <a:r>
-              <a:rPr lang="ru" dirty="0">
+              <a:rPr lang="ru" sz="2000" dirty="0">
                 <a:solidFill>
                   <a:srgbClr val="222222"/>
                 </a:solidFill>
@@ -6674,7 +7348,7 @@
               <a:t>Изобретен Арне Андерссоном </a:t>
             </a:r>
             <a:r>
-              <a:rPr lang="en-US" dirty="0">
+              <a:rPr lang="en-US" sz="2000" dirty="0">
                 <a:solidFill>
                   <a:srgbClr val="222222"/>
                 </a:solidFill>
@@ -6686,7 +7360,7 @@
               <a:t>(</a:t>
             </a:r>
             <a:r>
-              <a:rPr lang="ru" dirty="0">
+              <a:rPr lang="ru" sz="2000" dirty="0">
                 <a:solidFill>
                   <a:srgbClr val="222222"/>
                 </a:solidFill>
@@ -6698,7 +7372,7 @@
               <a:t>1989</a:t>
             </a:r>
             <a:r>
-              <a:rPr lang="en-US" dirty="0">
+              <a:rPr lang="en-US" sz="2000" dirty="0">
                 <a:solidFill>
                   <a:srgbClr val="222222"/>
                 </a:solidFill>
@@ -6709,7 +7383,7 @@
               </a:rPr>
               <a:t>)</a:t>
             </a:r>
-            <a:endParaRPr lang="ru-RU" dirty="0">
+            <a:endParaRPr lang="ru-RU" sz="2000" dirty="0">
               <a:solidFill>
                 <a:srgbClr val="222222"/>
               </a:solidFill>
@@ -6732,7 +7406,7 @@
               </a:spcAft>
               <a:buNone/>
             </a:pPr>
-            <a:endParaRPr lang="en-US" dirty="0">
+            <a:endParaRPr lang="en-US" sz="2000" dirty="0">
               <a:solidFill>
                 <a:srgbClr val="222222"/>
               </a:solidFill>
@@ -6756,7 +7430,7 @@
               <a:buNone/>
             </a:pPr>
             <a:r>
-              <a:rPr lang="ru" dirty="0">
+              <a:rPr lang="ru" sz="2000" dirty="0">
                 <a:solidFill>
                   <a:srgbClr val="222222"/>
                 </a:solidFill>
@@ -6767,7 +7441,7 @@
               </a:rPr>
               <a:t>Изобретен заново Игалом Гальперином и Рональдом Л. Ривестом(1993)</a:t>
             </a:r>
-            <a:endParaRPr dirty="0">
+            <a:endParaRPr sz="2000" dirty="0">
               <a:latin typeface="+mn-lt"/>
               <a:ea typeface="Montserrat Light"/>
               <a:cs typeface="Montserrat Light"/>
@@ -6783,27 +7457,19 @@
           <p:nvPr/>
         </p:nvPicPr>
         <p:blipFill>
-          <a:blip r:embed="rId3">
-            <a:alphaModFix/>
-          </a:blip>
+          <a:blip r:embed="rId3"/>
           <a:stretch>
             <a:fillRect/>
           </a:stretch>
         </p:blipFill>
         <p:spPr>
           <a:xfrm>
-            <a:off x="311700" y="949550"/>
+            <a:off x="311700" y="1022192"/>
             <a:ext cx="2736300" cy="3641025"/>
           </a:xfrm>
           <a:prstGeom prst="rect">
             <a:avLst/>
           </a:prstGeom>
-          <a:ln>
-            <a:noFill/>
-          </a:ln>
-          <a:effectLst>
-            <a:softEdge rad="112500"/>
-          </a:effectLst>
         </p:spPr>
       </p:pic>
       <p:sp>
@@ -6905,6 +7571,370 @@
 </file>
 
 <file path=ppt/slides/slide4.xml><?xml version="1.0" encoding="utf-8"?>
+<p:sld xmlns:a="http://schemas.openxmlformats.org/drawingml/2006/main" xmlns:r="http://schemas.openxmlformats.org/officeDocument/2006/relationships" xmlns:p="http://schemas.openxmlformats.org/presentationml/2006/main">
+  <p:cSld>
+    <p:spTree>
+      <p:nvGrpSpPr>
+        <p:cNvPr id="1" name=""/>
+        <p:cNvGrpSpPr/>
+        <p:nvPr/>
+      </p:nvGrpSpPr>
+      <p:grpSpPr>
+        <a:xfrm>
+          <a:off x="0" y="0"/>
+          <a:ext cx="0" cy="0"/>
+          <a:chOff x="0" y="0"/>
+          <a:chExt cx="0" cy="0"/>
+        </a:xfrm>
+      </p:grpSpPr>
+      <p:sp>
+        <p:nvSpPr>
+          <p:cNvPr id="2" name="Заголовок 1">
+            <a:extLst>
+              <a:ext uri="{FF2B5EF4-FFF2-40B4-BE49-F238E27FC236}">
+                <a16:creationId xmlns:a16="http://schemas.microsoft.com/office/drawing/2014/main" id="{E54E6D43-8C14-B260-B820-0C89EF8FC4C3}"/>
+              </a:ext>
+            </a:extLst>
+          </p:cNvPr>
+          <p:cNvSpPr>
+            <a:spLocks noGrp="1"/>
+          </p:cNvSpPr>
+          <p:nvPr>
+            <p:ph type="title"/>
+          </p:nvPr>
+        </p:nvSpPr>
+        <p:spPr/>
+        <p:txBody>
+          <a:bodyPr>
+            <a:normAutofit/>
+          </a:bodyPr>
+          <a:lstStyle/>
+          <a:p>
+            <a:pPr rtl="0">
+              <a:spcBef>
+                <a:spcPts val="0"/>
+              </a:spcBef>
+              <a:spcAft>
+                <a:spcPts val="0"/>
+              </a:spcAft>
+            </a:pPr>
+            <a:r>
+              <a:rPr lang="ru-RU" sz="2500" b="0" i="0" u="none" strike="noStrike" dirty="0">
+                <a:solidFill>
+                  <a:srgbClr val="000000"/>
+                </a:solidFill>
+                <a:effectLst/>
+                <a:latin typeface="+mj-lt"/>
+              </a:rPr>
+              <a:t>Пример деревьев с разным коэффициентом a</a:t>
+            </a:r>
+            <a:endParaRPr lang="ru-RU" sz="2500" dirty="0">
+              <a:latin typeface="+mj-lt"/>
+            </a:endParaRPr>
+          </a:p>
+        </p:txBody>
+      </p:sp>
+      <p:sp>
+        <p:nvSpPr>
+          <p:cNvPr id="4" name="Номер слайда 3">
+            <a:extLst>
+              <a:ext uri="{FF2B5EF4-FFF2-40B4-BE49-F238E27FC236}">
+                <a16:creationId xmlns:a16="http://schemas.microsoft.com/office/drawing/2014/main" id="{3F6C5F71-0727-E320-76D6-24955673DF6F}"/>
+              </a:ext>
+            </a:extLst>
+          </p:cNvPr>
+          <p:cNvSpPr>
+            <a:spLocks noGrp="1"/>
+          </p:cNvSpPr>
+          <p:nvPr>
+            <p:ph type="sldNum" idx="12"/>
+          </p:nvPr>
+        </p:nvSpPr>
+        <p:spPr/>
+        <p:txBody>
+          <a:bodyPr/>
+          <a:lstStyle/>
+          <a:p>
+            <a:pPr marL="0" lvl="0" indent="0" algn="r" rtl="0">
+              <a:spcBef>
+                <a:spcPts val="0"/>
+              </a:spcBef>
+              <a:spcAft>
+                <a:spcPts val="0"/>
+              </a:spcAft>
+              <a:buNone/>
+            </a:pPr>
+            <a:fld id="{00000000-1234-1234-1234-123412341234}" type="slidenum">
+              <a:rPr lang="ru" smtClean="0"/>
+              <a:t>4</a:t>
+            </a:fld>
+            <a:endParaRPr lang="ru"/>
+          </a:p>
+        </p:txBody>
+      </p:sp>
+      <p:pic>
+        <p:nvPicPr>
+          <p:cNvPr id="2050" name="Picture 2">
+            <a:extLst>
+              <a:ext uri="{FF2B5EF4-FFF2-40B4-BE49-F238E27FC236}">
+                <a16:creationId xmlns:a16="http://schemas.microsoft.com/office/drawing/2014/main" id="{3DF86B08-0D7C-0A1F-C0B6-A97ABEB5FE05}"/>
+              </a:ext>
+            </a:extLst>
+          </p:cNvPr>
+          <p:cNvPicPr>
+            <a:picLocks noChangeAspect="1" noChangeArrowheads="1"/>
+          </p:cNvPicPr>
+          <p:nvPr/>
+        </p:nvPicPr>
+        <p:blipFill>
+          <a:blip r:embed="rId2">
+            <a:extLst>
+              <a:ext uri="{28A0092B-C50C-407E-A947-70E740481C1C}">
+                <a14:useLocalDpi xmlns:a14="http://schemas.microsoft.com/office/drawing/2010/main" val="0"/>
+              </a:ext>
+            </a:extLst>
+          </a:blip>
+          <a:srcRect/>
+          <a:stretch>
+            <a:fillRect/>
+          </a:stretch>
+        </p:blipFill>
+        <p:spPr bwMode="auto">
+          <a:xfrm>
+            <a:off x="478835" y="1071894"/>
+            <a:ext cx="3671207" cy="1841642"/>
+          </a:xfrm>
+          <a:prstGeom prst="rect">
+            <a:avLst/>
+          </a:prstGeom>
+          <a:noFill/>
+          <a:extLst>
+            <a:ext uri="{909E8E84-426E-40DD-AFC4-6F175D3DCCD1}">
+              <a14:hiddenFill xmlns:a14="http://schemas.microsoft.com/office/drawing/2010/main">
+                <a:solidFill>
+                  <a:srgbClr val="FFFFFF"/>
+                </a:solidFill>
+              </a14:hiddenFill>
+            </a:ext>
+          </a:extLst>
+        </p:spPr>
+      </p:pic>
+      <p:pic>
+        <p:nvPicPr>
+          <p:cNvPr id="2052" name="Picture 4">
+            <a:extLst>
+              <a:ext uri="{FF2B5EF4-FFF2-40B4-BE49-F238E27FC236}">
+                <a16:creationId xmlns:a16="http://schemas.microsoft.com/office/drawing/2014/main" id="{46AFCE18-12AD-2B64-B086-A3425BCE1A51}"/>
+              </a:ext>
+            </a:extLst>
+          </p:cNvPr>
+          <p:cNvPicPr>
+            <a:picLocks noChangeAspect="1" noChangeArrowheads="1"/>
+          </p:cNvPicPr>
+          <p:nvPr/>
+        </p:nvPicPr>
+        <p:blipFill>
+          <a:blip r:embed="rId3">
+            <a:extLst>
+              <a:ext uri="{28A0092B-C50C-407E-A947-70E740481C1C}">
+                <a14:useLocalDpi xmlns:a14="http://schemas.microsoft.com/office/drawing/2010/main" val="0"/>
+              </a:ext>
+            </a:extLst>
+          </a:blip>
+          <a:srcRect/>
+          <a:stretch>
+            <a:fillRect/>
+          </a:stretch>
+        </p:blipFill>
+        <p:spPr bwMode="auto">
+          <a:xfrm>
+            <a:off x="5376731" y="1005856"/>
+            <a:ext cx="3095727" cy="1973717"/>
+          </a:xfrm>
+          <a:prstGeom prst="rect">
+            <a:avLst/>
+          </a:prstGeom>
+          <a:noFill/>
+          <a:extLst>
+            <a:ext uri="{909E8E84-426E-40DD-AFC4-6F175D3DCCD1}">
+              <a14:hiddenFill xmlns:a14="http://schemas.microsoft.com/office/drawing/2010/main">
+                <a:solidFill>
+                  <a:srgbClr val="FFFFFF"/>
+                </a:solidFill>
+              </a14:hiddenFill>
+            </a:ext>
+          </a:extLst>
+        </p:spPr>
+      </p:pic>
+      <p:pic>
+        <p:nvPicPr>
+          <p:cNvPr id="2054" name="Picture 6">
+            <a:extLst>
+              <a:ext uri="{FF2B5EF4-FFF2-40B4-BE49-F238E27FC236}">
+                <a16:creationId xmlns:a16="http://schemas.microsoft.com/office/drawing/2014/main" id="{D41DADDC-D18C-206B-3F4F-C2702B08B152}"/>
+              </a:ext>
+            </a:extLst>
+          </p:cNvPr>
+          <p:cNvPicPr>
+            <a:picLocks noChangeAspect="1" noChangeArrowheads="1"/>
+          </p:cNvPicPr>
+          <p:nvPr/>
+        </p:nvPicPr>
+        <p:blipFill>
+          <a:blip r:embed="rId4">
+            <a:extLst>
+              <a:ext uri="{28A0092B-C50C-407E-A947-70E740481C1C}">
+                <a14:useLocalDpi xmlns:a14="http://schemas.microsoft.com/office/drawing/2010/main" val="0"/>
+              </a:ext>
+            </a:extLst>
+          </a:blip>
+          <a:srcRect/>
+          <a:stretch>
+            <a:fillRect/>
+          </a:stretch>
+        </p:blipFill>
+        <p:spPr bwMode="auto">
+          <a:xfrm>
+            <a:off x="3317679" y="2913536"/>
+            <a:ext cx="3747665" cy="2059667"/>
+          </a:xfrm>
+          <a:prstGeom prst="rect">
+            <a:avLst/>
+          </a:prstGeom>
+          <a:noFill/>
+          <a:extLst>
+            <a:ext uri="{909E8E84-426E-40DD-AFC4-6F175D3DCCD1}">
+              <a14:hiddenFill xmlns:a14="http://schemas.microsoft.com/office/drawing/2010/main">
+                <a:solidFill>
+                  <a:srgbClr val="FFFFFF"/>
+                </a:solidFill>
+              </a14:hiddenFill>
+            </a:ext>
+          </a:extLst>
+        </p:spPr>
+      </p:pic>
+      <p:sp>
+        <p:nvSpPr>
+          <p:cNvPr id="5" name="TextBox 4">
+            <a:extLst>
+              <a:ext uri="{FF2B5EF4-FFF2-40B4-BE49-F238E27FC236}">
+                <a16:creationId xmlns:a16="http://schemas.microsoft.com/office/drawing/2014/main" id="{8ED5A229-4CE5-D13C-B9AC-7B3658C20BC5}"/>
+              </a:ext>
+            </a:extLst>
+          </p:cNvPr>
+          <p:cNvSpPr txBox="1"/>
+          <p:nvPr/>
+        </p:nvSpPr>
+        <p:spPr>
+          <a:xfrm>
+            <a:off x="1159328" y="2371695"/>
+            <a:ext cx="973343" cy="400110"/>
+          </a:xfrm>
+          <a:prstGeom prst="rect">
+            <a:avLst/>
+          </a:prstGeom>
+          <a:noFill/>
+        </p:spPr>
+        <p:txBody>
+          <a:bodyPr wrap="none" rtlCol="0">
+            <a:spAutoFit/>
+          </a:bodyPr>
+          <a:lstStyle/>
+          <a:p>
+            <a:r>
+              <a:rPr lang="en-US" sz="2000" dirty="0"/>
+              <a:t>a = 0,6</a:t>
+            </a:r>
+            <a:endParaRPr lang="ru-RU" sz="2000" dirty="0"/>
+          </a:p>
+        </p:txBody>
+      </p:sp>
+      <p:sp>
+        <p:nvSpPr>
+          <p:cNvPr id="6" name="TextBox 5">
+            <a:extLst>
+              <a:ext uri="{FF2B5EF4-FFF2-40B4-BE49-F238E27FC236}">
+                <a16:creationId xmlns:a16="http://schemas.microsoft.com/office/drawing/2014/main" id="{4BF1272A-648A-2621-7652-89CA4C4FE307}"/>
+              </a:ext>
+            </a:extLst>
+          </p:cNvPr>
+          <p:cNvSpPr txBox="1"/>
+          <p:nvPr/>
+        </p:nvSpPr>
+        <p:spPr>
+          <a:xfrm>
+            <a:off x="3663370" y="4355068"/>
+            <a:ext cx="1116011" cy="400110"/>
+          </a:xfrm>
+          <a:prstGeom prst="rect">
+            <a:avLst/>
+          </a:prstGeom>
+          <a:noFill/>
+        </p:spPr>
+        <p:txBody>
+          <a:bodyPr wrap="none" rtlCol="0">
+            <a:spAutoFit/>
+          </a:bodyPr>
+          <a:lstStyle/>
+          <a:p>
+            <a:r>
+              <a:rPr lang="en-US" sz="2000" dirty="0"/>
+              <a:t>a = 0,57</a:t>
+            </a:r>
+            <a:endParaRPr lang="ru-RU" sz="2000" dirty="0"/>
+          </a:p>
+        </p:txBody>
+      </p:sp>
+      <p:sp>
+        <p:nvSpPr>
+          <p:cNvPr id="7" name="TextBox 6">
+            <a:extLst>
+              <a:ext uri="{FF2B5EF4-FFF2-40B4-BE49-F238E27FC236}">
+                <a16:creationId xmlns:a16="http://schemas.microsoft.com/office/drawing/2014/main" id="{CE47FB1A-6567-D0B7-9E7C-8EAE7F14371B}"/>
+              </a:ext>
+            </a:extLst>
+          </p:cNvPr>
+          <p:cNvSpPr txBox="1"/>
+          <p:nvPr/>
+        </p:nvSpPr>
+        <p:spPr>
+          <a:xfrm>
+            <a:off x="5376731" y="2659312"/>
+            <a:ext cx="1116011" cy="400110"/>
+          </a:xfrm>
+          <a:prstGeom prst="rect">
+            <a:avLst/>
+          </a:prstGeom>
+          <a:noFill/>
+        </p:spPr>
+        <p:txBody>
+          <a:bodyPr wrap="none" rtlCol="0">
+            <a:spAutoFit/>
+          </a:bodyPr>
+          <a:lstStyle/>
+          <a:p>
+            <a:r>
+              <a:rPr lang="en-US" sz="2000" dirty="0"/>
+              <a:t>a = 0,55</a:t>
+            </a:r>
+            <a:endParaRPr lang="ru-RU" sz="2000" dirty="0"/>
+          </a:p>
+        </p:txBody>
+      </p:sp>
+    </p:spTree>
+    <p:extLst>
+      <p:ext uri="{BB962C8B-B14F-4D97-AF65-F5344CB8AC3E}">
+        <p14:creationId xmlns:p14="http://schemas.microsoft.com/office/powerpoint/2010/main" val="288233813"/>
+      </p:ext>
+    </p:extLst>
+  </p:cSld>
+  <p:clrMapOvr>
+    <a:masterClrMapping/>
+  </p:clrMapOvr>
+</p:sld>
+</file>
+
+<file path=ppt/slides/slide5.xml><?xml version="1.0" encoding="utf-8"?>
 <p:sld xmlns:a="http://schemas.openxmlformats.org/drawingml/2006/main" xmlns:r="http://schemas.openxmlformats.org/officeDocument/2006/relationships" xmlns:p="http://schemas.openxmlformats.org/presentationml/2006/main">
   <p:cSld>
     <p:spTree>
@@ -7337,7 +8367,6 @@
           </a:bodyPr>
           <a:lstStyle/>
           <a:p>
-            <a:pPr algn="ctr"/>
             <a:r>
               <a:rPr lang="ru-RU" dirty="0" err="1">
                 <a:latin typeface="+mj-lt"/>
@@ -7387,7 +8416,7 @@
             </a:pPr>
             <a:fld id="{00000000-1234-1234-1234-123412341234}" type="slidenum">
               <a:rPr lang="ru" smtClean="0"/>
-              <a:t>4</a:t>
+              <a:t>5</a:t>
             </a:fld>
             <a:endParaRPr lang="ru"/>
           </a:p>
@@ -9004,8 +10033,8 @@
         </p:nvSpPr>
         <p:spPr>
           <a:xfrm>
-            <a:off x="2065124" y="3522924"/>
-            <a:ext cx="2015295" cy="261610"/>
+            <a:off x="2164578" y="3414640"/>
+            <a:ext cx="2084317" cy="523220"/>
           </a:xfrm>
           <a:prstGeom prst="rect">
             <a:avLst/>
@@ -9013,13 +10042,13 @@
           <a:noFill/>
         </p:spPr>
         <p:txBody>
-          <a:bodyPr wrap="none" rtlCol="0">
+          <a:bodyPr wrap="square" rtlCol="0">
             <a:spAutoFit/>
           </a:bodyPr>
           <a:lstStyle/>
           <a:p>
             <a:r>
-              <a:rPr lang="ru-RU" sz="1100" dirty="0">
+              <a:rPr lang="ru-RU" dirty="0">
                 <a:solidFill>
                   <a:srgbClr val="C00000"/>
                 </a:solidFill>
@@ -9027,7 +10056,7 @@
               <a:t>2/3 -</a:t>
             </a:r>
             <a:r>
-              <a:rPr lang="en-US" sz="1100" dirty="0">
+              <a:rPr lang="en-US" dirty="0">
                 <a:solidFill>
                   <a:srgbClr val="C00000"/>
                 </a:solidFill>
@@ -9035,7 +10064,7 @@
               <a:t>&gt;</a:t>
             </a:r>
             <a:r>
-              <a:rPr lang="ru-RU" sz="1100" dirty="0">
+              <a:rPr lang="ru-RU" dirty="0">
                 <a:solidFill>
                   <a:srgbClr val="C00000"/>
                 </a:solidFill>
@@ -9059,8 +10088,8 @@
         </p:nvSpPr>
         <p:spPr>
           <a:xfrm>
-            <a:off x="1993052" y="4051081"/>
-            <a:ext cx="1936749" cy="261610"/>
+            <a:off x="1873930" y="4036904"/>
+            <a:ext cx="1992794" cy="523220"/>
           </a:xfrm>
           <a:prstGeom prst="rect">
             <a:avLst/>
@@ -9068,13 +10097,13 @@
           <a:noFill/>
         </p:spPr>
         <p:txBody>
-          <a:bodyPr wrap="none" rtlCol="0">
+          <a:bodyPr wrap="square" rtlCol="0">
             <a:spAutoFit/>
           </a:bodyPr>
           <a:lstStyle/>
           <a:p>
             <a:r>
-              <a:rPr lang="ru-RU" sz="1100" dirty="0">
+              <a:rPr lang="ru-RU" dirty="0">
                 <a:solidFill>
                   <a:srgbClr val="C00000"/>
                 </a:solidFill>
@@ -9082,7 +10111,7 @@
               <a:t>½ -</a:t>
             </a:r>
             <a:r>
-              <a:rPr lang="en-US" sz="1100" dirty="0">
+              <a:rPr lang="en-US" dirty="0">
                 <a:solidFill>
                   <a:srgbClr val="C00000"/>
                 </a:solidFill>
@@ -9090,7 +10119,7 @@
               <a:t>&gt;</a:t>
             </a:r>
             <a:r>
-              <a:rPr lang="ru-RU" sz="1100" dirty="0">
+              <a:rPr lang="ru-RU" dirty="0">
                 <a:solidFill>
                   <a:srgbClr val="C00000"/>
                 </a:solidFill>
@@ -9114,8 +10143,8 @@
         </p:nvSpPr>
         <p:spPr>
           <a:xfrm>
-            <a:off x="1570531" y="2997004"/>
-            <a:ext cx="2015295" cy="261610"/>
+            <a:off x="1719454" y="2843035"/>
+            <a:ext cx="2084317" cy="523220"/>
           </a:xfrm>
           <a:prstGeom prst="rect">
             <a:avLst/>
@@ -9123,13 +10152,13 @@
           <a:noFill/>
         </p:spPr>
         <p:txBody>
-          <a:bodyPr wrap="none" rtlCol="0">
+          <a:bodyPr wrap="square" rtlCol="0">
             <a:spAutoFit/>
           </a:bodyPr>
           <a:lstStyle/>
           <a:p>
             <a:r>
-              <a:rPr lang="ru-RU" sz="1100" dirty="0">
+              <a:rPr lang="ru-RU" dirty="0">
                 <a:solidFill>
                   <a:srgbClr val="C00000"/>
                 </a:solidFill>
@@ -9137,7 +10166,7 @@
               <a:t>3/6 -</a:t>
             </a:r>
             <a:r>
-              <a:rPr lang="en-US" sz="1100" dirty="0">
+              <a:rPr lang="en-US" dirty="0">
                 <a:solidFill>
                   <a:srgbClr val="C00000"/>
                 </a:solidFill>
@@ -9145,7 +10174,7 @@
               <a:t>&gt;</a:t>
             </a:r>
             <a:r>
-              <a:rPr lang="ru-RU" sz="1100" dirty="0">
+              <a:rPr lang="ru-RU" dirty="0">
                 <a:solidFill>
                   <a:srgbClr val="C00000"/>
                 </a:solidFill>
@@ -9169,8 +10198,8 @@
         </p:nvSpPr>
         <p:spPr>
           <a:xfrm>
-            <a:off x="49829" y="2062434"/>
-            <a:ext cx="2149948" cy="261610"/>
+            <a:off x="114882" y="1602907"/>
+            <a:ext cx="1608170" cy="738664"/>
           </a:xfrm>
           <a:prstGeom prst="rect">
             <a:avLst/>
@@ -9178,13 +10207,13 @@
           <a:noFill/>
         </p:spPr>
         <p:txBody>
-          <a:bodyPr wrap="none" rtlCol="0">
+          <a:bodyPr wrap="square" rtlCol="0">
             <a:spAutoFit/>
           </a:bodyPr>
           <a:lstStyle/>
           <a:p>
             <a:r>
-              <a:rPr lang="ru-RU" sz="1100" dirty="0">
+              <a:rPr lang="ru-RU" dirty="0">
                 <a:solidFill>
                   <a:srgbClr val="C00000"/>
                 </a:solidFill>
@@ -9194,7 +10223,7 @@
               <a:t>6/7</a:t>
             </a:r>
             <a:r>
-              <a:rPr lang="en-US" sz="1100" dirty="0">
+              <a:rPr lang="en-US" dirty="0">
                 <a:solidFill>
                   <a:srgbClr val="C00000"/>
                 </a:solidFill>
@@ -9204,7 +10233,7 @@
               <a:t> &gt; 2/3</a:t>
             </a:r>
             <a:r>
-              <a:rPr lang="ru-RU" sz="1100" dirty="0">
+              <a:rPr lang="ru-RU" dirty="0">
                 <a:solidFill>
                   <a:srgbClr val="C00000"/>
                 </a:solidFill>
@@ -9214,7 +10243,7 @@
               <a:t>  -</a:t>
             </a:r>
             <a:r>
-              <a:rPr lang="en-US" sz="1100" dirty="0">
+              <a:rPr lang="en-US" dirty="0">
                 <a:solidFill>
                   <a:srgbClr val="C00000"/>
                 </a:solidFill>
@@ -9224,7 +10253,7 @@
               <a:t>&gt;</a:t>
             </a:r>
             <a:r>
-              <a:rPr lang="ru-RU" sz="1100" dirty="0">
+              <a:rPr lang="ru-RU" dirty="0">
                 <a:solidFill>
                   <a:srgbClr val="C00000"/>
                 </a:solidFill>
@@ -9246,14 +10275,16 @@
             </a:extLst>
           </p:cNvPr>
           <p:cNvCxnSpPr>
+            <a:cxnSpLocks/>
             <a:stCxn id="118" idx="2"/>
+            <a:endCxn id="8" idx="2"/>
           </p:cNvCxnSpPr>
           <p:nvPr/>
         </p:nvCxnSpPr>
         <p:spPr>
           <a:xfrm>
-            <a:off x="1124803" y="2324044"/>
-            <a:ext cx="508249" cy="176269"/>
+            <a:off x="918967" y="2341571"/>
+            <a:ext cx="804085" cy="254734"/>
           </a:xfrm>
           <a:prstGeom prst="straightConnector1">
             <a:avLst/>
@@ -10328,641 +11359,6 @@
 </p:sld>
 </file>
 
-<file path=ppt/slides/slide5.xml><?xml version="1.0" encoding="utf-8"?>
-<p:sld xmlns:a="http://schemas.openxmlformats.org/drawingml/2006/main" xmlns:r="http://schemas.openxmlformats.org/officeDocument/2006/relationships" xmlns:p="http://schemas.openxmlformats.org/presentationml/2006/main">
-  <p:cSld>
-    <p:spTree>
-      <p:nvGrpSpPr>
-        <p:cNvPr id="1" name=""/>
-        <p:cNvGrpSpPr/>
-        <p:nvPr/>
-      </p:nvGrpSpPr>
-      <p:grpSpPr>
-        <a:xfrm>
-          <a:off x="0" y="0"/>
-          <a:ext cx="0" cy="0"/>
-          <a:chOff x="0" y="0"/>
-          <a:chExt cx="0" cy="0"/>
-        </a:xfrm>
-      </p:grpSpPr>
-      <p:sp>
-        <p:nvSpPr>
-          <p:cNvPr id="2" name="Заголовок 1">
-            <a:extLst>
-              <a:ext uri="{FF2B5EF4-FFF2-40B4-BE49-F238E27FC236}">
-                <a16:creationId xmlns:a16="http://schemas.microsoft.com/office/drawing/2014/main" id="{92DEEF0E-4347-A88D-6BC7-9493229F427D}"/>
-              </a:ext>
-            </a:extLst>
-          </p:cNvPr>
-          <p:cNvSpPr>
-            <a:spLocks noGrp="1"/>
-          </p:cNvSpPr>
-          <p:nvPr>
-            <p:ph type="title"/>
-          </p:nvPr>
-        </p:nvSpPr>
-        <p:spPr/>
-        <p:txBody>
-          <a:bodyPr>
-            <a:normAutofit fontScale="90000"/>
-          </a:bodyPr>
-          <a:lstStyle/>
-          <a:p>
-            <a:r>
-              <a:rPr lang="ru-RU" dirty="0"/>
-              <a:t>Вставка</a:t>
-            </a:r>
-            <a:br>
-              <a:rPr lang="ru-RU" dirty="0"/>
-            </a:br>
-            <a:endParaRPr lang="ru-RU" dirty="0"/>
-          </a:p>
-        </p:txBody>
-      </p:sp>
-      <p:sp>
-        <p:nvSpPr>
-          <p:cNvPr id="3" name="Текст 2">
-            <a:extLst>
-              <a:ext uri="{FF2B5EF4-FFF2-40B4-BE49-F238E27FC236}">
-                <a16:creationId xmlns:a16="http://schemas.microsoft.com/office/drawing/2014/main" id="{46D58166-D8B2-D431-FD01-BE43BEE799AC}"/>
-              </a:ext>
-            </a:extLst>
-          </p:cNvPr>
-          <p:cNvSpPr>
-            <a:spLocks noGrp="1"/>
-          </p:cNvSpPr>
-          <p:nvPr>
-            <p:ph type="body" idx="1"/>
-          </p:nvPr>
-        </p:nvSpPr>
-        <p:spPr/>
-        <p:txBody>
-          <a:bodyPr>
-            <a:normAutofit fontScale="92500" lnSpcReduction="10000"/>
-          </a:bodyPr>
-          <a:lstStyle/>
-          <a:p>
-            <a:pPr indent="0" algn="just">
-              <a:lnSpc>
-                <a:spcPct val="130000"/>
-              </a:lnSpc>
-              <a:spcBef>
-                <a:spcPts val="600"/>
-              </a:spcBef>
-              <a:spcAft>
-                <a:spcPts val="100"/>
-              </a:spcAft>
-              <a:buNone/>
-            </a:pPr>
-            <a:r>
-              <a:rPr lang="en-US" sz="1800" b="1" dirty="0">
-                <a:solidFill>
-                  <a:srgbClr val="222222"/>
-                </a:solidFill>
-                <a:effectLst/>
-                <a:latin typeface="Courier New" panose="02070309020205020404" pitchFamily="49" charset="0"/>
-                <a:ea typeface="Courier New" panose="02070309020205020404" pitchFamily="49" charset="0"/>
-              </a:rPr>
-              <a:t>Insert</a:t>
-            </a:r>
-            <a:r>
-              <a:rPr lang="en-US" sz="1800" dirty="0">
-                <a:solidFill>
-                  <a:srgbClr val="222222"/>
-                </a:solidFill>
-                <a:effectLst/>
-                <a:latin typeface="Courier New" panose="02070309020205020404" pitchFamily="49" charset="0"/>
-                <a:ea typeface="Courier New" panose="02070309020205020404" pitchFamily="49" charset="0"/>
-              </a:rPr>
-              <a:t>(k):</a:t>
-            </a:r>
-            <a:endParaRPr lang="ru-RU" sz="1800" dirty="0">
-              <a:solidFill>
-                <a:srgbClr val="222222"/>
-              </a:solidFill>
-              <a:effectLst/>
-              <a:latin typeface="Times New Roman" panose="02020603050405020304" pitchFamily="18" charset="0"/>
-              <a:ea typeface="Times New Roman" panose="02020603050405020304" pitchFamily="18" charset="0"/>
-            </a:endParaRPr>
-          </a:p>
-          <a:p>
-            <a:pPr indent="0" algn="just">
-              <a:lnSpc>
-                <a:spcPct val="130000"/>
-              </a:lnSpc>
-              <a:spcBef>
-                <a:spcPts val="600"/>
-              </a:spcBef>
-              <a:spcAft>
-                <a:spcPts val="100"/>
-              </a:spcAft>
-              <a:buNone/>
-            </a:pPr>
-            <a:r>
-              <a:rPr lang="en-US" sz="1800" dirty="0">
-                <a:solidFill>
-                  <a:srgbClr val="222222"/>
-                </a:solidFill>
-                <a:effectLst/>
-                <a:latin typeface="Courier New" panose="02070309020205020404" pitchFamily="49" charset="0"/>
-                <a:ea typeface="Courier New" panose="02070309020205020404" pitchFamily="49" charset="0"/>
-              </a:rPr>
-              <a:t>  height = </a:t>
-            </a:r>
-            <a:r>
-              <a:rPr lang="en-US" sz="1800" dirty="0" err="1">
-                <a:solidFill>
-                  <a:srgbClr val="222222"/>
-                </a:solidFill>
-                <a:effectLst/>
-                <a:latin typeface="Courier New" panose="02070309020205020404" pitchFamily="49" charset="0"/>
-                <a:ea typeface="Courier New" panose="02070309020205020404" pitchFamily="49" charset="0"/>
-              </a:rPr>
-              <a:t>InsertKey</a:t>
-            </a:r>
-            <a:r>
-              <a:rPr lang="en-US" sz="1800" dirty="0">
-                <a:solidFill>
-                  <a:srgbClr val="222222"/>
-                </a:solidFill>
-                <a:effectLst/>
-                <a:latin typeface="Courier New" panose="02070309020205020404" pitchFamily="49" charset="0"/>
-                <a:ea typeface="Courier New" panose="02070309020205020404" pitchFamily="49" charset="0"/>
-              </a:rPr>
-              <a:t>(k)</a:t>
-            </a:r>
-            <a:endParaRPr lang="ru-RU" sz="1800" dirty="0">
-              <a:solidFill>
-                <a:srgbClr val="222222"/>
-              </a:solidFill>
-              <a:effectLst/>
-              <a:latin typeface="Times New Roman" panose="02020603050405020304" pitchFamily="18" charset="0"/>
-              <a:ea typeface="Times New Roman" panose="02020603050405020304" pitchFamily="18" charset="0"/>
-            </a:endParaRPr>
-          </a:p>
-          <a:p>
-            <a:pPr indent="0" algn="just">
-              <a:lnSpc>
-                <a:spcPct val="130000"/>
-              </a:lnSpc>
-              <a:spcBef>
-                <a:spcPts val="600"/>
-              </a:spcBef>
-              <a:spcAft>
-                <a:spcPts val="100"/>
-              </a:spcAft>
-              <a:buNone/>
-            </a:pPr>
-            <a:r>
-              <a:rPr lang="en-US" sz="1800" dirty="0">
-                <a:solidFill>
-                  <a:srgbClr val="222222"/>
-                </a:solidFill>
-                <a:effectLst/>
-                <a:latin typeface="Courier New" panose="02070309020205020404" pitchFamily="49" charset="0"/>
-                <a:ea typeface="Courier New" panose="02070309020205020404" pitchFamily="49" charset="0"/>
-              </a:rPr>
-              <a:t>  </a:t>
-            </a:r>
-            <a:r>
-              <a:rPr lang="en-US" sz="1800" b="1" dirty="0">
-                <a:solidFill>
-                  <a:srgbClr val="222222"/>
-                </a:solidFill>
-                <a:effectLst/>
-                <a:latin typeface="Courier New" panose="02070309020205020404" pitchFamily="49" charset="0"/>
-                <a:ea typeface="Courier New" panose="02070309020205020404" pitchFamily="49" charset="0"/>
-              </a:rPr>
-              <a:t>if</a:t>
-            </a:r>
-            <a:r>
-              <a:rPr lang="en-US" sz="1800" dirty="0">
-                <a:solidFill>
-                  <a:srgbClr val="222222"/>
-                </a:solidFill>
-                <a:effectLst/>
-                <a:latin typeface="Courier New" panose="02070309020205020404" pitchFamily="49" charset="0"/>
-                <a:ea typeface="Gungsuh" panose="02030600000101010101" pitchFamily="18" charset="-127"/>
-              </a:rPr>
-              <a:t> height = −1:</a:t>
-            </a:r>
-            <a:endParaRPr lang="ru-RU" sz="1800" dirty="0">
-              <a:solidFill>
-                <a:srgbClr val="222222"/>
-              </a:solidFill>
-              <a:effectLst/>
-              <a:latin typeface="Times New Roman" panose="02020603050405020304" pitchFamily="18" charset="0"/>
-              <a:ea typeface="Times New Roman" panose="02020603050405020304" pitchFamily="18" charset="0"/>
-            </a:endParaRPr>
-          </a:p>
-          <a:p>
-            <a:pPr indent="0" algn="just">
-              <a:lnSpc>
-                <a:spcPct val="130000"/>
-              </a:lnSpc>
-              <a:spcBef>
-                <a:spcPts val="600"/>
-              </a:spcBef>
-              <a:spcAft>
-                <a:spcPts val="100"/>
-              </a:spcAft>
-              <a:buNone/>
-            </a:pPr>
-            <a:r>
-              <a:rPr lang="en-US" sz="1800" dirty="0">
-                <a:solidFill>
-                  <a:srgbClr val="222222"/>
-                </a:solidFill>
-                <a:effectLst/>
-                <a:latin typeface="Courier New" panose="02070309020205020404" pitchFamily="49" charset="0"/>
-                <a:ea typeface="Courier New" panose="02070309020205020404" pitchFamily="49" charset="0"/>
-              </a:rPr>
-              <a:t>     </a:t>
-            </a:r>
-            <a:r>
-              <a:rPr lang="en-US" sz="1800" b="1" dirty="0">
-                <a:solidFill>
-                  <a:srgbClr val="222222"/>
-                </a:solidFill>
-                <a:effectLst/>
-                <a:latin typeface="Courier New" panose="02070309020205020404" pitchFamily="49" charset="0"/>
-                <a:ea typeface="Courier New" panose="02070309020205020404" pitchFamily="49" charset="0"/>
-              </a:rPr>
-              <a:t>return</a:t>
-            </a:r>
-            <a:r>
-              <a:rPr lang="en-US" sz="1800" dirty="0">
-                <a:solidFill>
-                  <a:srgbClr val="222222"/>
-                </a:solidFill>
-                <a:effectLst/>
-                <a:latin typeface="Courier New" panose="02070309020205020404" pitchFamily="49" charset="0"/>
-                <a:ea typeface="Courier New" panose="02070309020205020404" pitchFamily="49" charset="0"/>
-              </a:rPr>
-              <a:t> false;</a:t>
-            </a:r>
-            <a:endParaRPr lang="ru-RU" sz="1800" dirty="0">
-              <a:solidFill>
-                <a:srgbClr val="222222"/>
-              </a:solidFill>
-              <a:effectLst/>
-              <a:latin typeface="Times New Roman" panose="02020603050405020304" pitchFamily="18" charset="0"/>
-              <a:ea typeface="Times New Roman" panose="02020603050405020304" pitchFamily="18" charset="0"/>
-            </a:endParaRPr>
-          </a:p>
-          <a:p>
-            <a:pPr indent="0" algn="just">
-              <a:lnSpc>
-                <a:spcPct val="130000"/>
-              </a:lnSpc>
-              <a:spcBef>
-                <a:spcPts val="600"/>
-              </a:spcBef>
-              <a:spcAft>
-                <a:spcPts val="100"/>
-              </a:spcAft>
-              <a:buNone/>
-            </a:pPr>
-            <a:r>
-              <a:rPr lang="en-US" sz="1800" dirty="0">
-                <a:solidFill>
-                  <a:srgbClr val="222222"/>
-                </a:solidFill>
-                <a:effectLst/>
-                <a:latin typeface="Courier New" panose="02070309020205020404" pitchFamily="49" charset="0"/>
-                <a:ea typeface="Courier New" panose="02070309020205020404" pitchFamily="49" charset="0"/>
-              </a:rPr>
-              <a:t>  </a:t>
-            </a:r>
-            <a:r>
-              <a:rPr lang="en-US" sz="1800" b="1" dirty="0">
-                <a:solidFill>
-                  <a:srgbClr val="222222"/>
-                </a:solidFill>
-                <a:effectLst/>
-                <a:latin typeface="Courier New" panose="02070309020205020404" pitchFamily="49" charset="0"/>
-                <a:ea typeface="Courier New" panose="02070309020205020404" pitchFamily="49" charset="0"/>
-              </a:rPr>
-              <a:t>else if</a:t>
-            </a:r>
-            <a:r>
-              <a:rPr lang="en-US" sz="1800" dirty="0">
-                <a:solidFill>
-                  <a:srgbClr val="222222"/>
-                </a:solidFill>
-                <a:effectLst/>
-                <a:latin typeface="Courier New" panose="02070309020205020404" pitchFamily="49" charset="0"/>
-                <a:ea typeface="Courier New" panose="02070309020205020404" pitchFamily="49" charset="0"/>
-              </a:rPr>
-              <a:t> height &gt; </a:t>
-            </a:r>
-            <a:r>
-              <a:rPr lang="en-US" sz="1800" dirty="0" err="1">
-                <a:solidFill>
-                  <a:srgbClr val="222222"/>
-                </a:solidFill>
-                <a:effectLst/>
-                <a:latin typeface="Courier New" panose="02070309020205020404" pitchFamily="49" charset="0"/>
-                <a:ea typeface="Courier New" panose="02070309020205020404" pitchFamily="49" charset="0"/>
-              </a:rPr>
-              <a:t>T.h</a:t>
-            </a:r>
-            <a:r>
-              <a:rPr lang="ru-RU" sz="1800" dirty="0">
-                <a:solidFill>
-                  <a:srgbClr val="222222"/>
-                </a:solidFill>
-                <a:effectLst/>
-                <a:latin typeface="Courier New" panose="02070309020205020404" pitchFamily="49" charset="0"/>
-                <a:ea typeface="Courier New" panose="02070309020205020404" pitchFamily="49" charset="0"/>
-              </a:rPr>
-              <a:t>α</a:t>
-            </a:r>
-            <a:r>
-              <a:rPr lang="en-US" sz="1800" dirty="0">
-                <a:solidFill>
-                  <a:srgbClr val="222222"/>
-                </a:solidFill>
-                <a:effectLst/>
-                <a:latin typeface="Courier New" panose="02070309020205020404" pitchFamily="49" charset="0"/>
-                <a:ea typeface="Courier New" panose="02070309020205020404" pitchFamily="49" charset="0"/>
-              </a:rPr>
-              <a:t>:</a:t>
-            </a:r>
-            <a:endParaRPr lang="ru-RU" sz="1800" dirty="0">
-              <a:solidFill>
-                <a:srgbClr val="222222"/>
-              </a:solidFill>
-              <a:effectLst/>
-              <a:latin typeface="Times New Roman" panose="02020603050405020304" pitchFamily="18" charset="0"/>
-              <a:ea typeface="Times New Roman" panose="02020603050405020304" pitchFamily="18" charset="0"/>
-            </a:endParaRPr>
-          </a:p>
-          <a:p>
-            <a:pPr indent="0" algn="just">
-              <a:lnSpc>
-                <a:spcPct val="130000"/>
-              </a:lnSpc>
-              <a:spcBef>
-                <a:spcPts val="600"/>
-              </a:spcBef>
-              <a:spcAft>
-                <a:spcPts val="100"/>
-              </a:spcAft>
-              <a:buNone/>
-            </a:pPr>
-            <a:r>
-              <a:rPr lang="en-US" sz="1800" dirty="0">
-                <a:solidFill>
-                  <a:srgbClr val="222222"/>
-                </a:solidFill>
-                <a:effectLst/>
-                <a:latin typeface="Courier New" panose="02070309020205020404" pitchFamily="49" charset="0"/>
-                <a:ea typeface="Courier New" panose="02070309020205020404" pitchFamily="49" charset="0"/>
-              </a:rPr>
-              <a:t>     scapegoat = </a:t>
-            </a:r>
-            <a:r>
-              <a:rPr lang="en-US" sz="1800" b="1" dirty="0" err="1">
-                <a:solidFill>
-                  <a:srgbClr val="222222"/>
-                </a:solidFill>
-                <a:effectLst/>
-                <a:latin typeface="Courier New" panose="02070309020205020404" pitchFamily="49" charset="0"/>
-                <a:ea typeface="Courier New" panose="02070309020205020404" pitchFamily="49" charset="0"/>
-              </a:rPr>
-              <a:t>FindScapegoat</a:t>
-            </a:r>
-            <a:r>
-              <a:rPr lang="en-US" sz="1800" dirty="0">
-                <a:solidFill>
-                  <a:srgbClr val="222222"/>
-                </a:solidFill>
-                <a:effectLst/>
-                <a:latin typeface="Courier New" panose="02070309020205020404" pitchFamily="49" charset="0"/>
-                <a:ea typeface="Courier New" panose="02070309020205020404" pitchFamily="49" charset="0"/>
-              </a:rPr>
-              <a:t>(Search(</a:t>
-            </a:r>
-            <a:r>
-              <a:rPr lang="en-US" sz="1800" dirty="0" err="1">
-                <a:solidFill>
-                  <a:srgbClr val="222222"/>
-                </a:solidFill>
-                <a:effectLst/>
-                <a:latin typeface="Courier New" panose="02070309020205020404" pitchFamily="49" charset="0"/>
-                <a:ea typeface="Courier New" panose="02070309020205020404" pitchFamily="49" charset="0"/>
-              </a:rPr>
-              <a:t>T.root</a:t>
-            </a:r>
-            <a:r>
-              <a:rPr lang="en-US" sz="1800" dirty="0">
-                <a:solidFill>
-                  <a:srgbClr val="222222"/>
-                </a:solidFill>
-                <a:effectLst/>
-                <a:latin typeface="Courier New" panose="02070309020205020404" pitchFamily="49" charset="0"/>
-                <a:ea typeface="Courier New" panose="02070309020205020404" pitchFamily="49" charset="0"/>
-              </a:rPr>
-              <a:t>, k))</a:t>
-            </a:r>
-            <a:endParaRPr lang="ru-RU" sz="1800" dirty="0">
-              <a:solidFill>
-                <a:srgbClr val="222222"/>
-              </a:solidFill>
-              <a:effectLst/>
-              <a:latin typeface="Times New Roman" panose="02020603050405020304" pitchFamily="18" charset="0"/>
-              <a:ea typeface="Times New Roman" panose="02020603050405020304" pitchFamily="18" charset="0"/>
-            </a:endParaRPr>
-          </a:p>
-          <a:p>
-            <a:pPr indent="0" algn="just">
-              <a:lnSpc>
-                <a:spcPct val="130000"/>
-              </a:lnSpc>
-              <a:spcBef>
-                <a:spcPts val="600"/>
-              </a:spcBef>
-              <a:spcAft>
-                <a:spcPts val="100"/>
-              </a:spcAft>
-              <a:buNone/>
-            </a:pPr>
-            <a:r>
-              <a:rPr lang="en-US" sz="1800" dirty="0">
-                <a:solidFill>
-                  <a:srgbClr val="222222"/>
-                </a:solidFill>
-                <a:effectLst/>
-                <a:latin typeface="Courier New" panose="02070309020205020404" pitchFamily="49" charset="0"/>
-                <a:ea typeface="Courier New" panose="02070309020205020404" pitchFamily="49" charset="0"/>
-              </a:rPr>
-              <a:t>     </a:t>
-            </a:r>
-            <a:r>
-              <a:rPr lang="en-US" sz="1800" b="1" dirty="0" err="1">
-                <a:solidFill>
-                  <a:srgbClr val="222222"/>
-                </a:solidFill>
-                <a:effectLst/>
-                <a:latin typeface="Courier New" panose="02070309020205020404" pitchFamily="49" charset="0"/>
-                <a:ea typeface="Courier New" panose="02070309020205020404" pitchFamily="49" charset="0"/>
-              </a:rPr>
-              <a:t>RebuildTree</a:t>
-            </a:r>
-            <a:r>
-              <a:rPr lang="en-US" sz="1800" dirty="0">
-                <a:solidFill>
-                  <a:srgbClr val="222222"/>
-                </a:solidFill>
-                <a:effectLst/>
-                <a:latin typeface="Courier New" panose="02070309020205020404" pitchFamily="49" charset="0"/>
-                <a:ea typeface="Courier New" panose="02070309020205020404" pitchFamily="49" charset="0"/>
-              </a:rPr>
-              <a:t>(</a:t>
-            </a:r>
-            <a:r>
-              <a:rPr lang="en-US" sz="1800" dirty="0" err="1">
-                <a:solidFill>
-                  <a:srgbClr val="222222"/>
-                </a:solidFill>
-                <a:effectLst/>
-                <a:latin typeface="Courier New" panose="02070309020205020404" pitchFamily="49" charset="0"/>
-                <a:ea typeface="Courier New" panose="02070309020205020404" pitchFamily="49" charset="0"/>
-              </a:rPr>
-              <a:t>n.size</a:t>
-            </a:r>
-            <a:r>
-              <a:rPr lang="en-US" sz="1800" dirty="0">
-                <a:solidFill>
-                  <a:srgbClr val="222222"/>
-                </a:solidFill>
-                <a:effectLst/>
-                <a:latin typeface="Courier New" panose="02070309020205020404" pitchFamily="49" charset="0"/>
-                <a:ea typeface="Courier New" panose="02070309020205020404" pitchFamily="49" charset="0"/>
-              </a:rPr>
-              <a:t>(), scapegoat)</a:t>
-            </a:r>
-            <a:endParaRPr lang="ru-RU" sz="1800" dirty="0">
-              <a:solidFill>
-                <a:srgbClr val="222222"/>
-              </a:solidFill>
-              <a:effectLst/>
-              <a:latin typeface="Times New Roman" panose="02020603050405020304" pitchFamily="18" charset="0"/>
-              <a:ea typeface="Times New Roman" panose="02020603050405020304" pitchFamily="18" charset="0"/>
-            </a:endParaRPr>
-          </a:p>
-          <a:p>
-            <a:pPr indent="0" algn="just">
-              <a:lnSpc>
-                <a:spcPct val="130000"/>
-              </a:lnSpc>
-              <a:spcBef>
-                <a:spcPts val="600"/>
-              </a:spcBef>
-              <a:spcAft>
-                <a:spcPts val="100"/>
-              </a:spcAft>
-              <a:buNone/>
-            </a:pPr>
-            <a:r>
-              <a:rPr lang="en-US" sz="1800" dirty="0">
-                <a:solidFill>
-                  <a:srgbClr val="222222"/>
-                </a:solidFill>
-                <a:effectLst/>
-                <a:latin typeface="Courier New" panose="02070309020205020404" pitchFamily="49" charset="0"/>
-                <a:ea typeface="Courier New" panose="02070309020205020404" pitchFamily="49" charset="0"/>
-              </a:rPr>
-              <a:t>  </a:t>
-            </a:r>
-            <a:r>
-              <a:rPr lang="en-US" sz="1800" b="1" dirty="0">
-                <a:solidFill>
-                  <a:srgbClr val="222222"/>
-                </a:solidFill>
-                <a:effectLst/>
-                <a:latin typeface="Courier New" panose="02070309020205020404" pitchFamily="49" charset="0"/>
-                <a:ea typeface="Courier New" panose="02070309020205020404" pitchFamily="49" charset="0"/>
-              </a:rPr>
-              <a:t>return</a:t>
-            </a:r>
-            <a:r>
-              <a:rPr lang="en-US" sz="1800" dirty="0">
-                <a:solidFill>
-                  <a:srgbClr val="222222"/>
-                </a:solidFill>
-                <a:effectLst/>
-                <a:latin typeface="Courier New" panose="02070309020205020404" pitchFamily="49" charset="0"/>
-                <a:ea typeface="Courier New" panose="02070309020205020404" pitchFamily="49" charset="0"/>
-              </a:rPr>
-              <a:t> true</a:t>
-            </a:r>
-            <a:endParaRPr lang="ru-RU" sz="1800" dirty="0">
-              <a:solidFill>
-                <a:srgbClr val="222222"/>
-              </a:solidFill>
-              <a:effectLst/>
-              <a:latin typeface="Times New Roman" panose="02020603050405020304" pitchFamily="18" charset="0"/>
-              <a:ea typeface="Times New Roman" panose="02020603050405020304" pitchFamily="18" charset="0"/>
-            </a:endParaRPr>
-          </a:p>
-          <a:p>
-            <a:endParaRPr lang="ru-RU" dirty="0"/>
-          </a:p>
-        </p:txBody>
-      </p:sp>
-      <p:sp>
-        <p:nvSpPr>
-          <p:cNvPr id="4" name="Номер слайда 3">
-            <a:extLst>
-              <a:ext uri="{FF2B5EF4-FFF2-40B4-BE49-F238E27FC236}">
-                <a16:creationId xmlns:a16="http://schemas.microsoft.com/office/drawing/2014/main" id="{735536A6-CAC2-8D31-F4CC-F9C99D28E7BB}"/>
-              </a:ext>
-            </a:extLst>
-          </p:cNvPr>
-          <p:cNvSpPr>
-            <a:spLocks noGrp="1"/>
-          </p:cNvSpPr>
-          <p:nvPr>
-            <p:ph type="sldNum" idx="12"/>
-          </p:nvPr>
-        </p:nvSpPr>
-        <p:spPr/>
-        <p:txBody>
-          <a:bodyPr/>
-          <a:lstStyle/>
-          <a:p>
-            <a:pPr marL="0" lvl="0" indent="0" algn="r" rtl="0">
-              <a:spcBef>
-                <a:spcPts val="0"/>
-              </a:spcBef>
-              <a:spcAft>
-                <a:spcPts val="0"/>
-              </a:spcAft>
-              <a:buNone/>
-            </a:pPr>
-            <a:fld id="{00000000-1234-1234-1234-123412341234}" type="slidenum">
-              <a:rPr lang="ru" smtClean="0"/>
-              <a:t>5</a:t>
-            </a:fld>
-            <a:endParaRPr lang="ru"/>
-          </a:p>
-        </p:txBody>
-      </p:sp>
-    </p:spTree>
-    <p:extLst>
-      <p:ext uri="{BB962C8B-B14F-4D97-AF65-F5344CB8AC3E}">
-        <p14:creationId xmlns:p14="http://schemas.microsoft.com/office/powerpoint/2010/main" val="2720799423"/>
-      </p:ext>
-    </p:extLst>
-  </p:cSld>
-  <p:clrMapOvr>
-    <a:masterClrMapping/>
-  </p:clrMapOvr>
-</p:sld>
-</file>
-
 <file path=ppt/slides/slide6.xml><?xml version="1.0" encoding="utf-8"?>
 <p:sld xmlns:a="http://schemas.openxmlformats.org/drawingml/2006/main" xmlns:r="http://schemas.openxmlformats.org/officeDocument/2006/relationships" xmlns:p="http://schemas.openxmlformats.org/presentationml/2006/main">
   <p:cSld>
@@ -11026,12 +11422,41 @@
             <p:ph type="body" idx="1"/>
           </p:nvPr>
         </p:nvSpPr>
-        <p:spPr/>
+        <p:spPr>
+          <a:xfrm>
+            <a:off x="685800" y="1929705"/>
+            <a:ext cx="3440664" cy="2550319"/>
+          </a:xfrm>
+          <a:solidFill>
+            <a:schemeClr val="accent3">
+              <a:alpha val="50000"/>
+            </a:schemeClr>
+          </a:solidFill>
+          <a:ln>
+            <a:noFill/>
+          </a:ln>
+        </p:spPr>
+        <p:style>
+          <a:lnRef idx="0">
+            <a:scrgbClr r="0" g="0" b="0"/>
+          </a:lnRef>
+          <a:fillRef idx="0">
+            <a:scrgbClr r="0" g="0" b="0"/>
+          </a:fillRef>
+          <a:effectRef idx="0">
+            <a:scrgbClr r="0" g="0" b="0"/>
+          </a:effectRef>
+          <a:fontRef idx="minor">
+            <a:schemeClr val="lt1"/>
+          </a:fontRef>
+        </p:style>
         <p:txBody>
-          <a:bodyPr/>
+          <a:bodyPr>
+            <a:normAutofit/>
+          </a:bodyPr>
           <a:lstStyle/>
           <a:p>
-            <a:pPr indent="0" algn="just">
+            <a:pPr marL="0" indent="0">
               <a:lnSpc>
                 <a:spcPct val="130000"/>
               </a:lnSpc>
@@ -11044,7 +11469,7 @@
               <a:buNone/>
             </a:pPr>
             <a:r>
-              <a:rPr lang="en-US" sz="1800" b="1" dirty="0">
+              <a:rPr lang="en-US" sz="1200" b="1" dirty="0">
                 <a:solidFill>
                   <a:srgbClr val="222222"/>
                 </a:solidFill>
@@ -11055,7 +11480,7 @@
               <a:t>Search</a:t>
             </a:r>
             <a:r>
-              <a:rPr lang="en-US" sz="1800" dirty="0">
+              <a:rPr lang="en-US" sz="1200" dirty="0">
                 <a:solidFill>
                   <a:srgbClr val="222222"/>
                 </a:solidFill>
@@ -11065,7 +11490,7 @@
               </a:rPr>
               <a:t>(root, k):</a:t>
             </a:r>
-            <a:endParaRPr lang="ru-RU" sz="1800" dirty="0">
+            <a:endParaRPr lang="ru-RU" sz="1200" dirty="0">
               <a:solidFill>
                 <a:srgbClr val="222222"/>
               </a:solidFill>
@@ -11075,7 +11500,7 @@
             </a:endParaRPr>
           </a:p>
           <a:p>
-            <a:pPr indent="0" algn="just">
+            <a:pPr marL="0" indent="0" algn="just">
               <a:lnSpc>
                 <a:spcPct val="130000"/>
               </a:lnSpc>
@@ -11088,7 +11513,7 @@
               <a:buNone/>
             </a:pPr>
             <a:r>
-              <a:rPr lang="en-US" sz="1800" dirty="0">
+              <a:rPr lang="en-US" sz="1200" dirty="0">
                 <a:solidFill>
                   <a:srgbClr val="222222"/>
                 </a:solidFill>
@@ -11099,7 +11524,7 @@
               <a:t>  </a:t>
             </a:r>
             <a:r>
-              <a:rPr lang="en-US" sz="1800" b="1" dirty="0">
+              <a:rPr lang="en-US" sz="1200" b="1" dirty="0">
                 <a:solidFill>
                   <a:srgbClr val="222222"/>
                 </a:solidFill>
@@ -11110,7 +11535,7 @@
               <a:t>if </a:t>
             </a:r>
             <a:r>
-              <a:rPr lang="en-US" sz="1800" dirty="0">
+              <a:rPr lang="en-US" sz="1200" dirty="0">
                 <a:solidFill>
                   <a:srgbClr val="222222"/>
                 </a:solidFill>
@@ -11121,7 +11546,7 @@
               <a:t>root = null or </a:t>
             </a:r>
             <a:r>
-              <a:rPr lang="en-US" sz="1800" dirty="0" err="1">
+              <a:rPr lang="en-US" sz="1200" dirty="0" err="1">
                 <a:solidFill>
                   <a:srgbClr val="222222"/>
                 </a:solidFill>
@@ -11132,7 +11557,7 @@
               <a:t>root.key</a:t>
             </a:r>
             <a:r>
-              <a:rPr lang="en-US" sz="1800" dirty="0">
+              <a:rPr lang="en-US" sz="1200" dirty="0">
                 <a:solidFill>
                   <a:srgbClr val="222222"/>
                 </a:solidFill>
@@ -11142,7 +11567,7 @@
               </a:rPr>
               <a:t> = k:</a:t>
             </a:r>
-            <a:endParaRPr lang="ru-RU" sz="1800" dirty="0">
+            <a:endParaRPr lang="ru-RU" sz="1200" dirty="0">
               <a:solidFill>
                 <a:srgbClr val="222222"/>
               </a:solidFill>
@@ -11152,7 +11577,7 @@
             </a:endParaRPr>
           </a:p>
           <a:p>
-            <a:pPr indent="0" algn="just">
+            <a:pPr marL="0" indent="0" algn="just">
               <a:lnSpc>
                 <a:spcPct val="130000"/>
               </a:lnSpc>
@@ -11165,7 +11590,7 @@
               <a:buNone/>
             </a:pPr>
             <a:r>
-              <a:rPr lang="en-US" sz="1800" dirty="0">
+              <a:rPr lang="en-US" sz="1200" dirty="0">
                 <a:solidFill>
                   <a:srgbClr val="222222"/>
                 </a:solidFill>
@@ -11176,7 +11601,7 @@
               <a:t>     </a:t>
             </a:r>
             <a:r>
-              <a:rPr lang="en-US" sz="1800" b="1" dirty="0">
+              <a:rPr lang="en-US" sz="1200" b="1" dirty="0">
                 <a:solidFill>
                   <a:srgbClr val="222222"/>
                 </a:solidFill>
@@ -11187,7 +11612,7 @@
               <a:t>return </a:t>
             </a:r>
             <a:r>
-              <a:rPr lang="en-US" sz="1800" dirty="0">
+              <a:rPr lang="en-US" sz="1200" dirty="0">
                 <a:solidFill>
                   <a:srgbClr val="222222"/>
                 </a:solidFill>
@@ -11197,7 +11622,7 @@
               </a:rPr>
               <a:t>root</a:t>
             </a:r>
-            <a:endParaRPr lang="ru-RU" sz="1800" dirty="0">
+            <a:endParaRPr lang="ru-RU" sz="1200" dirty="0">
               <a:solidFill>
                 <a:srgbClr val="222222"/>
               </a:solidFill>
@@ -11207,7 +11632,7 @@
             </a:endParaRPr>
           </a:p>
           <a:p>
-            <a:pPr indent="0" algn="just">
+            <a:pPr marL="0" indent="0" algn="just">
               <a:lnSpc>
                 <a:spcPct val="130000"/>
               </a:lnSpc>
@@ -11220,7 +11645,7 @@
               <a:buNone/>
             </a:pPr>
             <a:r>
-              <a:rPr lang="en-US" sz="1800" dirty="0">
+              <a:rPr lang="en-US" sz="1200" dirty="0">
                 <a:solidFill>
                   <a:srgbClr val="222222"/>
                 </a:solidFill>
@@ -11231,7 +11656,7 @@
               <a:t>  </a:t>
             </a:r>
             <a:r>
-              <a:rPr lang="en-US" sz="1800" b="1" dirty="0">
+              <a:rPr lang="en-US" sz="1200" b="1" dirty="0">
                 <a:solidFill>
                   <a:srgbClr val="222222"/>
                 </a:solidFill>
@@ -11242,7 +11667,7 @@
               <a:t>else if </a:t>
             </a:r>
             <a:r>
-              <a:rPr lang="en-US" sz="1800" dirty="0">
+              <a:rPr lang="en-US" sz="1200" dirty="0">
                 <a:solidFill>
                   <a:srgbClr val="222222"/>
                 </a:solidFill>
@@ -11253,7 +11678,7 @@
               <a:t>k ≤ </a:t>
             </a:r>
             <a:r>
-              <a:rPr lang="en-US" sz="1800" dirty="0" err="1">
+              <a:rPr lang="en-US" sz="1200" dirty="0" err="1">
                 <a:solidFill>
                   <a:srgbClr val="222222"/>
                 </a:solidFill>
@@ -11264,7 +11689,7 @@
               <a:t>root.left.key</a:t>
             </a:r>
             <a:r>
-              <a:rPr lang="en-US" sz="1800" dirty="0">
+              <a:rPr lang="en-US" sz="1200" dirty="0">
                 <a:solidFill>
                   <a:srgbClr val="222222"/>
                 </a:solidFill>
@@ -11274,7 +11699,7 @@
               </a:rPr>
               <a:t>:</a:t>
             </a:r>
-            <a:endParaRPr lang="ru-RU" sz="1800" dirty="0">
+            <a:endParaRPr lang="ru-RU" sz="1200" dirty="0">
               <a:solidFill>
                 <a:srgbClr val="222222"/>
               </a:solidFill>
@@ -11284,7 +11709,7 @@
             </a:endParaRPr>
           </a:p>
           <a:p>
-            <a:pPr indent="0" algn="just">
+            <a:pPr marL="0" indent="0" algn="just">
               <a:lnSpc>
                 <a:spcPct val="130000"/>
               </a:lnSpc>
@@ -11297,7 +11722,7 @@
               <a:buNone/>
             </a:pPr>
             <a:r>
-              <a:rPr lang="en-US" sz="1800" dirty="0">
+              <a:rPr lang="en-US" sz="1200" dirty="0">
                 <a:solidFill>
                   <a:srgbClr val="222222"/>
                 </a:solidFill>
@@ -11308,7 +11733,7 @@
               <a:t>     </a:t>
             </a:r>
             <a:r>
-              <a:rPr lang="en-US" sz="1800" b="1" dirty="0">
+              <a:rPr lang="en-US" sz="1200" b="1" dirty="0">
                 <a:solidFill>
                   <a:srgbClr val="222222"/>
                 </a:solidFill>
@@ -11319,7 +11744,7 @@
               <a:t>return </a:t>
             </a:r>
             <a:r>
-              <a:rPr lang="en-US" sz="1800" dirty="0">
+              <a:rPr lang="en-US" sz="1200" dirty="0">
                 <a:solidFill>
                   <a:srgbClr val="222222"/>
                 </a:solidFill>
@@ -11330,7 +11755,7 @@
               <a:t>Search(</a:t>
             </a:r>
             <a:r>
-              <a:rPr lang="en-US" sz="1800" dirty="0" err="1">
+              <a:rPr lang="en-US" sz="1200" dirty="0" err="1">
                 <a:solidFill>
                   <a:srgbClr val="222222"/>
                 </a:solidFill>
@@ -11341,7 +11766,7 @@
               <a:t>root.left</a:t>
             </a:r>
             <a:r>
-              <a:rPr lang="en-US" sz="1800" dirty="0">
+              <a:rPr lang="en-US" sz="1200" dirty="0">
                 <a:solidFill>
                   <a:srgbClr val="222222"/>
                 </a:solidFill>
@@ -11351,7 +11776,7 @@
               </a:rPr>
               <a:t>, k)</a:t>
             </a:r>
-            <a:endParaRPr lang="ru-RU" sz="1800" dirty="0">
+            <a:endParaRPr lang="ru-RU" sz="1200" dirty="0">
               <a:solidFill>
                 <a:srgbClr val="222222"/>
               </a:solidFill>
@@ -11361,7 +11786,7 @@
             </a:endParaRPr>
           </a:p>
           <a:p>
-            <a:pPr indent="0" algn="just">
+            <a:pPr marL="0" indent="0" algn="just">
               <a:lnSpc>
                 <a:spcPct val="130000"/>
               </a:lnSpc>
@@ -11374,7 +11799,7 @@
               <a:buNone/>
             </a:pPr>
             <a:r>
-              <a:rPr lang="en-US" sz="1800" dirty="0">
+              <a:rPr lang="en-US" sz="1200" dirty="0">
                 <a:solidFill>
                   <a:srgbClr val="222222"/>
                 </a:solidFill>
@@ -11385,7 +11810,7 @@
               <a:t>  </a:t>
             </a:r>
             <a:r>
-              <a:rPr lang="en-US" sz="1800" b="1" dirty="0">
+              <a:rPr lang="en-US" sz="1200" b="1" dirty="0">
                 <a:solidFill>
                   <a:srgbClr val="222222"/>
                 </a:solidFill>
@@ -11396,7 +11821,7 @@
               <a:t>else</a:t>
             </a:r>
             <a:r>
-              <a:rPr lang="en-US" sz="1800" dirty="0">
+              <a:rPr lang="en-US" sz="1200" dirty="0">
                 <a:solidFill>
                   <a:srgbClr val="222222"/>
                 </a:solidFill>
@@ -11406,7 +11831,7 @@
               </a:rPr>
               <a:t>:</a:t>
             </a:r>
-            <a:endParaRPr lang="ru-RU" sz="1800" dirty="0">
+            <a:endParaRPr lang="ru-RU" sz="1200" dirty="0">
               <a:solidFill>
                 <a:srgbClr val="222222"/>
               </a:solidFill>
@@ -11416,7 +11841,7 @@
             </a:endParaRPr>
           </a:p>
           <a:p>
-            <a:pPr indent="0" algn="just">
+            <a:pPr marL="0" indent="0" algn="just">
               <a:lnSpc>
                 <a:spcPct val="130000"/>
               </a:lnSpc>
@@ -11429,7 +11854,7 @@
               <a:buNone/>
             </a:pPr>
             <a:r>
-              <a:rPr lang="en-US" sz="1800" dirty="0">
+              <a:rPr lang="en-US" sz="1200" dirty="0">
                 <a:solidFill>
                   <a:srgbClr val="222222"/>
                 </a:solidFill>
@@ -11440,7 +11865,7 @@
               <a:t>     </a:t>
             </a:r>
             <a:r>
-              <a:rPr lang="en-US" sz="1800" b="1" dirty="0">
+              <a:rPr lang="en-US" sz="1200" b="1" dirty="0">
                 <a:solidFill>
                   <a:srgbClr val="222222"/>
                 </a:solidFill>
@@ -11451,7 +11876,7 @@
               <a:t>return </a:t>
             </a:r>
             <a:r>
-              <a:rPr lang="en-US" sz="1800" dirty="0">
+              <a:rPr lang="en-US" sz="1200" dirty="0">
                 <a:solidFill>
                   <a:srgbClr val="222222"/>
                 </a:solidFill>
@@ -11462,7 +11887,7 @@
               <a:t>Search(</a:t>
             </a:r>
             <a:r>
-              <a:rPr lang="en-US" sz="1800" dirty="0" err="1">
+              <a:rPr lang="en-US" sz="1200" dirty="0" err="1">
                 <a:solidFill>
                   <a:srgbClr val="222222"/>
                 </a:solidFill>
@@ -11473,7 +11898,7 @@
               <a:t>root.right</a:t>
             </a:r>
             <a:r>
-              <a:rPr lang="en-US" sz="1800" dirty="0">
+              <a:rPr lang="en-US" sz="1200" dirty="0">
                 <a:solidFill>
                   <a:srgbClr val="222222"/>
                 </a:solidFill>
@@ -11483,7 +11908,7 @@
               </a:rPr>
               <a:t>, k)</a:t>
             </a:r>
-            <a:endParaRPr lang="ru-RU" sz="1800" dirty="0">
+            <a:endParaRPr lang="ru-RU" sz="1200" dirty="0">
               <a:solidFill>
                 <a:srgbClr val="222222"/>
               </a:solidFill>
@@ -11493,7 +11918,7 @@
             </a:endParaRPr>
           </a:p>
           <a:p>
-            <a:endParaRPr lang="ru-RU" dirty="0"/>
+            <a:endParaRPr lang="ru-RU" sz="1100" dirty="0"/>
           </a:p>
         </p:txBody>
       </p:sp>
@@ -11535,6 +11960,89 @@
           </a:p>
         </p:txBody>
       </p:sp>
+      <p:sp>
+        <p:nvSpPr>
+          <p:cNvPr id="5" name="TextBox 4">
+            <a:extLst>
+              <a:ext uri="{FF2B5EF4-FFF2-40B4-BE49-F238E27FC236}">
+                <a16:creationId xmlns:a16="http://schemas.microsoft.com/office/drawing/2014/main" id="{E8975011-BDB5-E361-BA12-F81EB5E1F681}"/>
+              </a:ext>
+            </a:extLst>
+          </p:cNvPr>
+          <p:cNvSpPr txBox="1"/>
+          <p:nvPr/>
+        </p:nvSpPr>
+        <p:spPr>
+          <a:xfrm>
+            <a:off x="4800570" y="2327489"/>
+            <a:ext cx="3671888" cy="1569660"/>
+          </a:xfrm>
+          <a:prstGeom prst="rect">
+            <a:avLst/>
+          </a:prstGeom>
+          <a:noFill/>
+        </p:spPr>
+        <p:txBody>
+          <a:bodyPr wrap="square" rtlCol="0">
+            <a:spAutoFit/>
+          </a:bodyPr>
+          <a:lstStyle/>
+          <a:p>
+            <a:r>
+              <a:rPr lang="ru-RU" sz="2400" dirty="0"/>
+              <a:t>Алгоритм поиска реализован</a:t>
+            </a:r>
+            <a:r>
+              <a:rPr lang="en-US" sz="2400" dirty="0"/>
+              <a:t> </a:t>
+            </a:r>
+            <a:r>
+              <a:rPr lang="ru-RU" sz="2400" dirty="0"/>
+              <a:t>как и в других бинарных деревьях.</a:t>
+            </a:r>
+          </a:p>
+        </p:txBody>
+      </p:sp>
+      <p:sp>
+        <p:nvSpPr>
+          <p:cNvPr id="6" name="TextBox 5">
+            <a:extLst>
+              <a:ext uri="{FF2B5EF4-FFF2-40B4-BE49-F238E27FC236}">
+                <a16:creationId xmlns:a16="http://schemas.microsoft.com/office/drawing/2014/main" id="{BEEE174C-CDC6-56D9-8A12-A35A98F2474F}"/>
+              </a:ext>
+            </a:extLst>
+          </p:cNvPr>
+          <p:cNvSpPr txBox="1"/>
+          <p:nvPr/>
+        </p:nvSpPr>
+        <p:spPr>
+          <a:xfrm>
+            <a:off x="685800" y="1310019"/>
+            <a:ext cx="2776722" cy="338554"/>
+          </a:xfrm>
+          <a:prstGeom prst="rect">
+            <a:avLst/>
+          </a:prstGeom>
+          <a:noFill/>
+        </p:spPr>
+        <p:txBody>
+          <a:bodyPr wrap="none" rtlCol="0">
+            <a:spAutoFit/>
+          </a:bodyPr>
+          <a:lstStyle/>
+          <a:p>
+            <a:r>
+              <a:rPr lang="ru-RU" sz="1600" i="1" dirty="0"/>
+              <a:t>На вход подаётся число </a:t>
+            </a:r>
+            <a:r>
+              <a:rPr lang="en-US" sz="1600" i="1" dirty="0"/>
+              <a:t>k:</a:t>
+            </a:r>
+            <a:endParaRPr lang="ru-RU" sz="1600" i="1" dirty="0"/>
+          </a:p>
+        </p:txBody>
+      </p:sp>
     </p:spTree>
     <p:extLst>
       <p:ext uri="{BB962C8B-B14F-4D97-AF65-F5344CB8AC3E}">
@@ -11549,6 +12057,1833 @@
 </file>
 
 <file path=ppt/slides/slide7.xml><?xml version="1.0" encoding="utf-8"?>
+<p:sld xmlns:a="http://schemas.openxmlformats.org/drawingml/2006/main" xmlns:r="http://schemas.openxmlformats.org/officeDocument/2006/relationships" xmlns:p="http://schemas.openxmlformats.org/presentationml/2006/main">
+  <p:cSld>
+    <p:spTree>
+      <p:nvGrpSpPr>
+        <p:cNvPr id="1" name=""/>
+        <p:cNvGrpSpPr/>
+        <p:nvPr/>
+      </p:nvGrpSpPr>
+      <p:grpSpPr>
+        <a:xfrm>
+          <a:off x="0" y="0"/>
+          <a:ext cx="0" cy="0"/>
+          <a:chOff x="0" y="0"/>
+          <a:chExt cx="0" cy="0"/>
+        </a:xfrm>
+      </p:grpSpPr>
+      <p:sp>
+        <p:nvSpPr>
+          <p:cNvPr id="2" name="Заголовок 1">
+            <a:extLst>
+              <a:ext uri="{FF2B5EF4-FFF2-40B4-BE49-F238E27FC236}">
+                <a16:creationId xmlns:a16="http://schemas.microsoft.com/office/drawing/2014/main" id="{840E7673-D5A1-5B8E-E3BC-0674B872D086}"/>
+              </a:ext>
+            </a:extLst>
+          </p:cNvPr>
+          <p:cNvSpPr>
+            <a:spLocks noGrp="1"/>
+          </p:cNvSpPr>
+          <p:nvPr>
+            <p:ph type="title"/>
+          </p:nvPr>
+        </p:nvSpPr>
+        <p:spPr/>
+        <p:txBody>
+          <a:bodyPr>
+            <a:normAutofit fontScale="90000"/>
+          </a:bodyPr>
+          <a:lstStyle/>
+          <a:p>
+            <a:r>
+              <a:rPr lang="ru-RU" dirty="0"/>
+              <a:t>Поиск Козла Отпущения</a:t>
+            </a:r>
+          </a:p>
+        </p:txBody>
+      </p:sp>
+      <p:sp>
+        <p:nvSpPr>
+          <p:cNvPr id="4" name="Номер слайда 3">
+            <a:extLst>
+              <a:ext uri="{FF2B5EF4-FFF2-40B4-BE49-F238E27FC236}">
+                <a16:creationId xmlns:a16="http://schemas.microsoft.com/office/drawing/2014/main" id="{E15A95E0-18D1-F851-70AC-945EC0432BD0}"/>
+              </a:ext>
+            </a:extLst>
+          </p:cNvPr>
+          <p:cNvSpPr>
+            <a:spLocks noGrp="1"/>
+          </p:cNvSpPr>
+          <p:nvPr>
+            <p:ph type="sldNum" idx="12"/>
+          </p:nvPr>
+        </p:nvSpPr>
+        <p:spPr/>
+        <p:txBody>
+          <a:bodyPr/>
+          <a:lstStyle/>
+          <a:p>
+            <a:pPr marL="0" lvl="0" indent="0" algn="r" rtl="0">
+              <a:spcBef>
+                <a:spcPts val="0"/>
+              </a:spcBef>
+              <a:spcAft>
+                <a:spcPts val="0"/>
+              </a:spcAft>
+              <a:buNone/>
+            </a:pPr>
+            <a:fld id="{00000000-1234-1234-1234-123412341234}" type="slidenum">
+              <a:rPr lang="ru" smtClean="0"/>
+              <a:t>7</a:t>
+            </a:fld>
+            <a:endParaRPr lang="ru"/>
+          </a:p>
+        </p:txBody>
+      </p:sp>
+      <p:sp>
+        <p:nvSpPr>
+          <p:cNvPr id="5" name="Rectangle 1">
+            <a:extLst>
+              <a:ext uri="{FF2B5EF4-FFF2-40B4-BE49-F238E27FC236}">
+                <a16:creationId xmlns:a16="http://schemas.microsoft.com/office/drawing/2014/main" id="{717CE3F2-9D70-F0AC-3D10-D1F55CD24641}"/>
+              </a:ext>
+            </a:extLst>
+          </p:cNvPr>
+          <p:cNvSpPr>
+            <a:spLocks noGrp="1" noChangeArrowheads="1"/>
+          </p:cNvSpPr>
+          <p:nvPr>
+            <p:ph type="body" idx="1"/>
+          </p:nvPr>
+        </p:nvSpPr>
+        <p:spPr bwMode="auto">
+          <a:xfrm>
+            <a:off x="405484" y="1870975"/>
+            <a:ext cx="3996607" cy="1938992"/>
+          </a:xfrm>
+          <a:prstGeom prst="rect">
+            <a:avLst/>
+          </a:prstGeom>
+          <a:solidFill>
+            <a:schemeClr val="accent3">
+              <a:alpha val="50000"/>
+            </a:schemeClr>
+          </a:solidFill>
+          <a:ln>
+            <a:noFill/>
+          </a:ln>
+        </p:spPr>
+        <p:style>
+          <a:lnRef idx="0">
+            <a:scrgbClr r="0" g="0" b="0"/>
+          </a:lnRef>
+          <a:fillRef idx="0">
+            <a:scrgbClr r="0" g="0" b="0"/>
+          </a:fillRef>
+          <a:effectRef idx="0">
+            <a:scrgbClr r="0" g="0" b="0"/>
+          </a:effectRef>
+          <a:fontRef idx="minor">
+            <a:schemeClr val="lt1"/>
+          </a:fontRef>
+        </p:style>
+        <p:txBody>
+          <a:bodyPr vert="horz" wrap="none" lIns="91440" tIns="45720" rIns="91440" bIns="45720" numCol="1" anchor="ctr" anchorCtr="0" compatLnSpc="1">
+            <a:prstTxWarp prst="textNoShape">
+              <a:avLst/>
+            </a:prstTxWarp>
+            <a:spAutoFit/>
+          </a:bodyPr>
+          <a:lstStyle/>
+          <a:p>
+            <a:pPr marL="0" marR="0" lvl="0" indent="0" algn="l" defTabSz="914400" rtl="0" eaLnBrk="0" fontAlgn="base" latinLnBrk="0" hangingPunct="0">
+              <a:lnSpc>
+                <a:spcPct val="100000"/>
+              </a:lnSpc>
+              <a:spcBef>
+                <a:spcPct val="0"/>
+              </a:spcBef>
+              <a:spcAft>
+                <a:spcPct val="0"/>
+              </a:spcAft>
+              <a:buClrTx/>
+              <a:buSzTx/>
+              <a:buFontTx/>
+              <a:buNone/>
+              <a:tabLst/>
+            </a:pPr>
+            <a:r>
+              <a:rPr kumimoji="0" lang="ru-RU" altLang="ru-RU" sz="1200" b="1" i="0" u="none" strike="noStrike" cap="none" normalizeH="0" baseline="0" dirty="0" err="1">
+                <a:ln>
+                  <a:noFill/>
+                </a:ln>
+                <a:solidFill>
+                  <a:srgbClr val="000000"/>
+                </a:solidFill>
+                <a:effectLst/>
+                <a:latin typeface="Courier New" panose="02070309020205020404" pitchFamily="49" charset="0"/>
+              </a:rPr>
+              <a:t>FindScapegoat</a:t>
+            </a:r>
+            <a:r>
+              <a:rPr kumimoji="0" lang="ru-RU" altLang="ru-RU" sz="1200" b="0" i="0" u="none" strike="noStrike" cap="none" normalizeH="0" baseline="0" dirty="0">
+                <a:ln>
+                  <a:noFill/>
+                </a:ln>
+                <a:solidFill>
+                  <a:srgbClr val="000000"/>
+                </a:solidFill>
+                <a:effectLst/>
+                <a:latin typeface="Courier New" panose="02070309020205020404" pitchFamily="49" charset="0"/>
+              </a:rPr>
+              <a:t>(n):</a:t>
+            </a:r>
+            <a:endParaRPr kumimoji="0" lang="en-US" altLang="ru-RU" sz="1200" b="0" i="0" u="none" strike="noStrike" cap="none" normalizeH="0" baseline="0" dirty="0">
+              <a:ln>
+                <a:noFill/>
+              </a:ln>
+              <a:solidFill>
+                <a:srgbClr val="000000"/>
+              </a:solidFill>
+              <a:effectLst/>
+              <a:latin typeface="Courier New" panose="02070309020205020404" pitchFamily="49" charset="0"/>
+            </a:endParaRPr>
+          </a:p>
+          <a:p>
+            <a:pPr marL="0" marR="0" lvl="0" indent="0" algn="l" defTabSz="914400" rtl="0" eaLnBrk="0" fontAlgn="base" latinLnBrk="0" hangingPunct="0">
+              <a:lnSpc>
+                <a:spcPct val="100000"/>
+              </a:lnSpc>
+              <a:spcBef>
+                <a:spcPct val="0"/>
+              </a:spcBef>
+              <a:spcAft>
+                <a:spcPct val="0"/>
+              </a:spcAft>
+              <a:buClrTx/>
+              <a:buSzTx/>
+              <a:buFontTx/>
+              <a:buNone/>
+              <a:tabLst/>
+            </a:pPr>
+            <a:r>
+              <a:rPr kumimoji="0" lang="en-US" altLang="ru-RU" sz="1200" b="0" i="0" u="none" strike="noStrike" cap="none" normalizeH="0" baseline="0" dirty="0">
+                <a:ln>
+                  <a:noFill/>
+                </a:ln>
+                <a:solidFill>
+                  <a:srgbClr val="000000"/>
+                </a:solidFill>
+                <a:effectLst/>
+                <a:latin typeface="Courier New" panose="02070309020205020404" pitchFamily="49" charset="0"/>
+              </a:rPr>
+              <a:t> </a:t>
+            </a:r>
+            <a:r>
+              <a:rPr kumimoji="0" lang="ru-RU" altLang="ru-RU" sz="1200" b="0" i="0" u="none" strike="noStrike" cap="none" normalizeH="0" baseline="0" dirty="0" err="1">
+                <a:ln>
+                  <a:noFill/>
+                </a:ln>
+                <a:solidFill>
+                  <a:srgbClr val="000000"/>
+                </a:solidFill>
+                <a:effectLst/>
+                <a:latin typeface="Courier New" panose="02070309020205020404" pitchFamily="49" charset="0"/>
+              </a:rPr>
+              <a:t>size</a:t>
+            </a:r>
+            <a:r>
+              <a:rPr kumimoji="0" lang="ru-RU" altLang="ru-RU" sz="1200" b="0" i="0" u="none" strike="noStrike" cap="none" normalizeH="0" baseline="0" dirty="0">
+                <a:ln>
+                  <a:noFill/>
+                </a:ln>
+                <a:solidFill>
+                  <a:srgbClr val="000000"/>
+                </a:solidFill>
+                <a:effectLst/>
+                <a:latin typeface="Courier New" panose="02070309020205020404" pitchFamily="49" charset="0"/>
+              </a:rPr>
+              <a:t> = 1</a:t>
+            </a:r>
+            <a:endParaRPr kumimoji="0" lang="en-US" altLang="ru-RU" sz="1200" b="0" i="0" u="none" strike="noStrike" cap="none" normalizeH="0" baseline="0" dirty="0">
+              <a:ln>
+                <a:noFill/>
+              </a:ln>
+              <a:solidFill>
+                <a:srgbClr val="000000"/>
+              </a:solidFill>
+              <a:effectLst/>
+              <a:latin typeface="Courier New" panose="02070309020205020404" pitchFamily="49" charset="0"/>
+            </a:endParaRPr>
+          </a:p>
+          <a:p>
+            <a:pPr marL="0" marR="0" lvl="0" indent="0" algn="l" defTabSz="914400" rtl="0" eaLnBrk="0" fontAlgn="base" latinLnBrk="0" hangingPunct="0">
+              <a:lnSpc>
+                <a:spcPct val="100000"/>
+              </a:lnSpc>
+              <a:spcBef>
+                <a:spcPct val="0"/>
+              </a:spcBef>
+              <a:spcAft>
+                <a:spcPct val="0"/>
+              </a:spcAft>
+              <a:buClrTx/>
+              <a:buSzTx/>
+              <a:buFontTx/>
+              <a:buNone/>
+              <a:tabLst/>
+            </a:pPr>
+            <a:r>
+              <a:rPr kumimoji="0" lang="en-US" altLang="ru-RU" sz="1200" b="0" i="0" u="none" strike="noStrike" cap="none" normalizeH="0" baseline="0" dirty="0">
+                <a:ln>
+                  <a:noFill/>
+                </a:ln>
+                <a:solidFill>
+                  <a:srgbClr val="000000"/>
+                </a:solidFill>
+                <a:effectLst/>
+                <a:latin typeface="Courier New" panose="02070309020205020404" pitchFamily="49" charset="0"/>
+              </a:rPr>
+              <a:t> </a:t>
+            </a:r>
+            <a:r>
+              <a:rPr kumimoji="0" lang="ru-RU" altLang="ru-RU" sz="1200" b="0" i="0" u="none" strike="noStrike" cap="none" normalizeH="0" baseline="0" dirty="0" err="1">
+                <a:ln>
+                  <a:noFill/>
+                </a:ln>
+                <a:solidFill>
+                  <a:srgbClr val="000000"/>
+                </a:solidFill>
+                <a:effectLst/>
+                <a:latin typeface="Courier New" panose="02070309020205020404" pitchFamily="49" charset="0"/>
+              </a:rPr>
+              <a:t>height</a:t>
+            </a:r>
+            <a:r>
+              <a:rPr kumimoji="0" lang="ru-RU" altLang="ru-RU" sz="1200" b="0" i="0" u="none" strike="noStrike" cap="none" normalizeH="0" baseline="0" dirty="0">
+                <a:ln>
+                  <a:noFill/>
+                </a:ln>
+                <a:solidFill>
+                  <a:srgbClr val="000000"/>
+                </a:solidFill>
+                <a:effectLst/>
+                <a:latin typeface="Courier New" panose="02070309020205020404" pitchFamily="49" charset="0"/>
+              </a:rPr>
+              <a:t> = 0</a:t>
+            </a:r>
+            <a:endParaRPr kumimoji="0" lang="en-US" altLang="ru-RU" sz="1200" b="0" i="0" u="none" strike="noStrike" cap="none" normalizeH="0" baseline="0" dirty="0">
+              <a:ln>
+                <a:noFill/>
+              </a:ln>
+              <a:solidFill>
+                <a:srgbClr val="000000"/>
+              </a:solidFill>
+              <a:effectLst/>
+              <a:latin typeface="Courier New" panose="02070309020205020404" pitchFamily="49" charset="0"/>
+            </a:endParaRPr>
+          </a:p>
+          <a:p>
+            <a:pPr marL="0" marR="0" lvl="0" indent="0" algn="l" defTabSz="914400" rtl="0" eaLnBrk="0" fontAlgn="base" latinLnBrk="0" hangingPunct="0">
+              <a:lnSpc>
+                <a:spcPct val="100000"/>
+              </a:lnSpc>
+              <a:spcBef>
+                <a:spcPct val="0"/>
+              </a:spcBef>
+              <a:spcAft>
+                <a:spcPct val="0"/>
+              </a:spcAft>
+              <a:buClrTx/>
+              <a:buSzTx/>
+              <a:buFontTx/>
+              <a:buNone/>
+              <a:tabLst/>
+            </a:pPr>
+            <a:r>
+              <a:rPr kumimoji="0" lang="en-US" altLang="ru-RU" sz="1200" b="1" i="0" u="none" strike="noStrike" cap="none" normalizeH="0" baseline="0" dirty="0">
+                <a:ln>
+                  <a:noFill/>
+                </a:ln>
+                <a:solidFill>
+                  <a:srgbClr val="000000"/>
+                </a:solidFill>
+                <a:effectLst/>
+                <a:latin typeface="Courier New" panose="02070309020205020404" pitchFamily="49" charset="0"/>
+              </a:rPr>
+              <a:t> </a:t>
+            </a:r>
+            <a:r>
+              <a:rPr kumimoji="0" lang="ru-RU" altLang="ru-RU" sz="1200" b="1" i="0" u="none" strike="noStrike" cap="none" normalizeH="0" baseline="0" dirty="0" err="1">
+                <a:ln>
+                  <a:noFill/>
+                </a:ln>
+                <a:solidFill>
+                  <a:srgbClr val="000000"/>
+                </a:solidFill>
+                <a:effectLst/>
+                <a:latin typeface="Courier New" panose="02070309020205020404" pitchFamily="49" charset="0"/>
+              </a:rPr>
+              <a:t>while</a:t>
+            </a:r>
+            <a:r>
+              <a:rPr kumimoji="0" lang="ru-RU" altLang="ru-RU" sz="1200" b="0" i="0" u="none" strike="noStrike" cap="none" normalizeH="0" baseline="0" dirty="0">
+                <a:ln>
+                  <a:noFill/>
+                </a:ln>
+                <a:solidFill>
+                  <a:srgbClr val="000000"/>
+                </a:solidFill>
+                <a:effectLst/>
+                <a:latin typeface="Courier New" panose="02070309020205020404" pitchFamily="49" charset="0"/>
+              </a:rPr>
+              <a:t> (</a:t>
+            </a:r>
+            <a:r>
+              <a:rPr kumimoji="0" lang="ru-RU" altLang="ru-RU" sz="1200" b="0" i="0" u="none" strike="noStrike" cap="none" normalizeH="0" baseline="0" dirty="0" err="1">
+                <a:ln>
+                  <a:noFill/>
+                </a:ln>
+                <a:solidFill>
+                  <a:srgbClr val="000000"/>
+                </a:solidFill>
+                <a:effectLst/>
+                <a:latin typeface="Courier New" panose="02070309020205020404" pitchFamily="49" charset="0"/>
+              </a:rPr>
+              <a:t>n.parent</a:t>
+            </a:r>
+            <a:r>
+              <a:rPr kumimoji="0" lang="ru-RU" altLang="ru-RU" sz="1200" b="0" i="0" u="none" strike="noStrike" cap="none" normalizeH="0" baseline="0" dirty="0">
+                <a:ln>
+                  <a:noFill/>
+                </a:ln>
+                <a:solidFill>
+                  <a:srgbClr val="000000"/>
+                </a:solidFill>
+                <a:effectLst/>
+                <a:latin typeface="Courier New" panose="02070309020205020404" pitchFamily="49" charset="0"/>
+              </a:rPr>
+              <a:t> &lt;&gt; </a:t>
+            </a:r>
+            <a:r>
+              <a:rPr kumimoji="0" lang="ru-RU" altLang="ru-RU" sz="1200" b="0" i="0" u="none" strike="noStrike" cap="none" normalizeH="0" baseline="0" dirty="0" err="1">
+                <a:ln>
+                  <a:noFill/>
+                </a:ln>
+                <a:solidFill>
+                  <a:srgbClr val="000000"/>
+                </a:solidFill>
+                <a:effectLst/>
+                <a:latin typeface="Courier New" panose="02070309020205020404" pitchFamily="49" charset="0"/>
+              </a:rPr>
+              <a:t>null</a:t>
+            </a:r>
+            <a:r>
+              <a:rPr kumimoji="0" lang="ru-RU" altLang="ru-RU" sz="1200" b="0" i="0" u="none" strike="noStrike" cap="none" normalizeH="0" baseline="0" dirty="0">
+                <a:ln>
+                  <a:noFill/>
+                </a:ln>
+                <a:solidFill>
+                  <a:srgbClr val="000000"/>
+                </a:solidFill>
+                <a:effectLst/>
+                <a:latin typeface="Courier New" panose="02070309020205020404" pitchFamily="49" charset="0"/>
+              </a:rPr>
+              <a:t>):</a:t>
+            </a:r>
+            <a:endParaRPr kumimoji="0" lang="en-US" altLang="ru-RU" sz="1200" b="0" i="0" u="none" strike="noStrike" cap="none" normalizeH="0" baseline="0" dirty="0">
+              <a:ln>
+                <a:noFill/>
+              </a:ln>
+              <a:solidFill>
+                <a:srgbClr val="000000"/>
+              </a:solidFill>
+              <a:effectLst/>
+              <a:latin typeface="Courier New" panose="02070309020205020404" pitchFamily="49" charset="0"/>
+            </a:endParaRPr>
+          </a:p>
+          <a:p>
+            <a:pPr marL="0" marR="0" lvl="0" indent="0" algn="l" defTabSz="914400" rtl="0" eaLnBrk="0" fontAlgn="base" latinLnBrk="0" hangingPunct="0">
+              <a:lnSpc>
+                <a:spcPct val="100000"/>
+              </a:lnSpc>
+              <a:spcBef>
+                <a:spcPct val="0"/>
+              </a:spcBef>
+              <a:spcAft>
+                <a:spcPct val="0"/>
+              </a:spcAft>
+              <a:buClrTx/>
+              <a:buSzTx/>
+              <a:buFontTx/>
+              <a:buNone/>
+              <a:tabLst/>
+            </a:pPr>
+            <a:r>
+              <a:rPr kumimoji="0" lang="en-US" altLang="ru-RU" sz="1200" b="0" i="0" u="none" strike="noStrike" cap="none" normalizeH="0" baseline="0" dirty="0">
+                <a:ln>
+                  <a:noFill/>
+                </a:ln>
+                <a:solidFill>
+                  <a:srgbClr val="000000"/>
+                </a:solidFill>
+                <a:effectLst/>
+                <a:latin typeface="Courier New" panose="02070309020205020404" pitchFamily="49" charset="0"/>
+              </a:rPr>
+              <a:t>  </a:t>
+            </a:r>
+            <a:r>
+              <a:rPr kumimoji="0" lang="ru-RU" altLang="ru-RU" sz="1200" b="0" i="0" u="none" strike="noStrike" cap="none" normalizeH="0" baseline="0" dirty="0" err="1">
+                <a:ln>
+                  <a:noFill/>
+                </a:ln>
+                <a:solidFill>
+                  <a:srgbClr val="000000"/>
+                </a:solidFill>
+                <a:effectLst/>
+                <a:latin typeface="Courier New" panose="02070309020205020404" pitchFamily="49" charset="0"/>
+              </a:rPr>
+              <a:t>height</a:t>
+            </a:r>
+            <a:r>
+              <a:rPr kumimoji="0" lang="ru-RU" altLang="ru-RU" sz="1200" b="0" i="0" u="none" strike="noStrike" cap="none" normalizeH="0" baseline="0" dirty="0">
+                <a:ln>
+                  <a:noFill/>
+                </a:ln>
+                <a:solidFill>
+                  <a:srgbClr val="000000"/>
+                </a:solidFill>
+                <a:effectLst/>
+                <a:latin typeface="Courier New" panose="02070309020205020404" pitchFamily="49" charset="0"/>
+              </a:rPr>
+              <a:t> = </a:t>
+            </a:r>
+            <a:r>
+              <a:rPr kumimoji="0" lang="ru-RU" altLang="ru-RU" sz="1200" b="0" i="0" u="none" strike="noStrike" cap="none" normalizeH="0" baseline="0" dirty="0" err="1">
+                <a:ln>
+                  <a:noFill/>
+                </a:ln>
+                <a:solidFill>
+                  <a:srgbClr val="000000"/>
+                </a:solidFill>
+                <a:effectLst/>
+                <a:latin typeface="Courier New" panose="02070309020205020404" pitchFamily="49" charset="0"/>
+              </a:rPr>
+              <a:t>height</a:t>
+            </a:r>
+            <a:r>
+              <a:rPr kumimoji="0" lang="ru-RU" altLang="ru-RU" sz="1200" b="0" i="0" u="none" strike="noStrike" cap="none" normalizeH="0" baseline="0" dirty="0">
+                <a:ln>
+                  <a:noFill/>
+                </a:ln>
+                <a:solidFill>
+                  <a:srgbClr val="000000"/>
+                </a:solidFill>
+                <a:effectLst/>
+                <a:latin typeface="Courier New" panose="02070309020205020404" pitchFamily="49" charset="0"/>
+              </a:rPr>
+              <a:t> + 1</a:t>
+            </a:r>
+            <a:endParaRPr kumimoji="0" lang="en-US" altLang="ru-RU" sz="1200" b="0" i="0" u="none" strike="noStrike" cap="none" normalizeH="0" baseline="0" dirty="0">
+              <a:ln>
+                <a:noFill/>
+              </a:ln>
+              <a:solidFill>
+                <a:srgbClr val="000000"/>
+              </a:solidFill>
+              <a:effectLst/>
+              <a:latin typeface="Courier New" panose="02070309020205020404" pitchFamily="49" charset="0"/>
+            </a:endParaRPr>
+          </a:p>
+          <a:p>
+            <a:pPr marL="0" marR="0" lvl="0" indent="0" algn="l" defTabSz="914400" rtl="0" eaLnBrk="0" fontAlgn="base" latinLnBrk="0" hangingPunct="0">
+              <a:lnSpc>
+                <a:spcPct val="100000"/>
+              </a:lnSpc>
+              <a:spcBef>
+                <a:spcPct val="0"/>
+              </a:spcBef>
+              <a:spcAft>
+                <a:spcPct val="0"/>
+              </a:spcAft>
+              <a:buClrTx/>
+              <a:buSzTx/>
+              <a:buFontTx/>
+              <a:buNone/>
+              <a:tabLst/>
+            </a:pPr>
+            <a:r>
+              <a:rPr kumimoji="0" lang="en-US" altLang="ru-RU" sz="1200" b="0" i="0" u="none" strike="noStrike" cap="none" normalizeH="0" baseline="0" dirty="0">
+                <a:ln>
+                  <a:noFill/>
+                </a:ln>
+                <a:solidFill>
+                  <a:srgbClr val="000000"/>
+                </a:solidFill>
+                <a:effectLst/>
+                <a:latin typeface="Courier New" panose="02070309020205020404" pitchFamily="49" charset="0"/>
+              </a:rPr>
+              <a:t>  </a:t>
+            </a:r>
+            <a:r>
+              <a:rPr kumimoji="0" lang="ru-RU" altLang="ru-RU" sz="1200" b="0" i="0" u="none" strike="noStrike" cap="none" normalizeH="0" baseline="0" dirty="0" err="1">
+                <a:ln>
+                  <a:noFill/>
+                </a:ln>
+                <a:solidFill>
+                  <a:srgbClr val="000000"/>
+                </a:solidFill>
+                <a:effectLst/>
+                <a:latin typeface="Courier New" panose="02070309020205020404" pitchFamily="49" charset="0"/>
+              </a:rPr>
+              <a:t>totalSize</a:t>
+            </a:r>
+            <a:r>
+              <a:rPr kumimoji="0" lang="ru-RU" altLang="ru-RU" sz="1200" b="0" i="0" u="none" strike="noStrike" cap="none" normalizeH="0" baseline="0" dirty="0">
+                <a:ln>
+                  <a:noFill/>
+                </a:ln>
+                <a:solidFill>
+                  <a:srgbClr val="000000"/>
+                </a:solidFill>
+                <a:effectLst/>
+                <a:latin typeface="Courier New" panose="02070309020205020404" pitchFamily="49" charset="0"/>
+              </a:rPr>
+              <a:t> = 1 + </a:t>
+            </a:r>
+            <a:r>
+              <a:rPr kumimoji="0" lang="ru-RU" altLang="ru-RU" sz="1200" b="0" i="0" u="none" strike="noStrike" cap="none" normalizeH="0" baseline="0" dirty="0" err="1">
+                <a:ln>
+                  <a:noFill/>
+                </a:ln>
+                <a:solidFill>
+                  <a:srgbClr val="000000"/>
+                </a:solidFill>
+                <a:effectLst/>
+                <a:latin typeface="Courier New" panose="02070309020205020404" pitchFamily="49" charset="0"/>
+              </a:rPr>
+              <a:t>size</a:t>
+            </a:r>
+            <a:r>
+              <a:rPr kumimoji="0" lang="ru-RU" altLang="ru-RU" sz="1200" b="0" i="0" u="none" strike="noStrike" cap="none" normalizeH="0" baseline="0" dirty="0">
+                <a:ln>
+                  <a:noFill/>
+                </a:ln>
+                <a:solidFill>
+                  <a:srgbClr val="000000"/>
+                </a:solidFill>
+                <a:effectLst/>
+                <a:latin typeface="Courier New" panose="02070309020205020404" pitchFamily="49" charset="0"/>
+              </a:rPr>
+              <a:t> + </a:t>
+            </a:r>
+            <a:r>
+              <a:rPr kumimoji="0" lang="ru-RU" altLang="ru-RU" sz="1200" b="0" i="0" u="none" strike="noStrike" cap="none" normalizeH="0" baseline="0" dirty="0" err="1">
+                <a:ln>
+                  <a:noFill/>
+                </a:ln>
+                <a:solidFill>
+                  <a:srgbClr val="000000"/>
+                </a:solidFill>
+                <a:effectLst/>
+                <a:latin typeface="Courier New" panose="02070309020205020404" pitchFamily="49" charset="0"/>
+              </a:rPr>
+              <a:t>n.sibling.size</a:t>
+            </a:r>
+            <a:r>
+              <a:rPr kumimoji="0" lang="ru-RU" altLang="ru-RU" sz="1200" b="0" i="0" u="none" strike="noStrike" cap="none" normalizeH="0" baseline="0" dirty="0">
+                <a:ln>
+                  <a:noFill/>
+                </a:ln>
+                <a:solidFill>
+                  <a:srgbClr val="000000"/>
+                </a:solidFill>
+                <a:effectLst/>
+                <a:latin typeface="Courier New" panose="02070309020205020404" pitchFamily="49" charset="0"/>
+              </a:rPr>
+              <a:t>()</a:t>
+            </a:r>
+            <a:endParaRPr kumimoji="0" lang="en-US" altLang="ru-RU" sz="1200" b="0" i="0" u="none" strike="noStrike" cap="none" normalizeH="0" baseline="0" dirty="0">
+              <a:ln>
+                <a:noFill/>
+              </a:ln>
+              <a:solidFill>
+                <a:srgbClr val="000000"/>
+              </a:solidFill>
+              <a:effectLst/>
+              <a:latin typeface="Courier New" panose="02070309020205020404" pitchFamily="49" charset="0"/>
+            </a:endParaRPr>
+          </a:p>
+          <a:p>
+            <a:pPr marL="0" marR="0" lvl="0" indent="0" algn="l" defTabSz="914400" rtl="0" eaLnBrk="0" fontAlgn="base" latinLnBrk="0" hangingPunct="0">
+              <a:lnSpc>
+                <a:spcPct val="100000"/>
+              </a:lnSpc>
+              <a:spcBef>
+                <a:spcPct val="0"/>
+              </a:spcBef>
+              <a:spcAft>
+                <a:spcPct val="0"/>
+              </a:spcAft>
+              <a:buClrTx/>
+              <a:buSzTx/>
+              <a:buFontTx/>
+              <a:buNone/>
+              <a:tabLst/>
+            </a:pPr>
+            <a:r>
+              <a:rPr kumimoji="0" lang="en-US" altLang="ru-RU" sz="1200" b="1" i="0" u="none" strike="noStrike" cap="none" normalizeH="0" baseline="0" dirty="0">
+                <a:ln>
+                  <a:noFill/>
+                </a:ln>
+                <a:solidFill>
+                  <a:srgbClr val="000000"/>
+                </a:solidFill>
+                <a:effectLst/>
+                <a:latin typeface="Courier New" panose="02070309020205020404" pitchFamily="49" charset="0"/>
+              </a:rPr>
+              <a:t>  </a:t>
+            </a:r>
+            <a:r>
+              <a:rPr kumimoji="0" lang="ru-RU" altLang="ru-RU" sz="1200" b="1" i="0" u="none" strike="noStrike" cap="none" normalizeH="0" baseline="0" dirty="0" err="1">
+                <a:ln>
+                  <a:noFill/>
+                </a:ln>
+                <a:solidFill>
+                  <a:srgbClr val="000000"/>
+                </a:solidFill>
+                <a:effectLst/>
+                <a:latin typeface="Courier New" panose="02070309020205020404" pitchFamily="49" charset="0"/>
+              </a:rPr>
+              <a:t>if</a:t>
+            </a:r>
+            <a:r>
+              <a:rPr kumimoji="0" lang="ru-RU" altLang="ru-RU" sz="1200" b="0" i="0" u="none" strike="noStrike" cap="none" normalizeH="0" baseline="0" dirty="0">
+                <a:ln>
+                  <a:noFill/>
+                </a:ln>
+                <a:solidFill>
+                  <a:srgbClr val="000000"/>
+                </a:solidFill>
+                <a:effectLst/>
+                <a:latin typeface="Courier New" panose="02070309020205020404" pitchFamily="49" charset="0"/>
+              </a:rPr>
+              <a:t> </a:t>
+            </a:r>
+            <a:r>
+              <a:rPr kumimoji="0" lang="ru-RU" altLang="ru-RU" sz="1200" b="0" i="0" u="none" strike="noStrike" cap="none" normalizeH="0" baseline="0" dirty="0" err="1">
+                <a:ln>
+                  <a:noFill/>
+                </a:ln>
+                <a:solidFill>
+                  <a:srgbClr val="000000"/>
+                </a:solidFill>
+                <a:effectLst/>
+                <a:latin typeface="Courier New" panose="02070309020205020404" pitchFamily="49" charset="0"/>
+              </a:rPr>
+              <a:t>height</a:t>
+            </a:r>
+            <a:r>
+              <a:rPr kumimoji="0" lang="ru-RU" altLang="ru-RU" sz="1200" b="0" i="0" u="none" strike="noStrike" cap="none" normalizeH="0" baseline="0" dirty="0">
+                <a:ln>
+                  <a:noFill/>
+                </a:ln>
+                <a:solidFill>
+                  <a:srgbClr val="000000"/>
+                </a:solidFill>
+                <a:effectLst/>
+                <a:latin typeface="Courier New" panose="02070309020205020404" pitchFamily="49" charset="0"/>
+              </a:rPr>
+              <a:t> &gt; ⌊log1/α(</a:t>
+            </a:r>
+            <a:r>
+              <a:rPr kumimoji="0" lang="ru-RU" altLang="ru-RU" sz="1200" b="0" i="0" u="none" strike="noStrike" cap="none" normalizeH="0" baseline="0" dirty="0" err="1">
+                <a:ln>
+                  <a:noFill/>
+                </a:ln>
+                <a:solidFill>
+                  <a:srgbClr val="000000"/>
+                </a:solidFill>
+                <a:effectLst/>
+                <a:latin typeface="Courier New" panose="02070309020205020404" pitchFamily="49" charset="0"/>
+              </a:rPr>
+              <a:t>totalSize</a:t>
+            </a:r>
+            <a:r>
+              <a:rPr kumimoji="0" lang="ru-RU" altLang="ru-RU" sz="1200" b="0" i="0" u="none" strike="noStrike" cap="none" normalizeH="0" baseline="0" dirty="0">
+                <a:ln>
+                  <a:noFill/>
+                </a:ln>
+                <a:solidFill>
+                  <a:srgbClr val="000000"/>
+                </a:solidFill>
+                <a:effectLst/>
+                <a:latin typeface="Courier New" panose="02070309020205020404" pitchFamily="49" charset="0"/>
+              </a:rPr>
+              <a:t>)⌋:</a:t>
+            </a:r>
+            <a:endParaRPr kumimoji="0" lang="en-US" altLang="ru-RU" sz="1200" b="0" i="0" u="none" strike="noStrike" cap="none" normalizeH="0" baseline="0" dirty="0">
+              <a:ln>
+                <a:noFill/>
+              </a:ln>
+              <a:solidFill>
+                <a:srgbClr val="000000"/>
+              </a:solidFill>
+              <a:effectLst/>
+              <a:latin typeface="Courier New" panose="02070309020205020404" pitchFamily="49" charset="0"/>
+            </a:endParaRPr>
+          </a:p>
+          <a:p>
+            <a:pPr marL="0" marR="0" lvl="0" indent="0" algn="l" defTabSz="914400" rtl="0" eaLnBrk="0" fontAlgn="base" latinLnBrk="0" hangingPunct="0">
+              <a:lnSpc>
+                <a:spcPct val="100000"/>
+              </a:lnSpc>
+              <a:spcBef>
+                <a:spcPct val="0"/>
+              </a:spcBef>
+              <a:spcAft>
+                <a:spcPct val="0"/>
+              </a:spcAft>
+              <a:buClrTx/>
+              <a:buSzTx/>
+              <a:buFontTx/>
+              <a:buNone/>
+              <a:tabLst/>
+            </a:pPr>
+            <a:r>
+              <a:rPr kumimoji="0" lang="en-US" altLang="ru-RU" sz="1200" b="1" i="0" u="none" strike="noStrike" cap="none" normalizeH="0" baseline="0" dirty="0">
+                <a:ln>
+                  <a:noFill/>
+                </a:ln>
+                <a:solidFill>
+                  <a:srgbClr val="000000"/>
+                </a:solidFill>
+                <a:effectLst/>
+                <a:latin typeface="Courier New" panose="02070309020205020404" pitchFamily="49" charset="0"/>
+              </a:rPr>
+              <a:t>   </a:t>
+            </a:r>
+            <a:r>
+              <a:rPr kumimoji="0" lang="ru-RU" altLang="ru-RU" sz="1200" b="1" i="0" u="none" strike="noStrike" cap="none" normalizeH="0" baseline="0" dirty="0" err="1">
+                <a:ln>
+                  <a:noFill/>
+                </a:ln>
+                <a:solidFill>
+                  <a:srgbClr val="000000"/>
+                </a:solidFill>
+                <a:effectLst/>
+                <a:latin typeface="Courier New" panose="02070309020205020404" pitchFamily="49" charset="0"/>
+              </a:rPr>
+              <a:t>return</a:t>
+            </a:r>
+            <a:r>
+              <a:rPr kumimoji="0" lang="ru-RU" altLang="ru-RU" sz="1200" b="0" i="0" u="none" strike="noStrike" cap="none" normalizeH="0" baseline="0" dirty="0">
+                <a:ln>
+                  <a:noFill/>
+                </a:ln>
+                <a:solidFill>
+                  <a:srgbClr val="000000"/>
+                </a:solidFill>
+                <a:effectLst/>
+                <a:latin typeface="Courier New" panose="02070309020205020404" pitchFamily="49" charset="0"/>
+              </a:rPr>
+              <a:t> </a:t>
+            </a:r>
+            <a:r>
+              <a:rPr kumimoji="0" lang="ru-RU" altLang="ru-RU" sz="1200" b="0" i="0" u="none" strike="noStrike" cap="none" normalizeH="0" baseline="0" dirty="0" err="1">
+                <a:ln>
+                  <a:noFill/>
+                </a:ln>
+                <a:solidFill>
+                  <a:srgbClr val="000000"/>
+                </a:solidFill>
+                <a:effectLst/>
+                <a:latin typeface="Courier New" panose="02070309020205020404" pitchFamily="49" charset="0"/>
+              </a:rPr>
+              <a:t>n.parent</a:t>
+            </a:r>
+            <a:endParaRPr kumimoji="0" lang="en-US" altLang="ru-RU" sz="1200" b="0" i="0" u="none" strike="noStrike" cap="none" normalizeH="0" baseline="0" dirty="0">
+              <a:ln>
+                <a:noFill/>
+              </a:ln>
+              <a:solidFill>
+                <a:srgbClr val="000000"/>
+              </a:solidFill>
+              <a:effectLst/>
+              <a:latin typeface="Courier New" panose="02070309020205020404" pitchFamily="49" charset="0"/>
+            </a:endParaRPr>
+          </a:p>
+          <a:p>
+            <a:pPr marL="0" marR="0" lvl="0" indent="0" algn="l" defTabSz="914400" rtl="0" eaLnBrk="0" fontAlgn="base" latinLnBrk="0" hangingPunct="0">
+              <a:lnSpc>
+                <a:spcPct val="100000"/>
+              </a:lnSpc>
+              <a:spcBef>
+                <a:spcPct val="0"/>
+              </a:spcBef>
+              <a:spcAft>
+                <a:spcPct val="0"/>
+              </a:spcAft>
+              <a:buClrTx/>
+              <a:buSzTx/>
+              <a:buFontTx/>
+              <a:buNone/>
+              <a:tabLst/>
+            </a:pPr>
+            <a:r>
+              <a:rPr kumimoji="0" lang="en-US" altLang="ru-RU" sz="1200" b="0" i="0" u="none" strike="noStrike" cap="none" normalizeH="0" baseline="0" dirty="0">
+                <a:ln>
+                  <a:noFill/>
+                </a:ln>
+                <a:solidFill>
+                  <a:srgbClr val="000000"/>
+                </a:solidFill>
+                <a:effectLst/>
+                <a:latin typeface="Courier New" panose="02070309020205020404" pitchFamily="49" charset="0"/>
+              </a:rPr>
+              <a:t>  </a:t>
+            </a:r>
+            <a:r>
+              <a:rPr kumimoji="0" lang="ru-RU" altLang="ru-RU" sz="1200" b="0" i="0" u="none" strike="noStrike" cap="none" normalizeH="0" baseline="0" dirty="0">
+                <a:ln>
+                  <a:noFill/>
+                </a:ln>
+                <a:solidFill>
+                  <a:srgbClr val="000000"/>
+                </a:solidFill>
+                <a:effectLst/>
+                <a:latin typeface="Courier New" panose="02070309020205020404" pitchFamily="49" charset="0"/>
+              </a:rPr>
+              <a:t>n = </a:t>
+            </a:r>
+            <a:r>
+              <a:rPr kumimoji="0" lang="ru-RU" altLang="ru-RU" sz="1200" b="0" i="0" u="none" strike="noStrike" cap="none" normalizeH="0" baseline="0" dirty="0" err="1">
+                <a:ln>
+                  <a:noFill/>
+                </a:ln>
+                <a:solidFill>
+                  <a:srgbClr val="000000"/>
+                </a:solidFill>
+                <a:effectLst/>
+                <a:latin typeface="Courier New" panose="02070309020205020404" pitchFamily="49" charset="0"/>
+              </a:rPr>
+              <a:t>n.parent</a:t>
+            </a:r>
+            <a:endParaRPr kumimoji="0" lang="en-US" altLang="ru-RU" sz="1200" b="0" i="0" u="none" strike="noStrike" cap="none" normalizeH="0" baseline="0" dirty="0">
+              <a:ln>
+                <a:noFill/>
+              </a:ln>
+              <a:solidFill>
+                <a:srgbClr val="000000"/>
+              </a:solidFill>
+              <a:effectLst/>
+              <a:latin typeface="Courier New" panose="02070309020205020404" pitchFamily="49" charset="0"/>
+            </a:endParaRPr>
+          </a:p>
+          <a:p>
+            <a:pPr marL="0" marR="0" lvl="0" indent="0" algn="l" defTabSz="914400" rtl="0" eaLnBrk="0" fontAlgn="base" latinLnBrk="0" hangingPunct="0">
+              <a:lnSpc>
+                <a:spcPct val="100000"/>
+              </a:lnSpc>
+              <a:spcBef>
+                <a:spcPct val="0"/>
+              </a:spcBef>
+              <a:spcAft>
+                <a:spcPct val="0"/>
+              </a:spcAft>
+              <a:buClrTx/>
+              <a:buSzTx/>
+              <a:buFontTx/>
+              <a:buNone/>
+              <a:tabLst/>
+            </a:pPr>
+            <a:r>
+              <a:rPr kumimoji="0" lang="en-US" altLang="ru-RU" sz="1200" b="0" i="0" u="none" strike="noStrike" cap="none" normalizeH="0" baseline="0" dirty="0">
+                <a:ln>
+                  <a:noFill/>
+                </a:ln>
+                <a:solidFill>
+                  <a:srgbClr val="000000"/>
+                </a:solidFill>
+                <a:effectLst/>
+                <a:latin typeface="Courier New" panose="02070309020205020404" pitchFamily="49" charset="0"/>
+              </a:rPr>
+              <a:t>  </a:t>
+            </a:r>
+            <a:r>
+              <a:rPr kumimoji="0" lang="ru-RU" altLang="ru-RU" sz="1200" b="0" i="0" u="none" strike="noStrike" cap="none" normalizeH="0" baseline="0" dirty="0" err="1">
+                <a:ln>
+                  <a:noFill/>
+                </a:ln>
+                <a:solidFill>
+                  <a:srgbClr val="000000"/>
+                </a:solidFill>
+                <a:effectLst/>
+                <a:latin typeface="Courier New" panose="02070309020205020404" pitchFamily="49" charset="0"/>
+              </a:rPr>
+              <a:t>size</a:t>
+            </a:r>
+            <a:r>
+              <a:rPr kumimoji="0" lang="ru-RU" altLang="ru-RU" sz="1200" b="0" i="0" u="none" strike="noStrike" cap="none" normalizeH="0" baseline="0" dirty="0">
+                <a:ln>
+                  <a:noFill/>
+                </a:ln>
+                <a:solidFill>
+                  <a:srgbClr val="000000"/>
+                </a:solidFill>
+                <a:effectLst/>
+                <a:latin typeface="Courier New" panose="02070309020205020404" pitchFamily="49" charset="0"/>
+              </a:rPr>
+              <a:t> = </a:t>
+            </a:r>
+            <a:r>
+              <a:rPr kumimoji="0" lang="ru-RU" altLang="ru-RU" sz="1200" b="0" i="0" u="none" strike="noStrike" cap="none" normalizeH="0" baseline="0" dirty="0" err="1">
+                <a:ln>
+                  <a:noFill/>
+                </a:ln>
+                <a:solidFill>
+                  <a:srgbClr val="000000"/>
+                </a:solidFill>
+                <a:effectLst/>
+                <a:latin typeface="Courier New" panose="02070309020205020404" pitchFamily="49" charset="0"/>
+              </a:rPr>
+              <a:t>totalSize</a:t>
+            </a:r>
+            <a:r>
+              <a:rPr kumimoji="0" lang="ru-RU" altLang="ru-RU" sz="1200" b="0" i="0" u="none" strike="noStrike" cap="none" normalizeH="0" baseline="0" dirty="0">
+                <a:ln>
+                  <a:noFill/>
+                </a:ln>
+                <a:solidFill>
+                  <a:schemeClr val="tx1"/>
+                </a:solidFill>
+                <a:effectLst/>
+              </a:rPr>
+              <a:t> </a:t>
+            </a:r>
+            <a:endParaRPr kumimoji="0" lang="ru-RU" altLang="ru-RU" sz="1200" b="0" i="0" u="none" strike="noStrike" cap="none" normalizeH="0" baseline="0" dirty="0">
+              <a:ln>
+                <a:noFill/>
+              </a:ln>
+              <a:solidFill>
+                <a:schemeClr val="tx1"/>
+              </a:solidFill>
+              <a:effectLst/>
+              <a:latin typeface="Arial" panose="020B0604020202020204" pitchFamily="34" charset="0"/>
+            </a:endParaRPr>
+          </a:p>
+        </p:txBody>
+      </p:sp>
+      <p:sp>
+        <p:nvSpPr>
+          <p:cNvPr id="6" name="TextBox 5">
+            <a:extLst>
+              <a:ext uri="{FF2B5EF4-FFF2-40B4-BE49-F238E27FC236}">
+                <a16:creationId xmlns:a16="http://schemas.microsoft.com/office/drawing/2014/main" id="{E83E27BB-310A-EA9E-874F-3199DA1D203B}"/>
+              </a:ext>
+            </a:extLst>
+          </p:cNvPr>
+          <p:cNvSpPr txBox="1"/>
+          <p:nvPr/>
+        </p:nvSpPr>
+        <p:spPr>
+          <a:xfrm>
+            <a:off x="4856528" y="2099858"/>
+            <a:ext cx="3510024" cy="1200329"/>
+          </a:xfrm>
+          <a:prstGeom prst="rect">
+            <a:avLst/>
+          </a:prstGeom>
+          <a:noFill/>
+        </p:spPr>
+        <p:txBody>
+          <a:bodyPr wrap="square" rtlCol="0">
+            <a:spAutoFit/>
+          </a:bodyPr>
+          <a:lstStyle/>
+          <a:p>
+            <a:r>
+              <a:rPr lang="ru-RU" sz="2400" dirty="0"/>
+              <a:t>Начинаем поиск от вставленного элемента.</a:t>
+            </a:r>
+          </a:p>
+        </p:txBody>
+      </p:sp>
+    </p:spTree>
+    <p:extLst>
+      <p:ext uri="{BB962C8B-B14F-4D97-AF65-F5344CB8AC3E}">
+        <p14:creationId xmlns:p14="http://schemas.microsoft.com/office/powerpoint/2010/main" val="1709881380"/>
+      </p:ext>
+    </p:extLst>
+  </p:cSld>
+  <p:clrMapOvr>
+    <a:masterClrMapping/>
+  </p:clrMapOvr>
+</p:sld>
+</file>
+
+<file path=ppt/slides/slide8.xml><?xml version="1.0" encoding="utf-8"?>
+<p:sld xmlns:a="http://schemas.openxmlformats.org/drawingml/2006/main" xmlns:r="http://schemas.openxmlformats.org/officeDocument/2006/relationships" xmlns:p="http://schemas.openxmlformats.org/presentationml/2006/main">
+  <p:cSld>
+    <p:spTree>
+      <p:nvGrpSpPr>
+        <p:cNvPr id="1" name=""/>
+        <p:cNvGrpSpPr/>
+        <p:nvPr/>
+      </p:nvGrpSpPr>
+      <p:grpSpPr>
+        <a:xfrm>
+          <a:off x="0" y="0"/>
+          <a:ext cx="0" cy="0"/>
+          <a:chOff x="0" y="0"/>
+          <a:chExt cx="0" cy="0"/>
+        </a:xfrm>
+      </p:grpSpPr>
+      <p:sp>
+        <p:nvSpPr>
+          <p:cNvPr id="2" name="Заголовок 1">
+            <a:extLst>
+              <a:ext uri="{FF2B5EF4-FFF2-40B4-BE49-F238E27FC236}">
+                <a16:creationId xmlns:a16="http://schemas.microsoft.com/office/drawing/2014/main" id="{92DEEF0E-4347-A88D-6BC7-9493229F427D}"/>
+              </a:ext>
+            </a:extLst>
+          </p:cNvPr>
+          <p:cNvSpPr>
+            <a:spLocks noGrp="1"/>
+          </p:cNvSpPr>
+          <p:nvPr>
+            <p:ph type="title"/>
+          </p:nvPr>
+        </p:nvSpPr>
+        <p:spPr/>
+        <p:txBody>
+          <a:bodyPr>
+            <a:normAutofit fontScale="90000"/>
+          </a:bodyPr>
+          <a:lstStyle/>
+          <a:p>
+            <a:r>
+              <a:rPr lang="ru-RU" dirty="0"/>
+              <a:t>Вставка</a:t>
+            </a:r>
+            <a:br>
+              <a:rPr lang="ru-RU" dirty="0"/>
+            </a:br>
+            <a:endParaRPr lang="ru-RU" dirty="0"/>
+          </a:p>
+        </p:txBody>
+      </p:sp>
+      <p:sp>
+        <p:nvSpPr>
+          <p:cNvPr id="3" name="Текст 2">
+            <a:extLst>
+              <a:ext uri="{FF2B5EF4-FFF2-40B4-BE49-F238E27FC236}">
+                <a16:creationId xmlns:a16="http://schemas.microsoft.com/office/drawing/2014/main" id="{46D58166-D8B2-D431-FD01-BE43BEE799AC}"/>
+              </a:ext>
+            </a:extLst>
+          </p:cNvPr>
+          <p:cNvSpPr>
+            <a:spLocks noGrp="1"/>
+          </p:cNvSpPr>
+          <p:nvPr>
+            <p:ph type="body" idx="1"/>
+          </p:nvPr>
+        </p:nvSpPr>
+        <p:spPr>
+          <a:xfrm>
+            <a:off x="639850" y="1667026"/>
+            <a:ext cx="4760363" cy="2748013"/>
+          </a:xfrm>
+          <a:solidFill>
+            <a:schemeClr val="accent3">
+              <a:alpha val="50000"/>
+            </a:schemeClr>
+          </a:solidFill>
+          <a:ln>
+            <a:noFill/>
+          </a:ln>
+        </p:spPr>
+        <p:style>
+          <a:lnRef idx="0">
+            <a:scrgbClr r="0" g="0" b="0"/>
+          </a:lnRef>
+          <a:fillRef idx="0">
+            <a:scrgbClr r="0" g="0" b="0"/>
+          </a:fillRef>
+          <a:effectRef idx="0">
+            <a:scrgbClr r="0" g="0" b="0"/>
+          </a:effectRef>
+          <a:fontRef idx="minor">
+            <a:schemeClr val="lt1"/>
+          </a:fontRef>
+        </p:style>
+        <p:txBody>
+          <a:bodyPr>
+            <a:normAutofit fontScale="92500" lnSpcReduction="10000"/>
+          </a:bodyPr>
+          <a:lstStyle/>
+          <a:p>
+            <a:pPr marL="0" indent="0" algn="just">
+              <a:lnSpc>
+                <a:spcPct val="130000"/>
+              </a:lnSpc>
+              <a:spcBef>
+                <a:spcPts val="600"/>
+              </a:spcBef>
+              <a:spcAft>
+                <a:spcPts val="100"/>
+              </a:spcAft>
+              <a:buNone/>
+            </a:pPr>
+            <a:r>
+              <a:rPr lang="en-US" sz="1300" b="1" dirty="0">
+                <a:solidFill>
+                  <a:srgbClr val="222222"/>
+                </a:solidFill>
+                <a:effectLst/>
+                <a:latin typeface="Courier New" panose="02070309020205020404" pitchFamily="49" charset="0"/>
+                <a:ea typeface="Courier New" panose="02070309020205020404" pitchFamily="49" charset="0"/>
+              </a:rPr>
+              <a:t>Insert</a:t>
+            </a:r>
+            <a:r>
+              <a:rPr lang="en-US" sz="1300" dirty="0">
+                <a:solidFill>
+                  <a:srgbClr val="222222"/>
+                </a:solidFill>
+                <a:effectLst/>
+                <a:latin typeface="Courier New" panose="02070309020205020404" pitchFamily="49" charset="0"/>
+                <a:ea typeface="Courier New" panose="02070309020205020404" pitchFamily="49" charset="0"/>
+              </a:rPr>
+              <a:t>(k):</a:t>
+            </a:r>
+            <a:endParaRPr lang="ru-RU" sz="1300" dirty="0">
+              <a:solidFill>
+                <a:srgbClr val="222222"/>
+              </a:solidFill>
+              <a:effectLst/>
+              <a:latin typeface="Times New Roman" panose="02020603050405020304" pitchFamily="18" charset="0"/>
+              <a:ea typeface="Times New Roman" panose="02020603050405020304" pitchFamily="18" charset="0"/>
+            </a:endParaRPr>
+          </a:p>
+          <a:p>
+            <a:pPr marL="0" indent="0" algn="just">
+              <a:lnSpc>
+                <a:spcPct val="130000"/>
+              </a:lnSpc>
+              <a:spcBef>
+                <a:spcPts val="600"/>
+              </a:spcBef>
+              <a:spcAft>
+                <a:spcPts val="100"/>
+              </a:spcAft>
+              <a:buNone/>
+            </a:pPr>
+            <a:r>
+              <a:rPr lang="en-US" sz="1300" dirty="0">
+                <a:solidFill>
+                  <a:srgbClr val="222222"/>
+                </a:solidFill>
+                <a:effectLst/>
+                <a:latin typeface="Courier New" panose="02070309020205020404" pitchFamily="49" charset="0"/>
+                <a:ea typeface="Courier New" panose="02070309020205020404" pitchFamily="49" charset="0"/>
+              </a:rPr>
+              <a:t>  height = </a:t>
+            </a:r>
+            <a:r>
+              <a:rPr lang="en-US" sz="1300" b="1" dirty="0" err="1">
+                <a:solidFill>
+                  <a:srgbClr val="222222"/>
+                </a:solidFill>
+                <a:effectLst/>
+                <a:latin typeface="Courier New" panose="02070309020205020404" pitchFamily="49" charset="0"/>
+                <a:ea typeface="Courier New" panose="02070309020205020404" pitchFamily="49" charset="0"/>
+              </a:rPr>
+              <a:t>InsertKey</a:t>
+            </a:r>
+            <a:r>
+              <a:rPr lang="en-US" sz="1300" dirty="0">
+                <a:solidFill>
+                  <a:srgbClr val="222222"/>
+                </a:solidFill>
+                <a:effectLst/>
+                <a:latin typeface="Courier New" panose="02070309020205020404" pitchFamily="49" charset="0"/>
+                <a:ea typeface="Courier New" panose="02070309020205020404" pitchFamily="49" charset="0"/>
+              </a:rPr>
+              <a:t>(k)</a:t>
+            </a:r>
+            <a:endParaRPr lang="ru-RU" sz="1300" dirty="0">
+              <a:solidFill>
+                <a:srgbClr val="222222"/>
+              </a:solidFill>
+              <a:effectLst/>
+              <a:latin typeface="Times New Roman" panose="02020603050405020304" pitchFamily="18" charset="0"/>
+              <a:ea typeface="Times New Roman" panose="02020603050405020304" pitchFamily="18" charset="0"/>
+            </a:endParaRPr>
+          </a:p>
+          <a:p>
+            <a:pPr marL="0" indent="0" algn="just">
+              <a:lnSpc>
+                <a:spcPct val="130000"/>
+              </a:lnSpc>
+              <a:spcBef>
+                <a:spcPts val="600"/>
+              </a:spcBef>
+              <a:spcAft>
+                <a:spcPts val="100"/>
+              </a:spcAft>
+              <a:buNone/>
+            </a:pPr>
+            <a:r>
+              <a:rPr lang="en-US" sz="1300" dirty="0">
+                <a:solidFill>
+                  <a:srgbClr val="222222"/>
+                </a:solidFill>
+                <a:effectLst/>
+                <a:latin typeface="Courier New" panose="02070309020205020404" pitchFamily="49" charset="0"/>
+                <a:ea typeface="Courier New" panose="02070309020205020404" pitchFamily="49" charset="0"/>
+              </a:rPr>
+              <a:t>  </a:t>
+            </a:r>
+            <a:r>
+              <a:rPr lang="en-US" sz="1300" b="1" dirty="0">
+                <a:solidFill>
+                  <a:srgbClr val="222222"/>
+                </a:solidFill>
+                <a:effectLst/>
+                <a:latin typeface="Courier New" panose="02070309020205020404" pitchFamily="49" charset="0"/>
+                <a:ea typeface="Courier New" panose="02070309020205020404" pitchFamily="49" charset="0"/>
+              </a:rPr>
+              <a:t>if</a:t>
+            </a:r>
+            <a:r>
+              <a:rPr lang="en-US" sz="1300" dirty="0">
+                <a:solidFill>
+                  <a:srgbClr val="222222"/>
+                </a:solidFill>
+                <a:effectLst/>
+                <a:latin typeface="Courier New" panose="02070309020205020404" pitchFamily="49" charset="0"/>
+                <a:ea typeface="Gungsuh" panose="02030600000101010101" pitchFamily="18" charset="-127"/>
+              </a:rPr>
+              <a:t> height = −1:</a:t>
+            </a:r>
+            <a:endParaRPr lang="ru-RU" sz="1300" dirty="0">
+              <a:solidFill>
+                <a:srgbClr val="222222"/>
+              </a:solidFill>
+              <a:effectLst/>
+              <a:latin typeface="Times New Roman" panose="02020603050405020304" pitchFamily="18" charset="0"/>
+              <a:ea typeface="Times New Roman" panose="02020603050405020304" pitchFamily="18" charset="0"/>
+            </a:endParaRPr>
+          </a:p>
+          <a:p>
+            <a:pPr marL="0" indent="0" algn="just">
+              <a:lnSpc>
+                <a:spcPct val="130000"/>
+              </a:lnSpc>
+              <a:spcBef>
+                <a:spcPts val="600"/>
+              </a:spcBef>
+              <a:spcAft>
+                <a:spcPts val="100"/>
+              </a:spcAft>
+              <a:buNone/>
+            </a:pPr>
+            <a:r>
+              <a:rPr lang="en-US" sz="1300" dirty="0">
+                <a:solidFill>
+                  <a:srgbClr val="222222"/>
+                </a:solidFill>
+                <a:effectLst/>
+                <a:latin typeface="Courier New" panose="02070309020205020404" pitchFamily="49" charset="0"/>
+                <a:ea typeface="Courier New" panose="02070309020205020404" pitchFamily="49" charset="0"/>
+              </a:rPr>
+              <a:t>     </a:t>
+            </a:r>
+            <a:r>
+              <a:rPr lang="en-US" sz="1300" b="1" dirty="0">
+                <a:solidFill>
+                  <a:srgbClr val="222222"/>
+                </a:solidFill>
+                <a:effectLst/>
+                <a:latin typeface="Courier New" panose="02070309020205020404" pitchFamily="49" charset="0"/>
+                <a:ea typeface="Courier New" panose="02070309020205020404" pitchFamily="49" charset="0"/>
+              </a:rPr>
+              <a:t>return</a:t>
+            </a:r>
+            <a:r>
+              <a:rPr lang="en-US" sz="1300" dirty="0">
+                <a:solidFill>
+                  <a:srgbClr val="222222"/>
+                </a:solidFill>
+                <a:effectLst/>
+                <a:latin typeface="Courier New" panose="02070309020205020404" pitchFamily="49" charset="0"/>
+                <a:ea typeface="Courier New" panose="02070309020205020404" pitchFamily="49" charset="0"/>
+              </a:rPr>
+              <a:t> false;</a:t>
+            </a:r>
+            <a:endParaRPr lang="ru-RU" sz="1300" dirty="0">
+              <a:solidFill>
+                <a:srgbClr val="222222"/>
+              </a:solidFill>
+              <a:effectLst/>
+              <a:latin typeface="Times New Roman" panose="02020603050405020304" pitchFamily="18" charset="0"/>
+              <a:ea typeface="Times New Roman" panose="02020603050405020304" pitchFamily="18" charset="0"/>
+            </a:endParaRPr>
+          </a:p>
+          <a:p>
+            <a:pPr marL="0" indent="0" algn="just">
+              <a:lnSpc>
+                <a:spcPct val="130000"/>
+              </a:lnSpc>
+              <a:spcBef>
+                <a:spcPts val="600"/>
+              </a:spcBef>
+              <a:spcAft>
+                <a:spcPts val="100"/>
+              </a:spcAft>
+              <a:buNone/>
+            </a:pPr>
+            <a:r>
+              <a:rPr lang="en-US" sz="1300" dirty="0">
+                <a:solidFill>
+                  <a:srgbClr val="222222"/>
+                </a:solidFill>
+                <a:effectLst/>
+                <a:latin typeface="Courier New" panose="02070309020205020404" pitchFamily="49" charset="0"/>
+                <a:ea typeface="Courier New" panose="02070309020205020404" pitchFamily="49" charset="0"/>
+              </a:rPr>
+              <a:t>  </a:t>
+            </a:r>
+            <a:r>
+              <a:rPr lang="en-US" sz="1300" b="1" dirty="0">
+                <a:solidFill>
+                  <a:srgbClr val="222222"/>
+                </a:solidFill>
+                <a:effectLst/>
+                <a:latin typeface="Courier New" panose="02070309020205020404" pitchFamily="49" charset="0"/>
+                <a:ea typeface="Courier New" panose="02070309020205020404" pitchFamily="49" charset="0"/>
+              </a:rPr>
+              <a:t>else if</a:t>
+            </a:r>
+            <a:r>
+              <a:rPr lang="en-US" sz="1300" dirty="0">
+                <a:solidFill>
+                  <a:srgbClr val="222222"/>
+                </a:solidFill>
+                <a:effectLst/>
+                <a:latin typeface="Courier New" panose="02070309020205020404" pitchFamily="49" charset="0"/>
+                <a:ea typeface="Courier New" panose="02070309020205020404" pitchFamily="49" charset="0"/>
+              </a:rPr>
+              <a:t> height &gt; </a:t>
+            </a:r>
+            <a:r>
+              <a:rPr lang="en-US" sz="1300" dirty="0" err="1">
+                <a:solidFill>
+                  <a:srgbClr val="222222"/>
+                </a:solidFill>
+                <a:effectLst/>
+                <a:latin typeface="Courier New" panose="02070309020205020404" pitchFamily="49" charset="0"/>
+                <a:ea typeface="Courier New" panose="02070309020205020404" pitchFamily="49" charset="0"/>
+              </a:rPr>
+              <a:t>T.h</a:t>
+            </a:r>
+            <a:r>
+              <a:rPr lang="ru-RU" sz="1300" dirty="0">
+                <a:solidFill>
+                  <a:srgbClr val="222222"/>
+                </a:solidFill>
+                <a:effectLst/>
+                <a:latin typeface="Courier New" panose="02070309020205020404" pitchFamily="49" charset="0"/>
+                <a:ea typeface="Courier New" panose="02070309020205020404" pitchFamily="49" charset="0"/>
+              </a:rPr>
+              <a:t>α</a:t>
+            </a:r>
+            <a:r>
+              <a:rPr lang="en-US" sz="1300" dirty="0">
+                <a:solidFill>
+                  <a:srgbClr val="222222"/>
+                </a:solidFill>
+                <a:effectLst/>
+                <a:latin typeface="Courier New" panose="02070309020205020404" pitchFamily="49" charset="0"/>
+                <a:ea typeface="Courier New" panose="02070309020205020404" pitchFamily="49" charset="0"/>
+              </a:rPr>
+              <a:t>:</a:t>
+            </a:r>
+            <a:endParaRPr lang="ru-RU" sz="1300" dirty="0">
+              <a:solidFill>
+                <a:srgbClr val="222222"/>
+              </a:solidFill>
+              <a:effectLst/>
+              <a:latin typeface="Times New Roman" panose="02020603050405020304" pitchFamily="18" charset="0"/>
+              <a:ea typeface="Times New Roman" panose="02020603050405020304" pitchFamily="18" charset="0"/>
+            </a:endParaRPr>
+          </a:p>
+          <a:p>
+            <a:pPr marL="0" indent="0" algn="just">
+              <a:lnSpc>
+                <a:spcPct val="130000"/>
+              </a:lnSpc>
+              <a:spcBef>
+                <a:spcPts val="600"/>
+              </a:spcBef>
+              <a:spcAft>
+                <a:spcPts val="100"/>
+              </a:spcAft>
+              <a:buNone/>
+            </a:pPr>
+            <a:r>
+              <a:rPr lang="en-US" sz="1300" dirty="0">
+                <a:solidFill>
+                  <a:srgbClr val="222222"/>
+                </a:solidFill>
+                <a:effectLst/>
+                <a:latin typeface="Courier New" panose="02070309020205020404" pitchFamily="49" charset="0"/>
+                <a:ea typeface="Courier New" panose="02070309020205020404" pitchFamily="49" charset="0"/>
+              </a:rPr>
+              <a:t>     scapegoat = </a:t>
+            </a:r>
+            <a:r>
+              <a:rPr lang="en-US" sz="1300" b="1" dirty="0" err="1">
+                <a:solidFill>
+                  <a:srgbClr val="222222"/>
+                </a:solidFill>
+                <a:effectLst/>
+                <a:latin typeface="Courier New" panose="02070309020205020404" pitchFamily="49" charset="0"/>
+                <a:ea typeface="Courier New" panose="02070309020205020404" pitchFamily="49" charset="0"/>
+              </a:rPr>
+              <a:t>FindScapegoat</a:t>
+            </a:r>
+            <a:r>
+              <a:rPr lang="en-US" sz="1300" dirty="0">
+                <a:solidFill>
+                  <a:srgbClr val="222222"/>
+                </a:solidFill>
+                <a:effectLst/>
+                <a:latin typeface="Courier New" panose="02070309020205020404" pitchFamily="49" charset="0"/>
+                <a:ea typeface="Courier New" panose="02070309020205020404" pitchFamily="49" charset="0"/>
+              </a:rPr>
+              <a:t>(Search(</a:t>
+            </a:r>
+            <a:r>
+              <a:rPr lang="en-US" sz="1300" dirty="0" err="1">
+                <a:solidFill>
+                  <a:srgbClr val="222222"/>
+                </a:solidFill>
+                <a:effectLst/>
+                <a:latin typeface="Courier New" panose="02070309020205020404" pitchFamily="49" charset="0"/>
+                <a:ea typeface="Courier New" panose="02070309020205020404" pitchFamily="49" charset="0"/>
+              </a:rPr>
+              <a:t>T.root</a:t>
+            </a:r>
+            <a:r>
+              <a:rPr lang="en-US" sz="1300" dirty="0">
+                <a:solidFill>
+                  <a:srgbClr val="222222"/>
+                </a:solidFill>
+                <a:effectLst/>
+                <a:latin typeface="Courier New" panose="02070309020205020404" pitchFamily="49" charset="0"/>
+                <a:ea typeface="Courier New" panose="02070309020205020404" pitchFamily="49" charset="0"/>
+              </a:rPr>
+              <a:t>, k))</a:t>
+            </a:r>
+            <a:endParaRPr lang="ru-RU" sz="1300" dirty="0">
+              <a:solidFill>
+                <a:srgbClr val="222222"/>
+              </a:solidFill>
+              <a:effectLst/>
+              <a:latin typeface="Times New Roman" panose="02020603050405020304" pitchFamily="18" charset="0"/>
+              <a:ea typeface="Times New Roman" panose="02020603050405020304" pitchFamily="18" charset="0"/>
+            </a:endParaRPr>
+          </a:p>
+          <a:p>
+            <a:pPr marL="0" indent="0" algn="just">
+              <a:lnSpc>
+                <a:spcPct val="130000"/>
+              </a:lnSpc>
+              <a:spcBef>
+                <a:spcPts val="600"/>
+              </a:spcBef>
+              <a:spcAft>
+                <a:spcPts val="100"/>
+              </a:spcAft>
+              <a:buNone/>
+            </a:pPr>
+            <a:r>
+              <a:rPr lang="en-US" sz="1300" dirty="0">
+                <a:solidFill>
+                  <a:srgbClr val="222222"/>
+                </a:solidFill>
+                <a:effectLst/>
+                <a:latin typeface="Courier New" panose="02070309020205020404" pitchFamily="49" charset="0"/>
+                <a:ea typeface="Courier New" panose="02070309020205020404" pitchFamily="49" charset="0"/>
+              </a:rPr>
+              <a:t>     </a:t>
+            </a:r>
+            <a:r>
+              <a:rPr lang="en-US" sz="1300" b="1" dirty="0" err="1">
+                <a:solidFill>
+                  <a:srgbClr val="222222"/>
+                </a:solidFill>
+                <a:effectLst/>
+                <a:latin typeface="Courier New" panose="02070309020205020404" pitchFamily="49" charset="0"/>
+                <a:ea typeface="Courier New" panose="02070309020205020404" pitchFamily="49" charset="0"/>
+              </a:rPr>
+              <a:t>RebuildTree</a:t>
+            </a:r>
+            <a:r>
+              <a:rPr lang="en-US" sz="1300" dirty="0">
+                <a:solidFill>
+                  <a:srgbClr val="222222"/>
+                </a:solidFill>
+                <a:effectLst/>
+                <a:latin typeface="Courier New" panose="02070309020205020404" pitchFamily="49" charset="0"/>
+                <a:ea typeface="Courier New" panose="02070309020205020404" pitchFamily="49" charset="0"/>
+              </a:rPr>
+              <a:t>(</a:t>
+            </a:r>
+            <a:r>
+              <a:rPr lang="en-US" sz="1300" dirty="0" err="1">
+                <a:solidFill>
+                  <a:srgbClr val="222222"/>
+                </a:solidFill>
+                <a:effectLst/>
+                <a:latin typeface="Courier New" panose="02070309020205020404" pitchFamily="49" charset="0"/>
+                <a:ea typeface="Courier New" panose="02070309020205020404" pitchFamily="49" charset="0"/>
+              </a:rPr>
+              <a:t>n.size</a:t>
+            </a:r>
+            <a:r>
+              <a:rPr lang="en-US" sz="1300" dirty="0">
+                <a:solidFill>
+                  <a:srgbClr val="222222"/>
+                </a:solidFill>
+                <a:effectLst/>
+                <a:latin typeface="Courier New" panose="02070309020205020404" pitchFamily="49" charset="0"/>
+                <a:ea typeface="Courier New" panose="02070309020205020404" pitchFamily="49" charset="0"/>
+              </a:rPr>
+              <a:t>(), scapegoat)</a:t>
+            </a:r>
+            <a:endParaRPr lang="ru-RU" sz="1300" dirty="0">
+              <a:solidFill>
+                <a:srgbClr val="222222"/>
+              </a:solidFill>
+              <a:effectLst/>
+              <a:latin typeface="Times New Roman" panose="02020603050405020304" pitchFamily="18" charset="0"/>
+              <a:ea typeface="Times New Roman" panose="02020603050405020304" pitchFamily="18" charset="0"/>
+            </a:endParaRPr>
+          </a:p>
+          <a:p>
+            <a:pPr marL="0" indent="0" algn="just">
+              <a:lnSpc>
+                <a:spcPct val="130000"/>
+              </a:lnSpc>
+              <a:spcBef>
+                <a:spcPts val="600"/>
+              </a:spcBef>
+              <a:spcAft>
+                <a:spcPts val="100"/>
+              </a:spcAft>
+              <a:buNone/>
+            </a:pPr>
+            <a:r>
+              <a:rPr lang="en-US" sz="1300" dirty="0">
+                <a:solidFill>
+                  <a:srgbClr val="222222"/>
+                </a:solidFill>
+                <a:effectLst/>
+                <a:latin typeface="Courier New" panose="02070309020205020404" pitchFamily="49" charset="0"/>
+                <a:ea typeface="Courier New" panose="02070309020205020404" pitchFamily="49" charset="0"/>
+              </a:rPr>
+              <a:t>  </a:t>
+            </a:r>
+            <a:r>
+              <a:rPr lang="en-US" sz="1300" b="1" dirty="0">
+                <a:solidFill>
+                  <a:srgbClr val="222222"/>
+                </a:solidFill>
+                <a:effectLst/>
+                <a:latin typeface="Courier New" panose="02070309020205020404" pitchFamily="49" charset="0"/>
+                <a:ea typeface="Courier New" panose="02070309020205020404" pitchFamily="49" charset="0"/>
+              </a:rPr>
+              <a:t>return</a:t>
+            </a:r>
+            <a:r>
+              <a:rPr lang="en-US" sz="1300" dirty="0">
+                <a:solidFill>
+                  <a:srgbClr val="222222"/>
+                </a:solidFill>
+                <a:effectLst/>
+                <a:latin typeface="Courier New" panose="02070309020205020404" pitchFamily="49" charset="0"/>
+                <a:ea typeface="Courier New" panose="02070309020205020404" pitchFamily="49" charset="0"/>
+              </a:rPr>
+              <a:t> true</a:t>
+            </a:r>
+            <a:endParaRPr lang="ru-RU" sz="1300" dirty="0">
+              <a:solidFill>
+                <a:srgbClr val="222222"/>
+              </a:solidFill>
+              <a:effectLst/>
+              <a:latin typeface="Times New Roman" panose="02020603050405020304" pitchFamily="18" charset="0"/>
+              <a:ea typeface="Times New Roman" panose="02020603050405020304" pitchFamily="18" charset="0"/>
+            </a:endParaRPr>
+          </a:p>
+          <a:p>
+            <a:pPr marL="0"/>
+            <a:endParaRPr lang="ru-RU" dirty="0"/>
+          </a:p>
+        </p:txBody>
+      </p:sp>
+      <p:sp>
+        <p:nvSpPr>
+          <p:cNvPr id="4" name="Номер слайда 3">
+            <a:extLst>
+              <a:ext uri="{FF2B5EF4-FFF2-40B4-BE49-F238E27FC236}">
+                <a16:creationId xmlns:a16="http://schemas.microsoft.com/office/drawing/2014/main" id="{735536A6-CAC2-8D31-F4CC-F9C99D28E7BB}"/>
+              </a:ext>
+            </a:extLst>
+          </p:cNvPr>
+          <p:cNvSpPr>
+            <a:spLocks noGrp="1"/>
+          </p:cNvSpPr>
+          <p:nvPr>
+            <p:ph type="sldNum" idx="12"/>
+          </p:nvPr>
+        </p:nvSpPr>
+        <p:spPr/>
+        <p:txBody>
+          <a:bodyPr/>
+          <a:lstStyle/>
+          <a:p>
+            <a:pPr marL="0" lvl="0" indent="0" algn="r" rtl="0">
+              <a:spcBef>
+                <a:spcPts val="0"/>
+              </a:spcBef>
+              <a:spcAft>
+                <a:spcPts val="0"/>
+              </a:spcAft>
+              <a:buNone/>
+            </a:pPr>
+            <a:fld id="{00000000-1234-1234-1234-123412341234}" type="slidenum">
+              <a:rPr lang="ru" smtClean="0"/>
+              <a:t>8</a:t>
+            </a:fld>
+            <a:endParaRPr lang="ru"/>
+          </a:p>
+        </p:txBody>
+      </p:sp>
+      <p:sp>
+        <p:nvSpPr>
+          <p:cNvPr id="5" name="TextBox 4">
+            <a:extLst>
+              <a:ext uri="{FF2B5EF4-FFF2-40B4-BE49-F238E27FC236}">
+                <a16:creationId xmlns:a16="http://schemas.microsoft.com/office/drawing/2014/main" id="{79E53535-79B6-69F8-CF9B-EFBC68DC9FF2}"/>
+              </a:ext>
+            </a:extLst>
+          </p:cNvPr>
+          <p:cNvSpPr txBox="1"/>
+          <p:nvPr/>
+        </p:nvSpPr>
+        <p:spPr>
+          <a:xfrm>
+            <a:off x="875383" y="1143806"/>
+            <a:ext cx="3196431" cy="553998"/>
+          </a:xfrm>
+          <a:prstGeom prst="rect">
+            <a:avLst/>
+          </a:prstGeom>
+          <a:noFill/>
+        </p:spPr>
+        <p:txBody>
+          <a:bodyPr wrap="square" rtlCol="0">
+            <a:spAutoFit/>
+          </a:bodyPr>
+          <a:lstStyle/>
+          <a:p>
+            <a:r>
+              <a:rPr lang="ru-RU" sz="1600" i="1" dirty="0">
+                <a:solidFill>
+                  <a:srgbClr val="222222"/>
+                </a:solidFill>
+                <a:latin typeface="+mn-lt"/>
+                <a:ea typeface="Courier New" panose="02070309020205020404" pitchFamily="49" charset="0"/>
+              </a:rPr>
+              <a:t>На вход подаётся число </a:t>
+            </a:r>
+            <a:r>
+              <a:rPr lang="en-US" sz="1600" i="1" dirty="0">
+                <a:solidFill>
+                  <a:srgbClr val="222222"/>
+                </a:solidFill>
+                <a:latin typeface="+mn-lt"/>
+                <a:ea typeface="Courier New" panose="02070309020205020404" pitchFamily="49" charset="0"/>
+              </a:rPr>
+              <a:t>k:</a:t>
+            </a:r>
+          </a:p>
+          <a:p>
+            <a:endParaRPr lang="ru-RU" dirty="0"/>
+          </a:p>
+        </p:txBody>
+      </p:sp>
+      <p:sp>
+        <p:nvSpPr>
+          <p:cNvPr id="6" name="TextBox 5">
+            <a:extLst>
+              <a:ext uri="{FF2B5EF4-FFF2-40B4-BE49-F238E27FC236}">
+                <a16:creationId xmlns:a16="http://schemas.microsoft.com/office/drawing/2014/main" id="{20F1DE3E-1533-47B3-E191-0C704206A816}"/>
+              </a:ext>
+            </a:extLst>
+          </p:cNvPr>
+          <p:cNvSpPr txBox="1"/>
+          <p:nvPr/>
+        </p:nvSpPr>
+        <p:spPr>
+          <a:xfrm>
+            <a:off x="5634896" y="2083379"/>
+            <a:ext cx="3197404" cy="1569660"/>
+          </a:xfrm>
+          <a:prstGeom prst="rect">
+            <a:avLst/>
+          </a:prstGeom>
+          <a:noFill/>
+        </p:spPr>
+        <p:txBody>
+          <a:bodyPr wrap="square" rtlCol="0">
+            <a:spAutoFit/>
+          </a:bodyPr>
+          <a:lstStyle/>
+          <a:p>
+            <a:r>
+              <a:rPr lang="ru-RU" sz="2400" dirty="0"/>
+              <a:t>Проверяем баланс, при необходимости вызываем операцию </a:t>
+            </a:r>
+            <a:r>
+              <a:rPr lang="ru-RU" sz="2400" dirty="0" err="1"/>
+              <a:t>перебалансировки</a:t>
+            </a:r>
+            <a:r>
+              <a:rPr lang="ru-RU" sz="2400" dirty="0"/>
+              <a:t>.</a:t>
+            </a:r>
+          </a:p>
+        </p:txBody>
+      </p:sp>
+    </p:spTree>
+    <p:extLst>
+      <p:ext uri="{BB962C8B-B14F-4D97-AF65-F5344CB8AC3E}">
+        <p14:creationId xmlns:p14="http://schemas.microsoft.com/office/powerpoint/2010/main" val="2720799423"/>
+      </p:ext>
+    </p:extLst>
+  </p:cSld>
+  <p:clrMapOvr>
+    <a:masterClrMapping/>
+  </p:clrMapOvr>
+</p:sld>
+</file>
+
+<file path=ppt/slides/slide9.xml><?xml version="1.0" encoding="utf-8"?>
 <p:sld xmlns:a="http://schemas.openxmlformats.org/drawingml/2006/main" xmlns:r="http://schemas.openxmlformats.org/officeDocument/2006/relationships" xmlns:p="http://schemas.openxmlformats.org/presentationml/2006/main">
   <p:cSld>
     <p:spTree>
@@ -11611,12 +13946,41 @@
             <p:ph type="body" idx="1"/>
           </p:nvPr>
         </p:nvSpPr>
-        <p:spPr/>
+        <p:spPr>
+          <a:xfrm>
+            <a:off x="868913" y="1750219"/>
+            <a:ext cx="3503063" cy="1907381"/>
+          </a:xfrm>
+          <a:solidFill>
+            <a:schemeClr val="accent3">
+              <a:alpha val="50000"/>
+            </a:schemeClr>
+          </a:solidFill>
+          <a:ln>
+            <a:noFill/>
+          </a:ln>
+        </p:spPr>
+        <p:style>
+          <a:lnRef idx="0">
+            <a:scrgbClr r="0" g="0" b="0"/>
+          </a:lnRef>
+          <a:fillRef idx="0">
+            <a:scrgbClr r="0" g="0" b="0"/>
+          </a:fillRef>
+          <a:effectRef idx="0">
+            <a:scrgbClr r="0" g="0" b="0"/>
+          </a:effectRef>
+          <a:fontRef idx="minor">
+            <a:schemeClr val="lt1"/>
+          </a:fontRef>
+        </p:style>
         <p:txBody>
-          <a:bodyPr/>
+          <a:bodyPr>
+            <a:normAutofit/>
+          </a:bodyPr>
           <a:lstStyle/>
           <a:p>
-            <a:pPr indent="0" algn="just">
+            <a:pPr marL="0" indent="0">
               <a:lnSpc>
                 <a:spcPct val="130000"/>
               </a:lnSpc>
@@ -11629,7 +13993,7 @@
               <a:buNone/>
             </a:pPr>
             <a:r>
-              <a:rPr lang="en-US" sz="1800" b="1" dirty="0">
+              <a:rPr lang="en-US" sz="1200" b="1" dirty="0">
                 <a:solidFill>
                   <a:srgbClr val="222222"/>
                 </a:solidFill>
@@ -11640,7 +14004,7 @@
               <a:t>Delete</a:t>
             </a:r>
             <a:r>
-              <a:rPr lang="en-US" sz="1800" dirty="0">
+              <a:rPr lang="en-US" sz="1200" dirty="0">
                 <a:solidFill>
                   <a:srgbClr val="222222"/>
                 </a:solidFill>
@@ -11650,7 +14014,7 @@
               </a:rPr>
               <a:t>(k): </a:t>
             </a:r>
-            <a:endParaRPr lang="ru-RU" sz="1800" dirty="0">
+            <a:endParaRPr lang="ru-RU" sz="1200" dirty="0">
               <a:solidFill>
                 <a:srgbClr val="222222"/>
               </a:solidFill>
@@ -11660,7 +14024,7 @@
             </a:endParaRPr>
           </a:p>
           <a:p>
-            <a:pPr indent="0" algn="just">
+            <a:pPr marL="0" indent="0" algn="just">
               <a:lnSpc>
                 <a:spcPct val="130000"/>
               </a:lnSpc>
@@ -11673,7 +14037,7 @@
               <a:buNone/>
             </a:pPr>
             <a:r>
-              <a:rPr lang="en-US" sz="1800" dirty="0">
+              <a:rPr lang="en-US" sz="1200" dirty="0">
                 <a:solidFill>
                   <a:srgbClr val="222222"/>
                 </a:solidFill>
@@ -11684,7 +14048,7 @@
               <a:t>  deleted = </a:t>
             </a:r>
             <a:r>
-              <a:rPr lang="en-US" sz="1800" b="1" dirty="0" err="1">
+              <a:rPr lang="en-US" sz="1200" b="1" dirty="0" err="1">
                 <a:solidFill>
                   <a:srgbClr val="222222"/>
                 </a:solidFill>
@@ -11695,7 +14059,7 @@
               <a:t>DeleteKey</a:t>
             </a:r>
             <a:r>
-              <a:rPr lang="en-US" sz="1800" dirty="0">
+              <a:rPr lang="en-US" sz="1200" dirty="0">
                 <a:solidFill>
                   <a:srgbClr val="222222"/>
                 </a:solidFill>
@@ -11705,7 +14069,7 @@
               </a:rPr>
               <a:t>(k)</a:t>
             </a:r>
-            <a:endParaRPr lang="ru-RU" sz="1800" dirty="0">
+            <a:endParaRPr lang="ru-RU" sz="1200" dirty="0">
               <a:solidFill>
                 <a:srgbClr val="222222"/>
               </a:solidFill>
@@ -11715,7 +14079,7 @@
             </a:endParaRPr>
           </a:p>
           <a:p>
-            <a:pPr indent="0" algn="just">
+            <a:pPr marL="0" indent="0" algn="just">
               <a:lnSpc>
                 <a:spcPct val="130000"/>
               </a:lnSpc>
@@ -11728,7 +14092,7 @@
               <a:buNone/>
             </a:pPr>
             <a:r>
-              <a:rPr lang="en-US" sz="1800" dirty="0">
+              <a:rPr lang="en-US" sz="1200" dirty="0">
                 <a:solidFill>
                   <a:srgbClr val="222222"/>
                 </a:solidFill>
@@ -11739,7 +14103,7 @@
               <a:t>  </a:t>
             </a:r>
             <a:r>
-              <a:rPr lang="en-US" sz="1800" b="1" dirty="0">
+              <a:rPr lang="en-US" sz="1200" b="1" dirty="0">
                 <a:solidFill>
                   <a:srgbClr val="222222"/>
                 </a:solidFill>
@@ -11750,7 +14114,7 @@
               <a:t>if</a:t>
             </a:r>
             <a:r>
-              <a:rPr lang="en-US" sz="1800" dirty="0">
+              <a:rPr lang="en-US" sz="1200" dirty="0">
                 <a:solidFill>
                   <a:srgbClr val="222222"/>
                 </a:solidFill>
@@ -11760,7 +14124,7 @@
               </a:rPr>
               <a:t> deleted:</a:t>
             </a:r>
-            <a:endParaRPr lang="ru-RU" sz="1800" dirty="0">
+            <a:endParaRPr lang="ru-RU" sz="1200" dirty="0">
               <a:solidFill>
                 <a:srgbClr val="222222"/>
               </a:solidFill>
@@ -11770,7 +14134,7 @@
             </a:endParaRPr>
           </a:p>
           <a:p>
-            <a:pPr indent="0" algn="just">
+            <a:pPr marL="0" indent="0" algn="just">
               <a:lnSpc>
                 <a:spcPct val="130000"/>
               </a:lnSpc>
@@ -11783,7 +14147,7 @@
               <a:buNone/>
             </a:pPr>
             <a:r>
-              <a:rPr lang="en-US" sz="1800" dirty="0">
+              <a:rPr lang="en-US" sz="1200" dirty="0">
                 <a:solidFill>
                   <a:srgbClr val="222222"/>
                 </a:solidFill>
@@ -11794,7 +14158,7 @@
               <a:t>     </a:t>
             </a:r>
             <a:r>
-              <a:rPr lang="en-US" sz="1800" b="1" dirty="0">
+              <a:rPr lang="en-US" sz="1200" b="1" dirty="0">
                 <a:solidFill>
                   <a:srgbClr val="222222"/>
                 </a:solidFill>
@@ -11805,7 +14169,7 @@
               <a:t>if</a:t>
             </a:r>
             <a:r>
-              <a:rPr lang="en-US" sz="1800" dirty="0">
+              <a:rPr lang="en-US" sz="1200" dirty="0">
                 <a:solidFill>
                   <a:srgbClr val="222222"/>
                 </a:solidFill>
@@ -11816,7 +14180,7 @@
               <a:t> </a:t>
             </a:r>
             <a:r>
-              <a:rPr lang="en-US" sz="1800" dirty="0" err="1">
+              <a:rPr lang="en-US" sz="1200" dirty="0" err="1">
                 <a:solidFill>
                   <a:srgbClr val="222222"/>
                 </a:solidFill>
@@ -11827,7 +14191,7 @@
               <a:t>T.size</a:t>
             </a:r>
             <a:r>
-              <a:rPr lang="en-US" sz="1800" dirty="0">
+              <a:rPr lang="en-US" sz="1200" dirty="0">
                 <a:solidFill>
                   <a:srgbClr val="222222"/>
                 </a:solidFill>
@@ -11838,7 +14202,7 @@
               <a:t> &lt; (T.</a:t>
             </a:r>
             <a:r>
-              <a:rPr lang="ru-RU" sz="1800" dirty="0">
+              <a:rPr lang="ru-RU" sz="1200" dirty="0">
                 <a:solidFill>
                   <a:srgbClr val="222222"/>
                 </a:solidFill>
@@ -11849,7 +14213,7 @@
               <a:t>α</a:t>
             </a:r>
             <a:r>
-              <a:rPr lang="en-US" sz="1800" dirty="0">
+              <a:rPr lang="en-US" sz="1200" dirty="0">
                 <a:solidFill>
                   <a:srgbClr val="222222"/>
                 </a:solidFill>
@@ -11860,7 +14224,7 @@
               <a:t> · </a:t>
             </a:r>
             <a:r>
-              <a:rPr lang="en-US" sz="1800" dirty="0" err="1">
+              <a:rPr lang="en-US" sz="1200" dirty="0" err="1">
                 <a:solidFill>
                   <a:srgbClr val="222222"/>
                 </a:solidFill>
@@ -11871,7 +14235,7 @@
               <a:t>T.maxSize</a:t>
             </a:r>
             <a:r>
-              <a:rPr lang="en-US" sz="1800" dirty="0">
+              <a:rPr lang="en-US" sz="1200" dirty="0">
                 <a:solidFill>
                   <a:srgbClr val="222222"/>
                 </a:solidFill>
@@ -11881,7 +14245,7 @@
               </a:rPr>
               <a:t>):</a:t>
             </a:r>
-            <a:endParaRPr lang="ru-RU" sz="1800" dirty="0">
+            <a:endParaRPr lang="ru-RU" sz="1200" dirty="0">
               <a:solidFill>
                 <a:srgbClr val="222222"/>
               </a:solidFill>
@@ -11891,7 +14255,7 @@
             </a:endParaRPr>
           </a:p>
           <a:p>
-            <a:pPr indent="0" algn="just">
+            <a:pPr marL="0" indent="0" algn="just">
               <a:lnSpc>
                 <a:spcPct val="130000"/>
               </a:lnSpc>
@@ -11904,7 +14268,7 @@
               <a:buNone/>
             </a:pPr>
             <a:r>
-              <a:rPr lang="en-US" sz="1800" dirty="0">
+              <a:rPr lang="en-US" sz="1200" dirty="0">
                 <a:solidFill>
                   <a:srgbClr val="222222"/>
                 </a:solidFill>
@@ -11915,7 +14279,7 @@
               <a:t>        </a:t>
             </a:r>
             <a:r>
-              <a:rPr lang="en-US" sz="1800" b="1" dirty="0" err="1">
+              <a:rPr lang="en-US" sz="1200" b="1" dirty="0" err="1">
                 <a:solidFill>
                   <a:srgbClr val="222222"/>
                 </a:solidFill>
@@ -11926,7 +14290,7 @@
               <a:t>RebuildTree</a:t>
             </a:r>
             <a:r>
-              <a:rPr lang="en-US" sz="1800" dirty="0">
+              <a:rPr lang="en-US" sz="1200" dirty="0">
                 <a:solidFill>
                   <a:srgbClr val="222222"/>
                 </a:solidFill>
@@ -11937,7 +14301,7 @@
               <a:t>(</a:t>
             </a:r>
             <a:r>
-              <a:rPr lang="en-US" sz="1800" dirty="0" err="1">
+              <a:rPr lang="en-US" sz="1200" dirty="0" err="1">
                 <a:solidFill>
                   <a:srgbClr val="222222"/>
                 </a:solidFill>
@@ -11948,7 +14312,7 @@
               <a:t>T.size</a:t>
             </a:r>
             <a:r>
-              <a:rPr lang="en-US" sz="1800" dirty="0">
+              <a:rPr lang="en-US" sz="1200" dirty="0">
                 <a:solidFill>
                   <a:srgbClr val="222222"/>
                 </a:solidFill>
@@ -11959,7 +14323,7 @@
               <a:t>, </a:t>
             </a:r>
             <a:r>
-              <a:rPr lang="en-US" sz="1800" dirty="0" err="1">
+              <a:rPr lang="en-US" sz="1200" dirty="0" err="1">
                 <a:solidFill>
                   <a:srgbClr val="222222"/>
                 </a:solidFill>
@@ -11970,7 +14334,7 @@
               <a:t>T.root</a:t>
             </a:r>
             <a:r>
-              <a:rPr lang="en-US" sz="1800" dirty="0">
+              <a:rPr lang="en-US" sz="1200" dirty="0">
                 <a:solidFill>
                   <a:srgbClr val="222222"/>
                 </a:solidFill>
@@ -11980,7 +14344,7 @@
               </a:rPr>
               <a:t>)</a:t>
             </a:r>
-            <a:endParaRPr lang="ru-RU" sz="1800" dirty="0">
+            <a:endParaRPr lang="ru-RU" sz="1200" dirty="0">
               <a:solidFill>
                 <a:srgbClr val="222222"/>
               </a:solidFill>
@@ -11990,6 +14354,7 @@
             </a:endParaRPr>
           </a:p>
           <a:p>
+            <a:pPr marL="0"/>
             <a:endParaRPr lang="ru-RU" dirty="0"/>
           </a:p>
         </p:txBody>
@@ -12026,9 +14391,95 @@
             </a:pPr>
             <a:fld id="{00000000-1234-1234-1234-123412341234}" type="slidenum">
               <a:rPr lang="ru" smtClean="0"/>
-              <a:t>7</a:t>
+              <a:t>9</a:t>
             </a:fld>
             <a:endParaRPr lang="ru"/>
+          </a:p>
+        </p:txBody>
+      </p:sp>
+      <p:sp>
+        <p:nvSpPr>
+          <p:cNvPr id="5" name="TextBox 4">
+            <a:extLst>
+              <a:ext uri="{FF2B5EF4-FFF2-40B4-BE49-F238E27FC236}">
+                <a16:creationId xmlns:a16="http://schemas.microsoft.com/office/drawing/2014/main" id="{46754F69-17FD-E174-3F59-75C6EE7910C3}"/>
+              </a:ext>
+            </a:extLst>
+          </p:cNvPr>
+          <p:cNvSpPr txBox="1"/>
+          <p:nvPr/>
+        </p:nvSpPr>
+        <p:spPr>
+          <a:xfrm>
+            <a:off x="868913" y="1186302"/>
+            <a:ext cx="2776722" cy="338554"/>
+          </a:xfrm>
+          <a:prstGeom prst="rect">
+            <a:avLst/>
+          </a:prstGeom>
+          <a:noFill/>
+        </p:spPr>
+        <p:txBody>
+          <a:bodyPr wrap="none" rtlCol="0">
+            <a:spAutoFit/>
+          </a:bodyPr>
+          <a:lstStyle/>
+          <a:p>
+            <a:r>
+              <a:rPr lang="ru-RU" sz="1600" i="1" dirty="0">
+                <a:solidFill>
+                  <a:srgbClr val="222222"/>
+                </a:solidFill>
+                <a:latin typeface="+mn-lt"/>
+                <a:ea typeface="Courier New" panose="02070309020205020404" pitchFamily="49" charset="0"/>
+              </a:rPr>
+              <a:t>На вход подаётся число </a:t>
+            </a:r>
+            <a:r>
+              <a:rPr lang="en-US" sz="1600" i="1" dirty="0">
+                <a:solidFill>
+                  <a:srgbClr val="222222"/>
+                </a:solidFill>
+                <a:latin typeface="+mn-lt"/>
+                <a:ea typeface="Courier New" panose="02070309020205020404" pitchFamily="49" charset="0"/>
+              </a:rPr>
+              <a:t>k:</a:t>
+            </a:r>
+          </a:p>
+        </p:txBody>
+      </p:sp>
+      <p:sp>
+        <p:nvSpPr>
+          <p:cNvPr id="6" name="TextBox 5">
+            <a:extLst>
+              <a:ext uri="{FF2B5EF4-FFF2-40B4-BE49-F238E27FC236}">
+                <a16:creationId xmlns:a16="http://schemas.microsoft.com/office/drawing/2014/main" id="{ED00305D-E200-9362-FA14-38833ED9F3DD}"/>
+              </a:ext>
+            </a:extLst>
+          </p:cNvPr>
+          <p:cNvSpPr txBox="1"/>
+          <p:nvPr/>
+        </p:nvSpPr>
+        <p:spPr>
+          <a:xfrm>
+            <a:off x="5072184" y="1693434"/>
+            <a:ext cx="2274277" cy="830997"/>
+          </a:xfrm>
+          <a:prstGeom prst="rect">
+            <a:avLst/>
+          </a:prstGeom>
+          <a:noFill/>
+        </p:spPr>
+        <p:txBody>
+          <a:bodyPr wrap="square" rtlCol="0">
+            <a:spAutoFit/>
+          </a:bodyPr>
+          <a:lstStyle/>
+          <a:p>
+            <a:r>
+              <a:rPr lang="ru-RU" sz="2400" dirty="0"/>
+              <a:t>Действуем как и при вставке.</a:t>
+            </a:r>
           </a:p>
         </p:txBody>
       </p:sp>
@@ -12038,423 +14489,6 @@
         <p14:creationId xmlns:p14="http://schemas.microsoft.com/office/powerpoint/2010/main" val="1558946416"/>
       </p:ext>
     </p:extLst>
-  </p:cSld>
-  <p:clrMapOvr>
-    <a:masterClrMapping/>
-  </p:clrMapOvr>
-</p:sld>
-</file>
-
-<file path=ppt/slides/slide8.xml><?xml version="1.0" encoding="utf-8"?>
-<p:sld xmlns:a="http://schemas.openxmlformats.org/drawingml/2006/main" xmlns:r="http://schemas.openxmlformats.org/officeDocument/2006/relationships" xmlns:p="http://schemas.openxmlformats.org/presentationml/2006/main">
-  <p:cSld>
-    <p:spTree>
-      <p:nvGrpSpPr>
-        <p:cNvPr id="1" name=""/>
-        <p:cNvGrpSpPr/>
-        <p:nvPr/>
-      </p:nvGrpSpPr>
-      <p:grpSpPr>
-        <a:xfrm>
-          <a:off x="0" y="0"/>
-          <a:ext cx="0" cy="0"/>
-          <a:chOff x="0" y="0"/>
-          <a:chExt cx="0" cy="0"/>
-        </a:xfrm>
-      </p:grpSpPr>
-      <p:sp>
-        <p:nvSpPr>
-          <p:cNvPr id="2" name="Заголовок 1">
-            <a:extLst>
-              <a:ext uri="{FF2B5EF4-FFF2-40B4-BE49-F238E27FC236}">
-                <a16:creationId xmlns:a16="http://schemas.microsoft.com/office/drawing/2014/main" id="{A24BA223-5B61-9230-48E3-98F0B8D8A2A5}"/>
-              </a:ext>
-            </a:extLst>
-          </p:cNvPr>
-          <p:cNvSpPr>
-            <a:spLocks noGrp="1"/>
-          </p:cNvSpPr>
-          <p:nvPr>
-            <p:ph type="title"/>
-          </p:nvPr>
-        </p:nvSpPr>
-        <p:spPr/>
-        <p:txBody>
-          <a:bodyPr>
-            <a:normAutofit fontScale="90000"/>
-          </a:bodyPr>
-          <a:lstStyle/>
-          <a:p>
-            <a:pPr algn="ctr"/>
-            <a:r>
-              <a:rPr lang="ru-RU" dirty="0"/>
-              <a:t>Тестирование и анализ</a:t>
-            </a:r>
-          </a:p>
-        </p:txBody>
-      </p:sp>
-      <p:sp>
-        <p:nvSpPr>
-          <p:cNvPr id="4" name="Номер слайда 3">
-            <a:extLst>
-              <a:ext uri="{FF2B5EF4-FFF2-40B4-BE49-F238E27FC236}">
-                <a16:creationId xmlns:a16="http://schemas.microsoft.com/office/drawing/2014/main" id="{DB765870-FC1F-375E-DE62-59C51477761C}"/>
-              </a:ext>
-            </a:extLst>
-          </p:cNvPr>
-          <p:cNvSpPr>
-            <a:spLocks noGrp="1"/>
-          </p:cNvSpPr>
-          <p:nvPr>
-            <p:ph type="sldNum" idx="12"/>
-          </p:nvPr>
-        </p:nvSpPr>
-        <p:spPr/>
-        <p:txBody>
-          <a:bodyPr/>
-          <a:lstStyle/>
-          <a:p>
-            <a:pPr marL="0" lvl="0" indent="0" algn="r" rtl="0">
-              <a:spcBef>
-                <a:spcPts val="0"/>
-              </a:spcBef>
-              <a:spcAft>
-                <a:spcPts val="0"/>
-              </a:spcAft>
-              <a:buNone/>
-            </a:pPr>
-            <a:fld id="{00000000-1234-1234-1234-123412341234}" type="slidenum">
-              <a:rPr lang="ru" smtClean="0"/>
-              <a:t>8</a:t>
-            </a:fld>
-            <a:endParaRPr lang="ru"/>
-          </a:p>
-        </p:txBody>
-      </p:sp>
-    </p:spTree>
-    <p:extLst>
-      <p:ext uri="{BB962C8B-B14F-4D97-AF65-F5344CB8AC3E}">
-        <p14:creationId xmlns:p14="http://schemas.microsoft.com/office/powerpoint/2010/main" val="3864869608"/>
-      </p:ext>
-    </p:extLst>
-  </p:cSld>
-  <p:clrMapOvr>
-    <a:masterClrMapping/>
-  </p:clrMapOvr>
-</p:sld>
-</file>
-
-<file path=ppt/slides/slide9.xml><?xml version="1.0" encoding="utf-8"?>
-<p:sld xmlns:a="http://schemas.openxmlformats.org/drawingml/2006/main" xmlns:r="http://schemas.openxmlformats.org/officeDocument/2006/relationships" xmlns:p="http://schemas.openxmlformats.org/presentationml/2006/main">
-  <p:cSld>
-    <p:spTree>
-      <p:nvGrpSpPr>
-        <p:cNvPr id="1" name="Shape 112"/>
-        <p:cNvGrpSpPr/>
-        <p:nvPr/>
-      </p:nvGrpSpPr>
-      <p:grpSpPr>
-        <a:xfrm>
-          <a:off x="0" y="0"/>
-          <a:ext cx="0" cy="0"/>
-          <a:chOff x="0" y="0"/>
-          <a:chExt cx="0" cy="0"/>
-        </a:xfrm>
-      </p:grpSpPr>
-      <p:sp>
-        <p:nvSpPr>
-          <p:cNvPr id="113" name="Google Shape;113;p21"/>
-          <p:cNvSpPr txBox="1">
-            <a:spLocks noGrp="1"/>
-          </p:cNvSpPr>
-          <p:nvPr>
-            <p:ph type="title"/>
-          </p:nvPr>
-        </p:nvSpPr>
-        <p:spPr>
-          <a:xfrm>
-            <a:off x="311700" y="445025"/>
-            <a:ext cx="8520600" cy="572700"/>
-          </a:xfrm>
-          <a:prstGeom prst="rect">
-            <a:avLst/>
-          </a:prstGeom>
-        </p:spPr>
-        <p:txBody>
-          <a:bodyPr spcFirstLastPara="1" wrap="square" lIns="91425" tIns="91425" rIns="91425" bIns="91425" anchor="t" anchorCtr="0">
-            <a:noAutofit/>
-          </a:bodyPr>
-          <a:lstStyle/>
-          <a:p>
-            <a:pPr marL="0" lvl="0" indent="0" algn="ctr" rtl="0">
-              <a:spcBef>
-                <a:spcPts val="0"/>
-              </a:spcBef>
-              <a:spcAft>
-                <a:spcPts val="0"/>
-              </a:spcAft>
-              <a:buSzPts val="990"/>
-              <a:buNone/>
-            </a:pPr>
-            <a:r>
-              <a:rPr lang="ru" sz="3020" dirty="0">
-                <a:latin typeface="+mj-lt"/>
-                <a:ea typeface="Courier New"/>
-                <a:cs typeface="Courier New"/>
-                <a:sym typeface="Courier New"/>
-              </a:rPr>
-              <a:t>Заключение</a:t>
-            </a:r>
-            <a:endParaRPr sz="3020" dirty="0">
-              <a:latin typeface="+mj-lt"/>
-              <a:ea typeface="Courier New"/>
-              <a:cs typeface="Courier New"/>
-              <a:sym typeface="Courier New"/>
-            </a:endParaRPr>
-          </a:p>
-        </p:txBody>
-      </p:sp>
-      <p:sp>
-        <p:nvSpPr>
-          <p:cNvPr id="114" name="Google Shape;114;p21"/>
-          <p:cNvSpPr txBox="1">
-            <a:spLocks noGrp="1"/>
-          </p:cNvSpPr>
-          <p:nvPr>
-            <p:ph type="body" idx="1"/>
-          </p:nvPr>
-        </p:nvSpPr>
-        <p:spPr>
-          <a:xfrm>
-            <a:off x="311700" y="1152475"/>
-            <a:ext cx="8520600" cy="3416400"/>
-          </a:xfrm>
-          <a:prstGeom prst="rect">
-            <a:avLst/>
-          </a:prstGeom>
-        </p:spPr>
-        <p:txBody>
-          <a:bodyPr spcFirstLastPara="1" wrap="square" lIns="91425" tIns="91425" rIns="91425" bIns="91425" anchor="t" anchorCtr="0">
-            <a:normAutofit fontScale="92500" lnSpcReduction="20000"/>
-          </a:bodyPr>
-          <a:lstStyle/>
-          <a:p>
-            <a:pPr marL="0" lvl="0" indent="0" algn="l" rtl="0">
-              <a:spcBef>
-                <a:spcPts val="0"/>
-              </a:spcBef>
-              <a:spcAft>
-                <a:spcPts val="1200"/>
-              </a:spcAft>
-              <a:buNone/>
-            </a:pPr>
-            <a:r>
-              <a:rPr lang="en-US" sz="2000" dirty="0" err="1">
-                <a:solidFill>
-                  <a:schemeClr val="tx1"/>
-                </a:solidFill>
-                <a:latin typeface="+mn-lt"/>
-                <a:ea typeface="Montserrat Light"/>
-                <a:cs typeface="Montserrat Light"/>
-                <a:sym typeface="Montserrat Light"/>
-              </a:rPr>
-              <a:t>ScapeGoat</a:t>
-            </a:r>
-            <a:r>
-              <a:rPr lang="en-US" sz="2000" dirty="0">
-                <a:solidFill>
-                  <a:schemeClr val="tx1"/>
-                </a:solidFill>
-                <a:latin typeface="+mn-lt"/>
-                <a:ea typeface="Montserrat Light"/>
-                <a:cs typeface="Montserrat Light"/>
-                <a:sym typeface="Montserrat Light"/>
-              </a:rPr>
-              <a:t> Tree</a:t>
-            </a:r>
-            <a:r>
-              <a:rPr lang="ru-RU" sz="2000" dirty="0">
-                <a:solidFill>
-                  <a:schemeClr val="tx1"/>
-                </a:solidFill>
-                <a:latin typeface="+mn-lt"/>
-                <a:ea typeface="Montserrat Light"/>
-                <a:cs typeface="Montserrat Light"/>
-                <a:sym typeface="Montserrat Light"/>
-              </a:rPr>
-              <a:t>:</a:t>
-            </a:r>
-          </a:p>
-          <a:p>
-            <a:pPr marL="342900" lvl="0" algn="l" rtl="0">
-              <a:lnSpc>
-                <a:spcPct val="200000"/>
-              </a:lnSpc>
-              <a:spcBef>
-                <a:spcPts val="0"/>
-              </a:spcBef>
-              <a:spcAft>
-                <a:spcPts val="1200"/>
-              </a:spcAft>
-              <a:buFontTx/>
-              <a:buChar char="-"/>
-            </a:pPr>
-            <a:r>
-              <a:rPr lang="ru-RU" sz="2000" dirty="0">
-                <a:solidFill>
-                  <a:schemeClr val="tx1"/>
-                </a:solidFill>
-                <a:latin typeface="+mn-lt"/>
-                <a:ea typeface="Montserrat Light"/>
-                <a:cs typeface="Montserrat Light"/>
-                <a:sym typeface="Montserrat Light"/>
-              </a:rPr>
-              <a:t>Изучен по литературным источникам</a:t>
-            </a:r>
-          </a:p>
-          <a:p>
-            <a:pPr marL="342900" lvl="0" algn="l" rtl="0">
-              <a:lnSpc>
-                <a:spcPct val="200000"/>
-              </a:lnSpc>
-              <a:spcBef>
-                <a:spcPts val="0"/>
-              </a:spcBef>
-              <a:spcAft>
-                <a:spcPts val="1200"/>
-              </a:spcAft>
-              <a:buFontTx/>
-              <a:buChar char="-"/>
-            </a:pPr>
-            <a:r>
-              <a:rPr lang="ru-RU" sz="2000" dirty="0">
-                <a:solidFill>
-                  <a:schemeClr val="tx1"/>
-                </a:solidFill>
-                <a:latin typeface="+mn-lt"/>
-                <a:ea typeface="Montserrat Light"/>
-                <a:cs typeface="Montserrat Light"/>
-                <a:sym typeface="Montserrat Light"/>
-              </a:rPr>
-              <a:t>Изложен в удобной для понимания форме</a:t>
-            </a:r>
-          </a:p>
-          <a:p>
-            <a:pPr marL="342900" lvl="0" algn="l" rtl="0">
-              <a:lnSpc>
-                <a:spcPct val="200000"/>
-              </a:lnSpc>
-              <a:spcBef>
-                <a:spcPts val="0"/>
-              </a:spcBef>
-              <a:spcAft>
-                <a:spcPts val="1200"/>
-              </a:spcAft>
-              <a:buFontTx/>
-              <a:buChar char="-"/>
-            </a:pPr>
-            <a:r>
-              <a:rPr lang="ru-RU" sz="2000" dirty="0">
-                <a:solidFill>
-                  <a:schemeClr val="tx1"/>
-                </a:solidFill>
-                <a:latin typeface="+mn-lt"/>
-                <a:ea typeface="Montserrat Light"/>
-                <a:cs typeface="Montserrat Light"/>
-                <a:sym typeface="Montserrat Light"/>
-              </a:rPr>
-              <a:t>Реализованы все операции в дереве</a:t>
-            </a:r>
-          </a:p>
-          <a:p>
-            <a:pPr marL="342900" lvl="0" algn="l" rtl="0">
-              <a:lnSpc>
-                <a:spcPct val="200000"/>
-              </a:lnSpc>
-              <a:spcBef>
-                <a:spcPts val="0"/>
-              </a:spcBef>
-              <a:spcAft>
-                <a:spcPts val="1200"/>
-              </a:spcAft>
-              <a:buFontTx/>
-              <a:buChar char="-"/>
-            </a:pPr>
-            <a:r>
-              <a:rPr lang="ru-RU" sz="2000" dirty="0">
-                <a:solidFill>
-                  <a:schemeClr val="tx1"/>
-                </a:solidFill>
-                <a:latin typeface="+mn-lt"/>
-                <a:ea typeface="Montserrat Light"/>
-                <a:cs typeface="Montserrat Light"/>
-                <a:sym typeface="Montserrat Light"/>
-              </a:rPr>
-              <a:t>Исследована производительность на разных входных данных</a:t>
-            </a:r>
-          </a:p>
-          <a:p>
-            <a:pPr marL="342900" lvl="0" algn="l" rtl="0">
-              <a:spcBef>
-                <a:spcPts val="0"/>
-              </a:spcBef>
-              <a:spcAft>
-                <a:spcPts val="1200"/>
-              </a:spcAft>
-              <a:buFontTx/>
-              <a:buChar char="-"/>
-            </a:pPr>
-            <a:endParaRPr sz="2000" dirty="0">
-              <a:solidFill>
-                <a:schemeClr val="tx1"/>
-              </a:solidFill>
-              <a:latin typeface="+mn-lt"/>
-              <a:ea typeface="Montserrat Light"/>
-              <a:cs typeface="Montserrat Light"/>
-              <a:sym typeface="Montserrat Light"/>
-            </a:endParaRPr>
-          </a:p>
-        </p:txBody>
-      </p:sp>
-      <p:sp>
-        <p:nvSpPr>
-          <p:cNvPr id="2" name="Номер слайда 1">
-            <a:extLst>
-              <a:ext uri="{FF2B5EF4-FFF2-40B4-BE49-F238E27FC236}">
-                <a16:creationId xmlns:a16="http://schemas.microsoft.com/office/drawing/2014/main" id="{77F9AB56-9ACD-5E94-5916-D57AC074AA32}"/>
-              </a:ext>
-            </a:extLst>
-          </p:cNvPr>
-          <p:cNvSpPr>
-            <a:spLocks noGrp="1"/>
-          </p:cNvSpPr>
-          <p:nvPr>
-            <p:ph type="sldNum" idx="12"/>
-          </p:nvPr>
-        </p:nvSpPr>
-        <p:spPr/>
-        <p:txBody>
-          <a:bodyPr/>
-          <a:lstStyle/>
-          <a:p>
-            <a:pPr marL="0" lvl="0" indent="0" algn="r" rtl="0">
-              <a:spcBef>
-                <a:spcPts val="0"/>
-              </a:spcBef>
-              <a:spcAft>
-                <a:spcPts val="0"/>
-              </a:spcAft>
-              <a:buNone/>
-            </a:pPr>
-            <a:fld id="{00000000-1234-1234-1234-123412341234}" type="slidenum">
-              <a:rPr lang="ru" smtClean="0"/>
-              <a:t>9</a:t>
-            </a:fld>
-            <a:endParaRPr lang="ru"/>
-          </a:p>
-        </p:txBody>
-      </p:sp>
-    </p:spTree>
   </p:cSld>
   <p:clrMapOvr>
     <a:masterClrMapping/>

--- a/ScapeGoat Three.pptx
+++ b/ScapeGoat Three.pptx
@@ -6442,10 +6442,10 @@
       </p:sp>
       <p:pic>
         <p:nvPicPr>
-          <p:cNvPr id="10" name="Рисунок 9">
+          <p:cNvPr id="3" name="Рисунок 2">
             <a:extLst>
               <a:ext uri="{FF2B5EF4-FFF2-40B4-BE49-F238E27FC236}">
-                <a16:creationId xmlns:a16="http://schemas.microsoft.com/office/drawing/2014/main" id="{CD1C457D-8816-3701-B8B1-989637BE3364}"/>
+                <a16:creationId xmlns:a16="http://schemas.microsoft.com/office/drawing/2014/main" id="{C178BE16-3D0A-4B5D-DF3D-A736BB6698D8}"/>
               </a:ext>
             </a:extLst>
           </p:cNvPr>
@@ -6462,8 +6462,8 @@
         </p:blipFill>
         <p:spPr>
           <a:xfrm>
-            <a:off x="1714500" y="885825"/>
-            <a:ext cx="5715000" cy="3371850"/>
+            <a:off x="1724025" y="881062"/>
+            <a:ext cx="5695950" cy="3381375"/>
           </a:xfrm>
           <a:prstGeom prst="rect">
             <a:avLst/>
@@ -6540,10 +6540,10 @@
       </p:sp>
       <p:pic>
         <p:nvPicPr>
-          <p:cNvPr id="8" name="Рисунок 7">
+          <p:cNvPr id="6" name="Рисунок 5">
             <a:extLst>
               <a:ext uri="{FF2B5EF4-FFF2-40B4-BE49-F238E27FC236}">
-                <a16:creationId xmlns:a16="http://schemas.microsoft.com/office/drawing/2014/main" id="{980E0841-4885-B372-2F6C-BD31F0A302BC}"/>
+                <a16:creationId xmlns:a16="http://schemas.microsoft.com/office/drawing/2014/main" id="{A54628E7-95B3-AE43-AB08-5493F5AEF2DD}"/>
               </a:ext>
             </a:extLst>
           </p:cNvPr>
@@ -6560,8 +6560,8 @@
         </p:blipFill>
         <p:spPr>
           <a:xfrm>
-            <a:off x="1733550" y="881062"/>
-            <a:ext cx="5676900" cy="3381375"/>
+            <a:off x="1733550" y="900112"/>
+            <a:ext cx="5676900" cy="3343275"/>
           </a:xfrm>
           <a:prstGeom prst="rect">
             <a:avLst/>
